--- a/docs/Timelon.pptx
+++ b/docs/Timelon.pptx
@@ -7,17 +7,35 @@
   <p:sldIdLst>
     <p:sldId id="256" r:id="rId2"/>
     <p:sldId id="257" r:id="rId3"/>
-    <p:sldId id="258" r:id="rId4"/>
-    <p:sldId id="260" r:id="rId5"/>
-    <p:sldId id="261" r:id="rId6"/>
-    <p:sldId id="267" r:id="rId7"/>
-    <p:sldId id="268" r:id="rId8"/>
-    <p:sldId id="262" r:id="rId9"/>
-    <p:sldId id="269" r:id="rId10"/>
-    <p:sldId id="263" r:id="rId11"/>
-    <p:sldId id="264" r:id="rId12"/>
-    <p:sldId id="265" r:id="rId13"/>
-    <p:sldId id="266" r:id="rId14"/>
+    <p:sldId id="270" r:id="rId4"/>
+    <p:sldId id="271" r:id="rId5"/>
+    <p:sldId id="258" r:id="rId6"/>
+    <p:sldId id="272" r:id="rId7"/>
+    <p:sldId id="273" r:id="rId8"/>
+    <p:sldId id="274" r:id="rId9"/>
+    <p:sldId id="275" r:id="rId10"/>
+    <p:sldId id="276" r:id="rId11"/>
+    <p:sldId id="277" r:id="rId12"/>
+    <p:sldId id="280" r:id="rId13"/>
+    <p:sldId id="278" r:id="rId14"/>
+    <p:sldId id="279" r:id="rId15"/>
+    <p:sldId id="281" r:id="rId16"/>
+    <p:sldId id="260" r:id="rId17"/>
+    <p:sldId id="261" r:id="rId18"/>
+    <p:sldId id="267" r:id="rId19"/>
+    <p:sldId id="268" r:id="rId20"/>
+    <p:sldId id="269" r:id="rId21"/>
+    <p:sldId id="263" r:id="rId22"/>
+    <p:sldId id="282" r:id="rId23"/>
+    <p:sldId id="283" r:id="rId24"/>
+    <p:sldId id="284" r:id="rId25"/>
+    <p:sldId id="285" r:id="rId26"/>
+    <p:sldId id="286" r:id="rId27"/>
+    <p:sldId id="288" r:id="rId28"/>
+    <p:sldId id="289" r:id="rId29"/>
+    <p:sldId id="264" r:id="rId30"/>
+    <p:sldId id="265" r:id="rId31"/>
+    <p:sldId id="266" r:id="rId32"/>
   </p:sldIdLst>
   <p:sldSz cx="12192000" cy="6858000"/>
   <p:notesSz cx="6858000" cy="9144000"/>
@@ -166,9 +184,10 @@
           </a:lstStyle>
           <a:p>
             <a:r>
-              <a:rPr lang="ru-RU"/>
+              <a:rPr lang="ru-RU" smtClean="0"/>
               <a:t>Образец заголовка</a:t>
             </a:r>
+            <a:endParaRPr lang="ru-RU"/>
           </a:p>
         </p:txBody>
       </p:sp>
@@ -230,9 +249,10 @@
           </a:lstStyle>
           <a:p>
             <a:r>
-              <a:rPr lang="ru-RU"/>
+              <a:rPr lang="ru-RU" smtClean="0"/>
               <a:t>Образец подзаголовка</a:t>
             </a:r>
+            <a:endParaRPr lang="ru-RU"/>
           </a:p>
         </p:txBody>
       </p:sp>
@@ -347,9 +367,10 @@
           <a:lstStyle/>
           <a:p>
             <a:r>
-              <a:rPr lang="ru-RU"/>
+              <a:rPr lang="ru-RU" smtClean="0"/>
               <a:t>Образец заголовка</a:t>
             </a:r>
+            <a:endParaRPr lang="ru-RU"/>
           </a:p>
         </p:txBody>
       </p:sp>
@@ -370,37 +391,38 @@
           <a:p>
             <a:pPr lvl="0"/>
             <a:r>
-              <a:rPr lang="ru-RU"/>
+              <a:rPr lang="ru-RU" smtClean="0"/>
               <a:t>Образец текста</a:t>
             </a:r>
           </a:p>
           <a:p>
             <a:pPr lvl="1"/>
             <a:r>
-              <a:rPr lang="ru-RU"/>
+              <a:rPr lang="ru-RU" smtClean="0"/>
               <a:t>Второй уровень</a:t>
             </a:r>
           </a:p>
           <a:p>
             <a:pPr lvl="2"/>
             <a:r>
-              <a:rPr lang="ru-RU"/>
+              <a:rPr lang="ru-RU" smtClean="0"/>
               <a:t>Третий уровень</a:t>
             </a:r>
           </a:p>
           <a:p>
             <a:pPr lvl="3"/>
             <a:r>
-              <a:rPr lang="ru-RU"/>
+              <a:rPr lang="ru-RU" smtClean="0"/>
               <a:t>Четвертый уровень</a:t>
             </a:r>
           </a:p>
           <a:p>
             <a:pPr lvl="4"/>
             <a:r>
-              <a:rPr lang="ru-RU"/>
+              <a:rPr lang="ru-RU" smtClean="0"/>
               <a:t>Пятый уровень</a:t>
             </a:r>
+            <a:endParaRPr lang="ru-RU"/>
           </a:p>
         </p:txBody>
       </p:sp>
@@ -520,9 +542,10 @@
           <a:lstStyle/>
           <a:p>
             <a:r>
-              <a:rPr lang="ru-RU"/>
+              <a:rPr lang="ru-RU" smtClean="0"/>
               <a:t>Образец заголовка</a:t>
             </a:r>
+            <a:endParaRPr lang="ru-RU"/>
           </a:p>
         </p:txBody>
       </p:sp>
@@ -548,37 +571,38 @@
           <a:p>
             <a:pPr lvl="0"/>
             <a:r>
-              <a:rPr lang="ru-RU"/>
+              <a:rPr lang="ru-RU" smtClean="0"/>
               <a:t>Образец текста</a:t>
             </a:r>
           </a:p>
           <a:p>
             <a:pPr lvl="1"/>
             <a:r>
-              <a:rPr lang="ru-RU"/>
+              <a:rPr lang="ru-RU" smtClean="0"/>
               <a:t>Второй уровень</a:t>
             </a:r>
           </a:p>
           <a:p>
             <a:pPr lvl="2"/>
             <a:r>
-              <a:rPr lang="ru-RU"/>
+              <a:rPr lang="ru-RU" smtClean="0"/>
               <a:t>Третий уровень</a:t>
             </a:r>
           </a:p>
           <a:p>
             <a:pPr lvl="3"/>
             <a:r>
-              <a:rPr lang="ru-RU"/>
+              <a:rPr lang="ru-RU" smtClean="0"/>
               <a:t>Четвертый уровень</a:t>
             </a:r>
           </a:p>
           <a:p>
             <a:pPr lvl="4"/>
             <a:r>
-              <a:rPr lang="ru-RU"/>
+              <a:rPr lang="ru-RU" smtClean="0"/>
               <a:t>Пятый уровень</a:t>
             </a:r>
+            <a:endParaRPr lang="ru-RU"/>
           </a:p>
         </p:txBody>
       </p:sp>
@@ -693,9 +717,10 @@
           <a:lstStyle/>
           <a:p>
             <a:r>
-              <a:rPr lang="ru-RU"/>
+              <a:rPr lang="ru-RU" smtClean="0"/>
               <a:t>Образец заголовка</a:t>
             </a:r>
+            <a:endParaRPr lang="ru-RU"/>
           </a:p>
         </p:txBody>
       </p:sp>
@@ -716,37 +741,38 @@
           <a:p>
             <a:pPr lvl="0"/>
             <a:r>
-              <a:rPr lang="ru-RU"/>
+              <a:rPr lang="ru-RU" smtClean="0"/>
               <a:t>Образец текста</a:t>
             </a:r>
           </a:p>
           <a:p>
             <a:pPr lvl="1"/>
             <a:r>
-              <a:rPr lang="ru-RU"/>
+              <a:rPr lang="ru-RU" smtClean="0"/>
               <a:t>Второй уровень</a:t>
             </a:r>
           </a:p>
           <a:p>
             <a:pPr lvl="2"/>
             <a:r>
-              <a:rPr lang="ru-RU"/>
+              <a:rPr lang="ru-RU" smtClean="0"/>
               <a:t>Третий уровень</a:t>
             </a:r>
           </a:p>
           <a:p>
             <a:pPr lvl="3"/>
             <a:r>
-              <a:rPr lang="ru-RU"/>
+              <a:rPr lang="ru-RU" smtClean="0"/>
               <a:t>Четвертый уровень</a:t>
             </a:r>
           </a:p>
           <a:p>
             <a:pPr lvl="4"/>
             <a:r>
-              <a:rPr lang="ru-RU"/>
+              <a:rPr lang="ru-RU" smtClean="0"/>
               <a:t>Пятый уровень</a:t>
             </a:r>
+            <a:endParaRPr lang="ru-RU"/>
           </a:p>
         </p:txBody>
       </p:sp>
@@ -870,9 +896,10 @@
           </a:lstStyle>
           <a:p>
             <a:r>
-              <a:rPr lang="ru-RU"/>
+              <a:rPr lang="ru-RU" smtClean="0"/>
               <a:t>Образец заголовка</a:t>
             </a:r>
+            <a:endParaRPr lang="ru-RU"/>
           </a:p>
         </p:txBody>
       </p:sp>
@@ -989,7 +1016,7 @@
           <a:p>
             <a:pPr lvl="0"/>
             <a:r>
-              <a:rPr lang="ru-RU"/>
+              <a:rPr lang="ru-RU" smtClean="0"/>
               <a:t>Образец текста</a:t>
             </a:r>
           </a:p>
@@ -1106,9 +1133,10 @@
           <a:lstStyle/>
           <a:p>
             <a:r>
-              <a:rPr lang="ru-RU"/>
+              <a:rPr lang="ru-RU" smtClean="0"/>
               <a:t>Образец заголовка</a:t>
             </a:r>
+            <a:endParaRPr lang="ru-RU"/>
           </a:p>
         </p:txBody>
       </p:sp>
@@ -1134,37 +1162,38 @@
           <a:p>
             <a:pPr lvl="0"/>
             <a:r>
-              <a:rPr lang="ru-RU"/>
+              <a:rPr lang="ru-RU" smtClean="0"/>
               <a:t>Образец текста</a:t>
             </a:r>
           </a:p>
           <a:p>
             <a:pPr lvl="1"/>
             <a:r>
-              <a:rPr lang="ru-RU"/>
+              <a:rPr lang="ru-RU" smtClean="0"/>
               <a:t>Второй уровень</a:t>
             </a:r>
           </a:p>
           <a:p>
             <a:pPr lvl="2"/>
             <a:r>
-              <a:rPr lang="ru-RU"/>
+              <a:rPr lang="ru-RU" smtClean="0"/>
               <a:t>Третий уровень</a:t>
             </a:r>
           </a:p>
           <a:p>
             <a:pPr lvl="3"/>
             <a:r>
-              <a:rPr lang="ru-RU"/>
+              <a:rPr lang="ru-RU" smtClean="0"/>
               <a:t>Четвертый уровень</a:t>
             </a:r>
           </a:p>
           <a:p>
             <a:pPr lvl="4"/>
             <a:r>
-              <a:rPr lang="ru-RU"/>
+              <a:rPr lang="ru-RU" smtClean="0"/>
               <a:t>Пятый уровень</a:t>
             </a:r>
+            <a:endParaRPr lang="ru-RU"/>
           </a:p>
         </p:txBody>
       </p:sp>
@@ -1190,37 +1219,38 @@
           <a:p>
             <a:pPr lvl="0"/>
             <a:r>
-              <a:rPr lang="ru-RU"/>
+              <a:rPr lang="ru-RU" smtClean="0"/>
               <a:t>Образец текста</a:t>
             </a:r>
           </a:p>
           <a:p>
             <a:pPr lvl="1"/>
             <a:r>
-              <a:rPr lang="ru-RU"/>
+              <a:rPr lang="ru-RU" smtClean="0"/>
               <a:t>Второй уровень</a:t>
             </a:r>
           </a:p>
           <a:p>
             <a:pPr lvl="2"/>
             <a:r>
-              <a:rPr lang="ru-RU"/>
+              <a:rPr lang="ru-RU" smtClean="0"/>
               <a:t>Третий уровень</a:t>
             </a:r>
           </a:p>
           <a:p>
             <a:pPr lvl="3"/>
             <a:r>
-              <a:rPr lang="ru-RU"/>
+              <a:rPr lang="ru-RU" smtClean="0"/>
               <a:t>Четвертый уровень</a:t>
             </a:r>
           </a:p>
           <a:p>
             <a:pPr lvl="4"/>
             <a:r>
-              <a:rPr lang="ru-RU"/>
+              <a:rPr lang="ru-RU" smtClean="0"/>
               <a:t>Пятый уровень</a:t>
             </a:r>
+            <a:endParaRPr lang="ru-RU"/>
           </a:p>
         </p:txBody>
       </p:sp>
@@ -1340,9 +1370,10 @@
           <a:lstStyle/>
           <a:p>
             <a:r>
-              <a:rPr lang="ru-RU"/>
+              <a:rPr lang="ru-RU" smtClean="0"/>
               <a:t>Образец заголовка</a:t>
             </a:r>
+            <a:endParaRPr lang="ru-RU"/>
           </a:p>
         </p:txBody>
       </p:sp>
@@ -1405,7 +1436,7 @@
           <a:p>
             <a:pPr lvl="0"/>
             <a:r>
-              <a:rPr lang="ru-RU"/>
+              <a:rPr lang="ru-RU" smtClean="0"/>
               <a:t>Образец текста</a:t>
             </a:r>
           </a:p>
@@ -1433,37 +1464,38 @@
           <a:p>
             <a:pPr lvl="0"/>
             <a:r>
-              <a:rPr lang="ru-RU"/>
+              <a:rPr lang="ru-RU" smtClean="0"/>
               <a:t>Образец текста</a:t>
             </a:r>
           </a:p>
           <a:p>
             <a:pPr lvl="1"/>
             <a:r>
-              <a:rPr lang="ru-RU"/>
+              <a:rPr lang="ru-RU" smtClean="0"/>
               <a:t>Второй уровень</a:t>
             </a:r>
           </a:p>
           <a:p>
             <a:pPr lvl="2"/>
             <a:r>
-              <a:rPr lang="ru-RU"/>
+              <a:rPr lang="ru-RU" smtClean="0"/>
               <a:t>Третий уровень</a:t>
             </a:r>
           </a:p>
           <a:p>
             <a:pPr lvl="3"/>
             <a:r>
-              <a:rPr lang="ru-RU"/>
+              <a:rPr lang="ru-RU" smtClean="0"/>
               <a:t>Четвертый уровень</a:t>
             </a:r>
           </a:p>
           <a:p>
             <a:pPr lvl="4"/>
             <a:r>
-              <a:rPr lang="ru-RU"/>
+              <a:rPr lang="ru-RU" smtClean="0"/>
               <a:t>Пятый уровень</a:t>
             </a:r>
+            <a:endParaRPr lang="ru-RU"/>
           </a:p>
         </p:txBody>
       </p:sp>
@@ -1526,7 +1558,7 @@
           <a:p>
             <a:pPr lvl="0"/>
             <a:r>
-              <a:rPr lang="ru-RU"/>
+              <a:rPr lang="ru-RU" smtClean="0"/>
               <a:t>Образец текста</a:t>
             </a:r>
           </a:p>
@@ -1554,37 +1586,38 @@
           <a:p>
             <a:pPr lvl="0"/>
             <a:r>
-              <a:rPr lang="ru-RU"/>
+              <a:rPr lang="ru-RU" smtClean="0"/>
               <a:t>Образец текста</a:t>
             </a:r>
           </a:p>
           <a:p>
             <a:pPr lvl="1"/>
             <a:r>
-              <a:rPr lang="ru-RU"/>
+              <a:rPr lang="ru-RU" smtClean="0"/>
               <a:t>Второй уровень</a:t>
             </a:r>
           </a:p>
           <a:p>
             <a:pPr lvl="2"/>
             <a:r>
-              <a:rPr lang="ru-RU"/>
+              <a:rPr lang="ru-RU" smtClean="0"/>
               <a:t>Третий уровень</a:t>
             </a:r>
           </a:p>
           <a:p>
             <a:pPr lvl="3"/>
             <a:r>
-              <a:rPr lang="ru-RU"/>
+              <a:rPr lang="ru-RU" smtClean="0"/>
               <a:t>Четвертый уровень</a:t>
             </a:r>
           </a:p>
           <a:p>
             <a:pPr lvl="4"/>
             <a:r>
-              <a:rPr lang="ru-RU"/>
+              <a:rPr lang="ru-RU" smtClean="0"/>
               <a:t>Пятый уровень</a:t>
             </a:r>
+            <a:endParaRPr lang="ru-RU"/>
           </a:p>
         </p:txBody>
       </p:sp>
@@ -1699,9 +1732,10 @@
           <a:lstStyle/>
           <a:p>
             <a:r>
-              <a:rPr lang="ru-RU"/>
+              <a:rPr lang="ru-RU" smtClean="0"/>
               <a:t>Образец заголовка</a:t>
             </a:r>
+            <a:endParaRPr lang="ru-RU"/>
           </a:p>
         </p:txBody>
       </p:sp>
@@ -1920,9 +1954,10 @@
           </a:lstStyle>
           <a:p>
             <a:r>
-              <a:rPr lang="ru-RU"/>
+              <a:rPr lang="ru-RU" smtClean="0"/>
               <a:t>Образец заголовка</a:t>
             </a:r>
+            <a:endParaRPr lang="ru-RU"/>
           </a:p>
         </p:txBody>
       </p:sp>
@@ -1976,37 +2011,38 @@
           <a:p>
             <a:pPr lvl="0"/>
             <a:r>
-              <a:rPr lang="ru-RU"/>
+              <a:rPr lang="ru-RU" smtClean="0"/>
               <a:t>Образец текста</a:t>
             </a:r>
           </a:p>
           <a:p>
             <a:pPr lvl="1"/>
             <a:r>
-              <a:rPr lang="ru-RU"/>
+              <a:rPr lang="ru-RU" smtClean="0"/>
               <a:t>Второй уровень</a:t>
             </a:r>
           </a:p>
           <a:p>
             <a:pPr lvl="2"/>
             <a:r>
-              <a:rPr lang="ru-RU"/>
+              <a:rPr lang="ru-RU" smtClean="0"/>
               <a:t>Третий уровень</a:t>
             </a:r>
           </a:p>
           <a:p>
             <a:pPr lvl="3"/>
             <a:r>
-              <a:rPr lang="ru-RU"/>
+              <a:rPr lang="ru-RU" smtClean="0"/>
               <a:t>Четвертый уровень</a:t>
             </a:r>
           </a:p>
           <a:p>
             <a:pPr lvl="4"/>
             <a:r>
-              <a:rPr lang="ru-RU"/>
+              <a:rPr lang="ru-RU" smtClean="0"/>
               <a:t>Пятый уровень</a:t>
             </a:r>
+            <a:endParaRPr lang="ru-RU"/>
           </a:p>
         </p:txBody>
       </p:sp>
@@ -2069,7 +2105,7 @@
           <a:p>
             <a:pPr lvl="0"/>
             <a:r>
-              <a:rPr lang="ru-RU"/>
+              <a:rPr lang="ru-RU" smtClean="0"/>
               <a:t>Образец текста</a:t>
             </a:r>
           </a:p>
@@ -2195,9 +2231,10 @@
           </a:lstStyle>
           <a:p>
             <a:r>
-              <a:rPr lang="ru-RU"/>
+              <a:rPr lang="ru-RU" smtClean="0"/>
               <a:t>Образец заголовка</a:t>
             </a:r>
+            <a:endParaRPr lang="ru-RU"/>
           </a:p>
         </p:txBody>
       </p:sp>
@@ -2321,7 +2358,7 @@
           <a:p>
             <a:pPr lvl="0"/>
             <a:r>
-              <a:rPr lang="ru-RU"/>
+              <a:rPr lang="ru-RU" smtClean="0"/>
               <a:t>Образец текста</a:t>
             </a:r>
           </a:p>
@@ -2453,9 +2490,10 @@
           <a:lstStyle/>
           <a:p>
             <a:r>
-              <a:rPr lang="ru-RU"/>
+              <a:rPr lang="ru-RU" smtClean="0"/>
               <a:t>Образец заголовка</a:t>
             </a:r>
+            <a:endParaRPr lang="ru-RU"/>
           </a:p>
         </p:txBody>
       </p:sp>
@@ -2486,37 +2524,38 @@
           <a:p>
             <a:pPr lvl="0"/>
             <a:r>
-              <a:rPr lang="ru-RU"/>
+              <a:rPr lang="ru-RU" smtClean="0"/>
               <a:t>Образец текста</a:t>
             </a:r>
           </a:p>
           <a:p>
             <a:pPr lvl="1"/>
             <a:r>
-              <a:rPr lang="ru-RU"/>
+              <a:rPr lang="ru-RU" smtClean="0"/>
               <a:t>Второй уровень</a:t>
             </a:r>
           </a:p>
           <a:p>
             <a:pPr lvl="2"/>
             <a:r>
-              <a:rPr lang="ru-RU"/>
+              <a:rPr lang="ru-RU" smtClean="0"/>
               <a:t>Третий уровень</a:t>
             </a:r>
           </a:p>
           <a:p>
             <a:pPr lvl="3"/>
             <a:r>
-              <a:rPr lang="ru-RU"/>
+              <a:rPr lang="ru-RU" smtClean="0"/>
               <a:t>Четвертый уровень</a:t>
             </a:r>
           </a:p>
           <a:p>
             <a:pPr lvl="4"/>
             <a:r>
-              <a:rPr lang="ru-RU"/>
+              <a:rPr lang="ru-RU" smtClean="0"/>
               <a:t>Пятый уровень</a:t>
             </a:r>
+            <a:endParaRPr lang="ru-RU"/>
           </a:p>
         </p:txBody>
       </p:sp>
@@ -2976,7 +3015,7 @@
           <a:lstStyle/>
           <a:p>
             <a:r>
-              <a:rPr lang="en-US" dirty="0" err="1"/>
+              <a:rPr lang="en-US" dirty="0" err="1" smtClean="0"/>
               <a:t>Timelon</a:t>
             </a:r>
             <a:endParaRPr lang="ru-RU" dirty="0"/>
@@ -2999,7 +3038,7 @@
           <a:lstStyle/>
           <a:p>
             <a:r>
-              <a:rPr lang="en-US" dirty="0"/>
+              <a:rPr lang="en-US" dirty="0" smtClean="0"/>
               <a:t>By X2 Squad</a:t>
             </a:r>
             <a:endParaRPr lang="ru-RU" dirty="0"/>
@@ -3016,6 +3055,13 @@
   <p:clrMapOvr>
     <a:masterClrMapping/>
   </p:clrMapOvr>
+  <p:timing>
+    <p:tnLst>
+      <p:par>
+        <p:cTn id="1" dur="indefinite" restart="never" nodeType="tmRoot"/>
+      </p:par>
+    </p:tnLst>
+  </p:timing>
 </p:sld>
 </file>
 
@@ -3046,269 +3092,23 @@
             <p:ph type="title"/>
           </p:nvPr>
         </p:nvSpPr>
-        <p:spPr>
-          <a:xfrm>
-            <a:off x="838200" y="288180"/>
-            <a:ext cx="10515600" cy="1325563"/>
-          </a:xfrm>
-        </p:spPr>
-        <p:txBody>
-          <a:bodyPr/>
-          <a:lstStyle/>
-          <a:p>
-            <a:r>
-              <a:rPr lang="ru-RU" dirty="0"/>
-              <a:t>Тестирование</a:t>
-            </a:r>
-          </a:p>
-        </p:txBody>
-      </p:sp>
-      <p:sp>
-        <p:nvSpPr>
-          <p:cNvPr id="3" name="Прямоугольник 2"/>
-          <p:cNvSpPr/>
-          <p:nvPr/>
-        </p:nvSpPr>
-        <p:spPr>
-          <a:xfrm>
-            <a:off x="838200" y="1321356"/>
-            <a:ext cx="8848897" cy="584775"/>
-          </a:xfrm>
-          <a:prstGeom prst="rect">
-            <a:avLst/>
-          </a:prstGeom>
-        </p:spPr>
-        <p:txBody>
-          <a:bodyPr wrap="none">
-            <a:spAutoFit/>
-          </a:bodyPr>
-          <a:lstStyle/>
-          <a:p>
-            <a:r>
-              <a:rPr lang="ru-RU" sz="3200" dirty="0">
-                <a:latin typeface="+mj-lt"/>
-              </a:rPr>
-              <a:t>Консольный проект </a:t>
-            </a:r>
-            <a:r>
-              <a:rPr lang="en-US" sz="3200" dirty="0" err="1">
-                <a:latin typeface="+mj-lt"/>
-              </a:rPr>
-              <a:t>ConsoleTest.cs</a:t>
-            </a:r>
-            <a:r>
-              <a:rPr lang="en-US" sz="3200" dirty="0">
-                <a:latin typeface="+mj-lt"/>
-              </a:rPr>
-              <a:t> </a:t>
-            </a:r>
-            <a:r>
-              <a:rPr lang="ru-RU" sz="3200" dirty="0">
-                <a:latin typeface="+mj-lt"/>
-              </a:rPr>
-              <a:t>и </a:t>
-            </a:r>
-            <a:r>
-              <a:rPr lang="en-US" sz="3200" dirty="0" err="1">
-                <a:latin typeface="+mj-lt"/>
-              </a:rPr>
-              <a:t>Randomizer.cs</a:t>
-            </a:r>
-            <a:endParaRPr lang="en-US" sz="3200" dirty="0">
-              <a:latin typeface="+mj-lt"/>
-            </a:endParaRPr>
-          </a:p>
-        </p:txBody>
-      </p:sp>
-      <p:sp>
-        <p:nvSpPr>
-          <p:cNvPr id="5" name="Прямоугольник 4"/>
-          <p:cNvSpPr/>
-          <p:nvPr/>
-        </p:nvSpPr>
-        <p:spPr>
-          <a:xfrm>
-            <a:off x="838200" y="2062144"/>
-            <a:ext cx="7665368" cy="1754326"/>
-          </a:xfrm>
-          <a:prstGeom prst="rect">
-            <a:avLst/>
-          </a:prstGeom>
-        </p:spPr>
-        <p:txBody>
-          <a:bodyPr wrap="none">
-            <a:spAutoFit/>
-          </a:bodyPr>
-          <a:lstStyle/>
-          <a:p>
-            <a:r>
-              <a:rPr lang="ru-RU" dirty="0"/>
-              <a:t>Консольный проект включает в себя следующие тесты:</a:t>
-            </a:r>
-          </a:p>
-          <a:p>
-            <a:pPr marL="285750" indent="-285750">
-              <a:buFont typeface="Arial" panose="020B0604020202020204" pitchFamily="34" charset="0"/>
-              <a:buChar char="•"/>
-            </a:pPr>
-            <a:r>
-              <a:rPr lang="ru-RU" dirty="0"/>
-              <a:t>Тест создания случайных карт</a:t>
-            </a:r>
-          </a:p>
-          <a:p>
-            <a:pPr marL="285750" indent="-285750">
-              <a:buFont typeface="Arial" panose="020B0604020202020204" pitchFamily="34" charset="0"/>
-              <a:buChar char="•"/>
-            </a:pPr>
-            <a:r>
-              <a:rPr lang="ru-RU" dirty="0"/>
-              <a:t>Тест создания случайного списка карт и сортировки</a:t>
-            </a:r>
-          </a:p>
-          <a:p>
-            <a:pPr marL="285750" indent="-285750">
-              <a:buFont typeface="Arial" panose="020B0604020202020204" pitchFamily="34" charset="0"/>
-              <a:buChar char="•"/>
-            </a:pPr>
-            <a:r>
-              <a:rPr lang="ru-RU" dirty="0"/>
-              <a:t>Тест создания случайных списков карт в менеджере и работы с данными</a:t>
-            </a:r>
-          </a:p>
-          <a:p>
-            <a:pPr marL="285750" indent="-285750">
-              <a:buFont typeface="Arial" panose="020B0604020202020204" pitchFamily="34" charset="0"/>
-              <a:buChar char="•"/>
-            </a:pPr>
-            <a:r>
-              <a:rPr lang="ru-RU" dirty="0"/>
-              <a:t>Тест с измерением времени выполнения основных операций списка карт</a:t>
-            </a:r>
-          </a:p>
-          <a:p>
-            <a:pPr marL="285750" indent="-285750">
-              <a:buFont typeface="Arial" panose="020B0604020202020204" pitchFamily="34" charset="0"/>
-              <a:buChar char="•"/>
-            </a:pPr>
+        <p:spPr/>
+        <p:txBody>
+          <a:bodyPr/>
+          <a:lstStyle/>
+          <a:p>
+            <a:r>
+              <a:rPr lang="ru-RU" dirty="0" smtClean="0"/>
+              <a:t>Подсказки</a:t>
+            </a:r>
             <a:endParaRPr lang="ru-RU" dirty="0"/>
-          </a:p>
-        </p:txBody>
-      </p:sp>
-      <p:sp>
-        <p:nvSpPr>
-          <p:cNvPr id="6" name="Прямоугольник 5"/>
-          <p:cNvSpPr/>
-          <p:nvPr/>
-        </p:nvSpPr>
-        <p:spPr>
-          <a:xfrm>
-            <a:off x="834270" y="3524352"/>
-            <a:ext cx="8771283" cy="2031325"/>
-          </a:xfrm>
-          <a:prstGeom prst="rect">
-            <a:avLst/>
-          </a:prstGeom>
-        </p:spPr>
-        <p:txBody>
-          <a:bodyPr wrap="square">
-            <a:spAutoFit/>
-          </a:bodyPr>
-          <a:lstStyle/>
-          <a:p>
-            <a:r>
-              <a:rPr lang="ru-RU" dirty="0"/>
-              <a:t>Методы работы с генератором псевдо-случайных чисел.</a:t>
-            </a:r>
-          </a:p>
-          <a:p>
-            <a:pPr marL="285750" indent="-285750">
-              <a:buFont typeface="Arial" panose="020B0604020202020204" pitchFamily="34" charset="0"/>
-              <a:buChar char="•"/>
-            </a:pPr>
-            <a:r>
-              <a:rPr lang="ru-RU" dirty="0"/>
-              <a:t>Статический доступ к глобальному генератору псевдо-случайных чисел (</a:t>
-            </a:r>
-            <a:r>
-              <a:rPr lang="ru-RU" dirty="0" err="1"/>
-              <a:t>Random</a:t>
-            </a:r>
-            <a:r>
-              <a:rPr lang="ru-RU" dirty="0"/>
-              <a:t>)</a:t>
-            </a:r>
-          </a:p>
-          <a:p>
-            <a:pPr marL="285750" indent="-285750">
-              <a:buFont typeface="Arial" panose="020B0604020202020204" pitchFamily="34" charset="0"/>
-              <a:buChar char="•"/>
-            </a:pPr>
-            <a:r>
-              <a:rPr lang="ru-RU" dirty="0" err="1"/>
-              <a:t>NextBool</a:t>
-            </a:r>
-            <a:r>
-              <a:rPr lang="ru-RU" dirty="0"/>
-              <a:t> (Получение следующего случайного булевого значения)</a:t>
-            </a:r>
-          </a:p>
-          <a:p>
-            <a:pPr marL="285750" indent="-285750">
-              <a:buFont typeface="Arial" panose="020B0604020202020204" pitchFamily="34" charset="0"/>
-              <a:buChar char="•"/>
-            </a:pPr>
-            <a:r>
-              <a:rPr lang="ru-RU" dirty="0" err="1"/>
-              <a:t>NextString</a:t>
-            </a:r>
-            <a:r>
-              <a:rPr lang="ru-RU" dirty="0"/>
-              <a:t> (Получение следующей случайной строки заданной длины)</a:t>
-            </a:r>
-          </a:p>
-          <a:p>
-            <a:pPr marL="285750" indent="-285750">
-              <a:buFont typeface="Arial" panose="020B0604020202020204" pitchFamily="34" charset="0"/>
-              <a:buChar char="•"/>
-            </a:pPr>
-            <a:r>
-              <a:rPr lang="ru-RU" dirty="0" err="1"/>
-              <a:t>NextCollectionIndex</a:t>
-            </a:r>
-            <a:r>
-              <a:rPr lang="ru-RU" dirty="0"/>
-              <a:t> (Получение следующего случайного индекса заданной коллекции)</a:t>
-            </a:r>
-          </a:p>
-          <a:p>
-            <a:pPr marL="285750" indent="-285750">
-              <a:buFont typeface="Arial" panose="020B0604020202020204" pitchFamily="34" charset="0"/>
-              <a:buChar char="•"/>
-            </a:pPr>
-            <a:r>
-              <a:rPr lang="ru-RU" dirty="0" err="1"/>
-              <a:t>NextDateTime</a:t>
-            </a:r>
-            <a:r>
-              <a:rPr lang="ru-RU" dirty="0"/>
-              <a:t> (Получение следующих даты и времени (</a:t>
-            </a:r>
-            <a:r>
-              <a:rPr lang="ru-RU" dirty="0" err="1"/>
-              <a:t>DateTime</a:t>
-            </a:r>
-            <a:r>
-              <a:rPr lang="ru-RU" dirty="0"/>
-              <a:t>))</a:t>
-            </a:r>
           </a:p>
         </p:txBody>
       </p:sp>
     </p:spTree>
     <p:extLst>
       <p:ext uri="{BB962C8B-B14F-4D97-AF65-F5344CB8AC3E}">
-        <p14:creationId xmlns:p14="http://schemas.microsoft.com/office/powerpoint/2010/main" val="1424994494"/>
+        <p14:creationId xmlns:p14="http://schemas.microsoft.com/office/powerpoint/2010/main" val="2686018467"/>
       </p:ext>
     </p:extLst>
   </p:cSld>
@@ -3351,16 +3151,17 @@
           <a:lstStyle/>
           <a:p>
             <a:r>
-              <a:rPr lang="ru-RU" dirty="0"/>
-              <a:t>Практическая ценность</a:t>
-            </a:r>
+              <a:rPr lang="ru-RU" dirty="0" smtClean="0"/>
+              <a:t>Интерфейс</a:t>
+            </a:r>
+            <a:endParaRPr lang="ru-RU" dirty="0"/>
           </a:p>
         </p:txBody>
       </p:sp>
     </p:spTree>
     <p:extLst>
       <p:ext uri="{BB962C8B-B14F-4D97-AF65-F5344CB8AC3E}">
-        <p14:creationId xmlns:p14="http://schemas.microsoft.com/office/powerpoint/2010/main" val="1119145762"/>
+        <p14:creationId xmlns:p14="http://schemas.microsoft.com/office/powerpoint/2010/main" val="462159840"/>
       </p:ext>
     </p:extLst>
   </p:cSld>
@@ -3403,9 +3204,2721 @@
           <a:lstStyle/>
           <a:p>
             <a:r>
-              <a:rPr lang="ru-RU" dirty="0"/>
+              <a:rPr lang="en-US" dirty="0" smtClean="0"/>
+              <a:t>MVVM</a:t>
+            </a:r>
+            <a:endParaRPr lang="ru-RU" dirty="0"/>
+          </a:p>
+        </p:txBody>
+      </p:sp>
+    </p:spTree>
+    <p:extLst>
+      <p:ext uri="{BB962C8B-B14F-4D97-AF65-F5344CB8AC3E}">
+        <p14:creationId xmlns:p14="http://schemas.microsoft.com/office/powerpoint/2010/main" val="473855677"/>
+      </p:ext>
+    </p:extLst>
+  </p:cSld>
+  <p:clrMapOvr>
+    <a:masterClrMapping/>
+  </p:clrMapOvr>
+</p:sld>
+</file>
+
+<file path=ppt/slides/slide13.xml><?xml version="1.0" encoding="utf-8"?>
+<p:sld xmlns:a="http://schemas.openxmlformats.org/drawingml/2006/main" xmlns:r="http://schemas.openxmlformats.org/officeDocument/2006/relationships" xmlns:p="http://schemas.openxmlformats.org/presentationml/2006/main">
+  <p:cSld>
+    <p:spTree>
+      <p:nvGrpSpPr>
+        <p:cNvPr id="1" name=""/>
+        <p:cNvGrpSpPr/>
+        <p:nvPr/>
+      </p:nvGrpSpPr>
+      <p:grpSpPr>
+        <a:xfrm>
+          <a:off x="0" y="0"/>
+          <a:ext cx="0" cy="0"/>
+          <a:chOff x="0" y="0"/>
+          <a:chExt cx="0" cy="0"/>
+        </a:xfrm>
+      </p:grpSpPr>
+      <p:sp>
+        <p:nvSpPr>
+          <p:cNvPr id="2" name="Заголовок 1"/>
+          <p:cNvSpPr>
+            <a:spLocks noGrp="1"/>
+          </p:cNvSpPr>
+          <p:nvPr>
+            <p:ph type="title"/>
+          </p:nvPr>
+        </p:nvSpPr>
+        <p:spPr/>
+        <p:txBody>
+          <a:bodyPr/>
+          <a:lstStyle/>
+          <a:p>
+            <a:r>
+              <a:rPr lang="en-US" dirty="0" smtClean="0"/>
+              <a:t>WPF </a:t>
+            </a:r>
+            <a:r>
+              <a:rPr lang="ru-RU" dirty="0" smtClean="0"/>
+              <a:t>и </a:t>
+            </a:r>
+            <a:r>
+              <a:rPr lang="en-US" dirty="0" smtClean="0"/>
+              <a:t>XAML</a:t>
+            </a:r>
+            <a:endParaRPr lang="ru-RU" dirty="0"/>
+          </a:p>
+        </p:txBody>
+      </p:sp>
+    </p:spTree>
+    <p:extLst>
+      <p:ext uri="{BB962C8B-B14F-4D97-AF65-F5344CB8AC3E}">
+        <p14:creationId xmlns:p14="http://schemas.microsoft.com/office/powerpoint/2010/main" val="2721991918"/>
+      </p:ext>
+    </p:extLst>
+  </p:cSld>
+  <p:clrMapOvr>
+    <a:masterClrMapping/>
+  </p:clrMapOvr>
+</p:sld>
+</file>
+
+<file path=ppt/slides/slide14.xml><?xml version="1.0" encoding="utf-8"?>
+<p:sld xmlns:a="http://schemas.openxmlformats.org/drawingml/2006/main" xmlns:r="http://schemas.openxmlformats.org/officeDocument/2006/relationships" xmlns:p="http://schemas.openxmlformats.org/presentationml/2006/main">
+  <p:cSld>
+    <p:spTree>
+      <p:nvGrpSpPr>
+        <p:cNvPr id="1" name=""/>
+        <p:cNvGrpSpPr/>
+        <p:nvPr/>
+      </p:nvGrpSpPr>
+      <p:grpSpPr>
+        <a:xfrm>
+          <a:off x="0" y="0"/>
+          <a:ext cx="0" cy="0"/>
+          <a:chOff x="0" y="0"/>
+          <a:chExt cx="0" cy="0"/>
+        </a:xfrm>
+      </p:grpSpPr>
+      <p:sp>
+        <p:nvSpPr>
+          <p:cNvPr id="2" name="Заголовок 1"/>
+          <p:cNvSpPr>
+            <a:spLocks noGrp="1"/>
+          </p:cNvSpPr>
+          <p:nvPr>
+            <p:ph type="title"/>
+          </p:nvPr>
+        </p:nvSpPr>
+        <p:spPr/>
+        <p:txBody>
+          <a:bodyPr/>
+          <a:lstStyle/>
+          <a:p>
+            <a:r>
+              <a:rPr lang="ru-RU" dirty="0" smtClean="0"/>
+              <a:t>Стили</a:t>
+            </a:r>
+            <a:endParaRPr lang="ru-RU" dirty="0"/>
+          </a:p>
+        </p:txBody>
+      </p:sp>
+    </p:spTree>
+    <p:extLst>
+      <p:ext uri="{BB962C8B-B14F-4D97-AF65-F5344CB8AC3E}">
+        <p14:creationId xmlns:p14="http://schemas.microsoft.com/office/powerpoint/2010/main" val="3996808564"/>
+      </p:ext>
+    </p:extLst>
+  </p:cSld>
+  <p:clrMapOvr>
+    <a:masterClrMapping/>
+  </p:clrMapOvr>
+</p:sld>
+</file>
+
+<file path=ppt/slides/slide15.xml><?xml version="1.0" encoding="utf-8"?>
+<p:sld xmlns:a="http://schemas.openxmlformats.org/drawingml/2006/main" xmlns:r="http://schemas.openxmlformats.org/officeDocument/2006/relationships" xmlns:p="http://schemas.openxmlformats.org/presentationml/2006/main">
+  <p:cSld>
+    <p:spTree>
+      <p:nvGrpSpPr>
+        <p:cNvPr id="1" name=""/>
+        <p:cNvGrpSpPr/>
+        <p:nvPr/>
+      </p:nvGrpSpPr>
+      <p:grpSpPr>
+        <a:xfrm>
+          <a:off x="0" y="0"/>
+          <a:ext cx="0" cy="0"/>
+          <a:chOff x="0" y="0"/>
+          <a:chExt cx="0" cy="0"/>
+        </a:xfrm>
+      </p:grpSpPr>
+      <p:sp>
+        <p:nvSpPr>
+          <p:cNvPr id="2" name="Заголовок 1"/>
+          <p:cNvSpPr>
+            <a:spLocks noGrp="1"/>
+          </p:cNvSpPr>
+          <p:nvPr>
+            <p:ph type="title"/>
+          </p:nvPr>
+        </p:nvSpPr>
+        <p:spPr/>
+        <p:txBody>
+          <a:bodyPr/>
+          <a:lstStyle/>
+          <a:p>
+            <a:r>
+              <a:rPr lang="ru-RU" dirty="0" smtClean="0"/>
+              <a:t>Библиотека классов</a:t>
+            </a:r>
+            <a:endParaRPr lang="ru-RU" dirty="0"/>
+          </a:p>
+        </p:txBody>
+      </p:sp>
+    </p:spTree>
+    <p:extLst>
+      <p:ext uri="{BB962C8B-B14F-4D97-AF65-F5344CB8AC3E}">
+        <p14:creationId xmlns:p14="http://schemas.microsoft.com/office/powerpoint/2010/main" val="308100050"/>
+      </p:ext>
+    </p:extLst>
+  </p:cSld>
+  <p:clrMapOvr>
+    <a:masterClrMapping/>
+  </p:clrMapOvr>
+</p:sld>
+</file>
+
+<file path=ppt/slides/slide16.xml><?xml version="1.0" encoding="utf-8"?>
+<p:sld xmlns:a="http://schemas.openxmlformats.org/drawingml/2006/main" xmlns:r="http://schemas.openxmlformats.org/officeDocument/2006/relationships" xmlns:p="http://schemas.openxmlformats.org/presentationml/2006/main">
+  <p:cSld>
+    <p:spTree>
+      <p:nvGrpSpPr>
+        <p:cNvPr id="1" name=""/>
+        <p:cNvGrpSpPr/>
+        <p:nvPr/>
+      </p:nvGrpSpPr>
+      <p:grpSpPr>
+        <a:xfrm>
+          <a:off x="0" y="0"/>
+          <a:ext cx="0" cy="0"/>
+          <a:chOff x="0" y="0"/>
+          <a:chExt cx="0" cy="0"/>
+        </a:xfrm>
+      </p:grpSpPr>
+      <p:sp>
+        <p:nvSpPr>
+          <p:cNvPr id="2" name="Заголовок 1"/>
+          <p:cNvSpPr>
+            <a:spLocks noGrp="1"/>
+          </p:cNvSpPr>
+          <p:nvPr>
+            <p:ph type="title"/>
+          </p:nvPr>
+        </p:nvSpPr>
+        <p:spPr/>
+        <p:txBody>
+          <a:bodyPr/>
+          <a:lstStyle/>
+          <a:p>
+            <a:r>
+              <a:rPr lang="ru-RU" dirty="0"/>
+              <a:t>Пространство имен </a:t>
+            </a:r>
+            <a:r>
+              <a:rPr lang="en-US" dirty="0" err="1"/>
+              <a:t>TimelonCL</a:t>
+            </a:r>
+            <a:endParaRPr lang="ru-RU" dirty="0"/>
+          </a:p>
+        </p:txBody>
+      </p:sp>
+      <p:sp>
+        <p:nvSpPr>
+          <p:cNvPr id="4" name="Прямоугольник 3"/>
+          <p:cNvSpPr/>
+          <p:nvPr/>
+        </p:nvSpPr>
+        <p:spPr>
+          <a:xfrm>
+            <a:off x="838200" y="2021614"/>
+            <a:ext cx="9986554" cy="3416320"/>
+          </a:xfrm>
+          <a:prstGeom prst="rect">
+            <a:avLst/>
+          </a:prstGeom>
+        </p:spPr>
+        <p:txBody>
+          <a:bodyPr wrap="square">
+            <a:spAutoFit/>
+          </a:bodyPr>
+          <a:lstStyle/>
+          <a:p>
+            <a:pPr algn="just"/>
+            <a:r>
+              <a:rPr lang="ru-RU" dirty="0" smtClean="0"/>
+              <a:t>Класс Менеджер </a:t>
+            </a:r>
+            <a:r>
+              <a:rPr lang="ru-RU" dirty="0"/>
+              <a:t>содержит в себе сортированный список всех объектов </a:t>
+            </a:r>
+            <a:r>
+              <a:rPr lang="ru-RU" dirty="0" err="1"/>
+              <a:t>CardList</a:t>
+            </a:r>
+            <a:r>
+              <a:rPr lang="ru-RU" dirty="0"/>
+              <a:t> </a:t>
+            </a:r>
+            <a:r>
+              <a:rPr lang="ru-RU" dirty="0" smtClean="0"/>
+              <a:t>и </a:t>
+            </a:r>
+            <a:r>
+              <a:rPr lang="ru-RU" dirty="0"/>
+              <a:t>базовые методы работы с ним, такие как:</a:t>
+            </a:r>
+          </a:p>
+          <a:p>
+            <a:pPr marL="285750" indent="-285750" algn="just">
+              <a:buFont typeface="Arial" panose="020B0604020202020204" pitchFamily="34" charset="0"/>
+              <a:buChar char="•"/>
+            </a:pPr>
+            <a:r>
+              <a:rPr lang="ru-RU" dirty="0" err="1" smtClean="0"/>
+              <a:t>GetList</a:t>
+            </a:r>
+            <a:r>
+              <a:rPr lang="ru-RU" dirty="0" smtClean="0"/>
+              <a:t> </a:t>
+            </a:r>
+            <a:r>
+              <a:rPr lang="ru-RU" dirty="0"/>
+              <a:t>(Получение списка)</a:t>
+            </a:r>
+          </a:p>
+          <a:p>
+            <a:pPr marL="285750" indent="-285750" algn="just">
+              <a:buFont typeface="Arial" panose="020B0604020202020204" pitchFamily="34" charset="0"/>
+              <a:buChar char="•"/>
+            </a:pPr>
+            <a:r>
+              <a:rPr lang="ru-RU" dirty="0" err="1" smtClean="0"/>
+              <a:t>SetList</a:t>
+            </a:r>
+            <a:r>
+              <a:rPr lang="ru-RU" dirty="0" smtClean="0"/>
+              <a:t> </a:t>
+            </a:r>
+            <a:r>
+              <a:rPr lang="ru-RU" dirty="0"/>
+              <a:t>(Вставка Списка)</a:t>
+            </a:r>
+          </a:p>
+          <a:p>
+            <a:pPr marL="285750" indent="-285750" algn="just">
+              <a:buFont typeface="Arial" panose="020B0604020202020204" pitchFamily="34" charset="0"/>
+              <a:buChar char="•"/>
+            </a:pPr>
+            <a:r>
+              <a:rPr lang="ru-RU" dirty="0" err="1" smtClean="0"/>
+              <a:t>RemoveList</a:t>
+            </a:r>
+            <a:r>
+              <a:rPr lang="ru-RU" dirty="0" smtClean="0"/>
+              <a:t> </a:t>
+            </a:r>
+            <a:r>
+              <a:rPr lang="ru-RU" dirty="0"/>
+              <a:t>(Удаление </a:t>
+            </a:r>
+            <a:r>
+              <a:rPr lang="ru-RU" dirty="0" smtClean="0"/>
+              <a:t>Списка)</a:t>
+            </a:r>
+          </a:p>
+          <a:p>
+            <a:pPr marL="285750" indent="-285750" algn="just">
+              <a:buFont typeface="Arial" panose="020B0604020202020204" pitchFamily="34" charset="0"/>
+              <a:buChar char="•"/>
+            </a:pPr>
+            <a:r>
+              <a:rPr lang="ru-RU" dirty="0" err="1" smtClean="0"/>
+              <a:t>ContainsList</a:t>
+            </a:r>
+            <a:r>
+              <a:rPr lang="ru-RU" dirty="0" smtClean="0"/>
+              <a:t> (Проверка на существование Списка)</a:t>
+            </a:r>
+          </a:p>
+          <a:p>
+            <a:pPr marL="285750" indent="-285750" algn="just">
+              <a:buFont typeface="Arial" panose="020B0604020202020204" pitchFamily="34" charset="0"/>
+              <a:buChar char="•"/>
+            </a:pPr>
+            <a:r>
+              <a:rPr lang="ru-RU" dirty="0" err="1" smtClean="0"/>
+              <a:t>SearchByContent</a:t>
+            </a:r>
+            <a:r>
+              <a:rPr lang="ru-RU" dirty="0" smtClean="0"/>
+              <a:t> </a:t>
+            </a:r>
+            <a:r>
+              <a:rPr lang="ru-RU" dirty="0"/>
+              <a:t>(Поиск по контенту во всех Списках)</a:t>
+            </a:r>
+          </a:p>
+          <a:p>
+            <a:pPr marL="285750" indent="-285750" algn="just">
+              <a:buFont typeface="Arial" panose="020B0604020202020204" pitchFamily="34" charset="0"/>
+              <a:buChar char="•"/>
+            </a:pPr>
+            <a:r>
+              <a:rPr lang="ru-RU" dirty="0" err="1" smtClean="0"/>
+              <a:t>InjectEssentials</a:t>
+            </a:r>
+            <a:r>
+              <a:rPr lang="ru-RU" dirty="0" smtClean="0"/>
+              <a:t> </a:t>
+            </a:r>
+            <a:r>
+              <a:rPr lang="ru-RU" dirty="0"/>
+              <a:t>(Внедрить закрепленные Списки</a:t>
+            </a:r>
+            <a:r>
+              <a:rPr lang="ru-RU" dirty="0" smtClean="0"/>
+              <a:t>)</a:t>
+            </a:r>
+            <a:endParaRPr lang="en-US" dirty="0" smtClean="0"/>
+          </a:p>
+          <a:p>
+            <a:pPr marL="285750" indent="-285750" algn="just">
+              <a:buFont typeface="Arial" panose="020B0604020202020204" pitchFamily="34" charset="0"/>
+              <a:buChar char="•"/>
+            </a:pPr>
+            <a:endParaRPr lang="en-US" dirty="0" smtClean="0"/>
+          </a:p>
+          <a:p>
+            <a:pPr algn="just"/>
+            <a:r>
+              <a:rPr lang="ru-RU" dirty="0" smtClean="0"/>
+              <a:t>Также в классе реализованы методы работы с данными:</a:t>
+            </a:r>
+          </a:p>
+          <a:p>
+            <a:pPr marL="285750" indent="-285750" algn="just">
+              <a:buFont typeface="Arial" panose="020B0604020202020204" pitchFamily="34" charset="0"/>
+              <a:buChar char="•"/>
+            </a:pPr>
+            <a:r>
+              <a:rPr lang="ru-RU" dirty="0" err="1" smtClean="0"/>
+              <a:t>Sync</a:t>
+            </a:r>
+            <a:r>
+              <a:rPr lang="ru-RU" dirty="0" smtClean="0"/>
+              <a:t> </a:t>
+            </a:r>
+            <a:r>
+              <a:rPr lang="ru-RU" dirty="0"/>
+              <a:t>(Сохранить данные в файл) </a:t>
+            </a:r>
+            <a:r>
+              <a:rPr lang="ru-RU" dirty="0" smtClean="0"/>
+              <a:t> </a:t>
+            </a:r>
+          </a:p>
+          <a:p>
+            <a:pPr marL="285750" indent="-285750" algn="just">
+              <a:buFont typeface="Arial" panose="020B0604020202020204" pitchFamily="34" charset="0"/>
+              <a:buChar char="•"/>
+            </a:pPr>
+            <a:r>
+              <a:rPr lang="ru-RU" dirty="0" err="1" smtClean="0"/>
+              <a:t>Load</a:t>
+            </a:r>
+            <a:r>
+              <a:rPr lang="ru-RU" dirty="0" smtClean="0"/>
+              <a:t> </a:t>
+            </a:r>
+            <a:r>
+              <a:rPr lang="ru-RU" dirty="0"/>
+              <a:t>(Загрузить данные из файла</a:t>
+            </a:r>
+            <a:r>
+              <a:rPr lang="ru-RU" dirty="0" smtClean="0"/>
+              <a:t>)</a:t>
+            </a:r>
+            <a:endParaRPr lang="ru-RU" dirty="0"/>
+          </a:p>
+        </p:txBody>
+      </p:sp>
+      <p:sp>
+        <p:nvSpPr>
+          <p:cNvPr id="5" name="Прямоугольник 4"/>
+          <p:cNvSpPr/>
+          <p:nvPr/>
+        </p:nvSpPr>
+        <p:spPr>
+          <a:xfrm>
+            <a:off x="838200" y="1283788"/>
+            <a:ext cx="2750305" cy="584775"/>
+          </a:xfrm>
+          <a:prstGeom prst="rect">
+            <a:avLst/>
+          </a:prstGeom>
+        </p:spPr>
+        <p:txBody>
+          <a:bodyPr wrap="none">
+            <a:spAutoFit/>
+          </a:bodyPr>
+          <a:lstStyle/>
+          <a:p>
+            <a:r>
+              <a:rPr lang="ru-RU" sz="3200" dirty="0">
+                <a:latin typeface="+mj-lt"/>
+              </a:rPr>
+              <a:t>Класс </a:t>
+            </a:r>
+            <a:r>
+              <a:rPr lang="en-US" sz="3200" dirty="0">
+                <a:latin typeface="+mj-lt"/>
+              </a:rPr>
+              <a:t>Manager</a:t>
+            </a:r>
+          </a:p>
+        </p:txBody>
+      </p:sp>
+    </p:spTree>
+    <p:extLst>
+      <p:ext uri="{BB962C8B-B14F-4D97-AF65-F5344CB8AC3E}">
+        <p14:creationId xmlns:p14="http://schemas.microsoft.com/office/powerpoint/2010/main" val="11317772"/>
+      </p:ext>
+    </p:extLst>
+  </p:cSld>
+  <p:clrMapOvr>
+    <a:masterClrMapping/>
+  </p:clrMapOvr>
+  <p:timing>
+    <p:tnLst>
+      <p:par>
+        <p:cTn id="1" dur="indefinite" restart="never" nodeType="tmRoot"/>
+      </p:par>
+    </p:tnLst>
+  </p:timing>
+</p:sld>
+</file>
+
+<file path=ppt/slides/slide17.xml><?xml version="1.0" encoding="utf-8"?>
+<p:sld xmlns:a="http://schemas.openxmlformats.org/drawingml/2006/main" xmlns:r="http://schemas.openxmlformats.org/officeDocument/2006/relationships" xmlns:p="http://schemas.openxmlformats.org/presentationml/2006/main">
+  <p:cSld>
+    <p:spTree>
+      <p:nvGrpSpPr>
+        <p:cNvPr id="1" name=""/>
+        <p:cNvGrpSpPr/>
+        <p:nvPr/>
+      </p:nvGrpSpPr>
+      <p:grpSpPr>
+        <a:xfrm>
+          <a:off x="0" y="0"/>
+          <a:ext cx="0" cy="0"/>
+          <a:chOff x="0" y="0"/>
+          <a:chExt cx="0" cy="0"/>
+        </a:xfrm>
+      </p:grpSpPr>
+      <p:sp>
+        <p:nvSpPr>
+          <p:cNvPr id="2" name="Заголовок 1"/>
+          <p:cNvSpPr>
+            <a:spLocks noGrp="1"/>
+          </p:cNvSpPr>
+          <p:nvPr>
+            <p:ph type="title"/>
+          </p:nvPr>
+        </p:nvSpPr>
+        <p:spPr/>
+        <p:txBody>
+          <a:bodyPr/>
+          <a:lstStyle/>
+          <a:p>
+            <a:r>
+              <a:rPr lang="ru-RU" dirty="0"/>
+              <a:t>Пространство имен </a:t>
+            </a:r>
+            <a:r>
+              <a:rPr lang="en-US" dirty="0" err="1" smtClean="0"/>
+              <a:t>TimelonCl.Data</a:t>
+            </a:r>
+            <a:endParaRPr lang="ru-RU" dirty="0"/>
+          </a:p>
+        </p:txBody>
+      </p:sp>
+      <p:sp>
+        <p:nvSpPr>
+          <p:cNvPr id="4" name="Прямоугольник 3"/>
+          <p:cNvSpPr/>
+          <p:nvPr/>
+        </p:nvSpPr>
+        <p:spPr>
+          <a:xfrm>
+            <a:off x="838200" y="1321356"/>
+            <a:ext cx="7759560" cy="584775"/>
+          </a:xfrm>
+          <a:prstGeom prst="rect">
+            <a:avLst/>
+          </a:prstGeom>
+        </p:spPr>
+        <p:txBody>
+          <a:bodyPr wrap="none">
+            <a:spAutoFit/>
+          </a:bodyPr>
+          <a:lstStyle/>
+          <a:p>
+            <a:r>
+              <a:rPr lang="ru-RU" sz="3200" dirty="0" smtClean="0">
+                <a:latin typeface="+mj-lt"/>
+              </a:rPr>
+              <a:t>Абстрактные классы </a:t>
+            </a:r>
+            <a:r>
+              <a:rPr lang="en-US" sz="3200" dirty="0" smtClean="0">
+                <a:latin typeface="+mj-lt"/>
+              </a:rPr>
+              <a:t>Unique</a:t>
+            </a:r>
+            <a:r>
+              <a:rPr lang="ru-RU" sz="3200" dirty="0" smtClean="0">
+                <a:latin typeface="+mj-lt"/>
+              </a:rPr>
+              <a:t> и </a:t>
+            </a:r>
+            <a:r>
+              <a:rPr lang="en-US" sz="3200" dirty="0" err="1" smtClean="0">
+                <a:latin typeface="+mj-lt"/>
+              </a:rPr>
+              <a:t>DataContainer</a:t>
+            </a:r>
+            <a:endParaRPr lang="en-US" sz="3200" dirty="0">
+              <a:latin typeface="+mj-lt"/>
+            </a:endParaRPr>
+          </a:p>
+        </p:txBody>
+      </p:sp>
+      <p:sp>
+        <p:nvSpPr>
+          <p:cNvPr id="5" name="Прямоугольник 4"/>
+          <p:cNvSpPr/>
+          <p:nvPr/>
+        </p:nvSpPr>
+        <p:spPr>
+          <a:xfrm>
+            <a:off x="838199" y="2156774"/>
+            <a:ext cx="9986555" cy="3416320"/>
+          </a:xfrm>
+          <a:prstGeom prst="rect">
+            <a:avLst/>
+          </a:prstGeom>
+        </p:spPr>
+        <p:txBody>
+          <a:bodyPr wrap="square">
+            <a:spAutoFit/>
+          </a:bodyPr>
+          <a:lstStyle/>
+          <a:p>
+            <a:pPr algn="just"/>
+            <a:r>
+              <a:rPr lang="ru-RU" dirty="0"/>
+              <a:t>Уникальный </a:t>
+            </a:r>
+            <a:r>
+              <a:rPr lang="ru-RU" dirty="0" smtClean="0"/>
+              <a:t>Класс</a:t>
+            </a:r>
+            <a:r>
+              <a:rPr lang="en-US" dirty="0"/>
+              <a:t> Unique</a:t>
+            </a:r>
+            <a:r>
+              <a:rPr lang="ru-RU" dirty="0" smtClean="0"/>
+              <a:t> содержит в себе:</a:t>
+            </a:r>
+            <a:endParaRPr lang="en-US" dirty="0" smtClean="0"/>
+          </a:p>
+          <a:p>
+            <a:pPr marL="285750" indent="-285750" algn="just">
+              <a:buFont typeface="Arial" panose="020B0604020202020204" pitchFamily="34" charset="0"/>
+              <a:buChar char="•"/>
+            </a:pPr>
+            <a:r>
+              <a:rPr lang="en-US" dirty="0"/>
+              <a:t>A</a:t>
+            </a:r>
+            <a:r>
+              <a:rPr lang="ru-RU" dirty="0" err="1" smtClean="0"/>
+              <a:t>томатическую</a:t>
+            </a:r>
+            <a:r>
+              <a:rPr lang="ru-RU" dirty="0" smtClean="0"/>
+              <a:t> </a:t>
+            </a:r>
+            <a:r>
+              <a:rPr lang="ru-RU" dirty="0"/>
+              <a:t>генерацию уникальных идентификаторов в текущей сессии. </a:t>
+            </a:r>
+            <a:endParaRPr lang="ru-RU" dirty="0" smtClean="0"/>
+          </a:p>
+          <a:p>
+            <a:pPr marL="285750" indent="-285750" algn="just">
+              <a:buFont typeface="Arial" panose="020B0604020202020204" pitchFamily="34" charset="0"/>
+              <a:buChar char="•"/>
+            </a:pPr>
+            <a:r>
+              <a:rPr lang="ru-RU" dirty="0"/>
+              <a:t>П</a:t>
+            </a:r>
+            <a:r>
+              <a:rPr lang="ru-RU" dirty="0" smtClean="0"/>
+              <a:t>оля </a:t>
+            </a:r>
+            <a:r>
+              <a:rPr lang="ru-RU" dirty="0"/>
+              <a:t>и доступ к ним для идентификаторов и названий объектов, наследующих эту абстракцию. </a:t>
+            </a:r>
+            <a:endParaRPr lang="ru-RU" dirty="0" smtClean="0"/>
+          </a:p>
+          <a:p>
+            <a:pPr marL="285750" indent="-285750" algn="just">
+              <a:buFont typeface="Arial" panose="020B0604020202020204" pitchFamily="34" charset="0"/>
+              <a:buChar char="•"/>
+            </a:pPr>
+            <a:r>
+              <a:rPr lang="ru-RU" dirty="0" smtClean="0"/>
+              <a:t>Функция </a:t>
+            </a:r>
+            <a:r>
+              <a:rPr lang="ru-RU" dirty="0" err="1"/>
+              <a:t>Register</a:t>
+            </a:r>
+            <a:r>
+              <a:rPr lang="ru-RU" dirty="0"/>
+              <a:t> (Регистрация идентификатора) 	</a:t>
+            </a:r>
+            <a:endParaRPr lang="ru-RU" dirty="0" smtClean="0"/>
+          </a:p>
+          <a:p>
+            <a:pPr marL="285750" indent="-285750" algn="just">
+              <a:buFont typeface="Arial" panose="020B0604020202020204" pitchFamily="34" charset="0"/>
+              <a:buChar char="•"/>
+            </a:pPr>
+            <a:r>
+              <a:rPr lang="ru-RU" dirty="0" smtClean="0"/>
+              <a:t>Функция </a:t>
+            </a:r>
+            <a:r>
+              <a:rPr lang="ru-RU" dirty="0" err="1"/>
+              <a:t>UniqueId</a:t>
+            </a:r>
+            <a:r>
+              <a:rPr lang="ru-RU" dirty="0"/>
+              <a:t> (Получение следующего идентификатора) </a:t>
+            </a:r>
+          </a:p>
+          <a:p>
+            <a:pPr marL="285750" indent="-285750" algn="just">
+              <a:buFont typeface="Arial" panose="020B0604020202020204" pitchFamily="34" charset="0"/>
+              <a:buChar char="•"/>
+            </a:pPr>
+            <a:endParaRPr lang="ru-RU" dirty="0"/>
+          </a:p>
+          <a:p>
+            <a:pPr algn="just"/>
+            <a:r>
+              <a:rPr lang="ru-RU" dirty="0" smtClean="0"/>
+              <a:t>Разработчики </a:t>
+            </a:r>
+            <a:r>
+              <a:rPr lang="ru-RU" dirty="0"/>
+              <a:t>других решений ограничены в доступе к этим функциям во избежание создания ошибок. Уникальный Класс всю работу берет на себя, достаточно только унаследовать его.</a:t>
+            </a:r>
+          </a:p>
+          <a:p>
+            <a:pPr algn="just"/>
+            <a:endParaRPr lang="ru-RU" dirty="0"/>
+          </a:p>
+          <a:p>
+            <a:pPr algn="just"/>
+            <a:r>
+              <a:rPr lang="ru-RU" dirty="0" smtClean="0"/>
+              <a:t>Класс </a:t>
+            </a:r>
+            <a:r>
+              <a:rPr lang="en-US" dirty="0" err="1" smtClean="0"/>
+              <a:t>DataContainer</a:t>
+            </a:r>
+            <a:r>
+              <a:rPr lang="en-US" dirty="0" smtClean="0"/>
+              <a:t> </a:t>
+            </a:r>
+            <a:r>
+              <a:rPr lang="ru-RU" dirty="0" smtClean="0"/>
+              <a:t>служит </a:t>
+            </a:r>
+            <a:r>
+              <a:rPr lang="ru-RU" dirty="0"/>
+              <a:t>только для того, чтобы наследники могли быть беспрепятственно </a:t>
+            </a:r>
+            <a:r>
+              <a:rPr lang="ru-RU" dirty="0" err="1"/>
+              <a:t>сериализованы</a:t>
+            </a:r>
+            <a:r>
+              <a:rPr lang="ru-RU" dirty="0"/>
+              <a:t> в XML формат. Он имеет атрибут </a:t>
+            </a:r>
+            <a:r>
+              <a:rPr lang="ru-RU" dirty="0" err="1"/>
+              <a:t>Serializable</a:t>
+            </a:r>
+            <a:r>
+              <a:rPr lang="ru-RU" dirty="0"/>
+              <a:t> (</a:t>
+            </a:r>
+            <a:r>
+              <a:rPr lang="ru-RU" dirty="0" err="1"/>
+              <a:t>Сериализируемый</a:t>
+            </a:r>
+            <a:r>
+              <a:rPr lang="ru-RU" dirty="0"/>
+              <a:t>) и хранит в себе пустой конструктор и метод </a:t>
+            </a:r>
+            <a:r>
+              <a:rPr lang="ru-RU" dirty="0" err="1"/>
+              <a:t>ToXmlString</a:t>
+            </a:r>
+            <a:r>
+              <a:rPr lang="ru-RU" dirty="0"/>
+              <a:t> (</a:t>
+            </a:r>
+            <a:r>
+              <a:rPr lang="ru-RU" dirty="0" err="1"/>
+              <a:t>Сериализация</a:t>
+            </a:r>
+            <a:r>
+              <a:rPr lang="ru-RU" dirty="0"/>
+              <a:t> в XML).</a:t>
+            </a:r>
+          </a:p>
+        </p:txBody>
+      </p:sp>
+    </p:spTree>
+    <p:extLst>
+      <p:ext uri="{BB962C8B-B14F-4D97-AF65-F5344CB8AC3E}">
+        <p14:creationId xmlns:p14="http://schemas.microsoft.com/office/powerpoint/2010/main" val="535878601"/>
+      </p:ext>
+    </p:extLst>
+  </p:cSld>
+  <p:clrMapOvr>
+    <a:masterClrMapping/>
+  </p:clrMapOvr>
+  <p:timing>
+    <p:tnLst>
+      <p:par>
+        <p:cTn id="1" dur="indefinite" restart="never" nodeType="tmRoot"/>
+      </p:par>
+    </p:tnLst>
+  </p:timing>
+</p:sld>
+</file>
+
+<file path=ppt/slides/slide18.xml><?xml version="1.0" encoding="utf-8"?>
+<p:sld xmlns:a="http://schemas.openxmlformats.org/drawingml/2006/main" xmlns:r="http://schemas.openxmlformats.org/officeDocument/2006/relationships" xmlns:p="http://schemas.openxmlformats.org/presentationml/2006/main">
+  <p:cSld>
+    <p:spTree>
+      <p:nvGrpSpPr>
+        <p:cNvPr id="1" name=""/>
+        <p:cNvGrpSpPr/>
+        <p:nvPr/>
+      </p:nvGrpSpPr>
+      <p:grpSpPr>
+        <a:xfrm>
+          <a:off x="0" y="0"/>
+          <a:ext cx="0" cy="0"/>
+          <a:chOff x="0" y="0"/>
+          <a:chExt cx="0" cy="0"/>
+        </a:xfrm>
+      </p:grpSpPr>
+      <p:sp>
+        <p:nvSpPr>
+          <p:cNvPr id="2" name="Заголовок 1"/>
+          <p:cNvSpPr>
+            <a:spLocks noGrp="1"/>
+          </p:cNvSpPr>
+          <p:nvPr>
+            <p:ph type="title"/>
+          </p:nvPr>
+        </p:nvSpPr>
+        <p:spPr/>
+        <p:txBody>
+          <a:bodyPr/>
+          <a:lstStyle/>
+          <a:p>
+            <a:r>
+              <a:rPr lang="ru-RU" dirty="0"/>
+              <a:t>Пространство имен </a:t>
+            </a:r>
+            <a:r>
+              <a:rPr lang="en-US" dirty="0" err="1"/>
+              <a:t>TimelonCl.Data</a:t>
+            </a:r>
+            <a:endParaRPr lang="ru-RU" dirty="0"/>
+          </a:p>
+        </p:txBody>
+      </p:sp>
+      <p:sp>
+        <p:nvSpPr>
+          <p:cNvPr id="3" name="Прямоугольник 2"/>
+          <p:cNvSpPr/>
+          <p:nvPr/>
+        </p:nvSpPr>
+        <p:spPr>
+          <a:xfrm>
+            <a:off x="838200" y="2503974"/>
+            <a:ext cx="10308771" cy="3139321"/>
+          </a:xfrm>
+          <a:prstGeom prst="rect">
+            <a:avLst/>
+          </a:prstGeom>
+        </p:spPr>
+        <p:txBody>
+          <a:bodyPr wrap="square">
+            <a:spAutoFit/>
+          </a:bodyPr>
+          <a:lstStyle/>
+          <a:p>
+            <a:pPr algn="just"/>
+            <a:r>
+              <a:rPr lang="ru-RU" dirty="0"/>
+              <a:t>Классы </a:t>
+            </a:r>
+            <a:r>
+              <a:rPr lang="en-US" dirty="0" err="1"/>
+              <a:t>DateTimeContainerData</a:t>
+            </a:r>
+            <a:r>
+              <a:rPr lang="en-US" dirty="0"/>
+              <a:t>, </a:t>
+            </a:r>
+            <a:r>
+              <a:rPr lang="en-US" dirty="0" err="1"/>
+              <a:t>CardData</a:t>
+            </a:r>
+            <a:r>
+              <a:rPr lang="en-US" dirty="0"/>
+              <a:t>, </a:t>
+            </a:r>
+            <a:r>
+              <a:rPr lang="en-US" dirty="0" err="1"/>
+              <a:t>CardListData</a:t>
+            </a:r>
+            <a:r>
+              <a:rPr lang="en-US" dirty="0"/>
+              <a:t>, </a:t>
+            </a:r>
+            <a:r>
+              <a:rPr lang="en-US" dirty="0" err="1" smtClean="0"/>
+              <a:t>DateTimeContainer</a:t>
+            </a:r>
+            <a:r>
+              <a:rPr lang="en-US" dirty="0" smtClean="0"/>
+              <a:t> </a:t>
+            </a:r>
+            <a:r>
+              <a:rPr lang="ru-RU" dirty="0" smtClean="0"/>
+              <a:t>наследуют абстракцию </a:t>
+            </a:r>
+            <a:r>
+              <a:rPr lang="en-US" dirty="0" err="1" smtClean="0"/>
+              <a:t>DataContainer</a:t>
+            </a:r>
+            <a:r>
+              <a:rPr lang="ru-RU" dirty="0" smtClean="0"/>
+              <a:t>. </a:t>
+            </a:r>
+            <a:r>
+              <a:rPr lang="ru-RU" dirty="0"/>
+              <a:t>Они существуют обособленно от связанных с ними объектов и хранят в себе пустые публичные поля с полным доступом для хранения данных основных объектов и их </a:t>
+            </a:r>
+            <a:r>
+              <a:rPr lang="ru-RU" dirty="0" err="1"/>
+              <a:t>сериализации</a:t>
+            </a:r>
+            <a:r>
+              <a:rPr lang="ru-RU" dirty="0"/>
+              <a:t> стандартными методами. </a:t>
+            </a:r>
+            <a:endParaRPr lang="en-US" dirty="0" smtClean="0"/>
+          </a:p>
+          <a:p>
+            <a:pPr algn="just"/>
+            <a:endParaRPr lang="ru-RU" dirty="0"/>
+          </a:p>
+          <a:p>
+            <a:pPr algn="just"/>
+            <a:r>
+              <a:rPr lang="ru-RU" dirty="0" smtClean="0"/>
+              <a:t>Контейнер </a:t>
+            </a:r>
+            <a:r>
+              <a:rPr lang="ru-RU" dirty="0"/>
+              <a:t>Дат, Карта и Список Карт содержат в себе функции </a:t>
+            </a:r>
+            <a:r>
+              <a:rPr lang="ru-RU" dirty="0" err="1"/>
+              <a:t>FromData</a:t>
+            </a:r>
+            <a:r>
+              <a:rPr lang="ru-RU" dirty="0"/>
+              <a:t> и методы </a:t>
+            </a:r>
+            <a:r>
+              <a:rPr lang="ru-RU" dirty="0" err="1"/>
+              <a:t>ToData</a:t>
+            </a:r>
+            <a:r>
+              <a:rPr lang="ru-RU" dirty="0"/>
+              <a:t> для безопасной конвертации из соответствующих контейнеров данных в экземпляр класса и </a:t>
+            </a:r>
+            <a:r>
+              <a:rPr lang="ru-RU" dirty="0" smtClean="0"/>
+              <a:t>обратно.</a:t>
+            </a:r>
+            <a:endParaRPr lang="ru-RU" dirty="0"/>
+          </a:p>
+          <a:p>
+            <a:pPr algn="just"/>
+            <a:r>
+              <a:rPr lang="ru-RU" dirty="0" smtClean="0"/>
+              <a:t>Контейнер </a:t>
+            </a:r>
+            <a:r>
+              <a:rPr lang="ru-RU" dirty="0"/>
+              <a:t>Дат служит для хранения в себе нескольких экземпляров класса </a:t>
+            </a:r>
+            <a:r>
+              <a:rPr lang="ru-RU" dirty="0" err="1"/>
+              <a:t>DateTime</a:t>
+            </a:r>
+            <a:r>
+              <a:rPr lang="ru-RU" dirty="0"/>
+              <a:t>:</a:t>
+            </a:r>
+          </a:p>
+          <a:p>
+            <a:pPr marL="285750" indent="-285750" algn="just">
+              <a:buFont typeface="Arial" panose="020B0604020202020204" pitchFamily="34" charset="0"/>
+              <a:buChar char="•"/>
+            </a:pPr>
+            <a:r>
+              <a:rPr lang="ru-RU" dirty="0" err="1" smtClean="0"/>
+              <a:t>Created</a:t>
+            </a:r>
+            <a:r>
+              <a:rPr lang="ru-RU" dirty="0" smtClean="0"/>
+              <a:t> </a:t>
+            </a:r>
+            <a:r>
+              <a:rPr lang="ru-RU" dirty="0"/>
+              <a:t>(дата создания)</a:t>
+            </a:r>
+          </a:p>
+          <a:p>
+            <a:pPr marL="285750" indent="-285750" algn="just">
+              <a:buFont typeface="Arial" panose="020B0604020202020204" pitchFamily="34" charset="0"/>
+              <a:buChar char="•"/>
+            </a:pPr>
+            <a:r>
+              <a:rPr lang="ru-RU" dirty="0" err="1" smtClean="0"/>
+              <a:t>Updated</a:t>
+            </a:r>
+            <a:r>
+              <a:rPr lang="ru-RU" dirty="0" smtClean="0"/>
+              <a:t> </a:t>
+            </a:r>
+            <a:r>
+              <a:rPr lang="ru-RU" dirty="0"/>
+              <a:t>(дата обновления или </a:t>
+            </a:r>
+            <a:r>
+              <a:rPr lang="ru-RU" dirty="0" err="1"/>
+              <a:t>null</a:t>
+            </a:r>
+            <a:r>
+              <a:rPr lang="ru-RU" dirty="0"/>
+              <a:t>)</a:t>
+            </a:r>
+          </a:p>
+          <a:p>
+            <a:pPr marL="285750" indent="-285750" algn="just">
+              <a:buFont typeface="Arial" panose="020B0604020202020204" pitchFamily="34" charset="0"/>
+              <a:buChar char="•"/>
+            </a:pPr>
+            <a:r>
+              <a:rPr lang="ru-RU" dirty="0" err="1" smtClean="0"/>
+              <a:t>Planned</a:t>
+            </a:r>
+            <a:r>
+              <a:rPr lang="ru-RU" dirty="0" smtClean="0"/>
+              <a:t> </a:t>
+            </a:r>
+            <a:r>
+              <a:rPr lang="ru-RU" dirty="0"/>
+              <a:t>(запланированная дата или </a:t>
+            </a:r>
+            <a:r>
+              <a:rPr lang="ru-RU" dirty="0" err="1"/>
+              <a:t>null</a:t>
+            </a:r>
+            <a:r>
+              <a:rPr lang="ru-RU" dirty="0"/>
+              <a:t>)</a:t>
+            </a:r>
+          </a:p>
+        </p:txBody>
+      </p:sp>
+      <p:sp>
+        <p:nvSpPr>
+          <p:cNvPr id="4" name="Прямоугольник 3"/>
+          <p:cNvSpPr/>
+          <p:nvPr/>
+        </p:nvSpPr>
+        <p:spPr>
+          <a:xfrm>
+            <a:off x="838200" y="1322253"/>
+            <a:ext cx="7373983" cy="1077218"/>
+          </a:xfrm>
+          <a:prstGeom prst="rect">
+            <a:avLst/>
+          </a:prstGeom>
+        </p:spPr>
+        <p:txBody>
+          <a:bodyPr wrap="square">
+            <a:spAutoFit/>
+          </a:bodyPr>
+          <a:lstStyle/>
+          <a:p>
+            <a:r>
+              <a:rPr lang="ru-RU" sz="3200" dirty="0" smtClean="0">
+                <a:latin typeface="+mj-lt"/>
+              </a:rPr>
+              <a:t>Классы </a:t>
+            </a:r>
+            <a:r>
+              <a:rPr lang="en-US" sz="3200" dirty="0" err="1" smtClean="0">
+                <a:latin typeface="+mj-lt"/>
+              </a:rPr>
+              <a:t>DateTimeContainerData</a:t>
+            </a:r>
+            <a:r>
+              <a:rPr lang="ru-RU" sz="3200" dirty="0" smtClean="0">
+                <a:latin typeface="+mj-lt"/>
+              </a:rPr>
+              <a:t>, </a:t>
+            </a:r>
+            <a:r>
+              <a:rPr lang="en-US" sz="3200" dirty="0" err="1" smtClean="0">
+                <a:latin typeface="+mj-lt"/>
+              </a:rPr>
+              <a:t>CardData</a:t>
+            </a:r>
+            <a:r>
+              <a:rPr lang="ru-RU" sz="3200" dirty="0" smtClean="0">
+                <a:latin typeface="+mj-lt"/>
+              </a:rPr>
+              <a:t>, </a:t>
+            </a:r>
+            <a:r>
+              <a:rPr lang="en-US" sz="3200" dirty="0" err="1" smtClean="0">
+                <a:latin typeface="+mj-lt"/>
+              </a:rPr>
+              <a:t>CardListData</a:t>
+            </a:r>
+            <a:r>
+              <a:rPr lang="ru-RU" sz="3200" dirty="0" smtClean="0">
+                <a:latin typeface="+mj-lt"/>
+              </a:rPr>
+              <a:t>, </a:t>
+            </a:r>
+            <a:r>
+              <a:rPr lang="en-US" sz="3200" dirty="0" err="1" smtClean="0">
+                <a:latin typeface="+mj-lt"/>
+              </a:rPr>
+              <a:t>DateTimeContainer</a:t>
+            </a:r>
+            <a:endParaRPr lang="en-US" sz="3200" dirty="0">
+              <a:latin typeface="+mj-lt"/>
+            </a:endParaRPr>
+          </a:p>
+        </p:txBody>
+      </p:sp>
+    </p:spTree>
+    <p:extLst>
+      <p:ext uri="{BB962C8B-B14F-4D97-AF65-F5344CB8AC3E}">
+        <p14:creationId xmlns:p14="http://schemas.microsoft.com/office/powerpoint/2010/main" val="2569251858"/>
+      </p:ext>
+    </p:extLst>
+  </p:cSld>
+  <p:clrMapOvr>
+    <a:masterClrMapping/>
+  </p:clrMapOvr>
+</p:sld>
+</file>
+
+<file path=ppt/slides/slide19.xml><?xml version="1.0" encoding="utf-8"?>
+<p:sld xmlns:a="http://schemas.openxmlformats.org/drawingml/2006/main" xmlns:r="http://schemas.openxmlformats.org/officeDocument/2006/relationships" xmlns:p="http://schemas.openxmlformats.org/presentationml/2006/main">
+  <p:cSld>
+    <p:spTree>
+      <p:nvGrpSpPr>
+        <p:cNvPr id="1" name=""/>
+        <p:cNvGrpSpPr/>
+        <p:nvPr/>
+      </p:nvGrpSpPr>
+      <p:grpSpPr>
+        <a:xfrm>
+          <a:off x="0" y="0"/>
+          <a:ext cx="0" cy="0"/>
+          <a:chOff x="0" y="0"/>
+          <a:chExt cx="0" cy="0"/>
+        </a:xfrm>
+      </p:grpSpPr>
+      <p:sp>
+        <p:nvSpPr>
+          <p:cNvPr id="2" name="Заголовок 1"/>
+          <p:cNvSpPr>
+            <a:spLocks noGrp="1"/>
+          </p:cNvSpPr>
+          <p:nvPr>
+            <p:ph type="title"/>
+          </p:nvPr>
+        </p:nvSpPr>
+        <p:spPr/>
+        <p:txBody>
+          <a:bodyPr/>
+          <a:lstStyle/>
+          <a:p>
+            <a:r>
+              <a:rPr lang="ru-RU" dirty="0"/>
+              <a:t>Пространство имен </a:t>
+            </a:r>
+            <a:r>
+              <a:rPr lang="en-US" dirty="0" err="1"/>
+              <a:t>TimelonCl.Data</a:t>
+            </a:r>
+            <a:endParaRPr lang="ru-RU" dirty="0"/>
+          </a:p>
+        </p:txBody>
+      </p:sp>
+      <p:sp>
+        <p:nvSpPr>
+          <p:cNvPr id="3" name="Прямоугольник 2"/>
+          <p:cNvSpPr/>
+          <p:nvPr/>
+        </p:nvSpPr>
+        <p:spPr>
+          <a:xfrm>
+            <a:off x="838200" y="2018449"/>
+            <a:ext cx="10289178" cy="3693319"/>
+          </a:xfrm>
+          <a:prstGeom prst="rect">
+            <a:avLst/>
+          </a:prstGeom>
+        </p:spPr>
+        <p:txBody>
+          <a:bodyPr wrap="square">
+            <a:spAutoFit/>
+          </a:bodyPr>
+          <a:lstStyle/>
+          <a:p>
+            <a:pPr algn="just"/>
+            <a:r>
+              <a:rPr lang="ru-RU" dirty="0" smtClean="0"/>
+              <a:t>Класс </a:t>
+            </a:r>
+            <a:r>
+              <a:rPr lang="en-US" dirty="0" smtClean="0"/>
+              <a:t>Card</a:t>
+            </a:r>
+            <a:r>
+              <a:rPr lang="ru-RU" dirty="0" smtClean="0"/>
+              <a:t> </a:t>
+            </a:r>
+            <a:r>
+              <a:rPr lang="ru-RU" dirty="0"/>
+              <a:t>наследует Уникальный Класс и представляет собой карточку </a:t>
+            </a:r>
+            <a:r>
+              <a:rPr lang="ru-RU" dirty="0" smtClean="0"/>
+              <a:t>дела. </a:t>
+            </a:r>
+            <a:r>
+              <a:rPr lang="ru-RU" dirty="0"/>
+              <a:t>К</a:t>
+            </a:r>
+            <a:r>
+              <a:rPr lang="ru-RU" dirty="0" smtClean="0"/>
+              <a:t>ласс </a:t>
+            </a:r>
+            <a:r>
+              <a:rPr lang="ru-RU" dirty="0"/>
+              <a:t>содержит в себе основные поля, характерные для карточки</a:t>
+            </a:r>
+            <a:r>
+              <a:rPr lang="ru-RU" dirty="0" smtClean="0"/>
+              <a:t>.</a:t>
+            </a:r>
+            <a:endParaRPr lang="ru-RU" dirty="0"/>
+          </a:p>
+          <a:p>
+            <a:pPr algn="just"/>
+            <a:r>
+              <a:rPr lang="ru-RU" dirty="0" smtClean="0"/>
+              <a:t>Класс </a:t>
+            </a:r>
+            <a:r>
+              <a:rPr lang="en-US" dirty="0" err="1" smtClean="0"/>
+              <a:t>CardList</a:t>
+            </a:r>
+            <a:r>
+              <a:rPr lang="ru-RU" dirty="0" smtClean="0"/>
+              <a:t> также наследует </a:t>
+            </a:r>
+            <a:r>
+              <a:rPr lang="ru-RU" dirty="0"/>
+              <a:t>Уникальный Класс и представляет собой список карточек дел. В качестве способа хранения экземпляров Карт в классе используется </a:t>
+            </a:r>
+            <a:r>
+              <a:rPr lang="ru-RU" dirty="0" err="1"/>
+              <a:t>Dictionary</a:t>
+            </a:r>
+            <a:r>
+              <a:rPr lang="ru-RU" dirty="0"/>
+              <a:t> (</a:t>
+            </a:r>
+            <a:r>
+              <a:rPr lang="ru-RU" dirty="0" smtClean="0"/>
+              <a:t>Библиотека). Класс включает в себя методы: </a:t>
+            </a:r>
+          </a:p>
+          <a:p>
+            <a:pPr marL="285750" indent="-285750" algn="just">
+              <a:buFont typeface="Arial" panose="020B0604020202020204" pitchFamily="34" charset="0"/>
+              <a:buChar char="•"/>
+            </a:pPr>
+            <a:r>
+              <a:rPr lang="ru-RU" dirty="0" err="1" smtClean="0"/>
+              <a:t>Get</a:t>
+            </a:r>
+            <a:r>
+              <a:rPr lang="ru-RU" dirty="0" smtClean="0"/>
+              <a:t> </a:t>
+            </a:r>
+            <a:r>
+              <a:rPr lang="ru-RU" dirty="0"/>
+              <a:t>(Получить Карту), </a:t>
+            </a:r>
+            <a:endParaRPr lang="ru-RU" dirty="0" smtClean="0"/>
+          </a:p>
+          <a:p>
+            <a:pPr marL="285750" indent="-285750" algn="just">
+              <a:buFont typeface="Arial" panose="020B0604020202020204" pitchFamily="34" charset="0"/>
+              <a:buChar char="•"/>
+            </a:pPr>
+            <a:r>
+              <a:rPr lang="ru-RU" dirty="0" err="1" smtClean="0"/>
+              <a:t>Set</a:t>
+            </a:r>
+            <a:r>
+              <a:rPr lang="ru-RU" dirty="0" smtClean="0"/>
+              <a:t> </a:t>
+            </a:r>
+            <a:r>
+              <a:rPr lang="ru-RU" dirty="0"/>
+              <a:t>(Сохранить Карту), </a:t>
+            </a:r>
+            <a:endParaRPr lang="ru-RU" dirty="0" smtClean="0"/>
+          </a:p>
+          <a:p>
+            <a:pPr marL="285750" indent="-285750" algn="just">
+              <a:buFont typeface="Arial" panose="020B0604020202020204" pitchFamily="34" charset="0"/>
+              <a:buChar char="•"/>
+            </a:pPr>
+            <a:r>
+              <a:rPr lang="ru-RU" dirty="0" err="1" smtClean="0"/>
+              <a:t>Remove</a:t>
+            </a:r>
+            <a:r>
+              <a:rPr lang="ru-RU" dirty="0" smtClean="0"/>
+              <a:t> </a:t>
+            </a:r>
+            <a:r>
+              <a:rPr lang="ru-RU" dirty="0"/>
+              <a:t>(Удалить Карту), </a:t>
+            </a:r>
+            <a:endParaRPr lang="ru-RU" dirty="0" smtClean="0"/>
+          </a:p>
+          <a:p>
+            <a:pPr marL="285750" indent="-285750" algn="just">
+              <a:buFont typeface="Arial" panose="020B0604020202020204" pitchFamily="34" charset="0"/>
+              <a:buChar char="•"/>
+            </a:pPr>
+            <a:r>
+              <a:rPr lang="ru-RU" dirty="0" err="1" smtClean="0"/>
+              <a:t>Contains</a:t>
+            </a:r>
+            <a:r>
+              <a:rPr lang="ru-RU" dirty="0" smtClean="0"/>
+              <a:t> </a:t>
+            </a:r>
+            <a:r>
+              <a:rPr lang="ru-RU" dirty="0"/>
+              <a:t>(Проверить наличие Карты), </a:t>
+            </a:r>
+            <a:endParaRPr lang="ru-RU" dirty="0" smtClean="0"/>
+          </a:p>
+          <a:p>
+            <a:pPr marL="285750" indent="-285750" algn="just">
+              <a:buFont typeface="Arial" panose="020B0604020202020204" pitchFamily="34" charset="0"/>
+              <a:buChar char="•"/>
+            </a:pPr>
+            <a:r>
+              <a:rPr lang="ru-RU" dirty="0"/>
+              <a:t>М</a:t>
+            </a:r>
+            <a:r>
+              <a:rPr lang="ru-RU" dirty="0" smtClean="0"/>
+              <a:t>етоды </a:t>
+            </a:r>
+            <a:r>
+              <a:rPr lang="ru-RU" dirty="0"/>
+              <a:t>отвечающие за сортировку и поиск. </a:t>
+            </a:r>
+            <a:endParaRPr lang="ru-RU" dirty="0" smtClean="0"/>
+          </a:p>
+          <a:p>
+            <a:pPr marL="742950" lvl="1" indent="-285750" algn="just">
+              <a:buFont typeface="Wingdings" panose="05000000000000000000" pitchFamily="2" charset="2"/>
+              <a:buChar char="§"/>
+            </a:pPr>
+            <a:r>
+              <a:rPr lang="ru-RU" dirty="0" err="1" smtClean="0"/>
+              <a:t>GetListDefault</a:t>
+            </a:r>
+            <a:r>
+              <a:rPr lang="ru-RU" dirty="0" smtClean="0"/>
+              <a:t> </a:t>
+            </a:r>
+            <a:r>
+              <a:rPr lang="ru-RU" dirty="0"/>
+              <a:t>(Получение Карт, отсортированных по дате обновления)</a:t>
+            </a:r>
+          </a:p>
+          <a:p>
+            <a:pPr marL="742950" lvl="1" indent="-285750" algn="just">
+              <a:buFont typeface="Wingdings" panose="05000000000000000000" pitchFamily="2" charset="2"/>
+              <a:buChar char="§"/>
+            </a:pPr>
+            <a:r>
+              <a:rPr lang="ru-RU" dirty="0" err="1" smtClean="0"/>
+              <a:t>GetListImportant</a:t>
+            </a:r>
+            <a:r>
+              <a:rPr lang="ru-RU" dirty="0" smtClean="0"/>
+              <a:t> </a:t>
+            </a:r>
+            <a:r>
+              <a:rPr lang="ru-RU" dirty="0"/>
+              <a:t>(Получение Карт, отсортированных по статусу важности)</a:t>
+            </a:r>
+          </a:p>
+          <a:p>
+            <a:pPr marL="742950" lvl="1" indent="-285750" algn="just">
+              <a:buFont typeface="Wingdings" panose="05000000000000000000" pitchFamily="2" charset="2"/>
+              <a:buChar char="§"/>
+            </a:pPr>
+            <a:r>
+              <a:rPr lang="ru-RU" dirty="0" err="1" smtClean="0"/>
+              <a:t>GetListCompleted</a:t>
+            </a:r>
+            <a:r>
+              <a:rPr lang="ru-RU" dirty="0" smtClean="0"/>
+              <a:t> </a:t>
+            </a:r>
+            <a:r>
+              <a:rPr lang="ru-RU" dirty="0"/>
+              <a:t>(Получение Карт, отсортированных по статусу выполнения</a:t>
+            </a:r>
+            <a:r>
+              <a:rPr lang="ru-RU" dirty="0" smtClean="0"/>
+              <a:t>)</a:t>
+            </a:r>
+            <a:endParaRPr lang="ru-RU" dirty="0"/>
+          </a:p>
+        </p:txBody>
+      </p:sp>
+      <p:sp>
+        <p:nvSpPr>
+          <p:cNvPr id="4" name="Прямоугольник 3"/>
+          <p:cNvSpPr/>
+          <p:nvPr/>
+        </p:nvSpPr>
+        <p:spPr>
+          <a:xfrm>
+            <a:off x="838200" y="1302450"/>
+            <a:ext cx="6096000" cy="584775"/>
+          </a:xfrm>
+          <a:prstGeom prst="rect">
+            <a:avLst/>
+          </a:prstGeom>
+        </p:spPr>
+        <p:txBody>
+          <a:bodyPr>
+            <a:spAutoFit/>
+          </a:bodyPr>
+          <a:lstStyle/>
+          <a:p>
+            <a:r>
+              <a:rPr lang="ru-RU" sz="3200" dirty="0" smtClean="0">
+                <a:latin typeface="+mj-lt"/>
+              </a:rPr>
+              <a:t>Класс</a:t>
+            </a:r>
+            <a:r>
+              <a:rPr lang="ru-RU" sz="3200" dirty="0">
+                <a:latin typeface="+mj-lt"/>
+              </a:rPr>
+              <a:t>ы</a:t>
+            </a:r>
+            <a:r>
+              <a:rPr lang="ru-RU" sz="3200" dirty="0" smtClean="0">
+                <a:latin typeface="+mj-lt"/>
+              </a:rPr>
+              <a:t> </a:t>
+            </a:r>
+            <a:r>
+              <a:rPr lang="en-US" sz="3200" dirty="0" smtClean="0">
+                <a:latin typeface="+mj-lt"/>
+              </a:rPr>
+              <a:t>Card</a:t>
+            </a:r>
+            <a:r>
+              <a:rPr lang="ru-RU" sz="3200" dirty="0" smtClean="0">
+                <a:latin typeface="+mj-lt"/>
+              </a:rPr>
+              <a:t> и </a:t>
+            </a:r>
+            <a:r>
+              <a:rPr lang="en-US" sz="3200" dirty="0" err="1" smtClean="0">
+                <a:latin typeface="+mj-lt"/>
+              </a:rPr>
+              <a:t>CardList</a:t>
+            </a:r>
+            <a:endParaRPr lang="en-US" sz="3200" dirty="0">
+              <a:latin typeface="+mj-lt"/>
+            </a:endParaRPr>
+          </a:p>
+        </p:txBody>
+      </p:sp>
+    </p:spTree>
+    <p:extLst>
+      <p:ext uri="{BB962C8B-B14F-4D97-AF65-F5344CB8AC3E}">
+        <p14:creationId xmlns:p14="http://schemas.microsoft.com/office/powerpoint/2010/main" val="4209511652"/>
+      </p:ext>
+    </p:extLst>
+  </p:cSld>
+  <p:clrMapOvr>
+    <a:masterClrMapping/>
+  </p:clrMapOvr>
+</p:sld>
+</file>
+
+<file path=ppt/slides/slide2.xml><?xml version="1.0" encoding="utf-8"?>
+<p:sld xmlns:a="http://schemas.openxmlformats.org/drawingml/2006/main" xmlns:r="http://schemas.openxmlformats.org/officeDocument/2006/relationships" xmlns:p="http://schemas.openxmlformats.org/presentationml/2006/main">
+  <p:cSld>
+    <p:spTree>
+      <p:nvGrpSpPr>
+        <p:cNvPr id="1" name=""/>
+        <p:cNvGrpSpPr/>
+        <p:nvPr/>
+      </p:nvGrpSpPr>
+      <p:grpSpPr>
+        <a:xfrm>
+          <a:off x="0" y="0"/>
+          <a:ext cx="0" cy="0"/>
+          <a:chOff x="0" y="0"/>
+          <a:chExt cx="0" cy="0"/>
+        </a:xfrm>
+      </p:grpSpPr>
+      <p:sp>
+        <p:nvSpPr>
+          <p:cNvPr id="2" name="Заголовок 1"/>
+          <p:cNvSpPr>
+            <a:spLocks noGrp="1"/>
+          </p:cNvSpPr>
+          <p:nvPr>
+            <p:ph type="title"/>
+          </p:nvPr>
+        </p:nvSpPr>
+        <p:spPr/>
+        <p:txBody>
+          <a:bodyPr/>
+          <a:lstStyle/>
+          <a:p>
+            <a:r>
+              <a:rPr lang="ru-RU" dirty="0" smtClean="0"/>
+              <a:t>Постановка </a:t>
+            </a:r>
+            <a:r>
+              <a:rPr lang="ru-RU" dirty="0" smtClean="0"/>
+              <a:t>задачи/Идея</a:t>
+            </a:r>
+            <a:endParaRPr lang="ru-RU" dirty="0"/>
+          </a:p>
+        </p:txBody>
+      </p:sp>
+      <p:sp>
+        <p:nvSpPr>
+          <p:cNvPr id="3" name="Прямоугольник 2"/>
+          <p:cNvSpPr/>
+          <p:nvPr/>
+        </p:nvSpPr>
+        <p:spPr>
+          <a:xfrm>
+            <a:off x="838200" y="1789063"/>
+            <a:ext cx="8488680" cy="2862322"/>
+          </a:xfrm>
+          <a:prstGeom prst="rect">
+            <a:avLst/>
+          </a:prstGeom>
+        </p:spPr>
+        <p:txBody>
+          <a:bodyPr wrap="square">
+            <a:spAutoFit/>
+          </a:bodyPr>
+          <a:lstStyle/>
+          <a:p>
+            <a:pPr algn="just">
+              <a:lnSpc>
+                <a:spcPct val="150000"/>
+              </a:lnSpc>
+            </a:pPr>
+            <a:r>
+              <a:rPr lang="ru-RU" sz="2000" dirty="0" smtClean="0"/>
+              <a:t>Проект </a:t>
+            </a:r>
+            <a:r>
+              <a:rPr lang="en-US" sz="2000" dirty="0" err="1" smtClean="0"/>
+              <a:t>Timelon</a:t>
+            </a:r>
+            <a:r>
+              <a:rPr lang="en-US" sz="2000" dirty="0" smtClean="0"/>
+              <a:t> </a:t>
+            </a:r>
+            <a:r>
+              <a:rPr lang="ru-RU" sz="2000" dirty="0" smtClean="0"/>
+              <a:t>представляет собой список </a:t>
+            </a:r>
+            <a:r>
+              <a:rPr lang="ru-RU" sz="2000" dirty="0"/>
+              <a:t>задач — </a:t>
+            </a:r>
+            <a:r>
+              <a:rPr lang="ru-RU" sz="2000" dirty="0" smtClean="0"/>
+              <a:t>программу </a:t>
+            </a:r>
+            <a:r>
+              <a:rPr lang="ru-RU" sz="2000" dirty="0"/>
+              <a:t>для управления проектами. Её функционал позволяет пользователю следить за рабочими процессами и контролировать выполнение поставленных задач</a:t>
+            </a:r>
+            <a:r>
+              <a:rPr lang="ru-RU" sz="2000" dirty="0" smtClean="0"/>
+              <a:t>.</a:t>
+            </a:r>
+            <a:endParaRPr lang="ru-RU" sz="2000" dirty="0"/>
+          </a:p>
+          <a:p>
+            <a:pPr algn="just">
+              <a:lnSpc>
+                <a:spcPct val="150000"/>
+              </a:lnSpc>
+            </a:pPr>
+            <a:r>
+              <a:rPr lang="ru-RU" sz="2000" dirty="0"/>
+              <a:t>Цель проекта: Создать удобный список задач, в котором можно создавать уникальные задачи и группировать их по спискам с возможностью отслеживать статус их выполнения.</a:t>
+            </a:r>
+          </a:p>
+        </p:txBody>
+      </p:sp>
+    </p:spTree>
+    <p:extLst>
+      <p:ext uri="{BB962C8B-B14F-4D97-AF65-F5344CB8AC3E}">
+        <p14:creationId xmlns:p14="http://schemas.microsoft.com/office/powerpoint/2010/main" val="3146346628"/>
+      </p:ext>
+    </p:extLst>
+  </p:cSld>
+  <p:clrMapOvr>
+    <a:masterClrMapping/>
+  </p:clrMapOvr>
+  <p:timing>
+    <p:tnLst>
+      <p:par>
+        <p:cTn id="1" dur="indefinite" restart="never" nodeType="tmRoot"/>
+      </p:par>
+    </p:tnLst>
+  </p:timing>
+</p:sld>
+</file>
+
+<file path=ppt/slides/slide20.xml><?xml version="1.0" encoding="utf-8"?>
+<p:sld xmlns:a="http://schemas.openxmlformats.org/drawingml/2006/main" xmlns:r="http://schemas.openxmlformats.org/officeDocument/2006/relationships" xmlns:p="http://schemas.openxmlformats.org/presentationml/2006/main">
+  <p:cSld>
+    <p:spTree>
+      <p:nvGrpSpPr>
+        <p:cNvPr id="1" name=""/>
+        <p:cNvGrpSpPr/>
+        <p:nvPr/>
+      </p:nvGrpSpPr>
+      <p:grpSpPr>
+        <a:xfrm>
+          <a:off x="0" y="0"/>
+          <a:ext cx="0" cy="0"/>
+          <a:chOff x="0" y="0"/>
+          <a:chExt cx="0" cy="0"/>
+        </a:xfrm>
+      </p:grpSpPr>
+      <p:sp>
+        <p:nvSpPr>
+          <p:cNvPr id="2" name="Заголовок 1"/>
+          <p:cNvSpPr>
+            <a:spLocks noGrp="1"/>
+          </p:cNvSpPr>
+          <p:nvPr>
+            <p:ph type="title"/>
+          </p:nvPr>
+        </p:nvSpPr>
+        <p:spPr/>
+        <p:txBody>
+          <a:bodyPr/>
+          <a:lstStyle/>
+          <a:p>
+            <a:r>
+              <a:rPr lang="ru-RU" dirty="0" smtClean="0"/>
+              <a:t>Классы </a:t>
+            </a:r>
+            <a:r>
+              <a:rPr lang="en-US" dirty="0" err="1" smtClean="0"/>
+              <a:t>ApplicationViewModel</a:t>
+            </a:r>
+            <a:r>
+              <a:rPr lang="ru-RU" dirty="0" smtClean="0"/>
+              <a:t> и </a:t>
+            </a:r>
+            <a:r>
+              <a:rPr lang="en-US" dirty="0" err="1" smtClean="0"/>
+              <a:t>MainWindow</a:t>
+            </a:r>
+            <a:endParaRPr lang="ru-RU" dirty="0"/>
+          </a:p>
+        </p:txBody>
+      </p:sp>
+      <p:sp>
+        <p:nvSpPr>
+          <p:cNvPr id="3" name="Прямоугольник 2"/>
+          <p:cNvSpPr/>
+          <p:nvPr/>
+        </p:nvSpPr>
+        <p:spPr>
+          <a:xfrm>
+            <a:off x="1001486" y="1690688"/>
+            <a:ext cx="6096000" cy="1477328"/>
+          </a:xfrm>
+          <a:prstGeom prst="rect">
+            <a:avLst/>
+          </a:prstGeom>
+        </p:spPr>
+        <p:txBody>
+          <a:bodyPr>
+            <a:spAutoFit/>
+          </a:bodyPr>
+          <a:lstStyle/>
+          <a:p>
+            <a:r>
+              <a:rPr lang="ru-RU" dirty="0" smtClean="0"/>
+              <a:t>Содержит в себе:</a:t>
+            </a:r>
+          </a:p>
+          <a:p>
+            <a:pPr marL="285750" indent="-285750">
+              <a:buFont typeface="Arial" panose="020B0604020202020204" pitchFamily="34" charset="0"/>
+              <a:buChar char="•"/>
+            </a:pPr>
+            <a:r>
+              <a:rPr lang="ru-RU" dirty="0" smtClean="0"/>
+              <a:t>Поля</a:t>
+            </a:r>
+          </a:p>
+          <a:p>
+            <a:pPr marL="285750" indent="-285750">
+              <a:buFont typeface="Arial" panose="020B0604020202020204" pitchFamily="34" charset="0"/>
+              <a:buChar char="•"/>
+            </a:pPr>
+            <a:r>
+              <a:rPr lang="ru-RU" dirty="0" smtClean="0"/>
+              <a:t>Конструктор по умолчанию</a:t>
+            </a:r>
+          </a:p>
+          <a:p>
+            <a:pPr marL="285750" indent="-285750">
+              <a:buFont typeface="Arial" panose="020B0604020202020204" pitchFamily="34" charset="0"/>
+              <a:buChar char="•"/>
+            </a:pPr>
+            <a:r>
+              <a:rPr lang="ru-RU" dirty="0" smtClean="0"/>
+              <a:t>Свойства</a:t>
+            </a:r>
+          </a:p>
+          <a:p>
+            <a:pPr marL="285750" indent="-285750">
+              <a:buFont typeface="Arial" panose="020B0604020202020204" pitchFamily="34" charset="0"/>
+              <a:buChar char="•"/>
+            </a:pPr>
+            <a:r>
+              <a:rPr lang="ru-RU" dirty="0" smtClean="0"/>
+              <a:t>Команды</a:t>
+            </a:r>
+            <a:endParaRPr lang="en-US" dirty="0"/>
+          </a:p>
+        </p:txBody>
+      </p:sp>
+    </p:spTree>
+    <p:extLst>
+      <p:ext uri="{BB962C8B-B14F-4D97-AF65-F5344CB8AC3E}">
+        <p14:creationId xmlns:p14="http://schemas.microsoft.com/office/powerpoint/2010/main" val="2525432865"/>
+      </p:ext>
+    </p:extLst>
+  </p:cSld>
+  <p:clrMapOvr>
+    <a:masterClrMapping/>
+  </p:clrMapOvr>
+</p:sld>
+</file>
+
+<file path=ppt/slides/slide21.xml><?xml version="1.0" encoding="utf-8"?>
+<p:sld xmlns:a="http://schemas.openxmlformats.org/drawingml/2006/main" xmlns:r="http://schemas.openxmlformats.org/officeDocument/2006/relationships" xmlns:p="http://schemas.openxmlformats.org/presentationml/2006/main">
+  <p:cSld>
+    <p:spTree>
+      <p:nvGrpSpPr>
+        <p:cNvPr id="1" name=""/>
+        <p:cNvGrpSpPr/>
+        <p:nvPr/>
+      </p:nvGrpSpPr>
+      <p:grpSpPr>
+        <a:xfrm>
+          <a:off x="0" y="0"/>
+          <a:ext cx="0" cy="0"/>
+          <a:chOff x="0" y="0"/>
+          <a:chExt cx="0" cy="0"/>
+        </a:xfrm>
+      </p:grpSpPr>
+      <p:sp>
+        <p:nvSpPr>
+          <p:cNvPr id="2" name="Заголовок 1"/>
+          <p:cNvSpPr>
+            <a:spLocks noGrp="1"/>
+          </p:cNvSpPr>
+          <p:nvPr>
+            <p:ph type="title"/>
+          </p:nvPr>
+        </p:nvSpPr>
+        <p:spPr>
+          <a:xfrm>
+            <a:off x="838200" y="288180"/>
+            <a:ext cx="10515600" cy="1325563"/>
+          </a:xfrm>
+        </p:spPr>
+        <p:txBody>
+          <a:bodyPr/>
+          <a:lstStyle/>
+          <a:p>
+            <a:r>
+              <a:rPr lang="ru-RU" dirty="0" smtClean="0"/>
+              <a:t>Тестирование</a:t>
+            </a:r>
+            <a:endParaRPr lang="ru-RU" dirty="0"/>
+          </a:p>
+        </p:txBody>
+      </p:sp>
+      <p:sp>
+        <p:nvSpPr>
+          <p:cNvPr id="3" name="Прямоугольник 2"/>
+          <p:cNvSpPr/>
+          <p:nvPr/>
+        </p:nvSpPr>
+        <p:spPr>
+          <a:xfrm>
+            <a:off x="838200" y="1321356"/>
+            <a:ext cx="8848897" cy="584775"/>
+          </a:xfrm>
+          <a:prstGeom prst="rect">
+            <a:avLst/>
+          </a:prstGeom>
+        </p:spPr>
+        <p:txBody>
+          <a:bodyPr wrap="none">
+            <a:spAutoFit/>
+          </a:bodyPr>
+          <a:lstStyle/>
+          <a:p>
+            <a:r>
+              <a:rPr lang="ru-RU" sz="3200" dirty="0" smtClean="0">
+                <a:latin typeface="+mj-lt"/>
+              </a:rPr>
+              <a:t>Консольный проект </a:t>
+            </a:r>
+            <a:r>
+              <a:rPr lang="en-US" sz="3200" dirty="0" err="1" smtClean="0">
+                <a:latin typeface="+mj-lt"/>
+              </a:rPr>
+              <a:t>ConsoleTest.cs</a:t>
+            </a:r>
+            <a:r>
+              <a:rPr lang="en-US" sz="3200" dirty="0" smtClean="0">
+                <a:latin typeface="+mj-lt"/>
+              </a:rPr>
+              <a:t> </a:t>
+            </a:r>
+            <a:r>
+              <a:rPr lang="ru-RU" sz="3200" dirty="0" smtClean="0">
+                <a:latin typeface="+mj-lt"/>
+              </a:rPr>
+              <a:t>и </a:t>
+            </a:r>
+            <a:r>
+              <a:rPr lang="en-US" sz="3200" dirty="0" err="1" smtClean="0">
+                <a:latin typeface="+mj-lt"/>
+              </a:rPr>
+              <a:t>Randomizer.cs</a:t>
+            </a:r>
+            <a:endParaRPr lang="en-US" sz="3200" dirty="0">
+              <a:latin typeface="+mj-lt"/>
+            </a:endParaRPr>
+          </a:p>
+        </p:txBody>
+      </p:sp>
+      <p:sp>
+        <p:nvSpPr>
+          <p:cNvPr id="5" name="Прямоугольник 4"/>
+          <p:cNvSpPr/>
+          <p:nvPr/>
+        </p:nvSpPr>
+        <p:spPr>
+          <a:xfrm>
+            <a:off x="838200" y="2062144"/>
+            <a:ext cx="7665368" cy="1754326"/>
+          </a:xfrm>
+          <a:prstGeom prst="rect">
+            <a:avLst/>
+          </a:prstGeom>
+        </p:spPr>
+        <p:txBody>
+          <a:bodyPr wrap="none">
+            <a:spAutoFit/>
+          </a:bodyPr>
+          <a:lstStyle/>
+          <a:p>
+            <a:r>
+              <a:rPr lang="ru-RU" dirty="0" smtClean="0"/>
+              <a:t>Консольный проект включает в себя следующие тесты:</a:t>
+            </a:r>
+          </a:p>
+          <a:p>
+            <a:pPr marL="285750" indent="-285750">
+              <a:buFont typeface="Arial" panose="020B0604020202020204" pitchFamily="34" charset="0"/>
+              <a:buChar char="•"/>
+            </a:pPr>
+            <a:r>
+              <a:rPr lang="ru-RU" dirty="0"/>
+              <a:t>Т</a:t>
+            </a:r>
+            <a:r>
+              <a:rPr lang="ru-RU" dirty="0" smtClean="0"/>
+              <a:t>ест </a:t>
+            </a:r>
+            <a:r>
+              <a:rPr lang="ru-RU" dirty="0"/>
+              <a:t>создания случайных </a:t>
+            </a:r>
+            <a:r>
+              <a:rPr lang="ru-RU" dirty="0" smtClean="0"/>
+              <a:t>карт</a:t>
+            </a:r>
+          </a:p>
+          <a:p>
+            <a:pPr marL="285750" indent="-285750">
+              <a:buFont typeface="Arial" panose="020B0604020202020204" pitchFamily="34" charset="0"/>
+              <a:buChar char="•"/>
+            </a:pPr>
+            <a:r>
+              <a:rPr lang="ru-RU" dirty="0"/>
+              <a:t>Т</a:t>
+            </a:r>
+            <a:r>
+              <a:rPr lang="ru-RU" dirty="0" smtClean="0"/>
+              <a:t>ест </a:t>
+            </a:r>
+            <a:r>
+              <a:rPr lang="ru-RU" dirty="0"/>
+              <a:t>создания случайного списка карт и </a:t>
+            </a:r>
+            <a:r>
+              <a:rPr lang="ru-RU" dirty="0" smtClean="0"/>
+              <a:t>сортировки</a:t>
+            </a:r>
+          </a:p>
+          <a:p>
+            <a:pPr marL="285750" indent="-285750">
+              <a:buFont typeface="Arial" panose="020B0604020202020204" pitchFamily="34" charset="0"/>
+              <a:buChar char="•"/>
+            </a:pPr>
+            <a:r>
+              <a:rPr lang="ru-RU" dirty="0"/>
+              <a:t>Т</a:t>
+            </a:r>
+            <a:r>
+              <a:rPr lang="ru-RU" dirty="0" smtClean="0"/>
+              <a:t>ест </a:t>
+            </a:r>
+            <a:r>
+              <a:rPr lang="ru-RU" dirty="0"/>
+              <a:t>создания случайных списков карт в менеджере и работы с </a:t>
+            </a:r>
+            <a:r>
+              <a:rPr lang="ru-RU" dirty="0" smtClean="0"/>
+              <a:t>данными</a:t>
+            </a:r>
+          </a:p>
+          <a:p>
+            <a:pPr marL="285750" indent="-285750">
+              <a:buFont typeface="Arial" panose="020B0604020202020204" pitchFamily="34" charset="0"/>
+              <a:buChar char="•"/>
+            </a:pPr>
+            <a:r>
+              <a:rPr lang="ru-RU" dirty="0" smtClean="0"/>
+              <a:t>Тест с измерением времени </a:t>
+            </a:r>
+            <a:r>
+              <a:rPr lang="ru-RU" dirty="0"/>
+              <a:t>выполнения основных операций списка </a:t>
+            </a:r>
+            <a:r>
+              <a:rPr lang="ru-RU" dirty="0" smtClean="0"/>
+              <a:t>карт</a:t>
+            </a:r>
+          </a:p>
+          <a:p>
+            <a:pPr marL="285750" indent="-285750">
+              <a:buFont typeface="Arial" panose="020B0604020202020204" pitchFamily="34" charset="0"/>
+              <a:buChar char="•"/>
+            </a:pPr>
+            <a:endParaRPr lang="ru-RU" dirty="0"/>
+          </a:p>
+        </p:txBody>
+      </p:sp>
+      <p:sp>
+        <p:nvSpPr>
+          <p:cNvPr id="6" name="Прямоугольник 5"/>
+          <p:cNvSpPr/>
+          <p:nvPr/>
+        </p:nvSpPr>
+        <p:spPr>
+          <a:xfrm>
+            <a:off x="834270" y="3524352"/>
+            <a:ext cx="8771283" cy="2031325"/>
+          </a:xfrm>
+          <a:prstGeom prst="rect">
+            <a:avLst/>
+          </a:prstGeom>
+        </p:spPr>
+        <p:txBody>
+          <a:bodyPr wrap="square">
+            <a:spAutoFit/>
+          </a:bodyPr>
+          <a:lstStyle/>
+          <a:p>
+            <a:r>
+              <a:rPr lang="ru-RU" dirty="0"/>
+              <a:t>М</a:t>
+            </a:r>
+            <a:r>
+              <a:rPr lang="ru-RU" dirty="0" smtClean="0"/>
+              <a:t>етоды работы </a:t>
+            </a:r>
+            <a:r>
+              <a:rPr lang="ru-RU" dirty="0"/>
+              <a:t>с генератором псевдо-случайных чисел</a:t>
+            </a:r>
+            <a:r>
+              <a:rPr lang="ru-RU" dirty="0" smtClean="0"/>
+              <a:t>.</a:t>
+            </a:r>
+            <a:endParaRPr lang="ru-RU" dirty="0"/>
+          </a:p>
+          <a:p>
+            <a:pPr marL="285750" indent="-285750">
+              <a:buFont typeface="Arial" panose="020B0604020202020204" pitchFamily="34" charset="0"/>
+              <a:buChar char="•"/>
+            </a:pPr>
+            <a:r>
+              <a:rPr lang="ru-RU" dirty="0" smtClean="0"/>
+              <a:t>Статический </a:t>
+            </a:r>
+            <a:r>
+              <a:rPr lang="ru-RU" dirty="0"/>
+              <a:t>доступ к глобальному генератору псевдо-случайных чисел (</a:t>
+            </a:r>
+            <a:r>
+              <a:rPr lang="ru-RU" dirty="0" err="1"/>
+              <a:t>Random</a:t>
+            </a:r>
+            <a:r>
+              <a:rPr lang="ru-RU" dirty="0"/>
+              <a:t>)</a:t>
+            </a:r>
+          </a:p>
+          <a:p>
+            <a:pPr marL="285750" indent="-285750">
+              <a:buFont typeface="Arial" panose="020B0604020202020204" pitchFamily="34" charset="0"/>
+              <a:buChar char="•"/>
+            </a:pPr>
+            <a:r>
+              <a:rPr lang="ru-RU" dirty="0" err="1" smtClean="0"/>
+              <a:t>NextBool</a:t>
+            </a:r>
+            <a:r>
+              <a:rPr lang="ru-RU" dirty="0" smtClean="0"/>
+              <a:t> </a:t>
+            </a:r>
+            <a:r>
+              <a:rPr lang="ru-RU" dirty="0"/>
+              <a:t>(Получение следующего случайного булевого значения)</a:t>
+            </a:r>
+          </a:p>
+          <a:p>
+            <a:pPr marL="285750" indent="-285750">
+              <a:buFont typeface="Arial" panose="020B0604020202020204" pitchFamily="34" charset="0"/>
+              <a:buChar char="•"/>
+            </a:pPr>
+            <a:r>
+              <a:rPr lang="ru-RU" dirty="0" err="1" smtClean="0"/>
+              <a:t>NextString</a:t>
+            </a:r>
+            <a:r>
+              <a:rPr lang="ru-RU" dirty="0" smtClean="0"/>
+              <a:t> </a:t>
+            </a:r>
+            <a:r>
+              <a:rPr lang="ru-RU" dirty="0"/>
+              <a:t>(Получение следующей случайной строки заданной длины)</a:t>
+            </a:r>
+          </a:p>
+          <a:p>
+            <a:pPr marL="285750" indent="-285750">
+              <a:buFont typeface="Arial" panose="020B0604020202020204" pitchFamily="34" charset="0"/>
+              <a:buChar char="•"/>
+            </a:pPr>
+            <a:r>
+              <a:rPr lang="ru-RU" dirty="0" err="1" smtClean="0"/>
+              <a:t>NextCollectionIndex</a:t>
+            </a:r>
+            <a:r>
+              <a:rPr lang="ru-RU" dirty="0" smtClean="0"/>
+              <a:t> </a:t>
+            </a:r>
+            <a:r>
+              <a:rPr lang="ru-RU" dirty="0"/>
+              <a:t>(Получение следующего случайного индекса заданной коллекции)</a:t>
+            </a:r>
+          </a:p>
+          <a:p>
+            <a:pPr marL="285750" indent="-285750">
+              <a:buFont typeface="Arial" panose="020B0604020202020204" pitchFamily="34" charset="0"/>
+              <a:buChar char="•"/>
+            </a:pPr>
+            <a:r>
+              <a:rPr lang="ru-RU" dirty="0" err="1" smtClean="0"/>
+              <a:t>NextDateTime</a:t>
+            </a:r>
+            <a:r>
+              <a:rPr lang="ru-RU" dirty="0" smtClean="0"/>
+              <a:t> </a:t>
+            </a:r>
+            <a:r>
+              <a:rPr lang="ru-RU" dirty="0"/>
+              <a:t>(Получение следующих даты и времени (</a:t>
+            </a:r>
+            <a:r>
+              <a:rPr lang="ru-RU" dirty="0" err="1"/>
+              <a:t>DateTime</a:t>
+            </a:r>
+            <a:r>
+              <a:rPr lang="ru-RU" dirty="0"/>
+              <a:t>))</a:t>
+            </a:r>
+          </a:p>
+        </p:txBody>
+      </p:sp>
+    </p:spTree>
+    <p:extLst>
+      <p:ext uri="{BB962C8B-B14F-4D97-AF65-F5344CB8AC3E}">
+        <p14:creationId xmlns:p14="http://schemas.microsoft.com/office/powerpoint/2010/main" val="1424994494"/>
+      </p:ext>
+    </p:extLst>
+  </p:cSld>
+  <p:clrMapOvr>
+    <a:masterClrMapping/>
+  </p:clrMapOvr>
+  <p:timing>
+    <p:tnLst>
+      <p:par>
+        <p:cTn id="1" dur="indefinite" restart="never" nodeType="tmRoot"/>
+      </p:par>
+    </p:tnLst>
+  </p:timing>
+</p:sld>
+</file>
+
+<file path=ppt/slides/slide22.xml><?xml version="1.0" encoding="utf-8"?>
+<p:sld xmlns:a="http://schemas.openxmlformats.org/drawingml/2006/main" xmlns:r="http://schemas.openxmlformats.org/officeDocument/2006/relationships" xmlns:p="http://schemas.openxmlformats.org/presentationml/2006/main">
+  <p:cSld>
+    <p:spTree>
+      <p:nvGrpSpPr>
+        <p:cNvPr id="1" name=""/>
+        <p:cNvGrpSpPr/>
+        <p:nvPr/>
+      </p:nvGrpSpPr>
+      <p:grpSpPr>
+        <a:xfrm>
+          <a:off x="0" y="0"/>
+          <a:ext cx="0" cy="0"/>
+          <a:chOff x="0" y="0"/>
+          <a:chExt cx="0" cy="0"/>
+        </a:xfrm>
+      </p:grpSpPr>
+      <p:sp>
+        <p:nvSpPr>
+          <p:cNvPr id="2" name="Заголовок 1"/>
+          <p:cNvSpPr>
+            <a:spLocks noGrp="1"/>
+          </p:cNvSpPr>
+          <p:nvPr>
+            <p:ph type="title"/>
+          </p:nvPr>
+        </p:nvSpPr>
+        <p:spPr/>
+        <p:txBody>
+          <a:bodyPr/>
+          <a:lstStyle/>
+          <a:p>
+            <a:r>
+              <a:rPr lang="ru-RU" dirty="0" smtClean="0"/>
+              <a:t>Тестирование</a:t>
+            </a:r>
+            <a:endParaRPr lang="ru-RU" dirty="0"/>
+          </a:p>
+        </p:txBody>
+      </p:sp>
+    </p:spTree>
+    <p:extLst>
+      <p:ext uri="{BB962C8B-B14F-4D97-AF65-F5344CB8AC3E}">
+        <p14:creationId xmlns:p14="http://schemas.microsoft.com/office/powerpoint/2010/main" val="4284715473"/>
+      </p:ext>
+    </p:extLst>
+  </p:cSld>
+  <p:clrMapOvr>
+    <a:masterClrMapping/>
+  </p:clrMapOvr>
+</p:sld>
+</file>
+
+<file path=ppt/slides/slide23.xml><?xml version="1.0" encoding="utf-8"?>
+<p:sld xmlns:a="http://schemas.openxmlformats.org/drawingml/2006/main" xmlns:r="http://schemas.openxmlformats.org/officeDocument/2006/relationships" xmlns:p="http://schemas.openxmlformats.org/presentationml/2006/main">
+  <p:cSld>
+    <p:spTree>
+      <p:nvGrpSpPr>
+        <p:cNvPr id="1" name=""/>
+        <p:cNvGrpSpPr/>
+        <p:nvPr/>
+      </p:nvGrpSpPr>
+      <p:grpSpPr>
+        <a:xfrm>
+          <a:off x="0" y="0"/>
+          <a:ext cx="0" cy="0"/>
+          <a:chOff x="0" y="0"/>
+          <a:chExt cx="0" cy="0"/>
+        </a:xfrm>
+      </p:grpSpPr>
+      <p:sp>
+        <p:nvSpPr>
+          <p:cNvPr id="2" name="Заголовок 1"/>
+          <p:cNvSpPr>
+            <a:spLocks noGrp="1"/>
+          </p:cNvSpPr>
+          <p:nvPr>
+            <p:ph type="title"/>
+          </p:nvPr>
+        </p:nvSpPr>
+        <p:spPr/>
+        <p:txBody>
+          <a:bodyPr/>
+          <a:lstStyle/>
+          <a:p>
+            <a:r>
+              <a:rPr lang="ru-RU" dirty="0" smtClean="0"/>
+              <a:t>Почему тесты это важно?</a:t>
+            </a:r>
+            <a:endParaRPr lang="ru-RU" dirty="0"/>
+          </a:p>
+        </p:txBody>
+      </p:sp>
+    </p:spTree>
+    <p:extLst>
+      <p:ext uri="{BB962C8B-B14F-4D97-AF65-F5344CB8AC3E}">
+        <p14:creationId xmlns:p14="http://schemas.microsoft.com/office/powerpoint/2010/main" val="3961446787"/>
+      </p:ext>
+    </p:extLst>
+  </p:cSld>
+  <p:clrMapOvr>
+    <a:masterClrMapping/>
+  </p:clrMapOvr>
+</p:sld>
+</file>
+
+<file path=ppt/slides/slide24.xml><?xml version="1.0" encoding="utf-8"?>
+<p:sld xmlns:a="http://schemas.openxmlformats.org/drawingml/2006/main" xmlns:r="http://schemas.openxmlformats.org/officeDocument/2006/relationships" xmlns:p="http://schemas.openxmlformats.org/presentationml/2006/main">
+  <p:cSld>
+    <p:spTree>
+      <p:nvGrpSpPr>
+        <p:cNvPr id="1" name=""/>
+        <p:cNvGrpSpPr/>
+        <p:nvPr/>
+      </p:nvGrpSpPr>
+      <p:grpSpPr>
+        <a:xfrm>
+          <a:off x="0" y="0"/>
+          <a:ext cx="0" cy="0"/>
+          <a:chOff x="0" y="0"/>
+          <a:chExt cx="0" cy="0"/>
+        </a:xfrm>
+      </p:grpSpPr>
+      <p:sp>
+        <p:nvSpPr>
+          <p:cNvPr id="2" name="Заголовок 1"/>
+          <p:cNvSpPr>
+            <a:spLocks noGrp="1"/>
+          </p:cNvSpPr>
+          <p:nvPr>
+            <p:ph type="title"/>
+          </p:nvPr>
+        </p:nvSpPr>
+        <p:spPr/>
+        <p:txBody>
+          <a:bodyPr/>
+          <a:lstStyle/>
+          <a:p>
+            <a:r>
+              <a:rPr lang="ru-RU" dirty="0" smtClean="0"/>
+              <a:t>Требования</a:t>
+            </a:r>
+            <a:endParaRPr lang="ru-RU" dirty="0"/>
+          </a:p>
+        </p:txBody>
+      </p:sp>
+    </p:spTree>
+    <p:extLst>
+      <p:ext uri="{BB962C8B-B14F-4D97-AF65-F5344CB8AC3E}">
+        <p14:creationId xmlns:p14="http://schemas.microsoft.com/office/powerpoint/2010/main" val="3127280586"/>
+      </p:ext>
+    </p:extLst>
+  </p:cSld>
+  <p:clrMapOvr>
+    <a:masterClrMapping/>
+  </p:clrMapOvr>
+</p:sld>
+</file>
+
+<file path=ppt/slides/slide25.xml><?xml version="1.0" encoding="utf-8"?>
+<p:sld xmlns:a="http://schemas.openxmlformats.org/drawingml/2006/main" xmlns:r="http://schemas.openxmlformats.org/officeDocument/2006/relationships" xmlns:p="http://schemas.openxmlformats.org/presentationml/2006/main">
+  <p:cSld>
+    <p:spTree>
+      <p:nvGrpSpPr>
+        <p:cNvPr id="1" name=""/>
+        <p:cNvGrpSpPr/>
+        <p:nvPr/>
+      </p:nvGrpSpPr>
+      <p:grpSpPr>
+        <a:xfrm>
+          <a:off x="0" y="0"/>
+          <a:ext cx="0" cy="0"/>
+          <a:chOff x="0" y="0"/>
+          <a:chExt cx="0" cy="0"/>
+        </a:xfrm>
+      </p:grpSpPr>
+      <p:sp>
+        <p:nvSpPr>
+          <p:cNvPr id="2" name="Заголовок 1"/>
+          <p:cNvSpPr>
+            <a:spLocks noGrp="1"/>
+          </p:cNvSpPr>
+          <p:nvPr>
+            <p:ph type="title"/>
+          </p:nvPr>
+        </p:nvSpPr>
+        <p:spPr/>
+        <p:txBody>
+          <a:bodyPr/>
+          <a:lstStyle/>
+          <a:p>
+            <a:r>
+              <a:rPr lang="ru-RU" dirty="0" smtClean="0"/>
+              <a:t>Тест план</a:t>
+            </a:r>
+            <a:endParaRPr lang="ru-RU" dirty="0"/>
+          </a:p>
+        </p:txBody>
+      </p:sp>
+    </p:spTree>
+    <p:extLst>
+      <p:ext uri="{BB962C8B-B14F-4D97-AF65-F5344CB8AC3E}">
+        <p14:creationId xmlns:p14="http://schemas.microsoft.com/office/powerpoint/2010/main" val="393638615"/>
+      </p:ext>
+    </p:extLst>
+  </p:cSld>
+  <p:clrMapOvr>
+    <a:masterClrMapping/>
+  </p:clrMapOvr>
+</p:sld>
+</file>
+
+<file path=ppt/slides/slide26.xml><?xml version="1.0" encoding="utf-8"?>
+<p:sld xmlns:a="http://schemas.openxmlformats.org/drawingml/2006/main" xmlns:r="http://schemas.openxmlformats.org/officeDocument/2006/relationships" xmlns:p="http://schemas.openxmlformats.org/presentationml/2006/main">
+  <p:cSld>
+    <p:spTree>
+      <p:nvGrpSpPr>
+        <p:cNvPr id="1" name=""/>
+        <p:cNvGrpSpPr/>
+        <p:nvPr/>
+      </p:nvGrpSpPr>
+      <p:grpSpPr>
+        <a:xfrm>
+          <a:off x="0" y="0"/>
+          <a:ext cx="0" cy="0"/>
+          <a:chOff x="0" y="0"/>
+          <a:chExt cx="0" cy="0"/>
+        </a:xfrm>
+      </p:grpSpPr>
+      <p:sp>
+        <p:nvSpPr>
+          <p:cNvPr id="2" name="Заголовок 1"/>
+          <p:cNvSpPr>
+            <a:spLocks noGrp="1"/>
+          </p:cNvSpPr>
+          <p:nvPr>
+            <p:ph type="title"/>
+          </p:nvPr>
+        </p:nvSpPr>
+        <p:spPr/>
+        <p:txBody>
+          <a:bodyPr/>
+          <a:lstStyle/>
+          <a:p>
+            <a:r>
+              <a:rPr lang="ru-RU" dirty="0" smtClean="0"/>
+              <a:t>Методы тестирования</a:t>
+            </a:r>
+            <a:endParaRPr lang="ru-RU" dirty="0"/>
+          </a:p>
+        </p:txBody>
+      </p:sp>
+    </p:spTree>
+    <p:extLst>
+      <p:ext uri="{BB962C8B-B14F-4D97-AF65-F5344CB8AC3E}">
+        <p14:creationId xmlns:p14="http://schemas.microsoft.com/office/powerpoint/2010/main" val="2362220205"/>
+      </p:ext>
+    </p:extLst>
+  </p:cSld>
+  <p:clrMapOvr>
+    <a:masterClrMapping/>
+  </p:clrMapOvr>
+</p:sld>
+</file>
+
+<file path=ppt/slides/slide27.xml><?xml version="1.0" encoding="utf-8"?>
+<p:sld xmlns:a="http://schemas.openxmlformats.org/drawingml/2006/main" xmlns:r="http://schemas.openxmlformats.org/officeDocument/2006/relationships" xmlns:p="http://schemas.openxmlformats.org/presentationml/2006/main">
+  <p:cSld>
+    <p:spTree>
+      <p:nvGrpSpPr>
+        <p:cNvPr id="1" name=""/>
+        <p:cNvGrpSpPr/>
+        <p:nvPr/>
+      </p:nvGrpSpPr>
+      <p:grpSpPr>
+        <a:xfrm>
+          <a:off x="0" y="0"/>
+          <a:ext cx="0" cy="0"/>
+          <a:chOff x="0" y="0"/>
+          <a:chExt cx="0" cy="0"/>
+        </a:xfrm>
+      </p:grpSpPr>
+      <p:sp>
+        <p:nvSpPr>
+          <p:cNvPr id="2" name="Заголовок 1"/>
+          <p:cNvSpPr>
+            <a:spLocks noGrp="1"/>
+          </p:cNvSpPr>
+          <p:nvPr>
+            <p:ph type="title"/>
+          </p:nvPr>
+        </p:nvSpPr>
+        <p:spPr/>
+        <p:txBody>
+          <a:bodyPr/>
+          <a:lstStyle/>
+          <a:p>
+            <a:r>
+              <a:rPr lang="ru-RU" dirty="0" smtClean="0"/>
+              <a:t>Отчет о тестировании</a:t>
+            </a:r>
+            <a:endParaRPr lang="ru-RU" dirty="0"/>
+          </a:p>
+        </p:txBody>
+      </p:sp>
+    </p:spTree>
+    <p:extLst>
+      <p:ext uri="{BB962C8B-B14F-4D97-AF65-F5344CB8AC3E}">
+        <p14:creationId xmlns:p14="http://schemas.microsoft.com/office/powerpoint/2010/main" val="2947701087"/>
+      </p:ext>
+    </p:extLst>
+  </p:cSld>
+  <p:clrMapOvr>
+    <a:masterClrMapping/>
+  </p:clrMapOvr>
+</p:sld>
+</file>
+
+<file path=ppt/slides/slide28.xml><?xml version="1.0" encoding="utf-8"?>
+<p:sld xmlns:a="http://schemas.openxmlformats.org/drawingml/2006/main" xmlns:r="http://schemas.openxmlformats.org/officeDocument/2006/relationships" xmlns:p="http://schemas.openxmlformats.org/presentationml/2006/main">
+  <p:cSld>
+    <p:spTree>
+      <p:nvGrpSpPr>
+        <p:cNvPr id="1" name=""/>
+        <p:cNvGrpSpPr/>
+        <p:nvPr/>
+      </p:nvGrpSpPr>
+      <p:grpSpPr>
+        <a:xfrm>
+          <a:off x="0" y="0"/>
+          <a:ext cx="0" cy="0"/>
+          <a:chOff x="0" y="0"/>
+          <a:chExt cx="0" cy="0"/>
+        </a:xfrm>
+      </p:grpSpPr>
+      <p:sp>
+        <p:nvSpPr>
+          <p:cNvPr id="2" name="Заголовок 1"/>
+          <p:cNvSpPr>
+            <a:spLocks noGrp="1"/>
+          </p:cNvSpPr>
+          <p:nvPr>
+            <p:ph type="title"/>
+          </p:nvPr>
+        </p:nvSpPr>
+        <p:spPr/>
+        <p:txBody>
+          <a:bodyPr/>
+          <a:lstStyle/>
+          <a:p>
+            <a:r>
+              <a:rPr lang="ru-RU" dirty="0" smtClean="0"/>
+              <a:t>Выводы</a:t>
+            </a:r>
+            <a:endParaRPr lang="ru-RU" dirty="0"/>
+          </a:p>
+        </p:txBody>
+      </p:sp>
+    </p:spTree>
+    <p:extLst>
+      <p:ext uri="{BB962C8B-B14F-4D97-AF65-F5344CB8AC3E}">
+        <p14:creationId xmlns:p14="http://schemas.microsoft.com/office/powerpoint/2010/main" val="1903829905"/>
+      </p:ext>
+    </p:extLst>
+  </p:cSld>
+  <p:clrMapOvr>
+    <a:masterClrMapping/>
+  </p:clrMapOvr>
+</p:sld>
+</file>
+
+<file path=ppt/slides/slide29.xml><?xml version="1.0" encoding="utf-8"?>
+<p:sld xmlns:a="http://schemas.openxmlformats.org/drawingml/2006/main" xmlns:r="http://schemas.openxmlformats.org/officeDocument/2006/relationships" xmlns:p="http://schemas.openxmlformats.org/presentationml/2006/main">
+  <p:cSld>
+    <p:spTree>
+      <p:nvGrpSpPr>
+        <p:cNvPr id="1" name=""/>
+        <p:cNvGrpSpPr/>
+        <p:nvPr/>
+      </p:nvGrpSpPr>
+      <p:grpSpPr>
+        <a:xfrm>
+          <a:off x="0" y="0"/>
+          <a:ext cx="0" cy="0"/>
+          <a:chOff x="0" y="0"/>
+          <a:chExt cx="0" cy="0"/>
+        </a:xfrm>
+      </p:grpSpPr>
+      <p:sp>
+        <p:nvSpPr>
+          <p:cNvPr id="2" name="Заголовок 1"/>
+          <p:cNvSpPr>
+            <a:spLocks noGrp="1"/>
+          </p:cNvSpPr>
+          <p:nvPr>
+            <p:ph type="title"/>
+          </p:nvPr>
+        </p:nvSpPr>
+        <p:spPr/>
+        <p:txBody>
+          <a:bodyPr/>
+          <a:lstStyle/>
+          <a:p>
+            <a:r>
+              <a:rPr lang="ru-RU" dirty="0" smtClean="0"/>
+              <a:t>Практическая ценность</a:t>
+            </a:r>
+            <a:endParaRPr lang="ru-RU" dirty="0"/>
+          </a:p>
+        </p:txBody>
+      </p:sp>
+    </p:spTree>
+    <p:extLst>
+      <p:ext uri="{BB962C8B-B14F-4D97-AF65-F5344CB8AC3E}">
+        <p14:creationId xmlns:p14="http://schemas.microsoft.com/office/powerpoint/2010/main" val="1119145762"/>
+      </p:ext>
+    </p:extLst>
+  </p:cSld>
+  <p:clrMapOvr>
+    <a:masterClrMapping/>
+  </p:clrMapOvr>
+  <p:timing>
+    <p:tnLst>
+      <p:par>
+        <p:cTn id="1" dur="indefinite" restart="never" nodeType="tmRoot"/>
+      </p:par>
+    </p:tnLst>
+  </p:timing>
+</p:sld>
+</file>
+
+<file path=ppt/slides/slide3.xml><?xml version="1.0" encoding="utf-8"?>
+<p:sld xmlns:a="http://schemas.openxmlformats.org/drawingml/2006/main" xmlns:r="http://schemas.openxmlformats.org/officeDocument/2006/relationships" xmlns:p="http://schemas.openxmlformats.org/presentationml/2006/main">
+  <p:cSld>
+    <p:spTree>
+      <p:nvGrpSpPr>
+        <p:cNvPr id="1" name=""/>
+        <p:cNvGrpSpPr/>
+        <p:nvPr/>
+      </p:nvGrpSpPr>
+      <p:grpSpPr>
+        <a:xfrm>
+          <a:off x="0" y="0"/>
+          <a:ext cx="0" cy="0"/>
+          <a:chOff x="0" y="0"/>
+          <a:chExt cx="0" cy="0"/>
+        </a:xfrm>
+      </p:grpSpPr>
+      <p:sp>
+        <p:nvSpPr>
+          <p:cNvPr id="2" name="Заголовок 1"/>
+          <p:cNvSpPr>
+            <a:spLocks noGrp="1"/>
+          </p:cNvSpPr>
+          <p:nvPr>
+            <p:ph type="title"/>
+          </p:nvPr>
+        </p:nvSpPr>
+        <p:spPr/>
+        <p:txBody>
+          <a:bodyPr/>
+          <a:lstStyle/>
+          <a:p>
+            <a:r>
+              <a:rPr lang="ru-RU" dirty="0" smtClean="0"/>
+              <a:t>Работа в команде</a:t>
+            </a:r>
+            <a:endParaRPr lang="ru-RU" dirty="0"/>
+          </a:p>
+        </p:txBody>
+      </p:sp>
+    </p:spTree>
+    <p:extLst>
+      <p:ext uri="{BB962C8B-B14F-4D97-AF65-F5344CB8AC3E}">
+        <p14:creationId xmlns:p14="http://schemas.microsoft.com/office/powerpoint/2010/main" val="1401561861"/>
+      </p:ext>
+    </p:extLst>
+  </p:cSld>
+  <p:clrMapOvr>
+    <a:masterClrMapping/>
+  </p:clrMapOvr>
+</p:sld>
+</file>
+
+<file path=ppt/slides/slide30.xml><?xml version="1.0" encoding="utf-8"?>
+<p:sld xmlns:a="http://schemas.openxmlformats.org/drawingml/2006/main" xmlns:r="http://schemas.openxmlformats.org/officeDocument/2006/relationships" xmlns:p="http://schemas.openxmlformats.org/presentationml/2006/main">
+  <p:cSld>
+    <p:spTree>
+      <p:nvGrpSpPr>
+        <p:cNvPr id="1" name=""/>
+        <p:cNvGrpSpPr/>
+        <p:nvPr/>
+      </p:nvGrpSpPr>
+      <p:grpSpPr>
+        <a:xfrm>
+          <a:off x="0" y="0"/>
+          <a:ext cx="0" cy="0"/>
+          <a:chOff x="0" y="0"/>
+          <a:chExt cx="0" cy="0"/>
+        </a:xfrm>
+      </p:grpSpPr>
+      <p:sp>
+        <p:nvSpPr>
+          <p:cNvPr id="2" name="Заголовок 1"/>
+          <p:cNvSpPr>
+            <a:spLocks noGrp="1"/>
+          </p:cNvSpPr>
+          <p:nvPr>
+            <p:ph type="title"/>
+          </p:nvPr>
+        </p:nvSpPr>
+        <p:spPr/>
+        <p:txBody>
+          <a:bodyPr/>
+          <a:lstStyle/>
+          <a:p>
+            <a:r>
+              <a:rPr lang="ru-RU" dirty="0" smtClean="0"/>
               <a:t>Правила хорошего программирования/итоги</a:t>
             </a:r>
+            <a:endParaRPr lang="ru-RU" dirty="0"/>
           </a:p>
         </p:txBody>
       </p:sp>
@@ -3435,7 +5948,7 @@
               <a:buChar char="•"/>
             </a:pPr>
             <a:r>
-              <a:rPr lang="ru-RU" dirty="0"/>
+              <a:rPr lang="ru-RU" dirty="0" smtClean="0"/>
               <a:t>Декомпозиция</a:t>
             </a:r>
           </a:p>
@@ -3445,7 +5958,7 @@
               <a:buChar char="•"/>
             </a:pPr>
             <a:r>
-              <a:rPr lang="ru-RU" dirty="0"/>
+              <a:rPr lang="ru-RU" dirty="0" smtClean="0"/>
               <a:t>Модульность - 1 метод делает 1 задачу</a:t>
             </a:r>
           </a:p>
@@ -3455,7 +5968,7 @@
               <a:buChar char="•"/>
             </a:pPr>
             <a:r>
-              <a:rPr lang="ru-RU" dirty="0"/>
+              <a:rPr lang="ru-RU" dirty="0" smtClean="0"/>
               <a:t>Правильность выполнения</a:t>
             </a:r>
           </a:p>
@@ -3465,7 +5978,7 @@
               <a:buChar char="•"/>
             </a:pPr>
             <a:r>
-              <a:rPr lang="ru-RU" dirty="0"/>
+              <a:rPr lang="ru-RU" dirty="0" smtClean="0"/>
               <a:t>Тестируемость</a:t>
             </a:r>
           </a:p>
@@ -3475,7 +5988,7 @@
               <a:buChar char="•"/>
             </a:pPr>
             <a:r>
-              <a:rPr lang="ru-RU" dirty="0"/>
+              <a:rPr lang="ru-RU" dirty="0" smtClean="0"/>
               <a:t>Устойчивость - малые изменение спецификации -&gt; малые изменения кода</a:t>
             </a:r>
           </a:p>
@@ -3485,7 +5998,7 @@
               <a:buChar char="•"/>
             </a:pPr>
             <a:r>
-              <a:rPr lang="ru-RU" dirty="0"/>
+              <a:rPr lang="ru-RU" dirty="0" smtClean="0"/>
               <a:t>Стилизованность - придерживаемся одного стиля оформления</a:t>
             </a:r>
           </a:p>
@@ -3495,7 +6008,7 @@
               <a:buChar char="•"/>
             </a:pPr>
             <a:r>
-              <a:rPr lang="ru-RU" dirty="0"/>
+              <a:rPr lang="ru-RU" dirty="0" smtClean="0"/>
               <a:t>Читаемость - комментарии</a:t>
             </a:r>
           </a:p>
@@ -3505,7 +6018,7 @@
               <a:buChar char="•"/>
             </a:pPr>
             <a:r>
-              <a:rPr lang="ru-RU" dirty="0"/>
+              <a:rPr lang="ru-RU" dirty="0" smtClean="0"/>
               <a:t>Универсальность</a:t>
             </a:r>
           </a:p>
@@ -3515,9 +6028,10 @@
               <a:buChar char="•"/>
             </a:pPr>
             <a:r>
-              <a:rPr lang="ru-RU" dirty="0"/>
+              <a:rPr lang="ru-RU" dirty="0" smtClean="0"/>
               <a:t>Креативность</a:t>
             </a:r>
+            <a:endParaRPr lang="ru-RU" dirty="0"/>
           </a:p>
         </p:txBody>
       </p:sp>
@@ -3531,10 +6045,17 @@
   <p:clrMapOvr>
     <a:masterClrMapping/>
   </p:clrMapOvr>
+  <p:timing>
+    <p:tnLst>
+      <p:par>
+        <p:cTn id="1" dur="indefinite" restart="never" nodeType="tmRoot"/>
+      </p:par>
+    </p:tnLst>
+  </p:timing>
 </p:sld>
 </file>
 
-<file path=ppt/slides/slide13.xml><?xml version="1.0" encoding="utf-8"?>
+<file path=ppt/slides/slide31.xml><?xml version="1.0" encoding="utf-8"?>
 <p:sld xmlns:a="http://schemas.openxmlformats.org/drawingml/2006/main" xmlns:r="http://schemas.openxmlformats.org/officeDocument/2006/relationships" xmlns:p="http://schemas.openxmlformats.org/presentationml/2006/main">
   <p:cSld>
     <p:spTree>
@@ -3604,634 +6125,13 @@
   <p:clrMapOvr>
     <a:masterClrMapping/>
   </p:clrMapOvr>
-</p:sld>
-</file>
-
-<file path=ppt/slides/slide2.xml><?xml version="1.0" encoding="utf-8"?>
-<p:sld xmlns:a="http://schemas.openxmlformats.org/drawingml/2006/main" xmlns:r="http://schemas.openxmlformats.org/officeDocument/2006/relationships" xmlns:p="http://schemas.openxmlformats.org/presentationml/2006/main">
-  <p:cSld>
-    <p:spTree>
-      <p:nvGrpSpPr>
-        <p:cNvPr id="1" name=""/>
-        <p:cNvGrpSpPr/>
-        <p:nvPr/>
-      </p:nvGrpSpPr>
-      <p:grpSpPr>
-        <a:xfrm>
-          <a:off x="0" y="0"/>
-          <a:ext cx="0" cy="0"/>
-          <a:chOff x="0" y="0"/>
-          <a:chExt cx="0" cy="0"/>
-        </a:xfrm>
-      </p:grpSpPr>
-      <p:sp>
-        <p:nvSpPr>
-          <p:cNvPr id="2" name="Заголовок 1"/>
-          <p:cNvSpPr>
-            <a:spLocks noGrp="1"/>
-          </p:cNvSpPr>
-          <p:nvPr>
-            <p:ph type="title"/>
-          </p:nvPr>
-        </p:nvSpPr>
-        <p:spPr/>
-        <p:txBody>
-          <a:bodyPr/>
-          <a:lstStyle/>
-          <a:p>
-            <a:r>
-              <a:rPr lang="ru-RU" dirty="0"/>
-              <a:t>Постановка задачи</a:t>
-            </a:r>
-          </a:p>
-        </p:txBody>
-      </p:sp>
-      <p:sp>
-        <p:nvSpPr>
-          <p:cNvPr id="3" name="Прямоугольник 2"/>
-          <p:cNvSpPr/>
-          <p:nvPr/>
-        </p:nvSpPr>
-        <p:spPr>
-          <a:xfrm>
-            <a:off x="838200" y="1789063"/>
-            <a:ext cx="8488680" cy="2862322"/>
-          </a:xfrm>
-          <a:prstGeom prst="rect">
-            <a:avLst/>
-          </a:prstGeom>
-        </p:spPr>
-        <p:txBody>
-          <a:bodyPr wrap="square">
-            <a:spAutoFit/>
-          </a:bodyPr>
-          <a:lstStyle/>
-          <a:p>
-            <a:pPr algn="just">
-              <a:lnSpc>
-                <a:spcPct val="150000"/>
-              </a:lnSpc>
-            </a:pPr>
-            <a:r>
-              <a:rPr lang="ru-RU" sz="2000" dirty="0"/>
-              <a:t>Проект </a:t>
-            </a:r>
-            <a:r>
-              <a:rPr lang="en-US" sz="2000" dirty="0" err="1"/>
-              <a:t>Timelon</a:t>
-            </a:r>
-            <a:r>
-              <a:rPr lang="en-US" sz="2000" dirty="0"/>
-              <a:t> </a:t>
-            </a:r>
-            <a:r>
-              <a:rPr lang="ru-RU" sz="2000" dirty="0"/>
-              <a:t>представляет собой список задач — программу для управления проектами. Её функционал позволяет пользователю следить за рабочими процессами и контролировать выполнение поставленных задач.</a:t>
-            </a:r>
-          </a:p>
-          <a:p>
-            <a:pPr algn="just">
-              <a:lnSpc>
-                <a:spcPct val="150000"/>
-              </a:lnSpc>
-            </a:pPr>
-            <a:r>
-              <a:rPr lang="ru-RU" sz="2000" dirty="0"/>
-              <a:t>Цель проекта: Создать удобный список задач, в котором можно создавать уникальные задачи и группировать их по спискам с возможностью отслеживать статус их выполнения.</a:t>
-            </a:r>
-          </a:p>
-        </p:txBody>
-      </p:sp>
-    </p:spTree>
-    <p:extLst>
-      <p:ext uri="{BB962C8B-B14F-4D97-AF65-F5344CB8AC3E}">
-        <p14:creationId xmlns:p14="http://schemas.microsoft.com/office/powerpoint/2010/main" val="3146346628"/>
-      </p:ext>
-    </p:extLst>
-  </p:cSld>
-  <p:clrMapOvr>
-    <a:masterClrMapping/>
-  </p:clrMapOvr>
-</p:sld>
-</file>
-
-<file path=ppt/slides/slide3.xml><?xml version="1.0" encoding="utf-8"?>
-<p:sld xmlns:a="http://schemas.openxmlformats.org/drawingml/2006/main" xmlns:r="http://schemas.openxmlformats.org/officeDocument/2006/relationships" xmlns:p="http://schemas.openxmlformats.org/presentationml/2006/main">
-  <p:cSld>
-    <p:spTree>
-      <p:nvGrpSpPr>
-        <p:cNvPr id="1" name=""/>
-        <p:cNvGrpSpPr/>
-        <p:nvPr/>
-      </p:nvGrpSpPr>
-      <p:grpSpPr>
-        <a:xfrm>
-          <a:off x="0" y="0"/>
-          <a:ext cx="0" cy="0"/>
-          <a:chOff x="0" y="0"/>
-          <a:chExt cx="0" cy="0"/>
-        </a:xfrm>
-      </p:grpSpPr>
-      <p:sp>
-        <p:nvSpPr>
-          <p:cNvPr id="2" name="Заголовок 1"/>
-          <p:cNvSpPr>
-            <a:spLocks noGrp="1"/>
-          </p:cNvSpPr>
-          <p:nvPr>
-            <p:ph type="title"/>
-          </p:nvPr>
-        </p:nvSpPr>
-        <p:spPr/>
-        <p:txBody>
-          <a:bodyPr/>
-          <a:lstStyle/>
-          <a:p>
-            <a:r>
-              <a:rPr lang="ru-RU" dirty="0"/>
-              <a:t>Структура решения</a:t>
-            </a:r>
-            <a:r>
-              <a:rPr lang="en-US" dirty="0"/>
-              <a:t> </a:t>
-            </a:r>
-            <a:r>
-              <a:rPr lang="en-US" dirty="0" err="1"/>
-              <a:t>VisualStudio</a:t>
-            </a:r>
-            <a:endParaRPr lang="ru-RU" dirty="0"/>
-          </a:p>
-        </p:txBody>
-      </p:sp>
-      <p:sp>
-        <p:nvSpPr>
-          <p:cNvPr id="3" name="TextBox 2"/>
-          <p:cNvSpPr txBox="1"/>
-          <p:nvPr/>
-        </p:nvSpPr>
-        <p:spPr>
-          <a:xfrm>
-            <a:off x="931817" y="1865640"/>
-            <a:ext cx="4230094" cy="461665"/>
-          </a:xfrm>
-          <a:prstGeom prst="rect">
-            <a:avLst/>
-          </a:prstGeom>
-          <a:noFill/>
-        </p:spPr>
-        <p:txBody>
-          <a:bodyPr wrap="square" rtlCol="0">
-            <a:spAutoFit/>
-          </a:bodyPr>
-          <a:lstStyle/>
-          <a:p>
-            <a:r>
-              <a:rPr lang="ru-RU" sz="2400" dirty="0"/>
-              <a:t>Библиотека классов</a:t>
-            </a:r>
-          </a:p>
-        </p:txBody>
-      </p:sp>
-      <p:sp>
-        <p:nvSpPr>
-          <p:cNvPr id="5" name="TextBox 4"/>
-          <p:cNvSpPr txBox="1"/>
-          <p:nvPr/>
-        </p:nvSpPr>
-        <p:spPr>
-          <a:xfrm>
-            <a:off x="838200" y="2327305"/>
-            <a:ext cx="4247606" cy="3416320"/>
-          </a:xfrm>
-          <a:prstGeom prst="rect">
-            <a:avLst/>
-          </a:prstGeom>
-          <a:noFill/>
-        </p:spPr>
-        <p:txBody>
-          <a:bodyPr wrap="square" rtlCol="0">
-            <a:spAutoFit/>
-          </a:bodyPr>
-          <a:lstStyle/>
-          <a:p>
-            <a:pPr marL="285750" indent="-285750">
-              <a:buFont typeface="Arial" panose="020B0604020202020204" pitchFamily="34" charset="0"/>
-              <a:buChar char="•"/>
-            </a:pPr>
-            <a:r>
-              <a:rPr lang="ru-RU" dirty="0"/>
-              <a:t>Пространство имен </a:t>
-            </a:r>
-            <a:r>
-              <a:rPr lang="en-US" dirty="0" err="1"/>
-              <a:t>TimelonCL</a:t>
-            </a:r>
-            <a:endParaRPr lang="ru-RU" dirty="0"/>
-          </a:p>
-          <a:p>
-            <a:pPr marL="742950" lvl="1" indent="-285750">
-              <a:buSzPct val="80000"/>
-              <a:buFont typeface="Wingdings" panose="05000000000000000000" pitchFamily="2" charset="2"/>
-              <a:buChar char="§"/>
-            </a:pPr>
-            <a:r>
-              <a:rPr lang="ru-RU" dirty="0"/>
-              <a:t>Класс </a:t>
-            </a:r>
-            <a:r>
-              <a:rPr lang="en-US" dirty="0"/>
-              <a:t>Manager</a:t>
-            </a:r>
-          </a:p>
-          <a:p>
-            <a:pPr marL="285750" indent="-285750">
-              <a:buFont typeface="Arial" panose="020B0604020202020204" pitchFamily="34" charset="0"/>
-              <a:buChar char="•"/>
-            </a:pPr>
-            <a:r>
-              <a:rPr lang="ru-RU" dirty="0"/>
-              <a:t>Пространство имен </a:t>
-            </a:r>
-            <a:r>
-              <a:rPr lang="en-US" dirty="0" err="1"/>
-              <a:t>TimelonCl.Data</a:t>
-            </a:r>
-            <a:endParaRPr lang="ru-RU" dirty="0"/>
-          </a:p>
-          <a:p>
-            <a:pPr marL="800100" lvl="1" indent="-342900">
-              <a:buSzPct val="80000"/>
-              <a:buFont typeface="Wingdings" panose="05000000000000000000" pitchFamily="2" charset="2"/>
-              <a:buChar char="§"/>
-            </a:pPr>
-            <a:r>
-              <a:rPr lang="ru-RU" dirty="0"/>
-              <a:t>Абстрактный класс </a:t>
-            </a:r>
-            <a:r>
-              <a:rPr lang="en-US" dirty="0"/>
-              <a:t>Unique</a:t>
-            </a:r>
-            <a:endParaRPr lang="ru-RU" dirty="0"/>
-          </a:p>
-          <a:p>
-            <a:pPr marL="800100" lvl="1" indent="-342900">
-              <a:buSzPct val="80000"/>
-              <a:buFont typeface="Wingdings" panose="05000000000000000000" pitchFamily="2" charset="2"/>
-              <a:buChar char="§"/>
-            </a:pPr>
-            <a:r>
-              <a:rPr lang="ru-RU" dirty="0"/>
-              <a:t>Абстрактный класс </a:t>
-            </a:r>
-            <a:r>
-              <a:rPr lang="en-US" dirty="0" err="1"/>
-              <a:t>DataContainer</a:t>
-            </a:r>
-            <a:endParaRPr lang="ru-RU" dirty="0"/>
-          </a:p>
-          <a:p>
-            <a:pPr marL="800100" lvl="1" indent="-342900">
-              <a:buSzPct val="80000"/>
-              <a:buFont typeface="Wingdings" panose="05000000000000000000" pitchFamily="2" charset="2"/>
-              <a:buChar char="§"/>
-            </a:pPr>
-            <a:r>
-              <a:rPr lang="ru-RU" dirty="0"/>
-              <a:t>Класс </a:t>
-            </a:r>
-            <a:r>
-              <a:rPr lang="en-US" dirty="0" err="1"/>
-              <a:t>DateTimeContainerData</a:t>
-            </a:r>
-            <a:endParaRPr lang="ru-RU" dirty="0"/>
-          </a:p>
-          <a:p>
-            <a:pPr marL="800100" lvl="1" indent="-342900">
-              <a:buSzPct val="80000"/>
-              <a:buFont typeface="Wingdings" panose="05000000000000000000" pitchFamily="2" charset="2"/>
-              <a:buChar char="§"/>
-            </a:pPr>
-            <a:r>
-              <a:rPr lang="ru-RU" dirty="0"/>
-              <a:t>Класс </a:t>
-            </a:r>
-            <a:r>
-              <a:rPr lang="en-US" dirty="0" err="1"/>
-              <a:t>CardData</a:t>
-            </a:r>
-            <a:endParaRPr lang="ru-RU" dirty="0"/>
-          </a:p>
-          <a:p>
-            <a:pPr marL="800100" lvl="1" indent="-342900">
-              <a:buSzPct val="80000"/>
-              <a:buFont typeface="Wingdings" panose="05000000000000000000" pitchFamily="2" charset="2"/>
-              <a:buChar char="§"/>
-            </a:pPr>
-            <a:r>
-              <a:rPr lang="ru-RU" dirty="0"/>
-              <a:t>Класс </a:t>
-            </a:r>
-            <a:r>
-              <a:rPr lang="en-US" dirty="0" err="1"/>
-              <a:t>CardListData</a:t>
-            </a:r>
-            <a:endParaRPr lang="ru-RU" dirty="0"/>
-          </a:p>
-          <a:p>
-            <a:pPr marL="800100" lvl="1" indent="-342900">
-              <a:buSzPct val="80000"/>
-              <a:buFont typeface="Wingdings" panose="05000000000000000000" pitchFamily="2" charset="2"/>
-              <a:buChar char="§"/>
-            </a:pPr>
-            <a:r>
-              <a:rPr lang="ru-RU" dirty="0"/>
-              <a:t>Класс </a:t>
-            </a:r>
-            <a:r>
-              <a:rPr lang="en-US" dirty="0" err="1"/>
-              <a:t>DateTimeContainer</a:t>
-            </a:r>
-            <a:endParaRPr lang="ru-RU" dirty="0"/>
-          </a:p>
-          <a:p>
-            <a:pPr marL="800100" lvl="1" indent="-342900">
-              <a:buSzPct val="80000"/>
-              <a:buFont typeface="Wingdings" panose="05000000000000000000" pitchFamily="2" charset="2"/>
-              <a:buChar char="§"/>
-            </a:pPr>
-            <a:r>
-              <a:rPr lang="ru-RU" dirty="0"/>
-              <a:t>Класс </a:t>
-            </a:r>
-            <a:r>
-              <a:rPr lang="en-US" dirty="0"/>
-              <a:t>Card</a:t>
-            </a:r>
-            <a:endParaRPr lang="ru-RU" dirty="0"/>
-          </a:p>
-          <a:p>
-            <a:pPr marL="800100" lvl="1" indent="-342900">
-              <a:buSzPct val="80000"/>
-              <a:buFont typeface="Wingdings" panose="05000000000000000000" pitchFamily="2" charset="2"/>
-              <a:buChar char="§"/>
-            </a:pPr>
-            <a:r>
-              <a:rPr lang="ru-RU" dirty="0"/>
-              <a:t>Класс </a:t>
-            </a:r>
-            <a:r>
-              <a:rPr lang="en-US" dirty="0" err="1"/>
-              <a:t>CardList</a:t>
-            </a:r>
-            <a:endParaRPr lang="en-US" dirty="0"/>
-          </a:p>
-          <a:p>
-            <a:pPr marL="285750" indent="-285750">
-              <a:buFont typeface="Arial" panose="020B0604020202020204" pitchFamily="34" charset="0"/>
-              <a:buChar char="•"/>
-            </a:pPr>
-            <a:endParaRPr lang="ru-RU" dirty="0"/>
-          </a:p>
-        </p:txBody>
-      </p:sp>
-      <p:sp>
-        <p:nvSpPr>
-          <p:cNvPr id="8" name="TextBox 7"/>
-          <p:cNvSpPr txBox="1"/>
-          <p:nvPr/>
-        </p:nvSpPr>
-        <p:spPr>
-          <a:xfrm>
-            <a:off x="6008914" y="1866473"/>
-            <a:ext cx="4328160" cy="461665"/>
-          </a:xfrm>
-          <a:prstGeom prst="rect">
-            <a:avLst/>
-          </a:prstGeom>
-          <a:noFill/>
-        </p:spPr>
-        <p:txBody>
-          <a:bodyPr wrap="square" rtlCol="0">
-            <a:spAutoFit/>
-          </a:bodyPr>
-          <a:lstStyle/>
-          <a:p>
-            <a:r>
-              <a:rPr lang="ru-RU" sz="2400" dirty="0"/>
-              <a:t>Пользовательский интерфейс</a:t>
-            </a:r>
-          </a:p>
-        </p:txBody>
-      </p:sp>
-      <p:sp>
-        <p:nvSpPr>
-          <p:cNvPr id="9" name="TextBox 8"/>
-          <p:cNvSpPr txBox="1"/>
-          <p:nvPr/>
-        </p:nvSpPr>
-        <p:spPr>
-          <a:xfrm>
-            <a:off x="6008914" y="2323159"/>
-            <a:ext cx="4728754" cy="1477328"/>
-          </a:xfrm>
-          <a:prstGeom prst="rect">
-            <a:avLst/>
-          </a:prstGeom>
-          <a:noFill/>
-        </p:spPr>
-        <p:txBody>
-          <a:bodyPr wrap="square" rtlCol="0">
-            <a:spAutoFit/>
-          </a:bodyPr>
-          <a:lstStyle/>
-          <a:p>
-            <a:pPr marL="285750" indent="-285750">
-              <a:buFont typeface="Arial" panose="020B0604020202020204" pitchFamily="34" charset="0"/>
-              <a:buChar char="•"/>
-            </a:pPr>
-            <a:r>
-              <a:rPr lang="en-US" dirty="0"/>
-              <a:t>WPF </a:t>
-            </a:r>
-            <a:r>
-              <a:rPr lang="ru-RU" dirty="0"/>
-              <a:t>и </a:t>
-            </a:r>
-            <a:r>
-              <a:rPr lang="en-US" dirty="0"/>
-              <a:t>XAML</a:t>
-            </a:r>
-          </a:p>
-          <a:p>
-            <a:pPr marL="742950" lvl="1" indent="-285750">
-              <a:buSzPct val="80000"/>
-              <a:buFont typeface="Wingdings" panose="05000000000000000000" pitchFamily="2" charset="2"/>
-              <a:buChar char="§"/>
-            </a:pPr>
-            <a:r>
-              <a:rPr lang="ru-RU" dirty="0"/>
-              <a:t>Паттерн </a:t>
-            </a:r>
-            <a:r>
-              <a:rPr lang="en-US" dirty="0"/>
-              <a:t>MVVM</a:t>
-            </a:r>
-          </a:p>
-          <a:p>
-            <a:pPr marL="742950" lvl="1" indent="-285750">
-              <a:buSzPct val="80000"/>
-              <a:buFont typeface="Wingdings" panose="05000000000000000000" pitchFamily="2" charset="2"/>
-              <a:buChar char="§"/>
-            </a:pPr>
-            <a:r>
-              <a:rPr lang="ru-RU" dirty="0"/>
-              <a:t>Класс </a:t>
-            </a:r>
-            <a:r>
-              <a:rPr lang="en-US" dirty="0" err="1"/>
-              <a:t>ApplicationViewModel</a:t>
-            </a:r>
-            <a:endParaRPr lang="ru-RU" dirty="0"/>
-          </a:p>
-          <a:p>
-            <a:pPr marL="742950" lvl="1" indent="-285750">
-              <a:buSzPct val="80000"/>
-              <a:buFont typeface="Wingdings" panose="05000000000000000000" pitchFamily="2" charset="2"/>
-              <a:buChar char="§"/>
-            </a:pPr>
-            <a:r>
-              <a:rPr lang="ru-RU" dirty="0"/>
-              <a:t>Класс </a:t>
-            </a:r>
-            <a:r>
-              <a:rPr lang="en-US" dirty="0" err="1"/>
-              <a:t>RelyCommand</a:t>
-            </a:r>
-            <a:endParaRPr lang="ru-RU" dirty="0"/>
-          </a:p>
-          <a:p>
-            <a:pPr marL="285750" indent="-285750">
-              <a:buFont typeface="Arial" panose="020B0604020202020204" pitchFamily="34" charset="0"/>
-              <a:buChar char="•"/>
-            </a:pPr>
-            <a:r>
-              <a:rPr lang="ru-RU" dirty="0"/>
-              <a:t>Деление на </a:t>
-            </a:r>
-            <a:r>
-              <a:rPr lang="ru-RU" dirty="0" err="1"/>
-              <a:t>функционлаьные</a:t>
-            </a:r>
-            <a:r>
-              <a:rPr lang="ru-RU" dirty="0"/>
-              <a:t> блоки</a:t>
-            </a:r>
-          </a:p>
-        </p:txBody>
-      </p:sp>
-      <p:sp>
-        <p:nvSpPr>
-          <p:cNvPr id="10" name="TextBox 9"/>
-          <p:cNvSpPr txBox="1"/>
-          <p:nvPr/>
-        </p:nvSpPr>
-        <p:spPr>
-          <a:xfrm>
-            <a:off x="6008914" y="3795508"/>
-            <a:ext cx="3831771" cy="461665"/>
-          </a:xfrm>
-          <a:prstGeom prst="rect">
-            <a:avLst/>
-          </a:prstGeom>
-          <a:noFill/>
-        </p:spPr>
-        <p:txBody>
-          <a:bodyPr wrap="square" rtlCol="0">
-            <a:spAutoFit/>
-          </a:bodyPr>
-          <a:lstStyle/>
-          <a:p>
-            <a:r>
-              <a:rPr lang="ru-RU" sz="2400" dirty="0"/>
-              <a:t>Тестирование</a:t>
-            </a:r>
-          </a:p>
-        </p:txBody>
-      </p:sp>
-      <p:sp>
-        <p:nvSpPr>
-          <p:cNvPr id="11" name="TextBox 10"/>
-          <p:cNvSpPr txBox="1"/>
-          <p:nvPr/>
-        </p:nvSpPr>
-        <p:spPr>
-          <a:xfrm>
-            <a:off x="6008914" y="4257173"/>
-            <a:ext cx="3631475" cy="1200329"/>
-          </a:xfrm>
-          <a:prstGeom prst="rect">
-            <a:avLst/>
-          </a:prstGeom>
-          <a:noFill/>
-        </p:spPr>
-        <p:txBody>
-          <a:bodyPr wrap="square" rtlCol="0">
-            <a:spAutoFit/>
-          </a:bodyPr>
-          <a:lstStyle/>
-          <a:p>
-            <a:pPr marL="285750" indent="-285750">
-              <a:buFont typeface="Arial" panose="020B0604020202020204" pitchFamily="34" charset="0"/>
-              <a:buChar char="•"/>
-            </a:pPr>
-            <a:r>
-              <a:rPr lang="ru-RU" dirty="0"/>
-              <a:t>Консольный проект </a:t>
-            </a:r>
-            <a:r>
-              <a:rPr lang="en-US" dirty="0" err="1"/>
-              <a:t>ConsoleTest.cs</a:t>
-            </a:r>
-            <a:endParaRPr lang="ru-RU" dirty="0"/>
-          </a:p>
-          <a:p>
-            <a:pPr marL="285750" indent="-285750">
-              <a:buFont typeface="Arial" panose="020B0604020202020204" pitchFamily="34" charset="0"/>
-              <a:buChar char="•"/>
-            </a:pPr>
-            <a:r>
-              <a:rPr lang="ru-RU" dirty="0" err="1"/>
-              <a:t>Рандомайзер</a:t>
-            </a:r>
-            <a:endParaRPr lang="en-US" dirty="0"/>
-          </a:p>
-          <a:p>
-            <a:pPr marL="285750" indent="-285750">
-              <a:buFont typeface="Arial" panose="020B0604020202020204" pitchFamily="34" charset="0"/>
-              <a:buChar char="•"/>
-            </a:pPr>
-            <a:r>
-              <a:rPr lang="en-US" dirty="0"/>
-              <a:t>Unit </a:t>
-            </a:r>
-            <a:r>
-              <a:rPr lang="ru-RU" dirty="0"/>
-              <a:t>тесты</a:t>
-            </a:r>
-          </a:p>
-        </p:txBody>
-      </p:sp>
-    </p:spTree>
-    <p:extLst>
-      <p:ext uri="{BB962C8B-B14F-4D97-AF65-F5344CB8AC3E}">
-        <p14:creationId xmlns:p14="http://schemas.microsoft.com/office/powerpoint/2010/main" val="884159258"/>
-      </p:ext>
-    </p:extLst>
-  </p:cSld>
-  <p:clrMapOvr>
-    <a:masterClrMapping/>
-  </p:clrMapOvr>
+  <p:timing>
+    <p:tnLst>
+      <p:par>
+        <p:cTn id="1" dur="indefinite" restart="never" nodeType="tmRoot"/>
+      </p:par>
+    </p:tnLst>
+  </p:timing>
 </p:sld>
 </file>
 
@@ -4268,221 +6168,17 @@
           <a:lstStyle/>
           <a:p>
             <a:r>
-              <a:rPr lang="ru-RU" dirty="0"/>
-              <a:t>Пространство имен </a:t>
-            </a:r>
-            <a:r>
-              <a:rPr lang="en-US" dirty="0" err="1"/>
-              <a:t>TimelonCL</a:t>
+              <a:rPr lang="ru-RU" dirty="0" smtClean="0"/>
+              <a:t>Правила качественного программирования ООП</a:t>
             </a:r>
             <a:endParaRPr lang="ru-RU" dirty="0"/>
-          </a:p>
-        </p:txBody>
-      </p:sp>
-      <p:sp>
-        <p:nvSpPr>
-          <p:cNvPr id="4" name="Прямоугольник 3"/>
-          <p:cNvSpPr/>
-          <p:nvPr/>
-        </p:nvSpPr>
-        <p:spPr>
-          <a:xfrm>
-            <a:off x="838200" y="2021614"/>
-            <a:ext cx="9986554" cy="3416320"/>
-          </a:xfrm>
-          <a:prstGeom prst="rect">
-            <a:avLst/>
-          </a:prstGeom>
-        </p:spPr>
-        <p:txBody>
-          <a:bodyPr wrap="square">
-            <a:spAutoFit/>
-          </a:bodyPr>
-          <a:lstStyle/>
-          <a:p>
-            <a:pPr algn="just"/>
-            <a:r>
-              <a:rPr lang="ru-RU" dirty="0"/>
-              <a:t>Класс Менеджер содержит в себе сортированный список всех объектов </a:t>
-            </a:r>
-            <a:r>
-              <a:rPr lang="ru-RU" dirty="0" err="1"/>
-              <a:t>CardList</a:t>
-            </a:r>
-            <a:r>
-              <a:rPr lang="ru-RU" dirty="0"/>
-              <a:t> и базовые методы работы с ним, такие как:</a:t>
-            </a:r>
-          </a:p>
-          <a:p>
-            <a:pPr marL="285750" indent="-285750" algn="just">
-              <a:buFont typeface="Arial" panose="020B0604020202020204" pitchFamily="34" charset="0"/>
-              <a:buChar char="•"/>
-            </a:pPr>
-            <a:r>
-              <a:rPr lang="ru-RU" dirty="0" err="1"/>
-              <a:t>GetList</a:t>
-            </a:r>
-            <a:r>
-              <a:rPr lang="ru-RU" dirty="0"/>
-              <a:t> (Получение списка)</a:t>
-            </a:r>
-          </a:p>
-          <a:p>
-            <a:pPr marL="285750" indent="-285750" algn="just">
-              <a:buFont typeface="Arial" panose="020B0604020202020204" pitchFamily="34" charset="0"/>
-              <a:buChar char="•"/>
-            </a:pPr>
-            <a:r>
-              <a:rPr lang="ru-RU" dirty="0" err="1"/>
-              <a:t>SetList</a:t>
-            </a:r>
-            <a:r>
-              <a:rPr lang="ru-RU" dirty="0"/>
-              <a:t> (Вставка Списка)</a:t>
-            </a:r>
-          </a:p>
-          <a:p>
-            <a:pPr marL="285750" indent="-285750" algn="just">
-              <a:buFont typeface="Arial" panose="020B0604020202020204" pitchFamily="34" charset="0"/>
-              <a:buChar char="•"/>
-            </a:pPr>
-            <a:r>
-              <a:rPr lang="ru-RU" dirty="0" err="1"/>
-              <a:t>RemoveList</a:t>
-            </a:r>
-            <a:r>
-              <a:rPr lang="ru-RU" dirty="0"/>
-              <a:t> (Удаление Списка)</a:t>
-            </a:r>
-          </a:p>
-          <a:p>
-            <a:pPr marL="285750" indent="-285750" algn="just">
-              <a:buFont typeface="Arial" panose="020B0604020202020204" pitchFamily="34" charset="0"/>
-              <a:buChar char="•"/>
-            </a:pPr>
-            <a:r>
-              <a:rPr lang="ru-RU" dirty="0" err="1"/>
-              <a:t>ContainsList</a:t>
-            </a:r>
-            <a:r>
-              <a:rPr lang="ru-RU" dirty="0"/>
-              <a:t> (Проверка на существование Списка)</a:t>
-            </a:r>
-          </a:p>
-          <a:p>
-            <a:pPr marL="285750" indent="-285750" algn="just">
-              <a:buFont typeface="Arial" panose="020B0604020202020204" pitchFamily="34" charset="0"/>
-              <a:buChar char="•"/>
-            </a:pPr>
-            <a:r>
-              <a:rPr lang="ru-RU" dirty="0" err="1"/>
-              <a:t>SearchByContent</a:t>
-            </a:r>
-            <a:r>
-              <a:rPr lang="ru-RU" dirty="0"/>
-              <a:t> (Поиск по контенту во всех Списках)</a:t>
-            </a:r>
-          </a:p>
-          <a:p>
-            <a:pPr marL="285750" indent="-285750" algn="just">
-              <a:buFont typeface="Arial" panose="020B0604020202020204" pitchFamily="34" charset="0"/>
-              <a:buChar char="•"/>
-            </a:pPr>
-            <a:r>
-              <a:rPr lang="ru-RU" dirty="0" err="1"/>
-              <a:t>InjectEssentials</a:t>
-            </a:r>
-            <a:r>
-              <a:rPr lang="ru-RU" dirty="0"/>
-              <a:t> (Внедрить закрепленные Списки)</a:t>
-            </a:r>
-            <a:endParaRPr lang="en-US" dirty="0"/>
-          </a:p>
-          <a:p>
-            <a:pPr marL="285750" indent="-285750" algn="just">
-              <a:buFont typeface="Arial" panose="020B0604020202020204" pitchFamily="34" charset="0"/>
-              <a:buChar char="•"/>
-            </a:pPr>
-            <a:endParaRPr lang="en-US" dirty="0"/>
-          </a:p>
-          <a:p>
-            <a:pPr algn="just"/>
-            <a:r>
-              <a:rPr lang="ru-RU" dirty="0"/>
-              <a:t>Также в классе реализованы методы работы с данными:</a:t>
-            </a:r>
-          </a:p>
-          <a:p>
-            <a:pPr marL="285750" indent="-285750" algn="just">
-              <a:buFont typeface="Arial" panose="020B0604020202020204" pitchFamily="34" charset="0"/>
-              <a:buChar char="•"/>
-            </a:pPr>
-            <a:r>
-              <a:rPr lang="ru-RU" dirty="0" err="1"/>
-              <a:t>Sync</a:t>
-            </a:r>
-            <a:r>
-              <a:rPr lang="ru-RU" dirty="0"/>
-              <a:t> (Сохранить данные в файл)  </a:t>
-            </a:r>
-          </a:p>
-          <a:p>
-            <a:pPr marL="285750" indent="-285750" algn="just">
-              <a:buFont typeface="Arial" panose="020B0604020202020204" pitchFamily="34" charset="0"/>
-              <a:buChar char="•"/>
-            </a:pPr>
-            <a:r>
-              <a:rPr lang="ru-RU" dirty="0" err="1"/>
-              <a:t>Load</a:t>
-            </a:r>
-            <a:r>
-              <a:rPr lang="ru-RU" dirty="0"/>
-              <a:t> (Загрузить данные из файла)</a:t>
-            </a:r>
-          </a:p>
-        </p:txBody>
-      </p:sp>
-      <p:sp>
-        <p:nvSpPr>
-          <p:cNvPr id="5" name="Прямоугольник 4"/>
-          <p:cNvSpPr/>
-          <p:nvPr/>
-        </p:nvSpPr>
-        <p:spPr>
-          <a:xfrm>
-            <a:off x="838200" y="1283788"/>
-            <a:ext cx="2750305" cy="584775"/>
-          </a:xfrm>
-          <a:prstGeom prst="rect">
-            <a:avLst/>
-          </a:prstGeom>
-        </p:spPr>
-        <p:txBody>
-          <a:bodyPr wrap="none">
-            <a:spAutoFit/>
-          </a:bodyPr>
-          <a:lstStyle/>
-          <a:p>
-            <a:r>
-              <a:rPr lang="ru-RU" sz="3200" dirty="0">
-                <a:latin typeface="+mj-lt"/>
-              </a:rPr>
-              <a:t>Класс </a:t>
-            </a:r>
-            <a:r>
-              <a:rPr lang="en-US" sz="3200" dirty="0">
-                <a:latin typeface="+mj-lt"/>
-              </a:rPr>
-              <a:t>Manager</a:t>
-            </a:r>
           </a:p>
         </p:txBody>
       </p:sp>
     </p:spTree>
     <p:extLst>
       <p:ext uri="{BB962C8B-B14F-4D97-AF65-F5344CB8AC3E}">
-        <p14:creationId xmlns:p14="http://schemas.microsoft.com/office/powerpoint/2010/main" val="11317772"/>
+        <p14:creationId xmlns:p14="http://schemas.microsoft.com/office/powerpoint/2010/main" val="3872817932"/>
       </p:ext>
     </p:extLst>
   </p:cSld>
@@ -4525,12 +6221,16 @@
           <a:lstStyle/>
           <a:p>
             <a:r>
-              <a:rPr lang="ru-RU" dirty="0"/>
-              <a:t>Пространство имен </a:t>
-            </a:r>
-            <a:r>
-              <a:rPr lang="en-US" dirty="0" err="1"/>
-              <a:t>TimelonCl.Data</a:t>
+              <a:rPr lang="ru-RU" dirty="0" smtClean="0"/>
+              <a:t>Структура решения</a:t>
+            </a:r>
+            <a:r>
+              <a:rPr lang="en-US" dirty="0" smtClean="0"/>
+              <a:t> </a:t>
+            </a:r>
+            <a:r>
+              <a:rPr lang="en-US" dirty="0" err="1" smtClean="0"/>
+              <a:t>VisualStudio</a:t>
             </a:r>
             <a:endParaRPr lang="ru-RU" dirty="0"/>
           </a:p>
@@ -4538,244 +6238,488 @@
       </p:sp>
       <p:sp>
         <p:nvSpPr>
-          <p:cNvPr id="4" name="Прямоугольник 3"/>
-          <p:cNvSpPr/>
+          <p:cNvPr id="3" name="TextBox 2"/>
+          <p:cNvSpPr txBox="1"/>
           <p:nvPr/>
         </p:nvSpPr>
         <p:spPr>
           <a:xfrm>
-            <a:off x="838200" y="1321356"/>
-            <a:ext cx="7759560" cy="584775"/>
+            <a:off x="931817" y="1865640"/>
+            <a:ext cx="4230094" cy="461665"/>
           </a:xfrm>
           <a:prstGeom prst="rect">
             <a:avLst/>
           </a:prstGeom>
+          <a:noFill/>
         </p:spPr>
         <p:txBody>
-          <a:bodyPr wrap="none">
+          <a:bodyPr wrap="square" rtlCol="0">
             <a:spAutoFit/>
           </a:bodyPr>
           <a:lstStyle/>
           <a:p>
             <a:r>
-              <a:rPr lang="ru-RU" sz="3200" dirty="0">
-                <a:latin typeface="+mj-lt"/>
-              </a:rPr>
-              <a:t>Абстрактные классы </a:t>
-            </a:r>
-            <a:r>
-              <a:rPr lang="en-US" sz="3200" dirty="0">
-                <a:latin typeface="+mj-lt"/>
-              </a:rPr>
-              <a:t>Unique</a:t>
-            </a:r>
-            <a:r>
-              <a:rPr lang="ru-RU" sz="3200" dirty="0">
-                <a:latin typeface="+mj-lt"/>
-              </a:rPr>
-              <a:t> и </a:t>
-            </a:r>
-            <a:r>
-              <a:rPr lang="en-US" sz="3200" dirty="0" err="1">
-                <a:latin typeface="+mj-lt"/>
-              </a:rPr>
-              <a:t>DataContainer</a:t>
-            </a:r>
-            <a:endParaRPr lang="en-US" sz="3200" dirty="0">
-              <a:latin typeface="+mj-lt"/>
-            </a:endParaRPr>
-          </a:p>
-        </p:txBody>
-      </p:sp>
-      <p:sp>
-        <p:nvSpPr>
-          <p:cNvPr id="5" name="Прямоугольник 4"/>
-          <p:cNvSpPr/>
+              <a:rPr lang="ru-RU" sz="2400" dirty="0" smtClean="0"/>
+              <a:t>Библиотека классов</a:t>
+            </a:r>
+            <a:endParaRPr lang="ru-RU" sz="2400" dirty="0"/>
+          </a:p>
+        </p:txBody>
+      </p:sp>
+      <p:sp>
+        <p:nvSpPr>
+          <p:cNvPr id="5" name="TextBox 4"/>
+          <p:cNvSpPr txBox="1"/>
           <p:nvPr/>
         </p:nvSpPr>
         <p:spPr>
           <a:xfrm>
-            <a:off x="838199" y="2156774"/>
-            <a:ext cx="9986555" cy="3416320"/>
+            <a:off x="838200" y="2327305"/>
+            <a:ext cx="4247606" cy="3416320"/>
           </a:xfrm>
           <a:prstGeom prst="rect">
             <a:avLst/>
           </a:prstGeom>
+          <a:noFill/>
         </p:spPr>
         <p:txBody>
-          <a:bodyPr wrap="square">
+          <a:bodyPr wrap="square" rtlCol="0">
             <a:spAutoFit/>
           </a:bodyPr>
           <a:lstStyle/>
           <a:p>
-            <a:pPr algn="just"/>
-            <a:r>
-              <a:rPr lang="ru-RU" dirty="0"/>
-              <a:t>Уникальный Класс</a:t>
-            </a:r>
-            <a:r>
-              <a:rPr lang="en-US" dirty="0"/>
-              <a:t> Unique</a:t>
-            </a:r>
-            <a:r>
-              <a:rPr lang="ru-RU" dirty="0"/>
-              <a:t> содержит в себе:</a:t>
-            </a:r>
-            <a:endParaRPr lang="en-US" dirty="0"/>
-          </a:p>
-          <a:p>
-            <a:pPr marL="285750" indent="-285750" algn="just">
+            <a:pPr marL="285750" indent="-285750">
               <a:buFont typeface="Arial" panose="020B0604020202020204" pitchFamily="34" charset="0"/>
               <a:buChar char="•"/>
             </a:pPr>
             <a:r>
-              <a:rPr lang="en-US" dirty="0"/>
-              <a:t>A</a:t>
-            </a:r>
-            <a:r>
-              <a:rPr lang="ru-RU" dirty="0" err="1"/>
-              <a:t>томатическую</a:t>
-            </a:r>
-            <a:r>
-              <a:rPr lang="ru-RU" dirty="0"/>
-              <a:t> генерацию уникальных идентификаторов в текущей сессии. </a:t>
-            </a:r>
-          </a:p>
-          <a:p>
-            <a:pPr marL="285750" indent="-285750" algn="just">
+              <a:rPr lang="ru-RU" dirty="0" smtClean="0"/>
+              <a:t>Пространство имен </a:t>
+            </a:r>
+            <a:r>
+              <a:rPr lang="en-US" dirty="0" err="1" smtClean="0"/>
+              <a:t>TimelonCL</a:t>
+            </a:r>
+            <a:endParaRPr lang="ru-RU" dirty="0" smtClean="0"/>
+          </a:p>
+          <a:p>
+            <a:pPr marL="742950" lvl="1" indent="-285750">
+              <a:buSzPct val="80000"/>
+              <a:buFont typeface="Wingdings" panose="05000000000000000000" pitchFamily="2" charset="2"/>
+              <a:buChar char="§"/>
+            </a:pPr>
+            <a:r>
+              <a:rPr lang="ru-RU" dirty="0" smtClean="0"/>
+              <a:t>Класс </a:t>
+            </a:r>
+            <a:r>
+              <a:rPr lang="en-US" dirty="0" smtClean="0"/>
+              <a:t>Manager</a:t>
+            </a:r>
+          </a:p>
+          <a:p>
+            <a:pPr marL="285750" indent="-285750">
               <a:buFont typeface="Arial" panose="020B0604020202020204" pitchFamily="34" charset="0"/>
               <a:buChar char="•"/>
             </a:pPr>
             <a:r>
-              <a:rPr lang="ru-RU" dirty="0"/>
-              <a:t>Поля и доступ к ним для идентификаторов и названий объектов, наследующих эту абстракцию. </a:t>
-            </a:r>
-          </a:p>
-          <a:p>
-            <a:pPr marL="285750" indent="-285750" algn="just">
-              <a:buFont typeface="Arial" panose="020B0604020202020204" pitchFamily="34" charset="0"/>
-              <a:buChar char="•"/>
+              <a:rPr lang="ru-RU" dirty="0" smtClean="0"/>
+              <a:t>Пространство имен </a:t>
+            </a:r>
+            <a:r>
+              <a:rPr lang="en-US" dirty="0" err="1" smtClean="0"/>
+              <a:t>TimelonCl.Data</a:t>
+            </a:r>
+            <a:endParaRPr lang="ru-RU" dirty="0" smtClean="0"/>
+          </a:p>
+          <a:p>
+            <a:pPr marL="800100" lvl="1" indent="-342900">
+              <a:buSzPct val="80000"/>
+              <a:buFont typeface="Wingdings" panose="05000000000000000000" pitchFamily="2" charset="2"/>
+              <a:buChar char="§"/>
             </a:pPr>
             <a:r>
               <a:rPr lang="ru-RU" dirty="0"/>
-              <a:t>Функция </a:t>
-            </a:r>
-            <a:r>
-              <a:rPr lang="ru-RU" dirty="0" err="1"/>
-              <a:t>Register</a:t>
-            </a:r>
-            <a:r>
-              <a:rPr lang="ru-RU" dirty="0"/>
-              <a:t> (Регистрация идентификатора) 	</a:t>
-            </a:r>
-          </a:p>
-          <a:p>
-            <a:pPr marL="285750" indent="-285750" algn="just">
-              <a:buFont typeface="Arial" panose="020B0604020202020204" pitchFamily="34" charset="0"/>
-              <a:buChar char="•"/>
+              <a:t>Абстрактный класс </a:t>
+            </a:r>
+            <a:r>
+              <a:rPr lang="en-US" dirty="0" smtClean="0"/>
+              <a:t>Unique</a:t>
+            </a:r>
+            <a:endParaRPr lang="ru-RU" dirty="0" smtClean="0"/>
+          </a:p>
+          <a:p>
+            <a:pPr marL="800100" lvl="1" indent="-342900">
+              <a:buSzPct val="80000"/>
+              <a:buFont typeface="Wingdings" panose="05000000000000000000" pitchFamily="2" charset="2"/>
+              <a:buChar char="§"/>
             </a:pPr>
             <a:r>
               <a:rPr lang="ru-RU" dirty="0"/>
-              <a:t>Функция </a:t>
-            </a:r>
-            <a:r>
-              <a:rPr lang="ru-RU" dirty="0" err="1"/>
-              <a:t>UniqueId</a:t>
-            </a:r>
-            <a:r>
-              <a:rPr lang="ru-RU" dirty="0"/>
-              <a:t> (Получение следующего идентификатора) </a:t>
-            </a:r>
-          </a:p>
-          <a:p>
-            <a:pPr marL="285750" indent="-285750" algn="just">
+              <a:t>Абстрактный класс </a:t>
+            </a:r>
+            <a:r>
+              <a:rPr lang="en-US" dirty="0" err="1" smtClean="0"/>
+              <a:t>DataContainer</a:t>
+            </a:r>
+            <a:endParaRPr lang="ru-RU" dirty="0" smtClean="0"/>
+          </a:p>
+          <a:p>
+            <a:pPr marL="800100" lvl="1" indent="-342900">
+              <a:buSzPct val="80000"/>
+              <a:buFont typeface="Wingdings" panose="05000000000000000000" pitchFamily="2" charset="2"/>
+              <a:buChar char="§"/>
+            </a:pPr>
+            <a:r>
+              <a:rPr lang="ru-RU" dirty="0"/>
+              <a:t>Класс </a:t>
+            </a:r>
+            <a:r>
+              <a:rPr lang="en-US" dirty="0" err="1" smtClean="0"/>
+              <a:t>DateTimeContainerData</a:t>
+            </a:r>
+            <a:endParaRPr lang="ru-RU" dirty="0" smtClean="0"/>
+          </a:p>
+          <a:p>
+            <a:pPr marL="800100" lvl="1" indent="-342900">
+              <a:buSzPct val="80000"/>
+              <a:buFont typeface="Wingdings" panose="05000000000000000000" pitchFamily="2" charset="2"/>
+              <a:buChar char="§"/>
+            </a:pPr>
+            <a:r>
+              <a:rPr lang="ru-RU" dirty="0"/>
+              <a:t>Класс </a:t>
+            </a:r>
+            <a:r>
+              <a:rPr lang="en-US" dirty="0" err="1" smtClean="0"/>
+              <a:t>CardData</a:t>
+            </a:r>
+            <a:endParaRPr lang="ru-RU" dirty="0" smtClean="0"/>
+          </a:p>
+          <a:p>
+            <a:pPr marL="800100" lvl="1" indent="-342900">
+              <a:buSzPct val="80000"/>
+              <a:buFont typeface="Wingdings" panose="05000000000000000000" pitchFamily="2" charset="2"/>
+              <a:buChar char="§"/>
+            </a:pPr>
+            <a:r>
+              <a:rPr lang="ru-RU" dirty="0"/>
+              <a:t>Класс </a:t>
+            </a:r>
+            <a:r>
+              <a:rPr lang="en-US" dirty="0" err="1" smtClean="0"/>
+              <a:t>CardListData</a:t>
+            </a:r>
+            <a:endParaRPr lang="ru-RU" dirty="0" smtClean="0"/>
+          </a:p>
+          <a:p>
+            <a:pPr marL="800100" lvl="1" indent="-342900">
+              <a:buSzPct val="80000"/>
+              <a:buFont typeface="Wingdings" panose="05000000000000000000" pitchFamily="2" charset="2"/>
+              <a:buChar char="§"/>
+            </a:pPr>
+            <a:r>
+              <a:rPr lang="ru-RU" dirty="0"/>
+              <a:t>Класс </a:t>
+            </a:r>
+            <a:r>
+              <a:rPr lang="en-US" dirty="0" err="1" smtClean="0"/>
+              <a:t>DateTimeContainer</a:t>
+            </a:r>
+            <a:endParaRPr lang="ru-RU" dirty="0" smtClean="0"/>
+          </a:p>
+          <a:p>
+            <a:pPr marL="800100" lvl="1" indent="-342900">
+              <a:buSzPct val="80000"/>
+              <a:buFont typeface="Wingdings" panose="05000000000000000000" pitchFamily="2" charset="2"/>
+              <a:buChar char="§"/>
+            </a:pPr>
+            <a:r>
+              <a:rPr lang="ru-RU" dirty="0"/>
+              <a:t>Класс </a:t>
+            </a:r>
+            <a:r>
+              <a:rPr lang="en-US" dirty="0" smtClean="0"/>
+              <a:t>Card</a:t>
+            </a:r>
+            <a:endParaRPr lang="ru-RU" dirty="0" smtClean="0"/>
+          </a:p>
+          <a:p>
+            <a:pPr marL="800100" lvl="1" indent="-342900">
+              <a:buSzPct val="80000"/>
+              <a:buFont typeface="Wingdings" panose="05000000000000000000" pitchFamily="2" charset="2"/>
+              <a:buChar char="§"/>
+            </a:pPr>
+            <a:r>
+              <a:rPr lang="ru-RU" dirty="0"/>
+              <a:t>Класс </a:t>
+            </a:r>
+            <a:r>
+              <a:rPr lang="en-US" dirty="0" err="1" smtClean="0"/>
+              <a:t>CardList</a:t>
+            </a:r>
+            <a:endParaRPr lang="en-US" dirty="0" smtClean="0"/>
+          </a:p>
+          <a:p>
+            <a:pPr marL="285750" indent="-285750">
               <a:buFont typeface="Arial" panose="020B0604020202020204" pitchFamily="34" charset="0"/>
               <a:buChar char="•"/>
             </a:pPr>
             <a:endParaRPr lang="ru-RU" dirty="0"/>
           </a:p>
-          <a:p>
-            <a:pPr algn="just"/>
-            <a:r>
-              <a:rPr lang="ru-RU" dirty="0"/>
-              <a:t>Разработчики других решений ограничены в доступе к этим функциям во избежание создания ошибок. Уникальный Класс всю работу берет на себя, достаточно только унаследовать его.</a:t>
-            </a:r>
-          </a:p>
-          <a:p>
-            <a:pPr algn="just"/>
+        </p:txBody>
+      </p:sp>
+      <p:sp>
+        <p:nvSpPr>
+          <p:cNvPr id="8" name="TextBox 7"/>
+          <p:cNvSpPr txBox="1"/>
+          <p:nvPr/>
+        </p:nvSpPr>
+        <p:spPr>
+          <a:xfrm>
+            <a:off x="6008914" y="1866473"/>
+            <a:ext cx="4328160" cy="461665"/>
+          </a:xfrm>
+          <a:prstGeom prst="rect">
+            <a:avLst/>
+          </a:prstGeom>
+          <a:noFill/>
+        </p:spPr>
+        <p:txBody>
+          <a:bodyPr wrap="square" rtlCol="0">
+            <a:spAutoFit/>
+          </a:bodyPr>
+          <a:lstStyle/>
+          <a:p>
+            <a:r>
+              <a:rPr lang="ru-RU" sz="2400" dirty="0" smtClean="0"/>
+              <a:t>Пользовательский интерфейс</a:t>
+            </a:r>
+            <a:endParaRPr lang="ru-RU" sz="2400" dirty="0"/>
+          </a:p>
+        </p:txBody>
+      </p:sp>
+      <p:sp>
+        <p:nvSpPr>
+          <p:cNvPr id="9" name="TextBox 8"/>
+          <p:cNvSpPr txBox="1"/>
+          <p:nvPr/>
+        </p:nvSpPr>
+        <p:spPr>
+          <a:xfrm>
+            <a:off x="6008914" y="2323159"/>
+            <a:ext cx="4728754" cy="1477328"/>
+          </a:xfrm>
+          <a:prstGeom prst="rect">
+            <a:avLst/>
+          </a:prstGeom>
+          <a:noFill/>
+        </p:spPr>
+        <p:txBody>
+          <a:bodyPr wrap="square" rtlCol="0">
+            <a:spAutoFit/>
+          </a:bodyPr>
+          <a:lstStyle/>
+          <a:p>
+            <a:pPr marL="285750" indent="-285750">
+              <a:buFont typeface="Arial" panose="020B0604020202020204" pitchFamily="34" charset="0"/>
+              <a:buChar char="•"/>
+            </a:pPr>
+            <a:r>
+              <a:rPr lang="en-US" dirty="0" smtClean="0"/>
+              <a:t>WPF </a:t>
+            </a:r>
+            <a:r>
+              <a:rPr lang="ru-RU" dirty="0" smtClean="0"/>
+              <a:t>и </a:t>
+            </a:r>
+            <a:r>
+              <a:rPr lang="en-US" dirty="0" smtClean="0"/>
+              <a:t>XAML</a:t>
+            </a:r>
+          </a:p>
+          <a:p>
+            <a:pPr marL="742950" lvl="1" indent="-285750">
+              <a:buSzPct val="80000"/>
+              <a:buFont typeface="Wingdings" panose="05000000000000000000" pitchFamily="2" charset="2"/>
+              <a:buChar char="§"/>
+            </a:pPr>
+            <a:r>
+              <a:rPr lang="ru-RU" dirty="0" smtClean="0"/>
+              <a:t>Паттерн </a:t>
+            </a:r>
+            <a:r>
+              <a:rPr lang="en-US" dirty="0" smtClean="0"/>
+              <a:t>MVVM</a:t>
+            </a:r>
+          </a:p>
+          <a:p>
+            <a:pPr marL="742950" lvl="1" indent="-285750">
+              <a:buSzPct val="80000"/>
+              <a:buFont typeface="Wingdings" panose="05000000000000000000" pitchFamily="2" charset="2"/>
+              <a:buChar char="§"/>
+            </a:pPr>
+            <a:r>
+              <a:rPr lang="ru-RU" dirty="0" smtClean="0"/>
+              <a:t>Класс </a:t>
+            </a:r>
+            <a:r>
+              <a:rPr lang="en-US" dirty="0" err="1" smtClean="0"/>
+              <a:t>ApplicationViewModel</a:t>
+            </a:r>
+            <a:endParaRPr lang="ru-RU" dirty="0" smtClean="0"/>
+          </a:p>
+          <a:p>
+            <a:pPr marL="742950" lvl="1" indent="-285750">
+              <a:buSzPct val="80000"/>
+              <a:buFont typeface="Wingdings" panose="05000000000000000000" pitchFamily="2" charset="2"/>
+              <a:buChar char="§"/>
+            </a:pPr>
+            <a:r>
+              <a:rPr lang="ru-RU" dirty="0" smtClean="0"/>
+              <a:t>Класс </a:t>
+            </a:r>
+            <a:r>
+              <a:rPr lang="en-US" dirty="0" err="1" smtClean="0"/>
+              <a:t>RelyCommand</a:t>
+            </a:r>
+            <a:endParaRPr lang="ru-RU" dirty="0" smtClean="0"/>
+          </a:p>
+          <a:p>
+            <a:pPr marL="285750" indent="-285750">
+              <a:buFont typeface="Arial" panose="020B0604020202020204" pitchFamily="34" charset="0"/>
+              <a:buChar char="•"/>
+            </a:pPr>
+            <a:r>
+              <a:rPr lang="ru-RU" dirty="0"/>
+              <a:t>Деление </a:t>
+            </a:r>
+            <a:r>
+              <a:rPr lang="ru-RU" dirty="0" smtClean="0"/>
+              <a:t>на </a:t>
+            </a:r>
+            <a:r>
+              <a:rPr lang="ru-RU" dirty="0" err="1" smtClean="0"/>
+              <a:t>функционлаьные</a:t>
+            </a:r>
+            <a:r>
+              <a:rPr lang="ru-RU" dirty="0" smtClean="0"/>
+              <a:t> блоки</a:t>
+            </a:r>
+          </a:p>
+        </p:txBody>
+      </p:sp>
+      <p:sp>
+        <p:nvSpPr>
+          <p:cNvPr id="10" name="TextBox 9"/>
+          <p:cNvSpPr txBox="1"/>
+          <p:nvPr/>
+        </p:nvSpPr>
+        <p:spPr>
+          <a:xfrm>
+            <a:off x="6008914" y="3795508"/>
+            <a:ext cx="3831771" cy="461665"/>
+          </a:xfrm>
+          <a:prstGeom prst="rect">
+            <a:avLst/>
+          </a:prstGeom>
+          <a:noFill/>
+        </p:spPr>
+        <p:txBody>
+          <a:bodyPr wrap="square" rtlCol="0">
+            <a:spAutoFit/>
+          </a:bodyPr>
+          <a:lstStyle/>
+          <a:p>
+            <a:r>
+              <a:rPr lang="ru-RU" sz="2400" dirty="0" smtClean="0"/>
+              <a:t>Тестирование</a:t>
+            </a:r>
+            <a:endParaRPr lang="ru-RU" sz="2400" dirty="0"/>
+          </a:p>
+        </p:txBody>
+      </p:sp>
+      <p:sp>
+        <p:nvSpPr>
+          <p:cNvPr id="11" name="TextBox 10"/>
+          <p:cNvSpPr txBox="1"/>
+          <p:nvPr/>
+        </p:nvSpPr>
+        <p:spPr>
+          <a:xfrm>
+            <a:off x="6008914" y="4257173"/>
+            <a:ext cx="3631475" cy="1200329"/>
+          </a:xfrm>
+          <a:prstGeom prst="rect">
+            <a:avLst/>
+          </a:prstGeom>
+          <a:noFill/>
+        </p:spPr>
+        <p:txBody>
+          <a:bodyPr wrap="square" rtlCol="0">
+            <a:spAutoFit/>
+          </a:bodyPr>
+          <a:lstStyle/>
+          <a:p>
+            <a:pPr marL="285750" indent="-285750">
+              <a:buFont typeface="Arial" panose="020B0604020202020204" pitchFamily="34" charset="0"/>
+              <a:buChar char="•"/>
+            </a:pPr>
+            <a:r>
+              <a:rPr lang="ru-RU" dirty="0" smtClean="0"/>
+              <a:t>Консольный проект </a:t>
+            </a:r>
+            <a:r>
+              <a:rPr lang="en-US" dirty="0" err="1" smtClean="0"/>
+              <a:t>ConsoleTest.cs</a:t>
+            </a:r>
+            <a:endParaRPr lang="ru-RU" dirty="0" smtClean="0"/>
+          </a:p>
+          <a:p>
+            <a:pPr marL="285750" indent="-285750">
+              <a:buFont typeface="Arial" panose="020B0604020202020204" pitchFamily="34" charset="0"/>
+              <a:buChar char="•"/>
+            </a:pPr>
+            <a:r>
+              <a:rPr lang="ru-RU" dirty="0" err="1" smtClean="0"/>
+              <a:t>Рандомайзер</a:t>
+            </a:r>
+            <a:endParaRPr lang="en-US" dirty="0" smtClean="0"/>
+          </a:p>
+          <a:p>
+            <a:pPr marL="285750" indent="-285750">
+              <a:buFont typeface="Arial" panose="020B0604020202020204" pitchFamily="34" charset="0"/>
+              <a:buChar char="•"/>
+            </a:pPr>
+            <a:r>
+              <a:rPr lang="en-US" dirty="0" smtClean="0"/>
+              <a:t>Unit </a:t>
+            </a:r>
+            <a:r>
+              <a:rPr lang="ru-RU" dirty="0" smtClean="0"/>
+              <a:t>тесты</a:t>
+            </a:r>
             <a:endParaRPr lang="ru-RU" dirty="0"/>
-          </a:p>
-          <a:p>
-            <a:pPr algn="just"/>
-            <a:r>
-              <a:rPr lang="ru-RU" dirty="0"/>
-              <a:t>Класс </a:t>
-            </a:r>
-            <a:r>
-              <a:rPr lang="en-US" dirty="0" err="1"/>
-              <a:t>DataContainer</a:t>
-            </a:r>
-            <a:r>
-              <a:rPr lang="en-US" dirty="0"/>
-              <a:t> </a:t>
-            </a:r>
-            <a:r>
-              <a:rPr lang="ru-RU" dirty="0"/>
-              <a:t>служит только для того, чтобы наследники могли быть беспрепятственно </a:t>
-            </a:r>
-            <a:r>
-              <a:rPr lang="ru-RU" dirty="0" err="1"/>
-              <a:t>сериализованы</a:t>
-            </a:r>
-            <a:r>
-              <a:rPr lang="ru-RU" dirty="0"/>
-              <a:t> в XML формат. Он имеет атрибут </a:t>
-            </a:r>
-            <a:r>
-              <a:rPr lang="ru-RU" dirty="0" err="1"/>
-              <a:t>Serializable</a:t>
-            </a:r>
-            <a:r>
-              <a:rPr lang="ru-RU" dirty="0"/>
-              <a:t> (</a:t>
-            </a:r>
-            <a:r>
-              <a:rPr lang="ru-RU" dirty="0" err="1"/>
-              <a:t>Сериализируемый</a:t>
-            </a:r>
-            <a:r>
-              <a:rPr lang="ru-RU" dirty="0"/>
-              <a:t>) и хранит в себе пустой конструктор и метод </a:t>
-            </a:r>
-            <a:r>
-              <a:rPr lang="ru-RU" dirty="0" err="1"/>
-              <a:t>ToXmlString</a:t>
-            </a:r>
-            <a:r>
-              <a:rPr lang="ru-RU" dirty="0"/>
-              <a:t> (</a:t>
-            </a:r>
-            <a:r>
-              <a:rPr lang="ru-RU" dirty="0" err="1"/>
-              <a:t>Сериализация</a:t>
-            </a:r>
-            <a:r>
-              <a:rPr lang="ru-RU" dirty="0"/>
-              <a:t> в XML).</a:t>
-            </a:r>
           </a:p>
         </p:txBody>
       </p:sp>
     </p:spTree>
     <p:extLst>
       <p:ext uri="{BB962C8B-B14F-4D97-AF65-F5344CB8AC3E}">
-        <p14:creationId xmlns:p14="http://schemas.microsoft.com/office/powerpoint/2010/main" val="535878601"/>
+        <p14:creationId xmlns:p14="http://schemas.microsoft.com/office/powerpoint/2010/main" val="884159258"/>
       </p:ext>
     </p:extLst>
   </p:cSld>
   <p:clrMapOvr>
     <a:masterClrMapping/>
   </p:clrMapOvr>
+  <p:timing>
+    <p:tnLst>
+      <p:par>
+        <p:cTn id="1" dur="indefinite" restart="never" nodeType="tmRoot"/>
+      </p:par>
+    </p:tnLst>
+  </p:timing>
 </p:sld>
 </file>
 
@@ -4812,278 +6756,17 @@
           <a:lstStyle/>
           <a:p>
             <a:r>
-              <a:rPr lang="ru-RU" dirty="0"/>
-              <a:t>Пространство имен </a:t>
-            </a:r>
-            <a:r>
-              <a:rPr lang="en-US" dirty="0" err="1"/>
-              <a:t>TimelonCl.Data</a:t>
+              <a:rPr lang="ru-RU" dirty="0" smtClean="0"/>
+              <a:t>Работа с пользователем</a:t>
             </a:r>
             <a:endParaRPr lang="ru-RU" dirty="0"/>
-          </a:p>
-        </p:txBody>
-      </p:sp>
-      <p:sp>
-        <p:nvSpPr>
-          <p:cNvPr id="3" name="Прямоугольник 2"/>
-          <p:cNvSpPr/>
-          <p:nvPr/>
-        </p:nvSpPr>
-        <p:spPr>
-          <a:xfrm>
-            <a:off x="838200" y="2503974"/>
-            <a:ext cx="10308771" cy="3139321"/>
-          </a:xfrm>
-          <a:prstGeom prst="rect">
-            <a:avLst/>
-          </a:prstGeom>
-        </p:spPr>
-        <p:txBody>
-          <a:bodyPr wrap="square">
-            <a:spAutoFit/>
-          </a:bodyPr>
-          <a:lstStyle/>
-          <a:p>
-            <a:pPr algn="just"/>
-            <a:r>
-              <a:rPr lang="ru-RU" dirty="0"/>
-              <a:t>Классы </a:t>
-            </a:r>
-            <a:r>
-              <a:rPr lang="en-US" dirty="0" err="1"/>
-              <a:t>DateTimeContainerData</a:t>
-            </a:r>
-            <a:r>
-              <a:rPr lang="en-US" dirty="0"/>
-              <a:t>, </a:t>
-            </a:r>
-            <a:r>
-              <a:rPr lang="en-US" dirty="0" err="1"/>
-              <a:t>CardData</a:t>
-            </a:r>
-            <a:r>
-              <a:rPr lang="en-US" dirty="0"/>
-              <a:t>, </a:t>
-            </a:r>
-            <a:r>
-              <a:rPr lang="en-US" dirty="0" err="1"/>
-              <a:t>CardListData</a:t>
-            </a:r>
-            <a:r>
-              <a:rPr lang="en-US" dirty="0"/>
-              <a:t>, </a:t>
-            </a:r>
-            <a:r>
-              <a:rPr lang="en-US" dirty="0" err="1"/>
-              <a:t>DateTimeContainer</a:t>
-            </a:r>
-            <a:r>
-              <a:rPr lang="en-US" dirty="0"/>
-              <a:t> </a:t>
-            </a:r>
-            <a:r>
-              <a:rPr lang="ru-RU" dirty="0"/>
-              <a:t>наследуют абстракцию </a:t>
-            </a:r>
-            <a:r>
-              <a:rPr lang="en-US" dirty="0" err="1"/>
-              <a:t>DataContainer</a:t>
-            </a:r>
-            <a:r>
-              <a:rPr lang="ru-RU" dirty="0"/>
-              <a:t>. Они существуют обособленно от связанных с ними объектов и хранят в себе пустые публичные поля с полным доступом для хранения данных основных объектов и их </a:t>
-            </a:r>
-            <a:r>
-              <a:rPr lang="ru-RU" dirty="0" err="1"/>
-              <a:t>сериализации</a:t>
-            </a:r>
-            <a:r>
-              <a:rPr lang="ru-RU" dirty="0"/>
-              <a:t> стандартными методами. </a:t>
-            </a:r>
-            <a:endParaRPr lang="en-US" dirty="0"/>
-          </a:p>
-          <a:p>
-            <a:pPr algn="just"/>
-            <a:endParaRPr lang="ru-RU" dirty="0"/>
-          </a:p>
-          <a:p>
-            <a:pPr algn="just"/>
-            <a:r>
-              <a:rPr lang="ru-RU" dirty="0"/>
-              <a:t>Контейнер Дат, Карта и Список Карт содержат в себе функции </a:t>
-            </a:r>
-            <a:r>
-              <a:rPr lang="ru-RU" dirty="0" err="1"/>
-              <a:t>FromData</a:t>
-            </a:r>
-            <a:r>
-              <a:rPr lang="ru-RU" dirty="0"/>
-              <a:t> и методы </a:t>
-            </a:r>
-            <a:r>
-              <a:rPr lang="ru-RU" dirty="0" err="1"/>
-              <a:t>ToData</a:t>
-            </a:r>
-            <a:r>
-              <a:rPr lang="ru-RU" dirty="0"/>
-              <a:t> для безопасной конвертации из соответствующих контейнеров данных в экземпляр класса и обратно.</a:t>
-            </a:r>
-          </a:p>
-          <a:p>
-            <a:pPr algn="just"/>
-            <a:r>
-              <a:rPr lang="ru-RU" dirty="0"/>
-              <a:t>Контейнер Дат служит для хранения в себе нескольких экземпляров класса </a:t>
-            </a:r>
-            <a:r>
-              <a:rPr lang="ru-RU" dirty="0" err="1"/>
-              <a:t>DateTime</a:t>
-            </a:r>
-            <a:r>
-              <a:rPr lang="ru-RU" dirty="0"/>
-              <a:t>:</a:t>
-            </a:r>
-          </a:p>
-          <a:p>
-            <a:pPr marL="285750" indent="-285750" algn="just">
-              <a:buFont typeface="Arial" panose="020B0604020202020204" pitchFamily="34" charset="0"/>
-              <a:buChar char="•"/>
-            </a:pPr>
-            <a:r>
-              <a:rPr lang="ru-RU" dirty="0" err="1"/>
-              <a:t>Created</a:t>
-            </a:r>
-            <a:r>
-              <a:rPr lang="ru-RU" dirty="0"/>
-              <a:t> (дата создания)</a:t>
-            </a:r>
-          </a:p>
-          <a:p>
-            <a:pPr marL="285750" indent="-285750" algn="just">
-              <a:buFont typeface="Arial" panose="020B0604020202020204" pitchFamily="34" charset="0"/>
-              <a:buChar char="•"/>
-            </a:pPr>
-            <a:r>
-              <a:rPr lang="ru-RU" dirty="0" err="1"/>
-              <a:t>Updated</a:t>
-            </a:r>
-            <a:r>
-              <a:rPr lang="ru-RU" dirty="0"/>
-              <a:t> (дата обновления или </a:t>
-            </a:r>
-            <a:r>
-              <a:rPr lang="ru-RU" dirty="0" err="1"/>
-              <a:t>null</a:t>
-            </a:r>
-            <a:r>
-              <a:rPr lang="ru-RU" dirty="0"/>
-              <a:t>)</a:t>
-            </a:r>
-          </a:p>
-          <a:p>
-            <a:pPr marL="285750" indent="-285750" algn="just">
-              <a:buFont typeface="Arial" panose="020B0604020202020204" pitchFamily="34" charset="0"/>
-              <a:buChar char="•"/>
-            </a:pPr>
-            <a:r>
-              <a:rPr lang="ru-RU" dirty="0" err="1"/>
-              <a:t>Planned</a:t>
-            </a:r>
-            <a:r>
-              <a:rPr lang="ru-RU" dirty="0"/>
-              <a:t> (запланированная дата или </a:t>
-            </a:r>
-            <a:r>
-              <a:rPr lang="ru-RU" dirty="0" err="1"/>
-              <a:t>null</a:t>
-            </a:r>
-            <a:r>
-              <a:rPr lang="ru-RU" dirty="0"/>
-              <a:t>)</a:t>
-            </a:r>
-          </a:p>
-        </p:txBody>
-      </p:sp>
-      <p:sp>
-        <p:nvSpPr>
-          <p:cNvPr id="4" name="Прямоугольник 3"/>
-          <p:cNvSpPr/>
-          <p:nvPr/>
-        </p:nvSpPr>
-        <p:spPr>
-          <a:xfrm>
-            <a:off x="838200" y="1322253"/>
-            <a:ext cx="7373983" cy="1077218"/>
-          </a:xfrm>
-          <a:prstGeom prst="rect">
-            <a:avLst/>
-          </a:prstGeom>
-        </p:spPr>
-        <p:txBody>
-          <a:bodyPr wrap="square">
-            <a:spAutoFit/>
-          </a:bodyPr>
-          <a:lstStyle/>
-          <a:p>
-            <a:r>
-              <a:rPr lang="ru-RU" sz="3200" dirty="0">
-                <a:latin typeface="+mj-lt"/>
-              </a:rPr>
-              <a:t>Классы </a:t>
-            </a:r>
-            <a:r>
-              <a:rPr lang="en-US" sz="3200" dirty="0" err="1">
-                <a:latin typeface="+mj-lt"/>
-              </a:rPr>
-              <a:t>DateTimeContainerData</a:t>
-            </a:r>
-            <a:r>
-              <a:rPr lang="ru-RU" sz="3200" dirty="0">
-                <a:latin typeface="+mj-lt"/>
-              </a:rPr>
-              <a:t>, </a:t>
-            </a:r>
-            <a:r>
-              <a:rPr lang="en-US" sz="3200" dirty="0" err="1">
-                <a:latin typeface="+mj-lt"/>
-              </a:rPr>
-              <a:t>CardData</a:t>
-            </a:r>
-            <a:r>
-              <a:rPr lang="ru-RU" sz="3200" dirty="0">
-                <a:latin typeface="+mj-lt"/>
-              </a:rPr>
-              <a:t>, </a:t>
-            </a:r>
-            <a:r>
-              <a:rPr lang="en-US" sz="3200" dirty="0" err="1">
-                <a:latin typeface="+mj-lt"/>
-              </a:rPr>
-              <a:t>CardListData</a:t>
-            </a:r>
-            <a:r>
-              <a:rPr lang="ru-RU" sz="3200" dirty="0">
-                <a:latin typeface="+mj-lt"/>
-              </a:rPr>
-              <a:t>, </a:t>
-            </a:r>
-            <a:r>
-              <a:rPr lang="en-US" sz="3200" dirty="0" err="1">
-                <a:latin typeface="+mj-lt"/>
-              </a:rPr>
-              <a:t>DateTimeContainer</a:t>
-            </a:r>
-            <a:endParaRPr lang="en-US" sz="3200" dirty="0">
-              <a:latin typeface="+mj-lt"/>
-            </a:endParaRPr>
           </a:p>
         </p:txBody>
       </p:sp>
     </p:spTree>
     <p:extLst>
       <p:ext uri="{BB962C8B-B14F-4D97-AF65-F5344CB8AC3E}">
-        <p14:creationId xmlns:p14="http://schemas.microsoft.com/office/powerpoint/2010/main" val="2569251858"/>
+        <p14:creationId xmlns:p14="http://schemas.microsoft.com/office/powerpoint/2010/main" val="3204918820"/>
       </p:ext>
     </p:extLst>
   </p:cSld>
@@ -5126,240 +6809,17 @@
           <a:lstStyle/>
           <a:p>
             <a:r>
-              <a:rPr lang="ru-RU" dirty="0"/>
-              <a:t>Пространство имен </a:t>
-            </a:r>
-            <a:r>
-              <a:rPr lang="en-US" dirty="0" err="1"/>
-              <a:t>TimelonCl.Data</a:t>
+              <a:rPr lang="ru-RU" dirty="0" smtClean="0"/>
+              <a:t>Внешний вид программы</a:t>
             </a:r>
             <a:endParaRPr lang="ru-RU" dirty="0"/>
-          </a:p>
-        </p:txBody>
-      </p:sp>
-      <p:sp>
-        <p:nvSpPr>
-          <p:cNvPr id="3" name="Прямоугольник 2"/>
-          <p:cNvSpPr/>
-          <p:nvPr/>
-        </p:nvSpPr>
-        <p:spPr>
-          <a:xfrm>
-            <a:off x="838200" y="2018449"/>
-            <a:ext cx="10289178" cy="3693319"/>
-          </a:xfrm>
-          <a:prstGeom prst="rect">
-            <a:avLst/>
-          </a:prstGeom>
-        </p:spPr>
-        <p:txBody>
-          <a:bodyPr wrap="square">
-            <a:spAutoFit/>
-          </a:bodyPr>
-          <a:lstStyle/>
-          <a:p>
-            <a:pPr algn="just"/>
-            <a:r>
-              <a:rPr lang="ru-RU" dirty="0"/>
-              <a:t>Класс </a:t>
-            </a:r>
-            <a:r>
-              <a:rPr lang="en-US" dirty="0"/>
-              <a:t>Card</a:t>
-            </a:r>
-            <a:r>
-              <a:rPr lang="ru-RU" dirty="0"/>
-              <a:t> наследует Уникальный Класс и представляет собой карточку дела. Класс содержит в себе основные поля, характерные для карточки.</a:t>
-            </a:r>
-          </a:p>
-          <a:p>
-            <a:pPr algn="just"/>
-            <a:r>
-              <a:rPr lang="ru-RU" dirty="0"/>
-              <a:t>Класс </a:t>
-            </a:r>
-            <a:r>
-              <a:rPr lang="en-US" dirty="0" err="1"/>
-              <a:t>CardList</a:t>
-            </a:r>
-            <a:r>
-              <a:rPr lang="ru-RU" dirty="0"/>
-              <a:t> также наследует Уникальный Класс и представляет собой список карточек дел. В качестве способа хранения экземпляров Карт в классе используется </a:t>
-            </a:r>
-            <a:r>
-              <a:rPr lang="ru-RU" dirty="0" err="1"/>
-              <a:t>Dictionary</a:t>
-            </a:r>
-            <a:r>
-              <a:rPr lang="ru-RU" dirty="0"/>
-              <a:t> (Библиотека). Класс включает в себя методы: </a:t>
-            </a:r>
-          </a:p>
-          <a:p>
-            <a:pPr marL="285750" indent="-285750" algn="just">
-              <a:buFont typeface="Arial" panose="020B0604020202020204" pitchFamily="34" charset="0"/>
-              <a:buChar char="•"/>
-            </a:pPr>
-            <a:r>
-              <a:rPr lang="ru-RU" dirty="0" err="1"/>
-              <a:t>Get</a:t>
-            </a:r>
-            <a:r>
-              <a:rPr lang="ru-RU" dirty="0"/>
-              <a:t> (Получить Карту), </a:t>
-            </a:r>
-          </a:p>
-          <a:p>
-            <a:pPr marL="285750" indent="-285750" algn="just">
-              <a:buFont typeface="Arial" panose="020B0604020202020204" pitchFamily="34" charset="0"/>
-              <a:buChar char="•"/>
-            </a:pPr>
-            <a:r>
-              <a:rPr lang="ru-RU" dirty="0" err="1"/>
-              <a:t>Set</a:t>
-            </a:r>
-            <a:r>
-              <a:rPr lang="ru-RU" dirty="0"/>
-              <a:t> (Сохранить Карту), </a:t>
-            </a:r>
-          </a:p>
-          <a:p>
-            <a:pPr marL="285750" indent="-285750" algn="just">
-              <a:buFont typeface="Arial" panose="020B0604020202020204" pitchFamily="34" charset="0"/>
-              <a:buChar char="•"/>
-            </a:pPr>
-            <a:r>
-              <a:rPr lang="ru-RU" dirty="0" err="1"/>
-              <a:t>Remove</a:t>
-            </a:r>
-            <a:r>
-              <a:rPr lang="ru-RU" dirty="0"/>
-              <a:t> (Удалить Карту), </a:t>
-            </a:r>
-          </a:p>
-          <a:p>
-            <a:pPr marL="285750" indent="-285750" algn="just">
-              <a:buFont typeface="Arial" panose="020B0604020202020204" pitchFamily="34" charset="0"/>
-              <a:buChar char="•"/>
-            </a:pPr>
-            <a:r>
-              <a:rPr lang="ru-RU" dirty="0" err="1"/>
-              <a:t>Contains</a:t>
-            </a:r>
-            <a:r>
-              <a:rPr lang="ru-RU" dirty="0"/>
-              <a:t> (Проверить наличие Карты), </a:t>
-            </a:r>
-          </a:p>
-          <a:p>
-            <a:pPr marL="285750" indent="-285750" algn="just">
-              <a:buFont typeface="Arial" panose="020B0604020202020204" pitchFamily="34" charset="0"/>
-              <a:buChar char="•"/>
-            </a:pPr>
-            <a:r>
-              <a:rPr lang="ru-RU" dirty="0"/>
-              <a:t>Методы отвечающие за сортировку и поиск. </a:t>
-            </a:r>
-          </a:p>
-          <a:p>
-            <a:pPr marL="742950" lvl="1" indent="-285750" algn="just">
-              <a:buFont typeface="Wingdings" panose="05000000000000000000" pitchFamily="2" charset="2"/>
-              <a:buChar char="§"/>
-            </a:pPr>
-            <a:r>
-              <a:rPr lang="ru-RU" dirty="0" err="1"/>
-              <a:t>GetListDefault</a:t>
-            </a:r>
-            <a:r>
-              <a:rPr lang="ru-RU" dirty="0"/>
-              <a:t> (Получение Карт, отсортированных по дате обновления)</a:t>
-            </a:r>
-          </a:p>
-          <a:p>
-            <a:pPr marL="742950" lvl="1" indent="-285750" algn="just">
-              <a:buFont typeface="Wingdings" panose="05000000000000000000" pitchFamily="2" charset="2"/>
-              <a:buChar char="§"/>
-            </a:pPr>
-            <a:r>
-              <a:rPr lang="ru-RU" dirty="0" err="1"/>
-              <a:t>GetListImportant</a:t>
-            </a:r>
-            <a:r>
-              <a:rPr lang="ru-RU" dirty="0"/>
-              <a:t> (Получение Карт, отсортированных по статусу важности)</a:t>
-            </a:r>
-          </a:p>
-          <a:p>
-            <a:pPr marL="742950" lvl="1" indent="-285750" algn="just">
-              <a:buFont typeface="Wingdings" panose="05000000000000000000" pitchFamily="2" charset="2"/>
-              <a:buChar char="§"/>
-            </a:pPr>
-            <a:r>
-              <a:rPr lang="ru-RU" dirty="0" err="1"/>
-              <a:t>GetListCompleted</a:t>
-            </a:r>
-            <a:r>
-              <a:rPr lang="ru-RU" dirty="0"/>
-              <a:t> (Получение Карт, отсортированных по статусу выполнения)</a:t>
-            </a:r>
-          </a:p>
-        </p:txBody>
-      </p:sp>
-      <p:sp>
-        <p:nvSpPr>
-          <p:cNvPr id="4" name="Прямоугольник 3"/>
-          <p:cNvSpPr/>
-          <p:nvPr/>
-        </p:nvSpPr>
-        <p:spPr>
-          <a:xfrm>
-            <a:off x="838200" y="1302450"/>
-            <a:ext cx="6096000" cy="584775"/>
-          </a:xfrm>
-          <a:prstGeom prst="rect">
-            <a:avLst/>
-          </a:prstGeom>
-        </p:spPr>
-        <p:txBody>
-          <a:bodyPr>
-            <a:spAutoFit/>
-          </a:bodyPr>
-          <a:lstStyle/>
-          <a:p>
-            <a:r>
-              <a:rPr lang="ru-RU" sz="3200" dirty="0">
-                <a:latin typeface="+mj-lt"/>
-              </a:rPr>
-              <a:t>Классы </a:t>
-            </a:r>
-            <a:r>
-              <a:rPr lang="en-US" sz="3200" dirty="0">
-                <a:latin typeface="+mj-lt"/>
-              </a:rPr>
-              <a:t>Card</a:t>
-            </a:r>
-            <a:r>
-              <a:rPr lang="ru-RU" sz="3200" dirty="0">
-                <a:latin typeface="+mj-lt"/>
-              </a:rPr>
-              <a:t> и </a:t>
-            </a:r>
-            <a:r>
-              <a:rPr lang="en-US" sz="3200" dirty="0" err="1">
-                <a:latin typeface="+mj-lt"/>
-              </a:rPr>
-              <a:t>CardList</a:t>
-            </a:r>
-            <a:endParaRPr lang="en-US" sz="3200" dirty="0">
-              <a:latin typeface="+mj-lt"/>
-            </a:endParaRPr>
           </a:p>
         </p:txBody>
       </p:sp>
     </p:spTree>
     <p:extLst>
       <p:ext uri="{BB962C8B-B14F-4D97-AF65-F5344CB8AC3E}">
-        <p14:creationId xmlns:p14="http://schemas.microsoft.com/office/powerpoint/2010/main" val="4209511652"/>
+        <p14:creationId xmlns:p14="http://schemas.microsoft.com/office/powerpoint/2010/main" val="3745306505"/>
       </p:ext>
     </p:extLst>
   </p:cSld>
@@ -5402,16 +6862,17 @@
           <a:lstStyle/>
           <a:p>
             <a:r>
-              <a:rPr lang="ru-RU" dirty="0"/>
-              <a:t>Пользовательский интерфейс</a:t>
-            </a:r>
+              <a:rPr lang="ru-RU" dirty="0" smtClean="0"/>
+              <a:t>Быстродействие</a:t>
+            </a:r>
+            <a:endParaRPr lang="ru-RU" dirty="0"/>
           </a:p>
         </p:txBody>
       </p:sp>
     </p:spTree>
     <p:extLst>
       <p:ext uri="{BB962C8B-B14F-4D97-AF65-F5344CB8AC3E}">
-        <p14:creationId xmlns:p14="http://schemas.microsoft.com/office/powerpoint/2010/main" val="2130616826"/>
+        <p14:creationId xmlns:p14="http://schemas.microsoft.com/office/powerpoint/2010/main" val="653031546"/>
       </p:ext>
     </p:extLst>
   </p:cSld>
@@ -5454,98 +6915,17 @@
           <a:lstStyle/>
           <a:p>
             <a:r>
-              <a:rPr lang="ru-RU" dirty="0"/>
-              <a:t>Классы </a:t>
-            </a:r>
-            <a:r>
-              <a:rPr lang="en-US" dirty="0" err="1"/>
-              <a:t>ApplicationViewModel</a:t>
-            </a:r>
-            <a:r>
-              <a:rPr lang="ru-RU" dirty="0"/>
-              <a:t> и </a:t>
-            </a:r>
-            <a:r>
-              <a:rPr lang="en-US" dirty="0" err="1"/>
-              <a:t>MainWindow</a:t>
+              <a:rPr lang="ru-RU" dirty="0" smtClean="0"/>
+              <a:t>Сохранение данных</a:t>
             </a:r>
             <a:endParaRPr lang="ru-RU" dirty="0"/>
-          </a:p>
-        </p:txBody>
-      </p:sp>
-      <p:sp>
-        <p:nvSpPr>
-          <p:cNvPr id="3" name="Прямоугольник 2"/>
-          <p:cNvSpPr/>
-          <p:nvPr/>
-        </p:nvSpPr>
-        <p:spPr>
-          <a:xfrm>
-            <a:off x="1001486" y="1690688"/>
-            <a:ext cx="6096000" cy="1477328"/>
-          </a:xfrm>
-          <a:prstGeom prst="rect">
-            <a:avLst/>
-          </a:prstGeom>
-        </p:spPr>
-        <p:txBody>
-          <a:bodyPr>
-            <a:spAutoFit/>
-          </a:bodyPr>
-          <a:lstStyle/>
-          <a:p>
-            <a:r>
-              <a:rPr lang="ru-RU" dirty="0"/>
-              <a:t>Содержит в себе:</a:t>
-            </a:r>
-          </a:p>
-          <a:p>
-            <a:pPr marL="285750" indent="-285750">
-              <a:buFont typeface="Arial" panose="020B0604020202020204" pitchFamily="34" charset="0"/>
-              <a:buChar char="•"/>
-            </a:pPr>
-            <a:r>
-              <a:rPr lang="ru-RU" dirty="0"/>
-              <a:t>Поля</a:t>
-            </a:r>
-          </a:p>
-          <a:p>
-            <a:pPr marL="285750" indent="-285750">
-              <a:buFont typeface="Arial" panose="020B0604020202020204" pitchFamily="34" charset="0"/>
-              <a:buChar char="•"/>
-            </a:pPr>
-            <a:r>
-              <a:rPr lang="ru-RU" dirty="0"/>
-              <a:t>Конструктор по умолчанию</a:t>
-            </a:r>
-          </a:p>
-          <a:p>
-            <a:pPr marL="285750" indent="-285750">
-              <a:buFont typeface="Arial" panose="020B0604020202020204" pitchFamily="34" charset="0"/>
-              <a:buChar char="•"/>
-            </a:pPr>
-            <a:r>
-              <a:rPr lang="ru-RU" dirty="0"/>
-              <a:t>Свойства</a:t>
-            </a:r>
-          </a:p>
-          <a:p>
-            <a:pPr marL="285750" indent="-285750">
-              <a:buFont typeface="Arial" panose="020B0604020202020204" pitchFamily="34" charset="0"/>
-              <a:buChar char="•"/>
-            </a:pPr>
-            <a:r>
-              <a:rPr lang="ru-RU" dirty="0"/>
-              <a:t>Команды</a:t>
-            </a:r>
-            <a:endParaRPr lang="en-US" dirty="0"/>
           </a:p>
         </p:txBody>
       </p:sp>
     </p:spTree>
     <p:extLst>
       <p:ext uri="{BB962C8B-B14F-4D97-AF65-F5344CB8AC3E}">
-        <p14:creationId xmlns:p14="http://schemas.microsoft.com/office/powerpoint/2010/main" val="2525432865"/>
+        <p14:creationId xmlns:p14="http://schemas.microsoft.com/office/powerpoint/2010/main" val="2575123166"/>
       </p:ext>
     </p:extLst>
   </p:cSld>

--- a/docs/Timelon.pptx
+++ b/docs/Timelon.pptx
@@ -34,8 +34,7 @@
     <p:sldId id="288" r:id="rId28"/>
     <p:sldId id="289" r:id="rId29"/>
     <p:sldId id="264" r:id="rId30"/>
-    <p:sldId id="265" r:id="rId31"/>
-    <p:sldId id="266" r:id="rId32"/>
+    <p:sldId id="266" r:id="rId31"/>
   </p:sldIdLst>
   <p:sldSz cx="12192000" cy="6858000"/>
   <p:notesSz cx="6858000" cy="9144000"/>
@@ -184,10 +183,9 @@
           </a:lstStyle>
           <a:p>
             <a:r>
-              <a:rPr lang="ru-RU" smtClean="0"/>
+              <a:rPr lang="ru-RU"/>
               <a:t>Образец заголовка</a:t>
             </a:r>
-            <a:endParaRPr lang="ru-RU"/>
           </a:p>
         </p:txBody>
       </p:sp>
@@ -249,10 +247,9 @@
           </a:lstStyle>
           <a:p>
             <a:r>
-              <a:rPr lang="ru-RU" smtClean="0"/>
+              <a:rPr lang="ru-RU"/>
               <a:t>Образец подзаголовка</a:t>
             </a:r>
-            <a:endParaRPr lang="ru-RU"/>
           </a:p>
         </p:txBody>
       </p:sp>
@@ -367,10 +364,9 @@
           <a:lstStyle/>
           <a:p>
             <a:r>
-              <a:rPr lang="ru-RU" smtClean="0"/>
+              <a:rPr lang="ru-RU"/>
               <a:t>Образец заголовка</a:t>
             </a:r>
-            <a:endParaRPr lang="ru-RU"/>
           </a:p>
         </p:txBody>
       </p:sp>
@@ -391,38 +387,37 @@
           <a:p>
             <a:pPr lvl="0"/>
             <a:r>
-              <a:rPr lang="ru-RU" smtClean="0"/>
+              <a:rPr lang="ru-RU"/>
               <a:t>Образец текста</a:t>
             </a:r>
           </a:p>
           <a:p>
             <a:pPr lvl="1"/>
             <a:r>
-              <a:rPr lang="ru-RU" smtClean="0"/>
+              <a:rPr lang="ru-RU"/>
               <a:t>Второй уровень</a:t>
             </a:r>
           </a:p>
           <a:p>
             <a:pPr lvl="2"/>
             <a:r>
-              <a:rPr lang="ru-RU" smtClean="0"/>
+              <a:rPr lang="ru-RU"/>
               <a:t>Третий уровень</a:t>
             </a:r>
           </a:p>
           <a:p>
             <a:pPr lvl="3"/>
             <a:r>
-              <a:rPr lang="ru-RU" smtClean="0"/>
+              <a:rPr lang="ru-RU"/>
               <a:t>Четвертый уровень</a:t>
             </a:r>
           </a:p>
           <a:p>
             <a:pPr lvl="4"/>
             <a:r>
-              <a:rPr lang="ru-RU" smtClean="0"/>
+              <a:rPr lang="ru-RU"/>
               <a:t>Пятый уровень</a:t>
             </a:r>
-            <a:endParaRPr lang="ru-RU"/>
           </a:p>
         </p:txBody>
       </p:sp>
@@ -542,10 +537,9 @@
           <a:lstStyle/>
           <a:p>
             <a:r>
-              <a:rPr lang="ru-RU" smtClean="0"/>
+              <a:rPr lang="ru-RU"/>
               <a:t>Образец заголовка</a:t>
             </a:r>
-            <a:endParaRPr lang="ru-RU"/>
           </a:p>
         </p:txBody>
       </p:sp>
@@ -571,38 +565,37 @@
           <a:p>
             <a:pPr lvl="0"/>
             <a:r>
-              <a:rPr lang="ru-RU" smtClean="0"/>
+              <a:rPr lang="ru-RU"/>
               <a:t>Образец текста</a:t>
             </a:r>
           </a:p>
           <a:p>
             <a:pPr lvl="1"/>
             <a:r>
-              <a:rPr lang="ru-RU" smtClean="0"/>
+              <a:rPr lang="ru-RU"/>
               <a:t>Второй уровень</a:t>
             </a:r>
           </a:p>
           <a:p>
             <a:pPr lvl="2"/>
             <a:r>
-              <a:rPr lang="ru-RU" smtClean="0"/>
+              <a:rPr lang="ru-RU"/>
               <a:t>Третий уровень</a:t>
             </a:r>
           </a:p>
           <a:p>
             <a:pPr lvl="3"/>
             <a:r>
-              <a:rPr lang="ru-RU" smtClean="0"/>
+              <a:rPr lang="ru-RU"/>
               <a:t>Четвертый уровень</a:t>
             </a:r>
           </a:p>
           <a:p>
             <a:pPr lvl="4"/>
             <a:r>
-              <a:rPr lang="ru-RU" smtClean="0"/>
+              <a:rPr lang="ru-RU"/>
               <a:t>Пятый уровень</a:t>
             </a:r>
-            <a:endParaRPr lang="ru-RU"/>
           </a:p>
         </p:txBody>
       </p:sp>
@@ -717,10 +710,9 @@
           <a:lstStyle/>
           <a:p>
             <a:r>
-              <a:rPr lang="ru-RU" smtClean="0"/>
+              <a:rPr lang="ru-RU"/>
               <a:t>Образец заголовка</a:t>
             </a:r>
-            <a:endParaRPr lang="ru-RU"/>
           </a:p>
         </p:txBody>
       </p:sp>
@@ -741,38 +733,37 @@
           <a:p>
             <a:pPr lvl="0"/>
             <a:r>
-              <a:rPr lang="ru-RU" smtClean="0"/>
+              <a:rPr lang="ru-RU"/>
               <a:t>Образец текста</a:t>
             </a:r>
           </a:p>
           <a:p>
             <a:pPr lvl="1"/>
             <a:r>
-              <a:rPr lang="ru-RU" smtClean="0"/>
+              <a:rPr lang="ru-RU"/>
               <a:t>Второй уровень</a:t>
             </a:r>
           </a:p>
           <a:p>
             <a:pPr lvl="2"/>
             <a:r>
-              <a:rPr lang="ru-RU" smtClean="0"/>
+              <a:rPr lang="ru-RU"/>
               <a:t>Третий уровень</a:t>
             </a:r>
           </a:p>
           <a:p>
             <a:pPr lvl="3"/>
             <a:r>
-              <a:rPr lang="ru-RU" smtClean="0"/>
+              <a:rPr lang="ru-RU"/>
               <a:t>Четвертый уровень</a:t>
             </a:r>
           </a:p>
           <a:p>
             <a:pPr lvl="4"/>
             <a:r>
-              <a:rPr lang="ru-RU" smtClean="0"/>
+              <a:rPr lang="ru-RU"/>
               <a:t>Пятый уровень</a:t>
             </a:r>
-            <a:endParaRPr lang="ru-RU"/>
           </a:p>
         </p:txBody>
       </p:sp>
@@ -896,10 +887,9 @@
           </a:lstStyle>
           <a:p>
             <a:r>
-              <a:rPr lang="ru-RU" smtClean="0"/>
+              <a:rPr lang="ru-RU"/>
               <a:t>Образец заголовка</a:t>
             </a:r>
-            <a:endParaRPr lang="ru-RU"/>
           </a:p>
         </p:txBody>
       </p:sp>
@@ -1016,7 +1006,7 @@
           <a:p>
             <a:pPr lvl="0"/>
             <a:r>
-              <a:rPr lang="ru-RU" smtClean="0"/>
+              <a:rPr lang="ru-RU"/>
               <a:t>Образец текста</a:t>
             </a:r>
           </a:p>
@@ -1133,10 +1123,9 @@
           <a:lstStyle/>
           <a:p>
             <a:r>
-              <a:rPr lang="ru-RU" smtClean="0"/>
+              <a:rPr lang="ru-RU"/>
               <a:t>Образец заголовка</a:t>
             </a:r>
-            <a:endParaRPr lang="ru-RU"/>
           </a:p>
         </p:txBody>
       </p:sp>
@@ -1162,38 +1151,37 @@
           <a:p>
             <a:pPr lvl="0"/>
             <a:r>
-              <a:rPr lang="ru-RU" smtClean="0"/>
+              <a:rPr lang="ru-RU"/>
               <a:t>Образец текста</a:t>
             </a:r>
           </a:p>
           <a:p>
             <a:pPr lvl="1"/>
             <a:r>
-              <a:rPr lang="ru-RU" smtClean="0"/>
+              <a:rPr lang="ru-RU"/>
               <a:t>Второй уровень</a:t>
             </a:r>
           </a:p>
           <a:p>
             <a:pPr lvl="2"/>
             <a:r>
-              <a:rPr lang="ru-RU" smtClean="0"/>
+              <a:rPr lang="ru-RU"/>
               <a:t>Третий уровень</a:t>
             </a:r>
           </a:p>
           <a:p>
             <a:pPr lvl="3"/>
             <a:r>
-              <a:rPr lang="ru-RU" smtClean="0"/>
+              <a:rPr lang="ru-RU"/>
               <a:t>Четвертый уровень</a:t>
             </a:r>
           </a:p>
           <a:p>
             <a:pPr lvl="4"/>
             <a:r>
-              <a:rPr lang="ru-RU" smtClean="0"/>
+              <a:rPr lang="ru-RU"/>
               <a:t>Пятый уровень</a:t>
             </a:r>
-            <a:endParaRPr lang="ru-RU"/>
           </a:p>
         </p:txBody>
       </p:sp>
@@ -1219,38 +1207,37 @@
           <a:p>
             <a:pPr lvl="0"/>
             <a:r>
-              <a:rPr lang="ru-RU" smtClean="0"/>
+              <a:rPr lang="ru-RU"/>
               <a:t>Образец текста</a:t>
             </a:r>
           </a:p>
           <a:p>
             <a:pPr lvl="1"/>
             <a:r>
-              <a:rPr lang="ru-RU" smtClean="0"/>
+              <a:rPr lang="ru-RU"/>
               <a:t>Второй уровень</a:t>
             </a:r>
           </a:p>
           <a:p>
             <a:pPr lvl="2"/>
             <a:r>
-              <a:rPr lang="ru-RU" smtClean="0"/>
+              <a:rPr lang="ru-RU"/>
               <a:t>Третий уровень</a:t>
             </a:r>
           </a:p>
           <a:p>
             <a:pPr lvl="3"/>
             <a:r>
-              <a:rPr lang="ru-RU" smtClean="0"/>
+              <a:rPr lang="ru-RU"/>
               <a:t>Четвертый уровень</a:t>
             </a:r>
           </a:p>
           <a:p>
             <a:pPr lvl="4"/>
             <a:r>
-              <a:rPr lang="ru-RU" smtClean="0"/>
+              <a:rPr lang="ru-RU"/>
               <a:t>Пятый уровень</a:t>
             </a:r>
-            <a:endParaRPr lang="ru-RU"/>
           </a:p>
         </p:txBody>
       </p:sp>
@@ -1370,10 +1357,9 @@
           <a:lstStyle/>
           <a:p>
             <a:r>
-              <a:rPr lang="ru-RU" smtClean="0"/>
+              <a:rPr lang="ru-RU"/>
               <a:t>Образец заголовка</a:t>
             </a:r>
-            <a:endParaRPr lang="ru-RU"/>
           </a:p>
         </p:txBody>
       </p:sp>
@@ -1436,7 +1422,7 @@
           <a:p>
             <a:pPr lvl="0"/>
             <a:r>
-              <a:rPr lang="ru-RU" smtClean="0"/>
+              <a:rPr lang="ru-RU"/>
               <a:t>Образец текста</a:t>
             </a:r>
           </a:p>
@@ -1464,38 +1450,37 @@
           <a:p>
             <a:pPr lvl="0"/>
             <a:r>
-              <a:rPr lang="ru-RU" smtClean="0"/>
+              <a:rPr lang="ru-RU"/>
               <a:t>Образец текста</a:t>
             </a:r>
           </a:p>
           <a:p>
             <a:pPr lvl="1"/>
             <a:r>
-              <a:rPr lang="ru-RU" smtClean="0"/>
+              <a:rPr lang="ru-RU"/>
               <a:t>Второй уровень</a:t>
             </a:r>
           </a:p>
           <a:p>
             <a:pPr lvl="2"/>
             <a:r>
-              <a:rPr lang="ru-RU" smtClean="0"/>
+              <a:rPr lang="ru-RU"/>
               <a:t>Третий уровень</a:t>
             </a:r>
           </a:p>
           <a:p>
             <a:pPr lvl="3"/>
             <a:r>
-              <a:rPr lang="ru-RU" smtClean="0"/>
+              <a:rPr lang="ru-RU"/>
               <a:t>Четвертый уровень</a:t>
             </a:r>
           </a:p>
           <a:p>
             <a:pPr lvl="4"/>
             <a:r>
-              <a:rPr lang="ru-RU" smtClean="0"/>
+              <a:rPr lang="ru-RU"/>
               <a:t>Пятый уровень</a:t>
             </a:r>
-            <a:endParaRPr lang="ru-RU"/>
           </a:p>
         </p:txBody>
       </p:sp>
@@ -1558,7 +1543,7 @@
           <a:p>
             <a:pPr lvl="0"/>
             <a:r>
-              <a:rPr lang="ru-RU" smtClean="0"/>
+              <a:rPr lang="ru-RU"/>
               <a:t>Образец текста</a:t>
             </a:r>
           </a:p>
@@ -1586,38 +1571,37 @@
           <a:p>
             <a:pPr lvl="0"/>
             <a:r>
-              <a:rPr lang="ru-RU" smtClean="0"/>
+              <a:rPr lang="ru-RU"/>
               <a:t>Образец текста</a:t>
             </a:r>
           </a:p>
           <a:p>
             <a:pPr lvl="1"/>
             <a:r>
-              <a:rPr lang="ru-RU" smtClean="0"/>
+              <a:rPr lang="ru-RU"/>
               <a:t>Второй уровень</a:t>
             </a:r>
           </a:p>
           <a:p>
             <a:pPr lvl="2"/>
             <a:r>
-              <a:rPr lang="ru-RU" smtClean="0"/>
+              <a:rPr lang="ru-RU"/>
               <a:t>Третий уровень</a:t>
             </a:r>
           </a:p>
           <a:p>
             <a:pPr lvl="3"/>
             <a:r>
-              <a:rPr lang="ru-RU" smtClean="0"/>
+              <a:rPr lang="ru-RU"/>
               <a:t>Четвертый уровень</a:t>
             </a:r>
           </a:p>
           <a:p>
             <a:pPr lvl="4"/>
             <a:r>
-              <a:rPr lang="ru-RU" smtClean="0"/>
+              <a:rPr lang="ru-RU"/>
               <a:t>Пятый уровень</a:t>
             </a:r>
-            <a:endParaRPr lang="ru-RU"/>
           </a:p>
         </p:txBody>
       </p:sp>
@@ -1732,10 +1716,9 @@
           <a:lstStyle/>
           <a:p>
             <a:r>
-              <a:rPr lang="ru-RU" smtClean="0"/>
+              <a:rPr lang="ru-RU"/>
               <a:t>Образец заголовка</a:t>
             </a:r>
-            <a:endParaRPr lang="ru-RU"/>
           </a:p>
         </p:txBody>
       </p:sp>
@@ -1954,10 +1937,9 @@
           </a:lstStyle>
           <a:p>
             <a:r>
-              <a:rPr lang="ru-RU" smtClean="0"/>
+              <a:rPr lang="ru-RU"/>
               <a:t>Образец заголовка</a:t>
             </a:r>
-            <a:endParaRPr lang="ru-RU"/>
           </a:p>
         </p:txBody>
       </p:sp>
@@ -2011,38 +1993,37 @@
           <a:p>
             <a:pPr lvl="0"/>
             <a:r>
-              <a:rPr lang="ru-RU" smtClean="0"/>
+              <a:rPr lang="ru-RU"/>
               <a:t>Образец текста</a:t>
             </a:r>
           </a:p>
           <a:p>
             <a:pPr lvl="1"/>
             <a:r>
-              <a:rPr lang="ru-RU" smtClean="0"/>
+              <a:rPr lang="ru-RU"/>
               <a:t>Второй уровень</a:t>
             </a:r>
           </a:p>
           <a:p>
             <a:pPr lvl="2"/>
             <a:r>
-              <a:rPr lang="ru-RU" smtClean="0"/>
+              <a:rPr lang="ru-RU"/>
               <a:t>Третий уровень</a:t>
             </a:r>
           </a:p>
           <a:p>
             <a:pPr lvl="3"/>
             <a:r>
-              <a:rPr lang="ru-RU" smtClean="0"/>
+              <a:rPr lang="ru-RU"/>
               <a:t>Четвертый уровень</a:t>
             </a:r>
           </a:p>
           <a:p>
             <a:pPr lvl="4"/>
             <a:r>
-              <a:rPr lang="ru-RU" smtClean="0"/>
+              <a:rPr lang="ru-RU"/>
               <a:t>Пятый уровень</a:t>
             </a:r>
-            <a:endParaRPr lang="ru-RU"/>
           </a:p>
         </p:txBody>
       </p:sp>
@@ -2105,7 +2086,7 @@
           <a:p>
             <a:pPr lvl="0"/>
             <a:r>
-              <a:rPr lang="ru-RU" smtClean="0"/>
+              <a:rPr lang="ru-RU"/>
               <a:t>Образец текста</a:t>
             </a:r>
           </a:p>
@@ -2231,10 +2212,9 @@
           </a:lstStyle>
           <a:p>
             <a:r>
-              <a:rPr lang="ru-RU" smtClean="0"/>
+              <a:rPr lang="ru-RU"/>
               <a:t>Образец заголовка</a:t>
             </a:r>
-            <a:endParaRPr lang="ru-RU"/>
           </a:p>
         </p:txBody>
       </p:sp>
@@ -2358,7 +2338,7 @@
           <a:p>
             <a:pPr lvl="0"/>
             <a:r>
-              <a:rPr lang="ru-RU" smtClean="0"/>
+              <a:rPr lang="ru-RU"/>
               <a:t>Образец текста</a:t>
             </a:r>
           </a:p>
@@ -2490,10 +2470,9 @@
           <a:lstStyle/>
           <a:p>
             <a:r>
-              <a:rPr lang="ru-RU" smtClean="0"/>
+              <a:rPr lang="ru-RU"/>
               <a:t>Образец заголовка</a:t>
             </a:r>
-            <a:endParaRPr lang="ru-RU"/>
           </a:p>
         </p:txBody>
       </p:sp>
@@ -2524,38 +2503,37 @@
           <a:p>
             <a:pPr lvl="0"/>
             <a:r>
-              <a:rPr lang="ru-RU" smtClean="0"/>
+              <a:rPr lang="ru-RU"/>
               <a:t>Образец текста</a:t>
             </a:r>
           </a:p>
           <a:p>
             <a:pPr lvl="1"/>
             <a:r>
-              <a:rPr lang="ru-RU" smtClean="0"/>
+              <a:rPr lang="ru-RU"/>
               <a:t>Второй уровень</a:t>
             </a:r>
           </a:p>
           <a:p>
             <a:pPr lvl="2"/>
             <a:r>
-              <a:rPr lang="ru-RU" smtClean="0"/>
+              <a:rPr lang="ru-RU"/>
               <a:t>Третий уровень</a:t>
             </a:r>
           </a:p>
           <a:p>
             <a:pPr lvl="3"/>
             <a:r>
-              <a:rPr lang="ru-RU" smtClean="0"/>
+              <a:rPr lang="ru-RU"/>
               <a:t>Четвертый уровень</a:t>
             </a:r>
           </a:p>
           <a:p>
             <a:pPr lvl="4"/>
             <a:r>
-              <a:rPr lang="ru-RU" smtClean="0"/>
+              <a:rPr lang="ru-RU"/>
               <a:t>Пятый уровень</a:t>
             </a:r>
-            <a:endParaRPr lang="ru-RU"/>
           </a:p>
         </p:txBody>
       </p:sp>
@@ -3015,7 +2993,7 @@
           <a:lstStyle/>
           <a:p>
             <a:r>
-              <a:rPr lang="en-US" dirty="0" err="1" smtClean="0"/>
+              <a:rPr lang="en-US" dirty="0" err="1"/>
               <a:t>Timelon</a:t>
             </a:r>
             <a:endParaRPr lang="ru-RU" dirty="0"/>
@@ -3038,7 +3016,7 @@
           <a:lstStyle/>
           <a:p>
             <a:r>
-              <a:rPr lang="en-US" dirty="0" smtClean="0"/>
+              <a:rPr lang="en-US" dirty="0"/>
               <a:t>By X2 Squad</a:t>
             </a:r>
             <a:endParaRPr lang="ru-RU" dirty="0"/>
@@ -3055,13 +3033,6 @@
   <p:clrMapOvr>
     <a:masterClrMapping/>
   </p:clrMapOvr>
-  <p:timing>
-    <p:tnLst>
-      <p:par>
-        <p:cTn id="1" dur="indefinite" restart="never" nodeType="tmRoot"/>
-      </p:par>
-    </p:tnLst>
-  </p:timing>
 </p:sld>
 </file>
 
@@ -3098,10 +3069,9 @@
           <a:lstStyle/>
           <a:p>
             <a:r>
-              <a:rPr lang="ru-RU" dirty="0" smtClean="0"/>
+              <a:rPr lang="ru-RU" dirty="0"/>
               <a:t>Подсказки</a:t>
             </a:r>
-            <a:endParaRPr lang="ru-RU" dirty="0"/>
           </a:p>
         </p:txBody>
       </p:sp>
@@ -3151,10 +3121,9 @@
           <a:lstStyle/>
           <a:p>
             <a:r>
-              <a:rPr lang="ru-RU" dirty="0" smtClean="0"/>
+              <a:rPr lang="ru-RU" dirty="0"/>
               <a:t>Интерфейс</a:t>
             </a:r>
-            <a:endParaRPr lang="ru-RU" dirty="0"/>
           </a:p>
         </p:txBody>
       </p:sp>
@@ -3204,7 +3173,11 @@
           <a:lstStyle/>
           <a:p>
             <a:r>
-              <a:rPr lang="en-US" dirty="0" smtClean="0"/>
+              <a:rPr lang="ru-RU" dirty="0"/>
+              <a:t>Шаблон проектирования </a:t>
+            </a:r>
+            <a:r>
+              <a:rPr lang="en-US" dirty="0"/>
               <a:t>MVVM</a:t>
             </a:r>
             <a:endParaRPr lang="ru-RU" dirty="0"/>
@@ -3257,15 +3230,15 @@
           <a:lstStyle/>
           <a:p>
             <a:r>
-              <a:rPr lang="en-US" dirty="0" smtClean="0"/>
+              <a:rPr lang="en-US" dirty="0"/>
               <a:t>WPF </a:t>
             </a:r>
             <a:r>
-              <a:rPr lang="ru-RU" dirty="0" smtClean="0"/>
+              <a:rPr lang="ru-RU" dirty="0"/>
               <a:t>и </a:t>
             </a:r>
             <a:r>
-              <a:rPr lang="en-US" dirty="0" smtClean="0"/>
+              <a:rPr lang="en-US" dirty="0"/>
               <a:t>XAML</a:t>
             </a:r>
             <a:endParaRPr lang="ru-RU" dirty="0"/>
@@ -3318,10 +3291,9 @@
           <a:lstStyle/>
           <a:p>
             <a:r>
-              <a:rPr lang="ru-RU" dirty="0" smtClean="0"/>
+              <a:rPr lang="ru-RU" dirty="0"/>
               <a:t>Стили</a:t>
             </a:r>
-            <a:endParaRPr lang="ru-RU" dirty="0"/>
           </a:p>
         </p:txBody>
       </p:sp>
@@ -3371,10 +3343,9 @@
           <a:lstStyle/>
           <a:p>
             <a:r>
-              <a:rPr lang="ru-RU" dirty="0" smtClean="0"/>
+              <a:rPr lang="ru-RU" dirty="0"/>
               <a:t>Библиотека классов</a:t>
             </a:r>
-            <a:endParaRPr lang="ru-RU" dirty="0"/>
           </a:p>
         </p:txBody>
       </p:sp>
@@ -3458,12 +3429,8 @@
           <a:p>
             <a:pPr algn="just"/>
             <a:r>
-              <a:rPr lang="ru-RU" dirty="0" smtClean="0"/>
-              <a:t>Класс Менеджер </a:t>
-            </a:r>
-            <a:r>
-              <a:rPr lang="ru-RU" dirty="0"/>
-              <a:t>содержит в себе сортированный список всех объектов </a:t>
+              <a:rPr lang="ru-RU" dirty="0"/>
+              <a:t>Класс Менеджер содержит в себе сортированный список всех объектов </a:t>
             </a:r>
             <a:r>
               <a:rPr lang="ru-RU" dirty="0" err="1"/>
@@ -3471,15 +3438,7 @@
             </a:r>
             <a:r>
               <a:rPr lang="ru-RU" dirty="0"/>
-              <a:t> </a:t>
-            </a:r>
-            <a:r>
-              <a:rPr lang="ru-RU" dirty="0" smtClean="0"/>
-              <a:t>и </a:t>
-            </a:r>
-            <a:r>
-              <a:rPr lang="ru-RU" dirty="0"/>
-              <a:t>базовые методы работы с ним, такие как:</a:t>
+              <a:t> и базовые методы работы с ним, такие как:</a:t>
             </a:r>
           </a:p>
           <a:p>
@@ -3488,16 +3447,12 @@
               <a:buChar char="•"/>
             </a:pPr>
             <a:r>
-              <a:rPr lang="ru-RU" dirty="0" err="1" smtClean="0"/>
+              <a:rPr lang="ru-RU" dirty="0" err="1"/>
               <a:t>GetList</a:t>
             </a:r>
             <a:r>
-              <a:rPr lang="ru-RU" dirty="0" smtClean="0"/>
-              <a:t> </a:t>
-            </a:r>
-            <a:r>
-              <a:rPr lang="ru-RU" dirty="0"/>
-              <a:t>(Получение списка)</a:t>
+              <a:rPr lang="ru-RU" dirty="0"/>
+              <a:t> (Получение списка)</a:t>
             </a:r>
           </a:p>
           <a:p>
@@ -3506,16 +3461,12 @@
               <a:buChar char="•"/>
             </a:pPr>
             <a:r>
-              <a:rPr lang="ru-RU" dirty="0" err="1" smtClean="0"/>
+              <a:rPr lang="ru-RU" dirty="0" err="1"/>
               <a:t>SetList</a:t>
             </a:r>
             <a:r>
-              <a:rPr lang="ru-RU" dirty="0" smtClean="0"/>
-              <a:t> </a:t>
-            </a:r>
-            <a:r>
-              <a:rPr lang="ru-RU" dirty="0"/>
-              <a:t>(Вставка Списка)</a:t>
+              <a:rPr lang="ru-RU" dirty="0"/>
+              <a:t> (Вставка Списка)</a:t>
             </a:r>
           </a:p>
           <a:p>
@@ -3524,20 +3475,12 @@
               <a:buChar char="•"/>
             </a:pPr>
             <a:r>
-              <a:rPr lang="ru-RU" dirty="0" err="1" smtClean="0"/>
+              <a:rPr lang="ru-RU" dirty="0" err="1"/>
               <a:t>RemoveList</a:t>
             </a:r>
             <a:r>
-              <a:rPr lang="ru-RU" dirty="0" smtClean="0"/>
-              <a:t> </a:t>
-            </a:r>
-            <a:r>
-              <a:rPr lang="ru-RU" dirty="0"/>
-              <a:t>(Удаление </a:t>
-            </a:r>
-            <a:r>
-              <a:rPr lang="ru-RU" dirty="0" smtClean="0"/>
-              <a:t>Списка)</a:t>
+              <a:rPr lang="ru-RU" dirty="0"/>
+              <a:t> (Удаление Списка)</a:t>
             </a:r>
           </a:p>
           <a:p>
@@ -3546,11 +3489,11 @@
               <a:buChar char="•"/>
             </a:pPr>
             <a:r>
-              <a:rPr lang="ru-RU" dirty="0" err="1" smtClean="0"/>
+              <a:rPr lang="ru-RU" dirty="0" err="1"/>
               <a:t>ContainsList</a:t>
             </a:r>
             <a:r>
-              <a:rPr lang="ru-RU" dirty="0" smtClean="0"/>
+              <a:rPr lang="ru-RU" dirty="0"/>
               <a:t> (Проверка на существование Списка)</a:t>
             </a:r>
           </a:p>
@@ -3560,16 +3503,12 @@
               <a:buChar char="•"/>
             </a:pPr>
             <a:r>
-              <a:rPr lang="ru-RU" dirty="0" err="1" smtClean="0"/>
+              <a:rPr lang="ru-RU" dirty="0" err="1"/>
               <a:t>SearchByContent</a:t>
             </a:r>
             <a:r>
-              <a:rPr lang="ru-RU" dirty="0" smtClean="0"/>
-              <a:t> </a:t>
-            </a:r>
-            <a:r>
-              <a:rPr lang="ru-RU" dirty="0"/>
-              <a:t>(Поиск по контенту во всех Списках)</a:t>
+              <a:rPr lang="ru-RU" dirty="0"/>
+              <a:t> (Поиск по контенту во всех Списках)</a:t>
             </a:r>
           </a:p>
           <a:p>
@@ -3578,34 +3517,26 @@
               <a:buChar char="•"/>
             </a:pPr>
             <a:r>
-              <a:rPr lang="ru-RU" dirty="0" err="1" smtClean="0"/>
+              <a:rPr lang="ru-RU" dirty="0" err="1"/>
               <a:t>InjectEssentials</a:t>
             </a:r>
             <a:r>
-              <a:rPr lang="ru-RU" dirty="0" smtClean="0"/>
-              <a:t> </a:t>
-            </a:r>
-            <a:r>
-              <a:rPr lang="ru-RU" dirty="0"/>
-              <a:t>(Внедрить закрепленные Списки</a:t>
-            </a:r>
-            <a:r>
-              <a:rPr lang="ru-RU" dirty="0" smtClean="0"/>
-              <a:t>)</a:t>
-            </a:r>
-            <a:endParaRPr lang="en-US" dirty="0" smtClean="0"/>
+              <a:rPr lang="ru-RU" dirty="0"/>
+              <a:t> (Внедрить закрепленные Списки)</a:t>
+            </a:r>
+            <a:endParaRPr lang="en-US" dirty="0"/>
           </a:p>
           <a:p>
             <a:pPr marL="285750" indent="-285750" algn="just">
               <a:buFont typeface="Arial" panose="020B0604020202020204" pitchFamily="34" charset="0"/>
               <a:buChar char="•"/>
             </a:pPr>
-            <a:endParaRPr lang="en-US" dirty="0" smtClean="0"/>
+            <a:endParaRPr lang="en-US" dirty="0"/>
           </a:p>
           <a:p>
             <a:pPr algn="just"/>
             <a:r>
-              <a:rPr lang="ru-RU" dirty="0" smtClean="0"/>
+              <a:rPr lang="ru-RU" dirty="0"/>
               <a:t>Также в классе реализованы методы работы с данными:</a:t>
             </a:r>
           </a:p>
@@ -3615,20 +3546,12 @@
               <a:buChar char="•"/>
             </a:pPr>
             <a:r>
-              <a:rPr lang="ru-RU" dirty="0" err="1" smtClean="0"/>
+              <a:rPr lang="ru-RU" dirty="0" err="1"/>
               <a:t>Sync</a:t>
             </a:r>
             <a:r>
-              <a:rPr lang="ru-RU" dirty="0" smtClean="0"/>
-              <a:t> </a:t>
-            </a:r>
-            <a:r>
-              <a:rPr lang="ru-RU" dirty="0"/>
-              <a:t>(Сохранить данные в файл) </a:t>
-            </a:r>
-            <a:r>
-              <a:rPr lang="ru-RU" dirty="0" smtClean="0"/>
-              <a:t> </a:t>
+              <a:rPr lang="ru-RU" dirty="0"/>
+              <a:t> (Сохранить данные в файл)  </a:t>
             </a:r>
           </a:p>
           <a:p>
@@ -3637,22 +3560,13 @@
               <a:buChar char="•"/>
             </a:pPr>
             <a:r>
-              <a:rPr lang="ru-RU" dirty="0" err="1" smtClean="0"/>
+              <a:rPr lang="ru-RU" dirty="0" err="1"/>
               <a:t>Load</a:t>
             </a:r>
             <a:r>
-              <a:rPr lang="ru-RU" dirty="0" smtClean="0"/>
-              <a:t> </a:t>
-            </a:r>
-            <a:r>
-              <a:rPr lang="ru-RU" dirty="0"/>
-              <a:t>(Загрузить данные из файла</a:t>
-            </a:r>
-            <a:r>
-              <a:rPr lang="ru-RU" dirty="0" smtClean="0"/>
-              <a:t>)</a:t>
-            </a:r>
-            <a:endParaRPr lang="ru-RU" dirty="0"/>
+              <a:rPr lang="ru-RU" dirty="0"/>
+              <a:t> (Загрузить данные из файла)</a:t>
+            </a:r>
           </a:p>
         </p:txBody>
       </p:sp>
@@ -3702,13 +3616,6 @@
   <p:clrMapOvr>
     <a:masterClrMapping/>
   </p:clrMapOvr>
-  <p:timing>
-    <p:tnLst>
-      <p:par>
-        <p:cTn id="1" dur="indefinite" restart="never" nodeType="tmRoot"/>
-      </p:par>
-    </p:tnLst>
-  </p:timing>
 </p:sld>
 </file>
 
@@ -3749,7 +3656,7 @@
               <a:t>Пространство имен </a:t>
             </a:r>
             <a:r>
-              <a:rPr lang="en-US" dirty="0" err="1" smtClean="0"/>
+              <a:rPr lang="en-US" dirty="0" err="1"/>
               <a:t>TimelonCl.Data</a:t>
             </a:r>
             <a:endParaRPr lang="ru-RU" dirty="0"/>
@@ -3778,25 +3685,25 @@
           <a:lstStyle/>
           <a:p>
             <a:r>
-              <a:rPr lang="ru-RU" sz="3200" dirty="0" smtClean="0">
+              <a:rPr lang="ru-RU" sz="3200" dirty="0">
                 <a:latin typeface="+mj-lt"/>
               </a:rPr>
               <a:t>Абстрактные классы </a:t>
             </a:r>
             <a:r>
-              <a:rPr lang="en-US" sz="3200" dirty="0" smtClean="0">
+              <a:rPr lang="en-US" sz="3200" dirty="0">
                 <a:latin typeface="+mj-lt"/>
               </a:rPr>
               <a:t>Unique</a:t>
             </a:r>
             <a:r>
-              <a:rPr lang="ru-RU" sz="3200" dirty="0" smtClean="0">
+              <a:rPr lang="ru-RU" sz="3200" dirty="0">
                 <a:latin typeface="+mj-lt"/>
               </a:rPr>
               <a:t> и </a:t>
             </a:r>
             <a:r>
-              <a:rPr lang="en-US" sz="3200" dirty="0" err="1" smtClean="0">
+              <a:rPr lang="en-US" sz="3200" dirty="0" err="1">
                 <a:latin typeface="+mj-lt"/>
               </a:rPr>
               <a:t>DataContainer</a:t>
@@ -3831,21 +3738,17 @@
             <a:pPr algn="just"/>
             <a:r>
               <a:rPr lang="ru-RU" dirty="0"/>
-              <a:t>Уникальный </a:t>
-            </a:r>
-            <a:r>
-              <a:rPr lang="ru-RU" dirty="0" smtClean="0"/>
-              <a:t>Класс</a:t>
+              <a:t>Уникальный Класс</a:t>
             </a:r>
             <a:r>
               <a:rPr lang="en-US" dirty="0"/>
               <a:t> Unique</a:t>
             </a:r>
             <a:r>
-              <a:rPr lang="ru-RU" dirty="0" smtClean="0"/>
+              <a:rPr lang="ru-RU" dirty="0"/>
               <a:t> содержит в себе:</a:t>
             </a:r>
-            <a:endParaRPr lang="en-US" dirty="0" smtClean="0"/>
+            <a:endParaRPr lang="en-US" dirty="0"/>
           </a:p>
           <a:p>
             <a:pPr marL="285750" indent="-285750" algn="just">
@@ -3857,18 +3760,13 @@
               <a:t>A</a:t>
             </a:r>
             <a:r>
-              <a:rPr lang="ru-RU" dirty="0" err="1" smtClean="0"/>
+              <a:rPr lang="ru-RU" dirty="0" err="1"/>
               <a:t>томатическую</a:t>
             </a:r>
             <a:r>
-              <a:rPr lang="ru-RU" dirty="0" smtClean="0"/>
-              <a:t> </a:t>
-            </a:r>
-            <a:r>
-              <a:rPr lang="ru-RU" dirty="0"/>
-              <a:t>генерацию уникальных идентификаторов в текущей сессии. </a:t>
-            </a:r>
-            <a:endParaRPr lang="ru-RU" dirty="0" smtClean="0"/>
+              <a:rPr lang="ru-RU" dirty="0"/>
+              <a:t> генерацию уникальных идентификаторов в текущей сессии. </a:t>
+            </a:r>
           </a:p>
           <a:p>
             <a:pPr marL="285750" indent="-285750" algn="just">
@@ -3877,17 +3775,8 @@
             </a:pPr>
             <a:r>
               <a:rPr lang="ru-RU" dirty="0"/>
-              <a:t>П</a:t>
-            </a:r>
-            <a:r>
-              <a:rPr lang="ru-RU" dirty="0" smtClean="0"/>
-              <a:t>оля </a:t>
-            </a:r>
-            <a:r>
-              <a:rPr lang="ru-RU" dirty="0"/>
-              <a:t>и доступ к ним для идентификаторов и названий объектов, наследующих эту абстракцию. </a:t>
-            </a:r>
-            <a:endParaRPr lang="ru-RU" dirty="0" smtClean="0"/>
+              <a:t>Поля и доступ к ним для идентификаторов и названий объектов, наследующих эту абстракцию. </a:t>
+            </a:r>
           </a:p>
           <a:p>
             <a:pPr marL="285750" indent="-285750" algn="just">
@@ -3895,7 +3784,7 @@
               <a:buChar char="•"/>
             </a:pPr>
             <a:r>
-              <a:rPr lang="ru-RU" dirty="0" smtClean="0"/>
+              <a:rPr lang="ru-RU" dirty="0"/>
               <a:t>Функция </a:t>
             </a:r>
             <a:r>
@@ -3906,7 +3795,6 @@
               <a:rPr lang="ru-RU" dirty="0"/>
               <a:t> (Регистрация идентификатора) 	</a:t>
             </a:r>
-            <a:endParaRPr lang="ru-RU" dirty="0" smtClean="0"/>
           </a:p>
           <a:p>
             <a:pPr marL="285750" indent="-285750" algn="just">
@@ -3914,7 +3802,7 @@
               <a:buChar char="•"/>
             </a:pPr>
             <a:r>
-              <a:rPr lang="ru-RU" dirty="0" smtClean="0"/>
+              <a:rPr lang="ru-RU" dirty="0"/>
               <a:t>Функция </a:t>
             </a:r>
             <a:r>
@@ -3936,12 +3824,8 @@
           <a:p>
             <a:pPr algn="just"/>
             <a:r>
-              <a:rPr lang="ru-RU" dirty="0" smtClean="0"/>
-              <a:t>Разработчики </a:t>
-            </a:r>
-            <a:r>
-              <a:rPr lang="ru-RU" dirty="0"/>
-              <a:t>других решений ограничены в доступе к этим функциям во избежание создания ошибок. Уникальный Класс всю работу берет на себя, достаточно только унаследовать его.</a:t>
+              <a:rPr lang="ru-RU" dirty="0"/>
+              <a:t>Разработчики других решений ограничены в доступе к этим функциям во избежание создания ошибок. Уникальный Класс всю работу берет на себя, достаточно только унаследовать его.</a:t>
             </a:r>
           </a:p>
           <a:p>
@@ -3951,24 +3835,20 @@
           <a:p>
             <a:pPr algn="just"/>
             <a:r>
-              <a:rPr lang="ru-RU" dirty="0" smtClean="0"/>
+              <a:rPr lang="ru-RU" dirty="0"/>
               <a:t>Класс </a:t>
             </a:r>
             <a:r>
-              <a:rPr lang="en-US" dirty="0" err="1" smtClean="0"/>
+              <a:rPr lang="en-US" dirty="0" err="1"/>
               <a:t>DataContainer</a:t>
             </a:r>
             <a:r>
-              <a:rPr lang="en-US" dirty="0" smtClean="0"/>
+              <a:rPr lang="en-US" dirty="0"/>
               <a:t> </a:t>
             </a:r>
             <a:r>
-              <a:rPr lang="ru-RU" dirty="0" smtClean="0"/>
-              <a:t>служит </a:t>
-            </a:r>
-            <a:r>
-              <a:rPr lang="ru-RU" dirty="0"/>
-              <a:t>только для того, чтобы наследники могли быть беспрепятственно </a:t>
+              <a:rPr lang="ru-RU" dirty="0"/>
+              <a:t>служит только для того, чтобы наследники могли быть беспрепятственно </a:t>
             </a:r>
             <a:r>
               <a:rPr lang="ru-RU" dirty="0" err="1"/>
@@ -4023,13 +3903,6 @@
   <p:clrMapOvr>
     <a:masterClrMapping/>
   </p:clrMapOvr>
-  <p:timing>
-    <p:tnLst>
-      <p:par>
-        <p:cTn id="1" dur="indefinite" restart="never" nodeType="tmRoot"/>
-      </p:par>
-    </p:tnLst>
-  </p:timing>
 </p:sld>
 </file>
 
@@ -4128,28 +4001,24 @@
               <a:t>, </a:t>
             </a:r>
             <a:r>
-              <a:rPr lang="en-US" dirty="0" err="1" smtClean="0"/>
+              <a:rPr lang="en-US" dirty="0" err="1"/>
               <a:t>DateTimeContainer</a:t>
             </a:r>
             <a:r>
-              <a:rPr lang="en-US" dirty="0" smtClean="0"/>
+              <a:rPr lang="en-US" dirty="0"/>
               <a:t> </a:t>
             </a:r>
             <a:r>
-              <a:rPr lang="ru-RU" dirty="0" smtClean="0"/>
+              <a:rPr lang="ru-RU" dirty="0"/>
               <a:t>наследуют абстракцию </a:t>
             </a:r>
             <a:r>
-              <a:rPr lang="en-US" dirty="0" err="1" smtClean="0"/>
+              <a:rPr lang="en-US" dirty="0" err="1"/>
               <a:t>DataContainer</a:t>
             </a:r>
             <a:r>
-              <a:rPr lang="ru-RU" dirty="0" smtClean="0"/>
-              <a:t>. </a:t>
-            </a:r>
-            <a:r>
-              <a:rPr lang="ru-RU" dirty="0"/>
-              <a:t>Они существуют обособленно от связанных с ними объектов и хранят в себе пустые публичные поля с полным доступом для хранения данных основных объектов и их </a:t>
+              <a:rPr lang="ru-RU" dirty="0"/>
+              <a:t>. Они существуют обособленно от связанных с ними объектов и хранят в себе пустые публичные поля с полным доступом для хранения данных основных объектов и их </a:t>
             </a:r>
             <a:r>
               <a:rPr lang="ru-RU" dirty="0" err="1"/>
@@ -4159,7 +4028,7 @@
               <a:rPr lang="ru-RU" dirty="0"/>
               <a:t> стандартными методами. </a:t>
             </a:r>
-            <a:endParaRPr lang="en-US" dirty="0" smtClean="0"/>
+            <a:endParaRPr lang="en-US" dirty="0"/>
           </a:p>
           <a:p>
             <a:pPr algn="just"/>
@@ -4168,12 +4037,8 @@
           <a:p>
             <a:pPr algn="just"/>
             <a:r>
-              <a:rPr lang="ru-RU" dirty="0" smtClean="0"/>
-              <a:t>Контейнер </a:t>
-            </a:r>
-            <a:r>
-              <a:rPr lang="ru-RU" dirty="0"/>
-              <a:t>Дат, Карта и Список Карт содержат в себе функции </a:t>
+              <a:rPr lang="ru-RU" dirty="0"/>
+              <a:t>Контейнер Дат, Карта и Список Карт содержат в себе функции </a:t>
             </a:r>
             <a:r>
               <a:rPr lang="ru-RU" dirty="0" err="1"/>
@@ -4189,23 +4054,14 @@
             </a:r>
             <a:r>
               <a:rPr lang="ru-RU" dirty="0"/>
-              <a:t> для безопасной конвертации из соответствующих контейнеров данных в экземпляр класса и </a:t>
-            </a:r>
-            <a:r>
-              <a:rPr lang="ru-RU" dirty="0" smtClean="0"/>
-              <a:t>обратно.</a:t>
-            </a:r>
-            <a:endParaRPr lang="ru-RU" dirty="0"/>
+              <a:t> для безопасной конвертации из соответствующих контейнеров данных в экземпляр класса и обратно.</a:t>
+            </a:r>
           </a:p>
           <a:p>
             <a:pPr algn="just"/>
             <a:r>
-              <a:rPr lang="ru-RU" dirty="0" smtClean="0"/>
-              <a:t>Контейнер </a:t>
-            </a:r>
-            <a:r>
-              <a:rPr lang="ru-RU" dirty="0"/>
-              <a:t>Дат служит для хранения в себе нескольких экземпляров класса </a:t>
+              <a:rPr lang="ru-RU" dirty="0"/>
+              <a:t>Контейнер Дат служит для хранения в себе нескольких экземпляров класса </a:t>
             </a:r>
             <a:r>
               <a:rPr lang="ru-RU" dirty="0" err="1"/>
@@ -4222,16 +4078,12 @@
               <a:buChar char="•"/>
             </a:pPr>
             <a:r>
-              <a:rPr lang="ru-RU" dirty="0" err="1" smtClean="0"/>
+              <a:rPr lang="ru-RU" dirty="0" err="1"/>
               <a:t>Created</a:t>
             </a:r>
             <a:r>
-              <a:rPr lang="ru-RU" dirty="0" smtClean="0"/>
-              <a:t> </a:t>
-            </a:r>
-            <a:r>
-              <a:rPr lang="ru-RU" dirty="0"/>
-              <a:t>(дата создания)</a:t>
+              <a:rPr lang="ru-RU" dirty="0"/>
+              <a:t> (дата создания)</a:t>
             </a:r>
           </a:p>
           <a:p>
@@ -4240,16 +4092,12 @@
               <a:buChar char="•"/>
             </a:pPr>
             <a:r>
-              <a:rPr lang="ru-RU" dirty="0" err="1" smtClean="0"/>
+              <a:rPr lang="ru-RU" dirty="0" err="1"/>
               <a:t>Updated</a:t>
             </a:r>
             <a:r>
-              <a:rPr lang="ru-RU" dirty="0" smtClean="0"/>
-              <a:t> </a:t>
-            </a:r>
-            <a:r>
-              <a:rPr lang="ru-RU" dirty="0"/>
-              <a:t>(дата обновления или </a:t>
+              <a:rPr lang="ru-RU" dirty="0"/>
+              <a:t> (дата обновления или </a:t>
             </a:r>
             <a:r>
               <a:rPr lang="ru-RU" dirty="0" err="1"/>
@@ -4266,16 +4114,12 @@
               <a:buChar char="•"/>
             </a:pPr>
             <a:r>
-              <a:rPr lang="ru-RU" dirty="0" err="1" smtClean="0"/>
+              <a:rPr lang="ru-RU" dirty="0" err="1"/>
               <a:t>Planned</a:t>
             </a:r>
             <a:r>
-              <a:rPr lang="ru-RU" dirty="0" smtClean="0"/>
-              <a:t> </a:t>
-            </a:r>
-            <a:r>
-              <a:rPr lang="ru-RU" dirty="0"/>
-              <a:t>(запланированная дата или </a:t>
+              <a:rPr lang="ru-RU" dirty="0"/>
+              <a:t> (запланированная дата или </a:t>
             </a:r>
             <a:r>
               <a:rPr lang="ru-RU" dirty="0" err="1"/>
@@ -4310,49 +4154,49 @@
           <a:lstStyle/>
           <a:p>
             <a:r>
-              <a:rPr lang="ru-RU" sz="3200" dirty="0" smtClean="0">
+              <a:rPr lang="ru-RU" sz="3200" dirty="0">
                 <a:latin typeface="+mj-lt"/>
               </a:rPr>
               <a:t>Классы </a:t>
             </a:r>
             <a:r>
-              <a:rPr lang="en-US" sz="3200" dirty="0" err="1" smtClean="0">
+              <a:rPr lang="en-US" sz="3200" dirty="0" err="1">
                 <a:latin typeface="+mj-lt"/>
               </a:rPr>
               <a:t>DateTimeContainerData</a:t>
             </a:r>
             <a:r>
-              <a:rPr lang="ru-RU" sz="3200" dirty="0" smtClean="0">
+              <a:rPr lang="ru-RU" sz="3200" dirty="0">
                 <a:latin typeface="+mj-lt"/>
               </a:rPr>
               <a:t>, </a:t>
             </a:r>
             <a:r>
-              <a:rPr lang="en-US" sz="3200" dirty="0" err="1" smtClean="0">
+              <a:rPr lang="en-US" sz="3200" dirty="0" err="1">
                 <a:latin typeface="+mj-lt"/>
               </a:rPr>
               <a:t>CardData</a:t>
             </a:r>
             <a:r>
-              <a:rPr lang="ru-RU" sz="3200" dirty="0" smtClean="0">
+              <a:rPr lang="ru-RU" sz="3200" dirty="0">
                 <a:latin typeface="+mj-lt"/>
               </a:rPr>
               <a:t>, </a:t>
             </a:r>
             <a:r>
-              <a:rPr lang="en-US" sz="3200" dirty="0" err="1" smtClean="0">
+              <a:rPr lang="en-US" sz="3200" dirty="0" err="1">
                 <a:latin typeface="+mj-lt"/>
               </a:rPr>
               <a:t>CardListData</a:t>
             </a:r>
             <a:r>
-              <a:rPr lang="ru-RU" sz="3200" dirty="0" smtClean="0">
+              <a:rPr lang="ru-RU" sz="3200" dirty="0">
                 <a:latin typeface="+mj-lt"/>
               </a:rPr>
               <a:t>, </a:t>
             </a:r>
             <a:r>
-              <a:rPr lang="en-US" sz="3200" dirty="0" err="1" smtClean="0">
+              <a:rPr lang="en-US" sz="3200" dirty="0" err="1">
                 <a:latin typeface="+mj-lt"/>
               </a:rPr>
               <a:t>DateTimeContainer</a:t>
@@ -4443,60 +4287,31 @@
           <a:p>
             <a:pPr algn="just"/>
             <a:r>
-              <a:rPr lang="ru-RU" dirty="0" smtClean="0"/>
+              <a:rPr lang="ru-RU" dirty="0"/>
               <a:t>Класс </a:t>
             </a:r>
             <a:r>
-              <a:rPr lang="en-US" dirty="0" smtClean="0"/>
+              <a:rPr lang="en-US" dirty="0"/>
               <a:t>Card</a:t>
             </a:r>
             <a:r>
-              <a:rPr lang="ru-RU" dirty="0" smtClean="0"/>
-              <a:t> </a:t>
-            </a:r>
-            <a:r>
-              <a:rPr lang="ru-RU" dirty="0"/>
-              <a:t>наследует Уникальный Класс и представляет собой карточку </a:t>
-            </a:r>
-            <a:r>
-              <a:rPr lang="ru-RU" dirty="0" smtClean="0"/>
-              <a:t>дела. </a:t>
-            </a:r>
-            <a:r>
-              <a:rPr lang="ru-RU" dirty="0"/>
-              <a:t>К</a:t>
-            </a:r>
-            <a:r>
-              <a:rPr lang="ru-RU" dirty="0" smtClean="0"/>
-              <a:t>ласс </a:t>
-            </a:r>
-            <a:r>
-              <a:rPr lang="ru-RU" dirty="0"/>
-              <a:t>содержит в себе основные поля, характерные для карточки</a:t>
-            </a:r>
-            <a:r>
-              <a:rPr lang="ru-RU" dirty="0" smtClean="0"/>
-              <a:t>.</a:t>
-            </a:r>
-            <a:endParaRPr lang="ru-RU" dirty="0"/>
+              <a:rPr lang="ru-RU" dirty="0"/>
+              <a:t> наследует Уникальный Класс и представляет собой карточку дела. Класс содержит в себе основные поля, характерные для карточки.</a:t>
+            </a:r>
           </a:p>
           <a:p>
             <a:pPr algn="just"/>
             <a:r>
-              <a:rPr lang="ru-RU" dirty="0" smtClean="0"/>
+              <a:rPr lang="ru-RU" dirty="0"/>
               <a:t>Класс </a:t>
             </a:r>
             <a:r>
-              <a:rPr lang="en-US" dirty="0" err="1" smtClean="0"/>
+              <a:rPr lang="en-US" dirty="0" err="1"/>
               <a:t>CardList</a:t>
             </a:r>
             <a:r>
-              <a:rPr lang="ru-RU" dirty="0" smtClean="0"/>
-              <a:t> также наследует </a:t>
-            </a:r>
-            <a:r>
-              <a:rPr lang="ru-RU" dirty="0"/>
-              <a:t>Уникальный Класс и представляет собой список карточек дел. В качестве способа хранения экземпляров Карт в классе используется </a:t>
+              <a:rPr lang="ru-RU" dirty="0"/>
+              <a:t> также наследует Уникальный Класс и представляет собой список карточек дел. В качестве способа хранения экземпляров Карт в классе используется </a:t>
             </a:r>
             <a:r>
               <a:rPr lang="ru-RU" dirty="0" err="1"/>
@@ -4504,11 +4319,7 @@
             </a:r>
             <a:r>
               <a:rPr lang="ru-RU" dirty="0"/>
-              <a:t> (</a:t>
-            </a:r>
-            <a:r>
-              <a:rPr lang="ru-RU" dirty="0" smtClean="0"/>
-              <a:t>Библиотека). Класс включает в себя методы: </a:t>
+              <a:t> (Библиотека). Класс включает в себя методы: </a:t>
             </a:r>
           </a:p>
           <a:p>
@@ -4517,18 +4328,13 @@
               <a:buChar char="•"/>
             </a:pPr>
             <a:r>
-              <a:rPr lang="ru-RU" dirty="0" err="1" smtClean="0"/>
+              <a:rPr lang="ru-RU" dirty="0" err="1"/>
               <a:t>Get</a:t>
             </a:r>
             <a:r>
-              <a:rPr lang="ru-RU" dirty="0" smtClean="0"/>
-              <a:t> </a:t>
-            </a:r>
-            <a:r>
-              <a:rPr lang="ru-RU" dirty="0"/>
-              <a:t>(Получить Карту), </a:t>
-            </a:r>
-            <a:endParaRPr lang="ru-RU" dirty="0" smtClean="0"/>
+              <a:rPr lang="ru-RU" dirty="0"/>
+              <a:t> (Получить Карту), </a:t>
+            </a:r>
           </a:p>
           <a:p>
             <a:pPr marL="285750" indent="-285750" algn="just">
@@ -4536,18 +4342,13 @@
               <a:buChar char="•"/>
             </a:pPr>
             <a:r>
-              <a:rPr lang="ru-RU" dirty="0" err="1" smtClean="0"/>
+              <a:rPr lang="ru-RU" dirty="0" err="1"/>
               <a:t>Set</a:t>
             </a:r>
             <a:r>
-              <a:rPr lang="ru-RU" dirty="0" smtClean="0"/>
-              <a:t> </a:t>
-            </a:r>
-            <a:r>
-              <a:rPr lang="ru-RU" dirty="0"/>
-              <a:t>(Сохранить Карту), </a:t>
-            </a:r>
-            <a:endParaRPr lang="ru-RU" dirty="0" smtClean="0"/>
+              <a:rPr lang="ru-RU" dirty="0"/>
+              <a:t> (Сохранить Карту), </a:t>
+            </a:r>
           </a:p>
           <a:p>
             <a:pPr marL="285750" indent="-285750" algn="just">
@@ -4555,18 +4356,13 @@
               <a:buChar char="•"/>
             </a:pPr>
             <a:r>
-              <a:rPr lang="ru-RU" dirty="0" err="1" smtClean="0"/>
+              <a:rPr lang="ru-RU" dirty="0" err="1"/>
               <a:t>Remove</a:t>
             </a:r>
             <a:r>
-              <a:rPr lang="ru-RU" dirty="0" smtClean="0"/>
-              <a:t> </a:t>
-            </a:r>
-            <a:r>
-              <a:rPr lang="ru-RU" dirty="0"/>
-              <a:t>(Удалить Карту), </a:t>
-            </a:r>
-            <a:endParaRPr lang="ru-RU" dirty="0" smtClean="0"/>
+              <a:rPr lang="ru-RU" dirty="0"/>
+              <a:t> (Удалить Карту), </a:t>
+            </a:r>
           </a:p>
           <a:p>
             <a:pPr marL="285750" indent="-285750" algn="just">
@@ -4574,18 +4370,13 @@
               <a:buChar char="•"/>
             </a:pPr>
             <a:r>
-              <a:rPr lang="ru-RU" dirty="0" err="1" smtClean="0"/>
+              <a:rPr lang="ru-RU" dirty="0" err="1"/>
               <a:t>Contains</a:t>
             </a:r>
             <a:r>
-              <a:rPr lang="ru-RU" dirty="0" smtClean="0"/>
-              <a:t> </a:t>
-            </a:r>
-            <a:r>
-              <a:rPr lang="ru-RU" dirty="0"/>
-              <a:t>(Проверить наличие Карты), </a:t>
-            </a:r>
-            <a:endParaRPr lang="ru-RU" dirty="0" smtClean="0"/>
+              <a:rPr lang="ru-RU" dirty="0"/>
+              <a:t> (Проверить наличие Карты), </a:t>
+            </a:r>
           </a:p>
           <a:p>
             <a:pPr marL="285750" indent="-285750" algn="just">
@@ -4594,17 +4385,8 @@
             </a:pPr>
             <a:r>
               <a:rPr lang="ru-RU" dirty="0"/>
-              <a:t>М</a:t>
-            </a:r>
-            <a:r>
-              <a:rPr lang="ru-RU" dirty="0" smtClean="0"/>
-              <a:t>етоды </a:t>
-            </a:r>
-            <a:r>
-              <a:rPr lang="ru-RU" dirty="0"/>
-              <a:t>отвечающие за сортировку и поиск. </a:t>
-            </a:r>
-            <a:endParaRPr lang="ru-RU" dirty="0" smtClean="0"/>
+              <a:t>Методы отвечающие за сортировку и поиск. </a:t>
+            </a:r>
           </a:p>
           <a:p>
             <a:pPr marL="742950" lvl="1" indent="-285750" algn="just">
@@ -4612,16 +4394,12 @@
               <a:buChar char="§"/>
             </a:pPr>
             <a:r>
-              <a:rPr lang="ru-RU" dirty="0" err="1" smtClean="0"/>
+              <a:rPr lang="ru-RU" dirty="0" err="1"/>
               <a:t>GetListDefault</a:t>
             </a:r>
             <a:r>
-              <a:rPr lang="ru-RU" dirty="0" smtClean="0"/>
-              <a:t> </a:t>
-            </a:r>
-            <a:r>
-              <a:rPr lang="ru-RU" dirty="0"/>
-              <a:t>(Получение Карт, отсортированных по дате обновления)</a:t>
+              <a:rPr lang="ru-RU" dirty="0"/>
+              <a:t> (Получение Карт, отсортированных по дате обновления)</a:t>
             </a:r>
           </a:p>
           <a:p>
@@ -4630,16 +4408,12 @@
               <a:buChar char="§"/>
             </a:pPr>
             <a:r>
-              <a:rPr lang="ru-RU" dirty="0" err="1" smtClean="0"/>
+              <a:rPr lang="ru-RU" dirty="0" err="1"/>
               <a:t>GetListImportant</a:t>
             </a:r>
             <a:r>
-              <a:rPr lang="ru-RU" dirty="0" smtClean="0"/>
-              <a:t> </a:t>
-            </a:r>
-            <a:r>
-              <a:rPr lang="ru-RU" dirty="0"/>
-              <a:t>(Получение Карт, отсортированных по статусу важности)</a:t>
+              <a:rPr lang="ru-RU" dirty="0"/>
+              <a:t> (Получение Карт, отсортированных по статусу важности)</a:t>
             </a:r>
           </a:p>
           <a:p>
@@ -4648,22 +4422,13 @@
               <a:buChar char="§"/>
             </a:pPr>
             <a:r>
-              <a:rPr lang="ru-RU" dirty="0" err="1" smtClean="0"/>
+              <a:rPr lang="ru-RU" dirty="0" err="1"/>
               <a:t>GetListCompleted</a:t>
             </a:r>
             <a:r>
-              <a:rPr lang="ru-RU" dirty="0" smtClean="0"/>
-              <a:t> </a:t>
-            </a:r>
-            <a:r>
-              <a:rPr lang="ru-RU" dirty="0"/>
-              <a:t>(Получение Карт, отсортированных по статусу выполнения</a:t>
-            </a:r>
-            <a:r>
-              <a:rPr lang="ru-RU" dirty="0" smtClean="0"/>
-              <a:t>)</a:t>
-            </a:r>
-            <a:endParaRPr lang="ru-RU" dirty="0"/>
+              <a:rPr lang="ru-RU" dirty="0"/>
+              <a:t> (Получение Карт, отсортированных по статусу выполнения)</a:t>
+            </a:r>
           </a:p>
         </p:txBody>
       </p:sp>
@@ -4689,37 +4454,25 @@
           <a:lstStyle/>
           <a:p>
             <a:r>
-              <a:rPr lang="ru-RU" sz="3200" dirty="0" smtClean="0">
-                <a:latin typeface="+mj-lt"/>
-              </a:rPr>
-              <a:t>Класс</a:t>
-            </a:r>
-            <a:r>
               <a:rPr lang="ru-RU" sz="3200" dirty="0">
                 <a:latin typeface="+mj-lt"/>
               </a:rPr>
-              <a:t>ы</a:t>
-            </a:r>
-            <a:r>
-              <a:rPr lang="ru-RU" sz="3200" dirty="0" smtClean="0">
-                <a:latin typeface="+mj-lt"/>
-              </a:rPr>
-              <a:t> </a:t>
-            </a:r>
-            <a:r>
-              <a:rPr lang="en-US" sz="3200" dirty="0" smtClean="0">
+              <a:t>Классы </a:t>
+            </a:r>
+            <a:r>
+              <a:rPr lang="en-US" sz="3200" dirty="0">
                 <a:latin typeface="+mj-lt"/>
               </a:rPr>
               <a:t>Card</a:t>
             </a:r>
             <a:r>
-              <a:rPr lang="ru-RU" sz="3200" dirty="0" smtClean="0">
+              <a:rPr lang="ru-RU" sz="3200" dirty="0">
                 <a:latin typeface="+mj-lt"/>
               </a:rPr>
               <a:t> и </a:t>
             </a:r>
             <a:r>
-              <a:rPr lang="en-US" sz="3200" dirty="0" err="1" smtClean="0">
+              <a:rPr lang="en-US" sz="3200" dirty="0" err="1">
                 <a:latin typeface="+mj-lt"/>
               </a:rPr>
               <a:t>CardList</a:t>
@@ -4770,20 +4523,20 @@
             <p:ph type="title"/>
           </p:nvPr>
         </p:nvSpPr>
-        <p:spPr/>
-        <p:txBody>
-          <a:bodyPr/>
-          <a:lstStyle/>
-          <a:p>
-            <a:r>
-              <a:rPr lang="ru-RU" dirty="0" smtClean="0"/>
-              <a:t>Постановка </a:t>
-            </a:r>
-            <a:r>
-              <a:rPr lang="ru-RU" dirty="0" smtClean="0"/>
-              <a:t>задачи/Идея</a:t>
-            </a:r>
-            <a:endParaRPr lang="ru-RU" dirty="0"/>
+        <p:spPr>
+          <a:xfrm>
+            <a:off x="838200" y="214050"/>
+            <a:ext cx="10515600" cy="1325563"/>
+          </a:xfrm>
+        </p:spPr>
+        <p:txBody>
+          <a:bodyPr/>
+          <a:lstStyle/>
+          <a:p>
+            <a:r>
+              <a:rPr lang="ru-RU" dirty="0"/>
+              <a:t>Постановка задачи/Идея</a:t>
+            </a:r>
           </a:p>
         </p:txBody>
       </p:sp>
@@ -4796,7 +4549,7 @@
         <p:spPr>
           <a:xfrm>
             <a:off x="838200" y="1789063"/>
-            <a:ext cx="8488680" cy="2862322"/>
+            <a:ext cx="8488680" cy="3276282"/>
           </a:xfrm>
           <a:prstGeom prst="rect">
             <a:avLst/>
@@ -4814,37 +4567,28 @@
               </a:lnSpc>
             </a:pPr>
             <a:r>
-              <a:rPr lang="ru-RU" sz="2000" dirty="0" smtClean="0"/>
+              <a:rPr lang="ru-RU" sz="2000" dirty="0"/>
               <a:t>Проект </a:t>
             </a:r>
             <a:r>
-              <a:rPr lang="en-US" sz="2000" dirty="0" err="1" smtClean="0"/>
+              <a:rPr lang="en-US" sz="2000" dirty="0" err="1"/>
               <a:t>Timelon</a:t>
             </a:r>
             <a:r>
-              <a:rPr lang="en-US" sz="2000" dirty="0" smtClean="0"/>
+              <a:rPr lang="en-US" sz="2000" dirty="0"/>
               <a:t> </a:t>
             </a:r>
             <a:r>
-              <a:rPr lang="ru-RU" sz="2000" dirty="0" smtClean="0"/>
-              <a:t>представляет собой список </a:t>
-            </a:r>
-            <a:r>
               <a:rPr lang="ru-RU" sz="2000" dirty="0"/>
-              <a:t>задач — </a:t>
-            </a:r>
-            <a:r>
-              <a:rPr lang="ru-RU" sz="2000" dirty="0" smtClean="0"/>
-              <a:t>программу </a:t>
-            </a:r>
-            <a:r>
-              <a:rPr lang="ru-RU" sz="2000" dirty="0"/>
-              <a:t>для управления проектами. Её функционал позволяет пользователю следить за рабочими процессами и контролировать выполнение поставленных задач</a:t>
-            </a:r>
-            <a:r>
-              <a:rPr lang="ru-RU" sz="2000" dirty="0" smtClean="0"/>
-              <a:t>.</a:t>
-            </a:r>
+              <a:t>представляет собой список задач — программу для управления проектами. Её функционал позволяет пользователю следить за рабочими процессами и контролировать выполнение поставленных задач.</a:t>
+            </a:r>
+          </a:p>
+          <a:p>
+            <a:pPr algn="just">
+              <a:lnSpc>
+                <a:spcPct val="150000"/>
+              </a:lnSpc>
+            </a:pPr>
             <a:endParaRPr lang="ru-RU" sz="2000" dirty="0"/>
           </a:p>
           <a:p>
@@ -4870,13 +4614,6 @@
   <p:clrMapOvr>
     <a:masterClrMapping/>
   </p:clrMapOvr>
-  <p:timing>
-    <p:tnLst>
-      <p:par>
-        <p:cTn id="1" dur="indefinite" restart="never" nodeType="tmRoot"/>
-      </p:par>
-    </p:tnLst>
-  </p:timing>
 </p:sld>
 </file>
 
@@ -4913,19 +4650,19 @@
           <a:lstStyle/>
           <a:p>
             <a:r>
-              <a:rPr lang="ru-RU" dirty="0" smtClean="0"/>
+              <a:rPr lang="ru-RU" dirty="0"/>
               <a:t>Классы </a:t>
             </a:r>
             <a:r>
-              <a:rPr lang="en-US" dirty="0" err="1" smtClean="0"/>
+              <a:rPr lang="en-US" dirty="0" err="1"/>
               <a:t>ApplicationViewModel</a:t>
             </a:r>
             <a:r>
-              <a:rPr lang="ru-RU" dirty="0" smtClean="0"/>
+              <a:rPr lang="ru-RU" dirty="0"/>
               <a:t> и </a:t>
             </a:r>
             <a:r>
-              <a:rPr lang="en-US" dirty="0" err="1" smtClean="0"/>
+              <a:rPr lang="en-US" dirty="0" err="1"/>
               <a:t>MainWindow</a:t>
             </a:r>
             <a:endParaRPr lang="ru-RU" dirty="0"/>
@@ -4954,7 +4691,7 @@
           <a:lstStyle/>
           <a:p>
             <a:r>
-              <a:rPr lang="ru-RU" dirty="0" smtClean="0"/>
+              <a:rPr lang="ru-RU" dirty="0"/>
               <a:t>Содержит в себе:</a:t>
             </a:r>
           </a:p>
@@ -4964,7 +4701,7 @@
               <a:buChar char="•"/>
             </a:pPr>
             <a:r>
-              <a:rPr lang="ru-RU" dirty="0" smtClean="0"/>
+              <a:rPr lang="ru-RU" dirty="0"/>
               <a:t>Поля</a:t>
             </a:r>
           </a:p>
@@ -4974,7 +4711,7 @@
               <a:buChar char="•"/>
             </a:pPr>
             <a:r>
-              <a:rPr lang="ru-RU" dirty="0" smtClean="0"/>
+              <a:rPr lang="ru-RU" dirty="0"/>
               <a:t>Конструктор по умолчанию</a:t>
             </a:r>
           </a:p>
@@ -4984,7 +4721,7 @@
               <a:buChar char="•"/>
             </a:pPr>
             <a:r>
-              <a:rPr lang="ru-RU" dirty="0" smtClean="0"/>
+              <a:rPr lang="ru-RU" dirty="0"/>
               <a:t>Свойства</a:t>
             </a:r>
           </a:p>
@@ -4994,7 +4731,7 @@
               <a:buChar char="•"/>
             </a:pPr>
             <a:r>
-              <a:rPr lang="ru-RU" dirty="0" smtClean="0"/>
+              <a:rPr lang="ru-RU" dirty="0"/>
               <a:t>Команды</a:t>
             </a:r>
             <a:endParaRPr lang="en-US" dirty="0"/>
@@ -5052,10 +4789,9 @@
           <a:lstStyle/>
           <a:p>
             <a:r>
-              <a:rPr lang="ru-RU" dirty="0" smtClean="0"/>
+              <a:rPr lang="ru-RU" dirty="0"/>
               <a:t>Тестирование</a:t>
             </a:r>
-            <a:endParaRPr lang="ru-RU" dirty="0"/>
           </a:p>
         </p:txBody>
       </p:sp>
@@ -5081,31 +4817,31 @@
           <a:lstStyle/>
           <a:p>
             <a:r>
-              <a:rPr lang="ru-RU" sz="3200" dirty="0" smtClean="0">
+              <a:rPr lang="ru-RU" sz="3200" dirty="0">
                 <a:latin typeface="+mj-lt"/>
               </a:rPr>
               <a:t>Консольный проект </a:t>
             </a:r>
             <a:r>
-              <a:rPr lang="en-US" sz="3200" dirty="0" err="1" smtClean="0">
+              <a:rPr lang="en-US" sz="3200" dirty="0" err="1">
                 <a:latin typeface="+mj-lt"/>
               </a:rPr>
               <a:t>ConsoleTest.cs</a:t>
             </a:r>
             <a:r>
-              <a:rPr lang="en-US" sz="3200" dirty="0" smtClean="0">
+              <a:rPr lang="en-US" sz="3200" dirty="0">
                 <a:latin typeface="+mj-lt"/>
               </a:rPr>
               <a:t> </a:t>
             </a:r>
             <a:r>
-              <a:rPr lang="ru-RU" sz="3200" dirty="0" smtClean="0">
+              <a:rPr lang="ru-RU" sz="3200" dirty="0">
                 <a:latin typeface="+mj-lt"/>
               </a:rPr>
               <a:t>и </a:t>
             </a:r>
             <a:r>
-              <a:rPr lang="en-US" sz="3200" dirty="0" err="1" smtClean="0">
+              <a:rPr lang="en-US" sz="3200" dirty="0" err="1">
                 <a:latin typeface="+mj-lt"/>
               </a:rPr>
               <a:t>Randomizer.cs</a:t>
@@ -5138,7 +4874,7 @@
           <a:lstStyle/>
           <a:p>
             <a:r>
-              <a:rPr lang="ru-RU" dirty="0" smtClean="0"/>
+              <a:rPr lang="ru-RU" dirty="0"/>
               <a:t>Консольный проект включает в себя следующие тесты:</a:t>
             </a:r>
           </a:p>
@@ -5149,19 +4885,7 @@
             </a:pPr>
             <a:r>
               <a:rPr lang="ru-RU" dirty="0"/>
-              <a:t>Т</a:t>
-            </a:r>
-            <a:r>
-              <a:rPr lang="ru-RU" dirty="0" smtClean="0"/>
-              <a:t>ест </a:t>
-            </a:r>
-            <a:r>
-              <a:rPr lang="ru-RU" dirty="0"/>
-              <a:t>создания случайных </a:t>
-            </a:r>
-            <a:r>
-              <a:rPr lang="ru-RU" dirty="0" smtClean="0"/>
-              <a:t>карт</a:t>
+              <a:t>Тест создания случайных карт</a:t>
             </a:r>
           </a:p>
           <a:p>
@@ -5171,19 +4895,7 @@
             </a:pPr>
             <a:r>
               <a:rPr lang="ru-RU" dirty="0"/>
-              <a:t>Т</a:t>
-            </a:r>
-            <a:r>
-              <a:rPr lang="ru-RU" dirty="0" smtClean="0"/>
-              <a:t>ест </a:t>
-            </a:r>
-            <a:r>
-              <a:rPr lang="ru-RU" dirty="0"/>
-              <a:t>создания случайного списка карт и </a:t>
-            </a:r>
-            <a:r>
-              <a:rPr lang="ru-RU" dirty="0" smtClean="0"/>
-              <a:t>сортировки</a:t>
+              <a:t>Тест создания случайного списка карт и сортировки</a:t>
             </a:r>
           </a:p>
           <a:p>
@@ -5193,19 +4905,7 @@
             </a:pPr>
             <a:r>
               <a:rPr lang="ru-RU" dirty="0"/>
-              <a:t>Т</a:t>
-            </a:r>
-            <a:r>
-              <a:rPr lang="ru-RU" dirty="0" smtClean="0"/>
-              <a:t>ест </a:t>
-            </a:r>
-            <a:r>
-              <a:rPr lang="ru-RU" dirty="0"/>
-              <a:t>создания случайных списков карт в менеджере и работы с </a:t>
-            </a:r>
-            <a:r>
-              <a:rPr lang="ru-RU" dirty="0" smtClean="0"/>
-              <a:t>данными</a:t>
+              <a:t>Тест создания случайных списков карт в менеджере и работы с данными</a:t>
             </a:r>
           </a:p>
           <a:p>
@@ -5214,16 +4914,8 @@
               <a:buChar char="•"/>
             </a:pPr>
             <a:r>
-              <a:rPr lang="ru-RU" dirty="0" smtClean="0"/>
-              <a:t>Тест с измерением времени </a:t>
-            </a:r>
-            <a:r>
-              <a:rPr lang="ru-RU" dirty="0"/>
-              <a:t>выполнения основных операций списка </a:t>
-            </a:r>
-            <a:r>
-              <a:rPr lang="ru-RU" dirty="0" smtClean="0"/>
-              <a:t>карт</a:t>
+              <a:rPr lang="ru-RU" dirty="0"/>
+              <a:t>Тест с измерением времени выполнения основных операций списка карт</a:t>
             </a:r>
           </a:p>
           <a:p>
@@ -5258,21 +4950,8 @@
           <a:p>
             <a:r>
               <a:rPr lang="ru-RU" dirty="0"/>
-              <a:t>М</a:t>
-            </a:r>
-            <a:r>
-              <a:rPr lang="ru-RU" dirty="0" smtClean="0"/>
-              <a:t>етоды работы </a:t>
-            </a:r>
-            <a:r>
-              <a:rPr lang="ru-RU" dirty="0"/>
-              <a:t>с генератором псевдо-случайных чисел</a:t>
-            </a:r>
-            <a:r>
-              <a:rPr lang="ru-RU" dirty="0" smtClean="0"/>
-              <a:t>.</a:t>
-            </a:r>
-            <a:endParaRPr lang="ru-RU" dirty="0"/>
+              <a:t>Методы работы с генератором псевдо-случайных чисел.</a:t>
+            </a:r>
           </a:p>
           <a:p>
             <a:pPr marL="285750" indent="-285750">
@@ -5280,12 +4959,8 @@
               <a:buChar char="•"/>
             </a:pPr>
             <a:r>
-              <a:rPr lang="ru-RU" dirty="0" smtClean="0"/>
-              <a:t>Статический </a:t>
-            </a:r>
-            <a:r>
-              <a:rPr lang="ru-RU" dirty="0"/>
-              <a:t>доступ к глобальному генератору псевдо-случайных чисел (</a:t>
+              <a:rPr lang="ru-RU" dirty="0"/>
+              <a:t>Статический доступ к глобальному генератору псевдо-случайных чисел (</a:t>
             </a:r>
             <a:r>
               <a:rPr lang="ru-RU" dirty="0" err="1"/>
@@ -5302,16 +4977,12 @@
               <a:buChar char="•"/>
             </a:pPr>
             <a:r>
-              <a:rPr lang="ru-RU" dirty="0" err="1" smtClean="0"/>
+              <a:rPr lang="ru-RU" dirty="0" err="1"/>
               <a:t>NextBool</a:t>
             </a:r>
             <a:r>
-              <a:rPr lang="ru-RU" dirty="0" smtClean="0"/>
-              <a:t> </a:t>
-            </a:r>
-            <a:r>
-              <a:rPr lang="ru-RU" dirty="0"/>
-              <a:t>(Получение следующего случайного булевого значения)</a:t>
+              <a:rPr lang="ru-RU" dirty="0"/>
+              <a:t> (Получение следующего случайного булевого значения)</a:t>
             </a:r>
           </a:p>
           <a:p>
@@ -5320,16 +4991,12 @@
               <a:buChar char="•"/>
             </a:pPr>
             <a:r>
-              <a:rPr lang="ru-RU" dirty="0" err="1" smtClean="0"/>
+              <a:rPr lang="ru-RU" dirty="0" err="1"/>
               <a:t>NextString</a:t>
             </a:r>
             <a:r>
-              <a:rPr lang="ru-RU" dirty="0" smtClean="0"/>
-              <a:t> </a:t>
-            </a:r>
-            <a:r>
-              <a:rPr lang="ru-RU" dirty="0"/>
-              <a:t>(Получение следующей случайной строки заданной длины)</a:t>
+              <a:rPr lang="ru-RU" dirty="0"/>
+              <a:t> (Получение следующей случайной строки заданной длины)</a:t>
             </a:r>
           </a:p>
           <a:p>
@@ -5338,16 +5005,12 @@
               <a:buChar char="•"/>
             </a:pPr>
             <a:r>
-              <a:rPr lang="ru-RU" dirty="0" err="1" smtClean="0"/>
+              <a:rPr lang="ru-RU" dirty="0" err="1"/>
               <a:t>NextCollectionIndex</a:t>
             </a:r>
             <a:r>
-              <a:rPr lang="ru-RU" dirty="0" smtClean="0"/>
-              <a:t> </a:t>
-            </a:r>
-            <a:r>
-              <a:rPr lang="ru-RU" dirty="0"/>
-              <a:t>(Получение следующего случайного индекса заданной коллекции)</a:t>
+              <a:rPr lang="ru-RU" dirty="0"/>
+              <a:t> (Получение следующего случайного индекса заданной коллекции)</a:t>
             </a:r>
           </a:p>
           <a:p>
@@ -5356,16 +5019,12 @@
               <a:buChar char="•"/>
             </a:pPr>
             <a:r>
-              <a:rPr lang="ru-RU" dirty="0" err="1" smtClean="0"/>
+              <a:rPr lang="ru-RU" dirty="0" err="1"/>
               <a:t>NextDateTime</a:t>
             </a:r>
             <a:r>
-              <a:rPr lang="ru-RU" dirty="0" smtClean="0"/>
-              <a:t> </a:t>
-            </a:r>
-            <a:r>
-              <a:rPr lang="ru-RU" dirty="0"/>
-              <a:t>(Получение следующих даты и времени (</a:t>
+              <a:rPr lang="ru-RU" dirty="0"/>
+              <a:t> (Получение следующих даты и времени (</a:t>
             </a:r>
             <a:r>
               <a:rPr lang="ru-RU" dirty="0" err="1"/>
@@ -5388,13 +5047,6 @@
   <p:clrMapOvr>
     <a:masterClrMapping/>
   </p:clrMapOvr>
-  <p:timing>
-    <p:tnLst>
-      <p:par>
-        <p:cTn id="1" dur="indefinite" restart="never" nodeType="tmRoot"/>
-      </p:par>
-    </p:tnLst>
-  </p:timing>
 </p:sld>
 </file>
 
@@ -5431,10 +5083,9 @@
           <a:lstStyle/>
           <a:p>
             <a:r>
-              <a:rPr lang="ru-RU" dirty="0" smtClean="0"/>
+              <a:rPr lang="ru-RU" dirty="0"/>
               <a:t>Тестирование</a:t>
             </a:r>
-            <a:endParaRPr lang="ru-RU" dirty="0"/>
           </a:p>
         </p:txBody>
       </p:sp>
@@ -5484,10 +5135,9 @@
           <a:lstStyle/>
           <a:p>
             <a:r>
-              <a:rPr lang="ru-RU" dirty="0" smtClean="0"/>
+              <a:rPr lang="ru-RU" dirty="0"/>
               <a:t>Почему тесты это важно?</a:t>
             </a:r>
-            <a:endParaRPr lang="ru-RU" dirty="0"/>
           </a:p>
         </p:txBody>
       </p:sp>
@@ -5537,10 +5187,9 @@
           <a:lstStyle/>
           <a:p>
             <a:r>
-              <a:rPr lang="ru-RU" dirty="0" smtClean="0"/>
+              <a:rPr lang="ru-RU" dirty="0"/>
               <a:t>Требования</a:t>
             </a:r>
-            <a:endParaRPr lang="ru-RU" dirty="0"/>
           </a:p>
         </p:txBody>
       </p:sp>
@@ -5590,10 +5239,9 @@
           <a:lstStyle/>
           <a:p>
             <a:r>
-              <a:rPr lang="ru-RU" dirty="0" smtClean="0"/>
+              <a:rPr lang="ru-RU" dirty="0"/>
               <a:t>Тест план</a:t>
             </a:r>
-            <a:endParaRPr lang="ru-RU" dirty="0"/>
           </a:p>
         </p:txBody>
       </p:sp>
@@ -5643,10 +5291,9 @@
           <a:lstStyle/>
           <a:p>
             <a:r>
-              <a:rPr lang="ru-RU" dirty="0" smtClean="0"/>
+              <a:rPr lang="ru-RU" dirty="0"/>
               <a:t>Методы тестирования</a:t>
             </a:r>
-            <a:endParaRPr lang="ru-RU" dirty="0"/>
           </a:p>
         </p:txBody>
       </p:sp>
@@ -5696,10 +5343,9 @@
           <a:lstStyle/>
           <a:p>
             <a:r>
-              <a:rPr lang="ru-RU" dirty="0" smtClean="0"/>
+              <a:rPr lang="ru-RU" dirty="0"/>
               <a:t>Отчет о тестировании</a:t>
             </a:r>
-            <a:endParaRPr lang="ru-RU" dirty="0"/>
           </a:p>
         </p:txBody>
       </p:sp>
@@ -5749,10 +5395,9 @@
           <a:lstStyle/>
           <a:p>
             <a:r>
-              <a:rPr lang="ru-RU" dirty="0" smtClean="0"/>
+              <a:rPr lang="ru-RU" dirty="0"/>
               <a:t>Выводы</a:t>
             </a:r>
-            <a:endParaRPr lang="ru-RU" dirty="0"/>
           </a:p>
         </p:txBody>
       </p:sp>
@@ -5802,10 +5447,9 @@
           <a:lstStyle/>
           <a:p>
             <a:r>
-              <a:rPr lang="ru-RU" dirty="0" smtClean="0"/>
+              <a:rPr lang="ru-RU" dirty="0"/>
               <a:t>Практическая ценность</a:t>
             </a:r>
-            <a:endParaRPr lang="ru-RU" dirty="0"/>
           </a:p>
         </p:txBody>
       </p:sp>
@@ -5819,13 +5463,6 @@
   <p:clrMapOvr>
     <a:masterClrMapping/>
   </p:clrMapOvr>
-  <p:timing>
-    <p:tnLst>
-      <p:par>
-        <p:cTn id="1" dur="indefinite" restart="never" nodeType="tmRoot"/>
-      </p:par>
-    </p:tnLst>
-  </p:timing>
 </p:sld>
 </file>
 
@@ -5856,19 +5493,82 @@
             <p:ph type="title"/>
           </p:nvPr>
         </p:nvSpPr>
-        <p:spPr/>
-        <p:txBody>
-          <a:bodyPr/>
-          <a:lstStyle/>
-          <a:p>
-            <a:r>
-              <a:rPr lang="ru-RU" dirty="0" smtClean="0"/>
-              <a:t>Работа в команде</a:t>
+        <p:spPr>
+          <a:xfrm>
+            <a:off x="838199" y="230588"/>
+            <a:ext cx="10515600" cy="1325563"/>
+          </a:xfrm>
+        </p:spPr>
+        <p:txBody>
+          <a:bodyPr/>
+          <a:lstStyle/>
+          <a:p>
+            <a:r>
+              <a:rPr lang="ru-RU" dirty="0"/>
+              <a:t>Работа в команде. </a:t>
+            </a:r>
+            <a:br>
+              <a:rPr lang="ru-RU" dirty="0"/>
+            </a:br>
+            <a:r>
+              <a:rPr lang="ru-RU" dirty="0"/>
+              <a:t>Методология программирования </a:t>
+            </a:r>
+            <a:r>
+              <a:rPr lang="en-US" dirty="0"/>
+              <a:t>SCRUM</a:t>
             </a:r>
             <a:endParaRPr lang="ru-RU" dirty="0"/>
           </a:p>
         </p:txBody>
       </p:sp>
+      <p:pic>
+        <p:nvPicPr>
+          <p:cNvPr id="1028" name="Picture 4">
+            <a:extLst>
+              <a:ext uri="{FF2B5EF4-FFF2-40B4-BE49-F238E27FC236}">
+                <a16:creationId xmlns:a16="http://schemas.microsoft.com/office/drawing/2014/main" id="{30ABCFD2-C3DA-4EDF-B89B-87C2319C53F8}"/>
+              </a:ext>
+            </a:extLst>
+          </p:cNvPr>
+          <p:cNvPicPr>
+            <a:picLocks noChangeAspect="1" noChangeArrowheads="1"/>
+          </p:cNvPicPr>
+          <p:nvPr/>
+        </p:nvPicPr>
+        <p:blipFill>
+          <a:blip r:embed="rId2">
+            <a:extLst>
+              <a:ext uri="{28A0092B-C50C-407E-A947-70E740481C1C}">
+                <a14:useLocalDpi xmlns:a14="http://schemas.microsoft.com/office/drawing/2010/main" val="0"/>
+              </a:ext>
+            </a:extLst>
+          </a:blip>
+          <a:srcRect/>
+          <a:stretch>
+            <a:fillRect/>
+          </a:stretch>
+        </p:blipFill>
+        <p:spPr bwMode="auto">
+          <a:xfrm>
+            <a:off x="2929800" y="1857469"/>
+            <a:ext cx="6332397" cy="4913067"/>
+          </a:xfrm>
+          <a:prstGeom prst="rect">
+            <a:avLst/>
+          </a:prstGeom>
+          <a:noFill/>
+          <a:extLst>
+            <a:ext uri="{909E8E84-426E-40DD-AFC4-6F175D3DCCD1}">
+              <a14:hiddenFill xmlns:a14="http://schemas.microsoft.com/office/drawing/2010/main">
+                <a:solidFill>
+                  <a:srgbClr val="FFFFFF"/>
+                </a:solidFill>
+              </a14:hiddenFill>
+            </a:ext>
+          </a:extLst>
+        </p:spPr>
+      </p:pic>
     </p:spTree>
     <p:extLst>
       <p:ext uri="{BB962C8B-B14F-4D97-AF65-F5344CB8AC3E}">
@@ -5883,179 +5583,6 @@
 </file>
 
 <file path=ppt/slides/slide30.xml><?xml version="1.0" encoding="utf-8"?>
-<p:sld xmlns:a="http://schemas.openxmlformats.org/drawingml/2006/main" xmlns:r="http://schemas.openxmlformats.org/officeDocument/2006/relationships" xmlns:p="http://schemas.openxmlformats.org/presentationml/2006/main">
-  <p:cSld>
-    <p:spTree>
-      <p:nvGrpSpPr>
-        <p:cNvPr id="1" name=""/>
-        <p:cNvGrpSpPr/>
-        <p:nvPr/>
-      </p:nvGrpSpPr>
-      <p:grpSpPr>
-        <a:xfrm>
-          <a:off x="0" y="0"/>
-          <a:ext cx="0" cy="0"/>
-          <a:chOff x="0" y="0"/>
-          <a:chExt cx="0" cy="0"/>
-        </a:xfrm>
-      </p:grpSpPr>
-      <p:sp>
-        <p:nvSpPr>
-          <p:cNvPr id="2" name="Заголовок 1"/>
-          <p:cNvSpPr>
-            <a:spLocks noGrp="1"/>
-          </p:cNvSpPr>
-          <p:nvPr>
-            <p:ph type="title"/>
-          </p:nvPr>
-        </p:nvSpPr>
-        <p:spPr/>
-        <p:txBody>
-          <a:bodyPr/>
-          <a:lstStyle/>
-          <a:p>
-            <a:r>
-              <a:rPr lang="ru-RU" dirty="0" smtClean="0"/>
-              <a:t>Правила хорошего программирования/итоги</a:t>
-            </a:r>
-            <a:endParaRPr lang="ru-RU" dirty="0"/>
-          </a:p>
-        </p:txBody>
-      </p:sp>
-      <p:sp>
-        <p:nvSpPr>
-          <p:cNvPr id="3" name="Прямоугольник 2"/>
-          <p:cNvSpPr/>
-          <p:nvPr/>
-        </p:nvSpPr>
-        <p:spPr>
-          <a:xfrm>
-            <a:off x="990600" y="2011740"/>
-            <a:ext cx="6096000" cy="3139321"/>
-          </a:xfrm>
-          <a:prstGeom prst="rect">
-            <a:avLst/>
-          </a:prstGeom>
-        </p:spPr>
-        <p:txBody>
-          <a:bodyPr>
-            <a:spAutoFit/>
-          </a:bodyPr>
-          <a:lstStyle/>
-          <a:p>
-            <a:pPr marL="285750" indent="-285750">
-              <a:buFont typeface="Arial" panose="020B0604020202020204" pitchFamily="34" charset="0"/>
-              <a:buChar char="•"/>
-            </a:pPr>
-            <a:r>
-              <a:rPr lang="ru-RU" dirty="0" smtClean="0"/>
-              <a:t>Декомпозиция</a:t>
-            </a:r>
-          </a:p>
-          <a:p>
-            <a:pPr marL="285750" indent="-285750">
-              <a:buFont typeface="Arial" panose="020B0604020202020204" pitchFamily="34" charset="0"/>
-              <a:buChar char="•"/>
-            </a:pPr>
-            <a:r>
-              <a:rPr lang="ru-RU" dirty="0" smtClean="0"/>
-              <a:t>Модульность - 1 метод делает 1 задачу</a:t>
-            </a:r>
-          </a:p>
-          <a:p>
-            <a:pPr marL="285750" indent="-285750">
-              <a:buFont typeface="Arial" panose="020B0604020202020204" pitchFamily="34" charset="0"/>
-              <a:buChar char="•"/>
-            </a:pPr>
-            <a:r>
-              <a:rPr lang="ru-RU" dirty="0" smtClean="0"/>
-              <a:t>Правильность выполнения</a:t>
-            </a:r>
-          </a:p>
-          <a:p>
-            <a:pPr marL="285750" indent="-285750">
-              <a:buFont typeface="Arial" panose="020B0604020202020204" pitchFamily="34" charset="0"/>
-              <a:buChar char="•"/>
-            </a:pPr>
-            <a:r>
-              <a:rPr lang="ru-RU" dirty="0" smtClean="0"/>
-              <a:t>Тестируемость</a:t>
-            </a:r>
-          </a:p>
-          <a:p>
-            <a:pPr marL="285750" indent="-285750">
-              <a:buFont typeface="Arial" panose="020B0604020202020204" pitchFamily="34" charset="0"/>
-              <a:buChar char="•"/>
-            </a:pPr>
-            <a:r>
-              <a:rPr lang="ru-RU" dirty="0" smtClean="0"/>
-              <a:t>Устойчивость - малые изменение спецификации -&gt; малые изменения кода</a:t>
-            </a:r>
-          </a:p>
-          <a:p>
-            <a:pPr marL="285750" indent="-285750">
-              <a:buFont typeface="Arial" panose="020B0604020202020204" pitchFamily="34" charset="0"/>
-              <a:buChar char="•"/>
-            </a:pPr>
-            <a:r>
-              <a:rPr lang="ru-RU" dirty="0" smtClean="0"/>
-              <a:t>Стилизованность - придерживаемся одного стиля оформления</a:t>
-            </a:r>
-          </a:p>
-          <a:p>
-            <a:pPr marL="285750" indent="-285750">
-              <a:buFont typeface="Arial" panose="020B0604020202020204" pitchFamily="34" charset="0"/>
-              <a:buChar char="•"/>
-            </a:pPr>
-            <a:r>
-              <a:rPr lang="ru-RU" dirty="0" smtClean="0"/>
-              <a:t>Читаемость - комментарии</a:t>
-            </a:r>
-          </a:p>
-          <a:p>
-            <a:pPr marL="285750" indent="-285750">
-              <a:buFont typeface="Arial" panose="020B0604020202020204" pitchFamily="34" charset="0"/>
-              <a:buChar char="•"/>
-            </a:pPr>
-            <a:r>
-              <a:rPr lang="ru-RU" dirty="0" smtClean="0"/>
-              <a:t>Универсальность</a:t>
-            </a:r>
-          </a:p>
-          <a:p>
-            <a:pPr marL="285750" indent="-285750">
-              <a:buFont typeface="Arial" panose="020B0604020202020204" pitchFamily="34" charset="0"/>
-              <a:buChar char="•"/>
-            </a:pPr>
-            <a:r>
-              <a:rPr lang="ru-RU" dirty="0" smtClean="0"/>
-              <a:t>Креативность</a:t>
-            </a:r>
-            <a:endParaRPr lang="ru-RU" dirty="0"/>
-          </a:p>
-        </p:txBody>
-      </p:sp>
-    </p:spTree>
-    <p:extLst>
-      <p:ext uri="{BB962C8B-B14F-4D97-AF65-F5344CB8AC3E}">
-        <p14:creationId xmlns:p14="http://schemas.microsoft.com/office/powerpoint/2010/main" val="1437711096"/>
-      </p:ext>
-    </p:extLst>
-  </p:cSld>
-  <p:clrMapOvr>
-    <a:masterClrMapping/>
-  </p:clrMapOvr>
-  <p:timing>
-    <p:tnLst>
-      <p:par>
-        <p:cTn id="1" dur="indefinite" restart="never" nodeType="tmRoot"/>
-      </p:par>
-    </p:tnLst>
-  </p:timing>
-</p:sld>
-</file>
-
-<file path=ppt/slides/slide31.xml><?xml version="1.0" encoding="utf-8"?>
 <p:sld xmlns:a="http://schemas.openxmlformats.org/drawingml/2006/main" xmlns:r="http://schemas.openxmlformats.org/officeDocument/2006/relationships" xmlns:p="http://schemas.openxmlformats.org/presentationml/2006/main">
   <p:cSld>
     <p:spTree>
@@ -6125,13 +5652,6 @@
   <p:clrMapOvr>
     <a:masterClrMapping/>
   </p:clrMapOvr>
-  <p:timing>
-    <p:tnLst>
-      <p:par>
-        <p:cTn id="1" dur="indefinite" restart="never" nodeType="tmRoot"/>
-      </p:par>
-    </p:tnLst>
-  </p:timing>
 </p:sld>
 </file>
 
@@ -6162,16 +5682,216 @@
             <p:ph type="title"/>
           </p:nvPr>
         </p:nvSpPr>
-        <p:spPr/>
-        <p:txBody>
-          <a:bodyPr/>
-          <a:lstStyle/>
-          <a:p>
-            <a:r>
-              <a:rPr lang="ru-RU" dirty="0" smtClean="0"/>
-              <a:t>Правила качественного программирования ООП</a:t>
-            </a:r>
-            <a:endParaRPr lang="ru-RU" dirty="0"/>
+        <p:spPr>
+          <a:xfrm>
+            <a:off x="78921" y="23394"/>
+            <a:ext cx="12020549" cy="1815882"/>
+          </a:xfrm>
+        </p:spPr>
+        <p:txBody>
+          <a:bodyPr>
+            <a:normAutofit/>
+          </a:bodyPr>
+          <a:lstStyle/>
+          <a:p>
+            <a:pPr algn="ctr"/>
+            <a:r>
+              <a:rPr lang="ru-RU" sz="4800" dirty="0"/>
+              <a:t>Правила качественного программирования</a:t>
+            </a:r>
+            <a:br>
+              <a:rPr lang="ru-RU" sz="4800" dirty="0"/>
+            </a:br>
+            <a:r>
+              <a:rPr lang="ru-RU" sz="4800" dirty="0"/>
+              <a:t>и принципы ООП</a:t>
+            </a:r>
+          </a:p>
+        </p:txBody>
+      </p:sp>
+      <p:sp>
+        <p:nvSpPr>
+          <p:cNvPr id="3" name="Прямоугольник 2">
+            <a:extLst>
+              <a:ext uri="{FF2B5EF4-FFF2-40B4-BE49-F238E27FC236}">
+                <a16:creationId xmlns:a16="http://schemas.microsoft.com/office/drawing/2014/main" id="{C53A0080-971A-4849-B7B4-78201BA5AE12}"/>
+              </a:ext>
+            </a:extLst>
+          </p:cNvPr>
+          <p:cNvSpPr/>
+          <p:nvPr/>
+        </p:nvSpPr>
+        <p:spPr>
+          <a:xfrm>
+            <a:off x="1613760" y="2085219"/>
+            <a:ext cx="6096000" cy="3970318"/>
+          </a:xfrm>
+          <a:prstGeom prst="rect">
+            <a:avLst/>
+          </a:prstGeom>
+        </p:spPr>
+        <p:txBody>
+          <a:bodyPr>
+            <a:spAutoFit/>
+          </a:bodyPr>
+          <a:lstStyle/>
+          <a:p>
+            <a:pPr marL="285750" indent="-285750">
+              <a:buFont typeface="Arial" panose="020B0604020202020204" pitchFamily="34" charset="0"/>
+              <a:buChar char="•"/>
+            </a:pPr>
+            <a:r>
+              <a:rPr lang="ru-RU" sz="2800" dirty="0"/>
+              <a:t>Декомпозиция</a:t>
+            </a:r>
+          </a:p>
+          <a:p>
+            <a:pPr marL="285750" indent="-285750">
+              <a:buFont typeface="Arial" panose="020B0604020202020204" pitchFamily="34" charset="0"/>
+              <a:buChar char="•"/>
+            </a:pPr>
+            <a:r>
+              <a:rPr lang="ru-RU" sz="2800" dirty="0"/>
+              <a:t>Модульность</a:t>
+            </a:r>
+          </a:p>
+          <a:p>
+            <a:pPr marL="285750" indent="-285750">
+              <a:buFont typeface="Arial" panose="020B0604020202020204" pitchFamily="34" charset="0"/>
+              <a:buChar char="•"/>
+            </a:pPr>
+            <a:r>
+              <a:rPr lang="ru-RU" sz="2800" dirty="0"/>
+              <a:t>Правильность выполнения</a:t>
+            </a:r>
+          </a:p>
+          <a:p>
+            <a:pPr marL="285750" indent="-285750">
+              <a:buFont typeface="Arial" panose="020B0604020202020204" pitchFamily="34" charset="0"/>
+              <a:buChar char="•"/>
+            </a:pPr>
+            <a:r>
+              <a:rPr lang="ru-RU" sz="2800" dirty="0"/>
+              <a:t>Тестируемость</a:t>
+            </a:r>
+          </a:p>
+          <a:p>
+            <a:pPr marL="285750" indent="-285750">
+              <a:buFont typeface="Arial" panose="020B0604020202020204" pitchFamily="34" charset="0"/>
+              <a:buChar char="•"/>
+            </a:pPr>
+            <a:r>
+              <a:rPr lang="ru-RU" sz="2800" dirty="0"/>
+              <a:t>Устойчивость </a:t>
+            </a:r>
+          </a:p>
+          <a:p>
+            <a:pPr marL="285750" indent="-285750">
+              <a:buFont typeface="Arial" panose="020B0604020202020204" pitchFamily="34" charset="0"/>
+              <a:buChar char="•"/>
+            </a:pPr>
+            <a:r>
+              <a:rPr lang="ru-RU" sz="2800" dirty="0"/>
+              <a:t>Стилизованность</a:t>
+            </a:r>
+          </a:p>
+          <a:p>
+            <a:pPr marL="285750" indent="-285750">
+              <a:buFont typeface="Arial" panose="020B0604020202020204" pitchFamily="34" charset="0"/>
+              <a:buChar char="•"/>
+            </a:pPr>
+            <a:r>
+              <a:rPr lang="ru-RU" sz="2800" dirty="0"/>
+              <a:t>Читаемость</a:t>
+            </a:r>
+          </a:p>
+          <a:p>
+            <a:pPr marL="285750" indent="-285750">
+              <a:buFont typeface="Arial" panose="020B0604020202020204" pitchFamily="34" charset="0"/>
+              <a:buChar char="•"/>
+            </a:pPr>
+            <a:r>
+              <a:rPr lang="ru-RU" sz="2800" dirty="0"/>
+              <a:t>Универсальность</a:t>
+            </a:r>
+          </a:p>
+          <a:p>
+            <a:pPr marL="285750" indent="-285750">
+              <a:buFont typeface="Arial" panose="020B0604020202020204" pitchFamily="34" charset="0"/>
+              <a:buChar char="•"/>
+            </a:pPr>
+            <a:r>
+              <a:rPr lang="ru-RU" sz="2800" dirty="0"/>
+              <a:t>Креативность</a:t>
+            </a:r>
+          </a:p>
+        </p:txBody>
+      </p:sp>
+      <p:sp>
+        <p:nvSpPr>
+          <p:cNvPr id="4" name="Прямоугольник 3">
+            <a:extLst>
+              <a:ext uri="{FF2B5EF4-FFF2-40B4-BE49-F238E27FC236}">
+                <a16:creationId xmlns:a16="http://schemas.microsoft.com/office/drawing/2014/main" id="{D703FACC-6B90-4590-A0AF-24A131AD3FCC}"/>
+              </a:ext>
+            </a:extLst>
+          </p:cNvPr>
+          <p:cNvSpPr/>
+          <p:nvPr/>
+        </p:nvSpPr>
+        <p:spPr>
+          <a:xfrm>
+            <a:off x="7149193" y="2085218"/>
+            <a:ext cx="6096000" cy="1815882"/>
+          </a:xfrm>
+          <a:prstGeom prst="rect">
+            <a:avLst/>
+          </a:prstGeom>
+        </p:spPr>
+        <p:txBody>
+          <a:bodyPr>
+            <a:spAutoFit/>
+          </a:bodyPr>
+          <a:lstStyle/>
+          <a:p>
+            <a:pPr marL="285750" indent="-285750">
+              <a:buFont typeface="Arial" panose="020B0604020202020204" pitchFamily="34" charset="0"/>
+              <a:buChar char="•"/>
+            </a:pPr>
+            <a:r>
+              <a:rPr lang="ru-RU" sz="2800" dirty="0"/>
+              <a:t>Абстракция</a:t>
+            </a:r>
+          </a:p>
+          <a:p>
+            <a:pPr marL="285750" indent="-285750">
+              <a:buFont typeface="Arial" panose="020B0604020202020204" pitchFamily="34" charset="0"/>
+              <a:buChar char="•"/>
+            </a:pPr>
+            <a:r>
+              <a:rPr lang="ru-RU" sz="2800" dirty="0"/>
+              <a:t>Наследование</a:t>
+            </a:r>
+          </a:p>
+          <a:p>
+            <a:pPr marL="285750" indent="-285750">
+              <a:buFont typeface="Arial" panose="020B0604020202020204" pitchFamily="34" charset="0"/>
+              <a:buChar char="•"/>
+            </a:pPr>
+            <a:r>
+              <a:rPr lang="ru-RU" sz="2800" dirty="0"/>
+              <a:t>Полиморфизм</a:t>
+            </a:r>
+          </a:p>
+          <a:p>
+            <a:pPr marL="285750" indent="-285750">
+              <a:buFont typeface="Arial" panose="020B0604020202020204" pitchFamily="34" charset="0"/>
+              <a:buChar char="•"/>
+            </a:pPr>
+            <a:r>
+              <a:rPr lang="ru-RU" sz="2800" dirty="0"/>
+              <a:t>Инкапсуляция</a:t>
+            </a:r>
           </a:p>
         </p:txBody>
       </p:sp>
@@ -6221,15 +5941,15 @@
           <a:lstStyle/>
           <a:p>
             <a:r>
-              <a:rPr lang="ru-RU" dirty="0" smtClean="0"/>
+              <a:rPr lang="ru-RU" dirty="0"/>
               <a:t>Структура решения</a:t>
             </a:r>
             <a:r>
-              <a:rPr lang="en-US" dirty="0" smtClean="0"/>
+              <a:rPr lang="en-US" dirty="0"/>
               <a:t> </a:t>
             </a:r>
             <a:r>
-              <a:rPr lang="en-US" dirty="0" err="1" smtClean="0"/>
+              <a:rPr lang="en-US" dirty="0" err="1"/>
               <a:t>VisualStudio</a:t>
             </a:r>
             <a:endParaRPr lang="ru-RU" dirty="0"/>
@@ -6259,10 +5979,9 @@
           <a:lstStyle/>
           <a:p>
             <a:r>
-              <a:rPr lang="ru-RU" sz="2400" dirty="0" smtClean="0"/>
+              <a:rPr lang="ru-RU" sz="2400" dirty="0"/>
               <a:t>Библиотека классов</a:t>
             </a:r>
-            <a:endParaRPr lang="ru-RU" sz="2400" dirty="0"/>
           </a:p>
         </p:txBody>
       </p:sp>
@@ -6275,7 +5994,7 @@
         <p:spPr>
           <a:xfrm>
             <a:off x="838200" y="2327305"/>
-            <a:ext cx="4247606" cy="3416320"/>
+            <a:ext cx="4247606" cy="2308324"/>
           </a:xfrm>
           <a:prstGeom prst="rect">
             <a:avLst/>
@@ -6293,14 +6012,14 @@
               <a:buChar char="•"/>
             </a:pPr>
             <a:r>
-              <a:rPr lang="ru-RU" dirty="0" smtClean="0"/>
+              <a:rPr lang="ru-RU" dirty="0"/>
               <a:t>Пространство имен </a:t>
             </a:r>
             <a:r>
-              <a:rPr lang="en-US" dirty="0" err="1" smtClean="0"/>
-              <a:t>TimelonCL</a:t>
-            </a:r>
-            <a:endParaRPr lang="ru-RU" dirty="0" smtClean="0"/>
+              <a:rPr lang="en-US" dirty="0"/>
+              <a:t>Timelon</a:t>
+            </a:r>
+            <a:endParaRPr lang="ru-RU" dirty="0"/>
           </a:p>
           <a:p>
             <a:pPr marL="742950" lvl="1" indent="-285750">
@@ -6309,11 +6028,11 @@
               <a:buChar char="§"/>
             </a:pPr>
             <a:r>
-              <a:rPr lang="ru-RU" dirty="0" smtClean="0"/>
+              <a:rPr lang="ru-RU" dirty="0"/>
               <a:t>Класс </a:t>
             </a:r>
             <a:r>
-              <a:rPr lang="en-US" dirty="0" smtClean="0"/>
+              <a:rPr lang="en-US" dirty="0"/>
               <a:t>Manager</a:t>
             </a:r>
           </a:p>
@@ -6323,14 +6042,14 @@
               <a:buChar char="•"/>
             </a:pPr>
             <a:r>
-              <a:rPr lang="ru-RU" dirty="0" smtClean="0"/>
+              <a:rPr lang="ru-RU" dirty="0"/>
               <a:t>Пространство имен </a:t>
             </a:r>
             <a:r>
-              <a:rPr lang="en-US" dirty="0" err="1" smtClean="0"/>
-              <a:t>TimelonCl.Data</a:t>
-            </a:r>
-            <a:endParaRPr lang="ru-RU" dirty="0" smtClean="0"/>
+              <a:rPr lang="en-US" dirty="0" err="1"/>
+              <a:t>Timelon.Data</a:t>
+            </a:r>
+            <a:endParaRPr lang="ru-RU" dirty="0"/>
           </a:p>
           <a:p>
             <a:pPr marL="800100" lvl="1" indent="-342900">
@@ -6343,10 +6062,10 @@
               <a:t>Абстрактный класс </a:t>
             </a:r>
             <a:r>
-              <a:rPr lang="en-US" dirty="0" smtClean="0"/>
+              <a:rPr lang="en-US" dirty="0"/>
               <a:t>Unique</a:t>
             </a:r>
-            <a:endParaRPr lang="ru-RU" dirty="0" smtClean="0"/>
+            <a:endParaRPr lang="ru-RU" dirty="0"/>
           </a:p>
           <a:p>
             <a:pPr marL="800100" lvl="1" indent="-342900">
@@ -6359,10 +6078,10 @@
               <a:t>Абстрактный класс </a:t>
             </a:r>
             <a:r>
-              <a:rPr lang="en-US" dirty="0" err="1" smtClean="0"/>
+              <a:rPr lang="en-US" dirty="0" err="1"/>
               <a:t>DataContainer</a:t>
             </a:r>
-            <a:endParaRPr lang="ru-RU" dirty="0" smtClean="0"/>
+            <a:endParaRPr lang="ru-RU" dirty="0"/>
           </a:p>
           <a:p>
             <a:pPr marL="800100" lvl="1" indent="-342900">
@@ -6375,10 +6094,10 @@
               <a:t>Класс </a:t>
             </a:r>
             <a:r>
-              <a:rPr lang="en-US" dirty="0" err="1" smtClean="0"/>
-              <a:t>DateTimeContainerData</a:t>
-            </a:r>
-            <a:endParaRPr lang="ru-RU" dirty="0" smtClean="0"/>
+              <a:rPr lang="en-US" dirty="0"/>
+              <a:t>Card</a:t>
+            </a:r>
+            <a:endParaRPr lang="ru-RU" dirty="0"/>
           </a:p>
           <a:p>
             <a:pPr marL="800100" lvl="1" indent="-342900">
@@ -6391,74 +6110,10 @@
               <a:t>Класс </a:t>
             </a:r>
             <a:r>
-              <a:rPr lang="en-US" dirty="0" err="1" smtClean="0"/>
-              <a:t>CardData</a:t>
-            </a:r>
-            <a:endParaRPr lang="ru-RU" dirty="0" smtClean="0"/>
-          </a:p>
-          <a:p>
-            <a:pPr marL="800100" lvl="1" indent="-342900">
-              <a:buSzPct val="80000"/>
-              <a:buFont typeface="Wingdings" panose="05000000000000000000" pitchFamily="2" charset="2"/>
-              <a:buChar char="§"/>
-            </a:pPr>
-            <a:r>
-              <a:rPr lang="ru-RU" dirty="0"/>
-              <a:t>Класс </a:t>
-            </a:r>
-            <a:r>
-              <a:rPr lang="en-US" dirty="0" err="1" smtClean="0"/>
-              <a:t>CardListData</a:t>
-            </a:r>
-            <a:endParaRPr lang="ru-RU" dirty="0" smtClean="0"/>
-          </a:p>
-          <a:p>
-            <a:pPr marL="800100" lvl="1" indent="-342900">
-              <a:buSzPct val="80000"/>
-              <a:buFont typeface="Wingdings" panose="05000000000000000000" pitchFamily="2" charset="2"/>
-              <a:buChar char="§"/>
-            </a:pPr>
-            <a:r>
-              <a:rPr lang="ru-RU" dirty="0"/>
-              <a:t>Класс </a:t>
-            </a:r>
-            <a:r>
-              <a:rPr lang="en-US" dirty="0" err="1" smtClean="0"/>
-              <a:t>DateTimeContainer</a:t>
-            </a:r>
-            <a:endParaRPr lang="ru-RU" dirty="0" smtClean="0"/>
-          </a:p>
-          <a:p>
-            <a:pPr marL="800100" lvl="1" indent="-342900">
-              <a:buSzPct val="80000"/>
-              <a:buFont typeface="Wingdings" panose="05000000000000000000" pitchFamily="2" charset="2"/>
-              <a:buChar char="§"/>
-            </a:pPr>
-            <a:r>
-              <a:rPr lang="ru-RU" dirty="0"/>
-              <a:t>Класс </a:t>
-            </a:r>
-            <a:r>
-              <a:rPr lang="en-US" dirty="0" smtClean="0"/>
-              <a:t>Card</a:t>
-            </a:r>
-            <a:endParaRPr lang="ru-RU" dirty="0" smtClean="0"/>
-          </a:p>
-          <a:p>
-            <a:pPr marL="800100" lvl="1" indent="-342900">
-              <a:buSzPct val="80000"/>
-              <a:buFont typeface="Wingdings" panose="05000000000000000000" pitchFamily="2" charset="2"/>
-              <a:buChar char="§"/>
-            </a:pPr>
-            <a:r>
-              <a:rPr lang="ru-RU" dirty="0"/>
-              <a:t>Класс </a:t>
-            </a:r>
-            <a:r>
-              <a:rPr lang="en-US" dirty="0" err="1" smtClean="0"/>
+              <a:rPr lang="en-US" dirty="0" err="1"/>
               <a:t>CardList</a:t>
             </a:r>
-            <a:endParaRPr lang="en-US" dirty="0" smtClean="0"/>
+            <a:endParaRPr lang="en-US" dirty="0"/>
           </a:p>
           <a:p>
             <a:pPr marL="285750" indent="-285750">
@@ -6492,10 +6147,9 @@
           <a:lstStyle/>
           <a:p>
             <a:r>
-              <a:rPr lang="ru-RU" sz="2400" dirty="0" smtClean="0"/>
+              <a:rPr lang="ru-RU" sz="2400" dirty="0"/>
               <a:t>Пользовательский интерфейс</a:t>
             </a:r>
-            <a:endParaRPr lang="ru-RU" sz="2400" dirty="0"/>
           </a:p>
         </p:txBody>
       </p:sp>
@@ -6526,15 +6180,15 @@
               <a:buChar char="•"/>
             </a:pPr>
             <a:r>
-              <a:rPr lang="en-US" dirty="0" smtClean="0"/>
+              <a:rPr lang="en-US" dirty="0"/>
               <a:t>WPF </a:t>
             </a:r>
             <a:r>
-              <a:rPr lang="ru-RU" dirty="0" smtClean="0"/>
+              <a:rPr lang="ru-RU" dirty="0"/>
               <a:t>и </a:t>
             </a:r>
             <a:r>
-              <a:rPr lang="en-US" dirty="0" smtClean="0"/>
+              <a:rPr lang="en-US" dirty="0"/>
               <a:t>XAML</a:t>
             </a:r>
           </a:p>
@@ -6545,11 +6199,11 @@
               <a:buChar char="§"/>
             </a:pPr>
             <a:r>
-              <a:rPr lang="ru-RU" dirty="0" smtClean="0"/>
+              <a:rPr lang="ru-RU" dirty="0"/>
               <a:t>Паттерн </a:t>
             </a:r>
             <a:r>
-              <a:rPr lang="en-US" dirty="0" smtClean="0"/>
+              <a:rPr lang="en-US" dirty="0"/>
               <a:t>MVVM</a:t>
             </a:r>
           </a:p>
@@ -6560,14 +6214,14 @@
               <a:buChar char="§"/>
             </a:pPr>
             <a:r>
-              <a:rPr lang="ru-RU" dirty="0" smtClean="0"/>
+              <a:rPr lang="ru-RU" dirty="0"/>
               <a:t>Класс </a:t>
             </a:r>
             <a:r>
-              <a:rPr lang="en-US" dirty="0" err="1" smtClean="0"/>
+              <a:rPr lang="en-US" dirty="0" err="1"/>
               <a:t>ApplicationViewModel</a:t>
             </a:r>
-            <a:endParaRPr lang="ru-RU" dirty="0" smtClean="0"/>
+            <a:endParaRPr lang="ru-RU" dirty="0"/>
           </a:p>
           <a:p>
             <a:pPr marL="742950" lvl="1" indent="-285750">
@@ -6576,36 +6230,26 @@
               <a:buChar char="§"/>
             </a:pPr>
             <a:r>
-              <a:rPr lang="ru-RU" dirty="0" smtClean="0"/>
+              <a:rPr lang="ru-RU" dirty="0"/>
               <a:t>Класс </a:t>
             </a:r>
             <a:r>
-              <a:rPr lang="en-US" dirty="0" err="1" smtClean="0"/>
-              <a:t>RelyCommand</a:t>
-            </a:r>
-            <a:endParaRPr lang="ru-RU" dirty="0" smtClean="0"/>
-          </a:p>
-          <a:p>
-            <a:pPr marL="285750" indent="-285750">
-              <a:buFont typeface="Arial" panose="020B0604020202020204" pitchFamily="34" charset="0"/>
-              <a:buChar char="•"/>
-            </a:pPr>
-            <a:r>
-              <a:rPr lang="ru-RU" dirty="0"/>
-              <a:t>Деление </a:t>
-            </a:r>
-            <a:r>
-              <a:rPr lang="ru-RU" dirty="0" smtClean="0"/>
-              <a:t>на </a:t>
-            </a:r>
-            <a:r>
-              <a:rPr lang="ru-RU" dirty="0" err="1" smtClean="0"/>
-              <a:t>функционлаьные</a:t>
-            </a:r>
-            <a:r>
-              <a:rPr lang="ru-RU" dirty="0" smtClean="0"/>
-              <a:t> блоки</a:t>
-            </a:r>
+              <a:rPr lang="en-US" dirty="0" err="1"/>
+              <a:t>RelayCommand</a:t>
+            </a:r>
+            <a:endParaRPr lang="en-US" dirty="0"/>
+          </a:p>
+          <a:p>
+            <a:pPr marL="742950" lvl="1" indent="-285750">
+              <a:buSzPct val="80000"/>
+              <a:buFont typeface="Wingdings" panose="05000000000000000000" pitchFamily="2" charset="2"/>
+              <a:buChar char="§"/>
+            </a:pPr>
+            <a:r>
+              <a:rPr lang="en-US" dirty="0" err="1"/>
+              <a:t>MainWindow.xaml</a:t>
+            </a:r>
+            <a:endParaRPr lang="ru-RU" dirty="0"/>
           </a:p>
         </p:txBody>
       </p:sp>
@@ -6617,7 +6261,7 @@
         </p:nvSpPr>
         <p:spPr>
           <a:xfrm>
-            <a:off x="6008914" y="3795508"/>
+            <a:off x="6008914" y="4173964"/>
             <a:ext cx="3831771" cy="461665"/>
           </a:xfrm>
           <a:prstGeom prst="rect">
@@ -6632,10 +6276,9 @@
           <a:lstStyle/>
           <a:p>
             <a:r>
-              <a:rPr lang="ru-RU" sz="2400" dirty="0" smtClean="0"/>
+              <a:rPr lang="ru-RU" sz="2400" dirty="0"/>
               <a:t>Тестирование</a:t>
             </a:r>
-            <a:endParaRPr lang="ru-RU" sz="2400" dirty="0"/>
           </a:p>
         </p:txBody>
       </p:sp>
@@ -6647,8 +6290,8 @@
         </p:nvSpPr>
         <p:spPr>
           <a:xfrm>
-            <a:off x="6008914" y="4257173"/>
-            <a:ext cx="3631475" cy="1200329"/>
+            <a:off x="6008914" y="4635629"/>
+            <a:ext cx="3631475" cy="646331"/>
           </a:xfrm>
           <a:prstGeom prst="rect">
             <a:avLst/>
@@ -6666,14 +6309,10 @@
               <a:buChar char="•"/>
             </a:pPr>
             <a:r>
-              <a:rPr lang="ru-RU" dirty="0" smtClean="0"/>
-              <a:t>Консольный проект </a:t>
-            </a:r>
-            <a:r>
-              <a:rPr lang="en-US" dirty="0" err="1" smtClean="0"/>
-              <a:t>ConsoleTest.cs</a:t>
-            </a:r>
-            <a:endParaRPr lang="ru-RU" dirty="0" smtClean="0"/>
+              <a:rPr lang="ru-RU" dirty="0"/>
+              <a:t>Интеграционные тесты</a:t>
+            </a:r>
+            <a:endParaRPr lang="en-US" dirty="0"/>
           </a:p>
           <a:p>
             <a:pPr marL="285750" indent="-285750">
@@ -6681,25 +6320,13 @@
               <a:buChar char="•"/>
             </a:pPr>
             <a:r>
-              <a:rPr lang="ru-RU" dirty="0" err="1" smtClean="0"/>
-              <a:t>Рандомайзер</a:t>
-            </a:r>
-            <a:endParaRPr lang="en-US" dirty="0" smtClean="0"/>
-          </a:p>
-          <a:p>
-            <a:pPr marL="285750" indent="-285750">
-              <a:buFont typeface="Arial" panose="020B0604020202020204" pitchFamily="34" charset="0"/>
-              <a:buChar char="•"/>
-            </a:pPr>
-            <a:r>
-              <a:rPr lang="en-US" dirty="0" smtClean="0"/>
+              <a:rPr lang="en-US" dirty="0"/>
               <a:t>Unit </a:t>
             </a:r>
             <a:r>
-              <a:rPr lang="ru-RU" dirty="0" smtClean="0"/>
+              <a:rPr lang="ru-RU" dirty="0"/>
               <a:t>тесты</a:t>
             </a:r>
-            <a:endParaRPr lang="ru-RU" dirty="0"/>
           </a:p>
         </p:txBody>
       </p:sp>
@@ -6713,13 +6340,6 @@
   <p:clrMapOvr>
     <a:masterClrMapping/>
   </p:clrMapOvr>
-  <p:timing>
-    <p:tnLst>
-      <p:par>
-        <p:cTn id="1" dur="indefinite" restart="never" nodeType="tmRoot"/>
-      </p:par>
-    </p:tnLst>
-  </p:timing>
 </p:sld>
 </file>
 
@@ -6756,10 +6376,9 @@
           <a:lstStyle/>
           <a:p>
             <a:r>
-              <a:rPr lang="ru-RU" dirty="0" smtClean="0"/>
+              <a:rPr lang="ru-RU" dirty="0"/>
               <a:t>Работа с пользователем</a:t>
             </a:r>
-            <a:endParaRPr lang="ru-RU" dirty="0"/>
           </a:p>
         </p:txBody>
       </p:sp>
@@ -6809,10 +6428,9 @@
           <a:lstStyle/>
           <a:p>
             <a:r>
-              <a:rPr lang="ru-RU" dirty="0" smtClean="0"/>
+              <a:rPr lang="ru-RU" dirty="0"/>
               <a:t>Внешний вид программы</a:t>
             </a:r>
-            <a:endParaRPr lang="ru-RU" dirty="0"/>
           </a:p>
         </p:txBody>
       </p:sp>
@@ -6862,10 +6480,9 @@
           <a:lstStyle/>
           <a:p>
             <a:r>
-              <a:rPr lang="ru-RU" dirty="0" smtClean="0"/>
+              <a:rPr lang="ru-RU" dirty="0"/>
               <a:t>Быстродействие</a:t>
             </a:r>
-            <a:endParaRPr lang="ru-RU" dirty="0"/>
           </a:p>
         </p:txBody>
       </p:sp>
@@ -6915,10 +6532,9 @@
           <a:lstStyle/>
           <a:p>
             <a:r>
-              <a:rPr lang="ru-RU" dirty="0" smtClean="0"/>
+              <a:rPr lang="ru-RU" dirty="0"/>
               <a:t>Сохранение данных</a:t>
             </a:r>
-            <a:endParaRPr lang="ru-RU" dirty="0"/>
           </a:p>
         </p:txBody>
       </p:sp>

--- a/docs/Timelon.pptx
+++ b/docs/Timelon.pptx
@@ -24,17 +24,18 @@
     <p:sldId id="261" r:id="rId18"/>
     <p:sldId id="267" r:id="rId19"/>
     <p:sldId id="268" r:id="rId20"/>
-    <p:sldId id="269" r:id="rId21"/>
-    <p:sldId id="263" r:id="rId22"/>
-    <p:sldId id="282" r:id="rId23"/>
-    <p:sldId id="283" r:id="rId24"/>
-    <p:sldId id="284" r:id="rId25"/>
-    <p:sldId id="285" r:id="rId26"/>
-    <p:sldId id="286" r:id="rId27"/>
-    <p:sldId id="288" r:id="rId28"/>
-    <p:sldId id="289" r:id="rId29"/>
-    <p:sldId id="264" r:id="rId30"/>
-    <p:sldId id="266" r:id="rId31"/>
+    <p:sldId id="290" r:id="rId21"/>
+    <p:sldId id="269" r:id="rId22"/>
+    <p:sldId id="263" r:id="rId23"/>
+    <p:sldId id="282" r:id="rId24"/>
+    <p:sldId id="283" r:id="rId25"/>
+    <p:sldId id="284" r:id="rId26"/>
+    <p:sldId id="285" r:id="rId27"/>
+    <p:sldId id="286" r:id="rId28"/>
+    <p:sldId id="288" r:id="rId29"/>
+    <p:sldId id="289" r:id="rId30"/>
+    <p:sldId id="264" r:id="rId31"/>
+    <p:sldId id="266" r:id="rId32"/>
   </p:sldIdLst>
   <p:sldSz cx="12192000" cy="6858000"/>
   <p:notesSz cx="6858000" cy="9144000"/>
@@ -3429,17 +3430,17 @@
           <a:p>
             <a:pPr algn="just"/>
             <a:r>
-              <a:rPr lang="ru-RU" dirty="0"/>
-              <a:t>Класс Менеджер содержит в себе сортированный список всех объектов </a:t>
-            </a:r>
-            <a:r>
               <a:rPr lang="ru-RU" dirty="0" err="1"/>
-              <a:t>CardList</a:t>
-            </a:r>
-            <a:r>
-              <a:rPr lang="ru-RU" dirty="0"/>
-              <a:t> и базовые методы работы с ним, такие как:</a:t>
-            </a:r>
+              <a:t>Manager</a:t>
+            </a:r>
+            <a:r>
+              <a:rPr lang="ru-RU" dirty="0"/>
+              <a:t> (Менеджер). Отвечает за сохранение и загрузку данных, а также хранение объектов, полученных из этих данных (Следует иметь ввиду, что при использовании Менеджера в своих решениях, желательно инициализировать экземпляр класса как можно раньше, если он не был инициализирован до этого.)</a:t>
+            </a:r>
+          </a:p>
+          <a:p>
+            <a:pPr algn="just"/>
+            <a:endParaRPr lang="ru-RU" dirty="0"/>
           </a:p>
           <a:p>
             <a:pPr marL="285750" indent="-285750" algn="just">
@@ -3447,12 +3448,16 @@
               <a:buChar char="•"/>
             </a:pPr>
             <a:r>
-              <a:rPr lang="ru-RU" dirty="0" err="1"/>
+              <a:rPr lang="ru-RU" dirty="0" err="1" smtClean="0"/>
               <a:t>GetList</a:t>
             </a:r>
             <a:r>
-              <a:rPr lang="ru-RU" dirty="0"/>
-              <a:t> (Получение списка)</a:t>
+              <a:rPr lang="ru-RU" dirty="0" smtClean="0"/>
+              <a:t> </a:t>
+            </a:r>
+            <a:r>
+              <a:rPr lang="ru-RU" dirty="0"/>
+              <a:t>(Получение списка)</a:t>
             </a:r>
           </a:p>
           <a:p>
@@ -3461,12 +3466,16 @@
               <a:buChar char="•"/>
             </a:pPr>
             <a:r>
-              <a:rPr lang="ru-RU" dirty="0" err="1"/>
+              <a:rPr lang="ru-RU" dirty="0" err="1" smtClean="0"/>
               <a:t>SetList</a:t>
             </a:r>
             <a:r>
-              <a:rPr lang="ru-RU" dirty="0"/>
-              <a:t> (Вставка Списка)</a:t>
+              <a:rPr lang="ru-RU" dirty="0" smtClean="0"/>
+              <a:t> </a:t>
+            </a:r>
+            <a:r>
+              <a:rPr lang="ru-RU" dirty="0"/>
+              <a:t>(Вставка Списка)</a:t>
             </a:r>
           </a:p>
           <a:p>
@@ -3475,12 +3484,16 @@
               <a:buChar char="•"/>
             </a:pPr>
             <a:r>
-              <a:rPr lang="ru-RU" dirty="0" err="1"/>
+              <a:rPr lang="ru-RU" dirty="0" err="1" smtClean="0"/>
               <a:t>RemoveList</a:t>
             </a:r>
             <a:r>
-              <a:rPr lang="ru-RU" dirty="0"/>
-              <a:t> (Удаление Списка)</a:t>
+              <a:rPr lang="ru-RU" dirty="0" smtClean="0"/>
+              <a:t> </a:t>
+            </a:r>
+            <a:r>
+              <a:rPr lang="ru-RU" dirty="0"/>
+              <a:t>(Удаление Списка)</a:t>
             </a:r>
           </a:p>
           <a:p>
@@ -3489,13 +3502,37 @@
               <a:buChar char="•"/>
             </a:pPr>
             <a:r>
-              <a:rPr lang="ru-RU" dirty="0" err="1"/>
+              <a:rPr lang="ru-RU" dirty="0" err="1" smtClean="0"/>
               <a:t>ContainsList</a:t>
             </a:r>
             <a:r>
-              <a:rPr lang="ru-RU" dirty="0"/>
-              <a:t> (Проверка на существование Списка)</a:t>
-            </a:r>
+              <a:rPr lang="ru-RU" dirty="0" smtClean="0"/>
+              <a:t> </a:t>
+            </a:r>
+            <a:r>
+              <a:rPr lang="ru-RU" dirty="0"/>
+              <a:t>(Проверка на существование Списка)</a:t>
+            </a:r>
+          </a:p>
+          <a:p>
+            <a:pPr algn="just"/>
+            <a:endParaRPr lang="en-US" dirty="0" smtClean="0"/>
+          </a:p>
+          <a:p>
+            <a:pPr algn="just"/>
+            <a:r>
+              <a:rPr lang="ru-RU" dirty="0" smtClean="0"/>
+              <a:t>Работа </a:t>
+            </a:r>
+            <a:r>
+              <a:rPr lang="ru-RU" dirty="0"/>
+              <a:t>с данными (XML</a:t>
+            </a:r>
+            <a:r>
+              <a:rPr lang="ru-RU" dirty="0" smtClean="0"/>
+              <a:t>):</a:t>
+            </a:r>
+            <a:endParaRPr lang="ru-RU" dirty="0"/>
           </a:p>
           <a:p>
             <a:pPr marL="285750" indent="-285750" algn="just">
@@ -3503,70 +3540,22 @@
               <a:buChar char="•"/>
             </a:pPr>
             <a:r>
-              <a:rPr lang="ru-RU" dirty="0" err="1"/>
-              <a:t>SearchByContent</a:t>
-            </a:r>
-            <a:r>
-              <a:rPr lang="ru-RU" dirty="0"/>
-              <a:t> (Поиск по контенту во всех Списках)</a:t>
-            </a:r>
-          </a:p>
-          <a:p>
-            <a:pPr marL="285750" indent="-285750" algn="just">
-              <a:buFont typeface="Arial" panose="020B0604020202020204" pitchFamily="34" charset="0"/>
-              <a:buChar char="•"/>
-            </a:pPr>
-            <a:r>
-              <a:rPr lang="ru-RU" dirty="0" err="1"/>
-              <a:t>InjectEssentials</a:t>
-            </a:r>
-            <a:r>
-              <a:rPr lang="ru-RU" dirty="0"/>
-              <a:t> (Внедрить закрепленные Списки)</a:t>
-            </a:r>
-            <a:endParaRPr lang="en-US" dirty="0"/>
-          </a:p>
-          <a:p>
-            <a:pPr marL="285750" indent="-285750" algn="just">
-              <a:buFont typeface="Arial" panose="020B0604020202020204" pitchFamily="34" charset="0"/>
-              <a:buChar char="•"/>
-            </a:pPr>
-            <a:endParaRPr lang="en-US" dirty="0"/>
-          </a:p>
-          <a:p>
-            <a:pPr algn="just"/>
-            <a:r>
-              <a:rPr lang="ru-RU" dirty="0"/>
-              <a:t>Также в классе реализованы методы работы с данными:</a:t>
-            </a:r>
-          </a:p>
-          <a:p>
-            <a:pPr marL="285750" indent="-285750" algn="just">
-              <a:buFont typeface="Arial" panose="020B0604020202020204" pitchFamily="34" charset="0"/>
-              <a:buChar char="•"/>
-            </a:pPr>
-            <a:r>
-              <a:rPr lang="ru-RU" dirty="0" err="1"/>
-              <a:t>Sync</a:t>
-            </a:r>
-            <a:r>
-              <a:rPr lang="ru-RU" dirty="0"/>
-              <a:t> (Сохранить данные в файл)  </a:t>
-            </a:r>
-          </a:p>
-          <a:p>
-            <a:pPr marL="285750" indent="-285750" algn="just">
-              <a:buFont typeface="Arial" panose="020B0604020202020204" pitchFamily="34" charset="0"/>
-              <a:buChar char="•"/>
-            </a:pPr>
-            <a:r>
-              <a:rPr lang="ru-RU" dirty="0" err="1"/>
-              <a:t>Load</a:t>
-            </a:r>
-            <a:r>
-              <a:rPr lang="ru-RU" dirty="0"/>
-              <a:t> (Загрузить данные из файла)</a:t>
-            </a:r>
+              <a:rPr lang="ru-RU" dirty="0" smtClean="0"/>
+              <a:t>-</a:t>
+            </a:r>
+            <a:r>
+              <a:rPr lang="ru-RU" dirty="0" err="1" smtClean="0"/>
+              <a:t>SaveData</a:t>
+            </a:r>
+            <a:r>
+              <a:rPr lang="ru-RU" dirty="0" smtClean="0"/>
+              <a:t> </a:t>
+            </a:r>
+            <a:r>
+              <a:rPr lang="ru-RU" dirty="0"/>
+              <a:t>(Сохранить данные в файл)</a:t>
+            </a:r>
+            <a:endParaRPr lang="ru-RU" dirty="0"/>
           </a:p>
         </p:txBody>
       </p:sp>
@@ -3665,71 +3654,20 @@
       </p:sp>
       <p:sp>
         <p:nvSpPr>
-          <p:cNvPr id="4" name="Прямоугольник 3"/>
+          <p:cNvPr id="5" name="Прямоугольник 4"/>
           <p:cNvSpPr/>
           <p:nvPr/>
         </p:nvSpPr>
         <p:spPr>
           <a:xfrm>
-            <a:off x="838200" y="1321356"/>
-            <a:ext cx="7759560" cy="584775"/>
+            <a:off x="742406" y="1657079"/>
+            <a:ext cx="9986555" cy="3970318"/>
           </a:xfrm>
           <a:prstGeom prst="rect">
             <a:avLst/>
           </a:prstGeom>
         </p:spPr>
         <p:txBody>
-          <a:bodyPr wrap="none">
-            <a:spAutoFit/>
-          </a:bodyPr>
-          <a:lstStyle/>
-          <a:p>
-            <a:r>
-              <a:rPr lang="ru-RU" sz="3200" dirty="0">
-                <a:latin typeface="+mj-lt"/>
-              </a:rPr>
-              <a:t>Абстрактные классы </a:t>
-            </a:r>
-            <a:r>
-              <a:rPr lang="en-US" sz="3200" dirty="0">
-                <a:latin typeface="+mj-lt"/>
-              </a:rPr>
-              <a:t>Unique</a:t>
-            </a:r>
-            <a:r>
-              <a:rPr lang="ru-RU" sz="3200" dirty="0">
-                <a:latin typeface="+mj-lt"/>
-              </a:rPr>
-              <a:t> и </a:t>
-            </a:r>
-            <a:r>
-              <a:rPr lang="en-US" sz="3200" dirty="0" err="1">
-                <a:latin typeface="+mj-lt"/>
-              </a:rPr>
-              <a:t>DataContainer</a:t>
-            </a:r>
-            <a:endParaRPr lang="en-US" sz="3200" dirty="0">
-              <a:latin typeface="+mj-lt"/>
-            </a:endParaRPr>
-          </a:p>
-        </p:txBody>
-      </p:sp>
-      <p:sp>
-        <p:nvSpPr>
-          <p:cNvPr id="5" name="Прямоугольник 4"/>
-          <p:cNvSpPr/>
-          <p:nvPr/>
-        </p:nvSpPr>
-        <p:spPr>
-          <a:xfrm>
-            <a:off x="838199" y="2156774"/>
-            <a:ext cx="9986555" cy="3416320"/>
-          </a:xfrm>
-          <a:prstGeom prst="rect">
-            <a:avLst/>
-          </a:prstGeom>
-        </p:spPr>
-        <p:txBody>
           <a:bodyPr wrap="square">
             <a:spAutoFit/>
           </a:bodyPr>
@@ -3738,17 +3676,24 @@
             <a:pPr algn="just"/>
             <a:r>
               <a:rPr lang="ru-RU" dirty="0"/>
-              <a:t>Уникальный Класс</a:t>
-            </a:r>
-            <a:r>
-              <a:rPr lang="en-US" dirty="0"/>
-              <a:t> Unique</a:t>
-            </a:r>
-            <a:r>
-              <a:rPr lang="ru-RU" dirty="0"/>
-              <a:t> содержит в себе:</a:t>
-            </a:r>
-            <a:endParaRPr lang="en-US" dirty="0"/>
+              <a:t>Пространство имён. Хранит в себе основные классы, экземпляры которых участвуют в обороте данных между постоянной и оперативной памятью.</a:t>
+            </a:r>
+          </a:p>
+          <a:p>
+            <a:pPr algn="just"/>
+            <a:endParaRPr lang="ru-RU" dirty="0"/>
+          </a:p>
+          <a:p>
+            <a:pPr algn="just"/>
+            <a:r>
+              <a:rPr lang="ru-RU" dirty="0"/>
+              <a:t>Абстрактные классы</a:t>
+            </a:r>
+            <a:r>
+              <a:rPr lang="ru-RU" dirty="0" smtClean="0"/>
+              <a:t>:</a:t>
+            </a:r>
+            <a:endParaRPr lang="ru-RU" dirty="0"/>
           </a:p>
           <a:p>
             <a:pPr marL="285750" indent="-285750" algn="just">
@@ -3756,16 +3701,16 @@
               <a:buChar char="•"/>
             </a:pPr>
             <a:r>
-              <a:rPr lang="en-US" dirty="0"/>
-              <a:t>A</a:t>
-            </a:r>
-            <a:r>
-              <a:rPr lang="ru-RU" dirty="0" err="1"/>
-              <a:t>томатическую</a:t>
-            </a:r>
-            <a:r>
-              <a:rPr lang="ru-RU" dirty="0"/>
-              <a:t> генерацию уникальных идентификаторов в текущей сессии. </a:t>
+              <a:rPr lang="ru-RU" dirty="0" err="1" smtClean="0"/>
+              <a:t>Unique</a:t>
+            </a:r>
+            <a:r>
+              <a:rPr lang="ru-RU" dirty="0" smtClean="0"/>
+              <a:t>&lt;T</a:t>
+            </a:r>
+            <a:r>
+              <a:rPr lang="ru-RU" dirty="0"/>
+              <a:t>&gt; (Уникальный Класс). Генерация уникальных идентификаторов в текущей сессии</a:t>
             </a:r>
           </a:p>
           <a:p>
@@ -3774,9 +3719,45 @@
               <a:buChar char="•"/>
             </a:pPr>
             <a:r>
-              <a:rPr lang="ru-RU" dirty="0"/>
-              <a:t>Поля и доступ к ним для идентификаторов и названий объектов, наследующих эту абстракцию. </a:t>
-            </a:r>
+              <a:rPr lang="ru-RU" dirty="0" err="1" smtClean="0"/>
+              <a:t>DataContainer</a:t>
+            </a:r>
+            <a:r>
+              <a:rPr lang="ru-RU" dirty="0" smtClean="0"/>
+              <a:t> </a:t>
+            </a:r>
+            <a:r>
+              <a:rPr lang="ru-RU" dirty="0"/>
+              <a:t>(Контейнер Данных). Хранилище данных для </a:t>
+            </a:r>
+            <a:r>
+              <a:rPr lang="ru-RU" dirty="0" err="1"/>
+              <a:t>сериализации</a:t>
+            </a:r>
+            <a:r>
+              <a:rPr lang="ru-RU" dirty="0"/>
+              <a:t> в XML</a:t>
+            </a:r>
+          </a:p>
+          <a:p>
+            <a:pPr algn="just"/>
+            <a:endParaRPr lang="en-US" dirty="0" smtClean="0"/>
+          </a:p>
+          <a:p>
+            <a:pPr algn="just"/>
+            <a:r>
+              <a:rPr lang="ru-RU" dirty="0" smtClean="0"/>
+              <a:t>Инкапсулирующие </a:t>
+            </a:r>
+            <a:r>
+              <a:rPr lang="ru-RU" dirty="0"/>
+              <a:t>классы</a:t>
+            </a:r>
+            <a:r>
+              <a:rPr lang="ru-RU" dirty="0" smtClean="0"/>
+              <a:t>:</a:t>
+            </a:r>
+            <a:endParaRPr lang="ru-RU" dirty="0"/>
           </a:p>
           <a:p>
             <a:pPr marL="285750" indent="-285750" algn="just">
@@ -3784,17 +3765,22 @@
               <a:buChar char="•"/>
             </a:pPr>
             <a:r>
-              <a:rPr lang="ru-RU" dirty="0"/>
-              <a:t>Функция </a:t>
-            </a:r>
-            <a:r>
-              <a:rPr lang="ru-RU" dirty="0" err="1"/>
-              <a:t>Register</a:t>
-            </a:r>
-            <a:r>
-              <a:rPr lang="ru-RU" dirty="0"/>
-              <a:t> (Регистрация идентификатора) 	</a:t>
-            </a:r>
+              <a:rPr lang="ru-RU" dirty="0" err="1" smtClean="0"/>
+              <a:t>DateTimeContainerData</a:t>
+            </a:r>
+            <a:r>
+              <a:rPr lang="ru-RU" dirty="0" smtClean="0"/>
+              <a:t> </a:t>
+            </a:r>
+            <a:r>
+              <a:rPr lang="ru-RU" dirty="0"/>
+              <a:t>(Данные Контейнера Дат</a:t>
+            </a:r>
+            <a:r>
+              <a:rPr lang="ru-RU" dirty="0" smtClean="0"/>
+              <a:t>)</a:t>
+            </a:r>
+            <a:endParaRPr lang="ru-RU" dirty="0"/>
           </a:p>
           <a:p>
             <a:pPr marL="285750" indent="-285750" algn="just">
@@ -3802,94 +3788,100 @@
               <a:buChar char="•"/>
             </a:pPr>
             <a:r>
-              <a:rPr lang="ru-RU" dirty="0"/>
-              <a:t>Функция </a:t>
-            </a:r>
-            <a:r>
-              <a:rPr lang="ru-RU" dirty="0" err="1"/>
-              <a:t>UniqueId</a:t>
-            </a:r>
-            <a:r>
-              <a:rPr lang="ru-RU" dirty="0"/>
-              <a:t> (Получение следующего идентификатора) </a:t>
-            </a:r>
+              <a:rPr lang="ru-RU" dirty="0" err="1" smtClean="0"/>
+              <a:t>CardData</a:t>
+            </a:r>
+            <a:r>
+              <a:rPr lang="ru-RU" dirty="0" smtClean="0"/>
+              <a:t> </a:t>
+            </a:r>
+            <a:r>
+              <a:rPr lang="ru-RU" dirty="0"/>
+              <a:t>(Данные Карты</a:t>
+            </a:r>
+            <a:r>
+              <a:rPr lang="ru-RU" dirty="0" smtClean="0"/>
+              <a:t>)</a:t>
+            </a:r>
+            <a:endParaRPr lang="ru-RU" dirty="0"/>
           </a:p>
           <a:p>
             <a:pPr marL="285750" indent="-285750" algn="just">
               <a:buFont typeface="Arial" panose="020B0604020202020204" pitchFamily="34" charset="0"/>
               <a:buChar char="•"/>
             </a:pPr>
+            <a:r>
+              <a:rPr lang="ru-RU" dirty="0" err="1" smtClean="0"/>
+              <a:t>CardListData</a:t>
+            </a:r>
+            <a:r>
+              <a:rPr lang="ru-RU" dirty="0" smtClean="0"/>
+              <a:t> </a:t>
+            </a:r>
+            <a:r>
+              <a:rPr lang="ru-RU" dirty="0"/>
+              <a:t>(Данные Списка </a:t>
+            </a:r>
+            <a:r>
+              <a:rPr lang="ru-RU" dirty="0" smtClean="0"/>
+              <a:t>Карт)</a:t>
+            </a:r>
+          </a:p>
+          <a:p>
+            <a:pPr marL="285750" indent="-285750" algn="just">
+              <a:buFont typeface="Arial" panose="020B0604020202020204" pitchFamily="34" charset="0"/>
+              <a:buChar char="•"/>
+            </a:pPr>
+            <a:r>
+              <a:rPr lang="ru-RU" dirty="0" err="1" smtClean="0"/>
+              <a:t>DateTimeContainer</a:t>
+            </a:r>
+            <a:r>
+              <a:rPr lang="ru-RU" dirty="0" smtClean="0"/>
+              <a:t> (Контейнер Дат)</a:t>
+            </a:r>
+          </a:p>
+          <a:p>
+            <a:pPr marL="285750" indent="-285750" algn="just">
+              <a:buFont typeface="Arial" panose="020B0604020202020204" pitchFamily="34" charset="0"/>
+              <a:buChar char="•"/>
+            </a:pPr>
+            <a:r>
+              <a:rPr lang="ru-RU" dirty="0" err="1" smtClean="0"/>
+              <a:t>Card</a:t>
+            </a:r>
+            <a:r>
+              <a:rPr lang="ru-RU" dirty="0" smtClean="0"/>
+              <a:t> </a:t>
+            </a:r>
+            <a:r>
+              <a:rPr lang="ru-RU" dirty="0"/>
+              <a:t>(Карта</a:t>
+            </a:r>
+            <a:r>
+              <a:rPr lang="ru-RU" dirty="0" smtClean="0"/>
+              <a:t>)</a:t>
+            </a:r>
             <a:endParaRPr lang="ru-RU" dirty="0"/>
           </a:p>
           <a:p>
-            <a:pPr algn="just"/>
-            <a:r>
-              <a:rPr lang="ru-RU" dirty="0"/>
-              <a:t>Разработчики других решений ограничены в доступе к этим функциям во избежание создания ошибок. Уникальный Класс всю работу берет на себя, достаточно только унаследовать его.</a:t>
-            </a:r>
-          </a:p>
-          <a:p>
-            <a:pPr algn="just"/>
+            <a:pPr marL="285750" indent="-285750" algn="just">
+              <a:buFont typeface="Arial" panose="020B0604020202020204" pitchFamily="34" charset="0"/>
+              <a:buChar char="•"/>
+            </a:pPr>
+            <a:r>
+              <a:rPr lang="ru-RU" dirty="0" err="1" smtClean="0"/>
+              <a:t>CardList</a:t>
+            </a:r>
+            <a:r>
+              <a:rPr lang="ru-RU" dirty="0" smtClean="0"/>
+              <a:t> </a:t>
+            </a:r>
+            <a:r>
+              <a:rPr lang="ru-RU" dirty="0"/>
+              <a:t>(Список Карт)</a:t>
+            </a:r>
             <a:endParaRPr lang="ru-RU" dirty="0"/>
-          </a:p>
-          <a:p>
-            <a:pPr algn="just"/>
-            <a:r>
-              <a:rPr lang="ru-RU" dirty="0"/>
-              <a:t>Класс </a:t>
-            </a:r>
-            <a:r>
-              <a:rPr lang="en-US" dirty="0" err="1"/>
-              <a:t>DataContainer</a:t>
-            </a:r>
-            <a:r>
-              <a:rPr lang="en-US" dirty="0"/>
-              <a:t> </a:t>
-            </a:r>
-            <a:r>
-              <a:rPr lang="ru-RU" dirty="0"/>
-              <a:t>служит только для того, чтобы наследники могли быть беспрепятственно </a:t>
-            </a:r>
-            <a:r>
-              <a:rPr lang="ru-RU" dirty="0" err="1"/>
-              <a:t>сериализованы</a:t>
-            </a:r>
-            <a:r>
-              <a:rPr lang="ru-RU" dirty="0"/>
-              <a:t> в XML формат. Он имеет атрибут </a:t>
-            </a:r>
-            <a:r>
-              <a:rPr lang="ru-RU" dirty="0" err="1"/>
-              <a:t>Serializable</a:t>
-            </a:r>
-            <a:r>
-              <a:rPr lang="ru-RU" dirty="0"/>
-              <a:t> (</a:t>
-            </a:r>
-            <a:r>
-              <a:rPr lang="ru-RU" dirty="0" err="1"/>
-              <a:t>Сериализируемый</a:t>
-            </a:r>
-            <a:r>
-              <a:rPr lang="ru-RU" dirty="0"/>
-              <a:t>) и хранит в себе пустой конструктор и метод </a:t>
-            </a:r>
-            <a:r>
-              <a:rPr lang="ru-RU" dirty="0" err="1"/>
-              <a:t>ToXmlString</a:t>
-            </a:r>
-            <a:r>
-              <a:rPr lang="ru-RU" dirty="0"/>
-              <a:t> (</a:t>
-            </a:r>
-            <a:r>
-              <a:rPr lang="ru-RU" dirty="0" err="1"/>
-              <a:t>Сериализация</a:t>
-            </a:r>
-            <a:r>
-              <a:rPr lang="ru-RU" dirty="0"/>
-              <a:t> в XML).</a:t>
-            </a:r>
           </a:p>
         </p:txBody>
       </p:sp>
@@ -3958,8 +3950,8 @@
         </p:nvSpPr>
         <p:spPr>
           <a:xfrm>
-            <a:off x="838200" y="2503974"/>
-            <a:ext cx="10308771" cy="3139321"/>
+            <a:off x="838200" y="1907028"/>
+            <a:ext cx="10308771" cy="2308324"/>
           </a:xfrm>
           <a:prstGeom prst="rect">
             <a:avLst/>
@@ -3973,95 +3965,12 @@
           <a:p>
             <a:pPr algn="just"/>
             <a:r>
-              <a:rPr lang="ru-RU" dirty="0"/>
-              <a:t>Классы </a:t>
-            </a:r>
-            <a:r>
-              <a:rPr lang="en-US" dirty="0" err="1"/>
-              <a:t>DateTimeContainerData</a:t>
-            </a:r>
-            <a:r>
-              <a:rPr lang="en-US" dirty="0"/>
-              <a:t>, </a:t>
-            </a:r>
-            <a:r>
-              <a:rPr lang="en-US" dirty="0" err="1"/>
-              <a:t>CardData</a:t>
-            </a:r>
-            <a:r>
-              <a:rPr lang="en-US" dirty="0"/>
-              <a:t>, </a:t>
-            </a:r>
-            <a:r>
-              <a:rPr lang="en-US" dirty="0" err="1"/>
-              <a:t>CardListData</a:t>
-            </a:r>
-            <a:r>
-              <a:rPr lang="en-US" dirty="0"/>
-              <a:t>, </a:t>
-            </a:r>
-            <a:r>
-              <a:rPr lang="en-US" dirty="0" err="1"/>
-              <a:t>DateTimeContainer</a:t>
-            </a:r>
-            <a:r>
-              <a:rPr lang="en-US" dirty="0"/>
-              <a:t> </a:t>
-            </a:r>
-            <a:r>
-              <a:rPr lang="ru-RU" dirty="0"/>
-              <a:t>наследуют абстракцию </a:t>
-            </a:r>
-            <a:r>
-              <a:rPr lang="en-US" dirty="0" err="1"/>
-              <a:t>DataContainer</a:t>
-            </a:r>
-            <a:r>
-              <a:rPr lang="ru-RU" dirty="0"/>
-              <a:t>. Они существуют обособленно от связанных с ними объектов и хранят в себе пустые публичные поля с полным доступом для хранения данных основных объектов и их </a:t>
-            </a:r>
-            <a:r>
-              <a:rPr lang="ru-RU" dirty="0" err="1"/>
-              <a:t>сериализации</a:t>
-            </a:r>
-            <a:r>
-              <a:rPr lang="ru-RU" dirty="0"/>
-              <a:t> стандартными методами. </a:t>
-            </a:r>
-            <a:endParaRPr lang="en-US" dirty="0"/>
-          </a:p>
-          <a:p>
-            <a:pPr algn="just"/>
-            <a:endParaRPr lang="ru-RU" dirty="0"/>
-          </a:p>
-          <a:p>
-            <a:pPr algn="just"/>
-            <a:r>
-              <a:rPr lang="ru-RU" dirty="0"/>
-              <a:t>Контейнер Дат, Карта и Список Карт содержат в себе функции </a:t>
-            </a:r>
-            <a:r>
-              <a:rPr lang="ru-RU" dirty="0" err="1"/>
-              <a:t>FromData</a:t>
-            </a:r>
-            <a:r>
-              <a:rPr lang="ru-RU" dirty="0"/>
-              <a:t> и методы </a:t>
-            </a:r>
-            <a:r>
-              <a:rPr lang="ru-RU" dirty="0" err="1"/>
-              <a:t>ToData</a:t>
-            </a:r>
-            <a:r>
-              <a:rPr lang="ru-RU" dirty="0"/>
-              <a:t> для безопасной конвертации из соответствующих контейнеров данных в экземпляр класса и обратно.</a:t>
-            </a:r>
-          </a:p>
-          <a:p>
-            <a:pPr algn="just"/>
-            <a:r>
-              <a:rPr lang="ru-RU" dirty="0"/>
-              <a:t>Контейнер Дат служит для хранения в себе нескольких экземпляров класса </a:t>
+              <a:rPr lang="ru-RU" dirty="0" smtClean="0"/>
+              <a:t>Контейнер </a:t>
+            </a:r>
+            <a:r>
+              <a:rPr lang="ru-RU" dirty="0"/>
+              <a:t>Дат служит для хранения в себе нескольких экземпляров класса </a:t>
             </a:r>
             <a:r>
               <a:rPr lang="ru-RU" dirty="0" err="1"/>
@@ -4078,12 +3987,16 @@
               <a:buChar char="•"/>
             </a:pPr>
             <a:r>
-              <a:rPr lang="ru-RU" dirty="0" err="1"/>
+              <a:rPr lang="ru-RU" dirty="0" err="1" smtClean="0"/>
               <a:t>Created</a:t>
             </a:r>
             <a:r>
-              <a:rPr lang="ru-RU" dirty="0"/>
-              <a:t> (дата создания)</a:t>
+              <a:rPr lang="ru-RU" dirty="0" smtClean="0"/>
+              <a:t> </a:t>
+            </a:r>
+            <a:r>
+              <a:rPr lang="ru-RU" dirty="0"/>
+              <a:t>(дата создания)</a:t>
             </a:r>
           </a:p>
           <a:p>
@@ -4092,12 +4005,16 @@
               <a:buChar char="•"/>
             </a:pPr>
             <a:r>
-              <a:rPr lang="ru-RU" dirty="0" err="1"/>
+              <a:rPr lang="ru-RU" dirty="0" err="1" smtClean="0"/>
               <a:t>Updated</a:t>
             </a:r>
             <a:r>
-              <a:rPr lang="ru-RU" dirty="0"/>
-              <a:t> (дата обновления или </a:t>
+              <a:rPr lang="ru-RU" dirty="0" smtClean="0"/>
+              <a:t> </a:t>
+            </a:r>
+            <a:r>
+              <a:rPr lang="ru-RU" dirty="0"/>
+              <a:t>(дата обновления или </a:t>
             </a:r>
             <a:r>
               <a:rPr lang="ru-RU" dirty="0" err="1"/>
@@ -4114,12 +4031,16 @@
               <a:buChar char="•"/>
             </a:pPr>
             <a:r>
-              <a:rPr lang="ru-RU" dirty="0" err="1"/>
+              <a:rPr lang="ru-RU" dirty="0" err="1" smtClean="0"/>
               <a:t>Planned</a:t>
             </a:r>
             <a:r>
-              <a:rPr lang="ru-RU" dirty="0"/>
-              <a:t> (запланированная дата или </a:t>
+              <a:rPr lang="ru-RU" dirty="0" smtClean="0"/>
+              <a:t> </a:t>
+            </a:r>
+            <a:r>
+              <a:rPr lang="ru-RU" dirty="0"/>
+              <a:t>(запланированная дата или </a:t>
             </a:r>
             <a:r>
               <a:rPr lang="ru-RU" dirty="0" err="1"/>
@@ -4127,8 +4048,25 @@
             </a:r>
             <a:r>
               <a:rPr lang="ru-RU" dirty="0"/>
-              <a:t>)</a:t>
-            </a:r>
+              <a:t>) </a:t>
+            </a:r>
+            <a:endParaRPr lang="en-US" dirty="0" smtClean="0"/>
+          </a:p>
+          <a:p>
+            <a:pPr algn="just"/>
+            <a:endParaRPr lang="en-US" dirty="0"/>
+          </a:p>
+          <a:p>
+            <a:pPr algn="just"/>
+            <a:r>
+              <a:rPr lang="ru-RU" dirty="0" smtClean="0"/>
+              <a:t>Стоит </a:t>
+            </a:r>
+            <a:r>
+              <a:rPr lang="ru-RU" dirty="0"/>
+              <a:t>обратить внимание на то, что дата обновления и запланированная дата напрямую зависят от даты создания - они не могут превышать ее. Соответственно, при изменении даты создания зависимые от нее даты будут перепроверены автоматически</a:t>
+            </a:r>
+            <a:endParaRPr lang="ru-RU" dirty="0"/>
           </a:p>
         </p:txBody>
       </p:sp>
@@ -4141,7 +4079,7 @@
         <p:spPr>
           <a:xfrm>
             <a:off x="838200" y="1322253"/>
-            <a:ext cx="7373983" cy="1077218"/>
+            <a:ext cx="7373983" cy="584775"/>
           </a:xfrm>
           <a:prstGeom prst="rect">
             <a:avLst/>
@@ -4154,52 +4092,16 @@
           <a:lstStyle/>
           <a:p>
             <a:r>
-              <a:rPr lang="ru-RU" sz="3200" dirty="0">
+              <a:rPr lang="ru-RU" sz="3200" dirty="0" smtClean="0">
                 <a:latin typeface="+mj-lt"/>
               </a:rPr>
-              <a:t>Классы </a:t>
-            </a:r>
-            <a:r>
-              <a:rPr lang="en-US" sz="3200" dirty="0" err="1">
+              <a:t>Класс </a:t>
+            </a:r>
+            <a:r>
+              <a:rPr lang="en-US" sz="3200" dirty="0" err="1" smtClean="0">
                 <a:latin typeface="+mj-lt"/>
               </a:rPr>
               <a:t>DateTimeContainerData</a:t>
-            </a:r>
-            <a:r>
-              <a:rPr lang="ru-RU" sz="3200" dirty="0">
-                <a:latin typeface="+mj-lt"/>
-              </a:rPr>
-              <a:t>, </a:t>
-            </a:r>
-            <a:r>
-              <a:rPr lang="en-US" sz="3200" dirty="0" err="1">
-                <a:latin typeface="+mj-lt"/>
-              </a:rPr>
-              <a:t>CardData</a:t>
-            </a:r>
-            <a:r>
-              <a:rPr lang="ru-RU" sz="3200" dirty="0">
-                <a:latin typeface="+mj-lt"/>
-              </a:rPr>
-              <a:t>, </a:t>
-            </a:r>
-            <a:r>
-              <a:rPr lang="en-US" sz="3200" dirty="0" err="1">
-                <a:latin typeface="+mj-lt"/>
-              </a:rPr>
-              <a:t>CardListData</a:t>
-            </a:r>
-            <a:r>
-              <a:rPr lang="ru-RU" sz="3200" dirty="0">
-                <a:latin typeface="+mj-lt"/>
-              </a:rPr>
-              <a:t>, </a:t>
-            </a:r>
-            <a:r>
-              <a:rPr lang="en-US" sz="3200" dirty="0" err="1">
-                <a:latin typeface="+mj-lt"/>
-              </a:rPr>
-              <a:t>DateTimeContainer</a:t>
             </a:r>
             <a:endParaRPr lang="en-US" sz="3200" dirty="0">
               <a:latin typeface="+mj-lt"/>
@@ -4273,7 +4175,7 @@
         <p:spPr>
           <a:xfrm>
             <a:off x="838200" y="2018449"/>
-            <a:ext cx="10289178" cy="3693319"/>
+            <a:ext cx="10289178" cy="2585323"/>
           </a:xfrm>
           <a:prstGeom prst="rect">
             <a:avLst/>
@@ -4287,31 +4189,28 @@
           <a:p>
             <a:pPr algn="just"/>
             <a:r>
-              <a:rPr lang="ru-RU" dirty="0"/>
-              <a:t>Класс </a:t>
-            </a:r>
-            <a:r>
-              <a:rPr lang="en-US" dirty="0"/>
-              <a:t>Card</a:t>
-            </a:r>
-            <a:r>
-              <a:rPr lang="ru-RU" dirty="0"/>
-              <a:t> наследует Уникальный Класс и представляет собой карточку дела. Класс содержит в себе основные поля, характерные для карточки.</a:t>
-            </a:r>
+              <a:rPr lang="ru-RU" dirty="0" smtClean="0"/>
+              <a:t>Карта </a:t>
+            </a:r>
+            <a:r>
+              <a:rPr lang="ru-RU" dirty="0"/>
+              <a:t>наследует Уникальный Класс и представляет собой карточку дела. По большей части этот класс содержит в себе основные поля, характерные для карточки</a:t>
+            </a:r>
+            <a:r>
+              <a:rPr lang="ru-RU" dirty="0" smtClean="0"/>
+              <a:t>.</a:t>
+            </a:r>
+            <a:endParaRPr lang="en-US" dirty="0" smtClean="0"/>
           </a:p>
           <a:p>
             <a:pPr algn="just"/>
-            <a:r>
-              <a:rPr lang="ru-RU" dirty="0"/>
-              <a:t>Класс </a:t>
-            </a:r>
-            <a:r>
-              <a:rPr lang="en-US" dirty="0" err="1"/>
-              <a:t>CardList</a:t>
-            </a:r>
-            <a:r>
-              <a:rPr lang="ru-RU" dirty="0"/>
-              <a:t> также наследует Уникальный Класс и представляет собой список карточек дел. В качестве способа хранения экземпляров Карт в классе используется </a:t>
+            <a:endParaRPr lang="ru-RU" dirty="0"/>
+          </a:p>
+          <a:p>
+            <a:pPr algn="just"/>
+            <a:r>
+              <a:rPr lang="ru-RU" dirty="0"/>
+              <a:t>Список Карт, также как и Карта, наследует Уникальный Класс и представляет собой список карточек дел. В качестве способа хранения экземпляров Карт в классе используется </a:t>
             </a:r>
             <a:r>
               <a:rPr lang="ru-RU" dirty="0" err="1"/>
@@ -4319,116 +4218,78 @@
             </a:r>
             <a:r>
               <a:rPr lang="ru-RU" dirty="0"/>
-              <a:t> (Библиотека). Класс включает в себя методы: </a:t>
-            </a:r>
-          </a:p>
-          <a:p>
-            <a:pPr marL="285750" indent="-285750" algn="just">
-              <a:buFont typeface="Arial" panose="020B0604020202020204" pitchFamily="34" charset="0"/>
-              <a:buChar char="•"/>
-            </a:pPr>
+              <a:t> (Библиотека</a:t>
+            </a:r>
+            <a:r>
+              <a:rPr lang="ru-RU" dirty="0" smtClean="0"/>
+              <a:t>).</a:t>
+            </a:r>
+            <a:endParaRPr lang="ru-RU" dirty="0"/>
+          </a:p>
+          <a:p>
+            <a:pPr algn="just"/>
+            <a:r>
+              <a:rPr lang="ru-RU" dirty="0"/>
+              <a:t>- </a:t>
+            </a:r>
             <a:r>
               <a:rPr lang="ru-RU" dirty="0" err="1"/>
               <a:t>Get</a:t>
             </a:r>
             <a:r>
               <a:rPr lang="ru-RU" dirty="0"/>
-              <a:t> (Получить Карту), </a:t>
-            </a:r>
-          </a:p>
-          <a:p>
-            <a:pPr marL="285750" indent="-285750" algn="just">
-              <a:buFont typeface="Arial" panose="020B0604020202020204" pitchFamily="34" charset="0"/>
-              <a:buChar char="•"/>
-            </a:pPr>
+              <a:t> (Получить карту)</a:t>
+            </a:r>
+          </a:p>
+          <a:p>
+            <a:pPr algn="just"/>
+            <a:r>
+              <a:rPr lang="ru-RU" dirty="0"/>
+              <a:t>- </a:t>
+            </a:r>
+            <a:r>
+              <a:rPr lang="ru-RU" dirty="0" err="1"/>
+              <a:t>Remove</a:t>
+            </a:r>
+            <a:r>
+              <a:rPr lang="ru-RU" dirty="0"/>
+              <a:t> (Удалить Карту)</a:t>
+            </a:r>
+          </a:p>
+          <a:p>
+            <a:pPr algn="just"/>
+            <a:r>
+              <a:rPr lang="ru-RU" dirty="0"/>
+              <a:t>- </a:t>
+            </a:r>
             <a:r>
               <a:rPr lang="ru-RU" dirty="0" err="1"/>
               <a:t>Set</a:t>
             </a:r>
             <a:r>
               <a:rPr lang="ru-RU" dirty="0"/>
-              <a:t> (Сохранить Карту), </a:t>
-            </a:r>
-          </a:p>
-          <a:p>
-            <a:pPr marL="285750" indent="-285750" algn="just">
-              <a:buFont typeface="Arial" panose="020B0604020202020204" pitchFamily="34" charset="0"/>
-              <a:buChar char="•"/>
-            </a:pPr>
-            <a:r>
-              <a:rPr lang="ru-RU" dirty="0" err="1"/>
-              <a:t>Remove</a:t>
-            </a:r>
-            <a:r>
-              <a:rPr lang="ru-RU" dirty="0"/>
-              <a:t> (Удалить Карту), </a:t>
-            </a:r>
-          </a:p>
-          <a:p>
-            <a:pPr marL="285750" indent="-285750" algn="just">
-              <a:buFont typeface="Arial" panose="020B0604020202020204" pitchFamily="34" charset="0"/>
-              <a:buChar char="•"/>
-            </a:pPr>
+              <a:t> (Сохранить Карту)</a:t>
+            </a:r>
+          </a:p>
+          <a:p>
+            <a:pPr algn="just"/>
+            <a:r>
+              <a:rPr lang="ru-RU" dirty="0"/>
+              <a:t>- </a:t>
+            </a:r>
             <a:r>
               <a:rPr lang="ru-RU" dirty="0" err="1"/>
               <a:t>Contains</a:t>
             </a:r>
             <a:r>
               <a:rPr lang="ru-RU" dirty="0"/>
-              <a:t> (Проверить наличие Карты), </a:t>
-            </a:r>
-          </a:p>
-          <a:p>
-            <a:pPr marL="285750" indent="-285750" algn="just">
-              <a:buFont typeface="Arial" panose="020B0604020202020204" pitchFamily="34" charset="0"/>
-              <a:buChar char="•"/>
-            </a:pPr>
-            <a:r>
-              <a:rPr lang="ru-RU" dirty="0"/>
-              <a:t>Методы отвечающие за сортировку и поиск. </a:t>
-            </a:r>
-          </a:p>
-          <a:p>
-            <a:pPr marL="742950" lvl="1" indent="-285750" algn="just">
-              <a:buFont typeface="Wingdings" panose="05000000000000000000" pitchFamily="2" charset="2"/>
-              <a:buChar char="§"/>
-            </a:pPr>
-            <a:r>
-              <a:rPr lang="ru-RU" dirty="0" err="1"/>
-              <a:t>GetListDefault</a:t>
-            </a:r>
-            <a:r>
-              <a:rPr lang="ru-RU" dirty="0"/>
-              <a:t> (Получение Карт, отсортированных по дате обновления)</a:t>
-            </a:r>
-          </a:p>
-          <a:p>
-            <a:pPr marL="742950" lvl="1" indent="-285750" algn="just">
-              <a:buFont typeface="Wingdings" panose="05000000000000000000" pitchFamily="2" charset="2"/>
-              <a:buChar char="§"/>
-            </a:pPr>
-            <a:r>
-              <a:rPr lang="ru-RU" dirty="0" err="1"/>
-              <a:t>GetListImportant</a:t>
-            </a:r>
-            <a:r>
-              <a:rPr lang="ru-RU" dirty="0"/>
-              <a:t> (Получение Карт, отсортированных по статусу важности)</a:t>
-            </a:r>
-          </a:p>
-          <a:p>
-            <a:pPr marL="742950" lvl="1" indent="-285750" algn="just">
-              <a:buFont typeface="Wingdings" panose="05000000000000000000" pitchFamily="2" charset="2"/>
-              <a:buChar char="§"/>
-            </a:pPr>
-            <a:r>
-              <a:rPr lang="ru-RU" dirty="0" err="1"/>
-              <a:t>GetListCompleted</a:t>
-            </a:r>
-            <a:r>
-              <a:rPr lang="ru-RU" dirty="0"/>
-              <a:t> (Получение Карт, отсортированных по статусу выполнения)</a:t>
-            </a:r>
+              <a:t> (Проверить наличие Карты</a:t>
+            </a:r>
+            <a:r>
+              <a:rPr lang="ru-RU" dirty="0" smtClean="0"/>
+              <a:t>)</a:t>
+            </a:r>
+            <a:endParaRPr lang="ru-RU" dirty="0"/>
           </a:p>
         </p:txBody>
       </p:sp>
@@ -4651,19 +4512,11 @@
           <a:p>
             <a:r>
               <a:rPr lang="ru-RU" dirty="0"/>
-              <a:t>Классы </a:t>
+              <a:t>Пространство имен </a:t>
             </a:r>
             <a:r>
               <a:rPr lang="en-US" dirty="0" err="1"/>
-              <a:t>ApplicationViewModel</a:t>
-            </a:r>
-            <a:r>
-              <a:rPr lang="ru-RU" dirty="0"/>
-              <a:t> и </a:t>
-            </a:r>
-            <a:r>
-              <a:rPr lang="en-US" dirty="0" err="1"/>
-              <a:t>MainWindow</a:t>
+              <a:t>TimelonCl.Data</a:t>
             </a:r>
             <a:endParaRPr lang="ru-RU" dirty="0"/>
           </a:p>
@@ -4677,71 +4530,346 @@
         </p:nvSpPr>
         <p:spPr>
           <a:xfrm>
-            <a:off x="1001486" y="1690688"/>
-            <a:ext cx="6096000" cy="1477328"/>
+            <a:off x="838200" y="1887225"/>
+            <a:ext cx="10289178" cy="4524315"/>
           </a:xfrm>
           <a:prstGeom prst="rect">
             <a:avLst/>
           </a:prstGeom>
         </p:spPr>
         <p:txBody>
-          <a:bodyPr>
+          <a:bodyPr wrap="square">
             <a:spAutoFit/>
           </a:bodyPr>
           <a:lstStyle/>
           <a:p>
-            <a:r>
-              <a:rPr lang="ru-RU" dirty="0"/>
-              <a:t>Содержит в себе:</a:t>
-            </a:r>
-          </a:p>
-          <a:p>
-            <a:pPr marL="285750" indent="-285750">
+            <a:pPr algn="just"/>
+            <a:r>
+              <a:rPr lang="ru-RU" dirty="0" smtClean="0"/>
+              <a:t>Библиотека </a:t>
+            </a:r>
+            <a:r>
+              <a:rPr lang="ru-RU" dirty="0"/>
+              <a:t>позволяет мгновенно получить Карту через ее идентификатор вне зависимости от количества хранимых Карт, достаточно произвести сортировку один раз и занести идентификаторы в отдельный список для быстрого доступа</a:t>
+            </a:r>
+            <a:r>
+              <a:rPr lang="ru-RU" dirty="0" smtClean="0"/>
+              <a:t>.</a:t>
+            </a:r>
+            <a:endParaRPr lang="ru-RU" dirty="0"/>
+          </a:p>
+          <a:p>
+            <a:pPr marL="285750" indent="-285750" algn="just">
               <a:buFont typeface="Arial" panose="020B0604020202020204" pitchFamily="34" charset="0"/>
               <a:buChar char="•"/>
             </a:pPr>
             <a:r>
-              <a:rPr lang="ru-RU" dirty="0"/>
-              <a:t>Поля</a:t>
-            </a:r>
-          </a:p>
-          <a:p>
-            <a:pPr marL="285750" indent="-285750">
+              <a:rPr lang="ru-RU" dirty="0" err="1" smtClean="0"/>
+              <a:t>idListDefault</a:t>
+            </a:r>
+            <a:r>
+              <a:rPr lang="ru-RU" dirty="0" smtClean="0"/>
+              <a:t> </a:t>
+            </a:r>
+            <a:r>
+              <a:rPr lang="ru-RU" dirty="0"/>
+              <a:t>(идентификаторы по дате обновления</a:t>
+            </a:r>
+            <a:r>
+              <a:rPr lang="ru-RU" dirty="0" smtClean="0"/>
+              <a:t>)</a:t>
+            </a:r>
+            <a:r>
+              <a:rPr lang="en-US" dirty="0" smtClean="0"/>
+              <a:t>, </a:t>
+            </a:r>
+            <a:r>
+              <a:rPr lang="ru-RU" dirty="0" smtClean="0"/>
+              <a:t>соответствующий метод - </a:t>
+            </a:r>
+            <a:r>
+              <a:rPr lang="ru-RU" dirty="0" err="1" smtClean="0"/>
+              <a:t>GetListDefault</a:t>
+            </a:r>
+            <a:r>
+              <a:rPr lang="ru-RU" dirty="0" smtClean="0"/>
+              <a:t> </a:t>
+            </a:r>
+            <a:r>
+              <a:rPr lang="ru-RU" dirty="0"/>
+              <a:t>(Получение Карт, отсортированных по дате обновления</a:t>
+            </a:r>
+            <a:r>
+              <a:rPr lang="ru-RU" dirty="0" smtClean="0"/>
+              <a:t>)</a:t>
+            </a:r>
+            <a:endParaRPr lang="ru-RU" dirty="0"/>
+          </a:p>
+          <a:p>
+            <a:pPr marL="285750" indent="-285750" algn="just">
               <a:buFont typeface="Arial" panose="020B0604020202020204" pitchFamily="34" charset="0"/>
               <a:buChar char="•"/>
             </a:pPr>
             <a:r>
-              <a:rPr lang="ru-RU" dirty="0"/>
-              <a:t>Конструктор по умолчанию</a:t>
-            </a:r>
-          </a:p>
-          <a:p>
-            <a:pPr marL="285750" indent="-285750">
+              <a:rPr lang="ru-RU" dirty="0" err="1" smtClean="0"/>
+              <a:t>idListImportant</a:t>
+            </a:r>
+            <a:r>
+              <a:rPr lang="ru-RU" dirty="0" smtClean="0"/>
+              <a:t> </a:t>
+            </a:r>
+            <a:r>
+              <a:rPr lang="ru-RU" dirty="0"/>
+              <a:t>(идентификаторы по статусу важности</a:t>
+            </a:r>
+            <a:r>
+              <a:rPr lang="ru-RU" dirty="0" smtClean="0"/>
+              <a:t>)</a:t>
+            </a:r>
+            <a:r>
+              <a:rPr lang="en-US" dirty="0"/>
+              <a:t> , </a:t>
+            </a:r>
+            <a:r>
+              <a:rPr lang="ru-RU" dirty="0"/>
+              <a:t>соответствующий </a:t>
+            </a:r>
+            <a:r>
+              <a:rPr lang="ru-RU" dirty="0" smtClean="0"/>
+              <a:t>метод - </a:t>
+            </a:r>
+            <a:r>
+              <a:rPr lang="ru-RU" dirty="0" err="1" smtClean="0"/>
+              <a:t>GetListImportant</a:t>
+            </a:r>
+            <a:r>
+              <a:rPr lang="ru-RU" dirty="0" smtClean="0"/>
+              <a:t> </a:t>
+            </a:r>
+            <a:r>
+              <a:rPr lang="ru-RU" dirty="0"/>
+              <a:t>(Получение Карт, отсортированных по статусу важности</a:t>
+            </a:r>
+            <a:r>
+              <a:rPr lang="ru-RU" dirty="0" smtClean="0"/>
+              <a:t>)</a:t>
+            </a:r>
+            <a:endParaRPr lang="ru-RU" dirty="0"/>
+          </a:p>
+          <a:p>
+            <a:pPr marL="285750" indent="-285750" algn="just">
               <a:buFont typeface="Arial" panose="020B0604020202020204" pitchFamily="34" charset="0"/>
               <a:buChar char="•"/>
             </a:pPr>
             <a:r>
-              <a:rPr lang="ru-RU" dirty="0"/>
-              <a:t>Свойства</a:t>
-            </a:r>
-          </a:p>
-          <a:p>
-            <a:pPr marL="285750" indent="-285750">
+              <a:rPr lang="ru-RU" dirty="0" err="1" smtClean="0"/>
+              <a:t>idListCompleted</a:t>
+            </a:r>
+            <a:r>
+              <a:rPr lang="ru-RU" dirty="0" smtClean="0"/>
+              <a:t> </a:t>
+            </a:r>
+            <a:r>
+              <a:rPr lang="ru-RU" dirty="0"/>
+              <a:t>(идентификаторы по статусу выполнения</a:t>
+            </a:r>
+            <a:r>
+              <a:rPr lang="ru-RU" dirty="0" smtClean="0"/>
+              <a:t>)</a:t>
+            </a:r>
+            <a:r>
+              <a:rPr lang="en-US" dirty="0" smtClean="0"/>
+              <a:t>,</a:t>
+            </a:r>
+            <a:r>
+              <a:rPr lang="ru-RU" dirty="0" smtClean="0"/>
+              <a:t> соответствующий метод -  </a:t>
+            </a:r>
+            <a:r>
+              <a:rPr lang="ru-RU" dirty="0" err="1"/>
+              <a:t>GetListCompleted</a:t>
+            </a:r>
+            <a:r>
+              <a:rPr lang="ru-RU" dirty="0"/>
+              <a:t> (Получение Карт, отсортированных по статусу выполнения</a:t>
+            </a:r>
+            <a:r>
+              <a:rPr lang="ru-RU" dirty="0" smtClean="0"/>
+              <a:t>)</a:t>
+            </a:r>
+            <a:endParaRPr lang="ru-RU" dirty="0"/>
+          </a:p>
+          <a:p>
+            <a:pPr algn="just"/>
+            <a:r>
+              <a:rPr lang="ru-RU" dirty="0" smtClean="0"/>
+              <a:t>Управление </a:t>
+            </a:r>
+            <a:r>
+              <a:rPr lang="ru-RU" dirty="0"/>
+              <a:t>статусом сортировки. Перечисление </a:t>
+            </a:r>
+            <a:r>
+              <a:rPr lang="ru-RU" dirty="0" err="1"/>
+              <a:t>SortOrder</a:t>
+            </a:r>
+            <a:r>
+              <a:rPr lang="ru-RU" dirty="0"/>
+              <a:t> (Направление Сортировки</a:t>
+            </a:r>
+            <a:r>
+              <a:rPr lang="ru-RU" dirty="0" smtClean="0"/>
+              <a:t>):</a:t>
+            </a:r>
+            <a:endParaRPr lang="ru-RU" dirty="0"/>
+          </a:p>
+          <a:p>
+            <a:pPr marL="285750" indent="-285750" algn="just">
               <a:buFont typeface="Arial" panose="020B0604020202020204" pitchFamily="34" charset="0"/>
               <a:buChar char="•"/>
             </a:pPr>
             <a:r>
-              <a:rPr lang="ru-RU" dirty="0"/>
-              <a:t>Команды</a:t>
-            </a:r>
-            <a:endParaRPr lang="en-US" dirty="0"/>
+              <a:rPr lang="ru-RU" dirty="0" err="1" smtClean="0"/>
+              <a:t>Initial</a:t>
+            </a:r>
+            <a:r>
+              <a:rPr lang="ru-RU" dirty="0" smtClean="0"/>
+              <a:t> </a:t>
+            </a:r>
+            <a:r>
+              <a:rPr lang="ru-RU" dirty="0"/>
+              <a:t>(Карты необходимо отсортировать (используется только внутри класса))</a:t>
+            </a:r>
+          </a:p>
+          <a:p>
+            <a:pPr marL="285750" indent="-285750" algn="just">
+              <a:buFont typeface="Arial" panose="020B0604020202020204" pitchFamily="34" charset="0"/>
+              <a:buChar char="•"/>
+            </a:pPr>
+            <a:r>
+              <a:rPr lang="ru-RU" dirty="0" err="1" smtClean="0"/>
+              <a:t>Unsorted</a:t>
+            </a:r>
+            <a:r>
+              <a:rPr lang="ru-RU" dirty="0" smtClean="0"/>
+              <a:t> </a:t>
+            </a:r>
+            <a:r>
+              <a:rPr lang="ru-RU" dirty="0"/>
+              <a:t>(В произвольном порядке)</a:t>
+            </a:r>
+          </a:p>
+          <a:p>
+            <a:pPr marL="285750" indent="-285750" algn="just">
+              <a:buFont typeface="Arial" panose="020B0604020202020204" pitchFamily="34" charset="0"/>
+              <a:buChar char="•"/>
+            </a:pPr>
+            <a:r>
+              <a:rPr lang="ru-RU" dirty="0" err="1" smtClean="0"/>
+              <a:t>Ascending</a:t>
+            </a:r>
+            <a:r>
+              <a:rPr lang="ru-RU" dirty="0" smtClean="0"/>
+              <a:t> </a:t>
+            </a:r>
+            <a:r>
+              <a:rPr lang="ru-RU" dirty="0"/>
+              <a:t>(По возрастанию)</a:t>
+            </a:r>
+          </a:p>
+          <a:p>
+            <a:pPr marL="285750" indent="-285750" algn="just">
+              <a:buFont typeface="Arial" panose="020B0604020202020204" pitchFamily="34" charset="0"/>
+              <a:buChar char="•"/>
+            </a:pPr>
+            <a:r>
+              <a:rPr lang="ru-RU" dirty="0" err="1" smtClean="0"/>
+              <a:t>Descending</a:t>
+            </a:r>
+            <a:r>
+              <a:rPr lang="ru-RU" dirty="0" smtClean="0"/>
+              <a:t> </a:t>
+            </a:r>
+            <a:r>
+              <a:rPr lang="ru-RU" dirty="0"/>
+              <a:t>(По убыванию)</a:t>
+            </a:r>
+          </a:p>
+          <a:p>
+            <a:pPr algn="just"/>
+            <a:r>
+              <a:rPr lang="ru-RU" dirty="0"/>
+              <a:t>Соответственно, с помощью этого перечисления при использовании методов получения отсортированных Карт существует возможность указать необходимый порядок</a:t>
+            </a:r>
+            <a:r>
+              <a:rPr lang="ru-RU" dirty="0" smtClean="0"/>
+              <a:t>. </a:t>
+            </a:r>
+            <a:endParaRPr lang="ru-RU" dirty="0"/>
+          </a:p>
+        </p:txBody>
+      </p:sp>
+      <p:sp>
+        <p:nvSpPr>
+          <p:cNvPr id="4" name="Прямоугольник 3"/>
+          <p:cNvSpPr/>
+          <p:nvPr/>
+        </p:nvSpPr>
+        <p:spPr>
+          <a:xfrm>
+            <a:off x="838200" y="1302450"/>
+            <a:ext cx="7905206" cy="584775"/>
+          </a:xfrm>
+          <a:prstGeom prst="rect">
+            <a:avLst/>
+          </a:prstGeom>
+        </p:spPr>
+        <p:txBody>
+          <a:bodyPr wrap="square">
+            <a:spAutoFit/>
+          </a:bodyPr>
+          <a:lstStyle/>
+          <a:p>
+            <a:r>
+              <a:rPr lang="ru-RU" sz="3200" dirty="0" smtClean="0">
+                <a:latin typeface="+mj-lt"/>
+              </a:rPr>
+              <a:t>Класс </a:t>
+            </a:r>
+            <a:r>
+              <a:rPr lang="en-US" sz="3200" dirty="0" err="1" smtClean="0">
+                <a:latin typeface="+mj-lt"/>
+              </a:rPr>
+              <a:t>CardList</a:t>
+            </a:r>
+            <a:r>
+              <a:rPr lang="ru-RU" sz="3200" dirty="0">
+                <a:latin typeface="+mj-lt"/>
+              </a:rPr>
+              <a:t>:</a:t>
+            </a:r>
+            <a:r>
+              <a:rPr lang="en-US" sz="3200" dirty="0" smtClean="0">
+                <a:latin typeface="+mj-lt"/>
+              </a:rPr>
+              <a:t> </a:t>
+            </a:r>
+            <a:r>
+              <a:rPr lang="ru-RU" sz="3200" dirty="0" smtClean="0">
+                <a:latin typeface="+mj-lt"/>
+              </a:rPr>
+              <a:t>сортировка карт в списке</a:t>
+            </a:r>
+            <a:endParaRPr lang="en-US" sz="3200" dirty="0">
+              <a:latin typeface="+mj-lt"/>
+            </a:endParaRPr>
           </a:p>
         </p:txBody>
       </p:sp>
     </p:spTree>
     <p:extLst>
       <p:ext uri="{BB962C8B-B14F-4D97-AF65-F5344CB8AC3E}">
-        <p14:creationId xmlns:p14="http://schemas.microsoft.com/office/powerpoint/2010/main" val="2525432865"/>
+        <p14:creationId xmlns:p14="http://schemas.microsoft.com/office/powerpoint/2010/main" val="819894316"/>
       </p:ext>
     </p:extLst>
   </p:cSld>
@@ -4778,20 +4906,28 @@
             <p:ph type="title"/>
           </p:nvPr>
         </p:nvSpPr>
-        <p:spPr>
-          <a:xfrm>
-            <a:off x="838200" y="288180"/>
-            <a:ext cx="10515600" cy="1325563"/>
-          </a:xfrm>
-        </p:spPr>
-        <p:txBody>
-          <a:bodyPr/>
-          <a:lstStyle/>
-          <a:p>
-            <a:r>
-              <a:rPr lang="ru-RU" dirty="0"/>
-              <a:t>Тестирование</a:t>
-            </a:r>
+        <p:spPr/>
+        <p:txBody>
+          <a:bodyPr/>
+          <a:lstStyle/>
+          <a:p>
+            <a:r>
+              <a:rPr lang="ru-RU" dirty="0"/>
+              <a:t>Классы </a:t>
+            </a:r>
+            <a:r>
+              <a:rPr lang="en-US" dirty="0" err="1"/>
+              <a:t>ApplicationViewModel</a:t>
+            </a:r>
+            <a:r>
+              <a:rPr lang="ru-RU" dirty="0"/>
+              <a:t> и </a:t>
+            </a:r>
+            <a:r>
+              <a:rPr lang="en-US" dirty="0" err="1"/>
+              <a:t>MainWindow</a:t>
+            </a:r>
+            <a:endParaRPr lang="ru-RU" dirty="0"/>
           </a:p>
         </p:txBody>
       </p:sp>
@@ -4803,79 +4939,22 @@
         </p:nvSpPr>
         <p:spPr>
           <a:xfrm>
-            <a:off x="838200" y="1321356"/>
-            <a:ext cx="8848897" cy="584775"/>
+            <a:off x="1001486" y="1690688"/>
+            <a:ext cx="6096000" cy="1477328"/>
           </a:xfrm>
           <a:prstGeom prst="rect">
             <a:avLst/>
           </a:prstGeom>
         </p:spPr>
         <p:txBody>
-          <a:bodyPr wrap="none">
+          <a:bodyPr>
             <a:spAutoFit/>
           </a:bodyPr>
           <a:lstStyle/>
           <a:p>
             <a:r>
-              <a:rPr lang="ru-RU" sz="3200" dirty="0">
-                <a:latin typeface="+mj-lt"/>
-              </a:rPr>
-              <a:t>Консольный проект </a:t>
-            </a:r>
-            <a:r>
-              <a:rPr lang="en-US" sz="3200" dirty="0" err="1">
-                <a:latin typeface="+mj-lt"/>
-              </a:rPr>
-              <a:t>ConsoleTest.cs</a:t>
-            </a:r>
-            <a:r>
-              <a:rPr lang="en-US" sz="3200" dirty="0">
-                <a:latin typeface="+mj-lt"/>
-              </a:rPr>
-              <a:t> </a:t>
-            </a:r>
-            <a:r>
-              <a:rPr lang="ru-RU" sz="3200" dirty="0">
-                <a:latin typeface="+mj-lt"/>
-              </a:rPr>
-              <a:t>и </a:t>
-            </a:r>
-            <a:r>
-              <a:rPr lang="en-US" sz="3200" dirty="0" err="1">
-                <a:latin typeface="+mj-lt"/>
-              </a:rPr>
-              <a:t>Randomizer.cs</a:t>
-            </a:r>
-            <a:endParaRPr lang="en-US" sz="3200" dirty="0">
-              <a:latin typeface="+mj-lt"/>
-            </a:endParaRPr>
-          </a:p>
-        </p:txBody>
-      </p:sp>
-      <p:sp>
-        <p:nvSpPr>
-          <p:cNvPr id="5" name="Прямоугольник 4"/>
-          <p:cNvSpPr/>
-          <p:nvPr/>
-        </p:nvSpPr>
-        <p:spPr>
-          <a:xfrm>
-            <a:off x="838200" y="2062144"/>
-            <a:ext cx="7665368" cy="1754326"/>
-          </a:xfrm>
-          <a:prstGeom prst="rect">
-            <a:avLst/>
-          </a:prstGeom>
-        </p:spPr>
-        <p:txBody>
-          <a:bodyPr wrap="none">
-            <a:spAutoFit/>
-          </a:bodyPr>
-          <a:lstStyle/>
-          <a:p>
-            <a:r>
-              <a:rPr lang="ru-RU" dirty="0"/>
-              <a:t>Консольный проект включает в себя следующие тесты:</a:t>
+              <a:rPr lang="ru-RU" dirty="0"/>
+              <a:t>Содержит в себе:</a:t>
             </a:r>
           </a:p>
           <a:p>
@@ -4885,7 +4964,7 @@
             </a:pPr>
             <a:r>
               <a:rPr lang="ru-RU" dirty="0"/>
-              <a:t>Тест создания случайных карт</a:t>
+              <a:t>Поля</a:t>
             </a:r>
           </a:p>
           <a:p>
@@ -4895,7 +4974,7 @@
             </a:pPr>
             <a:r>
               <a:rPr lang="ru-RU" dirty="0"/>
-              <a:t>Тест создания случайного списка карт и сортировки</a:t>
+              <a:t>Конструктор по умолчанию</a:t>
             </a:r>
           </a:p>
           <a:p>
@@ -4905,7 +4984,7 @@
             </a:pPr>
             <a:r>
               <a:rPr lang="ru-RU" dirty="0"/>
-              <a:t>Тест создания случайных списков карт в менеджере и работы с данными</a:t>
+              <a:t>Свойства</a:t>
             </a:r>
           </a:p>
           <a:p>
@@ -4915,132 +4994,16 @@
             </a:pPr>
             <a:r>
               <a:rPr lang="ru-RU" dirty="0"/>
-              <a:t>Тест с измерением времени выполнения основных операций списка карт</a:t>
-            </a:r>
-          </a:p>
-          <a:p>
-            <a:pPr marL="285750" indent="-285750">
-              <a:buFont typeface="Arial" panose="020B0604020202020204" pitchFamily="34" charset="0"/>
-              <a:buChar char="•"/>
-            </a:pPr>
-            <a:endParaRPr lang="ru-RU" dirty="0"/>
-          </a:p>
-        </p:txBody>
-      </p:sp>
-      <p:sp>
-        <p:nvSpPr>
-          <p:cNvPr id="6" name="Прямоугольник 5"/>
-          <p:cNvSpPr/>
-          <p:nvPr/>
-        </p:nvSpPr>
-        <p:spPr>
-          <a:xfrm>
-            <a:off x="834270" y="3524352"/>
-            <a:ext cx="8771283" cy="2031325"/>
-          </a:xfrm>
-          <a:prstGeom prst="rect">
-            <a:avLst/>
-          </a:prstGeom>
-        </p:spPr>
-        <p:txBody>
-          <a:bodyPr wrap="square">
-            <a:spAutoFit/>
-          </a:bodyPr>
-          <a:lstStyle/>
-          <a:p>
-            <a:r>
-              <a:rPr lang="ru-RU" dirty="0"/>
-              <a:t>Методы работы с генератором псевдо-случайных чисел.</a:t>
-            </a:r>
-          </a:p>
-          <a:p>
-            <a:pPr marL="285750" indent="-285750">
-              <a:buFont typeface="Arial" panose="020B0604020202020204" pitchFamily="34" charset="0"/>
-              <a:buChar char="•"/>
-            </a:pPr>
-            <a:r>
-              <a:rPr lang="ru-RU" dirty="0"/>
-              <a:t>Статический доступ к глобальному генератору псевдо-случайных чисел (</a:t>
-            </a:r>
-            <a:r>
-              <a:rPr lang="ru-RU" dirty="0" err="1"/>
-              <a:t>Random</a:t>
-            </a:r>
-            <a:r>
-              <a:rPr lang="ru-RU" dirty="0"/>
-              <a:t>)</a:t>
-            </a:r>
-          </a:p>
-          <a:p>
-            <a:pPr marL="285750" indent="-285750">
-              <a:buFont typeface="Arial" panose="020B0604020202020204" pitchFamily="34" charset="0"/>
-              <a:buChar char="•"/>
-            </a:pPr>
-            <a:r>
-              <a:rPr lang="ru-RU" dirty="0" err="1"/>
-              <a:t>NextBool</a:t>
-            </a:r>
-            <a:r>
-              <a:rPr lang="ru-RU" dirty="0"/>
-              <a:t> (Получение следующего случайного булевого значения)</a:t>
-            </a:r>
-          </a:p>
-          <a:p>
-            <a:pPr marL="285750" indent="-285750">
-              <a:buFont typeface="Arial" panose="020B0604020202020204" pitchFamily="34" charset="0"/>
-              <a:buChar char="•"/>
-            </a:pPr>
-            <a:r>
-              <a:rPr lang="ru-RU" dirty="0" err="1"/>
-              <a:t>NextString</a:t>
-            </a:r>
-            <a:r>
-              <a:rPr lang="ru-RU" dirty="0"/>
-              <a:t> (Получение следующей случайной строки заданной длины)</a:t>
-            </a:r>
-          </a:p>
-          <a:p>
-            <a:pPr marL="285750" indent="-285750">
-              <a:buFont typeface="Arial" panose="020B0604020202020204" pitchFamily="34" charset="0"/>
-              <a:buChar char="•"/>
-            </a:pPr>
-            <a:r>
-              <a:rPr lang="ru-RU" dirty="0" err="1"/>
-              <a:t>NextCollectionIndex</a:t>
-            </a:r>
-            <a:r>
-              <a:rPr lang="ru-RU" dirty="0"/>
-              <a:t> (Получение следующего случайного индекса заданной коллекции)</a:t>
-            </a:r>
-          </a:p>
-          <a:p>
-            <a:pPr marL="285750" indent="-285750">
-              <a:buFont typeface="Arial" panose="020B0604020202020204" pitchFamily="34" charset="0"/>
-              <a:buChar char="•"/>
-            </a:pPr>
-            <a:r>
-              <a:rPr lang="ru-RU" dirty="0" err="1"/>
-              <a:t>NextDateTime</a:t>
-            </a:r>
-            <a:r>
-              <a:rPr lang="ru-RU" dirty="0"/>
-              <a:t> (Получение следующих даты и времени (</a:t>
-            </a:r>
-            <a:r>
-              <a:rPr lang="ru-RU" dirty="0" err="1"/>
-              <a:t>DateTime</a:t>
-            </a:r>
-            <a:r>
-              <a:rPr lang="ru-RU" dirty="0"/>
-              <a:t>))</a:t>
-            </a:r>
+              <a:t>Команды</a:t>
+            </a:r>
+            <a:endParaRPr lang="en-US" dirty="0"/>
           </a:p>
         </p:txBody>
       </p:sp>
     </p:spTree>
     <p:extLst>
       <p:ext uri="{BB962C8B-B14F-4D97-AF65-F5344CB8AC3E}">
-        <p14:creationId xmlns:p14="http://schemas.microsoft.com/office/powerpoint/2010/main" val="1424994494"/>
+        <p14:creationId xmlns:p14="http://schemas.microsoft.com/office/powerpoint/2010/main" val="2525432865"/>
       </p:ext>
     </p:extLst>
   </p:cSld>
@@ -5077,7 +5040,12 @@
             <p:ph type="title"/>
           </p:nvPr>
         </p:nvSpPr>
-        <p:spPr/>
+        <p:spPr>
+          <a:xfrm>
+            <a:off x="838200" y="288180"/>
+            <a:ext cx="10515600" cy="1325563"/>
+          </a:xfrm>
+        </p:spPr>
         <p:txBody>
           <a:bodyPr/>
           <a:lstStyle/>
@@ -5085,6 +5053,248 @@
             <a:r>
               <a:rPr lang="ru-RU" dirty="0"/>
               <a:t>Тестирование</a:t>
+            </a:r>
+          </a:p>
+        </p:txBody>
+      </p:sp>
+      <p:sp>
+        <p:nvSpPr>
+          <p:cNvPr id="3" name="Прямоугольник 2"/>
+          <p:cNvSpPr/>
+          <p:nvPr/>
+        </p:nvSpPr>
+        <p:spPr>
+          <a:xfrm>
+            <a:off x="838200" y="1321356"/>
+            <a:ext cx="8848897" cy="584775"/>
+          </a:xfrm>
+          <a:prstGeom prst="rect">
+            <a:avLst/>
+          </a:prstGeom>
+        </p:spPr>
+        <p:txBody>
+          <a:bodyPr wrap="none">
+            <a:spAutoFit/>
+          </a:bodyPr>
+          <a:lstStyle/>
+          <a:p>
+            <a:r>
+              <a:rPr lang="ru-RU" sz="3200" dirty="0">
+                <a:latin typeface="+mj-lt"/>
+              </a:rPr>
+              <a:t>Консольный проект </a:t>
+            </a:r>
+            <a:r>
+              <a:rPr lang="en-US" sz="3200" dirty="0" err="1">
+                <a:latin typeface="+mj-lt"/>
+              </a:rPr>
+              <a:t>ConsoleTest.cs</a:t>
+            </a:r>
+            <a:r>
+              <a:rPr lang="en-US" sz="3200" dirty="0">
+                <a:latin typeface="+mj-lt"/>
+              </a:rPr>
+              <a:t> </a:t>
+            </a:r>
+            <a:r>
+              <a:rPr lang="ru-RU" sz="3200" dirty="0">
+                <a:latin typeface="+mj-lt"/>
+              </a:rPr>
+              <a:t>и </a:t>
+            </a:r>
+            <a:r>
+              <a:rPr lang="en-US" sz="3200" dirty="0" err="1">
+                <a:latin typeface="+mj-lt"/>
+              </a:rPr>
+              <a:t>Randomizer.cs</a:t>
+            </a:r>
+            <a:endParaRPr lang="en-US" sz="3200" dirty="0">
+              <a:latin typeface="+mj-lt"/>
+            </a:endParaRPr>
+          </a:p>
+        </p:txBody>
+      </p:sp>
+      <p:sp>
+        <p:nvSpPr>
+          <p:cNvPr id="5" name="Прямоугольник 4"/>
+          <p:cNvSpPr/>
+          <p:nvPr/>
+        </p:nvSpPr>
+        <p:spPr>
+          <a:xfrm>
+            <a:off x="838200" y="2062144"/>
+            <a:ext cx="7665368" cy="1754326"/>
+          </a:xfrm>
+          <a:prstGeom prst="rect">
+            <a:avLst/>
+          </a:prstGeom>
+        </p:spPr>
+        <p:txBody>
+          <a:bodyPr wrap="none">
+            <a:spAutoFit/>
+          </a:bodyPr>
+          <a:lstStyle/>
+          <a:p>
+            <a:r>
+              <a:rPr lang="ru-RU" dirty="0"/>
+              <a:t>Консольный проект включает в себя следующие тесты:</a:t>
+            </a:r>
+          </a:p>
+          <a:p>
+            <a:pPr marL="285750" indent="-285750">
+              <a:buFont typeface="Arial" panose="020B0604020202020204" pitchFamily="34" charset="0"/>
+              <a:buChar char="•"/>
+            </a:pPr>
+            <a:r>
+              <a:rPr lang="ru-RU" dirty="0"/>
+              <a:t>Тест создания случайных карт</a:t>
+            </a:r>
+          </a:p>
+          <a:p>
+            <a:pPr marL="285750" indent="-285750">
+              <a:buFont typeface="Arial" panose="020B0604020202020204" pitchFamily="34" charset="0"/>
+              <a:buChar char="•"/>
+            </a:pPr>
+            <a:r>
+              <a:rPr lang="ru-RU" dirty="0"/>
+              <a:t>Тест создания случайного списка карт и сортировки</a:t>
+            </a:r>
+          </a:p>
+          <a:p>
+            <a:pPr marL="285750" indent="-285750">
+              <a:buFont typeface="Arial" panose="020B0604020202020204" pitchFamily="34" charset="0"/>
+              <a:buChar char="•"/>
+            </a:pPr>
+            <a:r>
+              <a:rPr lang="ru-RU" dirty="0"/>
+              <a:t>Тест создания случайных списков карт в менеджере и работы с данными</a:t>
+            </a:r>
+          </a:p>
+          <a:p>
+            <a:pPr marL="285750" indent="-285750">
+              <a:buFont typeface="Arial" panose="020B0604020202020204" pitchFamily="34" charset="0"/>
+              <a:buChar char="•"/>
+            </a:pPr>
+            <a:r>
+              <a:rPr lang="ru-RU" dirty="0"/>
+              <a:t>Тест с измерением времени выполнения основных операций списка карт</a:t>
+            </a:r>
+          </a:p>
+          <a:p>
+            <a:pPr marL="285750" indent="-285750">
+              <a:buFont typeface="Arial" panose="020B0604020202020204" pitchFamily="34" charset="0"/>
+              <a:buChar char="•"/>
+            </a:pPr>
+            <a:endParaRPr lang="ru-RU" dirty="0"/>
+          </a:p>
+        </p:txBody>
+      </p:sp>
+      <p:sp>
+        <p:nvSpPr>
+          <p:cNvPr id="6" name="Прямоугольник 5"/>
+          <p:cNvSpPr/>
+          <p:nvPr/>
+        </p:nvSpPr>
+        <p:spPr>
+          <a:xfrm>
+            <a:off x="834270" y="3524352"/>
+            <a:ext cx="8771283" cy="2031325"/>
+          </a:xfrm>
+          <a:prstGeom prst="rect">
+            <a:avLst/>
+          </a:prstGeom>
+        </p:spPr>
+        <p:txBody>
+          <a:bodyPr wrap="square">
+            <a:spAutoFit/>
+          </a:bodyPr>
+          <a:lstStyle/>
+          <a:p>
+            <a:r>
+              <a:rPr lang="ru-RU" dirty="0"/>
+              <a:t>Методы работы с генератором псевдо-случайных чисел.</a:t>
+            </a:r>
+          </a:p>
+          <a:p>
+            <a:pPr marL="285750" indent="-285750">
+              <a:buFont typeface="Arial" panose="020B0604020202020204" pitchFamily="34" charset="0"/>
+              <a:buChar char="•"/>
+            </a:pPr>
+            <a:r>
+              <a:rPr lang="ru-RU" dirty="0"/>
+              <a:t>Статический доступ к глобальному генератору псевдо-случайных чисел (</a:t>
+            </a:r>
+            <a:r>
+              <a:rPr lang="ru-RU" dirty="0" err="1"/>
+              <a:t>Random</a:t>
+            </a:r>
+            <a:r>
+              <a:rPr lang="ru-RU" dirty="0"/>
+              <a:t>)</a:t>
+            </a:r>
+          </a:p>
+          <a:p>
+            <a:pPr marL="285750" indent="-285750">
+              <a:buFont typeface="Arial" panose="020B0604020202020204" pitchFamily="34" charset="0"/>
+              <a:buChar char="•"/>
+            </a:pPr>
+            <a:r>
+              <a:rPr lang="ru-RU" dirty="0" err="1"/>
+              <a:t>NextBool</a:t>
+            </a:r>
+            <a:r>
+              <a:rPr lang="ru-RU" dirty="0"/>
+              <a:t> (Получение следующего случайного булевого значения)</a:t>
+            </a:r>
+          </a:p>
+          <a:p>
+            <a:pPr marL="285750" indent="-285750">
+              <a:buFont typeface="Arial" panose="020B0604020202020204" pitchFamily="34" charset="0"/>
+              <a:buChar char="•"/>
+            </a:pPr>
+            <a:r>
+              <a:rPr lang="ru-RU" dirty="0" err="1"/>
+              <a:t>NextString</a:t>
+            </a:r>
+            <a:r>
+              <a:rPr lang="ru-RU" dirty="0"/>
+              <a:t> (Получение следующей случайной строки заданной длины)</a:t>
+            </a:r>
+          </a:p>
+          <a:p>
+            <a:pPr marL="285750" indent="-285750">
+              <a:buFont typeface="Arial" panose="020B0604020202020204" pitchFamily="34" charset="0"/>
+              <a:buChar char="•"/>
+            </a:pPr>
+            <a:r>
+              <a:rPr lang="ru-RU" dirty="0" err="1"/>
+              <a:t>NextCollectionIndex</a:t>
+            </a:r>
+            <a:r>
+              <a:rPr lang="ru-RU" dirty="0"/>
+              <a:t> (Получение следующего случайного индекса заданной коллекции)</a:t>
+            </a:r>
+          </a:p>
+          <a:p>
+            <a:pPr marL="285750" indent="-285750">
+              <a:buFont typeface="Arial" panose="020B0604020202020204" pitchFamily="34" charset="0"/>
+              <a:buChar char="•"/>
+            </a:pPr>
+            <a:r>
+              <a:rPr lang="ru-RU" dirty="0" err="1"/>
+              <a:t>NextDateTime</a:t>
+            </a:r>
+            <a:r>
+              <a:rPr lang="ru-RU" dirty="0"/>
+              <a:t> (Получение следующих даты и времени (</a:t>
+            </a:r>
+            <a:r>
+              <a:rPr lang="ru-RU" dirty="0" err="1"/>
+              <a:t>DateTime</a:t>
+            </a:r>
+            <a:r>
+              <a:rPr lang="ru-RU" dirty="0"/>
+              <a:t>))</a:t>
             </a:r>
           </a:p>
         </p:txBody>
@@ -5092,7 +5302,7 @@
     </p:spTree>
     <p:extLst>
       <p:ext uri="{BB962C8B-B14F-4D97-AF65-F5344CB8AC3E}">
-        <p14:creationId xmlns:p14="http://schemas.microsoft.com/office/powerpoint/2010/main" val="4284715473"/>
+        <p14:creationId xmlns:p14="http://schemas.microsoft.com/office/powerpoint/2010/main" val="1424994494"/>
       </p:ext>
     </p:extLst>
   </p:cSld>
@@ -5136,7 +5346,7 @@
           <a:p>
             <a:r>
               <a:rPr lang="ru-RU" dirty="0"/>
-              <a:t>Почему тесты это важно?</a:t>
+              <a:t>Тестирование</a:t>
             </a:r>
           </a:p>
         </p:txBody>
@@ -5144,7 +5354,7 @@
     </p:spTree>
     <p:extLst>
       <p:ext uri="{BB962C8B-B14F-4D97-AF65-F5344CB8AC3E}">
-        <p14:creationId xmlns:p14="http://schemas.microsoft.com/office/powerpoint/2010/main" val="3961446787"/>
+        <p14:creationId xmlns:p14="http://schemas.microsoft.com/office/powerpoint/2010/main" val="4284715473"/>
       </p:ext>
     </p:extLst>
   </p:cSld>
@@ -5188,7 +5398,7 @@
           <a:p>
             <a:r>
               <a:rPr lang="ru-RU" dirty="0"/>
-              <a:t>Требования</a:t>
+              <a:t>Почему тесты это важно?</a:t>
             </a:r>
           </a:p>
         </p:txBody>
@@ -5196,7 +5406,7 @@
     </p:spTree>
     <p:extLst>
       <p:ext uri="{BB962C8B-B14F-4D97-AF65-F5344CB8AC3E}">
-        <p14:creationId xmlns:p14="http://schemas.microsoft.com/office/powerpoint/2010/main" val="3127280586"/>
+        <p14:creationId xmlns:p14="http://schemas.microsoft.com/office/powerpoint/2010/main" val="3961446787"/>
       </p:ext>
     </p:extLst>
   </p:cSld>
@@ -5240,7 +5450,7 @@
           <a:p>
             <a:r>
               <a:rPr lang="ru-RU" dirty="0"/>
-              <a:t>Тест план</a:t>
+              <a:t>Требования</a:t>
             </a:r>
           </a:p>
         </p:txBody>
@@ -5248,7 +5458,7 @@
     </p:spTree>
     <p:extLst>
       <p:ext uri="{BB962C8B-B14F-4D97-AF65-F5344CB8AC3E}">
-        <p14:creationId xmlns:p14="http://schemas.microsoft.com/office/powerpoint/2010/main" val="393638615"/>
+        <p14:creationId xmlns:p14="http://schemas.microsoft.com/office/powerpoint/2010/main" val="3127280586"/>
       </p:ext>
     </p:extLst>
   </p:cSld>
@@ -5292,7 +5502,7 @@
           <a:p>
             <a:r>
               <a:rPr lang="ru-RU" dirty="0"/>
-              <a:t>Методы тестирования</a:t>
+              <a:t>Тест план</a:t>
             </a:r>
           </a:p>
         </p:txBody>
@@ -5300,7 +5510,7 @@
     </p:spTree>
     <p:extLst>
       <p:ext uri="{BB962C8B-B14F-4D97-AF65-F5344CB8AC3E}">
-        <p14:creationId xmlns:p14="http://schemas.microsoft.com/office/powerpoint/2010/main" val="2362220205"/>
+        <p14:creationId xmlns:p14="http://schemas.microsoft.com/office/powerpoint/2010/main" val="393638615"/>
       </p:ext>
     </p:extLst>
   </p:cSld>
@@ -5344,7 +5554,7 @@
           <a:p>
             <a:r>
               <a:rPr lang="ru-RU" dirty="0"/>
-              <a:t>Отчет о тестировании</a:t>
+              <a:t>Методы тестирования</a:t>
             </a:r>
           </a:p>
         </p:txBody>
@@ -5352,7 +5562,7 @@
     </p:spTree>
     <p:extLst>
       <p:ext uri="{BB962C8B-B14F-4D97-AF65-F5344CB8AC3E}">
-        <p14:creationId xmlns:p14="http://schemas.microsoft.com/office/powerpoint/2010/main" val="2947701087"/>
+        <p14:creationId xmlns:p14="http://schemas.microsoft.com/office/powerpoint/2010/main" val="2362220205"/>
       </p:ext>
     </p:extLst>
   </p:cSld>
@@ -5396,7 +5606,7 @@
           <a:p>
             <a:r>
               <a:rPr lang="ru-RU" dirty="0"/>
-              <a:t>Выводы</a:t>
+              <a:t>Отчет о тестировании</a:t>
             </a:r>
           </a:p>
         </p:txBody>
@@ -5404,7 +5614,7 @@
     </p:spTree>
     <p:extLst>
       <p:ext uri="{BB962C8B-B14F-4D97-AF65-F5344CB8AC3E}">
-        <p14:creationId xmlns:p14="http://schemas.microsoft.com/office/powerpoint/2010/main" val="1903829905"/>
+        <p14:creationId xmlns:p14="http://schemas.microsoft.com/office/powerpoint/2010/main" val="2947701087"/>
       </p:ext>
     </p:extLst>
   </p:cSld>
@@ -5448,7 +5658,7 @@
           <a:p>
             <a:r>
               <a:rPr lang="ru-RU" dirty="0"/>
-              <a:t>Практическая ценность</a:t>
+              <a:t>Выводы</a:t>
             </a:r>
           </a:p>
         </p:txBody>
@@ -5456,7 +5666,7 @@
     </p:spTree>
     <p:extLst>
       <p:ext uri="{BB962C8B-B14F-4D97-AF65-F5344CB8AC3E}">
-        <p14:creationId xmlns:p14="http://schemas.microsoft.com/office/powerpoint/2010/main" val="1119145762"/>
+        <p14:creationId xmlns:p14="http://schemas.microsoft.com/office/powerpoint/2010/main" val="1903829905"/>
       </p:ext>
     </p:extLst>
   </p:cSld>
@@ -5583,6 +5793,58 @@
 </file>
 
 <file path=ppt/slides/slide30.xml><?xml version="1.0" encoding="utf-8"?>
+<p:sld xmlns:a="http://schemas.openxmlformats.org/drawingml/2006/main" xmlns:r="http://schemas.openxmlformats.org/officeDocument/2006/relationships" xmlns:p="http://schemas.openxmlformats.org/presentationml/2006/main">
+  <p:cSld>
+    <p:spTree>
+      <p:nvGrpSpPr>
+        <p:cNvPr id="1" name=""/>
+        <p:cNvGrpSpPr/>
+        <p:nvPr/>
+      </p:nvGrpSpPr>
+      <p:grpSpPr>
+        <a:xfrm>
+          <a:off x="0" y="0"/>
+          <a:ext cx="0" cy="0"/>
+          <a:chOff x="0" y="0"/>
+          <a:chExt cx="0" cy="0"/>
+        </a:xfrm>
+      </p:grpSpPr>
+      <p:sp>
+        <p:nvSpPr>
+          <p:cNvPr id="2" name="Заголовок 1"/>
+          <p:cNvSpPr>
+            <a:spLocks noGrp="1"/>
+          </p:cNvSpPr>
+          <p:nvPr>
+            <p:ph type="title"/>
+          </p:nvPr>
+        </p:nvSpPr>
+        <p:spPr/>
+        <p:txBody>
+          <a:bodyPr/>
+          <a:lstStyle/>
+          <a:p>
+            <a:r>
+              <a:rPr lang="ru-RU" dirty="0"/>
+              <a:t>Практическая ценность</a:t>
+            </a:r>
+          </a:p>
+        </p:txBody>
+      </p:sp>
+    </p:spTree>
+    <p:extLst>
+      <p:ext uri="{BB962C8B-B14F-4D97-AF65-F5344CB8AC3E}">
+        <p14:creationId xmlns:p14="http://schemas.microsoft.com/office/powerpoint/2010/main" val="1119145762"/>
+      </p:ext>
+    </p:extLst>
+  </p:cSld>
+  <p:clrMapOvr>
+    <a:masterClrMapping/>
+  </p:clrMapOvr>
+</p:sld>
+</file>
+
+<file path=ppt/slides/slide31.xml><?xml version="1.0" encoding="utf-8"?>
 <p:sld xmlns:a="http://schemas.openxmlformats.org/drawingml/2006/main" xmlns:r="http://schemas.openxmlformats.org/officeDocument/2006/relationships" xmlns:p="http://schemas.openxmlformats.org/presentationml/2006/main">
   <p:cSld>
     <p:spTree>

--- a/docs/Timelon.pptx
+++ b/docs/Timelon.pptx
@@ -4927,116 +4927,6 @@
           </a:p>
         </p:txBody>
       </p:sp>
-      <p:sp>
-        <p:nvSpPr>
-          <p:cNvPr id="6" name="Прямоугольник 5"/>
-          <p:cNvSpPr/>
-          <p:nvPr/>
-        </p:nvSpPr>
-        <p:spPr>
-          <a:xfrm>
-            <a:off x="834270" y="3524352"/>
-            <a:ext cx="8771283" cy="2031325"/>
-          </a:xfrm>
-          <a:prstGeom prst="rect">
-            <a:avLst/>
-          </a:prstGeom>
-        </p:spPr>
-        <p:txBody>
-          <a:bodyPr wrap="square">
-            <a:spAutoFit/>
-          </a:bodyPr>
-          <a:lstStyle/>
-          <a:p>
-            <a:r>
-              <a:rPr lang="ru-RU" dirty="0"/>
-              <a:t>Методы работы с генератором псевдо-случайных чисел.</a:t>
-            </a:r>
-          </a:p>
-          <a:p>
-            <a:pPr marL="285750" indent="-285750">
-              <a:buFont typeface="Arial" panose="020B0604020202020204" pitchFamily="34" charset="0"/>
-              <a:buChar char="•"/>
-            </a:pPr>
-            <a:r>
-              <a:rPr lang="ru-RU" dirty="0"/>
-              <a:t>Статический доступ к глобальному генератору псевдо-случайных чисел (</a:t>
-            </a:r>
-            <a:r>
-              <a:rPr lang="ru-RU" dirty="0" err="1"/>
-              <a:t>Random</a:t>
-            </a:r>
-            <a:r>
-              <a:rPr lang="ru-RU" dirty="0"/>
-              <a:t>)</a:t>
-            </a:r>
-          </a:p>
-          <a:p>
-            <a:pPr marL="285750" indent="-285750">
-              <a:buFont typeface="Arial" panose="020B0604020202020204" pitchFamily="34" charset="0"/>
-              <a:buChar char="•"/>
-            </a:pPr>
-            <a:r>
-              <a:rPr lang="ru-RU" dirty="0" err="1"/>
-              <a:t>NextBool</a:t>
-            </a:r>
-            <a:r>
-              <a:rPr lang="ru-RU" dirty="0"/>
-              <a:t> (Получение следующего случайного булевого значения)</a:t>
-            </a:r>
-          </a:p>
-          <a:p>
-            <a:pPr marL="285750" indent="-285750">
-              <a:buFont typeface="Arial" panose="020B0604020202020204" pitchFamily="34" charset="0"/>
-              <a:buChar char="•"/>
-            </a:pPr>
-            <a:r>
-              <a:rPr lang="ru-RU" dirty="0" err="1"/>
-              <a:t>NextString</a:t>
-            </a:r>
-            <a:r>
-              <a:rPr lang="ru-RU" dirty="0"/>
-              <a:t> (Получение следующей случайной строки заданной длины)</a:t>
-            </a:r>
-          </a:p>
-          <a:p>
-            <a:pPr marL="285750" indent="-285750">
-              <a:buFont typeface="Arial" panose="020B0604020202020204" pitchFamily="34" charset="0"/>
-              <a:buChar char="•"/>
-            </a:pPr>
-            <a:r>
-              <a:rPr lang="ru-RU" dirty="0" err="1"/>
-              <a:t>NextCollectionIndex</a:t>
-            </a:r>
-            <a:r>
-              <a:rPr lang="ru-RU" dirty="0"/>
-              <a:t> (Получение следующего случайного индекса заданной коллекции)</a:t>
-            </a:r>
-          </a:p>
-          <a:p>
-            <a:pPr marL="285750" indent="-285750">
-              <a:buFont typeface="Arial" panose="020B0604020202020204" pitchFamily="34" charset="0"/>
-              <a:buChar char="•"/>
-            </a:pPr>
-            <a:r>
-              <a:rPr lang="ru-RU" dirty="0" err="1"/>
-              <a:t>NextDateTime</a:t>
-            </a:r>
-            <a:r>
-              <a:rPr lang="ru-RU" dirty="0"/>
-              <a:t> (Получение следующих даты и времени (</a:t>
-            </a:r>
-            <a:r>
-              <a:rPr lang="ru-RU" dirty="0" err="1"/>
-              <a:t>DateTime</a:t>
-            </a:r>
-            <a:r>
-              <a:rPr lang="ru-RU" dirty="0"/>
-              <a:t>))</a:t>
-            </a:r>
-          </a:p>
-        </p:txBody>
-      </p:sp>
     </p:spTree>
     <p:extLst>
       <p:ext uri="{BB962C8B-B14F-4D97-AF65-F5344CB8AC3E}">
@@ -5089,6 +4979,99 @@
           </a:p>
         </p:txBody>
       </p:sp>
+      <p:sp>
+        <p:nvSpPr>
+          <p:cNvPr id="3" name="TextBox 2">
+            <a:extLst>
+              <a:ext uri="{FF2B5EF4-FFF2-40B4-BE49-F238E27FC236}">
+                <a16:creationId xmlns:a16="http://schemas.microsoft.com/office/drawing/2014/main" id="{4C7D212D-B684-491A-8C10-17B8B661A75D}"/>
+              </a:ext>
+            </a:extLst>
+          </p:cNvPr>
+          <p:cNvSpPr txBox="1"/>
+          <p:nvPr/>
+        </p:nvSpPr>
+        <p:spPr>
+          <a:xfrm>
+            <a:off x="2629231" y="2282024"/>
+            <a:ext cx="6933538" cy="3108543"/>
+          </a:xfrm>
+          <a:prstGeom prst="rect">
+            <a:avLst/>
+          </a:prstGeom>
+          <a:noFill/>
+        </p:spPr>
+        <p:txBody>
+          <a:bodyPr wrap="square" rtlCol="0">
+            <a:spAutoFit/>
+          </a:bodyPr>
+          <a:lstStyle/>
+          <a:p>
+            <a:pPr marL="285750" indent="-285750">
+              <a:buFont typeface="Arial" panose="020B0604020202020204" pitchFamily="34" charset="0"/>
+              <a:buChar char="•"/>
+            </a:pPr>
+            <a:r>
+              <a:rPr lang="ru-RU" sz="2800" dirty="0"/>
+              <a:t>Почему тестирование это важно?</a:t>
+            </a:r>
+          </a:p>
+          <a:p>
+            <a:pPr marL="285750" indent="-285750">
+              <a:buFont typeface="Arial" panose="020B0604020202020204" pitchFamily="34" charset="0"/>
+              <a:buChar char="•"/>
+            </a:pPr>
+            <a:r>
+              <a:rPr lang="ru-RU" sz="2800" dirty="0"/>
+              <a:t>Требования к проекту</a:t>
+            </a:r>
+          </a:p>
+          <a:p>
+            <a:pPr marL="285750" indent="-285750">
+              <a:buFont typeface="Arial" panose="020B0604020202020204" pitchFamily="34" charset="0"/>
+              <a:buChar char="•"/>
+            </a:pPr>
+            <a:r>
+              <a:rPr lang="ru-RU" sz="2800" dirty="0"/>
+              <a:t>Тест план</a:t>
+            </a:r>
+          </a:p>
+          <a:p>
+            <a:pPr marL="285750" indent="-285750">
+              <a:buFont typeface="Arial" panose="020B0604020202020204" pitchFamily="34" charset="0"/>
+              <a:buChar char="•"/>
+            </a:pPr>
+            <a:r>
+              <a:rPr lang="ru-RU" sz="2800" dirty="0"/>
+              <a:t>Методы тестирования</a:t>
+            </a:r>
+          </a:p>
+          <a:p>
+            <a:pPr marL="285750" indent="-285750">
+              <a:buFont typeface="Arial" panose="020B0604020202020204" pitchFamily="34" charset="0"/>
+              <a:buChar char="•"/>
+            </a:pPr>
+            <a:r>
+              <a:rPr lang="ru-RU" sz="2800" dirty="0"/>
+              <a:t>Отчёт о тестировании</a:t>
+            </a:r>
+          </a:p>
+          <a:p>
+            <a:pPr marL="285750" indent="-285750">
+              <a:buFont typeface="Arial" panose="020B0604020202020204" pitchFamily="34" charset="0"/>
+              <a:buChar char="•"/>
+            </a:pPr>
+            <a:endParaRPr lang="ru-RU" sz="2800" dirty="0"/>
+          </a:p>
+          <a:p>
+            <a:pPr marL="285750" indent="-285750">
+              <a:buFont typeface="Arial" panose="020B0604020202020204" pitchFamily="34" charset="0"/>
+              <a:buChar char="•"/>
+            </a:pPr>
+            <a:endParaRPr lang="ru-RU" sz="2800" dirty="0"/>
+          </a:p>
+        </p:txBody>
+      </p:sp>
     </p:spTree>
     <p:extLst>
       <p:ext uri="{BB962C8B-B14F-4D97-AF65-F5344CB8AC3E}">
@@ -5136,8 +5119,74 @@
           <a:p>
             <a:r>
               <a:rPr lang="ru-RU" dirty="0"/>
-              <a:t>Почему тесты это важно?</a:t>
-            </a:r>
+              <a:t>Почему тестирование это важно?</a:t>
+            </a:r>
+          </a:p>
+        </p:txBody>
+      </p:sp>
+      <p:sp>
+        <p:nvSpPr>
+          <p:cNvPr id="3" name="TextBox 2">
+            <a:extLst>
+              <a:ext uri="{FF2B5EF4-FFF2-40B4-BE49-F238E27FC236}">
+                <a16:creationId xmlns:a16="http://schemas.microsoft.com/office/drawing/2014/main" id="{C84F3D5A-1232-4D39-B28F-5CC344873579}"/>
+              </a:ext>
+            </a:extLst>
+          </p:cNvPr>
+          <p:cNvSpPr txBox="1"/>
+          <p:nvPr/>
+        </p:nvSpPr>
+        <p:spPr>
+          <a:xfrm>
+            <a:off x="1806271" y="2751151"/>
+            <a:ext cx="8579457" cy="1569660"/>
+          </a:xfrm>
+          <a:prstGeom prst="rect">
+            <a:avLst/>
+          </a:prstGeom>
+          <a:noFill/>
+        </p:spPr>
+        <p:txBody>
+          <a:bodyPr wrap="square" rtlCol="0">
+            <a:spAutoFit/>
+          </a:bodyPr>
+          <a:lstStyle/>
+          <a:p>
+            <a:pPr marL="285750" indent="-285750">
+              <a:buFont typeface="Arial" panose="020B0604020202020204" pitchFamily="34" charset="0"/>
+              <a:buChar char="•"/>
+            </a:pPr>
+            <a:r>
+              <a:rPr lang="ru-RU" sz="2400" dirty="0"/>
+              <a:t>Возможность доказать некорректную работу программы</a:t>
+            </a:r>
+          </a:p>
+          <a:p>
+            <a:pPr marL="285750" indent="-285750">
+              <a:buFont typeface="Arial" panose="020B0604020202020204" pitchFamily="34" charset="0"/>
+              <a:buChar char="•"/>
+            </a:pPr>
+            <a:r>
+              <a:rPr lang="ru-RU" sz="2400" dirty="0"/>
+              <a:t>Выявление ошибок</a:t>
+            </a:r>
+          </a:p>
+          <a:p>
+            <a:pPr marL="285750" indent="-285750">
+              <a:buFont typeface="Arial" panose="020B0604020202020204" pitchFamily="34" charset="0"/>
+              <a:buChar char="•"/>
+            </a:pPr>
+            <a:r>
+              <a:rPr lang="ru-RU" sz="2400" dirty="0"/>
+              <a:t>Обеспечивает надёжность и простоту в использовании</a:t>
+            </a:r>
+          </a:p>
+          <a:p>
+            <a:pPr marL="285750" indent="-285750">
+              <a:buFont typeface="Arial" panose="020B0604020202020204" pitchFamily="34" charset="0"/>
+              <a:buChar char="•"/>
+            </a:pPr>
+            <a:endParaRPr lang="ru-RU" sz="2400" dirty="0"/>
           </a:p>
         </p:txBody>
       </p:sp>
@@ -5193,6 +5242,153 @@
           </a:p>
         </p:txBody>
       </p:sp>
+      <p:sp>
+        <p:nvSpPr>
+          <p:cNvPr id="3" name="TextBox 2">
+            <a:extLst>
+              <a:ext uri="{FF2B5EF4-FFF2-40B4-BE49-F238E27FC236}">
+                <a16:creationId xmlns:a16="http://schemas.microsoft.com/office/drawing/2014/main" id="{CB39F03C-FAC8-4C3F-8146-D86F293164EF}"/>
+              </a:ext>
+            </a:extLst>
+          </p:cNvPr>
+          <p:cNvSpPr txBox="1"/>
+          <p:nvPr/>
+        </p:nvSpPr>
+        <p:spPr>
+          <a:xfrm>
+            <a:off x="1826149" y="1579369"/>
+            <a:ext cx="8539701" cy="4770537"/>
+          </a:xfrm>
+          <a:prstGeom prst="rect">
+            <a:avLst/>
+          </a:prstGeom>
+          <a:noFill/>
+        </p:spPr>
+        <p:txBody>
+          <a:bodyPr wrap="square" rtlCol="0">
+            <a:spAutoFit/>
+          </a:bodyPr>
+          <a:lstStyle/>
+          <a:p>
+            <a:pPr marL="285750" indent="-285750">
+              <a:buFont typeface="Arial" panose="020B0604020202020204" pitchFamily="34" charset="0"/>
+              <a:buChar char="•"/>
+            </a:pPr>
+            <a:r>
+              <a:rPr lang="ru-RU" sz="2800" dirty="0"/>
+              <a:t>Функциональные требования</a:t>
+            </a:r>
+          </a:p>
+          <a:p>
+            <a:pPr marL="742950" lvl="1" indent="-285750">
+              <a:buFont typeface="Arial" panose="020B0604020202020204" pitchFamily="34" charset="0"/>
+              <a:buChar char="•"/>
+            </a:pPr>
+            <a:r>
+              <a:rPr lang="ru-RU" sz="2000" dirty="0"/>
+              <a:t>Timelon должен обладать функцией создания карточек задач.</a:t>
+            </a:r>
+          </a:p>
+          <a:p>
+            <a:pPr marL="742950" lvl="1" indent="-285750">
+              <a:buFont typeface="Arial" panose="020B0604020202020204" pitchFamily="34" charset="0"/>
+              <a:buChar char="•"/>
+            </a:pPr>
+            <a:r>
+              <a:rPr lang="ru-RU" sz="2000" dirty="0"/>
+              <a:t>Timelon должен хранить карточки задач.</a:t>
+            </a:r>
+          </a:p>
+          <a:p>
+            <a:pPr marL="742950" lvl="1" indent="-285750">
+              <a:buFont typeface="Arial" panose="020B0604020202020204" pitchFamily="34" charset="0"/>
+              <a:buChar char="•"/>
+            </a:pPr>
+            <a:r>
+              <a:rPr lang="ru-RU" sz="2000" dirty="0"/>
+              <a:t>Timelon должен обладать функцией создания списков для хранения нескольких карт задач.</a:t>
+            </a:r>
+          </a:p>
+          <a:p>
+            <a:pPr marL="742950" lvl="1" indent="-285750">
+              <a:buFont typeface="Arial" panose="020B0604020202020204" pitchFamily="34" charset="0"/>
+              <a:buChar char="•"/>
+            </a:pPr>
+            <a:r>
+              <a:rPr lang="ru-RU" sz="2000" dirty="0"/>
+              <a:t>…</a:t>
+            </a:r>
+            <a:endParaRPr lang="ru-RU" sz="2800" dirty="0"/>
+          </a:p>
+          <a:p>
+            <a:pPr marL="285750" indent="-285750">
+              <a:buFont typeface="Arial" panose="020B0604020202020204" pitchFamily="34" charset="0"/>
+              <a:buChar char="•"/>
+            </a:pPr>
+            <a:r>
+              <a:rPr lang="ru-RU" sz="2800" dirty="0"/>
+              <a:t>Требования к интерфейсу</a:t>
+            </a:r>
+          </a:p>
+          <a:p>
+            <a:pPr marL="742950" lvl="1" indent="-285750">
+              <a:buFont typeface="Arial" panose="020B0604020202020204" pitchFamily="34" charset="0"/>
+              <a:buChar char="•"/>
+            </a:pPr>
+            <a:r>
+              <a:rPr lang="ru-RU" sz="2000" dirty="0"/>
+              <a:t>На интерфейсе Timelon должно быть реализовано поле карточки задачи, отображающее основную информацию о задаче:</a:t>
+            </a:r>
+          </a:p>
+          <a:p>
+            <a:pPr marL="1200150" lvl="2" indent="-285750">
+              <a:buFont typeface="Arial" panose="020B0604020202020204" pitchFamily="34" charset="0"/>
+              <a:buChar char="•"/>
+            </a:pPr>
+            <a:r>
+              <a:rPr lang="ru-RU" sz="2000" dirty="0"/>
+              <a:t>статус выполнения</a:t>
+            </a:r>
+          </a:p>
+          <a:p>
+            <a:pPr marL="1200150" lvl="2" indent="-285750">
+              <a:buFont typeface="Arial" panose="020B0604020202020204" pitchFamily="34" charset="0"/>
+              <a:buChar char="•"/>
+            </a:pPr>
+            <a:r>
+              <a:rPr lang="ru-RU" sz="2000" dirty="0"/>
+              <a:t>название</a:t>
+            </a:r>
+          </a:p>
+          <a:p>
+            <a:pPr marL="1200150" lvl="2" indent="-285750">
+              <a:buFont typeface="Arial" panose="020B0604020202020204" pitchFamily="34" charset="0"/>
+              <a:buChar char="•"/>
+            </a:pPr>
+            <a:r>
+              <a:rPr lang="ru-RU" sz="2000" dirty="0"/>
+              <a:t>информация о важности</a:t>
+            </a:r>
+          </a:p>
+          <a:p>
+            <a:pPr marL="742950" lvl="1" indent="-285750">
+              <a:buFont typeface="Arial" panose="020B0604020202020204" pitchFamily="34" charset="0"/>
+              <a:buChar char="•"/>
+            </a:pPr>
+            <a:r>
+              <a:rPr lang="ru-RU" sz="2000" dirty="0"/>
+              <a:t>…</a:t>
+            </a:r>
+          </a:p>
+          <a:p>
+            <a:pPr marL="742950" lvl="1" indent="-285750">
+              <a:buFont typeface="Arial" panose="020B0604020202020204" pitchFamily="34" charset="0"/>
+              <a:buChar char="•"/>
+            </a:pPr>
+            <a:endParaRPr lang="ru-RU" sz="2800" dirty="0"/>
+          </a:p>
+        </p:txBody>
+      </p:sp>
     </p:spTree>
     <p:extLst>
       <p:ext uri="{BB962C8B-B14F-4D97-AF65-F5344CB8AC3E}">
@@ -5241,6 +5437,199 @@
             <a:r>
               <a:rPr lang="ru-RU" dirty="0"/>
               <a:t>Тест план</a:t>
+            </a:r>
+          </a:p>
+        </p:txBody>
+      </p:sp>
+      <p:sp>
+        <p:nvSpPr>
+          <p:cNvPr id="3" name="TextBox 2">
+            <a:extLst>
+              <a:ext uri="{FF2B5EF4-FFF2-40B4-BE49-F238E27FC236}">
+                <a16:creationId xmlns:a16="http://schemas.microsoft.com/office/drawing/2014/main" id="{F451546F-3AF1-42AC-9B97-43746690E48C}"/>
+              </a:ext>
+            </a:extLst>
+          </p:cNvPr>
+          <p:cNvSpPr txBox="1"/>
+          <p:nvPr/>
+        </p:nvSpPr>
+        <p:spPr>
+          <a:xfrm>
+            <a:off x="838201" y="1674674"/>
+            <a:ext cx="5257800" cy="2862322"/>
+          </a:xfrm>
+          <a:prstGeom prst="rect">
+            <a:avLst/>
+          </a:prstGeom>
+          <a:noFill/>
+        </p:spPr>
+        <p:txBody>
+          <a:bodyPr wrap="square" rtlCol="0">
+            <a:spAutoFit/>
+          </a:bodyPr>
+          <a:lstStyle/>
+          <a:p>
+            <a:r>
+              <a:rPr lang="ru-RU" sz="2000" i="1" dirty="0"/>
+              <a:t>Что такое тест-план</a:t>
+            </a:r>
+            <a:r>
+              <a:rPr lang="ru-RU" sz="2000" dirty="0"/>
+              <a:t>?</a:t>
+            </a:r>
+          </a:p>
+          <a:p>
+            <a:endParaRPr lang="ru-RU" sz="2000" dirty="0"/>
+          </a:p>
+          <a:p>
+            <a:r>
+              <a:rPr lang="ru-RU" sz="2000" dirty="0"/>
+              <a:t>Документ описывает методы и подходы к тестированию, которые будут</a:t>
+            </a:r>
+          </a:p>
+          <a:p>
+            <a:r>
+              <a:rPr lang="ru-RU" sz="2000" dirty="0"/>
+              <a:t>использоваться для тестирования приложения.</a:t>
+            </a:r>
+          </a:p>
+          <a:p>
+            <a:endParaRPr lang="ru-RU" sz="2000" dirty="0"/>
+          </a:p>
+          <a:p>
+            <a:endParaRPr lang="ru-RU" sz="2000" dirty="0"/>
+          </a:p>
+          <a:p>
+            <a:endParaRPr lang="ru-RU" sz="2000" dirty="0"/>
+          </a:p>
+        </p:txBody>
+      </p:sp>
+      <p:sp>
+        <p:nvSpPr>
+          <p:cNvPr id="4" name="TextBox 3">
+            <a:extLst>
+              <a:ext uri="{FF2B5EF4-FFF2-40B4-BE49-F238E27FC236}">
+                <a16:creationId xmlns:a16="http://schemas.microsoft.com/office/drawing/2014/main" id="{6929821F-63F7-48F7-9706-ACF0FC7C1092}"/>
+              </a:ext>
+            </a:extLst>
+          </p:cNvPr>
+          <p:cNvSpPr txBox="1"/>
+          <p:nvPr/>
+        </p:nvSpPr>
+        <p:spPr>
+          <a:xfrm>
+            <a:off x="6822219" y="1690688"/>
+            <a:ext cx="4627659" cy="1631216"/>
+          </a:xfrm>
+          <a:prstGeom prst="rect">
+            <a:avLst/>
+          </a:prstGeom>
+          <a:noFill/>
+        </p:spPr>
+        <p:txBody>
+          <a:bodyPr wrap="square" rtlCol="0">
+            <a:spAutoFit/>
+          </a:bodyPr>
+          <a:lstStyle/>
+          <a:p>
+            <a:r>
+              <a:rPr lang="ru-RU" sz="2000" i="1" dirty="0"/>
+              <a:t>Область тестирования</a:t>
+            </a:r>
+            <a:r>
+              <a:rPr lang="ru-RU" sz="2000" dirty="0"/>
+              <a:t>:</a:t>
+            </a:r>
+          </a:p>
+          <a:p>
+            <a:endParaRPr lang="ru-RU" sz="2000" dirty="0"/>
+          </a:p>
+          <a:p>
+            <a:pPr marL="285750" indent="-285750">
+              <a:buFont typeface="Arial" panose="020B0604020202020204" pitchFamily="34" charset="0"/>
+              <a:buChar char="•"/>
+            </a:pPr>
+            <a:r>
+              <a:rPr lang="ru-RU" sz="2000" dirty="0"/>
+              <a:t>Тестирование библиотеки классов</a:t>
+            </a:r>
+          </a:p>
+          <a:p>
+            <a:pPr marL="285750" indent="-285750">
+              <a:buFont typeface="Arial" panose="020B0604020202020204" pitchFamily="34" charset="0"/>
+              <a:buChar char="•"/>
+            </a:pPr>
+            <a:r>
+              <a:rPr lang="ru-RU" sz="2000" dirty="0"/>
+              <a:t>Тестирование реализованных в интерфейсе компонентов и функций</a:t>
+            </a:r>
+          </a:p>
+        </p:txBody>
+      </p:sp>
+      <p:sp>
+        <p:nvSpPr>
+          <p:cNvPr id="5" name="TextBox 4">
+            <a:extLst>
+              <a:ext uri="{FF2B5EF4-FFF2-40B4-BE49-F238E27FC236}">
+                <a16:creationId xmlns:a16="http://schemas.microsoft.com/office/drawing/2014/main" id="{76DB6899-86E7-4FD4-99BA-DC8AF36F213C}"/>
+              </a:ext>
+            </a:extLst>
+          </p:cNvPr>
+          <p:cNvSpPr txBox="1"/>
+          <p:nvPr/>
+        </p:nvSpPr>
+        <p:spPr>
+          <a:xfrm>
+            <a:off x="4166483" y="4198289"/>
+            <a:ext cx="4770782" cy="1631216"/>
+          </a:xfrm>
+          <a:prstGeom prst="rect">
+            <a:avLst/>
+          </a:prstGeom>
+          <a:noFill/>
+        </p:spPr>
+        <p:txBody>
+          <a:bodyPr wrap="square" rtlCol="0">
+            <a:spAutoFit/>
+          </a:bodyPr>
+          <a:lstStyle/>
+          <a:p>
+            <a:r>
+              <a:rPr lang="ru-RU" sz="2000" i="1" dirty="0"/>
+              <a:t>Типы тестирования:</a:t>
+            </a:r>
+          </a:p>
+          <a:p>
+            <a:endParaRPr lang="ru-RU" sz="2000" dirty="0"/>
+          </a:p>
+          <a:p>
+            <a:pPr marL="285750" indent="-285750">
+              <a:buFont typeface="Arial" panose="020B0604020202020204" pitchFamily="34" charset="0"/>
+              <a:buChar char="•"/>
+            </a:pPr>
+            <a:r>
+              <a:rPr lang="ru-RU" sz="2000" dirty="0"/>
+              <a:t>Функциональное</a:t>
+            </a:r>
+          </a:p>
+          <a:p>
+            <a:pPr marL="285750" indent="-285750">
+              <a:buFont typeface="Arial" panose="020B0604020202020204" pitchFamily="34" charset="0"/>
+              <a:buChar char="•"/>
+            </a:pPr>
+            <a:r>
+              <a:rPr lang="ru-RU" sz="2000" dirty="0"/>
+              <a:t>Тестирование интерфейса</a:t>
+            </a:r>
+          </a:p>
+          <a:p>
+            <a:pPr marL="285750" indent="-285750">
+              <a:buFont typeface="Arial" panose="020B0604020202020204" pitchFamily="34" charset="0"/>
+              <a:buChar char="•"/>
+            </a:pPr>
+            <a:r>
+              <a:rPr lang="ru-RU" sz="2000" dirty="0"/>
+              <a:t>Юзабилити-тестирование</a:t>
             </a:r>
           </a:p>
         </p:txBody>

--- a/docs/Timelon.pptx
+++ b/docs/Timelon.pptx
@@ -3185,6 +3185,30 @@
           </a:p>
         </p:txBody>
       </p:sp>
+      <p:pic>
+        <p:nvPicPr>
+          <p:cNvPr id="3" name="Рисунок 2"/>
+          <p:cNvPicPr>
+            <a:picLocks noChangeAspect="1"/>
+          </p:cNvPicPr>
+          <p:nvPr/>
+        </p:nvPicPr>
+        <p:blipFill>
+          <a:blip r:embed="rId2"/>
+          <a:stretch>
+            <a:fillRect/>
+          </a:stretch>
+        </p:blipFill>
+        <p:spPr>
+          <a:xfrm>
+            <a:off x="1944075" y="1690688"/>
+            <a:ext cx="8303850" cy="4489269"/>
+          </a:xfrm>
+          <a:prstGeom prst="rect">
+            <a:avLst/>
+          </a:prstGeom>
+        </p:spPr>
+      </p:pic>
     </p:spTree>
     <p:extLst>
       <p:ext uri="{BB962C8B-B14F-4D97-AF65-F5344CB8AC3E}">
@@ -3231,7 +3255,11 @@
           <a:lstStyle/>
           <a:p>
             <a:r>
-              <a:rPr lang="en-US" dirty="0"/>
+              <a:rPr lang="ru-RU" dirty="0" smtClean="0"/>
+              <a:t>Технология </a:t>
+            </a:r>
+            <a:r>
+              <a:rPr lang="en-US" dirty="0" smtClean="0"/>
               <a:t>WPF </a:t>
             </a:r>
             <a:r>
@@ -3239,7 +3267,11 @@
               <a:t>и </a:t>
             </a:r>
             <a:r>
-              <a:rPr lang="en-US" dirty="0"/>
+              <a:rPr lang="ru-RU" dirty="0" smtClean="0"/>
+              <a:t>язык </a:t>
+            </a:r>
+            <a:r>
+              <a:rPr lang="en-US" dirty="0" smtClean="0"/>
               <a:t>XAML</a:t>
             </a:r>
             <a:endParaRPr lang="ru-RU" dirty="0"/>
@@ -3415,7 +3447,7 @@
         </p:nvSpPr>
         <p:spPr>
           <a:xfrm>
-            <a:off x="838200" y="2021614"/>
+            <a:off x="838200" y="1868563"/>
             <a:ext cx="9986554" cy="3416320"/>
           </a:xfrm>
           <a:prstGeom prst="rect">
@@ -3555,7 +3587,6 @@
               <a:rPr lang="ru-RU" dirty="0"/>
               <a:t>(Сохранить данные в файл)</a:t>
             </a:r>
-            <a:endParaRPr lang="ru-RU" dirty="0"/>
           </a:p>
         </p:txBody>
       </p:sp>
@@ -3660,7 +3691,7 @@
         </p:nvSpPr>
         <p:spPr>
           <a:xfrm>
-            <a:off x="742406" y="1657079"/>
+            <a:off x="838200" y="1404530"/>
             <a:ext cx="9986555" cy="3970318"/>
           </a:xfrm>
           <a:prstGeom prst="rect">
@@ -3881,7 +3912,6 @@
               <a:rPr lang="ru-RU" dirty="0"/>
               <a:t>(Список Карт)</a:t>
             </a:r>
-            <a:endParaRPr lang="ru-RU" dirty="0"/>
           </a:p>
         </p:txBody>
       </p:sp>
@@ -4066,7 +4096,6 @@
               <a:rPr lang="ru-RU" dirty="0"/>
               <a:t>обратить внимание на то, что дата обновления и запланированная дата напрямую зависят от даты создания - они не могут превышать ее. Соответственно, при изменении даты создания зависимые от нее даты будут перепроверены автоматически</a:t>
             </a:r>
-            <a:endParaRPr lang="ru-RU" dirty="0"/>
           </a:p>
         </p:txBody>
       </p:sp>

--- a/docs/Timelon.pptx
+++ b/docs/Timelon.pptx
@@ -24,17 +24,18 @@
     <p:sldId id="261" r:id="rId18"/>
     <p:sldId id="267" r:id="rId19"/>
     <p:sldId id="268" r:id="rId20"/>
-    <p:sldId id="269" r:id="rId21"/>
-    <p:sldId id="263" r:id="rId22"/>
-    <p:sldId id="282" r:id="rId23"/>
-    <p:sldId id="283" r:id="rId24"/>
-    <p:sldId id="284" r:id="rId25"/>
-    <p:sldId id="285" r:id="rId26"/>
-    <p:sldId id="286" r:id="rId27"/>
-    <p:sldId id="288" r:id="rId28"/>
-    <p:sldId id="289" r:id="rId29"/>
-    <p:sldId id="264" r:id="rId30"/>
-    <p:sldId id="266" r:id="rId31"/>
+    <p:sldId id="290" r:id="rId21"/>
+    <p:sldId id="269" r:id="rId22"/>
+    <p:sldId id="263" r:id="rId23"/>
+    <p:sldId id="282" r:id="rId24"/>
+    <p:sldId id="283" r:id="rId25"/>
+    <p:sldId id="284" r:id="rId26"/>
+    <p:sldId id="285" r:id="rId27"/>
+    <p:sldId id="286" r:id="rId28"/>
+    <p:sldId id="288" r:id="rId29"/>
+    <p:sldId id="289" r:id="rId30"/>
+    <p:sldId id="264" r:id="rId31"/>
+    <p:sldId id="266" r:id="rId32"/>
   </p:sldIdLst>
   <p:sldSz cx="12192000" cy="6858000"/>
   <p:notesSz cx="6858000" cy="9144000"/>
@@ -3230,7 +3231,11 @@
           <a:lstStyle/>
           <a:p>
             <a:r>
-              <a:rPr lang="en-US" dirty="0"/>
+              <a:rPr lang="ru-RU" dirty="0" smtClean="0"/>
+              <a:t>Технология </a:t>
+            </a:r>
+            <a:r>
+              <a:rPr lang="en-US" dirty="0" smtClean="0"/>
               <a:t>WPF </a:t>
             </a:r>
             <a:r>
@@ -3238,7 +3243,11 @@
               <a:t>и </a:t>
             </a:r>
             <a:r>
-              <a:rPr lang="en-US" dirty="0"/>
+              <a:rPr lang="ru-RU" dirty="0" smtClean="0"/>
+              <a:t>язык </a:t>
+            </a:r>
+            <a:r>
+              <a:rPr lang="en-US" dirty="0" smtClean="0"/>
               <a:t>XAML</a:t>
             </a:r>
             <a:endParaRPr lang="ru-RU" dirty="0"/>
@@ -3415,7 +3424,7 @@
         <p:spPr>
           <a:xfrm>
             <a:off x="838200" y="2021614"/>
-            <a:ext cx="9986554" cy="3416320"/>
+            <a:ext cx="9986554" cy="3693319"/>
           </a:xfrm>
           <a:prstGeom prst="rect">
             <a:avLst/>
@@ -3429,17 +3438,29 @@
           <a:p>
             <a:pPr algn="just"/>
             <a:r>
-              <a:rPr lang="ru-RU" dirty="0"/>
-              <a:t>Класс Менеджер содержит в себе сортированный список всех объектов </a:t>
-            </a:r>
-            <a:r>
-              <a:rPr lang="ru-RU" dirty="0" err="1"/>
-              <a:t>CardList</a:t>
-            </a:r>
-            <a:r>
-              <a:rPr lang="ru-RU" dirty="0"/>
-              <a:t> и базовые методы работы с ним, такие как:</a:t>
-            </a:r>
+              <a:rPr lang="ru-RU" dirty="0" smtClean="0"/>
+              <a:t>Отвечает </a:t>
+            </a:r>
+            <a:r>
+              <a:rPr lang="ru-RU" dirty="0"/>
+              <a:t>за сохранение и загрузку данных, а также хранение объектов, полученных из этих данных (Следует иметь ввиду, что при использовании Менеджера в своих решениях, желательно инициализировать экземпляр класса как можно раньше, если он не был инициализирован до этого</a:t>
+            </a:r>
+            <a:r>
+              <a:rPr lang="ru-RU" dirty="0" smtClean="0"/>
+              <a:t>.) </a:t>
+            </a:r>
+          </a:p>
+          <a:p>
+            <a:pPr algn="just"/>
+            <a:endParaRPr lang="ru-RU" dirty="0"/>
+          </a:p>
+          <a:p>
+            <a:pPr algn="just"/>
+            <a:r>
+              <a:rPr lang="ru-RU" dirty="0" smtClean="0"/>
+              <a:t>Методы класс:</a:t>
+            </a:r>
+            <a:endParaRPr lang="ru-RU" dirty="0"/>
           </a:p>
           <a:p>
             <a:pPr marL="285750" indent="-285750" algn="just">
@@ -3447,12 +3468,16 @@
               <a:buChar char="•"/>
             </a:pPr>
             <a:r>
-              <a:rPr lang="ru-RU" dirty="0" err="1"/>
+              <a:rPr lang="ru-RU" dirty="0" err="1" smtClean="0"/>
               <a:t>GetList</a:t>
             </a:r>
             <a:r>
-              <a:rPr lang="ru-RU" dirty="0"/>
-              <a:t> (Получение списка)</a:t>
+              <a:rPr lang="ru-RU" dirty="0" smtClean="0"/>
+              <a:t> </a:t>
+            </a:r>
+            <a:r>
+              <a:rPr lang="ru-RU" dirty="0"/>
+              <a:t>(Получение списка)</a:t>
             </a:r>
           </a:p>
           <a:p>
@@ -3461,12 +3486,16 @@
               <a:buChar char="•"/>
             </a:pPr>
             <a:r>
-              <a:rPr lang="ru-RU" dirty="0" err="1"/>
+              <a:rPr lang="ru-RU" dirty="0" err="1" smtClean="0"/>
               <a:t>SetList</a:t>
             </a:r>
             <a:r>
-              <a:rPr lang="ru-RU" dirty="0"/>
-              <a:t> (Вставка Списка)</a:t>
+              <a:rPr lang="ru-RU" dirty="0" smtClean="0"/>
+              <a:t> </a:t>
+            </a:r>
+            <a:r>
+              <a:rPr lang="ru-RU" dirty="0"/>
+              <a:t>(Вставка Списка)</a:t>
             </a:r>
           </a:p>
           <a:p>
@@ -3475,12 +3504,16 @@
               <a:buChar char="•"/>
             </a:pPr>
             <a:r>
-              <a:rPr lang="ru-RU" dirty="0" err="1"/>
+              <a:rPr lang="ru-RU" dirty="0" err="1" smtClean="0"/>
               <a:t>RemoveList</a:t>
             </a:r>
             <a:r>
-              <a:rPr lang="ru-RU" dirty="0"/>
-              <a:t> (Удаление Списка)</a:t>
+              <a:rPr lang="ru-RU" dirty="0" smtClean="0"/>
+              <a:t> </a:t>
+            </a:r>
+            <a:r>
+              <a:rPr lang="ru-RU" dirty="0"/>
+              <a:t>(Удаление Списка)</a:t>
             </a:r>
           </a:p>
           <a:p>
@@ -3489,84 +3522,53 @@
               <a:buChar char="•"/>
             </a:pPr>
             <a:r>
+              <a:rPr lang="ru-RU" dirty="0" err="1" smtClean="0"/>
+              <a:t>ContainsList</a:t>
+            </a:r>
+            <a:r>
+              <a:rPr lang="ru-RU" dirty="0" smtClean="0"/>
+              <a:t> </a:t>
+            </a:r>
+            <a:r>
+              <a:rPr lang="ru-RU" dirty="0"/>
+              <a:t>(Проверка на существование Списка)</a:t>
+            </a:r>
+          </a:p>
+          <a:p>
+            <a:pPr algn="just"/>
+            <a:endParaRPr lang="ru-RU" dirty="0" smtClean="0"/>
+          </a:p>
+          <a:p>
+            <a:pPr algn="just"/>
+            <a:r>
+              <a:rPr lang="ru-RU" dirty="0" smtClean="0"/>
+              <a:t>Работа </a:t>
+            </a:r>
+            <a:r>
+              <a:rPr lang="ru-RU" dirty="0"/>
+              <a:t>с данными (XML</a:t>
+            </a:r>
+            <a:r>
+              <a:rPr lang="ru-RU" dirty="0" smtClean="0"/>
+              <a:t>):</a:t>
+            </a:r>
+            <a:endParaRPr lang="ru-RU" dirty="0"/>
+          </a:p>
+          <a:p>
+            <a:pPr algn="just"/>
+            <a:r>
+              <a:rPr lang="ru-RU" dirty="0"/>
+              <a:t>- </a:t>
+            </a:r>
+            <a:r>
               <a:rPr lang="ru-RU" dirty="0" err="1"/>
-              <a:t>ContainsList</a:t>
-            </a:r>
-            <a:r>
-              <a:rPr lang="ru-RU" dirty="0"/>
-              <a:t> (Проверка на существование Списка)</a:t>
-            </a:r>
-          </a:p>
-          <a:p>
-            <a:pPr marL="285750" indent="-285750" algn="just">
-              <a:buFont typeface="Arial" panose="020B0604020202020204" pitchFamily="34" charset="0"/>
-              <a:buChar char="•"/>
-            </a:pPr>
-            <a:r>
-              <a:rPr lang="ru-RU" dirty="0" err="1"/>
-              <a:t>SearchByContent</a:t>
-            </a:r>
-            <a:r>
-              <a:rPr lang="ru-RU" dirty="0"/>
-              <a:t> (Поиск по контенту во всех Списках)</a:t>
-            </a:r>
-          </a:p>
-          <a:p>
-            <a:pPr marL="285750" indent="-285750" algn="just">
-              <a:buFont typeface="Arial" panose="020B0604020202020204" pitchFamily="34" charset="0"/>
-              <a:buChar char="•"/>
-            </a:pPr>
-            <a:r>
-              <a:rPr lang="ru-RU" dirty="0" err="1"/>
-              <a:t>InjectEssentials</a:t>
-            </a:r>
-            <a:r>
-              <a:rPr lang="ru-RU" dirty="0"/>
-              <a:t> (Внедрить закрепленные Списки)</a:t>
-            </a:r>
-            <a:endParaRPr lang="en-US" dirty="0"/>
-          </a:p>
-          <a:p>
-            <a:pPr marL="285750" indent="-285750" algn="just">
-              <a:buFont typeface="Arial" panose="020B0604020202020204" pitchFamily="34" charset="0"/>
-              <a:buChar char="•"/>
-            </a:pPr>
-            <a:endParaRPr lang="en-US" dirty="0"/>
-          </a:p>
-          <a:p>
-            <a:pPr algn="just"/>
-            <a:r>
-              <a:rPr lang="ru-RU" dirty="0"/>
-              <a:t>Также в классе реализованы методы работы с данными:</a:t>
-            </a:r>
-          </a:p>
-          <a:p>
-            <a:pPr marL="285750" indent="-285750" algn="just">
-              <a:buFont typeface="Arial" panose="020B0604020202020204" pitchFamily="34" charset="0"/>
-              <a:buChar char="•"/>
-            </a:pPr>
-            <a:r>
-              <a:rPr lang="ru-RU" dirty="0" err="1"/>
-              <a:t>Sync</a:t>
-            </a:r>
-            <a:r>
-              <a:rPr lang="ru-RU" dirty="0"/>
-              <a:t> (Сохранить данные в файл)  </a:t>
-            </a:r>
-          </a:p>
-          <a:p>
-            <a:pPr marL="285750" indent="-285750" algn="just">
-              <a:buFont typeface="Arial" panose="020B0604020202020204" pitchFamily="34" charset="0"/>
-              <a:buChar char="•"/>
-            </a:pPr>
-            <a:r>
-              <a:rPr lang="ru-RU" dirty="0" err="1"/>
-              <a:t>Load</a:t>
-            </a:r>
-            <a:r>
-              <a:rPr lang="ru-RU" dirty="0"/>
-              <a:t> (Загрузить данные из файла)</a:t>
-            </a:r>
+              <a:t>SaveData</a:t>
+            </a:r>
+            <a:r>
+              <a:rPr lang="ru-RU" dirty="0"/>
+              <a:t> (Сохранить данные в файл)</a:t>
+            </a:r>
+            <a:endParaRPr lang="ru-RU" dirty="0"/>
           </a:p>
         </p:txBody>
       </p:sp>
@@ -3723,7 +3725,7 @@
         <p:spPr>
           <a:xfrm>
             <a:off x="838199" y="2156774"/>
-            <a:ext cx="9986555" cy="3416320"/>
+            <a:ext cx="9986555" cy="3970318"/>
           </a:xfrm>
           <a:prstGeom prst="rect">
             <a:avLst/>
@@ -3738,17 +3740,24 @@
             <a:pPr algn="just"/>
             <a:r>
               <a:rPr lang="ru-RU" dirty="0"/>
-              <a:t>Уникальный Класс</a:t>
-            </a:r>
-            <a:r>
-              <a:rPr lang="en-US" dirty="0"/>
-              <a:t> Unique</a:t>
-            </a:r>
-            <a:r>
-              <a:rPr lang="ru-RU" dirty="0"/>
-              <a:t> содержит в себе:</a:t>
-            </a:r>
-            <a:endParaRPr lang="en-US" dirty="0"/>
+              <a:t>Пространство имён. Хранит в себе основные классы, экземпляры которых участвуют в обороте данных между постоянной и оперативной памятью.</a:t>
+            </a:r>
+          </a:p>
+          <a:p>
+            <a:pPr algn="just"/>
+            <a:endParaRPr lang="ru-RU" dirty="0"/>
+          </a:p>
+          <a:p>
+            <a:pPr algn="just"/>
+            <a:r>
+              <a:rPr lang="ru-RU" dirty="0"/>
+              <a:t>Абстрактные классы</a:t>
+            </a:r>
+            <a:r>
+              <a:rPr lang="ru-RU" dirty="0" smtClean="0"/>
+              <a:t>:</a:t>
+            </a:r>
+            <a:endParaRPr lang="ru-RU" dirty="0"/>
           </a:p>
           <a:p>
             <a:pPr marL="285750" indent="-285750" algn="just">
@@ -3756,16 +3765,20 @@
               <a:buChar char="•"/>
             </a:pPr>
             <a:r>
-              <a:rPr lang="en-US" dirty="0"/>
-              <a:t>A</a:t>
-            </a:r>
-            <a:r>
-              <a:rPr lang="ru-RU" dirty="0" err="1"/>
-              <a:t>томатическую</a:t>
-            </a:r>
-            <a:r>
-              <a:rPr lang="ru-RU" dirty="0"/>
-              <a:t> генерацию уникальных идентификаторов в текущей сессии. </a:t>
+              <a:rPr lang="ru-RU" dirty="0" err="1" smtClean="0"/>
+              <a:t>Unique</a:t>
+            </a:r>
+            <a:r>
+              <a:rPr lang="ru-RU" dirty="0" smtClean="0"/>
+              <a:t>&lt;T</a:t>
+            </a:r>
+            <a:r>
+              <a:rPr lang="ru-RU" dirty="0"/>
+              <a:t>&gt; (Уникальный Класс). Генерация уникальных идентификаторов в текущей </a:t>
+            </a:r>
+            <a:r>
+              <a:rPr lang="ru-RU" dirty="0" smtClean="0"/>
+              <a:t>сессии</a:t>
             </a:r>
           </a:p>
           <a:p>
@@ -3774,9 +3787,40 @@
               <a:buChar char="•"/>
             </a:pPr>
             <a:r>
-              <a:rPr lang="ru-RU" dirty="0"/>
-              <a:t>Поля и доступ к ним для идентификаторов и названий объектов, наследующих эту абстракцию. </a:t>
-            </a:r>
+              <a:rPr lang="ru-RU" dirty="0" err="1" smtClean="0"/>
+              <a:t>DataContainer</a:t>
+            </a:r>
+            <a:r>
+              <a:rPr lang="ru-RU" dirty="0" smtClean="0"/>
+              <a:t> (Контейнер Данных). Хранилище данных для </a:t>
+            </a:r>
+            <a:r>
+              <a:rPr lang="ru-RU" dirty="0" err="1" smtClean="0"/>
+              <a:t>сериализации</a:t>
+            </a:r>
+            <a:r>
+              <a:rPr lang="ru-RU" dirty="0" smtClean="0"/>
+              <a:t> в XML</a:t>
+            </a:r>
+          </a:p>
+          <a:p>
+            <a:pPr marL="285750" indent="-285750" algn="just">
+              <a:buFontTx/>
+              <a:buChar char="-"/>
+            </a:pPr>
+            <a:endParaRPr lang="ru-RU" dirty="0"/>
+          </a:p>
+          <a:p>
+            <a:pPr algn="just"/>
+            <a:r>
+              <a:rPr lang="ru-RU" dirty="0"/>
+              <a:t>Инкапсулирующие классы</a:t>
+            </a:r>
+            <a:r>
+              <a:rPr lang="ru-RU" dirty="0" smtClean="0"/>
+              <a:t>:</a:t>
+            </a:r>
+            <a:endParaRPr lang="ru-RU" dirty="0"/>
           </a:p>
           <a:p>
             <a:pPr marL="285750" indent="-285750" algn="just">
@@ -3784,17 +3828,22 @@
               <a:buChar char="•"/>
             </a:pPr>
             <a:r>
-              <a:rPr lang="ru-RU" dirty="0"/>
-              <a:t>Функция </a:t>
-            </a:r>
-            <a:r>
-              <a:rPr lang="ru-RU" dirty="0" err="1"/>
-              <a:t>Register</a:t>
-            </a:r>
-            <a:r>
-              <a:rPr lang="ru-RU" dirty="0"/>
-              <a:t> (Регистрация идентификатора) 	</a:t>
-            </a:r>
+              <a:rPr lang="ru-RU" dirty="0" err="1" smtClean="0"/>
+              <a:t>DateTimeContainerData</a:t>
+            </a:r>
+            <a:r>
+              <a:rPr lang="ru-RU" dirty="0" smtClean="0"/>
+              <a:t> </a:t>
+            </a:r>
+            <a:r>
+              <a:rPr lang="ru-RU" dirty="0"/>
+              <a:t>(Данные Контейнера Дат</a:t>
+            </a:r>
+            <a:r>
+              <a:rPr lang="ru-RU" dirty="0" smtClean="0"/>
+              <a:t>)</a:t>
+            </a:r>
+            <a:endParaRPr lang="ru-RU" dirty="0"/>
           </a:p>
           <a:p>
             <a:pPr marL="285750" indent="-285750" algn="just">
@@ -3802,94 +3851,110 @@
               <a:buChar char="•"/>
             </a:pPr>
             <a:r>
-              <a:rPr lang="ru-RU" dirty="0"/>
-              <a:t>Функция </a:t>
-            </a:r>
-            <a:r>
-              <a:rPr lang="ru-RU" dirty="0" err="1"/>
-              <a:t>UniqueId</a:t>
-            </a:r>
-            <a:r>
-              <a:rPr lang="ru-RU" dirty="0"/>
-              <a:t> (Получение следующего идентификатора) </a:t>
-            </a:r>
+              <a:rPr lang="ru-RU" dirty="0" err="1" smtClean="0"/>
+              <a:t>CardData</a:t>
+            </a:r>
+            <a:r>
+              <a:rPr lang="ru-RU" dirty="0" smtClean="0"/>
+              <a:t> </a:t>
+            </a:r>
+            <a:r>
+              <a:rPr lang="ru-RU" dirty="0"/>
+              <a:t>(Данные Карты</a:t>
+            </a:r>
+            <a:r>
+              <a:rPr lang="ru-RU" dirty="0" smtClean="0"/>
+              <a:t>)</a:t>
+            </a:r>
+            <a:endParaRPr lang="ru-RU" dirty="0"/>
           </a:p>
           <a:p>
             <a:pPr marL="285750" indent="-285750" algn="just">
               <a:buFont typeface="Arial" panose="020B0604020202020204" pitchFamily="34" charset="0"/>
               <a:buChar char="•"/>
             </a:pPr>
+            <a:r>
+              <a:rPr lang="ru-RU" dirty="0" err="1" smtClean="0"/>
+              <a:t>CardListData</a:t>
+            </a:r>
+            <a:r>
+              <a:rPr lang="ru-RU" dirty="0" smtClean="0"/>
+              <a:t> </a:t>
+            </a:r>
+            <a:r>
+              <a:rPr lang="ru-RU" dirty="0"/>
+              <a:t>(Данные Списка Карт</a:t>
+            </a:r>
+            <a:r>
+              <a:rPr lang="ru-RU" dirty="0" smtClean="0"/>
+              <a:t>)</a:t>
+            </a:r>
             <a:endParaRPr lang="ru-RU" dirty="0"/>
           </a:p>
           <a:p>
-            <a:pPr algn="just"/>
-            <a:r>
-              <a:rPr lang="ru-RU" dirty="0"/>
-              <a:t>Разработчики других решений ограничены в доступе к этим функциям во избежание создания ошибок. Уникальный Класс всю работу берет на себя, достаточно только унаследовать его.</a:t>
-            </a:r>
-          </a:p>
-          <a:p>
-            <a:pPr algn="just"/>
+            <a:pPr marL="285750" indent="-285750" algn="just">
+              <a:buFont typeface="Arial" panose="020B0604020202020204" pitchFamily="34" charset="0"/>
+              <a:buChar char="•"/>
+            </a:pPr>
+            <a:r>
+              <a:rPr lang="ru-RU" dirty="0" err="1" smtClean="0"/>
+              <a:t>DateTimeContainer</a:t>
+            </a:r>
+            <a:r>
+              <a:rPr lang="ru-RU" dirty="0" smtClean="0"/>
+              <a:t> </a:t>
+            </a:r>
+            <a:r>
+              <a:rPr lang="ru-RU" dirty="0"/>
+              <a:t>(Контейнер Дат</a:t>
+            </a:r>
+            <a:r>
+              <a:rPr lang="ru-RU" dirty="0" smtClean="0"/>
+              <a:t>)</a:t>
+            </a:r>
             <a:endParaRPr lang="ru-RU" dirty="0"/>
           </a:p>
           <a:p>
-            <a:pPr algn="just"/>
-            <a:r>
-              <a:rPr lang="ru-RU" dirty="0"/>
-              <a:t>Класс </a:t>
-            </a:r>
-            <a:r>
-              <a:rPr lang="en-US" dirty="0" err="1"/>
-              <a:t>DataContainer</a:t>
-            </a:r>
-            <a:r>
-              <a:rPr lang="en-US" dirty="0"/>
+            <a:pPr marL="285750" indent="-285750" algn="just">
+              <a:buFont typeface="Arial" panose="020B0604020202020204" pitchFamily="34" charset="0"/>
+              <a:buChar char="•"/>
+            </a:pPr>
+            <a:r>
+              <a:rPr lang="ru-RU" dirty="0" err="1" smtClean="0"/>
+              <a:t>Card</a:t>
+            </a:r>
+            <a:r>
+              <a:rPr lang="ru-RU" dirty="0" smtClean="0"/>
               <a:t> </a:t>
             </a:r>
             <a:r>
               <a:rPr lang="ru-RU" dirty="0"/>
-              <a:t>служит только для того, чтобы наследники могли быть беспрепятственно </a:t>
-            </a:r>
-            <a:r>
-              <a:rPr lang="ru-RU" dirty="0" err="1"/>
-              <a:t>сериализованы</a:t>
-            </a:r>
-            <a:r>
-              <a:rPr lang="ru-RU" dirty="0"/>
-              <a:t> в XML формат. Он имеет атрибут </a:t>
-            </a:r>
-            <a:r>
-              <a:rPr lang="ru-RU" dirty="0" err="1"/>
-              <a:t>Serializable</a:t>
-            </a:r>
-            <a:r>
-              <a:rPr lang="ru-RU" dirty="0"/>
-              <a:t> (</a:t>
-            </a:r>
-            <a:r>
-              <a:rPr lang="ru-RU" dirty="0" err="1"/>
-              <a:t>Сериализируемый</a:t>
-            </a:r>
-            <a:r>
-              <a:rPr lang="ru-RU" dirty="0"/>
-              <a:t>) и хранит в себе пустой конструктор и метод </a:t>
-            </a:r>
-            <a:r>
-              <a:rPr lang="ru-RU" dirty="0" err="1"/>
-              <a:t>ToXmlString</a:t>
-            </a:r>
-            <a:r>
-              <a:rPr lang="ru-RU" dirty="0"/>
-              <a:t> (</a:t>
-            </a:r>
-            <a:r>
-              <a:rPr lang="ru-RU" dirty="0" err="1"/>
-              <a:t>Сериализация</a:t>
-            </a:r>
-            <a:r>
-              <a:rPr lang="ru-RU" dirty="0"/>
-              <a:t> в XML).</a:t>
-            </a:r>
+              <a:t>(Карта</a:t>
+            </a:r>
+            <a:r>
+              <a:rPr lang="ru-RU" dirty="0" smtClean="0"/>
+              <a:t>)</a:t>
+            </a:r>
+            <a:endParaRPr lang="ru-RU" dirty="0"/>
+          </a:p>
+          <a:p>
+            <a:pPr marL="285750" indent="-285750" algn="just">
+              <a:buFont typeface="Arial" panose="020B0604020202020204" pitchFamily="34" charset="0"/>
+              <a:buChar char="•"/>
+            </a:pPr>
+            <a:r>
+              <a:rPr lang="ru-RU" dirty="0" err="1" smtClean="0"/>
+              <a:t>CardList</a:t>
+            </a:r>
+            <a:r>
+              <a:rPr lang="ru-RU" dirty="0" smtClean="0"/>
+              <a:t> </a:t>
+            </a:r>
+            <a:r>
+              <a:rPr lang="ru-RU" dirty="0"/>
+              <a:t>(Список Карт)</a:t>
+            </a:r>
+            <a:endParaRPr lang="ru-RU" dirty="0"/>
           </a:p>
         </p:txBody>
       </p:sp>
@@ -3959,7 +4024,7 @@
         <p:spPr>
           <a:xfrm>
             <a:off x="838200" y="2503974"/>
-            <a:ext cx="10308771" cy="3139321"/>
+            <a:ext cx="10308771" cy="2308324"/>
           </a:xfrm>
           <a:prstGeom prst="rect">
             <a:avLst/>
@@ -3973,104 +4038,22 @@
           <a:p>
             <a:pPr algn="just"/>
             <a:r>
-              <a:rPr lang="ru-RU" dirty="0"/>
-              <a:t>Классы </a:t>
-            </a:r>
-            <a:r>
-              <a:rPr lang="en-US" dirty="0" err="1"/>
-              <a:t>DateTimeContainerData</a:t>
-            </a:r>
-            <a:r>
-              <a:rPr lang="en-US" dirty="0"/>
-              <a:t>, </a:t>
-            </a:r>
-            <a:r>
-              <a:rPr lang="en-US" dirty="0" err="1"/>
-              <a:t>CardData</a:t>
-            </a:r>
-            <a:r>
-              <a:rPr lang="en-US" dirty="0"/>
-              <a:t>, </a:t>
-            </a:r>
-            <a:r>
-              <a:rPr lang="en-US" dirty="0" err="1"/>
-              <a:t>CardListData</a:t>
-            </a:r>
-            <a:r>
-              <a:rPr lang="en-US" dirty="0"/>
-              <a:t>, </a:t>
-            </a:r>
-            <a:r>
-              <a:rPr lang="en-US" dirty="0" err="1"/>
-              <a:t>DateTimeContainer</a:t>
-            </a:r>
-            <a:r>
-              <a:rPr lang="en-US" dirty="0"/>
-              <a:t> </a:t>
-            </a:r>
-            <a:r>
-              <a:rPr lang="ru-RU" dirty="0"/>
-              <a:t>наследуют абстракцию </a:t>
-            </a:r>
-            <a:r>
-              <a:rPr lang="en-US" dirty="0" err="1"/>
-              <a:t>DataContainer</a:t>
-            </a:r>
-            <a:r>
-              <a:rPr lang="ru-RU" dirty="0"/>
-              <a:t>. Они существуют обособленно от связанных с ними объектов и хранят в себе пустые публичные поля с полным доступом для хранения данных основных объектов и их </a:t>
-            </a:r>
-            <a:r>
-              <a:rPr lang="ru-RU" dirty="0" err="1"/>
-              <a:t>сериализации</a:t>
-            </a:r>
-            <a:r>
-              <a:rPr lang="ru-RU" dirty="0"/>
-              <a:t> стандартными методами. </a:t>
-            </a:r>
-            <a:endParaRPr lang="en-US" dirty="0"/>
-          </a:p>
-          <a:p>
-            <a:pPr algn="just"/>
-            <a:endParaRPr lang="ru-RU" dirty="0"/>
-          </a:p>
-          <a:p>
-            <a:pPr algn="just"/>
-            <a:r>
-              <a:rPr lang="ru-RU" dirty="0"/>
-              <a:t>Контейнер Дат, Карта и Список Карт содержат в себе функции </a:t>
-            </a:r>
-            <a:r>
-              <a:rPr lang="ru-RU" dirty="0" err="1"/>
-              <a:t>FromData</a:t>
-            </a:r>
-            <a:r>
-              <a:rPr lang="ru-RU" dirty="0"/>
-              <a:t> и методы </a:t>
-            </a:r>
-            <a:r>
-              <a:rPr lang="ru-RU" dirty="0" err="1"/>
-              <a:t>ToData</a:t>
-            </a:r>
-            <a:r>
-              <a:rPr lang="ru-RU" dirty="0"/>
-              <a:t> для безопасной конвертации из соответствующих контейнеров данных в экземпляр класса и обратно.</a:t>
-            </a:r>
-          </a:p>
-          <a:p>
-            <a:pPr algn="just"/>
-            <a:r>
-              <a:rPr lang="ru-RU" dirty="0"/>
-              <a:t>Контейнер Дат служит для хранения в себе нескольких экземпляров класса </a:t>
+              <a:rPr lang="ru-RU" dirty="0" smtClean="0"/>
+              <a:t>Контейнер </a:t>
+            </a:r>
+            <a:r>
+              <a:rPr lang="ru-RU" dirty="0"/>
+              <a:t>Дат служит для хранения в себе нескольких экземпляров класса </a:t>
             </a:r>
             <a:r>
               <a:rPr lang="ru-RU" dirty="0" err="1"/>
               <a:t>DateTime</a:t>
             </a:r>
             <a:r>
-              <a:rPr lang="ru-RU" dirty="0"/>
+              <a:rPr lang="ru-RU" dirty="0" smtClean="0"/>
               <a:t>:</a:t>
             </a:r>
+            <a:endParaRPr lang="ru-RU" dirty="0"/>
           </a:p>
           <a:p>
             <a:pPr marL="285750" indent="-285750" algn="just">
@@ -4078,12 +4061,16 @@
               <a:buChar char="•"/>
             </a:pPr>
             <a:r>
-              <a:rPr lang="ru-RU" dirty="0" err="1"/>
+              <a:rPr lang="ru-RU" dirty="0" err="1" smtClean="0"/>
               <a:t>Created</a:t>
             </a:r>
             <a:r>
-              <a:rPr lang="ru-RU" dirty="0"/>
-              <a:t> (дата создания)</a:t>
+              <a:rPr lang="ru-RU" dirty="0" smtClean="0"/>
+              <a:t> </a:t>
+            </a:r>
+            <a:r>
+              <a:rPr lang="ru-RU" dirty="0"/>
+              <a:t>(дата создания)</a:t>
             </a:r>
           </a:p>
           <a:p>
@@ -4092,12 +4079,16 @@
               <a:buChar char="•"/>
             </a:pPr>
             <a:r>
-              <a:rPr lang="ru-RU" dirty="0" err="1"/>
+              <a:rPr lang="ru-RU" dirty="0" err="1" smtClean="0"/>
               <a:t>Updated</a:t>
             </a:r>
             <a:r>
-              <a:rPr lang="ru-RU" dirty="0"/>
-              <a:t> (дата обновления или </a:t>
+              <a:rPr lang="ru-RU" dirty="0" smtClean="0"/>
+              <a:t> </a:t>
+            </a:r>
+            <a:r>
+              <a:rPr lang="ru-RU" dirty="0"/>
+              <a:t>(дата обновления или </a:t>
             </a:r>
             <a:r>
               <a:rPr lang="ru-RU" dirty="0" err="1"/>
@@ -4114,12 +4105,16 @@
               <a:buChar char="•"/>
             </a:pPr>
             <a:r>
-              <a:rPr lang="ru-RU" dirty="0" err="1"/>
+              <a:rPr lang="ru-RU" dirty="0" err="1" smtClean="0"/>
               <a:t>Planned</a:t>
             </a:r>
             <a:r>
-              <a:rPr lang="ru-RU" dirty="0"/>
-              <a:t> (запланированная дата или </a:t>
+              <a:rPr lang="ru-RU" dirty="0" smtClean="0"/>
+              <a:t> </a:t>
+            </a:r>
+            <a:r>
+              <a:rPr lang="ru-RU" dirty="0"/>
+              <a:t>(запланированная дата или </a:t>
             </a:r>
             <a:r>
               <a:rPr lang="ru-RU" dirty="0" err="1"/>
@@ -4127,8 +4122,25 @@
             </a:r>
             <a:r>
               <a:rPr lang="ru-RU" dirty="0"/>
-              <a:t>)</a:t>
-            </a:r>
+              <a:t>) </a:t>
+            </a:r>
+            <a:endParaRPr lang="ru-RU" dirty="0" smtClean="0"/>
+          </a:p>
+          <a:p>
+            <a:pPr algn="just"/>
+            <a:endParaRPr lang="ru-RU" dirty="0"/>
+          </a:p>
+          <a:p>
+            <a:pPr algn="just"/>
+            <a:r>
+              <a:rPr lang="ru-RU" dirty="0" smtClean="0"/>
+              <a:t>Стоит </a:t>
+            </a:r>
+            <a:r>
+              <a:rPr lang="ru-RU" dirty="0"/>
+              <a:t>обратить внимание на то, что дата обновления и запланированная дата напрямую зависят от даты создания - они не могут превышать ее. Соответственно, при изменении даты создания зависимые от нее даты будут перепроверены автоматически.</a:t>
+            </a:r>
+            <a:endParaRPr lang="ru-RU" dirty="0"/>
           </a:p>
         </p:txBody>
       </p:sp>
@@ -4272,8 +4284,8 @@
         </p:nvSpPr>
         <p:spPr>
           <a:xfrm>
-            <a:off x="838200" y="2018449"/>
-            <a:ext cx="10289178" cy="3693319"/>
+            <a:off x="838200" y="2001032"/>
+            <a:ext cx="10289178" cy="3416320"/>
           </a:xfrm>
           <a:prstGeom prst="rect">
             <a:avLst/>
@@ -4287,31 +4299,39 @@
           <a:p>
             <a:pPr algn="just"/>
             <a:r>
-              <a:rPr lang="ru-RU" dirty="0"/>
-              <a:t>Класс </a:t>
-            </a:r>
-            <a:r>
-              <a:rPr lang="en-US" dirty="0"/>
-              <a:t>Card</a:t>
-            </a:r>
-            <a:r>
-              <a:rPr lang="ru-RU" dirty="0"/>
-              <a:t> наследует Уникальный Класс и представляет собой карточку дела. Класс содержит в себе основные поля, характерные для карточки.</a:t>
+              <a:rPr lang="en-US" dirty="0" smtClean="0"/>
+              <a:t>Card. </a:t>
+            </a:r>
+            <a:r>
+              <a:rPr lang="ru-RU" dirty="0" smtClean="0"/>
+              <a:t>Карта </a:t>
+            </a:r>
+            <a:r>
+              <a:rPr lang="ru-RU" dirty="0"/>
+              <a:t>наследует Уникальный Класс и представляет собой карточку дела. По большей части этот класс содержит в себе основные поля, характерные для карточки.</a:t>
             </a:r>
           </a:p>
           <a:p>
             <a:pPr algn="just"/>
-            <a:r>
-              <a:rPr lang="ru-RU" dirty="0"/>
-              <a:t>Класс </a:t>
-            </a:r>
-            <a:r>
-              <a:rPr lang="en-US" dirty="0" err="1"/>
+            <a:endParaRPr lang="ru-RU" dirty="0"/>
+          </a:p>
+          <a:p>
+            <a:pPr algn="just"/>
+            <a:r>
+              <a:rPr lang="ru-RU" dirty="0" err="1" smtClean="0"/>
               <a:t>CardList</a:t>
             </a:r>
             <a:r>
-              <a:rPr lang="ru-RU" dirty="0"/>
-              <a:t> также наследует Уникальный Класс и представляет собой список карточек дел. В качестве способа хранения экземпляров Карт в классе используется </a:t>
+              <a:rPr lang="en-US" dirty="0" smtClean="0"/>
+              <a:t>. </a:t>
+            </a:r>
+            <a:r>
+              <a:rPr lang="ru-RU" dirty="0" smtClean="0"/>
+              <a:t>Список </a:t>
+            </a:r>
+            <a:r>
+              <a:rPr lang="ru-RU" dirty="0"/>
+              <a:t>Карт, также как и Карта, наследует Уникальный Класс и представляет собой список карточек дел. В качестве способа хранения экземпляров Карт в классе используется </a:t>
             </a:r>
             <a:r>
               <a:rPr lang="ru-RU" dirty="0" err="1"/>
@@ -4319,116 +4339,81 @@
             </a:r>
             <a:r>
               <a:rPr lang="ru-RU" dirty="0"/>
-              <a:t> (Библиотека). Класс включает в себя методы: </a:t>
-            </a:r>
-          </a:p>
-          <a:p>
-            <a:pPr marL="285750" indent="-285750" algn="just">
-              <a:buFont typeface="Arial" panose="020B0604020202020204" pitchFamily="34" charset="0"/>
-              <a:buChar char="•"/>
-            </a:pPr>
+              <a:t> (Библиотека).</a:t>
+            </a:r>
+          </a:p>
+          <a:p>
+            <a:pPr algn="just"/>
+            <a:endParaRPr lang="ru-RU" dirty="0" smtClean="0"/>
+          </a:p>
+          <a:p>
+            <a:pPr algn="just"/>
+            <a:r>
+              <a:rPr lang="ru-RU" dirty="0" smtClean="0"/>
+              <a:t>Методы класса:</a:t>
+            </a:r>
+            <a:endParaRPr lang="ru-RU" dirty="0"/>
+          </a:p>
+          <a:p>
+            <a:pPr algn="just"/>
+            <a:r>
+              <a:rPr lang="ru-RU" dirty="0"/>
+              <a:t>- </a:t>
+            </a:r>
             <a:r>
               <a:rPr lang="ru-RU" dirty="0" err="1"/>
               <a:t>Get</a:t>
             </a:r>
             <a:r>
               <a:rPr lang="ru-RU" dirty="0"/>
-              <a:t> (Получить Карту), </a:t>
-            </a:r>
-          </a:p>
-          <a:p>
-            <a:pPr marL="285750" indent="-285750" algn="just">
-              <a:buFont typeface="Arial" panose="020B0604020202020204" pitchFamily="34" charset="0"/>
-              <a:buChar char="•"/>
-            </a:pPr>
+              <a:t> (Получить карту)</a:t>
+            </a:r>
+          </a:p>
+          <a:p>
+            <a:pPr algn="just"/>
+            <a:r>
+              <a:rPr lang="ru-RU" dirty="0"/>
+              <a:t>- </a:t>
+            </a:r>
+            <a:r>
+              <a:rPr lang="ru-RU" dirty="0" err="1"/>
+              <a:t>Remove</a:t>
+            </a:r>
+            <a:r>
+              <a:rPr lang="ru-RU" dirty="0"/>
+              <a:t> (Удалить Карту)</a:t>
+            </a:r>
+          </a:p>
+          <a:p>
+            <a:pPr algn="just"/>
+            <a:r>
+              <a:rPr lang="ru-RU" dirty="0"/>
+              <a:t>- </a:t>
+            </a:r>
             <a:r>
               <a:rPr lang="ru-RU" dirty="0" err="1"/>
               <a:t>Set</a:t>
             </a:r>
             <a:r>
               <a:rPr lang="ru-RU" dirty="0"/>
-              <a:t> (Сохранить Карту), </a:t>
-            </a:r>
-          </a:p>
-          <a:p>
-            <a:pPr marL="285750" indent="-285750" algn="just">
-              <a:buFont typeface="Arial" panose="020B0604020202020204" pitchFamily="34" charset="0"/>
-              <a:buChar char="•"/>
-            </a:pPr>
-            <a:r>
-              <a:rPr lang="ru-RU" dirty="0" err="1"/>
-              <a:t>Remove</a:t>
-            </a:r>
-            <a:r>
-              <a:rPr lang="ru-RU" dirty="0"/>
-              <a:t> (Удалить Карту), </a:t>
-            </a:r>
-          </a:p>
-          <a:p>
-            <a:pPr marL="285750" indent="-285750" algn="just">
-              <a:buFont typeface="Arial" panose="020B0604020202020204" pitchFamily="34" charset="0"/>
-              <a:buChar char="•"/>
-            </a:pPr>
+              <a:t> (Сохранить Карту)</a:t>
+            </a:r>
+          </a:p>
+          <a:p>
+            <a:pPr algn="just"/>
+            <a:r>
+              <a:rPr lang="ru-RU" dirty="0"/>
+              <a:t>- </a:t>
+            </a:r>
             <a:r>
               <a:rPr lang="ru-RU" dirty="0" err="1"/>
               <a:t>Contains</a:t>
             </a:r>
             <a:r>
               <a:rPr lang="ru-RU" dirty="0"/>
-              <a:t> (Проверить наличие Карты), </a:t>
-            </a:r>
-          </a:p>
-          <a:p>
-            <a:pPr marL="285750" indent="-285750" algn="just">
-              <a:buFont typeface="Arial" panose="020B0604020202020204" pitchFamily="34" charset="0"/>
-              <a:buChar char="•"/>
-            </a:pPr>
-            <a:r>
-              <a:rPr lang="ru-RU" dirty="0"/>
-              <a:t>Методы отвечающие за сортировку и поиск. </a:t>
-            </a:r>
-          </a:p>
-          <a:p>
-            <a:pPr marL="742950" lvl="1" indent="-285750" algn="just">
-              <a:buFont typeface="Wingdings" panose="05000000000000000000" pitchFamily="2" charset="2"/>
-              <a:buChar char="§"/>
-            </a:pPr>
-            <a:r>
-              <a:rPr lang="ru-RU" dirty="0" err="1"/>
-              <a:t>GetListDefault</a:t>
-            </a:r>
-            <a:r>
-              <a:rPr lang="ru-RU" dirty="0"/>
-              <a:t> (Получение Карт, отсортированных по дате обновления)</a:t>
-            </a:r>
-          </a:p>
-          <a:p>
-            <a:pPr marL="742950" lvl="1" indent="-285750" algn="just">
-              <a:buFont typeface="Wingdings" panose="05000000000000000000" pitchFamily="2" charset="2"/>
-              <a:buChar char="§"/>
-            </a:pPr>
-            <a:r>
-              <a:rPr lang="ru-RU" dirty="0" err="1"/>
-              <a:t>GetListImportant</a:t>
-            </a:r>
-            <a:r>
-              <a:rPr lang="ru-RU" dirty="0"/>
-              <a:t> (Получение Карт, отсортированных по статусу важности)</a:t>
-            </a:r>
-          </a:p>
-          <a:p>
-            <a:pPr marL="742950" lvl="1" indent="-285750" algn="just">
-              <a:buFont typeface="Wingdings" panose="05000000000000000000" pitchFamily="2" charset="2"/>
-              <a:buChar char="§"/>
-            </a:pPr>
-            <a:r>
-              <a:rPr lang="ru-RU" dirty="0" err="1"/>
-              <a:t>GetListCompleted</a:t>
-            </a:r>
-            <a:r>
-              <a:rPr lang="ru-RU" dirty="0"/>
-              <a:t> (Получение Карт, отсортированных по статусу выполнения)</a:t>
-            </a:r>
+              <a:t> (Проверить наличие Карты)</a:t>
+            </a:r>
+            <a:endParaRPr lang="ru-RU" dirty="0"/>
           </a:p>
         </p:txBody>
       </p:sp>
@@ -4651,19 +4636,11 @@
           <a:p>
             <a:r>
               <a:rPr lang="ru-RU" dirty="0"/>
-              <a:t>Классы </a:t>
+              <a:t>Пространство имен </a:t>
             </a:r>
             <a:r>
               <a:rPr lang="en-US" dirty="0" err="1"/>
-              <a:t>ApplicationViewModel</a:t>
-            </a:r>
-            <a:r>
-              <a:rPr lang="ru-RU" dirty="0"/>
-              <a:t> и </a:t>
-            </a:r>
-            <a:r>
-              <a:rPr lang="en-US" dirty="0" err="1"/>
-              <a:t>MainWindow</a:t>
+              <a:t>TimelonCl.Data</a:t>
             </a:r>
             <a:endParaRPr lang="ru-RU" dirty="0"/>
           </a:p>
@@ -4677,71 +4654,290 @@
         </p:nvSpPr>
         <p:spPr>
           <a:xfrm>
-            <a:off x="1001486" y="1690688"/>
-            <a:ext cx="6096000" cy="1477328"/>
+            <a:off x="838200" y="1887225"/>
+            <a:ext cx="10289178" cy="4801314"/>
           </a:xfrm>
           <a:prstGeom prst="rect">
             <a:avLst/>
           </a:prstGeom>
         </p:spPr>
         <p:txBody>
+          <a:bodyPr wrap="square">
+            <a:spAutoFit/>
+          </a:bodyPr>
+          <a:lstStyle/>
+          <a:p>
+            <a:pPr algn="just"/>
+            <a:r>
+              <a:rPr lang="ru-RU" dirty="0"/>
+              <a:t>Библиотека позволяет мгновенно получить Карту через ее идентификатор вне зависимости от количества хранимых Карт, достаточно произвести сортировку один раз и занести идентификаторы в отдельный список для быстрого доступа</a:t>
+            </a:r>
+            <a:r>
+              <a:rPr lang="ru-RU" dirty="0" smtClean="0"/>
+              <a:t>.  Списки и соответствующие им методы класса:</a:t>
+            </a:r>
+            <a:endParaRPr lang="ru-RU" dirty="0"/>
+          </a:p>
+          <a:p>
+            <a:pPr marL="285750" indent="-285750" algn="just">
+              <a:buFont typeface="Arial" panose="020B0604020202020204" pitchFamily="34" charset="0"/>
+              <a:buChar char="•"/>
+            </a:pPr>
+            <a:r>
+              <a:rPr lang="ru-RU" dirty="0" err="1" smtClean="0"/>
+              <a:t>idListDefault</a:t>
+            </a:r>
+            <a:r>
+              <a:rPr lang="ru-RU" dirty="0" smtClean="0"/>
+              <a:t> </a:t>
+            </a:r>
+            <a:r>
+              <a:rPr lang="ru-RU" dirty="0"/>
+              <a:t>(идентификаторы по дате обновления</a:t>
+            </a:r>
+            <a:r>
+              <a:rPr lang="ru-RU" dirty="0" smtClean="0"/>
+              <a:t>)</a:t>
+            </a:r>
+            <a:r>
+              <a:rPr lang="ru-RU" dirty="0"/>
+              <a:t> - </a:t>
+            </a:r>
+            <a:r>
+              <a:rPr lang="ru-RU" dirty="0" err="1"/>
+              <a:t>GetListDefault</a:t>
+            </a:r>
+            <a:r>
+              <a:rPr lang="ru-RU" dirty="0"/>
+              <a:t> (Получение Карт, отсортированных по дате обновления</a:t>
+            </a:r>
+            <a:r>
+              <a:rPr lang="ru-RU" dirty="0" smtClean="0"/>
+              <a:t>)</a:t>
+            </a:r>
+            <a:endParaRPr lang="ru-RU" dirty="0"/>
+          </a:p>
+          <a:p>
+            <a:pPr marL="285750" indent="-285750" algn="just">
+              <a:buFont typeface="Arial" panose="020B0604020202020204" pitchFamily="34" charset="0"/>
+              <a:buChar char="•"/>
+            </a:pPr>
+            <a:r>
+              <a:rPr lang="ru-RU" dirty="0" err="1" smtClean="0"/>
+              <a:t>idListImportant</a:t>
+            </a:r>
+            <a:r>
+              <a:rPr lang="ru-RU" dirty="0" smtClean="0"/>
+              <a:t> </a:t>
+            </a:r>
+            <a:r>
+              <a:rPr lang="ru-RU" dirty="0"/>
+              <a:t>(идентификаторы по статусу важности</a:t>
+            </a:r>
+            <a:r>
+              <a:rPr lang="ru-RU" dirty="0" smtClean="0"/>
+              <a:t>)</a:t>
+            </a:r>
+            <a:r>
+              <a:rPr lang="ru-RU" dirty="0"/>
+              <a:t> - </a:t>
+            </a:r>
+            <a:r>
+              <a:rPr lang="ru-RU" dirty="0" err="1"/>
+              <a:t>GetListImportant</a:t>
+            </a:r>
+            <a:r>
+              <a:rPr lang="ru-RU" dirty="0"/>
+              <a:t> (Получение Карт, отсортированных по статусу важности</a:t>
+            </a:r>
+            <a:r>
+              <a:rPr lang="ru-RU" dirty="0" smtClean="0"/>
+              <a:t>)</a:t>
+            </a:r>
+            <a:endParaRPr lang="ru-RU" dirty="0"/>
+          </a:p>
+          <a:p>
+            <a:pPr marL="285750" indent="-285750" algn="just">
+              <a:buFont typeface="Arial" panose="020B0604020202020204" pitchFamily="34" charset="0"/>
+              <a:buChar char="•"/>
+            </a:pPr>
+            <a:r>
+              <a:rPr lang="ru-RU" dirty="0" err="1" smtClean="0"/>
+              <a:t>idListCompleted</a:t>
+            </a:r>
+            <a:r>
+              <a:rPr lang="ru-RU" dirty="0" smtClean="0"/>
+              <a:t> </a:t>
+            </a:r>
+            <a:r>
+              <a:rPr lang="ru-RU" dirty="0"/>
+              <a:t>(идентификаторы по статусу выполнения</a:t>
+            </a:r>
+            <a:r>
+              <a:rPr lang="ru-RU" dirty="0" smtClean="0"/>
+              <a:t>)</a:t>
+            </a:r>
+            <a:r>
+              <a:rPr lang="ru-RU" dirty="0"/>
+              <a:t> - </a:t>
+            </a:r>
+            <a:r>
+              <a:rPr lang="ru-RU" dirty="0" err="1"/>
+              <a:t>GetListCompleted</a:t>
+            </a:r>
+            <a:r>
+              <a:rPr lang="ru-RU" dirty="0"/>
+              <a:t> (Получение Карт, отсортированных по статусу выполнения</a:t>
+            </a:r>
+            <a:r>
+              <a:rPr lang="ru-RU" dirty="0" smtClean="0"/>
+              <a:t>)</a:t>
+            </a:r>
+            <a:endParaRPr lang="ru-RU" dirty="0"/>
+          </a:p>
+          <a:p>
+            <a:pPr algn="just"/>
+            <a:endParaRPr lang="ru-RU" dirty="0"/>
+          </a:p>
+          <a:p>
+            <a:pPr algn="just"/>
+            <a:r>
+              <a:rPr lang="ru-RU" dirty="0"/>
+              <a:t>Управление статусом сортировки. Перечисление </a:t>
+            </a:r>
+            <a:r>
+              <a:rPr lang="ru-RU" dirty="0" err="1"/>
+              <a:t>SortOrder</a:t>
+            </a:r>
+            <a:r>
+              <a:rPr lang="ru-RU" dirty="0"/>
+              <a:t> (Направление Сортировки</a:t>
+            </a:r>
+            <a:r>
+              <a:rPr lang="ru-RU" dirty="0" smtClean="0"/>
+              <a:t>):</a:t>
+            </a:r>
+            <a:endParaRPr lang="ru-RU" dirty="0"/>
+          </a:p>
+          <a:p>
+            <a:pPr algn="just"/>
+            <a:r>
+              <a:rPr lang="ru-RU" dirty="0"/>
+              <a:t>- </a:t>
+            </a:r>
+            <a:r>
+              <a:rPr lang="ru-RU" dirty="0" err="1"/>
+              <a:t>Initial</a:t>
+            </a:r>
+            <a:r>
+              <a:rPr lang="ru-RU" dirty="0"/>
+              <a:t> (Карты необходимо отсортировать (используется только внутри класса))</a:t>
+            </a:r>
+          </a:p>
+          <a:p>
+            <a:pPr algn="just"/>
+            <a:r>
+              <a:rPr lang="ru-RU" dirty="0"/>
+              <a:t>- </a:t>
+            </a:r>
+            <a:r>
+              <a:rPr lang="ru-RU" dirty="0" err="1"/>
+              <a:t>Unsorted</a:t>
+            </a:r>
+            <a:r>
+              <a:rPr lang="ru-RU" dirty="0"/>
+              <a:t> (В произвольном порядке)</a:t>
+            </a:r>
+          </a:p>
+          <a:p>
+            <a:pPr algn="just"/>
+            <a:r>
+              <a:rPr lang="ru-RU" dirty="0"/>
+              <a:t>- </a:t>
+            </a:r>
+            <a:r>
+              <a:rPr lang="ru-RU" dirty="0" err="1"/>
+              <a:t>Ascending</a:t>
+            </a:r>
+            <a:r>
+              <a:rPr lang="ru-RU" dirty="0"/>
+              <a:t> (По возрастанию)</a:t>
+            </a:r>
+          </a:p>
+          <a:p>
+            <a:pPr algn="just"/>
+            <a:r>
+              <a:rPr lang="ru-RU" dirty="0"/>
+              <a:t>- </a:t>
+            </a:r>
+            <a:r>
+              <a:rPr lang="ru-RU" dirty="0" err="1"/>
+              <a:t>Descending</a:t>
+            </a:r>
+            <a:r>
+              <a:rPr lang="ru-RU" dirty="0"/>
+              <a:t> (По убыванию)</a:t>
+            </a:r>
+          </a:p>
+          <a:p>
+            <a:pPr algn="just"/>
+            <a:r>
+              <a:rPr lang="ru-RU" dirty="0"/>
+              <a:t>Соответственно, с помощью этого перечисления при использовании методов получения отсортированных Карт существует возможность указать необходимый порядок.</a:t>
+            </a:r>
+            <a:endParaRPr lang="ru-RU" dirty="0"/>
+          </a:p>
+        </p:txBody>
+      </p:sp>
+      <p:sp>
+        <p:nvSpPr>
+          <p:cNvPr id="4" name="Прямоугольник 3"/>
+          <p:cNvSpPr/>
+          <p:nvPr/>
+        </p:nvSpPr>
+        <p:spPr>
+          <a:xfrm>
+            <a:off x="838200" y="1302450"/>
+            <a:ext cx="6096000" cy="584775"/>
+          </a:xfrm>
+          <a:prstGeom prst="rect">
+            <a:avLst/>
+          </a:prstGeom>
+        </p:spPr>
+        <p:txBody>
           <a:bodyPr>
             <a:spAutoFit/>
           </a:bodyPr>
           <a:lstStyle/>
           <a:p>
             <a:r>
-              <a:rPr lang="ru-RU" dirty="0"/>
-              <a:t>Содержит в себе:</a:t>
-            </a:r>
-          </a:p>
-          <a:p>
-            <a:pPr marL="285750" indent="-285750">
-              <a:buFont typeface="Arial" panose="020B0604020202020204" pitchFamily="34" charset="0"/>
-              <a:buChar char="•"/>
-            </a:pPr>
-            <a:r>
-              <a:rPr lang="ru-RU" dirty="0"/>
-              <a:t>Поля</a:t>
-            </a:r>
-          </a:p>
-          <a:p>
-            <a:pPr marL="285750" indent="-285750">
-              <a:buFont typeface="Arial" panose="020B0604020202020204" pitchFamily="34" charset="0"/>
-              <a:buChar char="•"/>
-            </a:pPr>
-            <a:r>
-              <a:rPr lang="ru-RU" dirty="0"/>
-              <a:t>Конструктор по умолчанию</a:t>
-            </a:r>
-          </a:p>
-          <a:p>
-            <a:pPr marL="285750" indent="-285750">
-              <a:buFont typeface="Arial" panose="020B0604020202020204" pitchFamily="34" charset="0"/>
-              <a:buChar char="•"/>
-            </a:pPr>
-            <a:r>
-              <a:rPr lang="ru-RU" dirty="0"/>
-              <a:t>Свойства</a:t>
-            </a:r>
-          </a:p>
-          <a:p>
-            <a:pPr marL="285750" indent="-285750">
-              <a:buFont typeface="Arial" panose="020B0604020202020204" pitchFamily="34" charset="0"/>
-              <a:buChar char="•"/>
-            </a:pPr>
-            <a:r>
-              <a:rPr lang="ru-RU" dirty="0"/>
-              <a:t>Команды</a:t>
-            </a:r>
-            <a:endParaRPr lang="en-US" dirty="0"/>
+              <a:rPr lang="ru-RU" sz="3200" dirty="0">
+                <a:latin typeface="+mj-lt"/>
+              </a:rPr>
+              <a:t>Классы </a:t>
+            </a:r>
+            <a:r>
+              <a:rPr lang="en-US" sz="3200" dirty="0" smtClean="0">
+                <a:latin typeface="+mj-lt"/>
+              </a:rPr>
+              <a:t>Card</a:t>
+            </a:r>
+            <a:r>
+              <a:rPr lang="ru-RU" sz="3200" dirty="0" smtClean="0">
+                <a:latin typeface="+mj-lt"/>
+              </a:rPr>
+              <a:t>: сортировки карт</a:t>
+            </a:r>
+            <a:endParaRPr lang="en-US" sz="3200" dirty="0">
+              <a:latin typeface="+mj-lt"/>
+            </a:endParaRPr>
           </a:p>
         </p:txBody>
       </p:sp>
     </p:spTree>
     <p:extLst>
       <p:ext uri="{BB962C8B-B14F-4D97-AF65-F5344CB8AC3E}">
-        <p14:creationId xmlns:p14="http://schemas.microsoft.com/office/powerpoint/2010/main" val="2525432865"/>
+        <p14:creationId xmlns:p14="http://schemas.microsoft.com/office/powerpoint/2010/main" val="2918729351"/>
       </p:ext>
     </p:extLst>
   </p:cSld>
@@ -4778,20 +4974,28 @@
             <p:ph type="title"/>
           </p:nvPr>
         </p:nvSpPr>
-        <p:spPr>
-          <a:xfrm>
-            <a:off x="838200" y="288180"/>
-            <a:ext cx="10515600" cy="1325563"/>
-          </a:xfrm>
-        </p:spPr>
-        <p:txBody>
-          <a:bodyPr/>
-          <a:lstStyle/>
-          <a:p>
-            <a:r>
-              <a:rPr lang="ru-RU" dirty="0"/>
-              <a:t>Тестирование</a:t>
-            </a:r>
+        <p:spPr/>
+        <p:txBody>
+          <a:bodyPr/>
+          <a:lstStyle/>
+          <a:p>
+            <a:r>
+              <a:rPr lang="ru-RU" dirty="0"/>
+              <a:t>Классы </a:t>
+            </a:r>
+            <a:r>
+              <a:rPr lang="en-US" dirty="0" err="1"/>
+              <a:t>ApplicationViewModel</a:t>
+            </a:r>
+            <a:r>
+              <a:rPr lang="ru-RU" dirty="0"/>
+              <a:t> и </a:t>
+            </a:r>
+            <a:r>
+              <a:rPr lang="en-US" dirty="0" err="1"/>
+              <a:t>MainWindow</a:t>
+            </a:r>
+            <a:endParaRPr lang="ru-RU" dirty="0"/>
           </a:p>
         </p:txBody>
       </p:sp>
@@ -4803,79 +5007,22 @@
         </p:nvSpPr>
         <p:spPr>
           <a:xfrm>
-            <a:off x="838200" y="1321356"/>
-            <a:ext cx="8848897" cy="584775"/>
+            <a:off x="1001486" y="1690688"/>
+            <a:ext cx="6096000" cy="1477328"/>
           </a:xfrm>
           <a:prstGeom prst="rect">
             <a:avLst/>
           </a:prstGeom>
         </p:spPr>
         <p:txBody>
-          <a:bodyPr wrap="none">
+          <a:bodyPr>
             <a:spAutoFit/>
           </a:bodyPr>
           <a:lstStyle/>
           <a:p>
             <a:r>
-              <a:rPr lang="ru-RU" sz="3200" dirty="0">
-                <a:latin typeface="+mj-lt"/>
-              </a:rPr>
-              <a:t>Консольный проект </a:t>
-            </a:r>
-            <a:r>
-              <a:rPr lang="en-US" sz="3200" dirty="0" err="1">
-                <a:latin typeface="+mj-lt"/>
-              </a:rPr>
-              <a:t>ConsoleTest.cs</a:t>
-            </a:r>
-            <a:r>
-              <a:rPr lang="en-US" sz="3200" dirty="0">
-                <a:latin typeface="+mj-lt"/>
-              </a:rPr>
-              <a:t> </a:t>
-            </a:r>
-            <a:r>
-              <a:rPr lang="ru-RU" sz="3200" dirty="0">
-                <a:latin typeface="+mj-lt"/>
-              </a:rPr>
-              <a:t>и </a:t>
-            </a:r>
-            <a:r>
-              <a:rPr lang="en-US" sz="3200" dirty="0" err="1">
-                <a:latin typeface="+mj-lt"/>
-              </a:rPr>
-              <a:t>Randomizer.cs</a:t>
-            </a:r>
-            <a:endParaRPr lang="en-US" sz="3200" dirty="0">
-              <a:latin typeface="+mj-lt"/>
-            </a:endParaRPr>
-          </a:p>
-        </p:txBody>
-      </p:sp>
-      <p:sp>
-        <p:nvSpPr>
-          <p:cNvPr id="5" name="Прямоугольник 4"/>
-          <p:cNvSpPr/>
-          <p:nvPr/>
-        </p:nvSpPr>
-        <p:spPr>
-          <a:xfrm>
-            <a:off x="838200" y="2062144"/>
-            <a:ext cx="7665368" cy="1754326"/>
-          </a:xfrm>
-          <a:prstGeom prst="rect">
-            <a:avLst/>
-          </a:prstGeom>
-        </p:spPr>
-        <p:txBody>
-          <a:bodyPr wrap="none">
-            <a:spAutoFit/>
-          </a:bodyPr>
-          <a:lstStyle/>
-          <a:p>
-            <a:r>
-              <a:rPr lang="ru-RU" dirty="0"/>
-              <a:t>Консольный проект включает в себя следующие тесты:</a:t>
+              <a:rPr lang="ru-RU" dirty="0"/>
+              <a:t>Содержит в себе:</a:t>
             </a:r>
           </a:p>
           <a:p>
@@ -4885,7 +5032,7 @@
             </a:pPr>
             <a:r>
               <a:rPr lang="ru-RU" dirty="0"/>
-              <a:t>Тест создания случайных карт</a:t>
+              <a:t>Поля</a:t>
             </a:r>
           </a:p>
           <a:p>
@@ -4895,7 +5042,7 @@
             </a:pPr>
             <a:r>
               <a:rPr lang="ru-RU" dirty="0"/>
-              <a:t>Тест создания случайного списка карт и сортировки</a:t>
+              <a:t>Конструктор по умолчанию</a:t>
             </a:r>
           </a:p>
           <a:p>
@@ -4905,7 +5052,7 @@
             </a:pPr>
             <a:r>
               <a:rPr lang="ru-RU" dirty="0"/>
-              <a:t>Тест создания случайных списков карт в менеджере и работы с данными</a:t>
+              <a:t>Свойства</a:t>
             </a:r>
           </a:p>
           <a:p>
@@ -4915,22 +5062,16 @@
             </a:pPr>
             <a:r>
               <a:rPr lang="ru-RU" dirty="0"/>
-              <a:t>Тест с измерением времени выполнения основных операций списка карт</a:t>
-            </a:r>
-          </a:p>
-          <a:p>
-            <a:pPr marL="285750" indent="-285750">
-              <a:buFont typeface="Arial" panose="020B0604020202020204" pitchFamily="34" charset="0"/>
-              <a:buChar char="•"/>
-            </a:pPr>
-            <a:endParaRPr lang="ru-RU" dirty="0"/>
+              <a:t>Команды</a:t>
+            </a:r>
+            <a:endParaRPr lang="en-US" dirty="0"/>
           </a:p>
         </p:txBody>
       </p:sp>
     </p:spTree>
     <p:extLst>
       <p:ext uri="{BB962C8B-B14F-4D97-AF65-F5344CB8AC3E}">
-        <p14:creationId xmlns:p14="http://schemas.microsoft.com/office/powerpoint/2010/main" val="1424994494"/>
+        <p14:creationId xmlns:p14="http://schemas.microsoft.com/office/powerpoint/2010/main" val="2525432865"/>
       </p:ext>
     </p:extLst>
   </p:cSld>
@@ -4967,53 +5108,114 @@
             <p:ph type="title"/>
           </p:nvPr>
         </p:nvSpPr>
-        <p:spPr/>
-        <p:txBody>
-          <a:bodyPr/>
-          <a:lstStyle/>
-          <a:p>
-            <a:r>
-              <a:rPr lang="ru-RU" dirty="0"/>
-              <a:t>Тестирование</a:t>
-            </a:r>
-          </a:p>
-        </p:txBody>
-      </p:sp>
-      <p:sp>
-        <p:nvSpPr>
-          <p:cNvPr id="3" name="TextBox 2">
-            <a:extLst>
-              <a:ext uri="{FF2B5EF4-FFF2-40B4-BE49-F238E27FC236}">
-                <a16:creationId xmlns:a16="http://schemas.microsoft.com/office/drawing/2014/main" id="{4C7D212D-B684-491A-8C10-17B8B661A75D}"/>
-              </a:ext>
-            </a:extLst>
-          </p:cNvPr>
-          <p:cNvSpPr txBox="1"/>
-          <p:nvPr/>
-        </p:nvSpPr>
         <p:spPr>
           <a:xfrm>
-            <a:off x="2629231" y="2282024"/>
-            <a:ext cx="6933538" cy="3108543"/>
+            <a:off x="838200" y="288180"/>
+            <a:ext cx="10515600" cy="1325563"/>
+          </a:xfrm>
+        </p:spPr>
+        <p:txBody>
+          <a:bodyPr/>
+          <a:lstStyle/>
+          <a:p>
+            <a:r>
+              <a:rPr lang="ru-RU" dirty="0"/>
+              <a:t>Тестирование</a:t>
+            </a:r>
+          </a:p>
+        </p:txBody>
+      </p:sp>
+      <p:sp>
+        <p:nvSpPr>
+          <p:cNvPr id="3" name="Прямоугольник 2"/>
+          <p:cNvSpPr/>
+          <p:nvPr/>
+        </p:nvSpPr>
+        <p:spPr>
+          <a:xfrm>
+            <a:off x="838200" y="1321356"/>
+            <a:ext cx="8848897" cy="584775"/>
           </a:xfrm>
           <a:prstGeom prst="rect">
             <a:avLst/>
           </a:prstGeom>
-          <a:noFill/>
         </p:spPr>
         <p:txBody>
-          <a:bodyPr wrap="square" rtlCol="0">
+          <a:bodyPr wrap="none">
             <a:spAutoFit/>
           </a:bodyPr>
           <a:lstStyle/>
+          <a:p>
+            <a:r>
+              <a:rPr lang="ru-RU" sz="3200" dirty="0">
+                <a:latin typeface="+mj-lt"/>
+              </a:rPr>
+              <a:t>Консольный проект </a:t>
+            </a:r>
+            <a:r>
+              <a:rPr lang="en-US" sz="3200" dirty="0" err="1">
+                <a:latin typeface="+mj-lt"/>
+              </a:rPr>
+              <a:t>ConsoleTest.cs</a:t>
+            </a:r>
+            <a:r>
+              <a:rPr lang="en-US" sz="3200" dirty="0">
+                <a:latin typeface="+mj-lt"/>
+              </a:rPr>
+              <a:t> </a:t>
+            </a:r>
+            <a:r>
+              <a:rPr lang="ru-RU" sz="3200" dirty="0">
+                <a:latin typeface="+mj-lt"/>
+              </a:rPr>
+              <a:t>и </a:t>
+            </a:r>
+            <a:r>
+              <a:rPr lang="en-US" sz="3200" dirty="0" err="1">
+                <a:latin typeface="+mj-lt"/>
+              </a:rPr>
+              <a:t>Randomizer.cs</a:t>
+            </a:r>
+            <a:endParaRPr lang="en-US" sz="3200" dirty="0">
+              <a:latin typeface="+mj-lt"/>
+            </a:endParaRPr>
+          </a:p>
+        </p:txBody>
+      </p:sp>
+      <p:sp>
+        <p:nvSpPr>
+          <p:cNvPr id="5" name="Прямоугольник 4"/>
+          <p:cNvSpPr/>
+          <p:nvPr/>
+        </p:nvSpPr>
+        <p:spPr>
+          <a:xfrm>
+            <a:off x="838200" y="2062144"/>
+            <a:ext cx="7665368" cy="1754326"/>
+          </a:xfrm>
+          <a:prstGeom prst="rect">
+            <a:avLst/>
+          </a:prstGeom>
+        </p:spPr>
+        <p:txBody>
+          <a:bodyPr wrap="none">
+            <a:spAutoFit/>
+          </a:bodyPr>
+          <a:lstStyle/>
+          <a:p>
+            <a:r>
+              <a:rPr lang="ru-RU" dirty="0"/>
+              <a:t>Консольный проект включает в себя следующие тесты:</a:t>
+            </a:r>
+          </a:p>
           <a:p>
             <a:pPr marL="285750" indent="-285750">
               <a:buFont typeface="Arial" panose="020B0604020202020204" pitchFamily="34" charset="0"/>
               <a:buChar char="•"/>
             </a:pPr>
             <a:r>
-              <a:rPr lang="ru-RU" sz="2800" dirty="0"/>
-              <a:t>Почему тестирование это важно?</a:t>
+              <a:rPr lang="ru-RU" dirty="0"/>
+              <a:t>Тест создания случайных карт</a:t>
             </a:r>
           </a:p>
           <a:p>
@@ -5022,8 +5224,8 @@
               <a:buChar char="•"/>
             </a:pPr>
             <a:r>
-              <a:rPr lang="ru-RU" sz="2800" dirty="0"/>
-              <a:t>Требования к проекту</a:t>
+              <a:rPr lang="ru-RU" dirty="0"/>
+              <a:t>Тест создания случайного списка карт и сортировки</a:t>
             </a:r>
           </a:p>
           <a:p>
@@ -5032,8 +5234,8 @@
               <a:buChar char="•"/>
             </a:pPr>
             <a:r>
-              <a:rPr lang="ru-RU" sz="2800" dirty="0"/>
-              <a:t>Тест план</a:t>
+              <a:rPr lang="ru-RU" dirty="0"/>
+              <a:t>Тест создания случайных списков карт в менеджере и работы с данными</a:t>
             </a:r>
           </a:p>
           <a:p>
@@ -5042,8 +5244,8 @@
               <a:buChar char="•"/>
             </a:pPr>
             <a:r>
-              <a:rPr lang="ru-RU" sz="2800" dirty="0"/>
-              <a:t>Методы тестирования</a:t>
+              <a:rPr lang="ru-RU" dirty="0"/>
+              <a:t>Тест с измерением времени выполнения основных операций списка карт</a:t>
             </a:r>
           </a:p>
           <a:p>
@@ -5051,31 +5253,14 @@
               <a:buFont typeface="Arial" panose="020B0604020202020204" pitchFamily="34" charset="0"/>
               <a:buChar char="•"/>
             </a:pPr>
-            <a:r>
-              <a:rPr lang="ru-RU" sz="2800" dirty="0"/>
-              <a:t>Отчёт о тестировании</a:t>
-            </a:r>
-          </a:p>
-          <a:p>
-            <a:pPr marL="285750" indent="-285750">
-              <a:buFont typeface="Arial" panose="020B0604020202020204" pitchFamily="34" charset="0"/>
-              <a:buChar char="•"/>
-            </a:pPr>
-            <a:endParaRPr lang="ru-RU" sz="2800" dirty="0"/>
-          </a:p>
-          <a:p>
-            <a:pPr marL="285750" indent="-285750">
-              <a:buFont typeface="Arial" panose="020B0604020202020204" pitchFamily="34" charset="0"/>
-              <a:buChar char="•"/>
-            </a:pPr>
-            <a:endParaRPr lang="ru-RU" sz="2800" dirty="0"/>
+            <a:endParaRPr lang="ru-RU" dirty="0"/>
           </a:p>
         </p:txBody>
       </p:sp>
     </p:spTree>
     <p:extLst>
       <p:ext uri="{BB962C8B-B14F-4D97-AF65-F5344CB8AC3E}">
-        <p14:creationId xmlns:p14="http://schemas.microsoft.com/office/powerpoint/2010/main" val="4284715473"/>
+        <p14:creationId xmlns:p14="http://schemas.microsoft.com/office/powerpoint/2010/main" val="1424994494"/>
       </p:ext>
     </p:extLst>
   </p:cSld>
@@ -5119,7 +5304,7 @@
           <a:p>
             <a:r>
               <a:rPr lang="ru-RU" dirty="0"/>
-              <a:t>Почему тестирование это важно?</a:t>
+              <a:t>Тестирование</a:t>
             </a:r>
           </a:p>
         </p:txBody>
@@ -5129,7 +5314,7 @@
           <p:cNvPr id="3" name="TextBox 2">
             <a:extLst>
               <a:ext uri="{FF2B5EF4-FFF2-40B4-BE49-F238E27FC236}">
-                <a16:creationId xmlns:a16="http://schemas.microsoft.com/office/drawing/2014/main" id="{C84F3D5A-1232-4D39-B28F-5CC344873579}"/>
+                <a16:creationId xmlns:a16="http://schemas.microsoft.com/office/drawing/2014/main" id="{4C7D212D-B684-491A-8C10-17B8B661A75D}"/>
               </a:ext>
             </a:extLst>
           </p:cNvPr>
@@ -5138,8 +5323,8 @@
         </p:nvSpPr>
         <p:spPr>
           <a:xfrm>
-            <a:off x="1806271" y="2751151"/>
-            <a:ext cx="8579457" cy="1569660"/>
+            <a:off x="2629231" y="2282024"/>
+            <a:ext cx="6933538" cy="3108543"/>
           </a:xfrm>
           <a:prstGeom prst="rect">
             <a:avLst/>
@@ -5157,8 +5342,8 @@
               <a:buChar char="•"/>
             </a:pPr>
             <a:r>
-              <a:rPr lang="ru-RU" sz="2400" dirty="0"/>
-              <a:t>Возможность доказать некорректную работу программы</a:t>
+              <a:rPr lang="ru-RU" sz="2800" dirty="0"/>
+              <a:t>Почему тестирование это важно?</a:t>
             </a:r>
           </a:p>
           <a:p>
@@ -5167,8 +5352,8 @@
               <a:buChar char="•"/>
             </a:pPr>
             <a:r>
-              <a:rPr lang="ru-RU" sz="2400" dirty="0"/>
-              <a:t>Выявление ошибок</a:t>
+              <a:rPr lang="ru-RU" sz="2800" dirty="0"/>
+              <a:t>Требования к проекту</a:t>
             </a:r>
           </a:p>
           <a:p>
@@ -5177,8 +5362,8 @@
               <a:buChar char="•"/>
             </a:pPr>
             <a:r>
-              <a:rPr lang="ru-RU" sz="2400" dirty="0"/>
-              <a:t>Обеспечивает надёжность и простоту в использовании</a:t>
+              <a:rPr lang="ru-RU" sz="2800" dirty="0"/>
+              <a:t>Тест план</a:t>
             </a:r>
           </a:p>
           <a:p>
@@ -5186,14 +5371,41 @@
               <a:buFont typeface="Arial" panose="020B0604020202020204" pitchFamily="34" charset="0"/>
               <a:buChar char="•"/>
             </a:pPr>
-            <a:endParaRPr lang="ru-RU" sz="2400" dirty="0"/>
+            <a:r>
+              <a:rPr lang="ru-RU" sz="2800" dirty="0"/>
+              <a:t>Методы тестирования</a:t>
+            </a:r>
+          </a:p>
+          <a:p>
+            <a:pPr marL="285750" indent="-285750">
+              <a:buFont typeface="Arial" panose="020B0604020202020204" pitchFamily="34" charset="0"/>
+              <a:buChar char="•"/>
+            </a:pPr>
+            <a:r>
+              <a:rPr lang="ru-RU" sz="2800" dirty="0"/>
+              <a:t>Отчёт о тестировании</a:t>
+            </a:r>
+          </a:p>
+          <a:p>
+            <a:pPr marL="285750" indent="-285750">
+              <a:buFont typeface="Arial" panose="020B0604020202020204" pitchFamily="34" charset="0"/>
+              <a:buChar char="•"/>
+            </a:pPr>
+            <a:endParaRPr lang="ru-RU" sz="2800" dirty="0"/>
+          </a:p>
+          <a:p>
+            <a:pPr marL="285750" indent="-285750">
+              <a:buFont typeface="Arial" panose="020B0604020202020204" pitchFamily="34" charset="0"/>
+              <a:buChar char="•"/>
+            </a:pPr>
+            <a:endParaRPr lang="ru-RU" sz="2800" dirty="0"/>
           </a:p>
         </p:txBody>
       </p:sp>
     </p:spTree>
     <p:extLst>
       <p:ext uri="{BB962C8B-B14F-4D97-AF65-F5344CB8AC3E}">
-        <p14:creationId xmlns:p14="http://schemas.microsoft.com/office/powerpoint/2010/main" val="3961446787"/>
+        <p14:creationId xmlns:p14="http://schemas.microsoft.com/office/powerpoint/2010/main" val="4284715473"/>
       </p:ext>
     </p:extLst>
   </p:cSld>
@@ -5237,7 +5449,7 @@
           <a:p>
             <a:r>
               <a:rPr lang="ru-RU" dirty="0"/>
-              <a:t>Требования</a:t>
+              <a:t>Почему тестирование это важно?</a:t>
             </a:r>
           </a:p>
         </p:txBody>
@@ -5247,7 +5459,7 @@
           <p:cNvPr id="3" name="TextBox 2">
             <a:extLst>
               <a:ext uri="{FF2B5EF4-FFF2-40B4-BE49-F238E27FC236}">
-                <a16:creationId xmlns:a16="http://schemas.microsoft.com/office/drawing/2014/main" id="{CB39F03C-FAC8-4C3F-8146-D86F293164EF}"/>
+                <a16:creationId xmlns:a16="http://schemas.microsoft.com/office/drawing/2014/main" id="{C84F3D5A-1232-4D39-B28F-5CC344873579}"/>
               </a:ext>
             </a:extLst>
           </p:cNvPr>
@@ -5256,8 +5468,8 @@
         </p:nvSpPr>
         <p:spPr>
           <a:xfrm>
-            <a:off x="1826149" y="1579369"/>
-            <a:ext cx="8539701" cy="4770537"/>
+            <a:off x="1806271" y="2751151"/>
+            <a:ext cx="8579457" cy="1569660"/>
           </a:xfrm>
           <a:prstGeom prst="rect">
             <a:avLst/>
@@ -5275,50 +5487,9 @@
               <a:buChar char="•"/>
             </a:pPr>
             <a:r>
-              <a:rPr lang="ru-RU" sz="2800" dirty="0"/>
-              <a:t>Функциональные требования</a:t>
-            </a:r>
-          </a:p>
-          <a:p>
-            <a:pPr marL="742950" lvl="1" indent="-285750">
-              <a:buFont typeface="Arial" panose="020B0604020202020204" pitchFamily="34" charset="0"/>
-              <a:buChar char="•"/>
-            </a:pPr>
-            <a:r>
-              <a:rPr lang="ru-RU" sz="2000" dirty="0"/>
-              <a:t>Timelon должен обладать функцией создания карточек задач.</a:t>
-            </a:r>
-          </a:p>
-          <a:p>
-            <a:pPr marL="742950" lvl="1" indent="-285750">
-              <a:buFont typeface="Arial" panose="020B0604020202020204" pitchFamily="34" charset="0"/>
-              <a:buChar char="•"/>
-            </a:pPr>
-            <a:r>
-              <a:rPr lang="ru-RU" sz="2000" dirty="0"/>
-              <a:t>Timelon должен хранить карточки задач.</a:t>
-            </a:r>
-          </a:p>
-          <a:p>
-            <a:pPr marL="742950" lvl="1" indent="-285750">
-              <a:buFont typeface="Arial" panose="020B0604020202020204" pitchFamily="34" charset="0"/>
-              <a:buChar char="•"/>
-            </a:pPr>
-            <a:r>
-              <a:rPr lang="ru-RU" sz="2000" dirty="0"/>
-              <a:t>Timelon должен обладать функцией создания списков для хранения нескольких карт задач.</a:t>
-            </a:r>
-          </a:p>
-          <a:p>
-            <a:pPr marL="742950" lvl="1" indent="-285750">
-              <a:buFont typeface="Arial" panose="020B0604020202020204" pitchFamily="34" charset="0"/>
-              <a:buChar char="•"/>
-            </a:pPr>
-            <a:r>
-              <a:rPr lang="ru-RU" sz="2000" dirty="0"/>
-              <a:t>…</a:t>
-            </a:r>
-            <a:endParaRPr lang="ru-RU" sz="2800" dirty="0"/>
+              <a:rPr lang="ru-RU" sz="2400" dirty="0"/>
+              <a:t>Возможность доказать некорректную работу программы</a:t>
+            </a:r>
           </a:p>
           <a:p>
             <a:pPr marL="285750" indent="-285750">
@@ -5326,73 +5497,33 @@
               <a:buChar char="•"/>
             </a:pPr>
             <a:r>
-              <a:rPr lang="ru-RU" sz="2800" dirty="0"/>
-              <a:t>Требования к интерфейсу</a:t>
-            </a:r>
-          </a:p>
-          <a:p>
-            <a:pPr marL="742950" lvl="1" indent="-285750">
+              <a:rPr lang="ru-RU" sz="2400" dirty="0"/>
+              <a:t>Выявление ошибок</a:t>
+            </a:r>
+          </a:p>
+          <a:p>
+            <a:pPr marL="285750" indent="-285750">
               <a:buFont typeface="Arial" panose="020B0604020202020204" pitchFamily="34" charset="0"/>
               <a:buChar char="•"/>
             </a:pPr>
             <a:r>
-              <a:rPr lang="ru-RU" sz="2000" dirty="0"/>
-              <a:t>На интерфейсе Timelon должно быть реализовано поле карточки задачи, отображающее основную информацию о задаче:</a:t>
-            </a:r>
-          </a:p>
-          <a:p>
-            <a:pPr marL="1200150" lvl="2" indent="-285750">
+              <a:rPr lang="ru-RU" sz="2400" dirty="0"/>
+              <a:t>Обеспечивает надёжность и простоту в использовании</a:t>
+            </a:r>
+          </a:p>
+          <a:p>
+            <a:pPr marL="285750" indent="-285750">
               <a:buFont typeface="Arial" panose="020B0604020202020204" pitchFamily="34" charset="0"/>
               <a:buChar char="•"/>
             </a:pPr>
-            <a:r>
-              <a:rPr lang="ru-RU" sz="2000" dirty="0"/>
-              <a:t>статус выполнения</a:t>
-            </a:r>
-          </a:p>
-          <a:p>
-            <a:pPr marL="1200150" lvl="2" indent="-285750">
-              <a:buFont typeface="Arial" panose="020B0604020202020204" pitchFamily="34" charset="0"/>
-              <a:buChar char="•"/>
-            </a:pPr>
-            <a:r>
-              <a:rPr lang="ru-RU" sz="2000" dirty="0"/>
-              <a:t>название</a:t>
-            </a:r>
-          </a:p>
-          <a:p>
-            <a:pPr marL="1200150" lvl="2" indent="-285750">
-              <a:buFont typeface="Arial" panose="020B0604020202020204" pitchFamily="34" charset="0"/>
-              <a:buChar char="•"/>
-            </a:pPr>
-            <a:r>
-              <a:rPr lang="ru-RU" sz="2000" dirty="0"/>
-              <a:t>информация о важности</a:t>
-            </a:r>
-          </a:p>
-          <a:p>
-            <a:pPr marL="742950" lvl="1" indent="-285750">
-              <a:buFont typeface="Arial" panose="020B0604020202020204" pitchFamily="34" charset="0"/>
-              <a:buChar char="•"/>
-            </a:pPr>
-            <a:r>
-              <a:rPr lang="ru-RU" sz="2000" dirty="0"/>
-              <a:t>…</a:t>
-            </a:r>
-          </a:p>
-          <a:p>
-            <a:pPr marL="742950" lvl="1" indent="-285750">
-              <a:buFont typeface="Arial" panose="020B0604020202020204" pitchFamily="34" charset="0"/>
-              <a:buChar char="•"/>
-            </a:pPr>
-            <a:endParaRPr lang="ru-RU" sz="2800" dirty="0"/>
+            <a:endParaRPr lang="ru-RU" sz="2400" dirty="0"/>
           </a:p>
         </p:txBody>
       </p:sp>
     </p:spTree>
     <p:extLst>
       <p:ext uri="{BB962C8B-B14F-4D97-AF65-F5344CB8AC3E}">
-        <p14:creationId xmlns:p14="http://schemas.microsoft.com/office/powerpoint/2010/main" val="3127280586"/>
+        <p14:creationId xmlns:p14="http://schemas.microsoft.com/office/powerpoint/2010/main" val="3961446787"/>
       </p:ext>
     </p:extLst>
   </p:cSld>
@@ -5436,7 +5567,7 @@
           <a:p>
             <a:r>
               <a:rPr lang="ru-RU" dirty="0"/>
-              <a:t>Тест план</a:t>
+              <a:t>Требования</a:t>
             </a:r>
           </a:p>
         </p:txBody>
@@ -5446,7 +5577,7 @@
           <p:cNvPr id="3" name="TextBox 2">
             <a:extLst>
               <a:ext uri="{FF2B5EF4-FFF2-40B4-BE49-F238E27FC236}">
-                <a16:creationId xmlns:a16="http://schemas.microsoft.com/office/drawing/2014/main" id="{F451546F-3AF1-42AC-9B97-43746690E48C}"/>
+                <a16:creationId xmlns:a16="http://schemas.microsoft.com/office/drawing/2014/main" id="{CB39F03C-FAC8-4C3F-8146-D86F293164EF}"/>
               </a:ext>
             </a:extLst>
           </p:cNvPr>
@@ -5455,8 +5586,8 @@
         </p:nvSpPr>
         <p:spPr>
           <a:xfrm>
-            <a:off x="838201" y="1674674"/>
-            <a:ext cx="5257800" cy="2862322"/>
+            <a:off x="1826149" y="1579369"/>
+            <a:ext cx="8539701" cy="4770537"/>
           </a:xfrm>
           <a:prstGeom prst="rect">
             <a:avLst/>
@@ -5469,90 +5600,55 @@
           </a:bodyPr>
           <a:lstStyle/>
           <a:p>
-            <a:r>
-              <a:rPr lang="ru-RU" sz="2000" i="1" dirty="0"/>
-              <a:t>Что такое тест-план</a:t>
-            </a:r>
-            <a:r>
-              <a:rPr lang="ru-RU" sz="2000" dirty="0"/>
-              <a:t>?</a:t>
-            </a:r>
-          </a:p>
-          <a:p>
-            <a:endParaRPr lang="ru-RU" sz="2000" dirty="0"/>
-          </a:p>
-          <a:p>
-            <a:r>
-              <a:rPr lang="ru-RU" sz="2000" dirty="0"/>
-              <a:t>Документ описывает методы и подходы к тестированию, которые будут</a:t>
-            </a:r>
-          </a:p>
-          <a:p>
-            <a:r>
-              <a:rPr lang="ru-RU" sz="2000" dirty="0"/>
-              <a:t>использоваться для тестирования приложения.</a:t>
-            </a:r>
-          </a:p>
-          <a:p>
-            <a:endParaRPr lang="ru-RU" sz="2000" dirty="0"/>
-          </a:p>
-          <a:p>
-            <a:endParaRPr lang="ru-RU" sz="2000" dirty="0"/>
-          </a:p>
-          <a:p>
-            <a:endParaRPr lang="ru-RU" sz="2000" dirty="0"/>
-          </a:p>
-        </p:txBody>
-      </p:sp>
-      <p:sp>
-        <p:nvSpPr>
-          <p:cNvPr id="4" name="TextBox 3">
-            <a:extLst>
-              <a:ext uri="{FF2B5EF4-FFF2-40B4-BE49-F238E27FC236}">
-                <a16:creationId xmlns:a16="http://schemas.microsoft.com/office/drawing/2014/main" id="{6929821F-63F7-48F7-9706-ACF0FC7C1092}"/>
-              </a:ext>
-            </a:extLst>
-          </p:cNvPr>
-          <p:cNvSpPr txBox="1"/>
-          <p:nvPr/>
-        </p:nvSpPr>
-        <p:spPr>
-          <a:xfrm>
-            <a:off x="6822219" y="1690688"/>
-            <a:ext cx="4627659" cy="1631216"/>
-          </a:xfrm>
-          <a:prstGeom prst="rect">
-            <a:avLst/>
-          </a:prstGeom>
-          <a:noFill/>
-        </p:spPr>
-        <p:txBody>
-          <a:bodyPr wrap="square" rtlCol="0">
-            <a:spAutoFit/>
-          </a:bodyPr>
-          <a:lstStyle/>
-          <a:p>
-            <a:r>
-              <a:rPr lang="ru-RU" sz="2000" i="1" dirty="0"/>
-              <a:t>Область тестирования</a:t>
-            </a:r>
-            <a:r>
-              <a:rPr lang="ru-RU" sz="2000" dirty="0"/>
-              <a:t>:</a:t>
-            </a:r>
-          </a:p>
-          <a:p>
-            <a:endParaRPr lang="ru-RU" sz="2000" dirty="0"/>
-          </a:p>
-          <a:p>
             <a:pPr marL="285750" indent="-285750">
               <a:buFont typeface="Arial" panose="020B0604020202020204" pitchFamily="34" charset="0"/>
               <a:buChar char="•"/>
             </a:pPr>
             <a:r>
+              <a:rPr lang="ru-RU" sz="2800" dirty="0"/>
+              <a:t>Функциональные требования</a:t>
+            </a:r>
+          </a:p>
+          <a:p>
+            <a:pPr marL="742950" lvl="1" indent="-285750">
+              <a:buFont typeface="Arial" panose="020B0604020202020204" pitchFamily="34" charset="0"/>
+              <a:buChar char="•"/>
+            </a:pPr>
+            <a:r>
               <a:rPr lang="ru-RU" sz="2000" dirty="0"/>
-              <a:t>Тестирование библиотеки классов</a:t>
-            </a:r>
+              <a:t>Timelon должен обладать функцией создания карточек задач.</a:t>
+            </a:r>
+          </a:p>
+          <a:p>
+            <a:pPr marL="742950" lvl="1" indent="-285750">
+              <a:buFont typeface="Arial" panose="020B0604020202020204" pitchFamily="34" charset="0"/>
+              <a:buChar char="•"/>
+            </a:pPr>
+            <a:r>
+              <a:rPr lang="ru-RU" sz="2000" dirty="0"/>
+              <a:t>Timelon должен хранить карточки задач.</a:t>
+            </a:r>
+          </a:p>
+          <a:p>
+            <a:pPr marL="742950" lvl="1" indent="-285750">
+              <a:buFont typeface="Arial" panose="020B0604020202020204" pitchFamily="34" charset="0"/>
+              <a:buChar char="•"/>
+            </a:pPr>
+            <a:r>
+              <a:rPr lang="ru-RU" sz="2000" dirty="0"/>
+              <a:t>Timelon должен обладать функцией создания списков для хранения нескольких карт задач.</a:t>
+            </a:r>
+          </a:p>
+          <a:p>
+            <a:pPr marL="742950" lvl="1" indent="-285750">
+              <a:buFont typeface="Arial" panose="020B0604020202020204" pitchFamily="34" charset="0"/>
+              <a:buChar char="•"/>
+            </a:pPr>
+            <a:r>
+              <a:rPr lang="ru-RU" sz="2000" dirty="0"/>
+              <a:t>…</a:t>
+            </a:r>
+            <a:endParaRPr lang="ru-RU" sz="2800" dirty="0"/>
           </a:p>
           <a:p>
             <a:pPr marL="285750" indent="-285750">
@@ -5560,84 +5656,73 @@
               <a:buChar char="•"/>
             </a:pPr>
             <a:r>
-              <a:rPr lang="ru-RU" sz="2000" dirty="0"/>
-              <a:t>Тестирование реализованных в интерфейсе компонентов и функций</a:t>
-            </a:r>
-          </a:p>
-        </p:txBody>
-      </p:sp>
-      <p:sp>
-        <p:nvSpPr>
-          <p:cNvPr id="5" name="TextBox 4">
-            <a:extLst>
-              <a:ext uri="{FF2B5EF4-FFF2-40B4-BE49-F238E27FC236}">
-                <a16:creationId xmlns:a16="http://schemas.microsoft.com/office/drawing/2014/main" id="{76DB6899-86E7-4FD4-99BA-DC8AF36F213C}"/>
-              </a:ext>
-            </a:extLst>
-          </p:cNvPr>
-          <p:cNvSpPr txBox="1"/>
-          <p:nvPr/>
-        </p:nvSpPr>
-        <p:spPr>
-          <a:xfrm>
-            <a:off x="4166483" y="4198289"/>
-            <a:ext cx="4770782" cy="1631216"/>
-          </a:xfrm>
-          <a:prstGeom prst="rect">
-            <a:avLst/>
-          </a:prstGeom>
-          <a:noFill/>
-        </p:spPr>
-        <p:txBody>
-          <a:bodyPr wrap="square" rtlCol="0">
-            <a:spAutoFit/>
-          </a:bodyPr>
-          <a:lstStyle/>
-          <a:p>
-            <a:r>
-              <a:rPr lang="ru-RU" sz="2000" i="1" dirty="0"/>
-              <a:t>Типы тестирования:</a:t>
-            </a:r>
-          </a:p>
-          <a:p>
-            <a:endParaRPr lang="ru-RU" sz="2000" dirty="0"/>
-          </a:p>
-          <a:p>
-            <a:pPr marL="285750" indent="-285750">
+              <a:rPr lang="ru-RU" sz="2800" dirty="0"/>
+              <a:t>Требования к интерфейсу</a:t>
+            </a:r>
+          </a:p>
+          <a:p>
+            <a:pPr marL="742950" lvl="1" indent="-285750">
               <a:buFont typeface="Arial" panose="020B0604020202020204" pitchFamily="34" charset="0"/>
               <a:buChar char="•"/>
             </a:pPr>
             <a:r>
               <a:rPr lang="ru-RU" sz="2000" dirty="0"/>
-              <a:t>Функциональное</a:t>
-            </a:r>
-          </a:p>
-          <a:p>
-            <a:pPr marL="285750" indent="-285750">
+              <a:t>На интерфейсе Timelon должно быть реализовано поле карточки задачи, отображающее основную информацию о задаче:</a:t>
+            </a:r>
+          </a:p>
+          <a:p>
+            <a:pPr marL="1200150" lvl="2" indent="-285750">
               <a:buFont typeface="Arial" panose="020B0604020202020204" pitchFamily="34" charset="0"/>
               <a:buChar char="•"/>
             </a:pPr>
             <a:r>
               <a:rPr lang="ru-RU" sz="2000" dirty="0"/>
-              <a:t>Тестирование интерфейса</a:t>
-            </a:r>
-          </a:p>
-          <a:p>
-            <a:pPr marL="285750" indent="-285750">
+              <a:t>статус выполнения</a:t>
+            </a:r>
+          </a:p>
+          <a:p>
+            <a:pPr marL="1200150" lvl="2" indent="-285750">
               <a:buFont typeface="Arial" panose="020B0604020202020204" pitchFamily="34" charset="0"/>
               <a:buChar char="•"/>
             </a:pPr>
             <a:r>
               <a:rPr lang="ru-RU" sz="2000" dirty="0"/>
-              <a:t>Юзабилити-тестирование</a:t>
-            </a:r>
+              <a:t>название</a:t>
+            </a:r>
+          </a:p>
+          <a:p>
+            <a:pPr marL="1200150" lvl="2" indent="-285750">
+              <a:buFont typeface="Arial" panose="020B0604020202020204" pitchFamily="34" charset="0"/>
+              <a:buChar char="•"/>
+            </a:pPr>
+            <a:r>
+              <a:rPr lang="ru-RU" sz="2000" dirty="0"/>
+              <a:t>информация о важности</a:t>
+            </a:r>
+          </a:p>
+          <a:p>
+            <a:pPr marL="742950" lvl="1" indent="-285750">
+              <a:buFont typeface="Arial" panose="020B0604020202020204" pitchFamily="34" charset="0"/>
+              <a:buChar char="•"/>
+            </a:pPr>
+            <a:r>
+              <a:rPr lang="ru-RU" sz="2000" dirty="0"/>
+              <a:t>…</a:t>
+            </a:r>
+          </a:p>
+          <a:p>
+            <a:pPr marL="742950" lvl="1" indent="-285750">
+              <a:buFont typeface="Arial" panose="020B0604020202020204" pitchFamily="34" charset="0"/>
+              <a:buChar char="•"/>
+            </a:pPr>
+            <a:endParaRPr lang="ru-RU" sz="2800" dirty="0"/>
           </a:p>
         </p:txBody>
       </p:sp>
     </p:spTree>
     <p:extLst>
       <p:ext uri="{BB962C8B-B14F-4D97-AF65-F5344CB8AC3E}">
-        <p14:creationId xmlns:p14="http://schemas.microsoft.com/office/powerpoint/2010/main" val="393638615"/>
+        <p14:creationId xmlns:p14="http://schemas.microsoft.com/office/powerpoint/2010/main" val="3127280586"/>
       </p:ext>
     </p:extLst>
   </p:cSld>
@@ -5681,7 +5766,200 @@
           <a:p>
             <a:r>
               <a:rPr lang="ru-RU" dirty="0"/>
-              <a:t>Методы тестирования</a:t>
+              <a:t>Тест план</a:t>
+            </a:r>
+          </a:p>
+        </p:txBody>
+      </p:sp>
+      <p:sp>
+        <p:nvSpPr>
+          <p:cNvPr id="3" name="TextBox 2">
+            <a:extLst>
+              <a:ext uri="{FF2B5EF4-FFF2-40B4-BE49-F238E27FC236}">
+                <a16:creationId xmlns:a16="http://schemas.microsoft.com/office/drawing/2014/main" id="{F451546F-3AF1-42AC-9B97-43746690E48C}"/>
+              </a:ext>
+            </a:extLst>
+          </p:cNvPr>
+          <p:cNvSpPr txBox="1"/>
+          <p:nvPr/>
+        </p:nvSpPr>
+        <p:spPr>
+          <a:xfrm>
+            <a:off x="838201" y="1674674"/>
+            <a:ext cx="5257800" cy="2862322"/>
+          </a:xfrm>
+          <a:prstGeom prst="rect">
+            <a:avLst/>
+          </a:prstGeom>
+          <a:noFill/>
+        </p:spPr>
+        <p:txBody>
+          <a:bodyPr wrap="square" rtlCol="0">
+            <a:spAutoFit/>
+          </a:bodyPr>
+          <a:lstStyle/>
+          <a:p>
+            <a:r>
+              <a:rPr lang="ru-RU" sz="2000" i="1" dirty="0"/>
+              <a:t>Что такое тест-план</a:t>
+            </a:r>
+            <a:r>
+              <a:rPr lang="ru-RU" sz="2000" dirty="0"/>
+              <a:t>?</a:t>
+            </a:r>
+          </a:p>
+          <a:p>
+            <a:endParaRPr lang="ru-RU" sz="2000" dirty="0"/>
+          </a:p>
+          <a:p>
+            <a:r>
+              <a:rPr lang="ru-RU" sz="2000" dirty="0"/>
+              <a:t>Документ описывает методы и подходы к тестированию, которые будут</a:t>
+            </a:r>
+          </a:p>
+          <a:p>
+            <a:r>
+              <a:rPr lang="ru-RU" sz="2000" dirty="0"/>
+              <a:t>использоваться для тестирования приложения.</a:t>
+            </a:r>
+          </a:p>
+          <a:p>
+            <a:endParaRPr lang="ru-RU" sz="2000" dirty="0"/>
+          </a:p>
+          <a:p>
+            <a:endParaRPr lang="ru-RU" sz="2000" dirty="0"/>
+          </a:p>
+          <a:p>
+            <a:endParaRPr lang="ru-RU" sz="2000" dirty="0"/>
+          </a:p>
+        </p:txBody>
+      </p:sp>
+      <p:sp>
+        <p:nvSpPr>
+          <p:cNvPr id="4" name="TextBox 3">
+            <a:extLst>
+              <a:ext uri="{FF2B5EF4-FFF2-40B4-BE49-F238E27FC236}">
+                <a16:creationId xmlns:a16="http://schemas.microsoft.com/office/drawing/2014/main" id="{6929821F-63F7-48F7-9706-ACF0FC7C1092}"/>
+              </a:ext>
+            </a:extLst>
+          </p:cNvPr>
+          <p:cNvSpPr txBox="1"/>
+          <p:nvPr/>
+        </p:nvSpPr>
+        <p:spPr>
+          <a:xfrm>
+            <a:off x="6822219" y="1690688"/>
+            <a:ext cx="4627659" cy="1631216"/>
+          </a:xfrm>
+          <a:prstGeom prst="rect">
+            <a:avLst/>
+          </a:prstGeom>
+          <a:noFill/>
+        </p:spPr>
+        <p:txBody>
+          <a:bodyPr wrap="square" rtlCol="0">
+            <a:spAutoFit/>
+          </a:bodyPr>
+          <a:lstStyle/>
+          <a:p>
+            <a:r>
+              <a:rPr lang="ru-RU" sz="2000" i="1" dirty="0"/>
+              <a:t>Область тестирования</a:t>
+            </a:r>
+            <a:r>
+              <a:rPr lang="ru-RU" sz="2000" dirty="0"/>
+              <a:t>:</a:t>
+            </a:r>
+          </a:p>
+          <a:p>
+            <a:endParaRPr lang="ru-RU" sz="2000" dirty="0"/>
+          </a:p>
+          <a:p>
+            <a:pPr marL="285750" indent="-285750">
+              <a:buFont typeface="Arial" panose="020B0604020202020204" pitchFamily="34" charset="0"/>
+              <a:buChar char="•"/>
+            </a:pPr>
+            <a:r>
+              <a:rPr lang="ru-RU" sz="2000" dirty="0"/>
+              <a:t>Тестирование библиотеки классов</a:t>
+            </a:r>
+          </a:p>
+          <a:p>
+            <a:pPr marL="285750" indent="-285750">
+              <a:buFont typeface="Arial" panose="020B0604020202020204" pitchFamily="34" charset="0"/>
+              <a:buChar char="•"/>
+            </a:pPr>
+            <a:r>
+              <a:rPr lang="ru-RU" sz="2000" dirty="0"/>
+              <a:t>Тестирование реализованных в интерфейсе компонентов и функций</a:t>
+            </a:r>
+          </a:p>
+        </p:txBody>
+      </p:sp>
+      <p:sp>
+        <p:nvSpPr>
+          <p:cNvPr id="5" name="TextBox 4">
+            <a:extLst>
+              <a:ext uri="{FF2B5EF4-FFF2-40B4-BE49-F238E27FC236}">
+                <a16:creationId xmlns:a16="http://schemas.microsoft.com/office/drawing/2014/main" id="{76DB6899-86E7-4FD4-99BA-DC8AF36F213C}"/>
+              </a:ext>
+            </a:extLst>
+          </p:cNvPr>
+          <p:cNvSpPr txBox="1"/>
+          <p:nvPr/>
+        </p:nvSpPr>
+        <p:spPr>
+          <a:xfrm>
+            <a:off x="4166483" y="4198289"/>
+            <a:ext cx="4770782" cy="1631216"/>
+          </a:xfrm>
+          <a:prstGeom prst="rect">
+            <a:avLst/>
+          </a:prstGeom>
+          <a:noFill/>
+        </p:spPr>
+        <p:txBody>
+          <a:bodyPr wrap="square" rtlCol="0">
+            <a:spAutoFit/>
+          </a:bodyPr>
+          <a:lstStyle/>
+          <a:p>
+            <a:r>
+              <a:rPr lang="ru-RU" sz="2000" i="1" dirty="0"/>
+              <a:t>Типы тестирования:</a:t>
+            </a:r>
+          </a:p>
+          <a:p>
+            <a:endParaRPr lang="ru-RU" sz="2000" dirty="0"/>
+          </a:p>
+          <a:p>
+            <a:pPr marL="285750" indent="-285750">
+              <a:buFont typeface="Arial" panose="020B0604020202020204" pitchFamily="34" charset="0"/>
+              <a:buChar char="•"/>
+            </a:pPr>
+            <a:r>
+              <a:rPr lang="ru-RU" sz="2000" dirty="0"/>
+              <a:t>Функциональное</a:t>
+            </a:r>
+          </a:p>
+          <a:p>
+            <a:pPr marL="285750" indent="-285750">
+              <a:buFont typeface="Arial" panose="020B0604020202020204" pitchFamily="34" charset="0"/>
+              <a:buChar char="•"/>
+            </a:pPr>
+            <a:r>
+              <a:rPr lang="ru-RU" sz="2000" dirty="0"/>
+              <a:t>Тестирование интерфейса</a:t>
+            </a:r>
+          </a:p>
+          <a:p>
+            <a:pPr marL="285750" indent="-285750">
+              <a:buFont typeface="Arial" panose="020B0604020202020204" pitchFamily="34" charset="0"/>
+              <a:buChar char="•"/>
+            </a:pPr>
+            <a:r>
+              <a:rPr lang="ru-RU" sz="2000" dirty="0"/>
+              <a:t>Юзабилити-тестирование</a:t>
             </a:r>
           </a:p>
         </p:txBody>
@@ -5689,7 +5967,7 @@
     </p:spTree>
     <p:extLst>
       <p:ext uri="{BB962C8B-B14F-4D97-AF65-F5344CB8AC3E}">
-        <p14:creationId xmlns:p14="http://schemas.microsoft.com/office/powerpoint/2010/main" val="2362220205"/>
+        <p14:creationId xmlns:p14="http://schemas.microsoft.com/office/powerpoint/2010/main" val="393638615"/>
       </p:ext>
     </p:extLst>
   </p:cSld>
@@ -5733,7 +6011,7 @@
           <a:p>
             <a:r>
               <a:rPr lang="ru-RU" dirty="0"/>
-              <a:t>Отчет о тестировании</a:t>
+              <a:t>Методы тестирования</a:t>
             </a:r>
           </a:p>
         </p:txBody>
@@ -5741,7 +6019,7 @@
     </p:spTree>
     <p:extLst>
       <p:ext uri="{BB962C8B-B14F-4D97-AF65-F5344CB8AC3E}">
-        <p14:creationId xmlns:p14="http://schemas.microsoft.com/office/powerpoint/2010/main" val="2947701087"/>
+        <p14:creationId xmlns:p14="http://schemas.microsoft.com/office/powerpoint/2010/main" val="2362220205"/>
       </p:ext>
     </p:extLst>
   </p:cSld>
@@ -5785,7 +6063,7 @@
           <a:p>
             <a:r>
               <a:rPr lang="ru-RU" dirty="0"/>
-              <a:t>Выводы</a:t>
+              <a:t>Отчет о тестировании</a:t>
             </a:r>
           </a:p>
         </p:txBody>
@@ -5793,7 +6071,7 @@
     </p:spTree>
     <p:extLst>
       <p:ext uri="{BB962C8B-B14F-4D97-AF65-F5344CB8AC3E}">
-        <p14:creationId xmlns:p14="http://schemas.microsoft.com/office/powerpoint/2010/main" val="1903829905"/>
+        <p14:creationId xmlns:p14="http://schemas.microsoft.com/office/powerpoint/2010/main" val="2947701087"/>
       </p:ext>
     </p:extLst>
   </p:cSld>
@@ -5837,7 +6115,7 @@
           <a:p>
             <a:r>
               <a:rPr lang="ru-RU" dirty="0"/>
-              <a:t>Практическая ценность</a:t>
+              <a:t>Выводы</a:t>
             </a:r>
           </a:p>
         </p:txBody>
@@ -5845,7 +6123,7 @@
     </p:spTree>
     <p:extLst>
       <p:ext uri="{BB962C8B-B14F-4D97-AF65-F5344CB8AC3E}">
-        <p14:creationId xmlns:p14="http://schemas.microsoft.com/office/powerpoint/2010/main" val="1119145762"/>
+        <p14:creationId xmlns:p14="http://schemas.microsoft.com/office/powerpoint/2010/main" val="1903829905"/>
       </p:ext>
     </p:extLst>
   </p:cSld>
@@ -5972,6 +6250,58 @@
 </file>
 
 <file path=ppt/slides/slide30.xml><?xml version="1.0" encoding="utf-8"?>
+<p:sld xmlns:a="http://schemas.openxmlformats.org/drawingml/2006/main" xmlns:r="http://schemas.openxmlformats.org/officeDocument/2006/relationships" xmlns:p="http://schemas.openxmlformats.org/presentationml/2006/main">
+  <p:cSld>
+    <p:spTree>
+      <p:nvGrpSpPr>
+        <p:cNvPr id="1" name=""/>
+        <p:cNvGrpSpPr/>
+        <p:nvPr/>
+      </p:nvGrpSpPr>
+      <p:grpSpPr>
+        <a:xfrm>
+          <a:off x="0" y="0"/>
+          <a:ext cx="0" cy="0"/>
+          <a:chOff x="0" y="0"/>
+          <a:chExt cx="0" cy="0"/>
+        </a:xfrm>
+      </p:grpSpPr>
+      <p:sp>
+        <p:nvSpPr>
+          <p:cNvPr id="2" name="Заголовок 1"/>
+          <p:cNvSpPr>
+            <a:spLocks noGrp="1"/>
+          </p:cNvSpPr>
+          <p:nvPr>
+            <p:ph type="title"/>
+          </p:nvPr>
+        </p:nvSpPr>
+        <p:spPr/>
+        <p:txBody>
+          <a:bodyPr/>
+          <a:lstStyle/>
+          <a:p>
+            <a:r>
+              <a:rPr lang="ru-RU" dirty="0"/>
+              <a:t>Практическая ценность</a:t>
+            </a:r>
+          </a:p>
+        </p:txBody>
+      </p:sp>
+    </p:spTree>
+    <p:extLst>
+      <p:ext uri="{BB962C8B-B14F-4D97-AF65-F5344CB8AC3E}">
+        <p14:creationId xmlns:p14="http://schemas.microsoft.com/office/powerpoint/2010/main" val="1119145762"/>
+      </p:ext>
+    </p:extLst>
+  </p:cSld>
+  <p:clrMapOvr>
+    <a:masterClrMapping/>
+  </p:clrMapOvr>
+</p:sld>
+</file>
+
+<file path=ppt/slides/slide31.xml><?xml version="1.0" encoding="utf-8"?>
 <p:sld xmlns:a="http://schemas.openxmlformats.org/drawingml/2006/main" xmlns:r="http://schemas.openxmlformats.org/officeDocument/2006/relationships" xmlns:p="http://schemas.openxmlformats.org/presentationml/2006/main">
   <p:cSld>
     <p:spTree>

--- a/docs/Timelon.pptx
+++ b/docs/Timelon.pptx
@@ -3185,6 +3185,30 @@
           </a:p>
         </p:txBody>
       </p:sp>
+      <p:pic>
+        <p:nvPicPr>
+          <p:cNvPr id="3" name="Рисунок 2"/>
+          <p:cNvPicPr>
+            <a:picLocks noChangeAspect="1"/>
+          </p:cNvPicPr>
+          <p:nvPr/>
+        </p:nvPicPr>
+        <p:blipFill>
+          <a:blip r:embed="rId2"/>
+          <a:stretch>
+            <a:fillRect/>
+          </a:stretch>
+        </p:blipFill>
+        <p:spPr>
+          <a:xfrm>
+            <a:off x="1916362" y="1593669"/>
+            <a:ext cx="8359275" cy="4519233"/>
+          </a:xfrm>
+          <a:prstGeom prst="rect">
+            <a:avLst/>
+          </a:prstGeom>
+        </p:spPr>
+      </p:pic>
     </p:spTree>
     <p:extLst>
       <p:ext uri="{BB962C8B-B14F-4D97-AF65-F5344CB8AC3E}">
@@ -3568,7 +3592,6 @@
               <a:rPr lang="ru-RU" dirty="0"/>
               <a:t> (Сохранить данные в файл)</a:t>
             </a:r>
-            <a:endParaRPr lang="ru-RU" dirty="0"/>
           </a:p>
         </p:txBody>
       </p:sp>
@@ -3954,7 +3977,6 @@
               <a:rPr lang="ru-RU" dirty="0"/>
               <a:t>(Список Карт)</a:t>
             </a:r>
-            <a:endParaRPr lang="ru-RU" dirty="0"/>
           </a:p>
         </p:txBody>
       </p:sp>
@@ -4140,7 +4162,6 @@
               <a:rPr lang="ru-RU" dirty="0"/>
               <a:t>обратить внимание на то, что дата обновления и запланированная дата напрямую зависят от даты создания - они не могут превышать ее. Соответственно, при изменении даты создания зависимые от нее даты будут перепроверены автоматически.</a:t>
             </a:r>
-            <a:endParaRPr lang="ru-RU" dirty="0"/>
           </a:p>
         </p:txBody>
       </p:sp>
@@ -4413,7 +4434,6 @@
               <a:rPr lang="ru-RU" dirty="0"/>
               <a:t> (Проверить наличие Карты)</a:t>
             </a:r>
-            <a:endParaRPr lang="ru-RU" dirty="0"/>
           </a:p>
         </p:txBody>
       </p:sp>
@@ -4885,7 +4905,6 @@
               <a:rPr lang="ru-RU" dirty="0"/>
               <a:t>Соответственно, с помощью этого перечисления при использовании методов получения отсортированных Карт существует возможность указать необходимый порядок.</a:t>
             </a:r>
-            <a:endParaRPr lang="ru-RU" dirty="0"/>
           </a:p>
         </p:txBody>
       </p:sp>

--- a/docs/Timelon.pptx
+++ b/docs/Timelon.pptx
@@ -3278,6 +3278,306 @@
           </a:p>
         </p:txBody>
       </p:sp>
+      <p:sp>
+        <p:nvSpPr>
+          <p:cNvPr id="3" name="Прямоугольник 2"/>
+          <p:cNvSpPr/>
+          <p:nvPr/>
+        </p:nvSpPr>
+        <p:spPr>
+          <a:xfrm>
+            <a:off x="838200" y="1471643"/>
+            <a:ext cx="10343606" cy="4801314"/>
+          </a:xfrm>
+          <a:prstGeom prst="rect">
+            <a:avLst/>
+          </a:prstGeom>
+        </p:spPr>
+        <p:txBody>
+          <a:bodyPr wrap="square">
+            <a:spAutoFit/>
+          </a:bodyPr>
+          <a:lstStyle/>
+          <a:p>
+            <a:pPr algn="just"/>
+            <a:r>
+              <a:rPr lang="ru-RU" dirty="0"/>
+              <a:t>WPF </a:t>
+            </a:r>
+            <a:r>
+              <a:rPr lang="ru-RU" dirty="0" smtClean="0"/>
+              <a:t>(</a:t>
+            </a:r>
+            <a:r>
+              <a:rPr lang="ru-RU" dirty="0" err="1"/>
+              <a:t>Windows</a:t>
+            </a:r>
+            <a:r>
+              <a:rPr lang="ru-RU" dirty="0"/>
+              <a:t> </a:t>
+            </a:r>
+            <a:r>
+              <a:rPr lang="ru-RU" dirty="0" err="1"/>
+              <a:t>Presentation</a:t>
+            </a:r>
+            <a:r>
+              <a:rPr lang="ru-RU" dirty="0"/>
+              <a:t> </a:t>
+            </a:r>
+            <a:r>
+              <a:rPr lang="ru-RU" dirty="0" err="1" smtClean="0"/>
+              <a:t>Foundation</a:t>
+            </a:r>
+            <a:r>
+              <a:rPr lang="ru-RU" dirty="0" smtClean="0"/>
+              <a:t>) </a:t>
+            </a:r>
+            <a:r>
+              <a:rPr lang="ru-RU" dirty="0"/>
+              <a:t>— аналог </a:t>
+            </a:r>
+            <a:r>
+              <a:rPr lang="ru-RU" dirty="0" err="1"/>
+              <a:t>WinForms</a:t>
+            </a:r>
+            <a:r>
+              <a:rPr lang="ru-RU" dirty="0"/>
+              <a:t>, система для построения клиентских приложений </a:t>
+            </a:r>
+            <a:r>
+              <a:rPr lang="ru-RU" dirty="0" err="1"/>
+              <a:t>Windows</a:t>
+            </a:r>
+            <a:r>
+              <a:rPr lang="ru-RU" dirty="0"/>
+              <a:t> с визуально привлекательными возможностями взаимодействия с пользователем, графическая </a:t>
+            </a:r>
+            <a:r>
+              <a:rPr lang="ru-RU" dirty="0" smtClean="0"/>
+              <a:t>подсистема </a:t>
+            </a:r>
+            <a:r>
+              <a:rPr lang="ru-RU" dirty="0"/>
+              <a:t>в составе .NET </a:t>
+            </a:r>
+            <a:r>
+              <a:rPr lang="ru-RU" dirty="0" err="1" smtClean="0"/>
+              <a:t>Framework</a:t>
+            </a:r>
+            <a:r>
+              <a:rPr lang="ru-RU" dirty="0" smtClean="0"/>
+              <a:t>, </a:t>
+            </a:r>
+            <a:r>
+              <a:rPr lang="ru-RU" dirty="0"/>
+              <a:t>использующая язык </a:t>
+            </a:r>
+            <a:r>
+              <a:rPr lang="ru-RU" dirty="0" smtClean="0"/>
+              <a:t>XAML.</a:t>
+            </a:r>
+            <a:endParaRPr lang="ru-RU" dirty="0"/>
+          </a:p>
+          <a:p>
+            <a:pPr algn="just"/>
+            <a:r>
+              <a:rPr lang="ru-RU" dirty="0" smtClean="0"/>
+              <a:t>Преимущества технологии</a:t>
+            </a:r>
+            <a:r>
+              <a:rPr lang="ru-RU" dirty="0"/>
+              <a:t> </a:t>
+            </a:r>
+            <a:r>
+              <a:rPr lang="ru-RU" dirty="0" err="1"/>
+              <a:t>Windows</a:t>
+            </a:r>
+            <a:r>
+              <a:rPr lang="ru-RU" dirty="0"/>
+              <a:t> </a:t>
+            </a:r>
+            <a:r>
+              <a:rPr lang="ru-RU" dirty="0" err="1"/>
+              <a:t>Presentation</a:t>
+            </a:r>
+            <a:r>
+              <a:rPr lang="ru-RU" dirty="0"/>
+              <a:t> </a:t>
+            </a:r>
+            <a:r>
+              <a:rPr lang="ru-RU" dirty="0" err="1"/>
+              <a:t>Foundation</a:t>
+            </a:r>
+            <a:r>
+              <a:rPr lang="ru-RU" dirty="0"/>
+              <a:t> </a:t>
+            </a:r>
+            <a:r>
+              <a:rPr lang="ru-RU" dirty="0" smtClean="0"/>
+              <a:t>:</a:t>
+            </a:r>
+            <a:endParaRPr lang="ru-RU" dirty="0"/>
+          </a:p>
+          <a:p>
+            <a:pPr marL="285750" indent="-285750" algn="just">
+              <a:buFont typeface="Arial" panose="020B0604020202020204" pitchFamily="34" charset="0"/>
+              <a:buChar char="•"/>
+            </a:pPr>
+            <a:r>
+              <a:rPr lang="ru-RU" dirty="0" smtClean="0"/>
+              <a:t>Гибкая </a:t>
+            </a:r>
+            <a:r>
+              <a:rPr lang="ru-RU" dirty="0"/>
+              <a:t>настройка визуального и функционального представления элементов управления</a:t>
+            </a:r>
+          </a:p>
+          <a:p>
+            <a:pPr marL="285750" indent="-285750" algn="just">
+              <a:buFont typeface="Arial" panose="020B0604020202020204" pitchFamily="34" charset="0"/>
+              <a:buChar char="•"/>
+            </a:pPr>
+            <a:r>
+              <a:rPr lang="ru-RU" dirty="0" smtClean="0"/>
+              <a:t>Более </a:t>
+            </a:r>
+            <a:r>
+              <a:rPr lang="ru-RU" dirty="0"/>
+              <a:t>прозрачная разработка, что позволяет работать в команде и поддерживать проект на протяжении долгого времени</a:t>
+            </a:r>
+          </a:p>
+          <a:p>
+            <a:pPr marL="285750" indent="-285750" algn="just">
+              <a:buFont typeface="Arial" panose="020B0604020202020204" pitchFamily="34" charset="0"/>
+              <a:buChar char="•"/>
+            </a:pPr>
+            <a:r>
+              <a:rPr lang="ru-RU" dirty="0" smtClean="0"/>
+              <a:t>Возможность </a:t>
+            </a:r>
+            <a:r>
+              <a:rPr lang="ru-RU" dirty="0"/>
+              <a:t>изучить новые технологии и методы разработки </a:t>
+            </a:r>
+            <a:r>
+              <a:rPr lang="ru-RU" dirty="0" smtClean="0"/>
+              <a:t>интерфейса</a:t>
+            </a:r>
+          </a:p>
+          <a:p>
+            <a:pPr algn="just"/>
+            <a:endParaRPr lang="ru-RU" dirty="0" smtClean="0"/>
+          </a:p>
+          <a:p>
+            <a:pPr algn="just"/>
+            <a:r>
+              <a:rPr lang="ru-RU" dirty="0" smtClean="0"/>
+              <a:t>XAML </a:t>
+            </a:r>
+            <a:r>
+              <a:rPr lang="ru-RU" dirty="0"/>
+              <a:t>(</a:t>
+            </a:r>
+            <a:r>
+              <a:rPr lang="ru-RU" dirty="0" err="1"/>
+              <a:t>eXtensible</a:t>
+            </a:r>
+            <a:r>
+              <a:rPr lang="ru-RU" dirty="0"/>
+              <a:t> </a:t>
+            </a:r>
+            <a:r>
+              <a:rPr lang="ru-RU" dirty="0" err="1"/>
+              <a:t>Application</a:t>
+            </a:r>
+            <a:r>
+              <a:rPr lang="ru-RU" dirty="0"/>
+              <a:t> </a:t>
+            </a:r>
+            <a:r>
+              <a:rPr lang="ru-RU" dirty="0" err="1"/>
+              <a:t>Markup</a:t>
+            </a:r>
+            <a:r>
+              <a:rPr lang="ru-RU" dirty="0"/>
+              <a:t> </a:t>
+            </a:r>
+            <a:r>
+              <a:rPr lang="ru-RU" dirty="0" err="1"/>
+              <a:t>Language</a:t>
+            </a:r>
+            <a:r>
+              <a:rPr lang="ru-RU" dirty="0"/>
+              <a:t>) - язык разметки, используемый для инициализации объектов в технологиях на платформе .NET. Применительно к WPF </a:t>
+            </a:r>
+            <a:r>
+              <a:rPr lang="ru-RU" dirty="0" smtClean="0"/>
+              <a:t>данный </a:t>
+            </a:r>
+            <a:r>
+              <a:rPr lang="ru-RU" dirty="0"/>
+              <a:t>язык используется прежде всего для создания пользовательского интерфейса декларативным </a:t>
+            </a:r>
+            <a:r>
+              <a:rPr lang="ru-RU" dirty="0" smtClean="0"/>
+              <a:t>путем</a:t>
+            </a:r>
+            <a:r>
+              <a:rPr lang="en-US" dirty="0"/>
+              <a:t>.</a:t>
+            </a:r>
+            <a:endParaRPr lang="ru-RU" dirty="0" smtClean="0"/>
+          </a:p>
+          <a:p>
+            <a:pPr algn="just"/>
+            <a:r>
+              <a:rPr lang="ru-RU" dirty="0" smtClean="0"/>
+              <a:t>Преимущества языка </a:t>
+            </a:r>
+            <a:r>
+              <a:rPr lang="en-US" dirty="0" smtClean="0"/>
+              <a:t>XAML</a:t>
+            </a:r>
+            <a:r>
+              <a:rPr lang="ru-RU" dirty="0" smtClean="0"/>
+              <a:t>: </a:t>
+            </a:r>
+          </a:p>
+          <a:p>
+            <a:pPr marL="285750" indent="-285750" algn="just">
+              <a:buFont typeface="Arial" panose="020B0604020202020204" pitchFamily="34" charset="0"/>
+              <a:buChar char="•"/>
+            </a:pPr>
+            <a:r>
+              <a:rPr lang="ru-RU" dirty="0" smtClean="0"/>
+              <a:t>Возможность </a:t>
+            </a:r>
+            <a:r>
+              <a:rPr lang="ru-RU" dirty="0"/>
+              <a:t>отделить графический интерфейс от логики приложения, благодаря чему над разными частями приложения могут относительно автономно работать разные специалисты: над интерфейсом - дизайнеры, над кодом логики - программисты</a:t>
+            </a:r>
+            <a:r>
+              <a:rPr lang="ru-RU" dirty="0" smtClean="0"/>
+              <a:t>. </a:t>
+            </a:r>
+          </a:p>
+          <a:p>
+            <a:pPr marL="285750" indent="-285750" algn="just">
+              <a:buFont typeface="Arial" panose="020B0604020202020204" pitchFamily="34" charset="0"/>
+              <a:buChar char="•"/>
+            </a:pPr>
+            <a:r>
+              <a:rPr lang="ru-RU" dirty="0" smtClean="0"/>
+              <a:t>Компактность</a:t>
+            </a:r>
+            <a:r>
+              <a:rPr lang="ru-RU" dirty="0"/>
+              <a:t>, понятность, код на XAML относительно легко поддерживать.</a:t>
+            </a:r>
+            <a:endParaRPr lang="ru-RU" dirty="0" smtClean="0"/>
+          </a:p>
+        </p:txBody>
+      </p:sp>
     </p:spTree>
     <p:extLst>
       <p:ext uri="{BB962C8B-B14F-4D97-AF65-F5344CB8AC3E}">
@@ -3330,6 +3630,84 @@
           </a:p>
         </p:txBody>
       </p:sp>
+      <p:sp>
+        <p:nvSpPr>
+          <p:cNvPr id="3" name="Прямоугольник 2"/>
+          <p:cNvSpPr/>
+          <p:nvPr/>
+        </p:nvSpPr>
+        <p:spPr>
+          <a:xfrm>
+            <a:off x="838200" y="1385064"/>
+            <a:ext cx="9370423" cy="3139321"/>
+          </a:xfrm>
+          <a:prstGeom prst="rect">
+            <a:avLst/>
+          </a:prstGeom>
+        </p:spPr>
+        <p:txBody>
+          <a:bodyPr wrap="square">
+            <a:spAutoFit/>
+          </a:bodyPr>
+          <a:lstStyle/>
+          <a:p>
+            <a:r>
+              <a:rPr lang="ru-RU" dirty="0"/>
+              <a:t>Стилизация и использование шаблонов </a:t>
+            </a:r>
+            <a:r>
+              <a:rPr lang="ru-RU" dirty="0" err="1"/>
+              <a:t>Windows</a:t>
+            </a:r>
+            <a:r>
+              <a:rPr lang="ru-RU" dirty="0"/>
+              <a:t> </a:t>
+            </a:r>
+            <a:r>
+              <a:rPr lang="ru-RU" dirty="0" err="1"/>
+              <a:t>Presentation</a:t>
+            </a:r>
+            <a:r>
+              <a:rPr lang="ru-RU" dirty="0"/>
+              <a:t> </a:t>
+            </a:r>
+            <a:r>
+              <a:rPr lang="ru-RU" dirty="0" err="1"/>
+              <a:t>Foundation</a:t>
+            </a:r>
+            <a:r>
+              <a:rPr lang="ru-RU" dirty="0"/>
+              <a:t> (WPF) относятся к набору возможностей, которые позволяют разработчикам и дизайнерам создавать визуально привлекательные эффекты и согласованный внешний вид своих продуктов. При настройке внешнего вида приложения необходима строгая модель стилизации и шаблонов, обеспечивающая обслуживание и совместное использование внешнего вида в приложениях и между ними. WPF предоставляет такую модель.</a:t>
+            </a:r>
+          </a:p>
+          <a:p>
+            <a:endParaRPr lang="ru-RU" dirty="0"/>
+          </a:p>
+          <a:p>
+            <a:r>
+              <a:rPr lang="ru-RU" dirty="0"/>
+              <a:t>Еще одной возможностью модели стилизации WPF является разделение представления и логики. Дизайнеры могут создавать внешний вид приложения только с помощью XAML в то же самое время, когда разработчики работают над логикой программы, используя языки C# или </a:t>
+            </a:r>
+            <a:r>
+              <a:rPr lang="ru-RU" dirty="0" err="1"/>
+              <a:t>Visual</a:t>
+            </a:r>
+            <a:r>
+              <a:rPr lang="ru-RU" dirty="0"/>
+              <a:t> </a:t>
+            </a:r>
+            <a:r>
+              <a:rPr lang="ru-RU" dirty="0" err="1"/>
+              <a:t>Basic</a:t>
+            </a:r>
+            <a:r>
+              <a:rPr lang="ru-RU" dirty="0" smtClean="0"/>
+              <a:t>.</a:t>
+            </a:r>
+            <a:endParaRPr lang="ru-RU" dirty="0"/>
+          </a:p>
+        </p:txBody>
+      </p:sp>
     </p:spTree>
     <p:extLst>
       <p:ext uri="{BB962C8B-B14F-4D97-AF65-F5344CB8AC3E}">
@@ -4675,7 +5053,7 @@
         <p:spPr>
           <a:xfrm>
             <a:off x="838200" y="1887225"/>
-            <a:ext cx="10289178" cy="4801314"/>
+            <a:ext cx="10289178" cy="4524315"/>
           </a:xfrm>
           <a:prstGeom prst="rect">
             <a:avLst/>
@@ -4817,10 +5195,6 @@
           </a:p>
           <a:p>
             <a:pPr algn="just"/>
-            <a:endParaRPr lang="ru-RU" dirty="0"/>
-          </a:p>
-          <a:p>
-            <a:pPr algn="just"/>
             <a:r>
               <a:rPr lang="ru-RU" dirty="0"/>
               <a:t>Управление статусом сортировки. Перечисление </a:t>
@@ -4840,63 +5214,75 @@
             <a:endParaRPr lang="ru-RU" dirty="0"/>
           </a:p>
           <a:p>
-            <a:pPr algn="just"/>
-            <a:r>
-              <a:rPr lang="ru-RU" dirty="0"/>
-              <a:t>- </a:t>
-            </a:r>
-            <a:r>
-              <a:rPr lang="ru-RU" dirty="0" err="1"/>
+            <a:pPr marL="285750" indent="-285750" algn="just">
+              <a:buFont typeface="Arial" panose="020B0604020202020204" pitchFamily="34" charset="0"/>
+              <a:buChar char="•"/>
+            </a:pPr>
+            <a:r>
+              <a:rPr lang="ru-RU" dirty="0" err="1" smtClean="0"/>
               <a:t>Initial</a:t>
             </a:r>
             <a:r>
-              <a:rPr lang="ru-RU" dirty="0"/>
-              <a:t> (Карты необходимо отсортировать (используется только внутри класса))</a:t>
-            </a:r>
-          </a:p>
-          <a:p>
-            <a:pPr algn="just"/>
-            <a:r>
-              <a:rPr lang="ru-RU" dirty="0"/>
-              <a:t>- </a:t>
-            </a:r>
-            <a:r>
-              <a:rPr lang="ru-RU" dirty="0" err="1"/>
+              <a:rPr lang="ru-RU" dirty="0" smtClean="0"/>
+              <a:t> </a:t>
+            </a:r>
+            <a:r>
+              <a:rPr lang="ru-RU" dirty="0"/>
+              <a:t>(Карты необходимо отсортировать (используется только внутри класса))</a:t>
+            </a:r>
+          </a:p>
+          <a:p>
+            <a:pPr marL="285750" indent="-285750" algn="just">
+              <a:buFont typeface="Arial" panose="020B0604020202020204" pitchFamily="34" charset="0"/>
+              <a:buChar char="•"/>
+            </a:pPr>
+            <a:r>
+              <a:rPr lang="ru-RU" dirty="0" err="1" smtClean="0"/>
               <a:t>Unsorted</a:t>
             </a:r>
             <a:r>
-              <a:rPr lang="ru-RU" dirty="0"/>
-              <a:t> (В произвольном порядке)</a:t>
-            </a:r>
-          </a:p>
-          <a:p>
-            <a:pPr algn="just"/>
-            <a:r>
-              <a:rPr lang="ru-RU" dirty="0"/>
-              <a:t>- </a:t>
-            </a:r>
-            <a:r>
-              <a:rPr lang="ru-RU" dirty="0" err="1"/>
+              <a:rPr lang="ru-RU" dirty="0" smtClean="0"/>
+              <a:t> </a:t>
+            </a:r>
+            <a:r>
+              <a:rPr lang="ru-RU" dirty="0"/>
+              <a:t>(В произвольном порядке)</a:t>
+            </a:r>
+          </a:p>
+          <a:p>
+            <a:pPr marL="285750" indent="-285750" algn="just">
+              <a:buFont typeface="Arial" panose="020B0604020202020204" pitchFamily="34" charset="0"/>
+              <a:buChar char="•"/>
+            </a:pPr>
+            <a:r>
+              <a:rPr lang="ru-RU" dirty="0" err="1" smtClean="0"/>
               <a:t>Ascending</a:t>
             </a:r>
             <a:r>
-              <a:rPr lang="ru-RU" dirty="0"/>
-              <a:t> (По возрастанию)</a:t>
-            </a:r>
-          </a:p>
-          <a:p>
-            <a:pPr algn="just"/>
-            <a:r>
-              <a:rPr lang="ru-RU" dirty="0"/>
-              <a:t>- </a:t>
-            </a:r>
-            <a:r>
-              <a:rPr lang="ru-RU" dirty="0" err="1"/>
+              <a:rPr lang="ru-RU" dirty="0" smtClean="0"/>
+              <a:t> </a:t>
+            </a:r>
+            <a:r>
+              <a:rPr lang="ru-RU" dirty="0"/>
+              <a:t>(По возрастанию)</a:t>
+            </a:r>
+          </a:p>
+          <a:p>
+            <a:pPr marL="285750" indent="-285750" algn="just">
+              <a:buFont typeface="Arial" panose="020B0604020202020204" pitchFamily="34" charset="0"/>
+              <a:buChar char="•"/>
+            </a:pPr>
+            <a:r>
+              <a:rPr lang="ru-RU" dirty="0" err="1" smtClean="0"/>
               <a:t>Descending</a:t>
             </a:r>
             <a:r>
-              <a:rPr lang="ru-RU" dirty="0"/>
-              <a:t> (По убыванию)</a:t>
+              <a:rPr lang="ru-RU" dirty="0" smtClean="0"/>
+              <a:t> </a:t>
+            </a:r>
+            <a:r>
+              <a:rPr lang="ru-RU" dirty="0"/>
+              <a:t>(По убыванию)</a:t>
             </a:r>
           </a:p>
           <a:p>

--- a/docs/Timelon.pptx
+++ b/docs/Timelon.pptx
@@ -3128,6 +3128,70 @@
           </a:p>
         </p:txBody>
       </p:sp>
+      <p:sp>
+        <p:nvSpPr>
+          <p:cNvPr id="3" name="Прямоугольник 2"/>
+          <p:cNvSpPr/>
+          <p:nvPr/>
+        </p:nvSpPr>
+        <p:spPr>
+          <a:xfrm>
+            <a:off x="838200" y="1506022"/>
+            <a:ext cx="5058821" cy="646331"/>
+          </a:xfrm>
+          <a:prstGeom prst="rect">
+            <a:avLst/>
+          </a:prstGeom>
+        </p:spPr>
+        <p:txBody>
+          <a:bodyPr wrap="none">
+            <a:spAutoFit/>
+          </a:bodyPr>
+          <a:lstStyle/>
+          <a:p>
+            <a:r>
+              <a:rPr lang="ru-RU" dirty="0"/>
+              <a:t>Классы </a:t>
+            </a:r>
+            <a:r>
+              <a:rPr lang="en-US" dirty="0" err="1"/>
+              <a:t>ApplicationViewModel</a:t>
+            </a:r>
+            <a:r>
+              <a:rPr lang="en-US" dirty="0"/>
+              <a:t> </a:t>
+            </a:r>
+            <a:r>
+              <a:rPr lang="ru-RU" dirty="0"/>
+              <a:t>и </a:t>
+            </a:r>
+            <a:r>
+              <a:rPr lang="en-US" dirty="0" err="1" smtClean="0"/>
+              <a:t>MainWindow</a:t>
+            </a:r>
+            <a:r>
+              <a:rPr lang="ru-RU" dirty="0" smtClean="0"/>
+              <a:t>.</a:t>
+            </a:r>
+            <a:r>
+              <a:rPr lang="en-US" dirty="0" err="1" smtClean="0"/>
+              <a:t>xaml</a:t>
+            </a:r>
+            <a:endParaRPr lang="en-US" dirty="0" smtClean="0"/>
+          </a:p>
+          <a:p>
+            <a:r>
+              <a:rPr lang="ru-RU" dirty="0" smtClean="0"/>
+              <a:t>Класс </a:t>
+            </a:r>
+            <a:r>
+              <a:rPr lang="en-US" dirty="0" err="1" smtClean="0"/>
+              <a:t>RelayCommand</a:t>
+            </a:r>
+            <a:endParaRPr lang="ru-RU" dirty="0"/>
+          </a:p>
+        </p:txBody>
+      </p:sp>
     </p:spTree>
     <p:extLst>
       <p:ext uri="{BB962C8B-B14F-4D97-AF65-F5344CB8AC3E}">
@@ -3201,14 +3265,51 @@
         </p:blipFill>
         <p:spPr>
           <a:xfrm>
-            <a:off x="1916362" y="1593669"/>
-            <a:ext cx="8359275" cy="4519233"/>
+            <a:off x="1959905" y="2614018"/>
+            <a:ext cx="7819821" cy="4227591"/>
           </a:xfrm>
           <a:prstGeom prst="rect">
             <a:avLst/>
           </a:prstGeom>
         </p:spPr>
       </p:pic>
+      <p:sp>
+        <p:nvSpPr>
+          <p:cNvPr id="4" name="Прямоугольник 3"/>
+          <p:cNvSpPr/>
+          <p:nvPr/>
+        </p:nvSpPr>
+        <p:spPr>
+          <a:xfrm>
+            <a:off x="838199" y="1690688"/>
+            <a:ext cx="10883537" cy="923330"/>
+          </a:xfrm>
+          <a:prstGeom prst="rect">
+            <a:avLst/>
+          </a:prstGeom>
+        </p:spPr>
+        <p:txBody>
+          <a:bodyPr wrap="square">
+            <a:spAutoFit/>
+          </a:bodyPr>
+          <a:lstStyle/>
+          <a:p>
+            <a:pPr algn="just"/>
+            <a:r>
+              <a:rPr lang="ru-RU" dirty="0"/>
+              <a:t>Паттерн MVVM (</a:t>
+            </a:r>
+            <a:r>
+              <a:rPr lang="ru-RU" dirty="0" err="1"/>
+              <a:t>Model-View-ViewModel</a:t>
+            </a:r>
+            <a:r>
+              <a:rPr lang="ru-RU" dirty="0"/>
+              <a:t>) позволяет отделить логику приложения от визуальной части (представления). Данный паттерн является архитектурным, то есть он задает общую архитектуру приложения.</a:t>
+            </a:r>
+          </a:p>
+        </p:txBody>
+      </p:sp>
     </p:spTree>
     <p:extLst>
       <p:ext uri="{BB962C8B-B14F-4D97-AF65-F5344CB8AC3E}">

--- a/docs/Timelon.pptx
+++ b/docs/Timelon.pptx
@@ -19,23 +19,21 @@
     <p:sldId id="280" r:id="rId13"/>
     <p:sldId id="278" r:id="rId14"/>
     <p:sldId id="279" r:id="rId15"/>
-    <p:sldId id="281" r:id="rId16"/>
-    <p:sldId id="260" r:id="rId17"/>
-    <p:sldId id="261" r:id="rId18"/>
-    <p:sldId id="267" r:id="rId19"/>
-    <p:sldId id="268" r:id="rId20"/>
-    <p:sldId id="290" r:id="rId21"/>
-    <p:sldId id="269" r:id="rId22"/>
-    <p:sldId id="263" r:id="rId23"/>
-    <p:sldId id="282" r:id="rId24"/>
-    <p:sldId id="283" r:id="rId25"/>
-    <p:sldId id="284" r:id="rId26"/>
-    <p:sldId id="285" r:id="rId27"/>
-    <p:sldId id="286" r:id="rId28"/>
-    <p:sldId id="288" r:id="rId29"/>
-    <p:sldId id="289" r:id="rId30"/>
-    <p:sldId id="264" r:id="rId31"/>
-    <p:sldId id="266" r:id="rId32"/>
+    <p:sldId id="260" r:id="rId16"/>
+    <p:sldId id="261" r:id="rId17"/>
+    <p:sldId id="267" r:id="rId18"/>
+    <p:sldId id="268" r:id="rId19"/>
+    <p:sldId id="290" r:id="rId20"/>
+    <p:sldId id="263" r:id="rId21"/>
+    <p:sldId id="282" r:id="rId22"/>
+    <p:sldId id="283" r:id="rId23"/>
+    <p:sldId id="284" r:id="rId24"/>
+    <p:sldId id="285" r:id="rId25"/>
+    <p:sldId id="286" r:id="rId26"/>
+    <p:sldId id="288" r:id="rId27"/>
+    <p:sldId id="289" r:id="rId28"/>
+    <p:sldId id="264" r:id="rId29"/>
+    <p:sldId id="266" r:id="rId30"/>
   </p:sldIdLst>
   <p:sldSz cx="12192000" cy="6858000"/>
   <p:notesSz cx="6858000" cy="9144000"/>
@@ -3034,6 +3032,13 @@
   <p:clrMapOvr>
     <a:masterClrMapping/>
   </p:clrMapOvr>
+  <p:timing>
+    <p:tnLst>
+      <p:par>
+        <p:cTn id="1" dur="indefinite" restart="never" nodeType="tmRoot"/>
+      </p:par>
+    </p:tnLst>
+  </p:timing>
 </p:sld>
 </file>
 
@@ -3086,6 +3091,13 @@
   <p:clrMapOvr>
     <a:masterClrMapping/>
   </p:clrMapOvr>
+  <p:timing>
+    <p:tnLst>
+      <p:par>
+        <p:cTn id="1" dur="indefinite" restart="never" nodeType="tmRoot"/>
+      </p:par>
+    </p:tnLst>
+  </p:timing>
 </p:sld>
 </file>
 
@@ -3136,59 +3148,113 @@
         </p:nvSpPr>
         <p:spPr>
           <a:xfrm>
-            <a:off x="838200" y="1506022"/>
-            <a:ext cx="5058821" cy="646331"/>
+            <a:off x="838202" y="1506022"/>
+            <a:ext cx="10224245" cy="3046988"/>
           </a:xfrm>
           <a:prstGeom prst="rect">
             <a:avLst/>
           </a:prstGeom>
         </p:spPr>
         <p:txBody>
-          <a:bodyPr wrap="none">
+          <a:bodyPr wrap="square">
             <a:spAutoFit/>
           </a:bodyPr>
           <a:lstStyle/>
           <a:p>
             <a:r>
-              <a:rPr lang="ru-RU" dirty="0"/>
-              <a:t>Классы </a:t>
-            </a:r>
-            <a:r>
-              <a:rPr lang="en-US" dirty="0" err="1"/>
+              <a:rPr lang="ru-RU" sz="2400" dirty="0" smtClean="0"/>
+              <a:t>Классы, реализуемые в рамках шаблона проектирования </a:t>
+            </a:r>
+            <a:r>
+              <a:rPr lang="en-US" sz="2400" dirty="0" smtClean="0"/>
+              <a:t>MVVM</a:t>
+            </a:r>
+            <a:endParaRPr lang="en-US" sz="2400" dirty="0" smtClean="0"/>
+          </a:p>
+          <a:p>
+            <a:pPr marL="342900" indent="-342900">
+              <a:buFont typeface="Arial" panose="020B0604020202020204" pitchFamily="34" charset="0"/>
+              <a:buChar char="•"/>
+            </a:pPr>
+            <a:r>
+              <a:rPr lang="ru-RU" sz="2400" dirty="0" smtClean="0"/>
+              <a:t>Класс </a:t>
+            </a:r>
+            <a:r>
+              <a:rPr lang="en-US" sz="2400" dirty="0" err="1"/>
               <a:t>ApplicationViewModel</a:t>
             </a:r>
             <a:r>
-              <a:rPr lang="en-US" dirty="0"/>
+              <a:rPr lang="en-US" sz="2400" dirty="0"/>
               <a:t> </a:t>
             </a:r>
-            <a:r>
-              <a:rPr lang="ru-RU" dirty="0"/>
-              <a:t>и </a:t>
-            </a:r>
-            <a:r>
-              <a:rPr lang="en-US" dirty="0" err="1" smtClean="0"/>
+            <a:endParaRPr lang="ru-RU" sz="2400" dirty="0" smtClean="0"/>
+          </a:p>
+          <a:p>
+            <a:pPr marL="342900" indent="-342900">
+              <a:buFont typeface="Arial" panose="020B0604020202020204" pitchFamily="34" charset="0"/>
+              <a:buChar char="•"/>
+            </a:pPr>
+            <a:r>
+              <a:rPr lang="en-US" sz="2400" dirty="0" err="1" smtClean="0"/>
               <a:t>MainWindow</a:t>
             </a:r>
             <a:r>
-              <a:rPr lang="ru-RU" dirty="0" smtClean="0"/>
+              <a:rPr lang="ru-RU" sz="2400" dirty="0" smtClean="0"/>
               <a:t>.</a:t>
             </a:r>
             <a:r>
-              <a:rPr lang="en-US" dirty="0" err="1" smtClean="0"/>
+              <a:rPr lang="en-US" sz="2400" dirty="0" err="1" smtClean="0"/>
               <a:t>xaml</a:t>
             </a:r>
-            <a:endParaRPr lang="en-US" dirty="0" smtClean="0"/>
-          </a:p>
-          <a:p>
-            <a:r>
-              <a:rPr lang="ru-RU" dirty="0" smtClean="0"/>
+            <a:r>
+              <a:rPr lang="ru-RU" sz="2400" dirty="0" smtClean="0"/>
+              <a:t> и </a:t>
+            </a:r>
+            <a:r>
+              <a:rPr lang="en-US" sz="2400" dirty="0" err="1" smtClean="0"/>
+              <a:t>MainWindow.xaml.cs</a:t>
+            </a:r>
+            <a:endParaRPr lang="ru-RU" sz="2400" dirty="0"/>
+          </a:p>
+          <a:p>
+            <a:pPr marL="342900" indent="-342900">
+              <a:buFont typeface="Arial" panose="020B0604020202020204" pitchFamily="34" charset="0"/>
+              <a:buChar char="•"/>
+            </a:pPr>
+            <a:r>
+              <a:rPr lang="ru-RU" sz="2400" dirty="0" smtClean="0"/>
               <a:t>Класс </a:t>
             </a:r>
             <a:r>
-              <a:rPr lang="en-US" dirty="0" err="1" smtClean="0"/>
+              <a:rPr lang="en-US" sz="2400" dirty="0" err="1" smtClean="0"/>
               <a:t>RelayCommand</a:t>
             </a:r>
-            <a:endParaRPr lang="ru-RU" dirty="0"/>
+            <a:endParaRPr lang="ru-RU" sz="2400" dirty="0" smtClean="0"/>
+          </a:p>
+          <a:p>
+            <a:r>
+              <a:rPr lang="ru-RU" sz="2400" dirty="0" smtClean="0"/>
+              <a:t>Для взаимодействия пользователя и приложения в MVVM используются команды и события. </a:t>
+            </a:r>
+          </a:p>
+          <a:p>
+            <a:r>
+              <a:rPr lang="ru-RU" sz="2400" dirty="0" smtClean="0"/>
+              <a:t>Команды обеспечивают слой абстракции – класс </a:t>
+            </a:r>
+            <a:r>
+              <a:rPr lang="en-US" sz="2400" dirty="0" err="1" smtClean="0"/>
+              <a:t>RelayCommand</a:t>
+            </a:r>
+            <a:r>
+              <a:rPr lang="en-US" sz="2400" dirty="0" smtClean="0"/>
+              <a:t>,</a:t>
+            </a:r>
+            <a:r>
+              <a:rPr lang="ru-RU" sz="2400" dirty="0" smtClean="0"/>
+              <a:t> между семантикой элементов управления и логикой библиотеки классов.</a:t>
+            </a:r>
           </a:p>
         </p:txBody>
       </p:sp>
@@ -3202,6 +3268,13 @@
   <p:clrMapOvr>
     <a:masterClrMapping/>
   </p:clrMapOvr>
+  <p:timing>
+    <p:tnLst>
+      <p:par>
+        <p:cTn id="1" dur="indefinite" restart="never" nodeType="tmRoot"/>
+      </p:par>
+    </p:tnLst>
+  </p:timing>
 </p:sld>
 </file>
 
@@ -3265,7 +3338,7 @@
         </p:blipFill>
         <p:spPr>
           <a:xfrm>
-            <a:off x="1959905" y="2614018"/>
+            <a:off x="1968613" y="2526932"/>
             <a:ext cx="7819821" cy="4227591"/>
           </a:xfrm>
           <a:prstGeom prst="rect">
@@ -3281,8 +3354,8 @@
         </p:nvSpPr>
         <p:spPr>
           <a:xfrm>
-            <a:off x="838199" y="1690688"/>
-            <a:ext cx="10883537" cy="923330"/>
+            <a:off x="838200" y="1690688"/>
+            <a:ext cx="9568544" cy="1015663"/>
           </a:xfrm>
           <a:prstGeom prst="rect">
             <a:avLst/>
@@ -3296,15 +3369,15 @@
           <a:p>
             <a:pPr algn="just"/>
             <a:r>
-              <a:rPr lang="ru-RU" dirty="0"/>
+              <a:rPr lang="ru-RU" sz="2000" dirty="0"/>
               <a:t>Паттерн MVVM (</a:t>
             </a:r>
             <a:r>
-              <a:rPr lang="ru-RU" dirty="0" err="1"/>
+              <a:rPr lang="ru-RU" sz="2000" dirty="0" err="1"/>
               <a:t>Model-View-ViewModel</a:t>
             </a:r>
             <a:r>
-              <a:rPr lang="ru-RU" dirty="0"/>
+              <a:rPr lang="ru-RU" sz="2000" dirty="0"/>
               <a:t>) позволяет отделить логику приложения от визуальной части (представления). Данный паттерн является архитектурным, то есть он задает общую архитектуру приложения.</a:t>
             </a:r>
           </a:p>
@@ -3320,6 +3393,13 @@
   <p:clrMapOvr>
     <a:masterClrMapping/>
   </p:clrMapOvr>
+  <p:timing>
+    <p:tnLst>
+      <p:par>
+        <p:cTn id="1" dur="indefinite" restart="never" nodeType="tmRoot"/>
+      </p:par>
+    </p:tnLst>
+  </p:timing>
 </p:sld>
 </file>
 
@@ -3388,7 +3468,7 @@
         <p:spPr>
           <a:xfrm>
             <a:off x="838200" y="1471643"/>
-            <a:ext cx="10343606" cy="4801314"/>
+            <a:ext cx="10343606" cy="4524315"/>
           </a:xfrm>
           <a:prstGeom prst="rect">
             <a:avLst/>
@@ -3443,7 +3523,11 @@
             </a:r>
             <a:r>
               <a:rPr lang="ru-RU" dirty="0"/>
-              <a:t>, система для построения клиентских приложений </a:t>
+              <a:t>, система для построения </a:t>
+            </a:r>
+            <a:r>
+              <a:rPr lang="ru-RU" dirty="0" smtClean="0"/>
+              <a:t>приложений </a:t>
             </a:r>
             <a:r>
               <a:rPr lang="ru-RU" dirty="0" err="1"/>
@@ -3451,31 +3535,39 @@
             </a:r>
             <a:r>
               <a:rPr lang="ru-RU" dirty="0"/>
-              <a:t> с визуально привлекательными возможностями взаимодействия с пользователем, графическая </a:t>
+              <a:t> с визуально </a:t>
             </a:r>
             <a:r>
               <a:rPr lang="ru-RU" dirty="0" smtClean="0"/>
-              <a:t>подсистема </a:t>
-            </a:r>
-            <a:r>
-              <a:rPr lang="ru-RU" dirty="0"/>
-              <a:t>в составе .NET </a:t>
-            </a:r>
-            <a:r>
-              <a:rPr lang="ru-RU" dirty="0" err="1" smtClean="0"/>
-              <a:t>Framework</a:t>
+              <a:t>привлекательными </a:t>
+            </a:r>
+            <a:r>
+              <a:rPr lang="ru-RU" dirty="0"/>
+              <a:t>возможностями взаимодействия с </a:t>
             </a:r>
             <a:r>
               <a:rPr lang="ru-RU" dirty="0" smtClean="0"/>
-              <a:t>, </a:t>
-            </a:r>
-            <a:r>
-              <a:rPr lang="ru-RU" dirty="0"/>
-              <a:t>использующая язык </a:t>
+              <a:t>пользователем</a:t>
+            </a:r>
+            <a:r>
+              <a:rPr lang="en-US" dirty="0" smtClean="0"/>
+              <a:t>.</a:t>
             </a:r>
             <a:r>
               <a:rPr lang="ru-RU" dirty="0" smtClean="0"/>
-              <a:t>XAML.</a:t>
+              <a:t> Использует </a:t>
+            </a:r>
+            <a:r>
+              <a:rPr lang="ru-RU" dirty="0"/>
+              <a:t>язык </a:t>
+            </a:r>
+            <a:r>
+              <a:rPr lang="ru-RU" dirty="0" smtClean="0"/>
+              <a:t>разметки XAML</a:t>
+            </a:r>
+            <a:r>
+              <a:rPr lang="ru-RU" dirty="0" smtClean="0"/>
+              <a:t>.</a:t>
             </a:r>
             <a:endParaRPr lang="ru-RU" dirty="0"/>
           </a:p>
@@ -3483,11 +3575,11 @@
             <a:pPr algn="just"/>
             <a:r>
               <a:rPr lang="ru-RU" dirty="0" smtClean="0"/>
-              <a:t>Преимущества технологии</a:t>
-            </a:r>
-            <a:r>
-              <a:rPr lang="ru-RU" dirty="0"/>
-              <a:t> </a:t>
+              <a:t>Преимущества </a:t>
+            </a:r>
+            <a:r>
+              <a:rPr lang="ru-RU" dirty="0" smtClean="0"/>
+              <a:t>использования технологии </a:t>
             </a:r>
             <a:r>
               <a:rPr lang="ru-RU" dirty="0" err="1"/>
@@ -3506,12 +3598,8 @@
               <a:t> </a:t>
             </a:r>
             <a:r>
-              <a:rPr lang="ru-RU" dirty="0" err="1"/>
+              <a:rPr lang="ru-RU" dirty="0" err="1" smtClean="0"/>
               <a:t>Foundation</a:t>
-            </a:r>
-            <a:r>
-              <a:rPr lang="ru-RU" dirty="0"/>
-              <a:t> </a:t>
             </a:r>
             <a:r>
               <a:rPr lang="ru-RU" dirty="0" smtClean="0"/>
@@ -3655,12 +3743,13 @@
             </a:r>
             <a:r>
               <a:rPr lang="ru-RU" dirty="0"/>
-              <a:t>отделить графический интерфейс от логики приложения, благодаря чему над разными частями приложения могут относительно автономно работать разные специалисты: над интерфейсом - дизайнеры, над кодом логики - программисты</a:t>
+              <a:t>отделить графический интерфейс от логики </a:t>
             </a:r>
             <a:r>
               <a:rPr lang="ru-RU" dirty="0" smtClean="0"/>
-              <a:t>. </a:t>
-            </a:r>
+              <a:t>приложения</a:t>
+            </a:r>
+            <a:endParaRPr lang="ru-RU" dirty="0"/>
           </a:p>
           <a:p>
             <a:pPr marL="285750" indent="-285750" algn="just">
@@ -3673,7 +3762,29 @@
             </a:r>
             <a:r>
               <a:rPr lang="ru-RU" dirty="0"/>
-              <a:t>, понятность, код на XAML относительно легко поддерживать.</a:t>
+              <a:t>, </a:t>
+            </a:r>
+            <a:r>
+              <a:rPr lang="ru-RU" dirty="0" smtClean="0"/>
+              <a:t>понятность </a:t>
+            </a:r>
+          </a:p>
+          <a:p>
+            <a:pPr marL="285750" indent="-285750" algn="just">
+              <a:buFont typeface="Arial" panose="020B0604020202020204" pitchFamily="34" charset="0"/>
+              <a:buChar char="•"/>
+            </a:pPr>
+            <a:r>
+              <a:rPr lang="ru-RU" dirty="0" smtClean="0"/>
+              <a:t>Ко</a:t>
+            </a:r>
+            <a:r>
+              <a:rPr lang="ru-RU" dirty="0" smtClean="0"/>
+              <a:t>д </a:t>
+            </a:r>
+            <a:r>
+              <a:rPr lang="ru-RU" dirty="0"/>
+              <a:t>на XAML относительно легко поддерживать.</a:t>
             </a:r>
             <a:endParaRPr lang="ru-RU" dirty="0" smtClean="0"/>
           </a:p>
@@ -3689,6 +3800,13 @@
   <p:clrMapOvr>
     <a:masterClrMapping/>
   </p:clrMapOvr>
+  <p:timing>
+    <p:tnLst>
+      <p:par>
+        <p:cTn id="1" dur="indefinite" restart="never" nodeType="tmRoot"/>
+      </p:par>
+    </p:tnLst>
+  </p:timing>
 </p:sld>
 </file>
 
@@ -3740,7 +3858,7 @@
         <p:spPr>
           <a:xfrm>
             <a:off x="838200" y="1385064"/>
-            <a:ext cx="9370423" cy="3139321"/>
+            <a:ext cx="9370423" cy="3785652"/>
           </a:xfrm>
           <a:prstGeom prst="rect">
             <a:avLst/>
@@ -3752,60 +3870,47 @@
           </a:bodyPr>
           <a:lstStyle/>
           <a:p>
-            <a:r>
-              <a:rPr lang="ru-RU" dirty="0"/>
+            <a:pPr algn="just"/>
+            <a:r>
+              <a:rPr lang="ru-RU" sz="2000" dirty="0"/>
               <a:t>Стилизация и использование шаблонов </a:t>
             </a:r>
             <a:r>
-              <a:rPr lang="ru-RU" dirty="0" err="1"/>
-              <a:t>Windows</a:t>
-            </a:r>
-            <a:r>
-              <a:rPr lang="ru-RU" dirty="0"/>
+              <a:rPr lang="ru-RU" sz="2000" dirty="0" smtClean="0"/>
+              <a:t>WPF </a:t>
+            </a:r>
+            <a:r>
+              <a:rPr lang="ru-RU" sz="2000" dirty="0"/>
+              <a:t>относятся к набору возможностей, которые позволяют разработчикам и дизайнерам создавать визуально привлекательные эффекты и согласованный внешний вид своих продуктов. При настройке внешнего вида приложения необходима строгая модель стилизации и шаблонов, обеспечивающая обслуживание и совместное использование внешнего вида в приложениях и между ними. WPF предоставляет такую модель.</a:t>
+            </a:r>
+          </a:p>
+          <a:p>
+            <a:pPr algn="just"/>
+            <a:endParaRPr lang="ru-RU" sz="2000" dirty="0"/>
+          </a:p>
+          <a:p>
+            <a:pPr algn="just"/>
+            <a:r>
+              <a:rPr lang="ru-RU" sz="2000" dirty="0"/>
+              <a:t>Еще одной возможностью модели стилизации WPF является разделение представления и логики. Дизайнеры могут создавать внешний вид приложения только с помощью XAML в то же самое время, когда разработчики работают над логикой программы, используя языки C# или </a:t>
+            </a:r>
+            <a:r>
+              <a:rPr lang="ru-RU" sz="2000" dirty="0" err="1"/>
+              <a:t>Visual</a:t>
+            </a:r>
+            <a:r>
+              <a:rPr lang="ru-RU" sz="2000" dirty="0"/>
               <a:t> </a:t>
             </a:r>
             <a:r>
-              <a:rPr lang="ru-RU" dirty="0" err="1"/>
-              <a:t>Presentation</a:t>
-            </a:r>
-            <a:r>
-              <a:rPr lang="ru-RU" dirty="0"/>
-              <a:t> </a:t>
-            </a:r>
-            <a:r>
-              <a:rPr lang="ru-RU" dirty="0" err="1"/>
-              <a:t>Foundation</a:t>
-            </a:r>
-            <a:r>
-              <a:rPr lang="ru-RU" dirty="0"/>
-              <a:t> (WPF) относятся к набору возможностей, которые позволяют разработчикам и дизайнерам создавать визуально привлекательные эффекты и согласованный внешний вид своих продуктов. При настройке внешнего вида приложения необходима строгая модель стилизации и шаблонов, обеспечивающая обслуживание и совместное использование внешнего вида в приложениях и между ними. WPF предоставляет такую модель.</a:t>
-            </a:r>
-          </a:p>
-          <a:p>
-            <a:endParaRPr lang="ru-RU" dirty="0"/>
-          </a:p>
-          <a:p>
-            <a:r>
-              <a:rPr lang="ru-RU" dirty="0"/>
-              <a:t>Еще одной возможностью модели стилизации WPF является разделение представления и логики. Дизайнеры могут создавать внешний вид приложения только с помощью XAML в то же самое время, когда разработчики работают над логикой программы, используя языки C# или </a:t>
-            </a:r>
-            <a:r>
-              <a:rPr lang="ru-RU" dirty="0" err="1"/>
-              <a:t>Visual</a:t>
-            </a:r>
-            <a:r>
-              <a:rPr lang="ru-RU" dirty="0"/>
-              <a:t> </a:t>
-            </a:r>
-            <a:r>
-              <a:rPr lang="ru-RU" dirty="0" err="1"/>
+              <a:rPr lang="ru-RU" sz="2000" dirty="0" err="1" smtClean="0"/>
               <a:t>Basic</a:t>
             </a:r>
             <a:r>
-              <a:rPr lang="ru-RU" dirty="0" smtClean="0"/>
-              <a:t>.</a:t>
-            </a:r>
-            <a:endParaRPr lang="ru-RU" dirty="0"/>
+              <a:rPr lang="ru-RU" sz="2000" dirty="0" smtClean="0"/>
+              <a:t>. Также стили сокращают повторное использование кода.</a:t>
+            </a:r>
+            <a:endParaRPr lang="ru-RU" sz="2000" dirty="0"/>
           </a:p>
         </p:txBody>
       </p:sp>
@@ -3819,6 +3924,13 @@
   <p:clrMapOvr>
     <a:masterClrMapping/>
   </p:clrMapOvr>
+  <p:timing>
+    <p:tnLst>
+      <p:par>
+        <p:cTn id="1" dur="indefinite" restart="never" nodeType="tmRoot"/>
+      </p:par>
+    </p:tnLst>
+  </p:timing>
 </p:sld>
 </file>
 
@@ -3849,28 +3961,247 @@
             <p:ph type="title"/>
           </p:nvPr>
         </p:nvSpPr>
-        <p:spPr/>
-        <p:txBody>
-          <a:bodyPr/>
-          <a:lstStyle/>
-          <a:p>
-            <a:r>
-              <a:rPr lang="ru-RU" dirty="0"/>
+        <p:spPr>
+          <a:xfrm>
+            <a:off x="838200" y="957308"/>
+            <a:ext cx="10515600" cy="1325563"/>
+          </a:xfrm>
+        </p:spPr>
+        <p:txBody>
+          <a:bodyPr>
+            <a:normAutofit/>
+          </a:bodyPr>
+          <a:lstStyle/>
+          <a:p>
+            <a:r>
+              <a:rPr lang="ru-RU" sz="3200" dirty="0"/>
+              <a:t>Пространство имен </a:t>
+            </a:r>
+            <a:r>
+              <a:rPr lang="en-US" sz="3200" dirty="0" err="1" smtClean="0"/>
+              <a:t>Timelon</a:t>
+            </a:r>
+            <a:endParaRPr lang="ru-RU" sz="3200" dirty="0"/>
+          </a:p>
+        </p:txBody>
+      </p:sp>
+      <p:sp>
+        <p:nvSpPr>
+          <p:cNvPr id="4" name="Прямоугольник 3"/>
+          <p:cNvSpPr/>
+          <p:nvPr/>
+        </p:nvSpPr>
+        <p:spPr>
+          <a:xfrm>
+            <a:off x="838200" y="2021614"/>
+            <a:ext cx="9986554" cy="3693319"/>
+          </a:xfrm>
+          <a:prstGeom prst="rect">
+            <a:avLst/>
+          </a:prstGeom>
+        </p:spPr>
+        <p:txBody>
+          <a:bodyPr wrap="square">
+            <a:spAutoFit/>
+          </a:bodyPr>
+          <a:lstStyle/>
+          <a:p>
+            <a:pPr algn="just"/>
+            <a:r>
+              <a:rPr lang="ru-RU" dirty="0" smtClean="0"/>
+              <a:t>Класс </a:t>
+            </a:r>
+            <a:r>
+              <a:rPr lang="en-US" dirty="0" smtClean="0"/>
+              <a:t>Manager</a:t>
+            </a:r>
+            <a:r>
+              <a:rPr lang="ru-RU" dirty="0" smtClean="0"/>
+              <a:t>Отвечает </a:t>
+            </a:r>
+            <a:r>
+              <a:rPr lang="ru-RU" dirty="0"/>
+              <a:t>за сохранение и загрузку данных, а также хранение объектов, полученных из этих данных (Следует иметь ввиду, что при использовании Менеджера в своих решениях, желательно инициализировать экземпляр класса как можно раньше, если он не был инициализирован до этого</a:t>
+            </a:r>
+            <a:r>
+              <a:rPr lang="ru-RU" dirty="0" smtClean="0"/>
+              <a:t>.) </a:t>
+            </a:r>
+          </a:p>
+          <a:p>
+            <a:pPr algn="just"/>
+            <a:endParaRPr lang="ru-RU" dirty="0"/>
+          </a:p>
+          <a:p>
+            <a:pPr algn="just"/>
+            <a:r>
+              <a:rPr lang="ru-RU" dirty="0" smtClean="0"/>
+              <a:t>Методы класс:</a:t>
+            </a:r>
+            <a:endParaRPr lang="ru-RU" dirty="0"/>
+          </a:p>
+          <a:p>
+            <a:pPr marL="285750" indent="-285750" algn="just">
+              <a:buFont typeface="Arial" panose="020B0604020202020204" pitchFamily="34" charset="0"/>
+              <a:buChar char="•"/>
+            </a:pPr>
+            <a:r>
+              <a:rPr lang="ru-RU" dirty="0" err="1" smtClean="0"/>
+              <a:t>GetList</a:t>
+            </a:r>
+            <a:r>
+              <a:rPr lang="ru-RU" dirty="0" smtClean="0"/>
+              <a:t> </a:t>
+            </a:r>
+            <a:r>
+              <a:rPr lang="ru-RU" dirty="0"/>
+              <a:t>(Получение списка)</a:t>
+            </a:r>
+          </a:p>
+          <a:p>
+            <a:pPr marL="285750" indent="-285750" algn="just">
+              <a:buFont typeface="Arial" panose="020B0604020202020204" pitchFamily="34" charset="0"/>
+              <a:buChar char="•"/>
+            </a:pPr>
+            <a:r>
+              <a:rPr lang="ru-RU" dirty="0" err="1" smtClean="0"/>
+              <a:t>SetList</a:t>
+            </a:r>
+            <a:r>
+              <a:rPr lang="ru-RU" dirty="0" smtClean="0"/>
+              <a:t> </a:t>
+            </a:r>
+            <a:r>
+              <a:rPr lang="ru-RU" dirty="0"/>
+              <a:t>(Вставка Списка)</a:t>
+            </a:r>
+          </a:p>
+          <a:p>
+            <a:pPr marL="285750" indent="-285750" algn="just">
+              <a:buFont typeface="Arial" panose="020B0604020202020204" pitchFamily="34" charset="0"/>
+              <a:buChar char="•"/>
+            </a:pPr>
+            <a:r>
+              <a:rPr lang="ru-RU" dirty="0" err="1" smtClean="0"/>
+              <a:t>RemoveList</a:t>
+            </a:r>
+            <a:r>
+              <a:rPr lang="ru-RU" dirty="0" smtClean="0"/>
+              <a:t> </a:t>
+            </a:r>
+            <a:r>
+              <a:rPr lang="ru-RU" dirty="0"/>
+              <a:t>(Удаление Списка)</a:t>
+            </a:r>
+          </a:p>
+          <a:p>
+            <a:pPr marL="285750" indent="-285750" algn="just">
+              <a:buFont typeface="Arial" panose="020B0604020202020204" pitchFamily="34" charset="0"/>
+              <a:buChar char="•"/>
+            </a:pPr>
+            <a:r>
+              <a:rPr lang="ru-RU" dirty="0" err="1" smtClean="0"/>
+              <a:t>ContainsList</a:t>
+            </a:r>
+            <a:r>
+              <a:rPr lang="ru-RU" dirty="0" smtClean="0"/>
+              <a:t> </a:t>
+            </a:r>
+            <a:r>
+              <a:rPr lang="ru-RU" dirty="0"/>
+              <a:t>(Проверка на существование Списка)</a:t>
+            </a:r>
+          </a:p>
+          <a:p>
+            <a:pPr algn="just"/>
+            <a:endParaRPr lang="ru-RU" dirty="0" smtClean="0"/>
+          </a:p>
+          <a:p>
+            <a:pPr algn="just"/>
+            <a:r>
+              <a:rPr lang="ru-RU" dirty="0" smtClean="0"/>
+              <a:t>Работа </a:t>
+            </a:r>
+            <a:r>
+              <a:rPr lang="ru-RU" dirty="0"/>
+              <a:t>с данными (XML</a:t>
+            </a:r>
+            <a:r>
+              <a:rPr lang="ru-RU" dirty="0" smtClean="0"/>
+              <a:t>):</a:t>
+            </a:r>
+            <a:endParaRPr lang="ru-RU" dirty="0"/>
+          </a:p>
+          <a:p>
+            <a:pPr algn="just"/>
+            <a:r>
+              <a:rPr lang="ru-RU" dirty="0"/>
+              <a:t>- </a:t>
+            </a:r>
+            <a:r>
+              <a:rPr lang="ru-RU" dirty="0" err="1"/>
+              <a:t>SaveData</a:t>
+            </a:r>
+            <a:r>
+              <a:rPr lang="ru-RU" dirty="0"/>
+              <a:t> (Сохранить данные в файл)</a:t>
+            </a:r>
+          </a:p>
+        </p:txBody>
+      </p:sp>
+      <p:sp>
+        <p:nvSpPr>
+          <p:cNvPr id="6" name="Прямоугольник 5"/>
+          <p:cNvSpPr/>
+          <p:nvPr/>
+        </p:nvSpPr>
+        <p:spPr>
+          <a:xfrm>
+            <a:off x="838200" y="720020"/>
+            <a:ext cx="4948791" cy="769441"/>
+          </a:xfrm>
+          <a:prstGeom prst="rect">
+            <a:avLst/>
+          </a:prstGeom>
+        </p:spPr>
+        <p:txBody>
+          <a:bodyPr wrap="none">
+            <a:spAutoFit/>
+          </a:bodyPr>
+          <a:lstStyle/>
+          <a:p>
+            <a:r>
+              <a:rPr lang="ru-RU" sz="4400" dirty="0">
+                <a:solidFill>
+                  <a:prstClr val="black"/>
+                </a:solidFill>
+                <a:latin typeface="Calibri Light" panose="020F0302020204030204"/>
+                <a:ea typeface="+mj-ea"/>
+                <a:cs typeface="+mj-cs"/>
+              </a:rPr>
               <a:t>Библиотека классов</a:t>
             </a:r>
+            <a:endParaRPr lang="ru-RU" dirty="0"/>
           </a:p>
         </p:txBody>
       </p:sp>
     </p:spTree>
     <p:extLst>
       <p:ext uri="{BB962C8B-B14F-4D97-AF65-F5344CB8AC3E}">
-        <p14:creationId xmlns:p14="http://schemas.microsoft.com/office/powerpoint/2010/main" val="308100050"/>
+        <p14:creationId xmlns:p14="http://schemas.microsoft.com/office/powerpoint/2010/main" val="11317772"/>
       </p:ext>
     </p:extLst>
   </p:cSld>
   <p:clrMapOvr>
     <a:masterClrMapping/>
   </p:clrMapOvr>
+  <p:timing>
+    <p:tnLst>
+      <p:par>
+        <p:cTn id="1" dur="indefinite" restart="never" nodeType="tmRoot"/>
+      </p:par>
+    </p:tnLst>
+  </p:timing>
 </p:sld>
 </file>
 
@@ -3911,8 +4242,8 @@
               <a:t>Пространство имен </a:t>
             </a:r>
             <a:r>
-              <a:rPr lang="en-US" dirty="0" err="1"/>
-              <a:t>TimelonCL</a:t>
+              <a:rPr lang="en-US" dirty="0" err="1" smtClean="0"/>
+              <a:t>Timelon.Data</a:t>
             </a:r>
             <a:endParaRPr lang="ru-RU" dirty="0"/>
           </a:p>
@@ -3926,151 +4257,46 @@
         </p:nvSpPr>
         <p:spPr>
           <a:xfrm>
-            <a:off x="838200" y="2021614"/>
-            <a:ext cx="9986554" cy="3693319"/>
+            <a:off x="838200" y="1321356"/>
+            <a:ext cx="7759560" cy="584775"/>
           </a:xfrm>
           <a:prstGeom prst="rect">
             <a:avLst/>
           </a:prstGeom>
         </p:spPr>
         <p:txBody>
-          <a:bodyPr wrap="square">
+          <a:bodyPr wrap="none">
             <a:spAutoFit/>
           </a:bodyPr>
           <a:lstStyle/>
           <a:p>
-            <a:pPr algn="just"/>
-            <a:r>
-              <a:rPr lang="ru-RU" dirty="0" smtClean="0"/>
-              <a:t>Отвечает </a:t>
-            </a:r>
-            <a:r>
-              <a:rPr lang="ru-RU" dirty="0"/>
-              <a:t>за сохранение и загрузку данных, а также хранение объектов, полученных из этих данных (Следует иметь ввиду, что при использовании Менеджера в своих решениях, желательно инициализировать экземпляр класса как можно раньше, если он не был инициализирован до этого</a:t>
-            </a:r>
-            <a:r>
-              <a:rPr lang="ru-RU" dirty="0" smtClean="0"/>
-              <a:t>.) </a:t>
-            </a:r>
-          </a:p>
-          <a:p>
-            <a:pPr algn="just"/>
-            <a:endParaRPr lang="ru-RU" dirty="0"/>
-          </a:p>
-          <a:p>
-            <a:pPr algn="just"/>
-            <a:r>
-              <a:rPr lang="ru-RU" dirty="0" smtClean="0"/>
-              <a:t>Методы класс:</a:t>
-            </a:r>
-            <a:endParaRPr lang="ru-RU" dirty="0"/>
-          </a:p>
-          <a:p>
-            <a:pPr marL="285750" indent="-285750" algn="just">
-              <a:buFont typeface="Arial" panose="020B0604020202020204" pitchFamily="34" charset="0"/>
-              <a:buChar char="•"/>
-            </a:pPr>
-            <a:r>
-              <a:rPr lang="ru-RU" dirty="0" err="1" smtClean="0"/>
-              <a:t>GetList</a:t>
-            </a:r>
-            <a:r>
-              <a:rPr lang="ru-RU" dirty="0" smtClean="0"/>
-              <a:t> </a:t>
-            </a:r>
-            <a:r>
-              <a:rPr lang="ru-RU" dirty="0"/>
-              <a:t>(Получение списка)</a:t>
-            </a:r>
-          </a:p>
-          <a:p>
-            <a:pPr marL="285750" indent="-285750" algn="just">
-              <a:buFont typeface="Arial" panose="020B0604020202020204" pitchFamily="34" charset="0"/>
-              <a:buChar char="•"/>
-            </a:pPr>
-            <a:r>
-              <a:rPr lang="ru-RU" dirty="0" err="1" smtClean="0"/>
-              <a:t>SetList</a:t>
-            </a:r>
-            <a:r>
-              <a:rPr lang="ru-RU" dirty="0" smtClean="0"/>
-              <a:t> </a:t>
-            </a:r>
-            <a:r>
-              <a:rPr lang="ru-RU" dirty="0"/>
-              <a:t>(Вставка Списка)</a:t>
-            </a:r>
-          </a:p>
-          <a:p>
-            <a:pPr marL="285750" indent="-285750" algn="just">
-              <a:buFont typeface="Arial" panose="020B0604020202020204" pitchFamily="34" charset="0"/>
-              <a:buChar char="•"/>
-            </a:pPr>
-            <a:r>
-              <a:rPr lang="ru-RU" dirty="0" err="1" smtClean="0"/>
-              <a:t>RemoveList</a:t>
-            </a:r>
-            <a:r>
-              <a:rPr lang="ru-RU" dirty="0" smtClean="0"/>
-              <a:t> </a:t>
-            </a:r>
-            <a:r>
-              <a:rPr lang="ru-RU" dirty="0"/>
-              <a:t>(Удаление Списка)</a:t>
-            </a:r>
-          </a:p>
-          <a:p>
-            <a:pPr marL="285750" indent="-285750" algn="just">
-              <a:buFont typeface="Arial" panose="020B0604020202020204" pitchFamily="34" charset="0"/>
-              <a:buChar char="•"/>
-            </a:pPr>
-            <a:r>
-              <a:rPr lang="ru-RU" dirty="0" err="1" smtClean="0"/>
-              <a:t>ContainsList</a:t>
-            </a:r>
-            <a:r>
-              <a:rPr lang="ru-RU" dirty="0" smtClean="0"/>
-              <a:t> </a:t>
-            </a:r>
-            <a:r>
-              <a:rPr lang="ru-RU" dirty="0"/>
-              <a:t>(Проверка на существование Списка)</a:t>
-            </a:r>
-          </a:p>
-          <a:p>
-            <a:pPr algn="just"/>
-            <a:endParaRPr lang="ru-RU" dirty="0" smtClean="0"/>
-          </a:p>
-          <a:p>
-            <a:pPr algn="just"/>
-            <a:r>
-              <a:rPr lang="ru-RU" dirty="0" smtClean="0"/>
-              <a:t>Работа </a:t>
-            </a:r>
-            <a:r>
-              <a:rPr lang="ru-RU" dirty="0"/>
-              <a:t>с данными (XML</a:t>
-            </a:r>
-            <a:r>
-              <a:rPr lang="ru-RU" dirty="0" smtClean="0"/>
-              <a:t>):</a:t>
-            </a:r>
-            <a:endParaRPr lang="ru-RU" dirty="0"/>
-          </a:p>
-          <a:p>
-            <a:pPr algn="just"/>
-            <a:r>
-              <a:rPr lang="ru-RU" dirty="0"/>
-              <a:t>- </a:t>
-            </a:r>
-            <a:r>
-              <a:rPr lang="ru-RU" dirty="0" err="1"/>
-              <a:t>SaveData</a:t>
-            </a:r>
-            <a:r>
-              <a:rPr lang="ru-RU" dirty="0"/>
-              <a:t> (Сохранить данные в файл)</a:t>
-            </a:r>
+            <a:r>
+              <a:rPr lang="ru-RU" sz="3200" dirty="0">
+                <a:latin typeface="+mj-lt"/>
+              </a:rPr>
+              <a:t>Абстрактные классы </a:t>
+            </a:r>
+            <a:r>
+              <a:rPr lang="en-US" sz="3200" dirty="0">
+                <a:latin typeface="+mj-lt"/>
+              </a:rPr>
+              <a:t>Unique</a:t>
+            </a:r>
+            <a:r>
+              <a:rPr lang="ru-RU" sz="3200" dirty="0">
+                <a:latin typeface="+mj-lt"/>
+              </a:rPr>
+              <a:t> и </a:t>
+            </a:r>
+            <a:r>
+              <a:rPr lang="en-US" sz="3200" dirty="0" err="1">
+                <a:latin typeface="+mj-lt"/>
+              </a:rPr>
+              <a:t>DataContainer</a:t>
+            </a:r>
+            <a:endParaRPr lang="en-US" sz="3200" dirty="0">
+              <a:latin typeface="+mj-lt"/>
+            </a:endParaRPr>
           </a:p>
         </p:txBody>
       </p:sp>
@@ -4082,30 +4308,235 @@
         </p:nvSpPr>
         <p:spPr>
           <a:xfrm>
-            <a:off x="838200" y="1283788"/>
-            <a:ext cx="2750305" cy="584775"/>
+            <a:off x="838199" y="2156774"/>
+            <a:ext cx="9986555" cy="3970318"/>
           </a:xfrm>
           <a:prstGeom prst="rect">
             <a:avLst/>
           </a:prstGeom>
         </p:spPr>
         <p:txBody>
-          <a:bodyPr wrap="none">
+          <a:bodyPr wrap="square">
             <a:spAutoFit/>
           </a:bodyPr>
           <a:lstStyle/>
           <a:p>
-            <a:r>
-              <a:rPr lang="ru-RU" sz="3200" dirty="0">
-                <a:latin typeface="+mj-lt"/>
-              </a:rPr>
-              <a:t>Класс </a:t>
-            </a:r>
-            <a:r>
-              <a:rPr lang="en-US" sz="3200" dirty="0">
-                <a:latin typeface="+mj-lt"/>
-              </a:rPr>
-              <a:t>Manager</a:t>
+            <a:pPr algn="just"/>
+            <a:r>
+              <a:rPr lang="ru-RU" dirty="0"/>
+              <a:t>Пространство имён. Хранит в себе основные классы, экземпляры которых участвуют в обороте данных между постоянной и оперативной памятью.</a:t>
+            </a:r>
+          </a:p>
+          <a:p>
+            <a:pPr algn="just"/>
+            <a:endParaRPr lang="ru-RU" dirty="0"/>
+          </a:p>
+          <a:p>
+            <a:pPr algn="just"/>
+            <a:r>
+              <a:rPr lang="ru-RU" dirty="0"/>
+              <a:t>Абстрактные классы</a:t>
+            </a:r>
+            <a:r>
+              <a:rPr lang="ru-RU" dirty="0" smtClean="0"/>
+              <a:t>:</a:t>
+            </a:r>
+            <a:endParaRPr lang="ru-RU" dirty="0"/>
+          </a:p>
+          <a:p>
+            <a:pPr marL="285750" indent="-285750" algn="just">
+              <a:buFont typeface="Arial" panose="020B0604020202020204" pitchFamily="34" charset="0"/>
+              <a:buChar char="•"/>
+            </a:pPr>
+            <a:r>
+              <a:rPr lang="ru-RU" dirty="0" err="1" smtClean="0"/>
+              <a:t>Unique</a:t>
+            </a:r>
+            <a:r>
+              <a:rPr lang="ru-RU" dirty="0" smtClean="0"/>
+              <a:t>&lt;T</a:t>
+            </a:r>
+            <a:r>
+              <a:rPr lang="ru-RU" dirty="0"/>
+              <a:t>&gt; (Уникальный Класс). Генерация уникальных идентификаторов в текущей </a:t>
+            </a:r>
+            <a:r>
+              <a:rPr lang="ru-RU" dirty="0" smtClean="0"/>
+              <a:t>сессии</a:t>
+            </a:r>
+          </a:p>
+          <a:p>
+            <a:pPr marL="285750" indent="-285750" algn="just">
+              <a:buFont typeface="Arial" panose="020B0604020202020204" pitchFamily="34" charset="0"/>
+              <a:buChar char="•"/>
+            </a:pPr>
+            <a:r>
+              <a:rPr lang="ru-RU" dirty="0" err="1" smtClean="0"/>
+              <a:t>DataContainer</a:t>
+            </a:r>
+            <a:r>
+              <a:rPr lang="ru-RU" dirty="0" smtClean="0"/>
+              <a:t> (Контейнер Данных). Хранилище данных для </a:t>
+            </a:r>
+            <a:r>
+              <a:rPr lang="ru-RU" dirty="0" err="1" smtClean="0"/>
+              <a:t>сериализации</a:t>
+            </a:r>
+            <a:r>
+              <a:rPr lang="ru-RU" dirty="0" smtClean="0"/>
+              <a:t> в XML</a:t>
+            </a:r>
+          </a:p>
+          <a:p>
+            <a:pPr marL="285750" indent="-285750" algn="just">
+              <a:buFontTx/>
+              <a:buChar char="-"/>
+            </a:pPr>
+            <a:endParaRPr lang="ru-RU" dirty="0"/>
+          </a:p>
+          <a:p>
+            <a:pPr algn="just"/>
+            <a:r>
+              <a:rPr lang="ru-RU" dirty="0"/>
+              <a:t>Инкапсулирующие классы</a:t>
+            </a:r>
+            <a:r>
+              <a:rPr lang="ru-RU" dirty="0" smtClean="0"/>
+              <a:t>:</a:t>
+            </a:r>
+            <a:endParaRPr lang="ru-RU" dirty="0"/>
+          </a:p>
+          <a:p>
+            <a:pPr marL="285750" indent="-285750" algn="just">
+              <a:buFont typeface="Arial" panose="020B0604020202020204" pitchFamily="34" charset="0"/>
+              <a:buChar char="•"/>
+            </a:pPr>
+            <a:r>
+              <a:rPr lang="ru-RU" dirty="0" err="1" smtClean="0"/>
+              <a:t>DateTimeContainerData</a:t>
+            </a:r>
+            <a:r>
+              <a:rPr lang="ru-RU" dirty="0" smtClean="0"/>
+              <a:t> </a:t>
+            </a:r>
+            <a:r>
+              <a:rPr lang="ru-RU" dirty="0"/>
+              <a:t>(Данные Контейнера Дат</a:t>
+            </a:r>
+            <a:r>
+              <a:rPr lang="ru-RU" dirty="0" smtClean="0"/>
+              <a:t>)</a:t>
+            </a:r>
+            <a:endParaRPr lang="ru-RU" dirty="0"/>
+          </a:p>
+          <a:p>
+            <a:pPr marL="285750" indent="-285750" algn="just">
+              <a:buFont typeface="Arial" panose="020B0604020202020204" pitchFamily="34" charset="0"/>
+              <a:buChar char="•"/>
+            </a:pPr>
+            <a:r>
+              <a:rPr lang="ru-RU" dirty="0" err="1" smtClean="0"/>
+              <a:t>CardData</a:t>
+            </a:r>
+            <a:r>
+              <a:rPr lang="ru-RU" dirty="0" smtClean="0"/>
+              <a:t> </a:t>
+            </a:r>
+            <a:r>
+              <a:rPr lang="ru-RU" dirty="0"/>
+              <a:t>(Данные Карты</a:t>
+            </a:r>
+            <a:r>
+              <a:rPr lang="ru-RU" dirty="0" smtClean="0"/>
+              <a:t>)</a:t>
+            </a:r>
+            <a:endParaRPr lang="ru-RU" dirty="0"/>
+          </a:p>
+          <a:p>
+            <a:pPr marL="285750" indent="-285750" algn="just">
+              <a:buFont typeface="Arial" panose="020B0604020202020204" pitchFamily="34" charset="0"/>
+              <a:buChar char="•"/>
+            </a:pPr>
+            <a:r>
+              <a:rPr lang="ru-RU" dirty="0" err="1" smtClean="0"/>
+              <a:t>CardListData</a:t>
+            </a:r>
+            <a:r>
+              <a:rPr lang="ru-RU" dirty="0" smtClean="0"/>
+              <a:t> </a:t>
+            </a:r>
+            <a:r>
+              <a:rPr lang="ru-RU" dirty="0"/>
+              <a:t>(Данные Списка Карт</a:t>
+            </a:r>
+            <a:r>
+              <a:rPr lang="ru-RU" dirty="0" smtClean="0"/>
+              <a:t>)</a:t>
+            </a:r>
+            <a:endParaRPr lang="ru-RU" dirty="0"/>
+          </a:p>
+          <a:p>
+            <a:pPr marL="285750" indent="-285750" algn="just">
+              <a:buFont typeface="Arial" panose="020B0604020202020204" pitchFamily="34" charset="0"/>
+              <a:buChar char="•"/>
+            </a:pPr>
+            <a:r>
+              <a:rPr lang="ru-RU" dirty="0" err="1" smtClean="0"/>
+              <a:t>DateTimeContainer</a:t>
+            </a:r>
+            <a:r>
+              <a:rPr lang="ru-RU" dirty="0" smtClean="0"/>
+              <a:t> </a:t>
+            </a:r>
+            <a:r>
+              <a:rPr lang="ru-RU" dirty="0"/>
+              <a:t>(Контейнер Дат</a:t>
+            </a:r>
+            <a:r>
+              <a:rPr lang="ru-RU" dirty="0" smtClean="0"/>
+              <a:t>)</a:t>
+            </a:r>
+            <a:endParaRPr lang="ru-RU" dirty="0"/>
+          </a:p>
+          <a:p>
+            <a:pPr marL="285750" indent="-285750" algn="just">
+              <a:buFont typeface="Arial" panose="020B0604020202020204" pitchFamily="34" charset="0"/>
+              <a:buChar char="•"/>
+            </a:pPr>
+            <a:r>
+              <a:rPr lang="ru-RU" dirty="0" err="1" smtClean="0"/>
+              <a:t>Card</a:t>
+            </a:r>
+            <a:r>
+              <a:rPr lang="ru-RU" dirty="0" smtClean="0"/>
+              <a:t> </a:t>
+            </a:r>
+            <a:r>
+              <a:rPr lang="ru-RU" dirty="0"/>
+              <a:t>(Карта</a:t>
+            </a:r>
+            <a:r>
+              <a:rPr lang="ru-RU" dirty="0" smtClean="0"/>
+              <a:t>)</a:t>
+            </a:r>
+            <a:endParaRPr lang="ru-RU" dirty="0"/>
+          </a:p>
+          <a:p>
+            <a:pPr marL="285750" indent="-285750" algn="just">
+              <a:buFont typeface="Arial" panose="020B0604020202020204" pitchFamily="34" charset="0"/>
+              <a:buChar char="•"/>
+            </a:pPr>
+            <a:r>
+              <a:rPr lang="ru-RU" dirty="0" err="1" smtClean="0"/>
+              <a:t>CardList</a:t>
+            </a:r>
+            <a:r>
+              <a:rPr lang="ru-RU" dirty="0" smtClean="0"/>
+              <a:t> </a:t>
+            </a:r>
+            <a:r>
+              <a:rPr lang="ru-RU" dirty="0"/>
+              <a:t>(Список Карт)</a:t>
             </a:r>
           </a:p>
         </p:txBody>
@@ -4113,13 +4544,20 @@
     </p:spTree>
     <p:extLst>
       <p:ext uri="{BB962C8B-B14F-4D97-AF65-F5344CB8AC3E}">
-        <p14:creationId xmlns:p14="http://schemas.microsoft.com/office/powerpoint/2010/main" val="11317772"/>
+        <p14:creationId xmlns:p14="http://schemas.microsoft.com/office/powerpoint/2010/main" val="535878601"/>
       </p:ext>
     </p:extLst>
   </p:cSld>
   <p:clrMapOvr>
     <a:masterClrMapping/>
   </p:clrMapOvr>
+  <p:timing>
+    <p:tnLst>
+      <p:par>
+        <p:cTn id="1" dur="indefinite" restart="never" nodeType="tmRoot"/>
+      </p:par>
+    </p:tnLst>
+  </p:timing>
 </p:sld>
 </file>
 
@@ -4160,8 +4598,8 @@
               <a:t>Пространство имен </a:t>
             </a:r>
             <a:r>
-              <a:rPr lang="en-US" dirty="0" err="1"/>
-              <a:t>TimelonCl.Data</a:t>
+              <a:rPr lang="en-US" dirty="0" err="1" smtClean="0"/>
+              <a:t>Timelon.Data</a:t>
             </a:r>
             <a:endParaRPr lang="ru-RU" dirty="0"/>
           </a:p>
@@ -4169,65 +4607,142 @@
       </p:sp>
       <p:sp>
         <p:nvSpPr>
-          <p:cNvPr id="4" name="Прямоугольник 3"/>
+          <p:cNvPr id="3" name="Прямоугольник 2"/>
           <p:cNvSpPr/>
           <p:nvPr/>
         </p:nvSpPr>
         <p:spPr>
           <a:xfrm>
-            <a:off x="838200" y="1321356"/>
-            <a:ext cx="7759560" cy="584775"/>
+            <a:off x="768531" y="1907028"/>
+            <a:ext cx="10308771" cy="2554545"/>
           </a:xfrm>
           <a:prstGeom prst="rect">
             <a:avLst/>
           </a:prstGeom>
         </p:spPr>
         <p:txBody>
-          <a:bodyPr wrap="none">
+          <a:bodyPr wrap="square">
             <a:spAutoFit/>
           </a:bodyPr>
           <a:lstStyle/>
           <a:p>
-            <a:r>
-              <a:rPr lang="ru-RU" sz="3200" dirty="0">
-                <a:latin typeface="+mj-lt"/>
-              </a:rPr>
-              <a:t>Абстрактные классы </a:t>
-            </a:r>
-            <a:r>
-              <a:rPr lang="en-US" sz="3200" dirty="0">
-                <a:latin typeface="+mj-lt"/>
-              </a:rPr>
-              <a:t>Unique</a:t>
-            </a:r>
-            <a:r>
-              <a:rPr lang="ru-RU" sz="3200" dirty="0">
-                <a:latin typeface="+mj-lt"/>
-              </a:rPr>
-              <a:t> и </a:t>
-            </a:r>
-            <a:r>
-              <a:rPr lang="en-US" sz="3200" dirty="0" err="1">
-                <a:latin typeface="+mj-lt"/>
-              </a:rPr>
-              <a:t>DataContainer</a:t>
-            </a:r>
-            <a:endParaRPr lang="en-US" sz="3200" dirty="0">
-              <a:latin typeface="+mj-lt"/>
-            </a:endParaRPr>
-          </a:p>
-        </p:txBody>
-      </p:sp>
-      <p:sp>
-        <p:nvSpPr>
-          <p:cNvPr id="5" name="Прямоугольник 4"/>
+            <a:pPr algn="just"/>
+            <a:r>
+              <a:rPr lang="ru-RU" sz="2000" dirty="0" smtClean="0"/>
+              <a:t>Контейнер </a:t>
+            </a:r>
+            <a:r>
+              <a:rPr lang="ru-RU" sz="2000" dirty="0"/>
+              <a:t>Дат служит для хранения в себе нескольких экземпляров класса </a:t>
+            </a:r>
+            <a:r>
+              <a:rPr lang="ru-RU" sz="2000" dirty="0" err="1"/>
+              <a:t>DateTime</a:t>
+            </a:r>
+            <a:r>
+              <a:rPr lang="ru-RU" sz="2000" dirty="0" smtClean="0"/>
+              <a:t>:</a:t>
+            </a:r>
+            <a:endParaRPr lang="ru-RU" sz="2000" dirty="0"/>
+          </a:p>
+          <a:p>
+            <a:pPr marL="285750" indent="-285750" algn="just">
+              <a:buFont typeface="Arial" panose="020B0604020202020204" pitchFamily="34" charset="0"/>
+              <a:buChar char="•"/>
+            </a:pPr>
+            <a:r>
+              <a:rPr lang="ru-RU" sz="2000" dirty="0" err="1" smtClean="0"/>
+              <a:t>Created</a:t>
+            </a:r>
+            <a:r>
+              <a:rPr lang="ru-RU" sz="2000" dirty="0" smtClean="0"/>
+              <a:t> </a:t>
+            </a:r>
+            <a:r>
+              <a:rPr lang="ru-RU" sz="2000" dirty="0"/>
+              <a:t>(дата создания)</a:t>
+            </a:r>
+          </a:p>
+          <a:p>
+            <a:pPr marL="285750" indent="-285750" algn="just">
+              <a:buFont typeface="Arial" panose="020B0604020202020204" pitchFamily="34" charset="0"/>
+              <a:buChar char="•"/>
+            </a:pPr>
+            <a:r>
+              <a:rPr lang="ru-RU" sz="2000" dirty="0" err="1" smtClean="0"/>
+              <a:t>Updated</a:t>
+            </a:r>
+            <a:r>
+              <a:rPr lang="ru-RU" sz="2000" dirty="0" smtClean="0"/>
+              <a:t> </a:t>
+            </a:r>
+            <a:r>
+              <a:rPr lang="ru-RU" sz="2000" dirty="0"/>
+              <a:t>(дата обновления или </a:t>
+            </a:r>
+            <a:r>
+              <a:rPr lang="ru-RU" sz="2000" dirty="0" err="1"/>
+              <a:t>null</a:t>
+            </a:r>
+            <a:r>
+              <a:rPr lang="ru-RU" sz="2000" dirty="0"/>
+              <a:t>)</a:t>
+            </a:r>
+          </a:p>
+          <a:p>
+            <a:pPr marL="285750" indent="-285750" algn="just">
+              <a:buFont typeface="Arial" panose="020B0604020202020204" pitchFamily="34" charset="0"/>
+              <a:buChar char="•"/>
+            </a:pPr>
+            <a:r>
+              <a:rPr lang="ru-RU" sz="2000" dirty="0" err="1" smtClean="0"/>
+              <a:t>Planned</a:t>
+            </a:r>
+            <a:r>
+              <a:rPr lang="ru-RU" sz="2000" dirty="0" smtClean="0"/>
+              <a:t> </a:t>
+            </a:r>
+            <a:r>
+              <a:rPr lang="ru-RU" sz="2000" dirty="0"/>
+              <a:t>(запланированная дата или </a:t>
+            </a:r>
+            <a:r>
+              <a:rPr lang="ru-RU" sz="2000" dirty="0" err="1"/>
+              <a:t>null</a:t>
+            </a:r>
+            <a:r>
+              <a:rPr lang="ru-RU" sz="2000" dirty="0"/>
+              <a:t>) </a:t>
+            </a:r>
+            <a:endParaRPr lang="ru-RU" sz="2000" dirty="0" smtClean="0"/>
+          </a:p>
+          <a:p>
+            <a:pPr algn="just"/>
+            <a:endParaRPr lang="ru-RU" sz="2000" dirty="0"/>
+          </a:p>
+          <a:p>
+            <a:pPr algn="just"/>
+            <a:r>
+              <a:rPr lang="ru-RU" sz="2000" dirty="0" smtClean="0"/>
+              <a:t>Стоит </a:t>
+            </a:r>
+            <a:r>
+              <a:rPr lang="ru-RU" sz="2000" dirty="0"/>
+              <a:t>обратить внимание на то, что дата обновления и запланированная дата напрямую зависят от даты создания - они не могут превышать ее. Соответственно, при изменении даты создания зависимые от нее даты будут перепроверены автоматически.</a:t>
+            </a:r>
+          </a:p>
+        </p:txBody>
+      </p:sp>
+      <p:sp>
+        <p:nvSpPr>
+          <p:cNvPr id="4" name="Прямоугольник 3"/>
           <p:cNvSpPr/>
           <p:nvPr/>
         </p:nvSpPr>
         <p:spPr>
           <a:xfrm>
-            <a:off x="838199" y="2156774"/>
-            <a:ext cx="9986555" cy="3970318"/>
+            <a:off x="838200" y="1322253"/>
+            <a:ext cx="7373983" cy="584775"/>
           </a:xfrm>
           <a:prstGeom prst="rect">
             <a:avLst/>
@@ -4239,236 +4754,41 @@
           </a:bodyPr>
           <a:lstStyle/>
           <a:p>
-            <a:pPr algn="just"/>
-            <a:r>
-              <a:rPr lang="ru-RU" dirty="0"/>
-              <a:t>Пространство имён. Хранит в себе основные классы, экземпляры которых участвуют в обороте данных между постоянной и оперативной памятью.</a:t>
-            </a:r>
-          </a:p>
-          <a:p>
-            <a:pPr algn="just"/>
-            <a:endParaRPr lang="ru-RU" dirty="0"/>
-          </a:p>
-          <a:p>
-            <a:pPr algn="just"/>
-            <a:r>
-              <a:rPr lang="ru-RU" dirty="0"/>
-              <a:t>Абстрактные классы</a:t>
-            </a:r>
-            <a:r>
-              <a:rPr lang="ru-RU" dirty="0" smtClean="0"/>
-              <a:t>:</a:t>
-            </a:r>
-            <a:endParaRPr lang="ru-RU" dirty="0"/>
-          </a:p>
-          <a:p>
-            <a:pPr marL="285750" indent="-285750" algn="just">
-              <a:buFont typeface="Arial" panose="020B0604020202020204" pitchFamily="34" charset="0"/>
-              <a:buChar char="•"/>
-            </a:pPr>
-            <a:r>
-              <a:rPr lang="ru-RU" dirty="0" err="1" smtClean="0"/>
-              <a:t>Unique</a:t>
-            </a:r>
-            <a:r>
-              <a:rPr lang="ru-RU" dirty="0" smtClean="0"/>
-              <a:t>&lt;T</a:t>
-            </a:r>
-            <a:r>
-              <a:rPr lang="ru-RU" dirty="0"/>
-              <a:t>&gt; (Уникальный Класс). Генерация уникальных идентификаторов в текущей </a:t>
-            </a:r>
-            <a:r>
-              <a:rPr lang="ru-RU" dirty="0" smtClean="0"/>
-              <a:t>сессии</a:t>
-            </a:r>
-          </a:p>
-          <a:p>
-            <a:pPr marL="285750" indent="-285750" algn="just">
-              <a:buFont typeface="Arial" panose="020B0604020202020204" pitchFamily="34" charset="0"/>
-              <a:buChar char="•"/>
-            </a:pPr>
-            <a:r>
-              <a:rPr lang="ru-RU" dirty="0" err="1" smtClean="0"/>
-              <a:t>DataContainer</a:t>
-            </a:r>
-            <a:r>
-              <a:rPr lang="ru-RU" dirty="0" smtClean="0"/>
-              <a:t> (Контейнер Данных). Хранилище данных для </a:t>
-            </a:r>
-            <a:r>
-              <a:rPr lang="ru-RU" dirty="0" err="1" smtClean="0"/>
-              <a:t>сериализации</a:t>
-            </a:r>
-            <a:r>
-              <a:rPr lang="ru-RU" dirty="0" smtClean="0"/>
-              <a:t> в XML</a:t>
-            </a:r>
-          </a:p>
-          <a:p>
-            <a:pPr marL="285750" indent="-285750" algn="just">
-              <a:buFontTx/>
-              <a:buChar char="-"/>
-            </a:pPr>
-            <a:endParaRPr lang="ru-RU" dirty="0"/>
-          </a:p>
-          <a:p>
-            <a:pPr algn="just"/>
-            <a:r>
-              <a:rPr lang="ru-RU" dirty="0"/>
-              <a:t>Инкапсулирующие классы</a:t>
-            </a:r>
-            <a:r>
-              <a:rPr lang="ru-RU" dirty="0" smtClean="0"/>
-              <a:t>:</a:t>
-            </a:r>
-            <a:endParaRPr lang="ru-RU" dirty="0"/>
-          </a:p>
-          <a:p>
-            <a:pPr marL="285750" indent="-285750" algn="just">
-              <a:buFont typeface="Arial" panose="020B0604020202020204" pitchFamily="34" charset="0"/>
-              <a:buChar char="•"/>
-            </a:pPr>
-            <a:r>
-              <a:rPr lang="ru-RU" dirty="0" err="1" smtClean="0"/>
-              <a:t>DateTimeContainerData</a:t>
-            </a:r>
-            <a:r>
-              <a:rPr lang="ru-RU" dirty="0" smtClean="0"/>
-              <a:t> </a:t>
-            </a:r>
-            <a:r>
-              <a:rPr lang="ru-RU" dirty="0"/>
-              <a:t>(Данные Контейнера Дат</a:t>
-            </a:r>
-            <a:r>
-              <a:rPr lang="ru-RU" dirty="0" smtClean="0"/>
-              <a:t>)</a:t>
-            </a:r>
-            <a:endParaRPr lang="ru-RU" dirty="0"/>
-          </a:p>
-          <a:p>
-            <a:pPr marL="285750" indent="-285750" algn="just">
-              <a:buFont typeface="Arial" panose="020B0604020202020204" pitchFamily="34" charset="0"/>
-              <a:buChar char="•"/>
-            </a:pPr>
-            <a:r>
-              <a:rPr lang="ru-RU" dirty="0" err="1" smtClean="0"/>
-              <a:t>CardData</a:t>
-            </a:r>
-            <a:r>
-              <a:rPr lang="ru-RU" dirty="0" smtClean="0"/>
-              <a:t> </a:t>
-            </a:r>
-            <a:r>
-              <a:rPr lang="ru-RU" dirty="0"/>
-              <a:t>(Данные Карты</a:t>
-            </a:r>
-            <a:r>
-              <a:rPr lang="ru-RU" dirty="0" smtClean="0"/>
-              <a:t>)</a:t>
-            </a:r>
-            <a:endParaRPr lang="ru-RU" dirty="0"/>
-          </a:p>
-          <a:p>
-            <a:pPr marL="285750" indent="-285750" algn="just">
-              <a:buFont typeface="Arial" panose="020B0604020202020204" pitchFamily="34" charset="0"/>
-              <a:buChar char="•"/>
-            </a:pPr>
-            <a:r>
-              <a:rPr lang="ru-RU" dirty="0" err="1" smtClean="0"/>
-              <a:t>CardListData</a:t>
-            </a:r>
-            <a:r>
-              <a:rPr lang="ru-RU" dirty="0" smtClean="0"/>
-              <a:t> </a:t>
-            </a:r>
-            <a:r>
-              <a:rPr lang="ru-RU" dirty="0"/>
-              <a:t>(Данные Списка Карт</a:t>
-            </a:r>
-            <a:r>
-              <a:rPr lang="ru-RU" dirty="0" smtClean="0"/>
-              <a:t>)</a:t>
-            </a:r>
-            <a:endParaRPr lang="ru-RU" dirty="0"/>
-          </a:p>
-          <a:p>
-            <a:pPr marL="285750" indent="-285750" algn="just">
-              <a:buFont typeface="Arial" panose="020B0604020202020204" pitchFamily="34" charset="0"/>
-              <a:buChar char="•"/>
-            </a:pPr>
-            <a:r>
-              <a:rPr lang="ru-RU" dirty="0" err="1" smtClean="0"/>
+            <a:r>
+              <a:rPr lang="ru-RU" sz="3200" dirty="0" smtClean="0">
+                <a:latin typeface="+mj-lt"/>
+              </a:rPr>
+              <a:t>Классы </a:t>
+            </a:r>
+            <a:r>
+              <a:rPr lang="en-US" sz="3200" dirty="0" err="1" smtClean="0">
+                <a:latin typeface="+mj-lt"/>
+              </a:rPr>
               <a:t>DateTimeContainer</a:t>
             </a:r>
-            <a:r>
-              <a:rPr lang="ru-RU" dirty="0" smtClean="0"/>
-              <a:t> </a:t>
-            </a:r>
-            <a:r>
-              <a:rPr lang="ru-RU" dirty="0"/>
-              <a:t>(Контейнер Дат</a:t>
-            </a:r>
-            <a:r>
-              <a:rPr lang="ru-RU" dirty="0" smtClean="0"/>
-              <a:t>)</a:t>
-            </a:r>
-            <a:endParaRPr lang="ru-RU" dirty="0"/>
-          </a:p>
-          <a:p>
-            <a:pPr marL="285750" indent="-285750" algn="just">
-              <a:buFont typeface="Arial" panose="020B0604020202020204" pitchFamily="34" charset="0"/>
-              <a:buChar char="•"/>
-            </a:pPr>
-            <a:r>
-              <a:rPr lang="ru-RU" dirty="0" err="1" smtClean="0"/>
-              <a:t>Card</a:t>
-            </a:r>
-            <a:r>
-              <a:rPr lang="ru-RU" dirty="0" smtClean="0"/>
-              <a:t> </a:t>
-            </a:r>
-            <a:r>
-              <a:rPr lang="ru-RU" dirty="0"/>
-              <a:t>(Карта</a:t>
-            </a:r>
-            <a:r>
-              <a:rPr lang="ru-RU" dirty="0" smtClean="0"/>
-              <a:t>)</a:t>
-            </a:r>
-            <a:endParaRPr lang="ru-RU" dirty="0"/>
-          </a:p>
-          <a:p>
-            <a:pPr marL="285750" indent="-285750" algn="just">
-              <a:buFont typeface="Arial" panose="020B0604020202020204" pitchFamily="34" charset="0"/>
-              <a:buChar char="•"/>
-            </a:pPr>
-            <a:r>
-              <a:rPr lang="ru-RU" dirty="0" err="1" smtClean="0"/>
-              <a:t>CardList</a:t>
-            </a:r>
-            <a:r>
-              <a:rPr lang="ru-RU" dirty="0" smtClean="0"/>
-              <a:t> </a:t>
-            </a:r>
-            <a:r>
-              <a:rPr lang="ru-RU" dirty="0"/>
-              <a:t>(Список Карт)</a:t>
-            </a:r>
+            <a:endParaRPr lang="en-US" sz="3200" dirty="0">
+              <a:latin typeface="+mj-lt"/>
+            </a:endParaRPr>
           </a:p>
         </p:txBody>
       </p:sp>
     </p:spTree>
     <p:extLst>
       <p:ext uri="{BB962C8B-B14F-4D97-AF65-F5344CB8AC3E}">
-        <p14:creationId xmlns:p14="http://schemas.microsoft.com/office/powerpoint/2010/main" val="535878601"/>
+        <p14:creationId xmlns:p14="http://schemas.microsoft.com/office/powerpoint/2010/main" val="2569251858"/>
       </p:ext>
     </p:extLst>
   </p:cSld>
   <p:clrMapOvr>
     <a:masterClrMapping/>
   </p:clrMapOvr>
+  <p:timing>
+    <p:tnLst>
+      <p:par>
+        <p:cTn id="1" dur="indefinite" restart="never" nodeType="tmRoot"/>
+      </p:par>
+    </p:tnLst>
+  </p:timing>
 </p:sld>
 </file>
 
@@ -4509,8 +4829,8 @@
               <a:t>Пространство имен </a:t>
             </a:r>
             <a:r>
-              <a:rPr lang="en-US" dirty="0" err="1"/>
-              <a:t>TimelonCl.Data</a:t>
+              <a:rPr lang="en-US" dirty="0" err="1" smtClean="0"/>
+              <a:t>Timelon.Data</a:t>
             </a:r>
             <a:endParaRPr lang="ru-RU" dirty="0"/>
           </a:p>
@@ -4524,8 +4844,8 @@
         </p:nvSpPr>
         <p:spPr>
           <a:xfrm>
-            <a:off x="838200" y="2503974"/>
-            <a:ext cx="10308771" cy="2308324"/>
+            <a:off x="838200" y="2001032"/>
+            <a:ext cx="10289178" cy="3785652"/>
           </a:xfrm>
           <a:prstGeom prst="rect">
             <a:avLst/>
@@ -4539,107 +4859,119 @@
           <a:p>
             <a:pPr algn="just"/>
             <a:r>
-              <a:rPr lang="ru-RU" dirty="0" smtClean="0"/>
-              <a:t>Контейнер </a:t>
-            </a:r>
-            <a:r>
-              <a:rPr lang="ru-RU" dirty="0"/>
-              <a:t>Дат служит для хранения в себе нескольких экземпляров класса </a:t>
-            </a:r>
-            <a:r>
-              <a:rPr lang="ru-RU" dirty="0" err="1"/>
-              <a:t>DateTime</a:t>
-            </a:r>
-            <a:r>
-              <a:rPr lang="ru-RU" dirty="0" smtClean="0"/>
-              <a:t>:</a:t>
-            </a:r>
-            <a:endParaRPr lang="ru-RU" dirty="0"/>
-          </a:p>
-          <a:p>
-            <a:pPr marL="285750" indent="-285750" algn="just">
-              <a:buFont typeface="Arial" panose="020B0604020202020204" pitchFamily="34" charset="0"/>
-              <a:buChar char="•"/>
-            </a:pPr>
-            <a:r>
-              <a:rPr lang="ru-RU" dirty="0" err="1" smtClean="0"/>
-              <a:t>Created</a:t>
-            </a:r>
-            <a:r>
-              <a:rPr lang="ru-RU" dirty="0" smtClean="0"/>
-              <a:t> </a:t>
-            </a:r>
-            <a:r>
-              <a:rPr lang="ru-RU" dirty="0"/>
-              <a:t>(дата создания)</a:t>
-            </a:r>
-          </a:p>
-          <a:p>
-            <a:pPr marL="285750" indent="-285750" algn="just">
-              <a:buFont typeface="Arial" panose="020B0604020202020204" pitchFamily="34" charset="0"/>
-              <a:buChar char="•"/>
-            </a:pPr>
-            <a:r>
-              <a:rPr lang="ru-RU" dirty="0" err="1" smtClean="0"/>
-              <a:t>Updated</a:t>
-            </a:r>
-            <a:r>
-              <a:rPr lang="ru-RU" dirty="0" smtClean="0"/>
-              <a:t> </a:t>
-            </a:r>
-            <a:r>
-              <a:rPr lang="ru-RU" dirty="0"/>
-              <a:t>(дата обновления или </a:t>
-            </a:r>
-            <a:r>
-              <a:rPr lang="ru-RU" dirty="0" err="1"/>
-              <a:t>null</a:t>
-            </a:r>
-            <a:r>
-              <a:rPr lang="ru-RU" dirty="0"/>
-              <a:t>)</a:t>
-            </a:r>
-          </a:p>
-          <a:p>
-            <a:pPr marL="285750" indent="-285750" algn="just">
-              <a:buFont typeface="Arial" panose="020B0604020202020204" pitchFamily="34" charset="0"/>
-              <a:buChar char="•"/>
-            </a:pPr>
-            <a:r>
-              <a:rPr lang="ru-RU" dirty="0" err="1" smtClean="0"/>
-              <a:t>Planned</a:t>
-            </a:r>
-            <a:r>
-              <a:rPr lang="ru-RU" dirty="0" smtClean="0"/>
-              <a:t> </a:t>
-            </a:r>
-            <a:r>
-              <a:rPr lang="ru-RU" dirty="0"/>
-              <a:t>(запланированная дата или </a:t>
-            </a:r>
-            <a:r>
-              <a:rPr lang="ru-RU" dirty="0" err="1"/>
-              <a:t>null</a:t>
-            </a:r>
-            <a:r>
-              <a:rPr lang="ru-RU" dirty="0"/>
-              <a:t>) </a:t>
-            </a:r>
-            <a:endParaRPr lang="ru-RU" dirty="0" smtClean="0"/>
+              <a:rPr lang="en-US" sz="2000" dirty="0" smtClean="0"/>
+              <a:t>Card. </a:t>
+            </a:r>
+            <a:r>
+              <a:rPr lang="ru-RU" sz="2000" dirty="0" smtClean="0"/>
+              <a:t>Карта </a:t>
+            </a:r>
+            <a:r>
+              <a:rPr lang="ru-RU" sz="2000" dirty="0"/>
+              <a:t>наследует Уникальный Класс и представляет собой карточку дела. По большей части этот класс содержит в себе основные поля, характерные для карточки.</a:t>
+            </a:r>
           </a:p>
           <a:p>
             <a:pPr algn="just"/>
-            <a:endParaRPr lang="ru-RU" dirty="0"/>
+            <a:endParaRPr lang="ru-RU" sz="2000" dirty="0"/>
           </a:p>
           <a:p>
             <a:pPr algn="just"/>
             <a:r>
-              <a:rPr lang="ru-RU" dirty="0" smtClean="0"/>
-              <a:t>Стоит </a:t>
-            </a:r>
-            <a:r>
-              <a:rPr lang="ru-RU" dirty="0"/>
-              <a:t>обратить внимание на то, что дата обновления и запланированная дата напрямую зависят от даты создания - они не могут превышать ее. Соответственно, при изменении даты создания зависимые от нее даты будут перепроверены автоматически.</a:t>
+              <a:rPr lang="ru-RU" sz="2000" dirty="0" err="1" smtClean="0"/>
+              <a:t>CardList</a:t>
+            </a:r>
+            <a:r>
+              <a:rPr lang="en-US" sz="2000" dirty="0" smtClean="0"/>
+              <a:t>. </a:t>
+            </a:r>
+            <a:r>
+              <a:rPr lang="ru-RU" sz="2000" dirty="0" smtClean="0"/>
+              <a:t>Список </a:t>
+            </a:r>
+            <a:r>
+              <a:rPr lang="ru-RU" sz="2000" dirty="0"/>
+              <a:t>Карт, также как и Карта, наследует Уникальный Класс и представляет собой список карточек дел. В качестве способа хранения экземпляров Карт в классе используется </a:t>
+            </a:r>
+            <a:r>
+              <a:rPr lang="ru-RU" sz="2000" dirty="0" err="1"/>
+              <a:t>Dictionary</a:t>
+            </a:r>
+            <a:r>
+              <a:rPr lang="ru-RU" sz="2000" dirty="0"/>
+              <a:t> (Библиотека).</a:t>
+            </a:r>
+          </a:p>
+          <a:p>
+            <a:pPr algn="just"/>
+            <a:endParaRPr lang="ru-RU" sz="2000" dirty="0" smtClean="0"/>
+          </a:p>
+          <a:p>
+            <a:pPr algn="just"/>
+            <a:r>
+              <a:rPr lang="ru-RU" sz="2000" dirty="0" smtClean="0"/>
+              <a:t>Методы класса:</a:t>
+            </a:r>
+            <a:endParaRPr lang="ru-RU" sz="2000" dirty="0"/>
+          </a:p>
+          <a:p>
+            <a:pPr algn="just"/>
+            <a:r>
+              <a:rPr lang="ru-RU" sz="2000" dirty="0"/>
+              <a:t>- </a:t>
+            </a:r>
+            <a:r>
+              <a:rPr lang="ru-RU" sz="2000" dirty="0" err="1"/>
+              <a:t>Get</a:t>
+            </a:r>
+            <a:r>
+              <a:rPr lang="ru-RU" sz="2000" dirty="0"/>
+              <a:t> (Получить карту)</a:t>
+            </a:r>
+          </a:p>
+          <a:p>
+            <a:pPr algn="just"/>
+            <a:r>
+              <a:rPr lang="ru-RU" sz="2000" dirty="0"/>
+              <a:t>- </a:t>
+            </a:r>
+            <a:r>
+              <a:rPr lang="ru-RU" sz="2000" dirty="0" err="1"/>
+              <a:t>Remove</a:t>
+            </a:r>
+            <a:r>
+              <a:rPr lang="ru-RU" sz="2000" dirty="0"/>
+              <a:t> (Удалить Карту)</a:t>
+            </a:r>
+          </a:p>
+          <a:p>
+            <a:pPr algn="just"/>
+            <a:r>
+              <a:rPr lang="ru-RU" sz="2000" dirty="0"/>
+              <a:t>- </a:t>
+            </a:r>
+            <a:r>
+              <a:rPr lang="ru-RU" sz="2000" dirty="0" err="1"/>
+              <a:t>Set</a:t>
+            </a:r>
+            <a:r>
+              <a:rPr lang="ru-RU" sz="2000" dirty="0"/>
+              <a:t> (Сохранить Карту)</a:t>
+            </a:r>
+          </a:p>
+          <a:p>
+            <a:pPr algn="just"/>
+            <a:r>
+              <a:rPr lang="ru-RU" sz="2000" dirty="0"/>
+              <a:t>- </a:t>
+            </a:r>
+            <a:r>
+              <a:rPr lang="ru-RU" sz="2000" dirty="0" err="1"/>
+              <a:t>Contains</a:t>
+            </a:r>
+            <a:r>
+              <a:rPr lang="ru-RU" sz="2000" dirty="0"/>
+              <a:t> (Проверить наличие Карты)</a:t>
             </a:r>
           </a:p>
         </p:txBody>
@@ -4652,15 +4984,15 @@
         </p:nvSpPr>
         <p:spPr>
           <a:xfrm>
-            <a:off x="838200" y="1322253"/>
-            <a:ext cx="7373983" cy="1077218"/>
+            <a:off x="838200" y="1302450"/>
+            <a:ext cx="6096000" cy="584775"/>
           </a:xfrm>
           <a:prstGeom prst="rect">
             <a:avLst/>
           </a:prstGeom>
         </p:spPr>
         <p:txBody>
-          <a:bodyPr wrap="square">
+          <a:bodyPr>
             <a:spAutoFit/>
           </a:bodyPr>
           <a:lstStyle/>
@@ -4672,46 +5004,22 @@
               <a:t>Классы </a:t>
             </a:r>
             <a:r>
+              <a:rPr lang="en-US" sz="3200" dirty="0">
+                <a:latin typeface="+mj-lt"/>
+              </a:rPr>
+              <a:t>Card</a:t>
+            </a:r>
+            <a:r>
+              <a:rPr lang="ru-RU" sz="3200" dirty="0">
+                <a:latin typeface="+mj-lt"/>
+              </a:rPr>
+              <a:t> и </a:t>
+            </a:r>
+            <a:r>
               <a:rPr lang="en-US" sz="3200" dirty="0" err="1">
                 <a:latin typeface="+mj-lt"/>
               </a:rPr>
-              <a:t>DateTimeContainerData</a:t>
-            </a:r>
-            <a:r>
-              <a:rPr lang="ru-RU" sz="3200" dirty="0">
-                <a:latin typeface="+mj-lt"/>
-              </a:rPr>
-              <a:t>, </a:t>
-            </a:r>
-            <a:r>
-              <a:rPr lang="en-US" sz="3200" dirty="0" err="1">
-                <a:latin typeface="+mj-lt"/>
-              </a:rPr>
-              <a:t>CardData</a:t>
-            </a:r>
-            <a:r>
-              <a:rPr lang="ru-RU" sz="3200" dirty="0">
-                <a:latin typeface="+mj-lt"/>
-              </a:rPr>
-              <a:t>, </a:t>
-            </a:r>
-            <a:r>
-              <a:rPr lang="en-US" sz="3200" dirty="0" err="1">
-                <a:latin typeface="+mj-lt"/>
-              </a:rPr>
-              <a:t>CardListData</a:t>
-            </a:r>
-            <a:r>
-              <a:rPr lang="ru-RU" sz="3200" dirty="0">
-                <a:latin typeface="+mj-lt"/>
-              </a:rPr>
-              <a:t>, </a:t>
-            </a:r>
-            <a:r>
-              <a:rPr lang="en-US" sz="3200" dirty="0" err="1">
-                <a:latin typeface="+mj-lt"/>
-              </a:rPr>
-              <a:t>DateTimeContainer</a:t>
+              <a:t>CardList</a:t>
             </a:r>
             <a:endParaRPr lang="en-US" sz="3200" dirty="0">
               <a:latin typeface="+mj-lt"/>
@@ -4722,13 +5030,20 @@
     </p:spTree>
     <p:extLst>
       <p:ext uri="{BB962C8B-B14F-4D97-AF65-F5344CB8AC3E}">
-        <p14:creationId xmlns:p14="http://schemas.microsoft.com/office/powerpoint/2010/main" val="2569251858"/>
+        <p14:creationId xmlns:p14="http://schemas.microsoft.com/office/powerpoint/2010/main" val="4209511652"/>
       </p:ext>
     </p:extLst>
   </p:cSld>
   <p:clrMapOvr>
     <a:masterClrMapping/>
   </p:clrMapOvr>
+  <p:timing>
+    <p:tnLst>
+      <p:par>
+        <p:cTn id="1" dur="indefinite" restart="never" nodeType="tmRoot"/>
+      </p:par>
+    </p:tnLst>
+  </p:timing>
 </p:sld>
 </file>
 
@@ -4769,8 +5084,8 @@
               <a:t>Пространство имен </a:t>
             </a:r>
             <a:r>
-              <a:rPr lang="en-US" dirty="0" err="1"/>
-              <a:t>TimelonCl.Data</a:t>
+              <a:rPr lang="en-US" dirty="0" err="1" smtClean="0"/>
+              <a:t>Timelon.Data</a:t>
             </a:r>
             <a:endParaRPr lang="ru-RU" dirty="0"/>
           </a:p>
@@ -4784,8 +5099,8 @@
         </p:nvSpPr>
         <p:spPr>
           <a:xfrm>
-            <a:off x="838200" y="2001032"/>
-            <a:ext cx="10289178" cy="3416320"/>
+            <a:off x="838200" y="1887225"/>
+            <a:ext cx="10289178" cy="4524315"/>
           </a:xfrm>
           <a:prstGeom prst="rect">
             <a:avLst/>
@@ -4799,119 +5114,229 @@
           <a:p>
             <a:pPr algn="just"/>
             <a:r>
-              <a:rPr lang="en-US" dirty="0" smtClean="0"/>
-              <a:t>Card. </a:t>
+              <a:rPr lang="ru-RU" dirty="0"/>
+              <a:t>Библиотека позволяет мгновенно получить Карту через ее идентификатор вне зависимости от количества хранимых Карт, достаточно произвести сортировку один раз и занести идентификаторы в отдельный список для быстрого доступа</a:t>
             </a:r>
             <a:r>
               <a:rPr lang="ru-RU" dirty="0" smtClean="0"/>
-              <a:t>Карта </a:t>
-            </a:r>
-            <a:r>
-              <a:rPr lang="ru-RU" dirty="0"/>
-              <a:t>наследует Уникальный Класс и представляет собой карточку дела. По большей части этот класс содержит в себе основные поля, характерные для карточки.</a:t>
-            </a:r>
+              <a:t>.  Списки и соответствующие им методы класса:</a:t>
+            </a:r>
+            <a:endParaRPr lang="ru-RU" dirty="0"/>
+          </a:p>
+          <a:p>
+            <a:pPr marL="285750" indent="-285750" algn="just">
+              <a:buFont typeface="Arial" panose="020B0604020202020204" pitchFamily="34" charset="0"/>
+              <a:buChar char="•"/>
+            </a:pPr>
+            <a:r>
+              <a:rPr lang="ru-RU" dirty="0" err="1" smtClean="0"/>
+              <a:t>idListDefault</a:t>
+            </a:r>
+            <a:r>
+              <a:rPr lang="ru-RU" dirty="0" smtClean="0"/>
+              <a:t> </a:t>
+            </a:r>
+            <a:r>
+              <a:rPr lang="ru-RU" dirty="0"/>
+              <a:t>(идентификаторы по дате обновления</a:t>
+            </a:r>
+            <a:r>
+              <a:rPr lang="ru-RU" dirty="0" smtClean="0"/>
+              <a:t>)</a:t>
+            </a:r>
+            <a:r>
+              <a:rPr lang="ru-RU" dirty="0"/>
+              <a:t> - </a:t>
+            </a:r>
+            <a:r>
+              <a:rPr lang="ru-RU" dirty="0" err="1"/>
+              <a:t>GetListDefault</a:t>
+            </a:r>
+            <a:r>
+              <a:rPr lang="ru-RU" dirty="0"/>
+              <a:t> (Получение Карт, отсортированных по дате обновления</a:t>
+            </a:r>
+            <a:r>
+              <a:rPr lang="ru-RU" dirty="0" smtClean="0"/>
+              <a:t>)</a:t>
+            </a:r>
+            <a:endParaRPr lang="ru-RU" dirty="0"/>
+          </a:p>
+          <a:p>
+            <a:pPr marL="285750" indent="-285750" algn="just">
+              <a:buFont typeface="Arial" panose="020B0604020202020204" pitchFamily="34" charset="0"/>
+              <a:buChar char="•"/>
+            </a:pPr>
+            <a:r>
+              <a:rPr lang="ru-RU" dirty="0" err="1" smtClean="0"/>
+              <a:t>idListImportant</a:t>
+            </a:r>
+            <a:r>
+              <a:rPr lang="ru-RU" dirty="0" smtClean="0"/>
+              <a:t> </a:t>
+            </a:r>
+            <a:r>
+              <a:rPr lang="ru-RU" dirty="0"/>
+              <a:t>(идентификаторы по статусу важности</a:t>
+            </a:r>
+            <a:r>
+              <a:rPr lang="ru-RU" dirty="0" smtClean="0"/>
+              <a:t>)</a:t>
+            </a:r>
+            <a:r>
+              <a:rPr lang="ru-RU" dirty="0"/>
+              <a:t> - </a:t>
+            </a:r>
+            <a:r>
+              <a:rPr lang="ru-RU" dirty="0" err="1"/>
+              <a:t>GetListImportant</a:t>
+            </a:r>
+            <a:r>
+              <a:rPr lang="ru-RU" dirty="0"/>
+              <a:t> (Получение Карт, отсортированных по статусу важности</a:t>
+            </a:r>
+            <a:r>
+              <a:rPr lang="ru-RU" dirty="0" smtClean="0"/>
+              <a:t>)</a:t>
+            </a:r>
+            <a:endParaRPr lang="ru-RU" dirty="0"/>
+          </a:p>
+          <a:p>
+            <a:pPr marL="285750" indent="-285750" algn="just">
+              <a:buFont typeface="Arial" panose="020B0604020202020204" pitchFamily="34" charset="0"/>
+              <a:buChar char="•"/>
+            </a:pPr>
+            <a:r>
+              <a:rPr lang="ru-RU" dirty="0" err="1" smtClean="0"/>
+              <a:t>idListCompleted</a:t>
+            </a:r>
+            <a:r>
+              <a:rPr lang="ru-RU" dirty="0" smtClean="0"/>
+              <a:t> </a:t>
+            </a:r>
+            <a:r>
+              <a:rPr lang="ru-RU" dirty="0"/>
+              <a:t>(идентификаторы по статусу выполнения</a:t>
+            </a:r>
+            <a:r>
+              <a:rPr lang="ru-RU" dirty="0" smtClean="0"/>
+              <a:t>)</a:t>
+            </a:r>
+            <a:r>
+              <a:rPr lang="ru-RU" dirty="0"/>
+              <a:t> - </a:t>
+            </a:r>
+            <a:r>
+              <a:rPr lang="ru-RU" dirty="0" err="1"/>
+              <a:t>GetListCompleted</a:t>
+            </a:r>
+            <a:r>
+              <a:rPr lang="ru-RU" dirty="0"/>
+              <a:t> (Получение Карт, отсортированных по статусу выполнения</a:t>
+            </a:r>
+            <a:r>
+              <a:rPr lang="ru-RU" dirty="0" smtClean="0"/>
+              <a:t>)</a:t>
+            </a:r>
+            <a:endParaRPr lang="ru-RU" dirty="0"/>
           </a:p>
           <a:p>
             <a:pPr algn="just"/>
+            <a:r>
+              <a:rPr lang="ru-RU" dirty="0"/>
+              <a:t>Управление статусом сортировки. Перечисление </a:t>
+            </a:r>
+            <a:r>
+              <a:rPr lang="ru-RU" dirty="0" err="1"/>
+              <a:t>SortOrder</a:t>
+            </a:r>
+            <a:r>
+              <a:rPr lang="ru-RU" dirty="0"/>
+              <a:t> (Направление Сортировки</a:t>
+            </a:r>
+            <a:r>
+              <a:rPr lang="ru-RU" dirty="0" smtClean="0"/>
+              <a:t>):</a:t>
+            </a:r>
             <a:endParaRPr lang="ru-RU" dirty="0"/>
           </a:p>
           <a:p>
+            <a:pPr marL="285750" indent="-285750" algn="just">
+              <a:buFont typeface="Arial" panose="020B0604020202020204" pitchFamily="34" charset="0"/>
+              <a:buChar char="•"/>
+            </a:pPr>
+            <a:r>
+              <a:rPr lang="ru-RU" dirty="0" err="1" smtClean="0"/>
+              <a:t>Initial</a:t>
+            </a:r>
+            <a:r>
+              <a:rPr lang="ru-RU" dirty="0" smtClean="0"/>
+              <a:t> </a:t>
+            </a:r>
+            <a:r>
+              <a:rPr lang="ru-RU" dirty="0"/>
+              <a:t>(Карты необходимо отсортировать (используется только внутри класса))</a:t>
+            </a:r>
+          </a:p>
+          <a:p>
+            <a:pPr marL="285750" indent="-285750" algn="just">
+              <a:buFont typeface="Arial" panose="020B0604020202020204" pitchFamily="34" charset="0"/>
+              <a:buChar char="•"/>
+            </a:pPr>
+            <a:r>
+              <a:rPr lang="ru-RU" dirty="0" err="1" smtClean="0"/>
+              <a:t>Unsorted</a:t>
+            </a:r>
+            <a:r>
+              <a:rPr lang="ru-RU" dirty="0" smtClean="0"/>
+              <a:t> </a:t>
+            </a:r>
+            <a:r>
+              <a:rPr lang="ru-RU" dirty="0"/>
+              <a:t>(В произвольном порядке)</a:t>
+            </a:r>
+          </a:p>
+          <a:p>
+            <a:pPr marL="285750" indent="-285750" algn="just">
+              <a:buFont typeface="Arial" panose="020B0604020202020204" pitchFamily="34" charset="0"/>
+              <a:buChar char="•"/>
+            </a:pPr>
+            <a:r>
+              <a:rPr lang="ru-RU" dirty="0" err="1" smtClean="0"/>
+              <a:t>Ascending</a:t>
+            </a:r>
+            <a:r>
+              <a:rPr lang="ru-RU" dirty="0" smtClean="0"/>
+              <a:t> </a:t>
+            </a:r>
+            <a:r>
+              <a:rPr lang="ru-RU" dirty="0"/>
+              <a:t>(По возрастанию)</a:t>
+            </a:r>
+          </a:p>
+          <a:p>
+            <a:pPr marL="285750" indent="-285750" algn="just">
+              <a:buFont typeface="Arial" panose="020B0604020202020204" pitchFamily="34" charset="0"/>
+              <a:buChar char="•"/>
+            </a:pPr>
+            <a:r>
+              <a:rPr lang="ru-RU" dirty="0" err="1" smtClean="0"/>
+              <a:t>Descending</a:t>
+            </a:r>
+            <a:r>
+              <a:rPr lang="ru-RU" dirty="0" smtClean="0"/>
+              <a:t> </a:t>
+            </a:r>
+            <a:r>
+              <a:rPr lang="ru-RU" dirty="0"/>
+              <a:t>(По убыванию)</a:t>
+            </a:r>
+          </a:p>
+          <a:p>
             <a:pPr algn="just"/>
             <a:r>
-              <a:rPr lang="ru-RU" dirty="0" err="1" smtClean="0"/>
-              <a:t>CardList</a:t>
-            </a:r>
-            <a:r>
-              <a:rPr lang="en-US" dirty="0" smtClean="0"/>
-              <a:t>. </a:t>
-            </a:r>
-            <a:r>
-              <a:rPr lang="ru-RU" dirty="0" smtClean="0"/>
-              <a:t>Список </a:t>
-            </a:r>
-            <a:r>
-              <a:rPr lang="ru-RU" dirty="0"/>
-              <a:t>Карт, также как и Карта, наследует Уникальный Класс и представляет собой список карточек дел. В качестве способа хранения экземпляров Карт в классе используется </a:t>
-            </a:r>
-            <a:r>
-              <a:rPr lang="ru-RU" dirty="0" err="1"/>
-              <a:t>Dictionary</a:t>
-            </a:r>
-            <a:r>
-              <a:rPr lang="ru-RU" dirty="0"/>
-              <a:t> (Библиотека).</a:t>
-            </a:r>
-          </a:p>
-          <a:p>
-            <a:pPr algn="just"/>
-            <a:endParaRPr lang="ru-RU" dirty="0" smtClean="0"/>
-          </a:p>
-          <a:p>
-            <a:pPr algn="just"/>
-            <a:r>
-              <a:rPr lang="ru-RU" dirty="0" smtClean="0"/>
-              <a:t>Методы класса:</a:t>
-            </a:r>
-            <a:endParaRPr lang="ru-RU" dirty="0"/>
-          </a:p>
-          <a:p>
-            <a:pPr algn="just"/>
-            <a:r>
-              <a:rPr lang="ru-RU" dirty="0"/>
-              <a:t>- </a:t>
-            </a:r>
-            <a:r>
-              <a:rPr lang="ru-RU" dirty="0" err="1"/>
-              <a:t>Get</a:t>
-            </a:r>
-            <a:r>
-              <a:rPr lang="ru-RU" dirty="0"/>
-              <a:t> (Получить карту)</a:t>
-            </a:r>
-          </a:p>
-          <a:p>
-            <a:pPr algn="just"/>
-            <a:r>
-              <a:rPr lang="ru-RU" dirty="0"/>
-              <a:t>- </a:t>
-            </a:r>
-            <a:r>
-              <a:rPr lang="ru-RU" dirty="0" err="1"/>
-              <a:t>Remove</a:t>
-            </a:r>
-            <a:r>
-              <a:rPr lang="ru-RU" dirty="0"/>
-              <a:t> (Удалить Карту)</a:t>
-            </a:r>
-          </a:p>
-          <a:p>
-            <a:pPr algn="just"/>
-            <a:r>
-              <a:rPr lang="ru-RU" dirty="0"/>
-              <a:t>- </a:t>
-            </a:r>
-            <a:r>
-              <a:rPr lang="ru-RU" dirty="0" err="1"/>
-              <a:t>Set</a:t>
-            </a:r>
-            <a:r>
-              <a:rPr lang="ru-RU" dirty="0"/>
-              <a:t> (Сохранить Карту)</a:t>
-            </a:r>
-          </a:p>
-          <a:p>
-            <a:pPr algn="just"/>
-            <a:r>
-              <a:rPr lang="ru-RU" dirty="0"/>
-              <a:t>- </a:t>
-            </a:r>
-            <a:r>
-              <a:rPr lang="ru-RU" dirty="0" err="1"/>
-              <a:t>Contains</a:t>
-            </a:r>
-            <a:r>
-              <a:rPr lang="ru-RU" dirty="0"/>
-              <a:t> (Проверить наличие Карты)</a:t>
+              <a:rPr lang="ru-RU" dirty="0"/>
+              <a:t>Соответственно, с помощью этого перечисления при использовании методов получения отсортированных Карт существует возможность указать необходимый порядок.</a:t>
             </a:r>
           </a:p>
         </p:txBody>
@@ -4944,22 +5369,40 @@
               <a:t>Классы </a:t>
             </a:r>
             <a:r>
-              <a:rPr lang="en-US" sz="3200" dirty="0">
+              <a:rPr lang="en-US" sz="3200" dirty="0" smtClean="0">
                 <a:latin typeface="+mj-lt"/>
               </a:rPr>
               <a:t>Card</a:t>
             </a:r>
             <a:r>
+              <a:rPr lang="ru-RU" sz="3200" dirty="0" smtClean="0">
+                <a:latin typeface="+mj-lt"/>
+              </a:rPr>
+              <a:t>: </a:t>
+            </a:r>
+            <a:r>
+              <a:rPr lang="ru-RU" sz="3200" dirty="0" smtClean="0">
+                <a:latin typeface="+mj-lt"/>
+              </a:rPr>
+              <a:t>сортировк</a:t>
+            </a:r>
+            <a:r>
               <a:rPr lang="ru-RU" sz="3200" dirty="0">
                 <a:latin typeface="+mj-lt"/>
               </a:rPr>
-              <a:t> и </a:t>
-            </a:r>
-            <a:r>
-              <a:rPr lang="en-US" sz="3200" dirty="0" err="1">
+              <a:t>а</a:t>
+            </a:r>
+            <a:r>
+              <a:rPr lang="ru-RU" sz="3200" dirty="0" smtClean="0">
                 <a:latin typeface="+mj-lt"/>
               </a:rPr>
-              <a:t>CardList</a:t>
+              <a:t> </a:t>
+            </a:r>
+            <a:r>
+              <a:rPr lang="ru-RU" sz="3200" dirty="0" smtClean="0">
+                <a:latin typeface="+mj-lt"/>
+              </a:rPr>
+              <a:t>карт</a:t>
             </a:r>
             <a:endParaRPr lang="en-US" sz="3200" dirty="0">
               <a:latin typeface="+mj-lt"/>
@@ -4970,13 +5413,20 @@
     </p:spTree>
     <p:extLst>
       <p:ext uri="{BB962C8B-B14F-4D97-AF65-F5344CB8AC3E}">
-        <p14:creationId xmlns:p14="http://schemas.microsoft.com/office/powerpoint/2010/main" val="4209511652"/>
+        <p14:creationId xmlns:p14="http://schemas.microsoft.com/office/powerpoint/2010/main" val="2918729351"/>
       </p:ext>
     </p:extLst>
   </p:cSld>
   <p:clrMapOvr>
     <a:masterClrMapping/>
   </p:clrMapOvr>
+  <p:timing>
+    <p:tnLst>
+      <p:par>
+        <p:cTn id="1" dur="indefinite" restart="never" nodeType="tmRoot"/>
+      </p:par>
+    </p:tnLst>
+  </p:timing>
 </p:sld>
 </file>
 
@@ -5098,6 +5548,13 @@
   <p:clrMapOvr>
     <a:masterClrMapping/>
   </p:clrMapOvr>
+  <p:timing>
+    <p:tnLst>
+      <p:par>
+        <p:cTn id="1" dur="indefinite" restart="never" nodeType="tmRoot"/>
+      </p:par>
+    </p:tnLst>
+  </p:timing>
 </p:sld>
 </file>
 
@@ -5128,20 +5585,20 @@
             <p:ph type="title"/>
           </p:nvPr>
         </p:nvSpPr>
-        <p:spPr/>
+        <p:spPr>
+          <a:xfrm>
+            <a:off x="838200" y="288180"/>
+            <a:ext cx="10515600" cy="1325563"/>
+          </a:xfrm>
+        </p:spPr>
         <p:txBody>
           <a:bodyPr/>
           <a:lstStyle/>
           <a:p>
             <a:r>
               <a:rPr lang="ru-RU" dirty="0"/>
-              <a:t>Пространство имен </a:t>
-            </a:r>
-            <a:r>
-              <a:rPr lang="en-US" dirty="0" err="1"/>
-              <a:t>TimelonCl.Data</a:t>
-            </a:r>
-            <a:endParaRPr lang="ru-RU" dirty="0"/>
+              <a:t>Тестирование</a:t>
+            </a:r>
           </a:p>
         </p:txBody>
       </p:sp>
@@ -5153,303 +5610,147 @@
         </p:nvSpPr>
         <p:spPr>
           <a:xfrm>
-            <a:off x="838200" y="1887225"/>
-            <a:ext cx="10289178" cy="4524315"/>
+            <a:off x="838200" y="1321356"/>
+            <a:ext cx="8848897" cy="584775"/>
           </a:xfrm>
           <a:prstGeom prst="rect">
             <a:avLst/>
           </a:prstGeom>
         </p:spPr>
         <p:txBody>
-          <a:bodyPr wrap="square">
+          <a:bodyPr wrap="none">
             <a:spAutoFit/>
           </a:bodyPr>
           <a:lstStyle/>
           <a:p>
-            <a:pPr algn="just"/>
-            <a:r>
-              <a:rPr lang="ru-RU" dirty="0"/>
-              <a:t>Библиотека позволяет мгновенно получить Карту через ее идентификатор вне зависимости от количества хранимых Карт, достаточно произвести сортировку один раз и занести идентификаторы в отдельный список для быстрого доступа</a:t>
-            </a:r>
-            <a:r>
-              <a:rPr lang="ru-RU" dirty="0" smtClean="0"/>
-              <a:t>.  Списки и соответствующие им методы класса:</a:t>
-            </a:r>
-            <a:endParaRPr lang="ru-RU" dirty="0"/>
-          </a:p>
-          <a:p>
-            <a:pPr marL="285750" indent="-285750" algn="just">
-              <a:buFont typeface="Arial" panose="020B0604020202020204" pitchFamily="34" charset="0"/>
-              <a:buChar char="•"/>
-            </a:pPr>
-            <a:r>
-              <a:rPr lang="ru-RU" dirty="0" err="1" smtClean="0"/>
-              <a:t>idListDefault</a:t>
-            </a:r>
-            <a:r>
-              <a:rPr lang="ru-RU" dirty="0" smtClean="0"/>
+            <a:r>
+              <a:rPr lang="ru-RU" sz="3200" dirty="0">
+                <a:latin typeface="+mj-lt"/>
+              </a:rPr>
+              <a:t>Консольный проект </a:t>
+            </a:r>
+            <a:r>
+              <a:rPr lang="en-US" sz="3200" dirty="0" err="1">
+                <a:latin typeface="+mj-lt"/>
+              </a:rPr>
+              <a:t>ConsoleTest.cs</a:t>
+            </a:r>
+            <a:r>
+              <a:rPr lang="en-US" sz="3200" dirty="0">
+                <a:latin typeface="+mj-lt"/>
+              </a:rPr>
               <a:t> </a:t>
             </a:r>
             <a:r>
-              <a:rPr lang="ru-RU" dirty="0"/>
-              <a:t>(идентификаторы по дате обновления</a:t>
-            </a:r>
-            <a:r>
-              <a:rPr lang="ru-RU" dirty="0" smtClean="0"/>
-              <a:t>)</a:t>
-            </a:r>
-            <a:r>
-              <a:rPr lang="ru-RU" dirty="0"/>
-              <a:t> - </a:t>
-            </a:r>
-            <a:r>
-              <a:rPr lang="ru-RU" dirty="0" err="1"/>
-              <a:t>GetListDefault</a:t>
-            </a:r>
-            <a:r>
-              <a:rPr lang="ru-RU" dirty="0"/>
-              <a:t> (Получение Карт, отсортированных по дате обновления</a:t>
-            </a:r>
-            <a:r>
-              <a:rPr lang="ru-RU" dirty="0" smtClean="0"/>
-              <a:t>)</a:t>
-            </a:r>
-            <a:endParaRPr lang="ru-RU" dirty="0"/>
-          </a:p>
-          <a:p>
-            <a:pPr marL="285750" indent="-285750" algn="just">
-              <a:buFont typeface="Arial" panose="020B0604020202020204" pitchFamily="34" charset="0"/>
-              <a:buChar char="•"/>
-            </a:pPr>
-            <a:r>
-              <a:rPr lang="ru-RU" dirty="0" err="1" smtClean="0"/>
-              <a:t>idListImportant</a:t>
-            </a:r>
-            <a:r>
-              <a:rPr lang="ru-RU" dirty="0" smtClean="0"/>
-              <a:t> </a:t>
-            </a:r>
-            <a:r>
-              <a:rPr lang="ru-RU" dirty="0"/>
-              <a:t>(идентификаторы по статусу важности</a:t>
-            </a:r>
-            <a:r>
-              <a:rPr lang="ru-RU" dirty="0" smtClean="0"/>
-              <a:t>)</a:t>
-            </a:r>
-            <a:r>
-              <a:rPr lang="ru-RU" dirty="0"/>
-              <a:t> - </a:t>
-            </a:r>
-            <a:r>
-              <a:rPr lang="ru-RU" dirty="0" err="1"/>
-              <a:t>GetListImportant</a:t>
-            </a:r>
-            <a:r>
-              <a:rPr lang="ru-RU" dirty="0"/>
-              <a:t> (Получение Карт, отсортированных по статусу важности</a:t>
-            </a:r>
-            <a:r>
-              <a:rPr lang="ru-RU" dirty="0" smtClean="0"/>
-              <a:t>)</a:t>
-            </a:r>
-            <a:endParaRPr lang="ru-RU" dirty="0"/>
-          </a:p>
-          <a:p>
-            <a:pPr marL="285750" indent="-285750" algn="just">
-              <a:buFont typeface="Arial" panose="020B0604020202020204" pitchFamily="34" charset="0"/>
-              <a:buChar char="•"/>
-            </a:pPr>
-            <a:r>
-              <a:rPr lang="ru-RU" dirty="0" err="1" smtClean="0"/>
-              <a:t>idListCompleted</a:t>
-            </a:r>
-            <a:r>
-              <a:rPr lang="ru-RU" dirty="0" smtClean="0"/>
-              <a:t> </a:t>
-            </a:r>
-            <a:r>
-              <a:rPr lang="ru-RU" dirty="0"/>
-              <a:t>(идентификаторы по статусу выполнения</a:t>
-            </a:r>
-            <a:r>
-              <a:rPr lang="ru-RU" dirty="0" smtClean="0"/>
-              <a:t>)</a:t>
-            </a:r>
-            <a:r>
-              <a:rPr lang="ru-RU" dirty="0"/>
-              <a:t> - </a:t>
-            </a:r>
-            <a:r>
-              <a:rPr lang="ru-RU" dirty="0" err="1"/>
-              <a:t>GetListCompleted</a:t>
-            </a:r>
-            <a:r>
-              <a:rPr lang="ru-RU" dirty="0"/>
-              <a:t> (Получение Карт, отсортированных по статусу выполнения</a:t>
-            </a:r>
-            <a:r>
-              <a:rPr lang="ru-RU" dirty="0" smtClean="0"/>
-              <a:t>)</a:t>
-            </a:r>
-            <a:endParaRPr lang="ru-RU" dirty="0"/>
-          </a:p>
-          <a:p>
-            <a:pPr algn="just"/>
-            <a:r>
-              <a:rPr lang="ru-RU" dirty="0"/>
-              <a:t>Управление статусом сортировки. Перечисление </a:t>
-            </a:r>
-            <a:r>
-              <a:rPr lang="ru-RU" dirty="0" err="1"/>
-              <a:t>SortOrder</a:t>
-            </a:r>
-            <a:r>
-              <a:rPr lang="ru-RU" dirty="0"/>
-              <a:t> (Направление Сортировки</a:t>
-            </a:r>
-            <a:r>
-              <a:rPr lang="ru-RU" dirty="0" smtClean="0"/>
-              <a:t>):</a:t>
-            </a:r>
-            <a:endParaRPr lang="ru-RU" dirty="0"/>
-          </a:p>
-          <a:p>
-            <a:pPr marL="285750" indent="-285750" algn="just">
-              <a:buFont typeface="Arial" panose="020B0604020202020204" pitchFamily="34" charset="0"/>
-              <a:buChar char="•"/>
-            </a:pPr>
-            <a:r>
-              <a:rPr lang="ru-RU" dirty="0" err="1" smtClean="0"/>
-              <a:t>Initial</a:t>
-            </a:r>
-            <a:r>
-              <a:rPr lang="ru-RU" dirty="0" smtClean="0"/>
-              <a:t> </a:t>
-            </a:r>
-            <a:r>
-              <a:rPr lang="ru-RU" dirty="0"/>
-              <a:t>(Карты необходимо отсортировать (используется только внутри класса))</a:t>
-            </a:r>
-          </a:p>
-          <a:p>
-            <a:pPr marL="285750" indent="-285750" algn="just">
-              <a:buFont typeface="Arial" panose="020B0604020202020204" pitchFamily="34" charset="0"/>
-              <a:buChar char="•"/>
-            </a:pPr>
-            <a:r>
-              <a:rPr lang="ru-RU" dirty="0" err="1" smtClean="0"/>
-              <a:t>Unsorted</a:t>
-            </a:r>
-            <a:r>
-              <a:rPr lang="ru-RU" dirty="0" smtClean="0"/>
-              <a:t> </a:t>
-            </a:r>
-            <a:r>
-              <a:rPr lang="ru-RU" dirty="0"/>
-              <a:t>(В произвольном порядке)</a:t>
-            </a:r>
-          </a:p>
-          <a:p>
-            <a:pPr marL="285750" indent="-285750" algn="just">
-              <a:buFont typeface="Arial" panose="020B0604020202020204" pitchFamily="34" charset="0"/>
-              <a:buChar char="•"/>
-            </a:pPr>
-            <a:r>
-              <a:rPr lang="ru-RU" dirty="0" err="1" smtClean="0"/>
-              <a:t>Ascending</a:t>
-            </a:r>
-            <a:r>
-              <a:rPr lang="ru-RU" dirty="0" smtClean="0"/>
-              <a:t> </a:t>
-            </a:r>
-            <a:r>
-              <a:rPr lang="ru-RU" dirty="0"/>
-              <a:t>(По возрастанию)</a:t>
-            </a:r>
-          </a:p>
-          <a:p>
-            <a:pPr marL="285750" indent="-285750" algn="just">
-              <a:buFont typeface="Arial" panose="020B0604020202020204" pitchFamily="34" charset="0"/>
-              <a:buChar char="•"/>
-            </a:pPr>
-            <a:r>
-              <a:rPr lang="ru-RU" dirty="0" err="1" smtClean="0"/>
-              <a:t>Descending</a:t>
-            </a:r>
-            <a:r>
-              <a:rPr lang="ru-RU" dirty="0" smtClean="0"/>
-              <a:t> </a:t>
-            </a:r>
-            <a:r>
-              <a:rPr lang="ru-RU" dirty="0"/>
-              <a:t>(По убыванию)</a:t>
-            </a:r>
-          </a:p>
-          <a:p>
-            <a:pPr algn="just"/>
-            <a:r>
-              <a:rPr lang="ru-RU" dirty="0"/>
-              <a:t>Соответственно, с помощью этого перечисления при использовании методов получения отсортированных Карт существует возможность указать необходимый порядок.</a:t>
-            </a:r>
-          </a:p>
-        </p:txBody>
-      </p:sp>
-      <p:sp>
-        <p:nvSpPr>
-          <p:cNvPr id="4" name="Прямоугольник 3"/>
+              <a:rPr lang="ru-RU" sz="3200" dirty="0">
+                <a:latin typeface="+mj-lt"/>
+              </a:rPr>
+              <a:t>и </a:t>
+            </a:r>
+            <a:r>
+              <a:rPr lang="en-US" sz="3200" dirty="0" err="1">
+                <a:latin typeface="+mj-lt"/>
+              </a:rPr>
+              <a:t>Randomizer.cs</a:t>
+            </a:r>
+            <a:endParaRPr lang="en-US" sz="3200" dirty="0">
+              <a:latin typeface="+mj-lt"/>
+            </a:endParaRPr>
+          </a:p>
+        </p:txBody>
+      </p:sp>
+      <p:sp>
+        <p:nvSpPr>
+          <p:cNvPr id="5" name="Прямоугольник 4"/>
           <p:cNvSpPr/>
           <p:nvPr/>
         </p:nvSpPr>
         <p:spPr>
           <a:xfrm>
-            <a:off x="838200" y="1302450"/>
-            <a:ext cx="6096000" cy="584775"/>
+            <a:off x="838200" y="2062144"/>
+            <a:ext cx="7665368" cy="1754326"/>
           </a:xfrm>
           <a:prstGeom prst="rect">
             <a:avLst/>
           </a:prstGeom>
         </p:spPr>
         <p:txBody>
-          <a:bodyPr>
+          <a:bodyPr wrap="none">
             <a:spAutoFit/>
           </a:bodyPr>
           <a:lstStyle/>
           <a:p>
             <a:r>
-              <a:rPr lang="ru-RU" sz="3200" dirty="0">
-                <a:latin typeface="+mj-lt"/>
-              </a:rPr>
-              <a:t>Классы </a:t>
-            </a:r>
-            <a:r>
-              <a:rPr lang="en-US" sz="3200" dirty="0" smtClean="0">
-                <a:latin typeface="+mj-lt"/>
-              </a:rPr>
-              <a:t>Card</a:t>
-            </a:r>
-            <a:r>
-              <a:rPr lang="ru-RU" sz="3200" dirty="0" smtClean="0">
-                <a:latin typeface="+mj-lt"/>
-              </a:rPr>
-              <a:t>: сортировки карт</a:t>
-            </a:r>
-            <a:endParaRPr lang="en-US" sz="3200" dirty="0">
-              <a:latin typeface="+mj-lt"/>
-            </a:endParaRPr>
+              <a:rPr lang="ru-RU" dirty="0"/>
+              <a:t>Консольный проект включает в себя следующие тесты:</a:t>
+            </a:r>
+          </a:p>
+          <a:p>
+            <a:pPr marL="285750" indent="-285750">
+              <a:buFont typeface="Arial" panose="020B0604020202020204" pitchFamily="34" charset="0"/>
+              <a:buChar char="•"/>
+            </a:pPr>
+            <a:r>
+              <a:rPr lang="ru-RU" dirty="0"/>
+              <a:t>Тест создания случайных карт</a:t>
+            </a:r>
+          </a:p>
+          <a:p>
+            <a:pPr marL="285750" indent="-285750">
+              <a:buFont typeface="Arial" panose="020B0604020202020204" pitchFamily="34" charset="0"/>
+              <a:buChar char="•"/>
+            </a:pPr>
+            <a:r>
+              <a:rPr lang="ru-RU" dirty="0"/>
+              <a:t>Тест создания случайного списка карт и сортировки</a:t>
+            </a:r>
+          </a:p>
+          <a:p>
+            <a:pPr marL="285750" indent="-285750">
+              <a:buFont typeface="Arial" panose="020B0604020202020204" pitchFamily="34" charset="0"/>
+              <a:buChar char="•"/>
+            </a:pPr>
+            <a:r>
+              <a:rPr lang="ru-RU" dirty="0"/>
+              <a:t>Тест создания случайных списков карт в менеджере и работы с данными</a:t>
+            </a:r>
+          </a:p>
+          <a:p>
+            <a:pPr marL="285750" indent="-285750">
+              <a:buFont typeface="Arial" panose="020B0604020202020204" pitchFamily="34" charset="0"/>
+              <a:buChar char="•"/>
+            </a:pPr>
+            <a:r>
+              <a:rPr lang="ru-RU" dirty="0"/>
+              <a:t>Тест с измерением времени выполнения основных операций списка карт</a:t>
+            </a:r>
+          </a:p>
+          <a:p>
+            <a:pPr marL="285750" indent="-285750">
+              <a:buFont typeface="Arial" panose="020B0604020202020204" pitchFamily="34" charset="0"/>
+              <a:buChar char="•"/>
+            </a:pPr>
+            <a:endParaRPr lang="ru-RU" dirty="0"/>
           </a:p>
         </p:txBody>
       </p:sp>
     </p:spTree>
     <p:extLst>
       <p:ext uri="{BB962C8B-B14F-4D97-AF65-F5344CB8AC3E}">
-        <p14:creationId xmlns:p14="http://schemas.microsoft.com/office/powerpoint/2010/main" val="2918729351"/>
+        <p14:creationId xmlns:p14="http://schemas.microsoft.com/office/powerpoint/2010/main" val="1424994494"/>
       </p:ext>
     </p:extLst>
   </p:cSld>
   <p:clrMapOvr>
     <a:masterClrMapping/>
   </p:clrMapOvr>
+  <p:timing>
+    <p:tnLst>
+      <p:par>
+        <p:cTn id="1" dur="indefinite" restart="never" nodeType="tmRoot"/>
+      </p:par>
+    </p:tnLst>
+  </p:timing>
 </p:sld>
 </file>
 
@@ -5487,58 +5788,46 @@
           <a:p>
             <a:r>
               <a:rPr lang="ru-RU" dirty="0"/>
-              <a:t>Классы </a:t>
-            </a:r>
-            <a:r>
-              <a:rPr lang="en-US" dirty="0" err="1"/>
-              <a:t>ApplicationViewModel</a:t>
-            </a:r>
-            <a:r>
-              <a:rPr lang="ru-RU" dirty="0"/>
-              <a:t> и </a:t>
-            </a:r>
-            <a:r>
-              <a:rPr lang="en-US" dirty="0" err="1"/>
-              <a:t>MainWindow</a:t>
-            </a:r>
-            <a:endParaRPr lang="ru-RU" dirty="0"/>
-          </a:p>
-        </p:txBody>
-      </p:sp>
-      <p:sp>
-        <p:nvSpPr>
-          <p:cNvPr id="3" name="Прямоугольник 2"/>
-          <p:cNvSpPr/>
+              <a:t>Тестирование</a:t>
+            </a:r>
+          </a:p>
+        </p:txBody>
+      </p:sp>
+      <p:sp>
+        <p:nvSpPr>
+          <p:cNvPr id="3" name="TextBox 2">
+            <a:extLst>
+              <a:ext uri="{FF2B5EF4-FFF2-40B4-BE49-F238E27FC236}">
+                <a16:creationId xmlns:a16="http://schemas.microsoft.com/office/drawing/2014/main" id="{4C7D212D-B684-491A-8C10-17B8B661A75D}"/>
+              </a:ext>
+            </a:extLst>
+          </p:cNvPr>
+          <p:cNvSpPr txBox="1"/>
           <p:nvPr/>
         </p:nvSpPr>
         <p:spPr>
           <a:xfrm>
-            <a:off x="1001486" y="1690688"/>
-            <a:ext cx="6096000" cy="1477328"/>
+            <a:off x="2629231" y="2282024"/>
+            <a:ext cx="6933538" cy="3108543"/>
           </a:xfrm>
           <a:prstGeom prst="rect">
             <a:avLst/>
           </a:prstGeom>
+          <a:noFill/>
         </p:spPr>
         <p:txBody>
-          <a:bodyPr>
+          <a:bodyPr wrap="square" rtlCol="0">
             <a:spAutoFit/>
           </a:bodyPr>
           <a:lstStyle/>
           <a:p>
-            <a:r>
-              <a:rPr lang="ru-RU" dirty="0"/>
-              <a:t>Содержит в себе:</a:t>
-            </a:r>
-          </a:p>
-          <a:p>
             <a:pPr marL="285750" indent="-285750">
               <a:buFont typeface="Arial" panose="020B0604020202020204" pitchFamily="34" charset="0"/>
               <a:buChar char="•"/>
             </a:pPr>
             <a:r>
-              <a:rPr lang="ru-RU" dirty="0"/>
-              <a:t>Поля</a:t>
+              <a:rPr lang="ru-RU" sz="2800" dirty="0"/>
+              <a:t>Почему тестирование это важно?</a:t>
             </a:r>
           </a:p>
           <a:p>
@@ -5547,8 +5836,8 @@
               <a:buChar char="•"/>
             </a:pPr>
             <a:r>
-              <a:rPr lang="ru-RU" dirty="0"/>
-              <a:t>Конструктор по умолчанию</a:t>
+              <a:rPr lang="ru-RU" sz="2800" dirty="0"/>
+              <a:t>Требования к проекту</a:t>
             </a:r>
           </a:p>
           <a:p>
@@ -5557,8 +5846,8 @@
               <a:buChar char="•"/>
             </a:pPr>
             <a:r>
-              <a:rPr lang="ru-RU" dirty="0"/>
-              <a:t>Свойства</a:t>
+              <a:rPr lang="ru-RU" sz="2800" dirty="0"/>
+              <a:t>Тест план</a:t>
             </a:r>
           </a:p>
           <a:p>
@@ -5567,23 +5856,53 @@
               <a:buChar char="•"/>
             </a:pPr>
             <a:r>
-              <a:rPr lang="ru-RU" dirty="0"/>
-              <a:t>Команды</a:t>
-            </a:r>
-            <a:endParaRPr lang="en-US" dirty="0"/>
+              <a:rPr lang="ru-RU" sz="2800" dirty="0"/>
+              <a:t>Методы тестирования</a:t>
+            </a:r>
+          </a:p>
+          <a:p>
+            <a:pPr marL="285750" indent="-285750">
+              <a:buFont typeface="Arial" panose="020B0604020202020204" pitchFamily="34" charset="0"/>
+              <a:buChar char="•"/>
+            </a:pPr>
+            <a:r>
+              <a:rPr lang="ru-RU" sz="2800" dirty="0"/>
+              <a:t>Отчёт о тестировании</a:t>
+            </a:r>
+          </a:p>
+          <a:p>
+            <a:pPr marL="285750" indent="-285750">
+              <a:buFont typeface="Arial" panose="020B0604020202020204" pitchFamily="34" charset="0"/>
+              <a:buChar char="•"/>
+            </a:pPr>
+            <a:endParaRPr lang="ru-RU" sz="2800" dirty="0"/>
+          </a:p>
+          <a:p>
+            <a:pPr marL="285750" indent="-285750">
+              <a:buFont typeface="Arial" panose="020B0604020202020204" pitchFamily="34" charset="0"/>
+              <a:buChar char="•"/>
+            </a:pPr>
+            <a:endParaRPr lang="ru-RU" sz="2800" dirty="0"/>
           </a:p>
         </p:txBody>
       </p:sp>
     </p:spTree>
     <p:extLst>
       <p:ext uri="{BB962C8B-B14F-4D97-AF65-F5344CB8AC3E}">
-        <p14:creationId xmlns:p14="http://schemas.microsoft.com/office/powerpoint/2010/main" val="2525432865"/>
+        <p14:creationId xmlns:p14="http://schemas.microsoft.com/office/powerpoint/2010/main" val="4284715473"/>
       </p:ext>
     </p:extLst>
   </p:cSld>
   <p:clrMapOvr>
     <a:masterClrMapping/>
   </p:clrMapOvr>
+  <p:timing>
+    <p:tnLst>
+      <p:par>
+        <p:cTn id="1" dur="indefinite" restart="never" nodeType="tmRoot"/>
+      </p:par>
+    </p:tnLst>
+  </p:timing>
 </p:sld>
 </file>
 
@@ -5614,114 +5933,53 @@
             <p:ph type="title"/>
           </p:nvPr>
         </p:nvSpPr>
+        <p:spPr/>
+        <p:txBody>
+          <a:bodyPr/>
+          <a:lstStyle/>
+          <a:p>
+            <a:r>
+              <a:rPr lang="ru-RU" dirty="0"/>
+              <a:t>Почему тестирование это важно?</a:t>
+            </a:r>
+          </a:p>
+        </p:txBody>
+      </p:sp>
+      <p:sp>
+        <p:nvSpPr>
+          <p:cNvPr id="3" name="TextBox 2">
+            <a:extLst>
+              <a:ext uri="{FF2B5EF4-FFF2-40B4-BE49-F238E27FC236}">
+                <a16:creationId xmlns:a16="http://schemas.microsoft.com/office/drawing/2014/main" id="{C84F3D5A-1232-4D39-B28F-5CC344873579}"/>
+              </a:ext>
+            </a:extLst>
+          </p:cNvPr>
+          <p:cNvSpPr txBox="1"/>
+          <p:nvPr/>
+        </p:nvSpPr>
         <p:spPr>
           <a:xfrm>
-            <a:off x="838200" y="288180"/>
-            <a:ext cx="10515600" cy="1325563"/>
-          </a:xfrm>
-        </p:spPr>
-        <p:txBody>
-          <a:bodyPr/>
-          <a:lstStyle/>
-          <a:p>
-            <a:r>
-              <a:rPr lang="ru-RU" dirty="0"/>
-              <a:t>Тестирование</a:t>
-            </a:r>
-          </a:p>
-        </p:txBody>
-      </p:sp>
-      <p:sp>
-        <p:nvSpPr>
-          <p:cNvPr id="3" name="Прямоугольник 2"/>
-          <p:cNvSpPr/>
-          <p:nvPr/>
-        </p:nvSpPr>
-        <p:spPr>
-          <a:xfrm>
-            <a:off x="838200" y="1321356"/>
-            <a:ext cx="8848897" cy="584775"/>
+            <a:off x="1806271" y="2751151"/>
+            <a:ext cx="8579457" cy="1569660"/>
           </a:xfrm>
           <a:prstGeom prst="rect">
             <a:avLst/>
           </a:prstGeom>
+          <a:noFill/>
         </p:spPr>
         <p:txBody>
-          <a:bodyPr wrap="none">
+          <a:bodyPr wrap="square" rtlCol="0">
             <a:spAutoFit/>
           </a:bodyPr>
           <a:lstStyle/>
           <a:p>
-            <a:r>
-              <a:rPr lang="ru-RU" sz="3200" dirty="0">
-                <a:latin typeface="+mj-lt"/>
-              </a:rPr>
-              <a:t>Консольный проект </a:t>
-            </a:r>
-            <a:r>
-              <a:rPr lang="en-US" sz="3200" dirty="0" err="1">
-                <a:latin typeface="+mj-lt"/>
-              </a:rPr>
-              <a:t>ConsoleTest.cs</a:t>
-            </a:r>
-            <a:r>
-              <a:rPr lang="en-US" sz="3200" dirty="0">
-                <a:latin typeface="+mj-lt"/>
-              </a:rPr>
-              <a:t> </a:t>
-            </a:r>
-            <a:r>
-              <a:rPr lang="ru-RU" sz="3200" dirty="0">
-                <a:latin typeface="+mj-lt"/>
-              </a:rPr>
-              <a:t>и </a:t>
-            </a:r>
-            <a:r>
-              <a:rPr lang="en-US" sz="3200" dirty="0" err="1">
-                <a:latin typeface="+mj-lt"/>
-              </a:rPr>
-              <a:t>Randomizer.cs</a:t>
-            </a:r>
-            <a:endParaRPr lang="en-US" sz="3200" dirty="0">
-              <a:latin typeface="+mj-lt"/>
-            </a:endParaRPr>
-          </a:p>
-        </p:txBody>
-      </p:sp>
-      <p:sp>
-        <p:nvSpPr>
-          <p:cNvPr id="5" name="Прямоугольник 4"/>
-          <p:cNvSpPr/>
-          <p:nvPr/>
-        </p:nvSpPr>
-        <p:spPr>
-          <a:xfrm>
-            <a:off x="838200" y="2062144"/>
-            <a:ext cx="7665368" cy="1754326"/>
-          </a:xfrm>
-          <a:prstGeom prst="rect">
-            <a:avLst/>
-          </a:prstGeom>
-        </p:spPr>
-        <p:txBody>
-          <a:bodyPr wrap="none">
-            <a:spAutoFit/>
-          </a:bodyPr>
-          <a:lstStyle/>
-          <a:p>
-            <a:r>
-              <a:rPr lang="ru-RU" dirty="0"/>
-              <a:t>Консольный проект включает в себя следующие тесты:</a:t>
-            </a:r>
-          </a:p>
-          <a:p>
             <a:pPr marL="285750" indent="-285750">
               <a:buFont typeface="Arial" panose="020B0604020202020204" pitchFamily="34" charset="0"/>
               <a:buChar char="•"/>
             </a:pPr>
             <a:r>
-              <a:rPr lang="ru-RU" dirty="0"/>
-              <a:t>Тест создания случайных карт</a:t>
+              <a:rPr lang="ru-RU" sz="2400" dirty="0"/>
+              <a:t>Возможность доказать некорректную работу программы</a:t>
             </a:r>
           </a:p>
           <a:p>
@@ -5730,8 +5988,8 @@
               <a:buChar char="•"/>
             </a:pPr>
             <a:r>
-              <a:rPr lang="ru-RU" dirty="0"/>
-              <a:t>Тест создания случайного списка карт и сортировки</a:t>
+              <a:rPr lang="ru-RU" sz="2400" dirty="0"/>
+              <a:t>Выявление ошибок</a:t>
             </a:r>
           </a:p>
           <a:p>
@@ -5740,8 +5998,8 @@
               <a:buChar char="•"/>
             </a:pPr>
             <a:r>
-              <a:rPr lang="ru-RU" dirty="0"/>
-              <a:t>Тест создания случайных списков карт в менеджере и работы с данными</a:t>
+              <a:rPr lang="ru-RU" sz="2400" dirty="0"/>
+              <a:t>Обеспечивает надёжность и простоту в использовании</a:t>
             </a:r>
           </a:p>
           <a:p>
@@ -5749,30 +6007,27 @@
               <a:buFont typeface="Arial" panose="020B0604020202020204" pitchFamily="34" charset="0"/>
               <a:buChar char="•"/>
             </a:pPr>
-            <a:r>
-              <a:rPr lang="ru-RU" dirty="0"/>
-              <a:t>Тест с измерением времени выполнения основных операций списка карт</a:t>
-            </a:r>
-          </a:p>
-          <a:p>
-            <a:pPr marL="285750" indent="-285750">
-              <a:buFont typeface="Arial" panose="020B0604020202020204" pitchFamily="34" charset="0"/>
-              <a:buChar char="•"/>
-            </a:pPr>
-            <a:endParaRPr lang="ru-RU" dirty="0"/>
+            <a:endParaRPr lang="ru-RU" sz="2400" dirty="0"/>
           </a:p>
         </p:txBody>
       </p:sp>
     </p:spTree>
     <p:extLst>
       <p:ext uri="{BB962C8B-B14F-4D97-AF65-F5344CB8AC3E}">
-        <p14:creationId xmlns:p14="http://schemas.microsoft.com/office/powerpoint/2010/main" val="1424994494"/>
+        <p14:creationId xmlns:p14="http://schemas.microsoft.com/office/powerpoint/2010/main" val="3961446787"/>
       </p:ext>
     </p:extLst>
   </p:cSld>
   <p:clrMapOvr>
     <a:masterClrMapping/>
   </p:clrMapOvr>
+  <p:timing>
+    <p:tnLst>
+      <p:par>
+        <p:cTn id="1" dur="indefinite" restart="never" nodeType="tmRoot"/>
+      </p:par>
+    </p:tnLst>
+  </p:timing>
 </p:sld>
 </file>
 
@@ -5810,7 +6065,7 @@
           <a:p>
             <a:r>
               <a:rPr lang="ru-RU" dirty="0"/>
-              <a:t>Тестирование</a:t>
+              <a:t>Требования</a:t>
             </a:r>
           </a:p>
         </p:txBody>
@@ -5820,7 +6075,7 @@
           <p:cNvPr id="3" name="TextBox 2">
             <a:extLst>
               <a:ext uri="{FF2B5EF4-FFF2-40B4-BE49-F238E27FC236}">
-                <a16:creationId xmlns:a16="http://schemas.microsoft.com/office/drawing/2014/main" id="{4C7D212D-B684-491A-8C10-17B8B661A75D}"/>
+                <a16:creationId xmlns:a16="http://schemas.microsoft.com/office/drawing/2014/main" id="{CB39F03C-FAC8-4C3F-8146-D86F293164EF}"/>
               </a:ext>
             </a:extLst>
           </p:cNvPr>
@@ -5829,8 +6084,8 @@
         </p:nvSpPr>
         <p:spPr>
           <a:xfrm>
-            <a:off x="2629231" y="2282024"/>
-            <a:ext cx="6933538" cy="3108543"/>
+            <a:off x="1826149" y="1579369"/>
+            <a:ext cx="8539701" cy="4770537"/>
           </a:xfrm>
           <a:prstGeom prst="rect">
             <a:avLst/>
@@ -5849,8 +6104,49 @@
             </a:pPr>
             <a:r>
               <a:rPr lang="ru-RU" sz="2800" dirty="0"/>
-              <a:t>Почему тестирование это важно?</a:t>
-            </a:r>
+              <a:t>Функциональные требования</a:t>
+            </a:r>
+          </a:p>
+          <a:p>
+            <a:pPr marL="742950" lvl="1" indent="-285750">
+              <a:buFont typeface="Arial" panose="020B0604020202020204" pitchFamily="34" charset="0"/>
+              <a:buChar char="•"/>
+            </a:pPr>
+            <a:r>
+              <a:rPr lang="ru-RU" sz="2000" dirty="0"/>
+              <a:t>Timelon должен обладать функцией создания карточек задач.</a:t>
+            </a:r>
+          </a:p>
+          <a:p>
+            <a:pPr marL="742950" lvl="1" indent="-285750">
+              <a:buFont typeface="Arial" panose="020B0604020202020204" pitchFamily="34" charset="0"/>
+              <a:buChar char="•"/>
+            </a:pPr>
+            <a:r>
+              <a:rPr lang="ru-RU" sz="2000" dirty="0"/>
+              <a:t>Timelon должен хранить карточки задач.</a:t>
+            </a:r>
+          </a:p>
+          <a:p>
+            <a:pPr marL="742950" lvl="1" indent="-285750">
+              <a:buFont typeface="Arial" panose="020B0604020202020204" pitchFamily="34" charset="0"/>
+              <a:buChar char="•"/>
+            </a:pPr>
+            <a:r>
+              <a:rPr lang="ru-RU" sz="2000" dirty="0"/>
+              <a:t>Timelon должен обладать функцией создания списков для хранения нескольких карт задач.</a:t>
+            </a:r>
+          </a:p>
+          <a:p>
+            <a:pPr marL="742950" lvl="1" indent="-285750">
+              <a:buFont typeface="Arial" panose="020B0604020202020204" pitchFamily="34" charset="0"/>
+              <a:buChar char="•"/>
+            </a:pPr>
+            <a:r>
+              <a:rPr lang="ru-RU" sz="2000" dirty="0"/>
+              <a:t>…</a:t>
+            </a:r>
+            <a:endParaRPr lang="ru-RU" sz="2800" dirty="0"/>
           </a:p>
           <a:p>
             <a:pPr marL="285750" indent="-285750">
@@ -5859,48 +6155,61 @@
             </a:pPr>
             <a:r>
               <a:rPr lang="ru-RU" sz="2800" dirty="0"/>
-              <a:t>Требования к проекту</a:t>
-            </a:r>
-          </a:p>
-          <a:p>
-            <a:pPr marL="285750" indent="-285750">
-              <a:buFont typeface="Arial" panose="020B0604020202020204" pitchFamily="34" charset="0"/>
-              <a:buChar char="•"/>
-            </a:pPr>
-            <a:r>
-              <a:rPr lang="ru-RU" sz="2800" dirty="0"/>
-              <a:t>Тест план</a:t>
-            </a:r>
-          </a:p>
-          <a:p>
-            <a:pPr marL="285750" indent="-285750">
-              <a:buFont typeface="Arial" panose="020B0604020202020204" pitchFamily="34" charset="0"/>
-              <a:buChar char="•"/>
-            </a:pPr>
-            <a:r>
-              <a:rPr lang="ru-RU" sz="2800" dirty="0"/>
-              <a:t>Методы тестирования</a:t>
-            </a:r>
-          </a:p>
-          <a:p>
-            <a:pPr marL="285750" indent="-285750">
-              <a:buFont typeface="Arial" panose="020B0604020202020204" pitchFamily="34" charset="0"/>
-              <a:buChar char="•"/>
-            </a:pPr>
-            <a:r>
-              <a:rPr lang="ru-RU" sz="2800" dirty="0"/>
-              <a:t>Отчёт о тестировании</a:t>
-            </a:r>
-          </a:p>
-          <a:p>
-            <a:pPr marL="285750" indent="-285750">
-              <a:buFont typeface="Arial" panose="020B0604020202020204" pitchFamily="34" charset="0"/>
-              <a:buChar char="•"/>
-            </a:pPr>
-            <a:endParaRPr lang="ru-RU" sz="2800" dirty="0"/>
-          </a:p>
-          <a:p>
-            <a:pPr marL="285750" indent="-285750">
+              <a:t>Требования к интерфейсу</a:t>
+            </a:r>
+          </a:p>
+          <a:p>
+            <a:pPr marL="742950" lvl="1" indent="-285750">
+              <a:buFont typeface="Arial" panose="020B0604020202020204" pitchFamily="34" charset="0"/>
+              <a:buChar char="•"/>
+            </a:pPr>
+            <a:r>
+              <a:rPr lang="ru-RU" sz="2000" dirty="0"/>
+              <a:t>На интерфейсе Timelon должно быть реализовано поле карточки задачи, отображающее основную информацию о задаче:</a:t>
+            </a:r>
+          </a:p>
+          <a:p>
+            <a:pPr marL="1200150" lvl="2" indent="-285750">
+              <a:buFont typeface="Arial" panose="020B0604020202020204" pitchFamily="34" charset="0"/>
+              <a:buChar char="•"/>
+            </a:pPr>
+            <a:r>
+              <a:rPr lang="ru-RU" sz="2000" dirty="0"/>
+              <a:t>статус выполнения</a:t>
+            </a:r>
+          </a:p>
+          <a:p>
+            <a:pPr marL="1200150" lvl="2" indent="-285750">
+              <a:buFont typeface="Arial" panose="020B0604020202020204" pitchFamily="34" charset="0"/>
+              <a:buChar char="•"/>
+            </a:pPr>
+            <a:r>
+              <a:rPr lang="ru-RU" sz="2000" dirty="0"/>
+              <a:t>название</a:t>
+            </a:r>
+          </a:p>
+          <a:p>
+            <a:pPr marL="1200150" lvl="2" indent="-285750">
+              <a:buFont typeface="Arial" panose="020B0604020202020204" pitchFamily="34" charset="0"/>
+              <a:buChar char="•"/>
+            </a:pPr>
+            <a:r>
+              <a:rPr lang="ru-RU" sz="2000" dirty="0"/>
+              <a:t>информация о важности</a:t>
+            </a:r>
+          </a:p>
+          <a:p>
+            <a:pPr marL="742950" lvl="1" indent="-285750">
+              <a:buFont typeface="Arial" panose="020B0604020202020204" pitchFamily="34" charset="0"/>
+              <a:buChar char="•"/>
+            </a:pPr>
+            <a:r>
+              <a:rPr lang="ru-RU" sz="2000" dirty="0"/>
+              <a:t>…</a:t>
+            </a:r>
+          </a:p>
+          <a:p>
+            <a:pPr marL="742950" lvl="1" indent="-285750">
               <a:buFont typeface="Arial" panose="020B0604020202020204" pitchFamily="34" charset="0"/>
               <a:buChar char="•"/>
             </a:pPr>
@@ -5911,13 +6220,20 @@
     </p:spTree>
     <p:extLst>
       <p:ext uri="{BB962C8B-B14F-4D97-AF65-F5344CB8AC3E}">
-        <p14:creationId xmlns:p14="http://schemas.microsoft.com/office/powerpoint/2010/main" val="4284715473"/>
+        <p14:creationId xmlns:p14="http://schemas.microsoft.com/office/powerpoint/2010/main" val="3127280586"/>
       </p:ext>
     </p:extLst>
   </p:cSld>
   <p:clrMapOvr>
     <a:masterClrMapping/>
   </p:clrMapOvr>
+  <p:timing>
+    <p:tnLst>
+      <p:par>
+        <p:cTn id="1" dur="indefinite" restart="never" nodeType="tmRoot"/>
+      </p:par>
+    </p:tnLst>
+  </p:timing>
 </p:sld>
 </file>
 
@@ -5955,7 +6271,7 @@
           <a:p>
             <a:r>
               <a:rPr lang="ru-RU" dirty="0"/>
-              <a:t>Почему тестирование это важно?</a:t>
+              <a:t>Тест план</a:t>
             </a:r>
           </a:p>
         </p:txBody>
@@ -5965,7 +6281,7 @@
           <p:cNvPr id="3" name="TextBox 2">
             <a:extLst>
               <a:ext uri="{FF2B5EF4-FFF2-40B4-BE49-F238E27FC236}">
-                <a16:creationId xmlns:a16="http://schemas.microsoft.com/office/drawing/2014/main" id="{C84F3D5A-1232-4D39-B28F-5CC344873579}"/>
+                <a16:creationId xmlns:a16="http://schemas.microsoft.com/office/drawing/2014/main" id="{F451546F-3AF1-42AC-9B97-43746690E48C}"/>
               </a:ext>
             </a:extLst>
           </p:cNvPr>
@@ -5974,8 +6290,8 @@
         </p:nvSpPr>
         <p:spPr>
           <a:xfrm>
-            <a:off x="1806271" y="2751151"/>
-            <a:ext cx="8579457" cy="1569660"/>
+            <a:off x="838201" y="1674674"/>
+            <a:ext cx="5257800" cy="2862322"/>
           </a:xfrm>
           <a:prstGeom prst="rect">
             <a:avLst/>
@@ -5988,13 +6304,89 @@
           </a:bodyPr>
           <a:lstStyle/>
           <a:p>
+            <a:r>
+              <a:rPr lang="ru-RU" sz="2000" i="1" dirty="0"/>
+              <a:t>Что такое тест-план</a:t>
+            </a:r>
+            <a:r>
+              <a:rPr lang="ru-RU" sz="2000" dirty="0"/>
+              <a:t>?</a:t>
+            </a:r>
+          </a:p>
+          <a:p>
+            <a:endParaRPr lang="ru-RU" sz="2000" dirty="0"/>
+          </a:p>
+          <a:p>
+            <a:r>
+              <a:rPr lang="ru-RU" sz="2000" dirty="0"/>
+              <a:t>Документ описывает методы и подходы к тестированию, которые будут</a:t>
+            </a:r>
+          </a:p>
+          <a:p>
+            <a:r>
+              <a:rPr lang="ru-RU" sz="2000" dirty="0"/>
+              <a:t>использоваться для тестирования приложения.</a:t>
+            </a:r>
+          </a:p>
+          <a:p>
+            <a:endParaRPr lang="ru-RU" sz="2000" dirty="0"/>
+          </a:p>
+          <a:p>
+            <a:endParaRPr lang="ru-RU" sz="2000" dirty="0"/>
+          </a:p>
+          <a:p>
+            <a:endParaRPr lang="ru-RU" sz="2000" dirty="0"/>
+          </a:p>
+        </p:txBody>
+      </p:sp>
+      <p:sp>
+        <p:nvSpPr>
+          <p:cNvPr id="4" name="TextBox 3">
+            <a:extLst>
+              <a:ext uri="{FF2B5EF4-FFF2-40B4-BE49-F238E27FC236}">
+                <a16:creationId xmlns:a16="http://schemas.microsoft.com/office/drawing/2014/main" id="{6929821F-63F7-48F7-9706-ACF0FC7C1092}"/>
+              </a:ext>
+            </a:extLst>
+          </p:cNvPr>
+          <p:cNvSpPr txBox="1"/>
+          <p:nvPr/>
+        </p:nvSpPr>
+        <p:spPr>
+          <a:xfrm>
+            <a:off x="6822219" y="1690688"/>
+            <a:ext cx="4627659" cy="1631216"/>
+          </a:xfrm>
+          <a:prstGeom prst="rect">
+            <a:avLst/>
+          </a:prstGeom>
+          <a:noFill/>
+        </p:spPr>
+        <p:txBody>
+          <a:bodyPr wrap="square" rtlCol="0">
+            <a:spAutoFit/>
+          </a:bodyPr>
+          <a:lstStyle/>
+          <a:p>
+            <a:r>
+              <a:rPr lang="ru-RU" sz="2000" i="1" dirty="0"/>
+              <a:t>Область тестирования</a:t>
+            </a:r>
+            <a:r>
+              <a:rPr lang="ru-RU" sz="2000" dirty="0"/>
+              <a:t>:</a:t>
+            </a:r>
+          </a:p>
+          <a:p>
+            <a:endParaRPr lang="ru-RU" sz="2000" dirty="0"/>
+          </a:p>
+          <a:p>
             <a:pPr marL="285750" indent="-285750">
               <a:buFont typeface="Arial" panose="020B0604020202020204" pitchFamily="34" charset="0"/>
               <a:buChar char="•"/>
             </a:pPr>
             <a:r>
-              <a:rPr lang="ru-RU" sz="2400" dirty="0"/>
-              <a:t>Возможность доказать некорректную работу программы</a:t>
+              <a:rPr lang="ru-RU" sz="2000" dirty="0"/>
+              <a:t>Тестирование библиотеки классов</a:t>
             </a:r>
           </a:p>
           <a:p>
@@ -6003,9 +6395,47 @@
               <a:buChar char="•"/>
             </a:pPr>
             <a:r>
-              <a:rPr lang="ru-RU" sz="2400" dirty="0"/>
-              <a:t>Выявление ошибок</a:t>
-            </a:r>
+              <a:rPr lang="ru-RU" sz="2000" dirty="0"/>
+              <a:t>Тестирование реализованных в интерфейсе компонентов и функций</a:t>
+            </a:r>
+          </a:p>
+        </p:txBody>
+      </p:sp>
+      <p:sp>
+        <p:nvSpPr>
+          <p:cNvPr id="5" name="TextBox 4">
+            <a:extLst>
+              <a:ext uri="{FF2B5EF4-FFF2-40B4-BE49-F238E27FC236}">
+                <a16:creationId xmlns:a16="http://schemas.microsoft.com/office/drawing/2014/main" id="{76DB6899-86E7-4FD4-99BA-DC8AF36F213C}"/>
+              </a:ext>
+            </a:extLst>
+          </p:cNvPr>
+          <p:cNvSpPr txBox="1"/>
+          <p:nvPr/>
+        </p:nvSpPr>
+        <p:spPr>
+          <a:xfrm>
+            <a:off x="4166483" y="4198289"/>
+            <a:ext cx="4770782" cy="1631216"/>
+          </a:xfrm>
+          <a:prstGeom prst="rect">
+            <a:avLst/>
+          </a:prstGeom>
+          <a:noFill/>
+        </p:spPr>
+        <p:txBody>
+          <a:bodyPr wrap="square" rtlCol="0">
+            <a:spAutoFit/>
+          </a:bodyPr>
+          <a:lstStyle/>
+          <a:p>
+            <a:r>
+              <a:rPr lang="ru-RU" sz="2000" i="1" dirty="0"/>
+              <a:t>Типы тестирования:</a:t>
+            </a:r>
+          </a:p>
+          <a:p>
+            <a:endParaRPr lang="ru-RU" sz="2000" dirty="0"/>
           </a:p>
           <a:p>
             <a:pPr marL="285750" indent="-285750">
@@ -6013,8 +6443,8 @@
               <a:buChar char="•"/>
             </a:pPr>
             <a:r>
-              <a:rPr lang="ru-RU" sz="2400" dirty="0"/>
-              <a:t>Обеспечивает надёжность и простоту в использовании</a:t>
+              <a:rPr lang="ru-RU" sz="2000" dirty="0"/>
+              <a:t>Функциональное</a:t>
             </a:r>
           </a:p>
           <a:p>
@@ -6022,20 +6452,40 @@
               <a:buFont typeface="Arial" panose="020B0604020202020204" pitchFamily="34" charset="0"/>
               <a:buChar char="•"/>
             </a:pPr>
-            <a:endParaRPr lang="ru-RU" sz="2400" dirty="0"/>
+            <a:r>
+              <a:rPr lang="ru-RU" sz="2000" dirty="0"/>
+              <a:t>Тестирование интерфейса</a:t>
+            </a:r>
+          </a:p>
+          <a:p>
+            <a:pPr marL="285750" indent="-285750">
+              <a:buFont typeface="Arial" panose="020B0604020202020204" pitchFamily="34" charset="0"/>
+              <a:buChar char="•"/>
+            </a:pPr>
+            <a:r>
+              <a:rPr lang="ru-RU" sz="2000" dirty="0"/>
+              <a:t>Юзабилити-тестирование</a:t>
+            </a:r>
           </a:p>
         </p:txBody>
       </p:sp>
     </p:spTree>
     <p:extLst>
       <p:ext uri="{BB962C8B-B14F-4D97-AF65-F5344CB8AC3E}">
-        <p14:creationId xmlns:p14="http://schemas.microsoft.com/office/powerpoint/2010/main" val="3961446787"/>
+        <p14:creationId xmlns:p14="http://schemas.microsoft.com/office/powerpoint/2010/main" val="393638615"/>
       </p:ext>
     </p:extLst>
   </p:cSld>
   <p:clrMapOvr>
     <a:masterClrMapping/>
   </p:clrMapOvr>
+  <p:timing>
+    <p:tnLst>
+      <p:par>
+        <p:cTn id="1" dur="indefinite" restart="never" nodeType="tmRoot"/>
+      </p:par>
+    </p:tnLst>
+  </p:timing>
 </p:sld>
 </file>
 
@@ -6073,168 +6523,28 @@
           <a:p>
             <a:r>
               <a:rPr lang="ru-RU" dirty="0"/>
-              <a:t>Требования</a:t>
-            </a:r>
-          </a:p>
-        </p:txBody>
-      </p:sp>
-      <p:sp>
-        <p:nvSpPr>
-          <p:cNvPr id="3" name="TextBox 2">
-            <a:extLst>
-              <a:ext uri="{FF2B5EF4-FFF2-40B4-BE49-F238E27FC236}">
-                <a16:creationId xmlns:a16="http://schemas.microsoft.com/office/drawing/2014/main" id="{CB39F03C-FAC8-4C3F-8146-D86F293164EF}"/>
-              </a:ext>
-            </a:extLst>
-          </p:cNvPr>
-          <p:cNvSpPr txBox="1"/>
-          <p:nvPr/>
-        </p:nvSpPr>
-        <p:spPr>
-          <a:xfrm>
-            <a:off x="1826149" y="1579369"/>
-            <a:ext cx="8539701" cy="4770537"/>
-          </a:xfrm>
-          <a:prstGeom prst="rect">
-            <a:avLst/>
-          </a:prstGeom>
-          <a:noFill/>
-        </p:spPr>
-        <p:txBody>
-          <a:bodyPr wrap="square" rtlCol="0">
-            <a:spAutoFit/>
-          </a:bodyPr>
-          <a:lstStyle/>
-          <a:p>
-            <a:pPr marL="285750" indent="-285750">
-              <a:buFont typeface="Arial" panose="020B0604020202020204" pitchFamily="34" charset="0"/>
-              <a:buChar char="•"/>
-            </a:pPr>
-            <a:r>
-              <a:rPr lang="ru-RU" sz="2800" dirty="0"/>
-              <a:t>Функциональные требования</a:t>
-            </a:r>
-          </a:p>
-          <a:p>
-            <a:pPr marL="742950" lvl="1" indent="-285750">
-              <a:buFont typeface="Arial" panose="020B0604020202020204" pitchFamily="34" charset="0"/>
-              <a:buChar char="•"/>
-            </a:pPr>
-            <a:r>
-              <a:rPr lang="ru-RU" sz="2000" dirty="0"/>
-              <a:t>Timelon должен обладать функцией создания карточек задач.</a:t>
-            </a:r>
-          </a:p>
-          <a:p>
-            <a:pPr marL="742950" lvl="1" indent="-285750">
-              <a:buFont typeface="Arial" panose="020B0604020202020204" pitchFamily="34" charset="0"/>
-              <a:buChar char="•"/>
-            </a:pPr>
-            <a:r>
-              <a:rPr lang="ru-RU" sz="2000" dirty="0"/>
-              <a:t>Timelon должен хранить карточки задач.</a:t>
-            </a:r>
-          </a:p>
-          <a:p>
-            <a:pPr marL="742950" lvl="1" indent="-285750">
-              <a:buFont typeface="Arial" panose="020B0604020202020204" pitchFamily="34" charset="0"/>
-              <a:buChar char="•"/>
-            </a:pPr>
-            <a:r>
-              <a:rPr lang="ru-RU" sz="2000" dirty="0"/>
-              <a:t>Timelon должен обладать функцией создания списков для хранения нескольких карт задач.</a:t>
-            </a:r>
-          </a:p>
-          <a:p>
-            <a:pPr marL="742950" lvl="1" indent="-285750">
-              <a:buFont typeface="Arial" panose="020B0604020202020204" pitchFamily="34" charset="0"/>
-              <a:buChar char="•"/>
-            </a:pPr>
-            <a:r>
-              <a:rPr lang="ru-RU" sz="2000" dirty="0"/>
-              <a:t>…</a:t>
-            </a:r>
-            <a:endParaRPr lang="ru-RU" sz="2800" dirty="0"/>
-          </a:p>
-          <a:p>
-            <a:pPr marL="285750" indent="-285750">
-              <a:buFont typeface="Arial" panose="020B0604020202020204" pitchFamily="34" charset="0"/>
-              <a:buChar char="•"/>
-            </a:pPr>
-            <a:r>
-              <a:rPr lang="ru-RU" sz="2800" dirty="0"/>
-              <a:t>Требования к интерфейсу</a:t>
-            </a:r>
-          </a:p>
-          <a:p>
-            <a:pPr marL="742950" lvl="1" indent="-285750">
-              <a:buFont typeface="Arial" panose="020B0604020202020204" pitchFamily="34" charset="0"/>
-              <a:buChar char="•"/>
-            </a:pPr>
-            <a:r>
-              <a:rPr lang="ru-RU" sz="2000" dirty="0"/>
-              <a:t>На интерфейсе Timelon должно быть реализовано поле карточки задачи, отображающее основную информацию о задаче:</a:t>
-            </a:r>
-          </a:p>
-          <a:p>
-            <a:pPr marL="1200150" lvl="2" indent="-285750">
-              <a:buFont typeface="Arial" panose="020B0604020202020204" pitchFamily="34" charset="0"/>
-              <a:buChar char="•"/>
-            </a:pPr>
-            <a:r>
-              <a:rPr lang="ru-RU" sz="2000" dirty="0"/>
-              <a:t>статус выполнения</a:t>
-            </a:r>
-          </a:p>
-          <a:p>
-            <a:pPr marL="1200150" lvl="2" indent="-285750">
-              <a:buFont typeface="Arial" panose="020B0604020202020204" pitchFamily="34" charset="0"/>
-              <a:buChar char="•"/>
-            </a:pPr>
-            <a:r>
-              <a:rPr lang="ru-RU" sz="2000" dirty="0"/>
-              <a:t>название</a:t>
-            </a:r>
-          </a:p>
-          <a:p>
-            <a:pPr marL="1200150" lvl="2" indent="-285750">
-              <a:buFont typeface="Arial" panose="020B0604020202020204" pitchFamily="34" charset="0"/>
-              <a:buChar char="•"/>
-            </a:pPr>
-            <a:r>
-              <a:rPr lang="ru-RU" sz="2000" dirty="0"/>
-              <a:t>информация о важности</a:t>
-            </a:r>
-          </a:p>
-          <a:p>
-            <a:pPr marL="742950" lvl="1" indent="-285750">
-              <a:buFont typeface="Arial" panose="020B0604020202020204" pitchFamily="34" charset="0"/>
-              <a:buChar char="•"/>
-            </a:pPr>
-            <a:r>
-              <a:rPr lang="ru-RU" sz="2000" dirty="0"/>
-              <a:t>…</a:t>
-            </a:r>
-          </a:p>
-          <a:p>
-            <a:pPr marL="742950" lvl="1" indent="-285750">
-              <a:buFont typeface="Arial" panose="020B0604020202020204" pitchFamily="34" charset="0"/>
-              <a:buChar char="•"/>
-            </a:pPr>
-            <a:endParaRPr lang="ru-RU" sz="2800" dirty="0"/>
+              <a:t>Методы тестирования</a:t>
+            </a:r>
           </a:p>
         </p:txBody>
       </p:sp>
     </p:spTree>
     <p:extLst>
       <p:ext uri="{BB962C8B-B14F-4D97-AF65-F5344CB8AC3E}">
-        <p14:creationId xmlns:p14="http://schemas.microsoft.com/office/powerpoint/2010/main" val="3127280586"/>
+        <p14:creationId xmlns:p14="http://schemas.microsoft.com/office/powerpoint/2010/main" val="2362220205"/>
       </p:ext>
     </p:extLst>
   </p:cSld>
   <p:clrMapOvr>
     <a:masterClrMapping/>
   </p:clrMapOvr>
+  <p:timing>
+    <p:tnLst>
+      <p:par>
+        <p:cTn id="1" dur="indefinite" restart="never" nodeType="tmRoot"/>
+      </p:par>
+    </p:tnLst>
+  </p:timing>
 </p:sld>
 </file>
 
@@ -6272,200 +6582,7 @@
           <a:p>
             <a:r>
               <a:rPr lang="ru-RU" dirty="0"/>
-              <a:t>Тест план</a:t>
-            </a:r>
-          </a:p>
-        </p:txBody>
-      </p:sp>
-      <p:sp>
-        <p:nvSpPr>
-          <p:cNvPr id="3" name="TextBox 2">
-            <a:extLst>
-              <a:ext uri="{FF2B5EF4-FFF2-40B4-BE49-F238E27FC236}">
-                <a16:creationId xmlns:a16="http://schemas.microsoft.com/office/drawing/2014/main" id="{F451546F-3AF1-42AC-9B97-43746690E48C}"/>
-              </a:ext>
-            </a:extLst>
-          </p:cNvPr>
-          <p:cNvSpPr txBox="1"/>
-          <p:nvPr/>
-        </p:nvSpPr>
-        <p:spPr>
-          <a:xfrm>
-            <a:off x="838201" y="1674674"/>
-            <a:ext cx="5257800" cy="2862322"/>
-          </a:xfrm>
-          <a:prstGeom prst="rect">
-            <a:avLst/>
-          </a:prstGeom>
-          <a:noFill/>
-        </p:spPr>
-        <p:txBody>
-          <a:bodyPr wrap="square" rtlCol="0">
-            <a:spAutoFit/>
-          </a:bodyPr>
-          <a:lstStyle/>
-          <a:p>
-            <a:r>
-              <a:rPr lang="ru-RU" sz="2000" i="1" dirty="0"/>
-              <a:t>Что такое тест-план</a:t>
-            </a:r>
-            <a:r>
-              <a:rPr lang="ru-RU" sz="2000" dirty="0"/>
-              <a:t>?</a:t>
-            </a:r>
-          </a:p>
-          <a:p>
-            <a:endParaRPr lang="ru-RU" sz="2000" dirty="0"/>
-          </a:p>
-          <a:p>
-            <a:r>
-              <a:rPr lang="ru-RU" sz="2000" dirty="0"/>
-              <a:t>Документ описывает методы и подходы к тестированию, которые будут</a:t>
-            </a:r>
-          </a:p>
-          <a:p>
-            <a:r>
-              <a:rPr lang="ru-RU" sz="2000" dirty="0"/>
-              <a:t>использоваться для тестирования приложения.</a:t>
-            </a:r>
-          </a:p>
-          <a:p>
-            <a:endParaRPr lang="ru-RU" sz="2000" dirty="0"/>
-          </a:p>
-          <a:p>
-            <a:endParaRPr lang="ru-RU" sz="2000" dirty="0"/>
-          </a:p>
-          <a:p>
-            <a:endParaRPr lang="ru-RU" sz="2000" dirty="0"/>
-          </a:p>
-        </p:txBody>
-      </p:sp>
-      <p:sp>
-        <p:nvSpPr>
-          <p:cNvPr id="4" name="TextBox 3">
-            <a:extLst>
-              <a:ext uri="{FF2B5EF4-FFF2-40B4-BE49-F238E27FC236}">
-                <a16:creationId xmlns:a16="http://schemas.microsoft.com/office/drawing/2014/main" id="{6929821F-63F7-48F7-9706-ACF0FC7C1092}"/>
-              </a:ext>
-            </a:extLst>
-          </p:cNvPr>
-          <p:cNvSpPr txBox="1"/>
-          <p:nvPr/>
-        </p:nvSpPr>
-        <p:spPr>
-          <a:xfrm>
-            <a:off x="6822219" y="1690688"/>
-            <a:ext cx="4627659" cy="1631216"/>
-          </a:xfrm>
-          <a:prstGeom prst="rect">
-            <a:avLst/>
-          </a:prstGeom>
-          <a:noFill/>
-        </p:spPr>
-        <p:txBody>
-          <a:bodyPr wrap="square" rtlCol="0">
-            <a:spAutoFit/>
-          </a:bodyPr>
-          <a:lstStyle/>
-          <a:p>
-            <a:r>
-              <a:rPr lang="ru-RU" sz="2000" i="1" dirty="0"/>
-              <a:t>Область тестирования</a:t>
-            </a:r>
-            <a:r>
-              <a:rPr lang="ru-RU" sz="2000" dirty="0"/>
-              <a:t>:</a:t>
-            </a:r>
-          </a:p>
-          <a:p>
-            <a:endParaRPr lang="ru-RU" sz="2000" dirty="0"/>
-          </a:p>
-          <a:p>
-            <a:pPr marL="285750" indent="-285750">
-              <a:buFont typeface="Arial" panose="020B0604020202020204" pitchFamily="34" charset="0"/>
-              <a:buChar char="•"/>
-            </a:pPr>
-            <a:r>
-              <a:rPr lang="ru-RU" sz="2000" dirty="0"/>
-              <a:t>Тестирование библиотеки классов</a:t>
-            </a:r>
-          </a:p>
-          <a:p>
-            <a:pPr marL="285750" indent="-285750">
-              <a:buFont typeface="Arial" panose="020B0604020202020204" pitchFamily="34" charset="0"/>
-              <a:buChar char="•"/>
-            </a:pPr>
-            <a:r>
-              <a:rPr lang="ru-RU" sz="2000" dirty="0"/>
-              <a:t>Тестирование реализованных в интерфейсе компонентов и функций</a:t>
-            </a:r>
-          </a:p>
-        </p:txBody>
-      </p:sp>
-      <p:sp>
-        <p:nvSpPr>
-          <p:cNvPr id="5" name="TextBox 4">
-            <a:extLst>
-              <a:ext uri="{FF2B5EF4-FFF2-40B4-BE49-F238E27FC236}">
-                <a16:creationId xmlns:a16="http://schemas.microsoft.com/office/drawing/2014/main" id="{76DB6899-86E7-4FD4-99BA-DC8AF36F213C}"/>
-              </a:ext>
-            </a:extLst>
-          </p:cNvPr>
-          <p:cNvSpPr txBox="1"/>
-          <p:nvPr/>
-        </p:nvSpPr>
-        <p:spPr>
-          <a:xfrm>
-            <a:off x="4166483" y="4198289"/>
-            <a:ext cx="4770782" cy="1631216"/>
-          </a:xfrm>
-          <a:prstGeom prst="rect">
-            <a:avLst/>
-          </a:prstGeom>
-          <a:noFill/>
-        </p:spPr>
-        <p:txBody>
-          <a:bodyPr wrap="square" rtlCol="0">
-            <a:spAutoFit/>
-          </a:bodyPr>
-          <a:lstStyle/>
-          <a:p>
-            <a:r>
-              <a:rPr lang="ru-RU" sz="2000" i="1" dirty="0"/>
-              <a:t>Типы тестирования:</a:t>
-            </a:r>
-          </a:p>
-          <a:p>
-            <a:endParaRPr lang="ru-RU" sz="2000" dirty="0"/>
-          </a:p>
-          <a:p>
-            <a:pPr marL="285750" indent="-285750">
-              <a:buFont typeface="Arial" panose="020B0604020202020204" pitchFamily="34" charset="0"/>
-              <a:buChar char="•"/>
-            </a:pPr>
-            <a:r>
-              <a:rPr lang="ru-RU" sz="2000" dirty="0"/>
-              <a:t>Функциональное</a:t>
-            </a:r>
-          </a:p>
-          <a:p>
-            <a:pPr marL="285750" indent="-285750">
-              <a:buFont typeface="Arial" panose="020B0604020202020204" pitchFamily="34" charset="0"/>
-              <a:buChar char="•"/>
-            </a:pPr>
-            <a:r>
-              <a:rPr lang="ru-RU" sz="2000" dirty="0"/>
-              <a:t>Тестирование интерфейса</a:t>
-            </a:r>
-          </a:p>
-          <a:p>
-            <a:pPr marL="285750" indent="-285750">
-              <a:buFont typeface="Arial" panose="020B0604020202020204" pitchFamily="34" charset="0"/>
-              <a:buChar char="•"/>
-            </a:pPr>
-            <a:r>
-              <a:rPr lang="ru-RU" sz="2000" dirty="0"/>
-              <a:t>Юзабилити-тестирование</a:t>
+              <a:t>Отчет о тестировании</a:t>
             </a:r>
           </a:p>
         </p:txBody>
@@ -6473,13 +6590,20 @@
     </p:spTree>
     <p:extLst>
       <p:ext uri="{BB962C8B-B14F-4D97-AF65-F5344CB8AC3E}">
-        <p14:creationId xmlns:p14="http://schemas.microsoft.com/office/powerpoint/2010/main" val="393638615"/>
+        <p14:creationId xmlns:p14="http://schemas.microsoft.com/office/powerpoint/2010/main" val="2947701087"/>
       </p:ext>
     </p:extLst>
   </p:cSld>
   <p:clrMapOvr>
     <a:masterClrMapping/>
   </p:clrMapOvr>
+  <p:timing>
+    <p:tnLst>
+      <p:par>
+        <p:cTn id="1" dur="indefinite" restart="never" nodeType="tmRoot"/>
+      </p:par>
+    </p:tnLst>
+  </p:timing>
 </p:sld>
 </file>
 
@@ -6517,7 +6641,7 @@
           <a:p>
             <a:r>
               <a:rPr lang="ru-RU" dirty="0"/>
-              <a:t>Методы тестирования</a:t>
+              <a:t>Выводы</a:t>
             </a:r>
           </a:p>
         </p:txBody>
@@ -6525,13 +6649,20 @@
     </p:spTree>
     <p:extLst>
       <p:ext uri="{BB962C8B-B14F-4D97-AF65-F5344CB8AC3E}">
-        <p14:creationId xmlns:p14="http://schemas.microsoft.com/office/powerpoint/2010/main" val="2362220205"/>
+        <p14:creationId xmlns:p14="http://schemas.microsoft.com/office/powerpoint/2010/main" val="1903829905"/>
       </p:ext>
     </p:extLst>
   </p:cSld>
   <p:clrMapOvr>
     <a:masterClrMapping/>
   </p:clrMapOvr>
+  <p:timing>
+    <p:tnLst>
+      <p:par>
+        <p:cTn id="1" dur="indefinite" restart="never" nodeType="tmRoot"/>
+      </p:par>
+    </p:tnLst>
+  </p:timing>
 </p:sld>
 </file>
 
@@ -6569,7 +6700,7 @@
           <a:p>
             <a:r>
               <a:rPr lang="ru-RU" dirty="0"/>
-              <a:t>Отчет о тестировании</a:t>
+              <a:t>Практическая ценность</a:t>
             </a:r>
           </a:p>
         </p:txBody>
@@ -6577,13 +6708,20 @@
     </p:spTree>
     <p:extLst>
       <p:ext uri="{BB962C8B-B14F-4D97-AF65-F5344CB8AC3E}">
-        <p14:creationId xmlns:p14="http://schemas.microsoft.com/office/powerpoint/2010/main" val="2947701087"/>
+        <p14:creationId xmlns:p14="http://schemas.microsoft.com/office/powerpoint/2010/main" val="1119145762"/>
       </p:ext>
     </p:extLst>
   </p:cSld>
   <p:clrMapOvr>
     <a:masterClrMapping/>
   </p:clrMapOvr>
+  <p:timing>
+    <p:tnLst>
+      <p:par>
+        <p:cTn id="1" dur="indefinite" restart="never" nodeType="tmRoot"/>
+      </p:par>
+    </p:tnLst>
+  </p:timing>
 </p:sld>
 </file>
 
@@ -6619,23 +6757,51 @@
           <a:bodyPr/>
           <a:lstStyle/>
           <a:p>
-            <a:r>
-              <a:rPr lang="ru-RU" dirty="0"/>
-              <a:t>Выводы</a:t>
-            </a:r>
-          </a:p>
-        </p:txBody>
-      </p:sp>
+            <a:endParaRPr lang="ru-RU" dirty="0"/>
+          </a:p>
+        </p:txBody>
+      </p:sp>
+      <p:pic>
+        <p:nvPicPr>
+          <p:cNvPr id="3" name="Рисунок 2"/>
+          <p:cNvPicPr>
+            <a:picLocks noChangeAspect="1"/>
+          </p:cNvPicPr>
+          <p:nvPr/>
+        </p:nvPicPr>
+        <p:blipFill>
+          <a:blip r:embed="rId2"/>
+          <a:stretch>
+            <a:fillRect/>
+          </a:stretch>
+        </p:blipFill>
+        <p:spPr>
+          <a:xfrm>
+            <a:off x="0" y="0"/>
+            <a:ext cx="12191999" cy="6858000"/>
+          </a:xfrm>
+          <a:prstGeom prst="rect">
+            <a:avLst/>
+          </a:prstGeom>
+        </p:spPr>
+      </p:pic>
     </p:spTree>
     <p:extLst>
       <p:ext uri="{BB962C8B-B14F-4D97-AF65-F5344CB8AC3E}">
-        <p14:creationId xmlns:p14="http://schemas.microsoft.com/office/powerpoint/2010/main" val="1903829905"/>
+        <p14:creationId xmlns:p14="http://schemas.microsoft.com/office/powerpoint/2010/main" val="1719289203"/>
       </p:ext>
     </p:extLst>
   </p:cSld>
   <p:clrMapOvr>
     <a:masterClrMapping/>
   </p:clrMapOvr>
+  <p:timing>
+    <p:tnLst>
+      <p:par>
+        <p:cTn id="1" dur="indefinite" restart="never" nodeType="tmRoot"/>
+      </p:par>
+    </p:tnLst>
+  </p:timing>
 </p:sld>
 </file>
 
@@ -6752,131 +6918,13 @@
   <p:clrMapOvr>
     <a:masterClrMapping/>
   </p:clrMapOvr>
-</p:sld>
-</file>
-
-<file path=ppt/slides/slide30.xml><?xml version="1.0" encoding="utf-8"?>
-<p:sld xmlns:a="http://schemas.openxmlformats.org/drawingml/2006/main" xmlns:r="http://schemas.openxmlformats.org/officeDocument/2006/relationships" xmlns:p="http://schemas.openxmlformats.org/presentationml/2006/main">
-  <p:cSld>
-    <p:spTree>
-      <p:nvGrpSpPr>
-        <p:cNvPr id="1" name=""/>
-        <p:cNvGrpSpPr/>
-        <p:nvPr/>
-      </p:nvGrpSpPr>
-      <p:grpSpPr>
-        <a:xfrm>
-          <a:off x="0" y="0"/>
-          <a:ext cx="0" cy="0"/>
-          <a:chOff x="0" y="0"/>
-          <a:chExt cx="0" cy="0"/>
-        </a:xfrm>
-      </p:grpSpPr>
-      <p:sp>
-        <p:nvSpPr>
-          <p:cNvPr id="2" name="Заголовок 1"/>
-          <p:cNvSpPr>
-            <a:spLocks noGrp="1"/>
-          </p:cNvSpPr>
-          <p:nvPr>
-            <p:ph type="title"/>
-          </p:nvPr>
-        </p:nvSpPr>
-        <p:spPr/>
-        <p:txBody>
-          <a:bodyPr/>
-          <a:lstStyle/>
-          <a:p>
-            <a:r>
-              <a:rPr lang="ru-RU" dirty="0"/>
-              <a:t>Практическая ценность</a:t>
-            </a:r>
-          </a:p>
-        </p:txBody>
-      </p:sp>
-    </p:spTree>
-    <p:extLst>
-      <p:ext uri="{BB962C8B-B14F-4D97-AF65-F5344CB8AC3E}">
-        <p14:creationId xmlns:p14="http://schemas.microsoft.com/office/powerpoint/2010/main" val="1119145762"/>
-      </p:ext>
-    </p:extLst>
-  </p:cSld>
-  <p:clrMapOvr>
-    <a:masterClrMapping/>
-  </p:clrMapOvr>
-</p:sld>
-</file>
-
-<file path=ppt/slides/slide31.xml><?xml version="1.0" encoding="utf-8"?>
-<p:sld xmlns:a="http://schemas.openxmlformats.org/drawingml/2006/main" xmlns:r="http://schemas.openxmlformats.org/officeDocument/2006/relationships" xmlns:p="http://schemas.openxmlformats.org/presentationml/2006/main">
-  <p:cSld>
-    <p:spTree>
-      <p:nvGrpSpPr>
-        <p:cNvPr id="1" name=""/>
-        <p:cNvGrpSpPr/>
-        <p:nvPr/>
-      </p:nvGrpSpPr>
-      <p:grpSpPr>
-        <a:xfrm>
-          <a:off x="0" y="0"/>
-          <a:ext cx="0" cy="0"/>
-          <a:chOff x="0" y="0"/>
-          <a:chExt cx="0" cy="0"/>
-        </a:xfrm>
-      </p:grpSpPr>
-      <p:sp>
-        <p:nvSpPr>
-          <p:cNvPr id="2" name="Заголовок 1"/>
-          <p:cNvSpPr>
-            <a:spLocks noGrp="1"/>
-          </p:cNvSpPr>
-          <p:nvPr>
-            <p:ph type="title"/>
-          </p:nvPr>
-        </p:nvSpPr>
-        <p:spPr/>
-        <p:txBody>
-          <a:bodyPr/>
-          <a:lstStyle/>
-          <a:p>
-            <a:endParaRPr lang="ru-RU" dirty="0"/>
-          </a:p>
-        </p:txBody>
-      </p:sp>
-      <p:pic>
-        <p:nvPicPr>
-          <p:cNvPr id="3" name="Рисунок 2"/>
-          <p:cNvPicPr>
-            <a:picLocks noChangeAspect="1"/>
-          </p:cNvPicPr>
-          <p:nvPr/>
-        </p:nvPicPr>
-        <p:blipFill>
-          <a:blip r:embed="rId2"/>
-          <a:stretch>
-            <a:fillRect/>
-          </a:stretch>
-        </p:blipFill>
-        <p:spPr>
-          <a:xfrm>
-            <a:off x="0" y="0"/>
-            <a:ext cx="12191999" cy="6858000"/>
-          </a:xfrm>
-          <a:prstGeom prst="rect">
-            <a:avLst/>
-          </a:prstGeom>
-        </p:spPr>
-      </p:pic>
-    </p:spTree>
-    <p:extLst>
-      <p:ext uri="{BB962C8B-B14F-4D97-AF65-F5344CB8AC3E}">
-        <p14:creationId xmlns:p14="http://schemas.microsoft.com/office/powerpoint/2010/main" val="1719289203"/>
-      </p:ext>
-    </p:extLst>
-  </p:cSld>
-  <p:clrMapOvr>
-    <a:masterClrMapping/>
-  </p:clrMapOvr>
+  <p:timing>
+    <p:tnLst>
+      <p:par>
+        <p:cTn id="1" dur="indefinite" restart="never" nodeType="tmRoot"/>
+      </p:par>
+    </p:tnLst>
+  </p:timing>
 </p:sld>
 </file>
 
@@ -7130,6 +7178,13 @@
   <p:clrMapOvr>
     <a:masterClrMapping/>
   </p:clrMapOvr>
+  <p:timing>
+    <p:tnLst>
+      <p:par>
+        <p:cTn id="1" dur="indefinite" restart="never" nodeType="tmRoot"/>
+      </p:par>
+    </p:tnLst>
+  </p:timing>
 </p:sld>
 </file>
 
@@ -7565,6 +7620,13 @@
   <p:clrMapOvr>
     <a:masterClrMapping/>
   </p:clrMapOvr>
+  <p:timing>
+    <p:tnLst>
+      <p:par>
+        <p:cTn id="1" dur="indefinite" restart="never" nodeType="tmRoot"/>
+      </p:par>
+    </p:tnLst>
+  </p:timing>
 </p:sld>
 </file>
 
@@ -7617,6 +7679,13 @@
   <p:clrMapOvr>
     <a:masterClrMapping/>
   </p:clrMapOvr>
+  <p:timing>
+    <p:tnLst>
+      <p:par>
+        <p:cTn id="1" dur="indefinite" restart="never" nodeType="tmRoot"/>
+      </p:par>
+    </p:tnLst>
+  </p:timing>
 </p:sld>
 </file>
 
@@ -7669,6 +7738,13 @@
   <p:clrMapOvr>
     <a:masterClrMapping/>
   </p:clrMapOvr>
+  <p:timing>
+    <p:tnLst>
+      <p:par>
+        <p:cTn id="1" dur="indefinite" restart="never" nodeType="tmRoot"/>
+      </p:par>
+    </p:tnLst>
+  </p:timing>
 </p:sld>
 </file>
 
@@ -7721,6 +7797,13 @@
   <p:clrMapOvr>
     <a:masterClrMapping/>
   </p:clrMapOvr>
+  <p:timing>
+    <p:tnLst>
+      <p:par>
+        <p:cTn id="1" dur="indefinite" restart="never" nodeType="tmRoot"/>
+      </p:par>
+    </p:tnLst>
+  </p:timing>
 </p:sld>
 </file>
 
@@ -7773,6 +7856,13 @@
   <p:clrMapOvr>
     <a:masterClrMapping/>
   </p:clrMapOvr>
+  <p:timing>
+    <p:tnLst>
+      <p:par>
+        <p:cTn id="1" dur="indefinite" restart="never" nodeType="tmRoot"/>
+      </p:par>
+    </p:tnLst>
+  </p:timing>
 </p:sld>
 </file>
 

--- a/docs/Timelon.pptx
+++ b/docs/Timelon.pptx
@@ -10,30 +10,29 @@
     <p:sldId id="270" r:id="rId4"/>
     <p:sldId id="271" r:id="rId5"/>
     <p:sldId id="258" r:id="rId6"/>
-    <p:sldId id="272" r:id="rId7"/>
-    <p:sldId id="273" r:id="rId8"/>
-    <p:sldId id="274" r:id="rId9"/>
-    <p:sldId id="275" r:id="rId10"/>
-    <p:sldId id="276" r:id="rId11"/>
-    <p:sldId id="277" r:id="rId12"/>
-    <p:sldId id="280" r:id="rId13"/>
-    <p:sldId id="278" r:id="rId14"/>
-    <p:sldId id="279" r:id="rId15"/>
-    <p:sldId id="260" r:id="rId16"/>
-    <p:sldId id="261" r:id="rId17"/>
-    <p:sldId id="267" r:id="rId18"/>
-    <p:sldId id="268" r:id="rId19"/>
-    <p:sldId id="290" r:id="rId20"/>
-    <p:sldId id="263" r:id="rId21"/>
-    <p:sldId id="282" r:id="rId22"/>
-    <p:sldId id="283" r:id="rId23"/>
-    <p:sldId id="284" r:id="rId24"/>
-    <p:sldId id="285" r:id="rId25"/>
-    <p:sldId id="286" r:id="rId26"/>
-    <p:sldId id="288" r:id="rId27"/>
-    <p:sldId id="289" r:id="rId28"/>
-    <p:sldId id="264" r:id="rId29"/>
-    <p:sldId id="266" r:id="rId30"/>
+    <p:sldId id="291" r:id="rId7"/>
+    <p:sldId id="292" r:id="rId8"/>
+    <p:sldId id="293" r:id="rId9"/>
+    <p:sldId id="294" r:id="rId10"/>
+    <p:sldId id="277" r:id="rId11"/>
+    <p:sldId id="280" r:id="rId12"/>
+    <p:sldId id="278" r:id="rId13"/>
+    <p:sldId id="279" r:id="rId14"/>
+    <p:sldId id="260" r:id="rId15"/>
+    <p:sldId id="261" r:id="rId16"/>
+    <p:sldId id="267" r:id="rId17"/>
+    <p:sldId id="268" r:id="rId18"/>
+    <p:sldId id="290" r:id="rId19"/>
+    <p:sldId id="263" r:id="rId20"/>
+    <p:sldId id="282" r:id="rId21"/>
+    <p:sldId id="283" r:id="rId22"/>
+    <p:sldId id="284" r:id="rId23"/>
+    <p:sldId id="285" r:id="rId24"/>
+    <p:sldId id="286" r:id="rId25"/>
+    <p:sldId id="288" r:id="rId26"/>
+    <p:sldId id="289" r:id="rId27"/>
+    <p:sldId id="264" r:id="rId28"/>
+    <p:sldId id="266" r:id="rId29"/>
   </p:sldIdLst>
   <p:sldSz cx="12192000" cy="6858000"/>
   <p:notesSz cx="6858000" cy="9144000"/>
@@ -269,7 +268,7 @@
           <a:p>
             <a:fld id="{7A5B70E5-E401-4D0E-B486-558E280F0EF0}" type="datetimeFigureOut">
               <a:rPr lang="ru-RU" smtClean="0"/>
-              <a:t>15.12.2022</a:t>
+              <a:t>16.12.2022</a:t>
             </a:fld>
             <a:endParaRPr lang="ru-RU"/>
           </a:p>
@@ -437,7 +436,7 @@
           <a:p>
             <a:fld id="{7A5B70E5-E401-4D0E-B486-558E280F0EF0}" type="datetimeFigureOut">
               <a:rPr lang="ru-RU" smtClean="0"/>
-              <a:t>15.12.2022</a:t>
+              <a:t>16.12.2022</a:t>
             </a:fld>
             <a:endParaRPr lang="ru-RU"/>
           </a:p>
@@ -615,7 +614,7 @@
           <a:p>
             <a:fld id="{7A5B70E5-E401-4D0E-B486-558E280F0EF0}" type="datetimeFigureOut">
               <a:rPr lang="ru-RU" smtClean="0"/>
-              <a:t>15.12.2022</a:t>
+              <a:t>16.12.2022</a:t>
             </a:fld>
             <a:endParaRPr lang="ru-RU"/>
           </a:p>
@@ -783,7 +782,7 @@
           <a:p>
             <a:fld id="{7A5B70E5-E401-4D0E-B486-558E280F0EF0}" type="datetimeFigureOut">
               <a:rPr lang="ru-RU" smtClean="0"/>
-              <a:t>15.12.2022</a:t>
+              <a:t>16.12.2022</a:t>
             </a:fld>
             <a:endParaRPr lang="ru-RU"/>
           </a:p>
@@ -1028,7 +1027,7 @@
           <a:p>
             <a:fld id="{7A5B70E5-E401-4D0E-B486-558E280F0EF0}" type="datetimeFigureOut">
               <a:rPr lang="ru-RU" smtClean="0"/>
-              <a:t>15.12.2022</a:t>
+              <a:t>16.12.2022</a:t>
             </a:fld>
             <a:endParaRPr lang="ru-RU"/>
           </a:p>
@@ -1257,7 +1256,7 @@
           <a:p>
             <a:fld id="{7A5B70E5-E401-4D0E-B486-558E280F0EF0}" type="datetimeFigureOut">
               <a:rPr lang="ru-RU" smtClean="0"/>
-              <a:t>15.12.2022</a:t>
+              <a:t>16.12.2022</a:t>
             </a:fld>
             <a:endParaRPr lang="ru-RU"/>
           </a:p>
@@ -1621,7 +1620,7 @@
           <a:p>
             <a:fld id="{7A5B70E5-E401-4D0E-B486-558E280F0EF0}" type="datetimeFigureOut">
               <a:rPr lang="ru-RU" smtClean="0"/>
-              <a:t>15.12.2022</a:t>
+              <a:t>16.12.2022</a:t>
             </a:fld>
             <a:endParaRPr lang="ru-RU"/>
           </a:p>
@@ -1738,7 +1737,7 @@
           <a:p>
             <a:fld id="{7A5B70E5-E401-4D0E-B486-558E280F0EF0}" type="datetimeFigureOut">
               <a:rPr lang="ru-RU" smtClean="0"/>
-              <a:t>15.12.2022</a:t>
+              <a:t>16.12.2022</a:t>
             </a:fld>
             <a:endParaRPr lang="ru-RU"/>
           </a:p>
@@ -1833,7 +1832,7 @@
           <a:p>
             <a:fld id="{7A5B70E5-E401-4D0E-B486-558E280F0EF0}" type="datetimeFigureOut">
               <a:rPr lang="ru-RU" smtClean="0"/>
-              <a:t>15.12.2022</a:t>
+              <a:t>16.12.2022</a:t>
             </a:fld>
             <a:endParaRPr lang="ru-RU"/>
           </a:p>
@@ -2108,7 +2107,7 @@
           <a:p>
             <a:fld id="{7A5B70E5-E401-4D0E-B486-558E280F0EF0}" type="datetimeFigureOut">
               <a:rPr lang="ru-RU" smtClean="0"/>
-              <a:t>15.12.2022</a:t>
+              <a:t>16.12.2022</a:t>
             </a:fld>
             <a:endParaRPr lang="ru-RU"/>
           </a:p>
@@ -2360,7 +2359,7 @@
           <a:p>
             <a:fld id="{7A5B70E5-E401-4D0E-B486-558E280F0EF0}" type="datetimeFigureOut">
               <a:rPr lang="ru-RU" smtClean="0"/>
-              <a:t>15.12.2022</a:t>
+              <a:t>16.12.2022</a:t>
             </a:fld>
             <a:endParaRPr lang="ru-RU"/>
           </a:p>
@@ -2571,7 +2570,7 @@
           <a:p>
             <a:fld id="{7A5B70E5-E401-4D0E-B486-558E280F0EF0}" type="datetimeFigureOut">
               <a:rPr lang="ru-RU" smtClean="0"/>
-              <a:t>15.12.2022</a:t>
+              <a:t>16.12.2022</a:t>
             </a:fld>
             <a:endParaRPr lang="ru-RU"/>
           </a:p>
@@ -3076,7 +3075,124 @@
           <a:p>
             <a:r>
               <a:rPr lang="ru-RU" dirty="0"/>
-              <a:t>Подсказки</a:t>
+              <a:t>Интерфейс</a:t>
+            </a:r>
+          </a:p>
+        </p:txBody>
+      </p:sp>
+      <p:sp>
+        <p:nvSpPr>
+          <p:cNvPr id="3" name="Прямоугольник 2"/>
+          <p:cNvSpPr/>
+          <p:nvPr/>
+        </p:nvSpPr>
+        <p:spPr>
+          <a:xfrm>
+            <a:off x="838202" y="1506022"/>
+            <a:ext cx="10224245" cy="3046988"/>
+          </a:xfrm>
+          <a:prstGeom prst="rect">
+            <a:avLst/>
+          </a:prstGeom>
+        </p:spPr>
+        <p:txBody>
+          <a:bodyPr wrap="square">
+            <a:spAutoFit/>
+          </a:bodyPr>
+          <a:lstStyle/>
+          <a:p>
+            <a:r>
+              <a:rPr lang="ru-RU" sz="2400" dirty="0" smtClean="0"/>
+              <a:t>Классы, реализуемые в рамках шаблона проектирования </a:t>
+            </a:r>
+            <a:r>
+              <a:rPr lang="en-US" sz="2400" dirty="0" smtClean="0"/>
+              <a:t>MVVM</a:t>
+            </a:r>
+          </a:p>
+          <a:p>
+            <a:pPr marL="342900" indent="-342900">
+              <a:buFont typeface="Arial" panose="020B0604020202020204" pitchFamily="34" charset="0"/>
+              <a:buChar char="•"/>
+            </a:pPr>
+            <a:r>
+              <a:rPr lang="ru-RU" sz="2400" dirty="0" smtClean="0"/>
+              <a:t>Класс </a:t>
+            </a:r>
+            <a:r>
+              <a:rPr lang="en-US" sz="2400" dirty="0" err="1"/>
+              <a:t>ApplicationViewModel</a:t>
+            </a:r>
+            <a:r>
+              <a:rPr lang="en-US" sz="2400" dirty="0"/>
+              <a:t> </a:t>
+            </a:r>
+            <a:endParaRPr lang="ru-RU" sz="2400" dirty="0" smtClean="0"/>
+          </a:p>
+          <a:p>
+            <a:pPr marL="342900" indent="-342900">
+              <a:buFont typeface="Arial" panose="020B0604020202020204" pitchFamily="34" charset="0"/>
+              <a:buChar char="•"/>
+            </a:pPr>
+            <a:r>
+              <a:rPr lang="en-US" sz="2400" dirty="0" err="1" smtClean="0"/>
+              <a:t>MainWindow</a:t>
+            </a:r>
+            <a:r>
+              <a:rPr lang="ru-RU" sz="2400" dirty="0" smtClean="0"/>
+              <a:t>.</a:t>
+            </a:r>
+            <a:r>
+              <a:rPr lang="en-US" sz="2400" dirty="0" err="1" smtClean="0"/>
+              <a:t>xaml</a:t>
+            </a:r>
+            <a:r>
+              <a:rPr lang="ru-RU" sz="2400" dirty="0" smtClean="0"/>
+              <a:t> и </a:t>
+            </a:r>
+            <a:r>
+              <a:rPr lang="en-US" sz="2400" dirty="0" err="1" smtClean="0"/>
+              <a:t>MainWindow.xaml.cs</a:t>
+            </a:r>
+            <a:endParaRPr lang="ru-RU" sz="2400" dirty="0"/>
+          </a:p>
+          <a:p>
+            <a:pPr marL="342900" indent="-342900">
+              <a:buFont typeface="Arial" panose="020B0604020202020204" pitchFamily="34" charset="0"/>
+              <a:buChar char="•"/>
+            </a:pPr>
+            <a:r>
+              <a:rPr lang="ru-RU" sz="2400" dirty="0" smtClean="0"/>
+              <a:t>Класс </a:t>
+            </a:r>
+            <a:r>
+              <a:rPr lang="en-US" sz="2400" dirty="0" err="1" smtClean="0"/>
+              <a:t>RelayCommand</a:t>
+            </a:r>
+            <a:endParaRPr lang="ru-RU" sz="2400" dirty="0" smtClean="0"/>
+          </a:p>
+          <a:p>
+            <a:r>
+              <a:rPr lang="ru-RU" sz="2400" dirty="0" smtClean="0"/>
+              <a:t>Для взаимодействия пользователя и приложения в MVVM используются команды и события. </a:t>
+            </a:r>
+          </a:p>
+          <a:p>
+            <a:r>
+              <a:rPr lang="ru-RU" sz="2400" dirty="0" smtClean="0"/>
+              <a:t>Команды обеспечивают слой абстракции – класс </a:t>
+            </a:r>
+            <a:r>
+              <a:rPr lang="en-US" sz="2400" dirty="0" err="1" smtClean="0"/>
+              <a:t>RelayCommand</a:t>
+            </a:r>
+            <a:r>
+              <a:rPr lang="en-US" sz="2400" dirty="0" smtClean="0"/>
+              <a:t>,</a:t>
+            </a:r>
+            <a:r>
+              <a:rPr lang="ru-RU" sz="2400" dirty="0" smtClean="0"/>
+              <a:t> между семантикой элементов управления и логикой библиотеки классов.</a:t>
             </a:r>
           </a:p>
         </p:txBody>
@@ -3084,7 +3200,7 @@
     </p:spTree>
     <p:extLst>
       <p:ext uri="{BB962C8B-B14F-4D97-AF65-F5344CB8AC3E}">
-        <p14:creationId xmlns:p14="http://schemas.microsoft.com/office/powerpoint/2010/main" val="2686018467"/>
+        <p14:creationId xmlns:p14="http://schemas.microsoft.com/office/powerpoint/2010/main" val="462159840"/>
       </p:ext>
     </p:extLst>
   </p:cSld>
@@ -3135,125 +3251,73 @@
           <a:p>
             <a:r>
               <a:rPr lang="ru-RU" dirty="0"/>
-              <a:t>Интерфейс</a:t>
-            </a:r>
-          </a:p>
-        </p:txBody>
-      </p:sp>
-      <p:sp>
-        <p:nvSpPr>
-          <p:cNvPr id="3" name="Прямоугольник 2"/>
-          <p:cNvSpPr/>
+              <a:t>Шаблон проектирования </a:t>
+            </a:r>
+            <a:r>
+              <a:rPr lang="en-US" dirty="0"/>
+              <a:t>MVVM</a:t>
+            </a:r>
+            <a:endParaRPr lang="ru-RU" dirty="0"/>
+          </a:p>
+        </p:txBody>
+      </p:sp>
+      <p:pic>
+        <p:nvPicPr>
+          <p:cNvPr id="3" name="Рисунок 2"/>
+          <p:cNvPicPr>
+            <a:picLocks noChangeAspect="1"/>
+          </p:cNvPicPr>
           <p:nvPr/>
-        </p:nvSpPr>
+        </p:nvPicPr>
+        <p:blipFill>
+          <a:blip r:embed="rId2"/>
+          <a:stretch>
+            <a:fillRect/>
+          </a:stretch>
+        </p:blipFill>
         <p:spPr>
           <a:xfrm>
-            <a:off x="838202" y="1506022"/>
-            <a:ext cx="10224245" cy="3046988"/>
+            <a:off x="1968613" y="2526932"/>
+            <a:ext cx="7819821" cy="4227591"/>
           </a:xfrm>
           <a:prstGeom prst="rect">
             <a:avLst/>
           </a:prstGeom>
         </p:spPr>
+      </p:pic>
+      <p:sp>
+        <p:nvSpPr>
+          <p:cNvPr id="4" name="Прямоугольник 3"/>
+          <p:cNvSpPr/>
+          <p:nvPr/>
+        </p:nvSpPr>
+        <p:spPr>
+          <a:xfrm>
+            <a:off x="838200" y="1690688"/>
+            <a:ext cx="9568544" cy="1015663"/>
+          </a:xfrm>
+          <a:prstGeom prst="rect">
+            <a:avLst/>
+          </a:prstGeom>
+        </p:spPr>
         <p:txBody>
           <a:bodyPr wrap="square">
             <a:spAutoFit/>
           </a:bodyPr>
           <a:lstStyle/>
           <a:p>
-            <a:r>
-              <a:rPr lang="ru-RU" sz="2400" dirty="0" smtClean="0"/>
-              <a:t>Классы, реализуемые в рамках шаблона проектирования </a:t>
-            </a:r>
-            <a:r>
-              <a:rPr lang="en-US" sz="2400" dirty="0" smtClean="0"/>
-              <a:t>MVVM</a:t>
-            </a:r>
-            <a:endParaRPr lang="en-US" sz="2400" dirty="0" smtClean="0"/>
-          </a:p>
-          <a:p>
-            <a:pPr marL="342900" indent="-342900">
-              <a:buFont typeface="Arial" panose="020B0604020202020204" pitchFamily="34" charset="0"/>
-              <a:buChar char="•"/>
-            </a:pPr>
-            <a:r>
-              <a:rPr lang="ru-RU" sz="2400" dirty="0" smtClean="0"/>
-              <a:t>Класс </a:t>
-            </a:r>
-            <a:r>
-              <a:rPr lang="en-US" sz="2400" dirty="0" err="1"/>
-              <a:t>ApplicationViewModel</a:t>
-            </a:r>
-            <a:r>
-              <a:rPr lang="en-US" sz="2400" dirty="0"/>
-              <a:t> </a:t>
-            </a:r>
-            <a:endParaRPr lang="ru-RU" sz="2400" dirty="0" smtClean="0"/>
-          </a:p>
-          <a:p>
-            <a:pPr marL="342900" indent="-342900">
-              <a:buFont typeface="Arial" panose="020B0604020202020204" pitchFamily="34" charset="0"/>
-              <a:buChar char="•"/>
-            </a:pPr>
-            <a:r>
-              <a:rPr lang="en-US" sz="2400" dirty="0" err="1" smtClean="0"/>
-              <a:t>MainWindow</a:t>
-            </a:r>
-            <a:r>
-              <a:rPr lang="ru-RU" sz="2400" dirty="0" smtClean="0"/>
-              <a:t>.</a:t>
-            </a:r>
-            <a:r>
-              <a:rPr lang="en-US" sz="2400" dirty="0" err="1" smtClean="0"/>
-              <a:t>xaml</a:t>
-            </a:r>
-            <a:r>
-              <a:rPr lang="ru-RU" sz="2400" dirty="0" smtClean="0"/>
-              <a:t> и </a:t>
-            </a:r>
-            <a:r>
-              <a:rPr lang="en-US" sz="2400" dirty="0" err="1" smtClean="0"/>
-              <a:t>MainWindow.xaml.cs</a:t>
-            </a:r>
-            <a:endParaRPr lang="ru-RU" sz="2400" dirty="0"/>
-          </a:p>
-          <a:p>
-            <a:pPr marL="342900" indent="-342900">
-              <a:buFont typeface="Arial" panose="020B0604020202020204" pitchFamily="34" charset="0"/>
-              <a:buChar char="•"/>
-            </a:pPr>
-            <a:r>
-              <a:rPr lang="ru-RU" sz="2400" dirty="0" smtClean="0"/>
-              <a:t>Класс </a:t>
-            </a:r>
-            <a:r>
-              <a:rPr lang="en-US" sz="2400" dirty="0" err="1" smtClean="0"/>
-              <a:t>RelayCommand</a:t>
-            </a:r>
-            <a:endParaRPr lang="ru-RU" sz="2400" dirty="0" smtClean="0"/>
-          </a:p>
-          <a:p>
-            <a:r>
-              <a:rPr lang="ru-RU" sz="2400" dirty="0" smtClean="0"/>
-              <a:t>Для взаимодействия пользователя и приложения в MVVM используются команды и события. </a:t>
-            </a:r>
-          </a:p>
-          <a:p>
-            <a:r>
-              <a:rPr lang="ru-RU" sz="2400" dirty="0" smtClean="0"/>
-              <a:t>Команды обеспечивают слой абстракции – класс </a:t>
-            </a:r>
-            <a:r>
-              <a:rPr lang="en-US" sz="2400" dirty="0" err="1" smtClean="0"/>
-              <a:t>RelayCommand</a:t>
-            </a:r>
-            <a:r>
-              <a:rPr lang="en-US" sz="2400" dirty="0" smtClean="0"/>
-              <a:t>,</a:t>
-            </a:r>
-            <a:r>
-              <a:rPr lang="ru-RU" sz="2400" dirty="0" smtClean="0"/>
-              <a:t> между семантикой элементов управления и логикой библиотеки классов.</a:t>
+            <a:pPr algn="just"/>
+            <a:r>
+              <a:rPr lang="ru-RU" sz="2000" dirty="0"/>
+              <a:t>Паттерн MVVM (</a:t>
+            </a:r>
+            <a:r>
+              <a:rPr lang="ru-RU" sz="2000" dirty="0" err="1"/>
+              <a:t>Model-View-ViewModel</a:t>
+            </a:r>
+            <a:r>
+              <a:rPr lang="ru-RU" sz="2000" dirty="0"/>
+              <a:t>) позволяет отделить логику приложения от визуальной части (представления). Данный паттерн является архитектурным, то есть он задает общую архитектуру приложения.</a:t>
             </a:r>
           </a:p>
         </p:txBody>
@@ -3261,7 +3325,7 @@
     </p:spTree>
     <p:extLst>
       <p:ext uri="{BB962C8B-B14F-4D97-AF65-F5344CB8AC3E}">
-        <p14:creationId xmlns:p14="http://schemas.microsoft.com/office/powerpoint/2010/main" val="462159840"/>
+        <p14:creationId xmlns:p14="http://schemas.microsoft.com/office/powerpoint/2010/main" val="473855677"/>
       </p:ext>
     </p:extLst>
   </p:cSld>
@@ -3311,56 +3375,44 @@
           <a:lstStyle/>
           <a:p>
             <a:r>
-              <a:rPr lang="ru-RU" dirty="0"/>
-              <a:t>Шаблон проектирования </a:t>
-            </a:r>
-            <a:r>
-              <a:rPr lang="en-US" dirty="0"/>
-              <a:t>MVVM</a:t>
+              <a:rPr lang="ru-RU" dirty="0" smtClean="0"/>
+              <a:t>Технология </a:t>
+            </a:r>
+            <a:r>
+              <a:rPr lang="en-US" dirty="0" smtClean="0"/>
+              <a:t>WPF </a:t>
+            </a:r>
+            <a:r>
+              <a:rPr lang="ru-RU" dirty="0"/>
+              <a:t>и </a:t>
+            </a:r>
+            <a:r>
+              <a:rPr lang="ru-RU" dirty="0" smtClean="0"/>
+              <a:t>язык </a:t>
+            </a:r>
+            <a:r>
+              <a:rPr lang="en-US" dirty="0" smtClean="0"/>
+              <a:t>XAML</a:t>
             </a:r>
             <a:endParaRPr lang="ru-RU" dirty="0"/>
           </a:p>
         </p:txBody>
       </p:sp>
-      <p:pic>
-        <p:nvPicPr>
-          <p:cNvPr id="3" name="Рисунок 2"/>
-          <p:cNvPicPr>
-            <a:picLocks noChangeAspect="1"/>
-          </p:cNvPicPr>
+      <p:sp>
+        <p:nvSpPr>
+          <p:cNvPr id="3" name="Прямоугольник 2"/>
+          <p:cNvSpPr/>
           <p:nvPr/>
-        </p:nvPicPr>
-        <p:blipFill>
-          <a:blip r:embed="rId2"/>
-          <a:stretch>
-            <a:fillRect/>
-          </a:stretch>
-        </p:blipFill>
+        </p:nvSpPr>
         <p:spPr>
           <a:xfrm>
-            <a:off x="1968613" y="2526932"/>
-            <a:ext cx="7819821" cy="4227591"/>
+            <a:off x="838200" y="1471643"/>
+            <a:ext cx="10343606" cy="4524315"/>
           </a:xfrm>
           <a:prstGeom prst="rect">
             <a:avLst/>
           </a:prstGeom>
         </p:spPr>
-      </p:pic>
-      <p:sp>
-        <p:nvSpPr>
-          <p:cNvPr id="4" name="Прямоугольник 3"/>
-          <p:cNvSpPr/>
-          <p:nvPr/>
-        </p:nvSpPr>
-        <p:spPr>
-          <a:xfrm>
-            <a:off x="838200" y="1690688"/>
-            <a:ext cx="9568544" cy="1015663"/>
-          </a:xfrm>
-          <a:prstGeom prst="rect">
-            <a:avLst/>
-          </a:prstGeom>
-        </p:spPr>
         <p:txBody>
           <a:bodyPr wrap="square">
             <a:spAutoFit/>
@@ -3369,24 +3421,306 @@
           <a:p>
             <a:pPr algn="just"/>
             <a:r>
-              <a:rPr lang="ru-RU" sz="2000" dirty="0"/>
-              <a:t>Паттерн MVVM (</a:t>
-            </a:r>
-            <a:r>
-              <a:rPr lang="ru-RU" sz="2000" dirty="0" err="1"/>
-              <a:t>Model-View-ViewModel</a:t>
-            </a:r>
-            <a:r>
-              <a:rPr lang="ru-RU" sz="2000" dirty="0"/>
-              <a:t>) позволяет отделить логику приложения от визуальной части (представления). Данный паттерн является архитектурным, то есть он задает общую архитектуру приложения.</a:t>
-            </a:r>
+              <a:rPr lang="ru-RU" dirty="0"/>
+              <a:t>WPF </a:t>
+            </a:r>
+            <a:r>
+              <a:rPr lang="ru-RU" dirty="0" smtClean="0"/>
+              <a:t>(</a:t>
+            </a:r>
+            <a:r>
+              <a:rPr lang="ru-RU" dirty="0" err="1"/>
+              <a:t>Windows</a:t>
+            </a:r>
+            <a:r>
+              <a:rPr lang="ru-RU" dirty="0"/>
+              <a:t> </a:t>
+            </a:r>
+            <a:r>
+              <a:rPr lang="ru-RU" dirty="0" err="1"/>
+              <a:t>Presentation</a:t>
+            </a:r>
+            <a:r>
+              <a:rPr lang="ru-RU" dirty="0"/>
+              <a:t> </a:t>
+            </a:r>
+            <a:r>
+              <a:rPr lang="ru-RU" dirty="0" err="1" smtClean="0"/>
+              <a:t>Foundation</a:t>
+            </a:r>
+            <a:r>
+              <a:rPr lang="ru-RU" dirty="0" smtClean="0"/>
+              <a:t>) </a:t>
+            </a:r>
+            <a:r>
+              <a:rPr lang="ru-RU" dirty="0"/>
+              <a:t>— аналог </a:t>
+            </a:r>
+            <a:r>
+              <a:rPr lang="ru-RU" dirty="0" err="1"/>
+              <a:t>WinForms</a:t>
+            </a:r>
+            <a:r>
+              <a:rPr lang="ru-RU" dirty="0"/>
+              <a:t>, система для построения </a:t>
+            </a:r>
+            <a:r>
+              <a:rPr lang="ru-RU" dirty="0" smtClean="0"/>
+              <a:t>приложений </a:t>
+            </a:r>
+            <a:r>
+              <a:rPr lang="ru-RU" dirty="0" err="1"/>
+              <a:t>Windows</a:t>
+            </a:r>
+            <a:r>
+              <a:rPr lang="ru-RU" dirty="0"/>
+              <a:t> с визуально </a:t>
+            </a:r>
+            <a:r>
+              <a:rPr lang="ru-RU" dirty="0" smtClean="0"/>
+              <a:t>привлекательными </a:t>
+            </a:r>
+            <a:r>
+              <a:rPr lang="ru-RU" dirty="0"/>
+              <a:t>возможностями взаимодействия с </a:t>
+            </a:r>
+            <a:r>
+              <a:rPr lang="ru-RU" dirty="0" smtClean="0"/>
+              <a:t>пользователем</a:t>
+            </a:r>
+            <a:r>
+              <a:rPr lang="en-US" dirty="0" smtClean="0"/>
+              <a:t>.</a:t>
+            </a:r>
+            <a:r>
+              <a:rPr lang="ru-RU" dirty="0" smtClean="0"/>
+              <a:t> Использует </a:t>
+            </a:r>
+            <a:r>
+              <a:rPr lang="ru-RU" dirty="0"/>
+              <a:t>язык </a:t>
+            </a:r>
+            <a:r>
+              <a:rPr lang="ru-RU" dirty="0" smtClean="0"/>
+              <a:t>разметки XAML.</a:t>
+            </a:r>
+            <a:endParaRPr lang="ru-RU" dirty="0"/>
+          </a:p>
+          <a:p>
+            <a:pPr algn="just"/>
+            <a:r>
+              <a:rPr lang="ru-RU" dirty="0" smtClean="0"/>
+              <a:t>Преимущества использования технологии </a:t>
+            </a:r>
+            <a:r>
+              <a:rPr lang="ru-RU" dirty="0" err="1"/>
+              <a:t>Windows</a:t>
+            </a:r>
+            <a:r>
+              <a:rPr lang="ru-RU" dirty="0"/>
+              <a:t> </a:t>
+            </a:r>
+            <a:r>
+              <a:rPr lang="ru-RU" dirty="0" err="1"/>
+              <a:t>Presentation</a:t>
+            </a:r>
+            <a:r>
+              <a:rPr lang="ru-RU" dirty="0"/>
+              <a:t> </a:t>
+            </a:r>
+            <a:r>
+              <a:rPr lang="ru-RU" dirty="0" err="1" smtClean="0"/>
+              <a:t>Foundation</a:t>
+            </a:r>
+            <a:r>
+              <a:rPr lang="ru-RU" dirty="0" smtClean="0"/>
+              <a:t>:</a:t>
+            </a:r>
+            <a:endParaRPr lang="ru-RU" dirty="0"/>
+          </a:p>
+          <a:p>
+            <a:pPr marL="285750" indent="-285750" algn="just">
+              <a:buFont typeface="Arial" panose="020B0604020202020204" pitchFamily="34" charset="0"/>
+              <a:buChar char="•"/>
+            </a:pPr>
+            <a:r>
+              <a:rPr lang="ru-RU" dirty="0" smtClean="0"/>
+              <a:t>Гибкая </a:t>
+            </a:r>
+            <a:r>
+              <a:rPr lang="ru-RU" dirty="0"/>
+              <a:t>настройка визуального и функционального представления элементов управления</a:t>
+            </a:r>
+          </a:p>
+          <a:p>
+            <a:pPr marL="285750" indent="-285750" algn="just">
+              <a:buFont typeface="Arial" panose="020B0604020202020204" pitchFamily="34" charset="0"/>
+              <a:buChar char="•"/>
+            </a:pPr>
+            <a:r>
+              <a:rPr lang="ru-RU" dirty="0" smtClean="0"/>
+              <a:t>Более </a:t>
+            </a:r>
+            <a:r>
+              <a:rPr lang="ru-RU" dirty="0"/>
+              <a:t>прозрачная разработка, что позволяет работать в команде и поддерживать проект на протяжении долгого времени</a:t>
+            </a:r>
+          </a:p>
+          <a:p>
+            <a:pPr marL="285750" indent="-285750" algn="just">
+              <a:buFont typeface="Arial" panose="020B0604020202020204" pitchFamily="34" charset="0"/>
+              <a:buChar char="•"/>
+            </a:pPr>
+            <a:r>
+              <a:rPr lang="ru-RU" dirty="0" smtClean="0"/>
+              <a:t>Возможность </a:t>
+            </a:r>
+            <a:r>
+              <a:rPr lang="ru-RU" dirty="0"/>
+              <a:t>изучить новые технологии и методы разработки </a:t>
+            </a:r>
+            <a:r>
+              <a:rPr lang="ru-RU" dirty="0" smtClean="0"/>
+              <a:t>интерфейса</a:t>
+            </a:r>
+          </a:p>
+          <a:p>
+            <a:pPr algn="just"/>
+            <a:endParaRPr lang="ru-RU" dirty="0" smtClean="0"/>
+          </a:p>
+          <a:p>
+            <a:pPr algn="just"/>
+            <a:r>
+              <a:rPr lang="ru-RU" dirty="0" smtClean="0"/>
+              <a:t>XAML </a:t>
+            </a:r>
+            <a:r>
+              <a:rPr lang="ru-RU" dirty="0"/>
+              <a:t>(</a:t>
+            </a:r>
+            <a:r>
+              <a:rPr lang="ru-RU" dirty="0" err="1"/>
+              <a:t>eXtensible</a:t>
+            </a:r>
+            <a:r>
+              <a:rPr lang="ru-RU" dirty="0"/>
+              <a:t> </a:t>
+            </a:r>
+            <a:r>
+              <a:rPr lang="ru-RU" dirty="0" err="1"/>
+              <a:t>Application</a:t>
+            </a:r>
+            <a:r>
+              <a:rPr lang="ru-RU" dirty="0"/>
+              <a:t> </a:t>
+            </a:r>
+            <a:r>
+              <a:rPr lang="ru-RU" dirty="0" err="1"/>
+              <a:t>Markup</a:t>
+            </a:r>
+            <a:r>
+              <a:rPr lang="ru-RU" dirty="0"/>
+              <a:t> </a:t>
+            </a:r>
+            <a:r>
+              <a:rPr lang="ru-RU" dirty="0" err="1"/>
+              <a:t>Language</a:t>
+            </a:r>
+            <a:r>
+              <a:rPr lang="ru-RU" dirty="0"/>
+              <a:t>) - язык разметки, используемый для инициализации объектов в технологиях на платформе .NET. Применительно к WPF </a:t>
+            </a:r>
+            <a:r>
+              <a:rPr lang="ru-RU" dirty="0" smtClean="0"/>
+              <a:t>данный </a:t>
+            </a:r>
+            <a:r>
+              <a:rPr lang="ru-RU" dirty="0"/>
+              <a:t>язык используется прежде всего для создания пользовательского интерфейса декларативным </a:t>
+            </a:r>
+            <a:r>
+              <a:rPr lang="ru-RU" dirty="0" smtClean="0"/>
+              <a:t>путем</a:t>
+            </a:r>
+            <a:r>
+              <a:rPr lang="en-US" dirty="0"/>
+              <a:t>.</a:t>
+            </a:r>
+            <a:endParaRPr lang="ru-RU" dirty="0" smtClean="0"/>
+          </a:p>
+          <a:p>
+            <a:pPr algn="just"/>
+            <a:r>
+              <a:rPr lang="ru-RU" dirty="0" smtClean="0"/>
+              <a:t>Преимущества языка </a:t>
+            </a:r>
+            <a:r>
+              <a:rPr lang="en-US" dirty="0" smtClean="0"/>
+              <a:t>XAML</a:t>
+            </a:r>
+            <a:r>
+              <a:rPr lang="ru-RU" dirty="0" smtClean="0"/>
+              <a:t>: </a:t>
+            </a:r>
+          </a:p>
+          <a:p>
+            <a:pPr marL="285750" indent="-285750" algn="just">
+              <a:buFont typeface="Arial" panose="020B0604020202020204" pitchFamily="34" charset="0"/>
+              <a:buChar char="•"/>
+            </a:pPr>
+            <a:r>
+              <a:rPr lang="ru-RU" dirty="0" smtClean="0"/>
+              <a:t>Возможность </a:t>
+            </a:r>
+            <a:r>
+              <a:rPr lang="ru-RU" dirty="0"/>
+              <a:t>отделить графический интерфейс от логики </a:t>
+            </a:r>
+            <a:r>
+              <a:rPr lang="ru-RU" dirty="0" smtClean="0"/>
+              <a:t>приложения</a:t>
+            </a:r>
+            <a:endParaRPr lang="ru-RU" dirty="0"/>
+          </a:p>
+          <a:p>
+            <a:pPr marL="285750" indent="-285750" algn="just">
+              <a:buFont typeface="Arial" panose="020B0604020202020204" pitchFamily="34" charset="0"/>
+              <a:buChar char="•"/>
+            </a:pPr>
+            <a:r>
+              <a:rPr lang="ru-RU" dirty="0" smtClean="0"/>
+              <a:t>Компактность</a:t>
+            </a:r>
+            <a:r>
+              <a:rPr lang="ru-RU" dirty="0"/>
+              <a:t>, </a:t>
+            </a:r>
+            <a:r>
+              <a:rPr lang="ru-RU" dirty="0" smtClean="0"/>
+              <a:t>понятность </a:t>
+            </a:r>
+          </a:p>
+          <a:p>
+            <a:pPr marL="285750" indent="-285750" algn="just">
+              <a:buFont typeface="Arial" panose="020B0604020202020204" pitchFamily="34" charset="0"/>
+              <a:buChar char="•"/>
+            </a:pPr>
+            <a:r>
+              <a:rPr lang="ru-RU" dirty="0" smtClean="0"/>
+              <a:t>Код </a:t>
+            </a:r>
+            <a:r>
+              <a:rPr lang="ru-RU" dirty="0"/>
+              <a:t>на XAML относительно легко поддерживать.</a:t>
+            </a:r>
+            <a:endParaRPr lang="ru-RU" dirty="0" smtClean="0"/>
           </a:p>
         </p:txBody>
       </p:sp>
     </p:spTree>
     <p:extLst>
       <p:ext uri="{BB962C8B-B14F-4D97-AF65-F5344CB8AC3E}">
-        <p14:creationId xmlns:p14="http://schemas.microsoft.com/office/powerpoint/2010/main" val="473855677"/>
+        <p14:creationId xmlns:p14="http://schemas.microsoft.com/office/powerpoint/2010/main" val="2721991918"/>
       </p:ext>
     </p:extLst>
   </p:cSld>
@@ -3436,26 +3770,9 @@
           <a:lstStyle/>
           <a:p>
             <a:r>
-              <a:rPr lang="ru-RU" dirty="0" smtClean="0"/>
-              <a:t>Технология </a:t>
-            </a:r>
-            <a:r>
-              <a:rPr lang="en-US" dirty="0" smtClean="0"/>
-              <a:t>WPF </a:t>
-            </a:r>
-            <a:r>
-              <a:rPr lang="ru-RU" dirty="0"/>
-              <a:t>и </a:t>
-            </a:r>
-            <a:r>
-              <a:rPr lang="ru-RU" dirty="0" smtClean="0"/>
-              <a:t>язык </a:t>
-            </a:r>
-            <a:r>
-              <a:rPr lang="en-US" dirty="0" smtClean="0"/>
-              <a:t>XAML</a:t>
-            </a:r>
-            <a:endParaRPr lang="ru-RU" dirty="0"/>
+              <a:rPr lang="ru-RU" dirty="0"/>
+              <a:t>Стили</a:t>
+            </a:r>
           </a:p>
         </p:txBody>
       </p:sp>
@@ -3467,8 +3784,8 @@
         </p:nvSpPr>
         <p:spPr>
           <a:xfrm>
-            <a:off x="838200" y="1471643"/>
-            <a:ext cx="10343606" cy="4524315"/>
+            <a:off x="838200" y="1385064"/>
+            <a:ext cx="9370423" cy="3785652"/>
           </a:xfrm>
           <a:prstGeom prst="rect">
             <a:avLst/>
@@ -3482,318 +3799,52 @@
           <a:p>
             <a:pPr algn="just"/>
             <a:r>
-              <a:rPr lang="ru-RU" dirty="0"/>
+              <a:rPr lang="ru-RU" sz="2000" dirty="0"/>
+              <a:t>Стилизация и использование шаблонов </a:t>
+            </a:r>
+            <a:r>
+              <a:rPr lang="ru-RU" sz="2000" dirty="0" smtClean="0"/>
               <a:t>WPF </a:t>
             </a:r>
             <a:r>
-              <a:rPr lang="ru-RU" dirty="0" smtClean="0"/>
-              <a:t>(</a:t>
-            </a:r>
-            <a:r>
-              <a:rPr lang="ru-RU" dirty="0" err="1"/>
-              <a:t>Windows</a:t>
-            </a:r>
-            <a:r>
-              <a:rPr lang="ru-RU" dirty="0"/>
+              <a:rPr lang="ru-RU" sz="2000" dirty="0"/>
+              <a:t>относятся к набору возможностей, которые позволяют разработчикам и дизайнерам создавать визуально привлекательные эффекты и согласованный внешний вид своих продуктов. При настройке внешнего вида приложения необходима строгая модель стилизации и шаблонов, обеспечивающая обслуживание и совместное использование внешнего вида в приложениях и между ними. WPF предоставляет такую модель.</a:t>
+            </a:r>
+          </a:p>
+          <a:p>
+            <a:pPr algn="just"/>
+            <a:endParaRPr lang="ru-RU" sz="2000" dirty="0"/>
+          </a:p>
+          <a:p>
+            <a:pPr algn="just"/>
+            <a:r>
+              <a:rPr lang="ru-RU" sz="2000" dirty="0"/>
+              <a:t>Еще одной возможностью модели стилизации WPF является разделение представления и логики. Дизайнеры могут создавать внешний вид приложения только с помощью XAML в то же самое время, когда разработчики работают над логикой программы, используя языки C# или </a:t>
+            </a:r>
+            <a:r>
+              <a:rPr lang="ru-RU" sz="2000" dirty="0" err="1"/>
+              <a:t>Visual</a:t>
+            </a:r>
+            <a:r>
+              <a:rPr lang="ru-RU" sz="2000" dirty="0"/>
               <a:t> </a:t>
             </a:r>
             <a:r>
-              <a:rPr lang="ru-RU" dirty="0" err="1"/>
-              <a:t>Presentation</a:t>
-            </a:r>
-            <a:r>
-              <a:rPr lang="ru-RU" dirty="0"/>
-              <a:t> </a:t>
-            </a:r>
-            <a:r>
-              <a:rPr lang="ru-RU" dirty="0" err="1" smtClean="0"/>
-              <a:t>Foundation</a:t>
-            </a:r>
-            <a:r>
-              <a:rPr lang="ru-RU" dirty="0" smtClean="0"/>
-              <a:t>) </a:t>
-            </a:r>
-            <a:r>
-              <a:rPr lang="ru-RU" dirty="0"/>
-              <a:t>— аналог </a:t>
-            </a:r>
-            <a:r>
-              <a:rPr lang="ru-RU" dirty="0" err="1"/>
-              <a:t>WinForms</a:t>
-            </a:r>
-            <a:r>
-              <a:rPr lang="ru-RU" dirty="0"/>
-              <a:t>, система для построения </a:t>
-            </a:r>
-            <a:r>
-              <a:rPr lang="ru-RU" dirty="0" smtClean="0"/>
-              <a:t>приложений </a:t>
-            </a:r>
-            <a:r>
-              <a:rPr lang="ru-RU" dirty="0" err="1"/>
-              <a:t>Windows</a:t>
-            </a:r>
-            <a:r>
-              <a:rPr lang="ru-RU" dirty="0"/>
-              <a:t> с визуально </a:t>
-            </a:r>
-            <a:r>
-              <a:rPr lang="ru-RU" dirty="0" smtClean="0"/>
-              <a:t>привлекательными </a:t>
-            </a:r>
-            <a:r>
-              <a:rPr lang="ru-RU" dirty="0"/>
-              <a:t>возможностями взаимодействия с </a:t>
-            </a:r>
-            <a:r>
-              <a:rPr lang="ru-RU" dirty="0" smtClean="0"/>
-              <a:t>пользователем</a:t>
-            </a:r>
-            <a:r>
-              <a:rPr lang="en-US" dirty="0" smtClean="0"/>
-              <a:t>.</a:t>
-            </a:r>
-            <a:r>
-              <a:rPr lang="ru-RU" dirty="0" smtClean="0"/>
-              <a:t> Использует </a:t>
-            </a:r>
-            <a:r>
-              <a:rPr lang="ru-RU" dirty="0"/>
-              <a:t>язык </a:t>
-            </a:r>
-            <a:r>
-              <a:rPr lang="ru-RU" dirty="0" smtClean="0"/>
-              <a:t>разметки XAML</a:t>
-            </a:r>
-            <a:r>
-              <a:rPr lang="ru-RU" dirty="0" smtClean="0"/>
-              <a:t>.</a:t>
-            </a:r>
-            <a:endParaRPr lang="ru-RU" dirty="0"/>
-          </a:p>
-          <a:p>
-            <a:pPr algn="just"/>
-            <a:r>
-              <a:rPr lang="ru-RU" dirty="0" smtClean="0"/>
-              <a:t>Преимущества </a:t>
-            </a:r>
-            <a:r>
-              <a:rPr lang="ru-RU" dirty="0" smtClean="0"/>
-              <a:t>использования технологии </a:t>
-            </a:r>
-            <a:r>
-              <a:rPr lang="ru-RU" dirty="0" err="1"/>
-              <a:t>Windows</a:t>
-            </a:r>
-            <a:r>
-              <a:rPr lang="ru-RU" dirty="0"/>
-              <a:t> </a:t>
-            </a:r>
-            <a:r>
-              <a:rPr lang="ru-RU" dirty="0" err="1"/>
-              <a:t>Presentation</a:t>
-            </a:r>
-            <a:r>
-              <a:rPr lang="ru-RU" dirty="0"/>
-              <a:t> </a:t>
-            </a:r>
-            <a:r>
-              <a:rPr lang="ru-RU" dirty="0" err="1" smtClean="0"/>
-              <a:t>Foundation</a:t>
-            </a:r>
-            <a:r>
-              <a:rPr lang="ru-RU" dirty="0" smtClean="0"/>
-              <a:t>:</a:t>
-            </a:r>
-            <a:endParaRPr lang="ru-RU" dirty="0"/>
-          </a:p>
-          <a:p>
-            <a:pPr marL="285750" indent="-285750" algn="just">
-              <a:buFont typeface="Arial" panose="020B0604020202020204" pitchFamily="34" charset="0"/>
-              <a:buChar char="•"/>
-            </a:pPr>
-            <a:r>
-              <a:rPr lang="ru-RU" dirty="0" smtClean="0"/>
-              <a:t>Гибкая </a:t>
-            </a:r>
-            <a:r>
-              <a:rPr lang="ru-RU" dirty="0"/>
-              <a:t>настройка визуального и функционального представления элементов управления</a:t>
-            </a:r>
-          </a:p>
-          <a:p>
-            <a:pPr marL="285750" indent="-285750" algn="just">
-              <a:buFont typeface="Arial" panose="020B0604020202020204" pitchFamily="34" charset="0"/>
-              <a:buChar char="•"/>
-            </a:pPr>
-            <a:r>
-              <a:rPr lang="ru-RU" dirty="0" smtClean="0"/>
-              <a:t>Более </a:t>
-            </a:r>
-            <a:r>
-              <a:rPr lang="ru-RU" dirty="0"/>
-              <a:t>прозрачная разработка, что позволяет работать в команде и поддерживать проект на протяжении долгого времени</a:t>
-            </a:r>
-          </a:p>
-          <a:p>
-            <a:pPr marL="285750" indent="-285750" algn="just">
-              <a:buFont typeface="Arial" panose="020B0604020202020204" pitchFamily="34" charset="0"/>
-              <a:buChar char="•"/>
-            </a:pPr>
-            <a:r>
-              <a:rPr lang="ru-RU" dirty="0" smtClean="0"/>
-              <a:t>Возможность </a:t>
-            </a:r>
-            <a:r>
-              <a:rPr lang="ru-RU" dirty="0"/>
-              <a:t>изучить новые технологии и методы разработки </a:t>
-            </a:r>
-            <a:r>
-              <a:rPr lang="ru-RU" dirty="0" smtClean="0"/>
-              <a:t>интерфейса</a:t>
-            </a:r>
-          </a:p>
-          <a:p>
-            <a:pPr algn="just"/>
-            <a:endParaRPr lang="ru-RU" dirty="0" smtClean="0"/>
-          </a:p>
-          <a:p>
-            <a:pPr algn="just"/>
-            <a:r>
-              <a:rPr lang="ru-RU" dirty="0" smtClean="0"/>
-              <a:t>XAML </a:t>
-            </a:r>
-            <a:r>
-              <a:rPr lang="ru-RU" dirty="0"/>
-              <a:t>(</a:t>
-            </a:r>
-            <a:r>
-              <a:rPr lang="ru-RU" dirty="0" err="1"/>
-              <a:t>eXtensible</a:t>
-            </a:r>
-            <a:r>
-              <a:rPr lang="ru-RU" dirty="0"/>
-              <a:t> </a:t>
-            </a:r>
-            <a:r>
-              <a:rPr lang="ru-RU" dirty="0" err="1"/>
-              <a:t>Application</a:t>
-            </a:r>
-            <a:r>
-              <a:rPr lang="ru-RU" dirty="0"/>
-              <a:t> </a:t>
-            </a:r>
-            <a:r>
-              <a:rPr lang="ru-RU" dirty="0" err="1"/>
-              <a:t>Markup</a:t>
-            </a:r>
-            <a:r>
-              <a:rPr lang="ru-RU" dirty="0"/>
-              <a:t> </a:t>
-            </a:r>
-            <a:r>
-              <a:rPr lang="ru-RU" dirty="0" err="1"/>
-              <a:t>Language</a:t>
-            </a:r>
-            <a:r>
-              <a:rPr lang="ru-RU" dirty="0"/>
-              <a:t>) - язык разметки, используемый для инициализации объектов в технологиях на платформе .NET. Применительно к WPF </a:t>
-            </a:r>
-            <a:r>
-              <a:rPr lang="ru-RU" dirty="0" smtClean="0"/>
-              <a:t>данный </a:t>
-            </a:r>
-            <a:r>
-              <a:rPr lang="ru-RU" dirty="0"/>
-              <a:t>язык используется прежде всего для создания пользовательского интерфейса декларативным </a:t>
-            </a:r>
-            <a:r>
-              <a:rPr lang="ru-RU" dirty="0" smtClean="0"/>
-              <a:t>путем</a:t>
-            </a:r>
-            <a:r>
-              <a:rPr lang="en-US" dirty="0"/>
-              <a:t>.</a:t>
-            </a:r>
-            <a:endParaRPr lang="ru-RU" dirty="0" smtClean="0"/>
-          </a:p>
-          <a:p>
-            <a:pPr algn="just"/>
-            <a:r>
-              <a:rPr lang="ru-RU" dirty="0" smtClean="0"/>
-              <a:t>Преимущества языка </a:t>
-            </a:r>
-            <a:r>
-              <a:rPr lang="en-US" dirty="0" smtClean="0"/>
-              <a:t>XAML</a:t>
-            </a:r>
-            <a:r>
-              <a:rPr lang="ru-RU" dirty="0" smtClean="0"/>
-              <a:t>: </a:t>
-            </a:r>
-          </a:p>
-          <a:p>
-            <a:pPr marL="285750" indent="-285750" algn="just">
-              <a:buFont typeface="Arial" panose="020B0604020202020204" pitchFamily="34" charset="0"/>
-              <a:buChar char="•"/>
-            </a:pPr>
-            <a:r>
-              <a:rPr lang="ru-RU" dirty="0" smtClean="0"/>
-              <a:t>Возможность </a:t>
-            </a:r>
-            <a:r>
-              <a:rPr lang="ru-RU" dirty="0"/>
-              <a:t>отделить графический интерфейс от логики </a:t>
-            </a:r>
-            <a:r>
-              <a:rPr lang="ru-RU" dirty="0" smtClean="0"/>
-              <a:t>приложения</a:t>
-            </a:r>
-            <a:endParaRPr lang="ru-RU" dirty="0"/>
-          </a:p>
-          <a:p>
-            <a:pPr marL="285750" indent="-285750" algn="just">
-              <a:buFont typeface="Arial" panose="020B0604020202020204" pitchFamily="34" charset="0"/>
-              <a:buChar char="•"/>
-            </a:pPr>
-            <a:r>
-              <a:rPr lang="ru-RU" dirty="0" smtClean="0"/>
-              <a:t>Компактность</a:t>
-            </a:r>
-            <a:r>
-              <a:rPr lang="ru-RU" dirty="0"/>
-              <a:t>, </a:t>
-            </a:r>
-            <a:r>
-              <a:rPr lang="ru-RU" dirty="0" smtClean="0"/>
-              <a:t>понятность </a:t>
-            </a:r>
-          </a:p>
-          <a:p>
-            <a:pPr marL="285750" indent="-285750" algn="just">
-              <a:buFont typeface="Arial" panose="020B0604020202020204" pitchFamily="34" charset="0"/>
-              <a:buChar char="•"/>
-            </a:pPr>
-            <a:r>
-              <a:rPr lang="ru-RU" dirty="0" smtClean="0"/>
-              <a:t>Ко</a:t>
-            </a:r>
-            <a:r>
-              <a:rPr lang="ru-RU" dirty="0" smtClean="0"/>
-              <a:t>д </a:t>
-            </a:r>
-            <a:r>
-              <a:rPr lang="ru-RU" dirty="0"/>
-              <a:t>на XAML относительно легко поддерживать.</a:t>
-            </a:r>
-            <a:endParaRPr lang="ru-RU" dirty="0" smtClean="0"/>
+              <a:rPr lang="ru-RU" sz="2000" dirty="0" err="1" smtClean="0"/>
+              <a:t>Basic</a:t>
+            </a:r>
+            <a:r>
+              <a:rPr lang="ru-RU" sz="2000" dirty="0" smtClean="0"/>
+              <a:t>. Также стили сокращают повторное использование кода.</a:t>
+            </a:r>
+            <a:endParaRPr lang="ru-RU" sz="2000" dirty="0"/>
           </a:p>
         </p:txBody>
       </p:sp>
     </p:spTree>
     <p:extLst>
       <p:ext uri="{BB962C8B-B14F-4D97-AF65-F5344CB8AC3E}">
-        <p14:creationId xmlns:p14="http://schemas.microsoft.com/office/powerpoint/2010/main" val="2721991918"/>
+        <p14:creationId xmlns:p14="http://schemas.microsoft.com/office/powerpoint/2010/main" val="3996808564"/>
       </p:ext>
     </p:extLst>
   </p:cSld>
@@ -3837,28 +3888,40 @@
             <p:ph type="title"/>
           </p:nvPr>
         </p:nvSpPr>
-        <p:spPr/>
-        <p:txBody>
-          <a:bodyPr/>
-          <a:lstStyle/>
-          <a:p>
-            <a:r>
-              <a:rPr lang="ru-RU" dirty="0"/>
-              <a:t>Стили</a:t>
-            </a:r>
-          </a:p>
-        </p:txBody>
-      </p:sp>
-      <p:sp>
-        <p:nvSpPr>
-          <p:cNvPr id="3" name="Прямоугольник 2"/>
+        <p:spPr>
+          <a:xfrm>
+            <a:off x="838200" y="957308"/>
+            <a:ext cx="10515600" cy="1325563"/>
+          </a:xfrm>
+        </p:spPr>
+        <p:txBody>
+          <a:bodyPr>
+            <a:normAutofit/>
+          </a:bodyPr>
+          <a:lstStyle/>
+          <a:p>
+            <a:r>
+              <a:rPr lang="ru-RU" sz="3200" dirty="0"/>
+              <a:t>Пространство имен </a:t>
+            </a:r>
+            <a:r>
+              <a:rPr lang="en-US" sz="3200" dirty="0" err="1" smtClean="0"/>
+              <a:t>Timelon</a:t>
+            </a:r>
+            <a:endParaRPr lang="ru-RU" sz="3200" dirty="0"/>
+          </a:p>
+        </p:txBody>
+      </p:sp>
+      <p:sp>
+        <p:nvSpPr>
+          <p:cNvPr id="4" name="Прямоугольник 3"/>
           <p:cNvSpPr/>
           <p:nvPr/>
         </p:nvSpPr>
         <p:spPr>
           <a:xfrm>
-            <a:off x="838200" y="1385064"/>
-            <a:ext cx="9370423" cy="3785652"/>
+            <a:off x="838200" y="2021614"/>
+            <a:ext cx="9986554" cy="3693319"/>
           </a:xfrm>
           <a:prstGeom prst="rect">
             <a:avLst/>
@@ -3872,52 +3935,187 @@
           <a:p>
             <a:pPr algn="just"/>
             <a:r>
-              <a:rPr lang="ru-RU" sz="2000" dirty="0"/>
-              <a:t>Стилизация и использование шаблонов </a:t>
-            </a:r>
-            <a:r>
-              <a:rPr lang="ru-RU" sz="2000" dirty="0" smtClean="0"/>
-              <a:t>WPF </a:t>
-            </a:r>
-            <a:r>
-              <a:rPr lang="ru-RU" sz="2000" dirty="0"/>
-              <a:t>относятся к набору возможностей, которые позволяют разработчикам и дизайнерам создавать визуально привлекательные эффекты и согласованный внешний вид своих продуктов. При настройке внешнего вида приложения необходима строгая модель стилизации и шаблонов, обеспечивающая обслуживание и совместное использование внешнего вида в приложениях и между ними. WPF предоставляет такую модель.</a:t>
+              <a:rPr lang="ru-RU" dirty="0" smtClean="0"/>
+              <a:t>Класс </a:t>
+            </a:r>
+            <a:r>
+              <a:rPr lang="en-US" dirty="0" smtClean="0"/>
+              <a:t>Manager</a:t>
+            </a:r>
+            <a:r>
+              <a:rPr lang="ru-RU" dirty="0" smtClean="0"/>
+              <a:t>Отвечает </a:t>
+            </a:r>
+            <a:r>
+              <a:rPr lang="ru-RU" dirty="0"/>
+              <a:t>за сохранение и загрузку данных, а также хранение объектов, полученных из этих данных (Следует иметь ввиду, что при использовании Менеджера в своих решениях, желательно инициализировать экземпляр класса как можно раньше, если он не был инициализирован до этого</a:t>
+            </a:r>
+            <a:r>
+              <a:rPr lang="ru-RU" dirty="0" smtClean="0"/>
+              <a:t>.) </a:t>
             </a:r>
           </a:p>
           <a:p>
             <a:pPr algn="just"/>
-            <a:endParaRPr lang="ru-RU" sz="2000" dirty="0"/>
+            <a:endParaRPr lang="ru-RU" dirty="0"/>
           </a:p>
           <a:p>
             <a:pPr algn="just"/>
             <a:r>
-              <a:rPr lang="ru-RU" sz="2000" dirty="0"/>
-              <a:t>Еще одной возможностью модели стилизации WPF является разделение представления и логики. Дизайнеры могут создавать внешний вид приложения только с помощью XAML в то же самое время, когда разработчики работают над логикой программы, используя языки C# или </a:t>
-            </a:r>
-            <a:r>
-              <a:rPr lang="ru-RU" sz="2000" dirty="0" err="1"/>
-              <a:t>Visual</a:t>
-            </a:r>
-            <a:r>
-              <a:rPr lang="ru-RU" sz="2000" dirty="0"/>
+              <a:rPr lang="ru-RU" dirty="0" smtClean="0"/>
+              <a:t>Методы класс:</a:t>
+            </a:r>
+            <a:endParaRPr lang="ru-RU" dirty="0"/>
+          </a:p>
+          <a:p>
+            <a:pPr marL="285750" indent="-285750" algn="just">
+              <a:buFont typeface="Arial" panose="020B0604020202020204" pitchFamily="34" charset="0"/>
+              <a:buChar char="•"/>
+            </a:pPr>
+            <a:r>
+              <a:rPr lang="ru-RU" dirty="0" err="1" smtClean="0"/>
+              <a:t>GetList</a:t>
+            </a:r>
+            <a:r>
+              <a:rPr lang="ru-RU" dirty="0" smtClean="0"/>
               <a:t> </a:t>
             </a:r>
             <a:r>
-              <a:rPr lang="ru-RU" sz="2000" dirty="0" err="1" smtClean="0"/>
-              <a:t>Basic</a:t>
-            </a:r>
-            <a:r>
-              <a:rPr lang="ru-RU" sz="2000" dirty="0" smtClean="0"/>
-              <a:t>. Также стили сокращают повторное использование кода.</a:t>
-            </a:r>
-            <a:endParaRPr lang="ru-RU" sz="2000" dirty="0"/>
+              <a:rPr lang="ru-RU" dirty="0"/>
+              <a:t>(Получение списка)</a:t>
+            </a:r>
+          </a:p>
+          <a:p>
+            <a:pPr marL="285750" indent="-285750" algn="just">
+              <a:buFont typeface="Arial" panose="020B0604020202020204" pitchFamily="34" charset="0"/>
+              <a:buChar char="•"/>
+            </a:pPr>
+            <a:r>
+              <a:rPr lang="ru-RU" dirty="0" err="1" smtClean="0"/>
+              <a:t>SetList</a:t>
+            </a:r>
+            <a:r>
+              <a:rPr lang="ru-RU" dirty="0" smtClean="0"/>
+              <a:t> </a:t>
+            </a:r>
+            <a:r>
+              <a:rPr lang="ru-RU" dirty="0"/>
+              <a:t>(Вставка Списка)</a:t>
+            </a:r>
+          </a:p>
+          <a:p>
+            <a:pPr marL="285750" indent="-285750" algn="just">
+              <a:buFont typeface="Arial" panose="020B0604020202020204" pitchFamily="34" charset="0"/>
+              <a:buChar char="•"/>
+            </a:pPr>
+            <a:r>
+              <a:rPr lang="ru-RU" dirty="0" err="1" smtClean="0"/>
+              <a:t>RemoveList</a:t>
+            </a:r>
+            <a:r>
+              <a:rPr lang="ru-RU" dirty="0" smtClean="0"/>
+              <a:t> </a:t>
+            </a:r>
+            <a:r>
+              <a:rPr lang="ru-RU" dirty="0"/>
+              <a:t>(Удаление Списка)</a:t>
+            </a:r>
+          </a:p>
+          <a:p>
+            <a:pPr marL="285750" indent="-285750" algn="just">
+              <a:buFont typeface="Arial" panose="020B0604020202020204" pitchFamily="34" charset="0"/>
+              <a:buChar char="•"/>
+            </a:pPr>
+            <a:r>
+              <a:rPr lang="ru-RU" dirty="0" err="1" smtClean="0"/>
+              <a:t>ContainsList</a:t>
+            </a:r>
+            <a:r>
+              <a:rPr lang="ru-RU" dirty="0" smtClean="0"/>
+              <a:t> </a:t>
+            </a:r>
+            <a:r>
+              <a:rPr lang="ru-RU" dirty="0"/>
+              <a:t>(Проверка на существование Списка)</a:t>
+            </a:r>
+          </a:p>
+          <a:p>
+            <a:pPr algn="just"/>
+            <a:endParaRPr lang="ru-RU" dirty="0" smtClean="0"/>
+          </a:p>
+          <a:p>
+            <a:pPr algn="just"/>
+            <a:r>
+              <a:rPr lang="ru-RU" dirty="0" smtClean="0"/>
+              <a:t>Работа </a:t>
+            </a:r>
+            <a:r>
+              <a:rPr lang="ru-RU" dirty="0"/>
+              <a:t>с данными (XML</a:t>
+            </a:r>
+            <a:r>
+              <a:rPr lang="ru-RU" dirty="0" smtClean="0"/>
+              <a:t>):</a:t>
+            </a:r>
+            <a:endParaRPr lang="ru-RU" dirty="0"/>
+          </a:p>
+          <a:p>
+            <a:pPr algn="just"/>
+            <a:r>
+              <a:rPr lang="ru-RU" dirty="0"/>
+              <a:t>- </a:t>
+            </a:r>
+            <a:r>
+              <a:rPr lang="ru-RU" dirty="0" err="1"/>
+              <a:t>SaveData</a:t>
+            </a:r>
+            <a:r>
+              <a:rPr lang="ru-RU" dirty="0"/>
+              <a:t> (Сохранить данные в файл)</a:t>
+            </a:r>
+          </a:p>
+        </p:txBody>
+      </p:sp>
+      <p:sp>
+        <p:nvSpPr>
+          <p:cNvPr id="6" name="Прямоугольник 5"/>
+          <p:cNvSpPr/>
+          <p:nvPr/>
+        </p:nvSpPr>
+        <p:spPr>
+          <a:xfrm>
+            <a:off x="838200" y="720020"/>
+            <a:ext cx="4948791" cy="769441"/>
+          </a:xfrm>
+          <a:prstGeom prst="rect">
+            <a:avLst/>
+          </a:prstGeom>
+        </p:spPr>
+        <p:txBody>
+          <a:bodyPr wrap="none">
+            <a:spAutoFit/>
+          </a:bodyPr>
+          <a:lstStyle/>
+          <a:p>
+            <a:r>
+              <a:rPr lang="ru-RU" sz="4400" dirty="0">
+                <a:solidFill>
+                  <a:prstClr val="black"/>
+                </a:solidFill>
+                <a:latin typeface="Calibri Light" panose="020F0302020204030204"/>
+                <a:ea typeface="+mj-ea"/>
+                <a:cs typeface="+mj-cs"/>
+              </a:rPr>
+              <a:t>Библиотека классов</a:t>
+            </a:r>
+            <a:endParaRPr lang="ru-RU" dirty="0"/>
           </a:p>
         </p:txBody>
       </p:sp>
     </p:spTree>
     <p:extLst>
       <p:ext uri="{BB962C8B-B14F-4D97-AF65-F5344CB8AC3E}">
-        <p14:creationId xmlns:p14="http://schemas.microsoft.com/office/powerpoint/2010/main" val="3996808564"/>
+        <p14:creationId xmlns:p14="http://schemas.microsoft.com/office/powerpoint/2010/main" val="11317772"/>
       </p:ext>
     </p:extLst>
   </p:cSld>
@@ -3961,27 +4159,20 @@
             <p:ph type="title"/>
           </p:nvPr>
         </p:nvSpPr>
-        <p:spPr>
-          <a:xfrm>
-            <a:off x="838200" y="957308"/>
-            <a:ext cx="10515600" cy="1325563"/>
-          </a:xfrm>
-        </p:spPr>
-        <p:txBody>
-          <a:bodyPr>
-            <a:normAutofit/>
-          </a:bodyPr>
-          <a:lstStyle/>
-          <a:p>
-            <a:r>
-              <a:rPr lang="ru-RU" sz="3200" dirty="0"/>
+        <p:spPr/>
+        <p:txBody>
+          <a:bodyPr/>
+          <a:lstStyle/>
+          <a:p>
+            <a:r>
+              <a:rPr lang="ru-RU" dirty="0"/>
               <a:t>Пространство имен </a:t>
             </a:r>
             <a:r>
-              <a:rPr lang="en-US" sz="3200" dirty="0" err="1" smtClean="0"/>
-              <a:t>Timelon</a:t>
-            </a:r>
-            <a:endParaRPr lang="ru-RU" sz="3200" dirty="0"/>
+              <a:rPr lang="en-US" dirty="0" err="1" smtClean="0"/>
+              <a:t>Timelon.Data</a:t>
+            </a:r>
+            <a:endParaRPr lang="ru-RU" dirty="0"/>
           </a:p>
         </p:txBody>
       </p:sp>
@@ -3993,202 +4184,294 @@
         </p:nvSpPr>
         <p:spPr>
           <a:xfrm>
-            <a:off x="838200" y="2021614"/>
-            <a:ext cx="9986554" cy="3693319"/>
+            <a:off x="838200" y="1321356"/>
+            <a:ext cx="7759560" cy="584775"/>
           </a:xfrm>
           <a:prstGeom prst="rect">
             <a:avLst/>
           </a:prstGeom>
         </p:spPr>
         <p:txBody>
-          <a:bodyPr wrap="square">
+          <a:bodyPr wrap="none">
             <a:spAutoFit/>
           </a:bodyPr>
           <a:lstStyle/>
           <a:p>
-            <a:pPr algn="just"/>
-            <a:r>
-              <a:rPr lang="ru-RU" dirty="0" smtClean="0"/>
-              <a:t>Класс </a:t>
-            </a:r>
-            <a:r>
-              <a:rPr lang="en-US" dirty="0" smtClean="0"/>
-              <a:t>Manager</a:t>
-            </a:r>
-            <a:r>
-              <a:rPr lang="ru-RU" dirty="0" smtClean="0"/>
-              <a:t>Отвечает </a:t>
-            </a:r>
-            <a:r>
-              <a:rPr lang="ru-RU" dirty="0"/>
-              <a:t>за сохранение и загрузку данных, а также хранение объектов, полученных из этих данных (Следует иметь ввиду, что при использовании Менеджера в своих решениях, желательно инициализировать экземпляр класса как можно раньше, если он не был инициализирован до этого</a:t>
-            </a:r>
-            <a:r>
-              <a:rPr lang="ru-RU" dirty="0" smtClean="0"/>
-              <a:t>.) </a:t>
-            </a:r>
-          </a:p>
-          <a:p>
-            <a:pPr algn="just"/>
-            <a:endParaRPr lang="ru-RU" dirty="0"/>
-          </a:p>
-          <a:p>
-            <a:pPr algn="just"/>
-            <a:r>
-              <a:rPr lang="ru-RU" dirty="0" smtClean="0"/>
-              <a:t>Методы класс:</a:t>
-            </a:r>
-            <a:endParaRPr lang="ru-RU" dirty="0"/>
-          </a:p>
-          <a:p>
-            <a:pPr marL="285750" indent="-285750" algn="just">
-              <a:buFont typeface="Arial" panose="020B0604020202020204" pitchFamily="34" charset="0"/>
-              <a:buChar char="•"/>
-            </a:pPr>
-            <a:r>
-              <a:rPr lang="ru-RU" dirty="0" err="1" smtClean="0"/>
-              <a:t>GetList</a:t>
-            </a:r>
-            <a:r>
-              <a:rPr lang="ru-RU" dirty="0" smtClean="0"/>
-              <a:t> </a:t>
-            </a:r>
-            <a:r>
-              <a:rPr lang="ru-RU" dirty="0"/>
-              <a:t>(Получение списка)</a:t>
-            </a:r>
-          </a:p>
-          <a:p>
-            <a:pPr marL="285750" indent="-285750" algn="just">
-              <a:buFont typeface="Arial" panose="020B0604020202020204" pitchFamily="34" charset="0"/>
-              <a:buChar char="•"/>
-            </a:pPr>
-            <a:r>
-              <a:rPr lang="ru-RU" dirty="0" err="1" smtClean="0"/>
-              <a:t>SetList</a:t>
-            </a:r>
-            <a:r>
-              <a:rPr lang="ru-RU" dirty="0" smtClean="0"/>
-              <a:t> </a:t>
-            </a:r>
-            <a:r>
-              <a:rPr lang="ru-RU" dirty="0"/>
-              <a:t>(Вставка Списка)</a:t>
-            </a:r>
-          </a:p>
-          <a:p>
-            <a:pPr marL="285750" indent="-285750" algn="just">
-              <a:buFont typeface="Arial" panose="020B0604020202020204" pitchFamily="34" charset="0"/>
-              <a:buChar char="•"/>
-            </a:pPr>
-            <a:r>
-              <a:rPr lang="ru-RU" dirty="0" err="1" smtClean="0"/>
-              <a:t>RemoveList</a:t>
-            </a:r>
-            <a:r>
-              <a:rPr lang="ru-RU" dirty="0" smtClean="0"/>
-              <a:t> </a:t>
-            </a:r>
-            <a:r>
-              <a:rPr lang="ru-RU" dirty="0"/>
-              <a:t>(Удаление Списка)</a:t>
-            </a:r>
-          </a:p>
-          <a:p>
-            <a:pPr marL="285750" indent="-285750" algn="just">
-              <a:buFont typeface="Arial" panose="020B0604020202020204" pitchFamily="34" charset="0"/>
-              <a:buChar char="•"/>
-            </a:pPr>
-            <a:r>
-              <a:rPr lang="ru-RU" dirty="0" err="1" smtClean="0"/>
-              <a:t>ContainsList</a:t>
-            </a:r>
-            <a:r>
-              <a:rPr lang="ru-RU" dirty="0" smtClean="0"/>
-              <a:t> </a:t>
-            </a:r>
-            <a:r>
-              <a:rPr lang="ru-RU" dirty="0"/>
-              <a:t>(Проверка на существование Списка)</a:t>
-            </a:r>
-          </a:p>
-          <a:p>
-            <a:pPr algn="just"/>
-            <a:endParaRPr lang="ru-RU" dirty="0" smtClean="0"/>
-          </a:p>
-          <a:p>
-            <a:pPr algn="just"/>
-            <a:r>
-              <a:rPr lang="ru-RU" dirty="0" smtClean="0"/>
-              <a:t>Работа </a:t>
-            </a:r>
-            <a:r>
-              <a:rPr lang="ru-RU" dirty="0"/>
-              <a:t>с данными (XML</a:t>
-            </a:r>
-            <a:r>
-              <a:rPr lang="ru-RU" dirty="0" smtClean="0"/>
-              <a:t>):</a:t>
-            </a:r>
-            <a:endParaRPr lang="ru-RU" dirty="0"/>
-          </a:p>
-          <a:p>
-            <a:pPr algn="just"/>
-            <a:r>
-              <a:rPr lang="ru-RU" dirty="0"/>
-              <a:t>- </a:t>
-            </a:r>
-            <a:r>
-              <a:rPr lang="ru-RU" dirty="0" err="1"/>
-              <a:t>SaveData</a:t>
-            </a:r>
-            <a:r>
-              <a:rPr lang="ru-RU" dirty="0"/>
-              <a:t> (Сохранить данные в файл)</a:t>
-            </a:r>
-          </a:p>
-        </p:txBody>
-      </p:sp>
-      <p:sp>
-        <p:nvSpPr>
-          <p:cNvPr id="6" name="Прямоугольник 5"/>
+            <a:r>
+              <a:rPr lang="ru-RU" sz="3200" dirty="0">
+                <a:latin typeface="+mj-lt"/>
+              </a:rPr>
+              <a:t>Абстрактные классы </a:t>
+            </a:r>
+            <a:r>
+              <a:rPr lang="en-US" sz="3200" dirty="0">
+                <a:latin typeface="+mj-lt"/>
+              </a:rPr>
+              <a:t>Unique</a:t>
+            </a:r>
+            <a:r>
+              <a:rPr lang="ru-RU" sz="3200" dirty="0">
+                <a:latin typeface="+mj-lt"/>
+              </a:rPr>
+              <a:t> и </a:t>
+            </a:r>
+            <a:r>
+              <a:rPr lang="en-US" sz="3200" dirty="0" err="1">
+                <a:latin typeface="+mj-lt"/>
+              </a:rPr>
+              <a:t>DataContainer</a:t>
+            </a:r>
+            <a:endParaRPr lang="en-US" sz="3200" dirty="0">
+              <a:latin typeface="+mj-lt"/>
+            </a:endParaRPr>
+          </a:p>
+        </p:txBody>
+      </p:sp>
+      <p:sp>
+        <p:nvSpPr>
+          <p:cNvPr id="5" name="Прямоугольник 4"/>
           <p:cNvSpPr/>
           <p:nvPr/>
         </p:nvSpPr>
         <p:spPr>
           <a:xfrm>
-            <a:off x="838200" y="720020"/>
-            <a:ext cx="4948791" cy="769441"/>
+            <a:off x="838199" y="2156774"/>
+            <a:ext cx="9986555" cy="3970318"/>
           </a:xfrm>
           <a:prstGeom prst="rect">
             <a:avLst/>
           </a:prstGeom>
         </p:spPr>
         <p:txBody>
-          <a:bodyPr wrap="none">
+          <a:bodyPr wrap="square">
             <a:spAutoFit/>
           </a:bodyPr>
           <a:lstStyle/>
           <a:p>
-            <a:r>
-              <a:rPr lang="ru-RU" sz="4400" dirty="0">
-                <a:solidFill>
-                  <a:prstClr val="black"/>
-                </a:solidFill>
-                <a:latin typeface="Calibri Light" panose="020F0302020204030204"/>
-                <a:ea typeface="+mj-ea"/>
-                <a:cs typeface="+mj-cs"/>
-              </a:rPr>
-              <a:t>Библиотека классов</a:t>
-            </a:r>
+            <a:pPr algn="just"/>
+            <a:r>
+              <a:rPr lang="ru-RU" dirty="0"/>
+              <a:t>Пространство имён. Хранит в себе основные классы, экземпляры которых участвуют в обороте данных между постоянной и оперативной памятью.</a:t>
+            </a:r>
+          </a:p>
+          <a:p>
+            <a:pPr algn="just"/>
             <a:endParaRPr lang="ru-RU" dirty="0"/>
+          </a:p>
+          <a:p>
+            <a:pPr algn="just"/>
+            <a:r>
+              <a:rPr lang="ru-RU" dirty="0"/>
+              <a:t>Абстрактные классы</a:t>
+            </a:r>
+            <a:r>
+              <a:rPr lang="ru-RU" dirty="0" smtClean="0"/>
+              <a:t>:</a:t>
+            </a:r>
+            <a:endParaRPr lang="ru-RU" dirty="0"/>
+          </a:p>
+          <a:p>
+            <a:pPr marL="285750" indent="-285750" algn="just">
+              <a:buFont typeface="Arial" panose="020B0604020202020204" pitchFamily="34" charset="0"/>
+              <a:buChar char="•"/>
+            </a:pPr>
+            <a:r>
+              <a:rPr lang="ru-RU" dirty="0" err="1" smtClean="0"/>
+              <a:t>Unique</a:t>
+            </a:r>
+            <a:r>
+              <a:rPr lang="ru-RU" dirty="0" smtClean="0"/>
+              <a:t>&lt;T</a:t>
+            </a:r>
+            <a:r>
+              <a:rPr lang="ru-RU" dirty="0"/>
+              <a:t>&gt; (Уникальный Класс). Генерация уникальных идентификаторов в текущей </a:t>
+            </a:r>
+            <a:r>
+              <a:rPr lang="ru-RU" dirty="0" smtClean="0"/>
+              <a:t>сессии</a:t>
+            </a:r>
+          </a:p>
+          <a:p>
+            <a:pPr marL="285750" indent="-285750" algn="just">
+              <a:buFont typeface="Arial" panose="020B0604020202020204" pitchFamily="34" charset="0"/>
+              <a:buChar char="•"/>
+            </a:pPr>
+            <a:r>
+              <a:rPr lang="ru-RU" dirty="0" err="1" smtClean="0"/>
+              <a:t>DataContainer</a:t>
+            </a:r>
+            <a:r>
+              <a:rPr lang="ru-RU" dirty="0" smtClean="0"/>
+              <a:t> (Контейнер Данных). Хранилище данных для </a:t>
+            </a:r>
+            <a:r>
+              <a:rPr lang="ru-RU" dirty="0" err="1" smtClean="0"/>
+              <a:t>сериализации</a:t>
+            </a:r>
+            <a:r>
+              <a:rPr lang="ru-RU" dirty="0" smtClean="0"/>
+              <a:t> в XML</a:t>
+            </a:r>
+          </a:p>
+          <a:p>
+            <a:pPr marL="285750" indent="-285750" algn="just">
+              <a:buFontTx/>
+              <a:buChar char="-"/>
+            </a:pPr>
+            <a:endParaRPr lang="ru-RU" dirty="0"/>
+          </a:p>
+          <a:p>
+            <a:pPr algn="just"/>
+            <a:r>
+              <a:rPr lang="ru-RU" dirty="0"/>
+              <a:t>Инкапсулирующие классы</a:t>
+            </a:r>
+            <a:r>
+              <a:rPr lang="ru-RU" dirty="0" smtClean="0"/>
+              <a:t>:</a:t>
+            </a:r>
+            <a:endParaRPr lang="ru-RU" dirty="0"/>
+          </a:p>
+          <a:p>
+            <a:pPr marL="285750" indent="-285750" algn="just">
+              <a:buFont typeface="Arial" panose="020B0604020202020204" pitchFamily="34" charset="0"/>
+              <a:buChar char="•"/>
+            </a:pPr>
+            <a:r>
+              <a:rPr lang="ru-RU" dirty="0" err="1" smtClean="0"/>
+              <a:t>DateTimeContainerData</a:t>
+            </a:r>
+            <a:r>
+              <a:rPr lang="ru-RU" dirty="0" smtClean="0"/>
+              <a:t> </a:t>
+            </a:r>
+            <a:r>
+              <a:rPr lang="ru-RU" dirty="0"/>
+              <a:t>(Данные Контейнера Дат</a:t>
+            </a:r>
+            <a:r>
+              <a:rPr lang="ru-RU" dirty="0" smtClean="0"/>
+              <a:t>)</a:t>
+            </a:r>
+            <a:endParaRPr lang="ru-RU" dirty="0"/>
+          </a:p>
+          <a:p>
+            <a:pPr marL="285750" indent="-285750" algn="just">
+              <a:buFont typeface="Arial" panose="020B0604020202020204" pitchFamily="34" charset="0"/>
+              <a:buChar char="•"/>
+            </a:pPr>
+            <a:r>
+              <a:rPr lang="ru-RU" dirty="0" err="1" smtClean="0"/>
+              <a:t>CardData</a:t>
+            </a:r>
+            <a:r>
+              <a:rPr lang="ru-RU" dirty="0" smtClean="0"/>
+              <a:t> </a:t>
+            </a:r>
+            <a:r>
+              <a:rPr lang="ru-RU" dirty="0"/>
+              <a:t>(Данные Карты</a:t>
+            </a:r>
+            <a:r>
+              <a:rPr lang="ru-RU" dirty="0" smtClean="0"/>
+              <a:t>)</a:t>
+            </a:r>
+            <a:endParaRPr lang="ru-RU" dirty="0"/>
+          </a:p>
+          <a:p>
+            <a:pPr marL="285750" indent="-285750" algn="just">
+              <a:buFont typeface="Arial" panose="020B0604020202020204" pitchFamily="34" charset="0"/>
+              <a:buChar char="•"/>
+            </a:pPr>
+            <a:r>
+              <a:rPr lang="ru-RU" dirty="0" err="1" smtClean="0"/>
+              <a:t>CardListData</a:t>
+            </a:r>
+            <a:r>
+              <a:rPr lang="ru-RU" dirty="0" smtClean="0"/>
+              <a:t> </a:t>
+            </a:r>
+            <a:r>
+              <a:rPr lang="ru-RU" dirty="0"/>
+              <a:t>(Данные Списка Карт</a:t>
+            </a:r>
+            <a:r>
+              <a:rPr lang="ru-RU" dirty="0" smtClean="0"/>
+              <a:t>)</a:t>
+            </a:r>
+            <a:endParaRPr lang="ru-RU" dirty="0"/>
+          </a:p>
+          <a:p>
+            <a:pPr marL="285750" indent="-285750" algn="just">
+              <a:buFont typeface="Arial" panose="020B0604020202020204" pitchFamily="34" charset="0"/>
+              <a:buChar char="•"/>
+            </a:pPr>
+            <a:r>
+              <a:rPr lang="ru-RU" dirty="0" err="1" smtClean="0"/>
+              <a:t>DateTimeContainer</a:t>
+            </a:r>
+            <a:r>
+              <a:rPr lang="ru-RU" dirty="0" smtClean="0"/>
+              <a:t> </a:t>
+            </a:r>
+            <a:r>
+              <a:rPr lang="ru-RU" dirty="0"/>
+              <a:t>(Контейнер Дат</a:t>
+            </a:r>
+            <a:r>
+              <a:rPr lang="ru-RU" dirty="0" smtClean="0"/>
+              <a:t>)</a:t>
+            </a:r>
+            <a:endParaRPr lang="ru-RU" dirty="0"/>
+          </a:p>
+          <a:p>
+            <a:pPr marL="285750" indent="-285750" algn="just">
+              <a:buFont typeface="Arial" panose="020B0604020202020204" pitchFamily="34" charset="0"/>
+              <a:buChar char="•"/>
+            </a:pPr>
+            <a:r>
+              <a:rPr lang="ru-RU" dirty="0" err="1" smtClean="0"/>
+              <a:t>Card</a:t>
+            </a:r>
+            <a:r>
+              <a:rPr lang="ru-RU" dirty="0" smtClean="0"/>
+              <a:t> </a:t>
+            </a:r>
+            <a:r>
+              <a:rPr lang="ru-RU" dirty="0"/>
+              <a:t>(Карта</a:t>
+            </a:r>
+            <a:r>
+              <a:rPr lang="ru-RU" dirty="0" smtClean="0"/>
+              <a:t>)</a:t>
+            </a:r>
+            <a:endParaRPr lang="ru-RU" dirty="0"/>
+          </a:p>
+          <a:p>
+            <a:pPr marL="285750" indent="-285750" algn="just">
+              <a:buFont typeface="Arial" panose="020B0604020202020204" pitchFamily="34" charset="0"/>
+              <a:buChar char="•"/>
+            </a:pPr>
+            <a:r>
+              <a:rPr lang="ru-RU" dirty="0" err="1" smtClean="0"/>
+              <a:t>CardList</a:t>
+            </a:r>
+            <a:r>
+              <a:rPr lang="ru-RU" dirty="0" smtClean="0"/>
+              <a:t> </a:t>
+            </a:r>
+            <a:r>
+              <a:rPr lang="ru-RU" dirty="0"/>
+              <a:t>(Список Карт)</a:t>
+            </a:r>
           </a:p>
         </p:txBody>
       </p:sp>
     </p:spTree>
     <p:extLst>
       <p:ext uri="{BB962C8B-B14F-4D97-AF65-F5344CB8AC3E}">
-        <p14:creationId xmlns:p14="http://schemas.microsoft.com/office/powerpoint/2010/main" val="11317772"/>
+        <p14:creationId xmlns:p14="http://schemas.microsoft.com/office/powerpoint/2010/main" val="535878601"/>
       </p:ext>
     </p:extLst>
   </p:cSld>
@@ -4251,65 +4534,142 @@
       </p:sp>
       <p:sp>
         <p:nvSpPr>
-          <p:cNvPr id="4" name="Прямоугольник 3"/>
+          <p:cNvPr id="3" name="Прямоугольник 2"/>
           <p:cNvSpPr/>
           <p:nvPr/>
         </p:nvSpPr>
         <p:spPr>
           <a:xfrm>
-            <a:off x="838200" y="1321356"/>
-            <a:ext cx="7759560" cy="584775"/>
+            <a:off x="768531" y="1907028"/>
+            <a:ext cx="10308771" cy="2554545"/>
           </a:xfrm>
           <a:prstGeom prst="rect">
             <a:avLst/>
           </a:prstGeom>
         </p:spPr>
         <p:txBody>
-          <a:bodyPr wrap="none">
+          <a:bodyPr wrap="square">
             <a:spAutoFit/>
           </a:bodyPr>
           <a:lstStyle/>
           <a:p>
-            <a:r>
-              <a:rPr lang="ru-RU" sz="3200" dirty="0">
-                <a:latin typeface="+mj-lt"/>
-              </a:rPr>
-              <a:t>Абстрактные классы </a:t>
-            </a:r>
-            <a:r>
-              <a:rPr lang="en-US" sz="3200" dirty="0">
-                <a:latin typeface="+mj-lt"/>
-              </a:rPr>
-              <a:t>Unique</a:t>
-            </a:r>
-            <a:r>
-              <a:rPr lang="ru-RU" sz="3200" dirty="0">
-                <a:latin typeface="+mj-lt"/>
-              </a:rPr>
-              <a:t> и </a:t>
-            </a:r>
-            <a:r>
-              <a:rPr lang="en-US" sz="3200" dirty="0" err="1">
-                <a:latin typeface="+mj-lt"/>
-              </a:rPr>
-              <a:t>DataContainer</a:t>
-            </a:r>
-            <a:endParaRPr lang="en-US" sz="3200" dirty="0">
-              <a:latin typeface="+mj-lt"/>
-            </a:endParaRPr>
-          </a:p>
-        </p:txBody>
-      </p:sp>
-      <p:sp>
-        <p:nvSpPr>
-          <p:cNvPr id="5" name="Прямоугольник 4"/>
+            <a:pPr algn="just"/>
+            <a:r>
+              <a:rPr lang="ru-RU" sz="2000" dirty="0" smtClean="0"/>
+              <a:t>Контейнер </a:t>
+            </a:r>
+            <a:r>
+              <a:rPr lang="ru-RU" sz="2000" dirty="0"/>
+              <a:t>Дат служит для хранения в себе нескольких экземпляров класса </a:t>
+            </a:r>
+            <a:r>
+              <a:rPr lang="ru-RU" sz="2000" dirty="0" err="1"/>
+              <a:t>DateTime</a:t>
+            </a:r>
+            <a:r>
+              <a:rPr lang="ru-RU" sz="2000" dirty="0" smtClean="0"/>
+              <a:t>:</a:t>
+            </a:r>
+            <a:endParaRPr lang="ru-RU" sz="2000" dirty="0"/>
+          </a:p>
+          <a:p>
+            <a:pPr marL="285750" indent="-285750" algn="just">
+              <a:buFont typeface="Arial" panose="020B0604020202020204" pitchFamily="34" charset="0"/>
+              <a:buChar char="•"/>
+            </a:pPr>
+            <a:r>
+              <a:rPr lang="ru-RU" sz="2000" dirty="0" err="1" smtClean="0"/>
+              <a:t>Created</a:t>
+            </a:r>
+            <a:r>
+              <a:rPr lang="ru-RU" sz="2000" dirty="0" smtClean="0"/>
+              <a:t> </a:t>
+            </a:r>
+            <a:r>
+              <a:rPr lang="ru-RU" sz="2000" dirty="0"/>
+              <a:t>(дата создания)</a:t>
+            </a:r>
+          </a:p>
+          <a:p>
+            <a:pPr marL="285750" indent="-285750" algn="just">
+              <a:buFont typeface="Arial" panose="020B0604020202020204" pitchFamily="34" charset="0"/>
+              <a:buChar char="•"/>
+            </a:pPr>
+            <a:r>
+              <a:rPr lang="ru-RU" sz="2000" dirty="0" err="1" smtClean="0"/>
+              <a:t>Updated</a:t>
+            </a:r>
+            <a:r>
+              <a:rPr lang="ru-RU" sz="2000" dirty="0" smtClean="0"/>
+              <a:t> </a:t>
+            </a:r>
+            <a:r>
+              <a:rPr lang="ru-RU" sz="2000" dirty="0"/>
+              <a:t>(дата обновления или </a:t>
+            </a:r>
+            <a:r>
+              <a:rPr lang="ru-RU" sz="2000" dirty="0" err="1"/>
+              <a:t>null</a:t>
+            </a:r>
+            <a:r>
+              <a:rPr lang="ru-RU" sz="2000" dirty="0"/>
+              <a:t>)</a:t>
+            </a:r>
+          </a:p>
+          <a:p>
+            <a:pPr marL="285750" indent="-285750" algn="just">
+              <a:buFont typeface="Arial" panose="020B0604020202020204" pitchFamily="34" charset="0"/>
+              <a:buChar char="•"/>
+            </a:pPr>
+            <a:r>
+              <a:rPr lang="ru-RU" sz="2000" dirty="0" err="1" smtClean="0"/>
+              <a:t>Planned</a:t>
+            </a:r>
+            <a:r>
+              <a:rPr lang="ru-RU" sz="2000" dirty="0" smtClean="0"/>
+              <a:t> </a:t>
+            </a:r>
+            <a:r>
+              <a:rPr lang="ru-RU" sz="2000" dirty="0"/>
+              <a:t>(запланированная дата или </a:t>
+            </a:r>
+            <a:r>
+              <a:rPr lang="ru-RU" sz="2000" dirty="0" err="1"/>
+              <a:t>null</a:t>
+            </a:r>
+            <a:r>
+              <a:rPr lang="ru-RU" sz="2000" dirty="0"/>
+              <a:t>) </a:t>
+            </a:r>
+            <a:endParaRPr lang="ru-RU" sz="2000" dirty="0" smtClean="0"/>
+          </a:p>
+          <a:p>
+            <a:pPr algn="just"/>
+            <a:endParaRPr lang="ru-RU" sz="2000" dirty="0"/>
+          </a:p>
+          <a:p>
+            <a:pPr algn="just"/>
+            <a:r>
+              <a:rPr lang="ru-RU" sz="2000" dirty="0" smtClean="0"/>
+              <a:t>Стоит </a:t>
+            </a:r>
+            <a:r>
+              <a:rPr lang="ru-RU" sz="2000" dirty="0"/>
+              <a:t>обратить внимание на то, что дата обновления и запланированная дата напрямую зависят от даты создания - они не могут превышать ее. Соответственно, при изменении даты создания зависимые от нее даты будут перепроверены автоматически.</a:t>
+            </a:r>
+          </a:p>
+        </p:txBody>
+      </p:sp>
+      <p:sp>
+        <p:nvSpPr>
+          <p:cNvPr id="4" name="Прямоугольник 3"/>
           <p:cNvSpPr/>
           <p:nvPr/>
         </p:nvSpPr>
         <p:spPr>
           <a:xfrm>
-            <a:off x="838199" y="2156774"/>
-            <a:ext cx="9986555" cy="3970318"/>
+            <a:off x="838200" y="1322253"/>
+            <a:ext cx="7373983" cy="584775"/>
           </a:xfrm>
           <a:prstGeom prst="rect">
             <a:avLst/>
@@ -4321,230 +4681,28 @@
           </a:bodyPr>
           <a:lstStyle/>
           <a:p>
-            <a:pPr algn="just"/>
-            <a:r>
-              <a:rPr lang="ru-RU" dirty="0"/>
-              <a:t>Пространство имён. Хранит в себе основные классы, экземпляры которых участвуют в обороте данных между постоянной и оперативной памятью.</a:t>
-            </a:r>
-          </a:p>
-          <a:p>
-            <a:pPr algn="just"/>
-            <a:endParaRPr lang="ru-RU" dirty="0"/>
-          </a:p>
-          <a:p>
-            <a:pPr algn="just"/>
-            <a:r>
-              <a:rPr lang="ru-RU" dirty="0"/>
-              <a:t>Абстрактные классы</a:t>
-            </a:r>
-            <a:r>
-              <a:rPr lang="ru-RU" dirty="0" smtClean="0"/>
-              <a:t>:</a:t>
-            </a:r>
-            <a:endParaRPr lang="ru-RU" dirty="0"/>
-          </a:p>
-          <a:p>
-            <a:pPr marL="285750" indent="-285750" algn="just">
-              <a:buFont typeface="Arial" panose="020B0604020202020204" pitchFamily="34" charset="0"/>
-              <a:buChar char="•"/>
-            </a:pPr>
-            <a:r>
-              <a:rPr lang="ru-RU" dirty="0" err="1" smtClean="0"/>
-              <a:t>Unique</a:t>
-            </a:r>
-            <a:r>
-              <a:rPr lang="ru-RU" dirty="0" smtClean="0"/>
-              <a:t>&lt;T</a:t>
-            </a:r>
-            <a:r>
-              <a:rPr lang="ru-RU" dirty="0"/>
-              <a:t>&gt; (Уникальный Класс). Генерация уникальных идентификаторов в текущей </a:t>
-            </a:r>
-            <a:r>
-              <a:rPr lang="ru-RU" dirty="0" smtClean="0"/>
-              <a:t>сессии</a:t>
-            </a:r>
-          </a:p>
-          <a:p>
-            <a:pPr marL="285750" indent="-285750" algn="just">
-              <a:buFont typeface="Arial" panose="020B0604020202020204" pitchFamily="34" charset="0"/>
-              <a:buChar char="•"/>
-            </a:pPr>
-            <a:r>
-              <a:rPr lang="ru-RU" dirty="0" err="1" smtClean="0"/>
-              <a:t>DataContainer</a:t>
-            </a:r>
-            <a:r>
-              <a:rPr lang="ru-RU" dirty="0" smtClean="0"/>
-              <a:t> (Контейнер Данных). Хранилище данных для </a:t>
-            </a:r>
-            <a:r>
-              <a:rPr lang="ru-RU" dirty="0" err="1" smtClean="0"/>
-              <a:t>сериализации</a:t>
-            </a:r>
-            <a:r>
-              <a:rPr lang="ru-RU" dirty="0" smtClean="0"/>
-              <a:t> в XML</a:t>
-            </a:r>
-          </a:p>
-          <a:p>
-            <a:pPr marL="285750" indent="-285750" algn="just">
-              <a:buFontTx/>
-              <a:buChar char="-"/>
-            </a:pPr>
-            <a:endParaRPr lang="ru-RU" dirty="0"/>
-          </a:p>
-          <a:p>
-            <a:pPr algn="just"/>
-            <a:r>
-              <a:rPr lang="ru-RU" dirty="0"/>
-              <a:t>Инкапсулирующие классы</a:t>
-            </a:r>
-            <a:r>
-              <a:rPr lang="ru-RU" dirty="0" smtClean="0"/>
-              <a:t>:</a:t>
-            </a:r>
-            <a:endParaRPr lang="ru-RU" dirty="0"/>
-          </a:p>
-          <a:p>
-            <a:pPr marL="285750" indent="-285750" algn="just">
-              <a:buFont typeface="Arial" panose="020B0604020202020204" pitchFamily="34" charset="0"/>
-              <a:buChar char="•"/>
-            </a:pPr>
-            <a:r>
-              <a:rPr lang="ru-RU" dirty="0" err="1" smtClean="0"/>
-              <a:t>DateTimeContainerData</a:t>
-            </a:r>
-            <a:r>
-              <a:rPr lang="ru-RU" dirty="0" smtClean="0"/>
-              <a:t> </a:t>
-            </a:r>
-            <a:r>
-              <a:rPr lang="ru-RU" dirty="0"/>
-              <a:t>(Данные Контейнера Дат</a:t>
-            </a:r>
-            <a:r>
-              <a:rPr lang="ru-RU" dirty="0" smtClean="0"/>
-              <a:t>)</a:t>
-            </a:r>
-            <a:endParaRPr lang="ru-RU" dirty="0"/>
-          </a:p>
-          <a:p>
-            <a:pPr marL="285750" indent="-285750" algn="just">
-              <a:buFont typeface="Arial" panose="020B0604020202020204" pitchFamily="34" charset="0"/>
-              <a:buChar char="•"/>
-            </a:pPr>
-            <a:r>
-              <a:rPr lang="ru-RU" dirty="0" err="1" smtClean="0"/>
-              <a:t>CardData</a:t>
-            </a:r>
-            <a:r>
-              <a:rPr lang="ru-RU" dirty="0" smtClean="0"/>
-              <a:t> </a:t>
-            </a:r>
-            <a:r>
-              <a:rPr lang="ru-RU" dirty="0"/>
-              <a:t>(Данные Карты</a:t>
-            </a:r>
-            <a:r>
-              <a:rPr lang="ru-RU" dirty="0" smtClean="0"/>
-              <a:t>)</a:t>
-            </a:r>
-            <a:endParaRPr lang="ru-RU" dirty="0"/>
-          </a:p>
-          <a:p>
-            <a:pPr marL="285750" indent="-285750" algn="just">
-              <a:buFont typeface="Arial" panose="020B0604020202020204" pitchFamily="34" charset="0"/>
-              <a:buChar char="•"/>
-            </a:pPr>
-            <a:r>
-              <a:rPr lang="ru-RU" dirty="0" err="1" smtClean="0"/>
-              <a:t>CardListData</a:t>
-            </a:r>
-            <a:r>
-              <a:rPr lang="ru-RU" dirty="0" smtClean="0"/>
-              <a:t> </a:t>
-            </a:r>
-            <a:r>
-              <a:rPr lang="ru-RU" dirty="0"/>
-              <a:t>(Данные Списка Карт</a:t>
-            </a:r>
-            <a:r>
-              <a:rPr lang="ru-RU" dirty="0" smtClean="0"/>
-              <a:t>)</a:t>
-            </a:r>
-            <a:endParaRPr lang="ru-RU" dirty="0"/>
-          </a:p>
-          <a:p>
-            <a:pPr marL="285750" indent="-285750" algn="just">
-              <a:buFont typeface="Arial" panose="020B0604020202020204" pitchFamily="34" charset="0"/>
-              <a:buChar char="•"/>
-            </a:pPr>
-            <a:r>
-              <a:rPr lang="ru-RU" dirty="0" err="1" smtClean="0"/>
+            <a:r>
+              <a:rPr lang="ru-RU" sz="3200" dirty="0" smtClean="0">
+                <a:latin typeface="+mj-lt"/>
+              </a:rPr>
+              <a:t>Классы </a:t>
+            </a:r>
+            <a:r>
+              <a:rPr lang="en-US" sz="3200" dirty="0" err="1" smtClean="0">
+                <a:latin typeface="+mj-lt"/>
+              </a:rPr>
               <a:t>DateTimeContainer</a:t>
             </a:r>
-            <a:r>
-              <a:rPr lang="ru-RU" dirty="0" smtClean="0"/>
-              <a:t> </a:t>
-            </a:r>
-            <a:r>
-              <a:rPr lang="ru-RU" dirty="0"/>
-              <a:t>(Контейнер Дат</a:t>
-            </a:r>
-            <a:r>
-              <a:rPr lang="ru-RU" dirty="0" smtClean="0"/>
-              <a:t>)</a:t>
-            </a:r>
-            <a:endParaRPr lang="ru-RU" dirty="0"/>
-          </a:p>
-          <a:p>
-            <a:pPr marL="285750" indent="-285750" algn="just">
-              <a:buFont typeface="Arial" panose="020B0604020202020204" pitchFamily="34" charset="0"/>
-              <a:buChar char="•"/>
-            </a:pPr>
-            <a:r>
-              <a:rPr lang="ru-RU" dirty="0" err="1" smtClean="0"/>
-              <a:t>Card</a:t>
-            </a:r>
-            <a:r>
-              <a:rPr lang="ru-RU" dirty="0" smtClean="0"/>
-              <a:t> </a:t>
-            </a:r>
-            <a:r>
-              <a:rPr lang="ru-RU" dirty="0"/>
-              <a:t>(Карта</a:t>
-            </a:r>
-            <a:r>
-              <a:rPr lang="ru-RU" dirty="0" smtClean="0"/>
-              <a:t>)</a:t>
-            </a:r>
-            <a:endParaRPr lang="ru-RU" dirty="0"/>
-          </a:p>
-          <a:p>
-            <a:pPr marL="285750" indent="-285750" algn="just">
-              <a:buFont typeface="Arial" panose="020B0604020202020204" pitchFamily="34" charset="0"/>
-              <a:buChar char="•"/>
-            </a:pPr>
-            <a:r>
-              <a:rPr lang="ru-RU" dirty="0" err="1" smtClean="0"/>
-              <a:t>CardList</a:t>
-            </a:r>
-            <a:r>
-              <a:rPr lang="ru-RU" dirty="0" smtClean="0"/>
-              <a:t> </a:t>
-            </a:r>
-            <a:r>
-              <a:rPr lang="ru-RU" dirty="0"/>
-              <a:t>(Список Карт)</a:t>
-            </a:r>
+            <a:endParaRPr lang="en-US" sz="3200" dirty="0">
+              <a:latin typeface="+mj-lt"/>
+            </a:endParaRPr>
           </a:p>
         </p:txBody>
       </p:sp>
     </p:spTree>
     <p:extLst>
       <p:ext uri="{BB962C8B-B14F-4D97-AF65-F5344CB8AC3E}">
-        <p14:creationId xmlns:p14="http://schemas.microsoft.com/office/powerpoint/2010/main" val="535878601"/>
+        <p14:creationId xmlns:p14="http://schemas.microsoft.com/office/powerpoint/2010/main" val="2569251858"/>
       </p:ext>
     </p:extLst>
   </p:cSld>
@@ -4613,8 +4771,8 @@
         </p:nvSpPr>
         <p:spPr>
           <a:xfrm>
-            <a:off x="768531" y="1907028"/>
-            <a:ext cx="10308771" cy="2554545"/>
+            <a:off x="838200" y="2001032"/>
+            <a:ext cx="10289178" cy="3785652"/>
           </a:xfrm>
           <a:prstGeom prst="rect">
             <a:avLst/>
@@ -4628,93 +4786,17 @@
           <a:p>
             <a:pPr algn="just"/>
             <a:r>
+              <a:rPr lang="en-US" sz="2000" dirty="0" smtClean="0"/>
+              <a:t>Card. </a:t>
+            </a:r>
+            <a:r>
               <a:rPr lang="ru-RU" sz="2000" dirty="0" smtClean="0"/>
-              <a:t>Контейнер </a:t>
+              <a:t>Карта </a:t>
             </a:r>
             <a:r>
               <a:rPr lang="ru-RU" sz="2000" dirty="0"/>
-              <a:t>Дат служит для хранения в себе нескольких экземпляров класса </a:t>
-            </a:r>
-            <a:r>
-              <a:rPr lang="ru-RU" sz="2000" dirty="0" err="1"/>
-              <a:t>DateTime</a:t>
-            </a:r>
-            <a:r>
-              <a:rPr lang="ru-RU" sz="2000" dirty="0" smtClean="0"/>
-              <a:t>:</a:t>
-            </a:r>
-            <a:endParaRPr lang="ru-RU" sz="2000" dirty="0"/>
-          </a:p>
-          <a:p>
-            <a:pPr marL="285750" indent="-285750" algn="just">
-              <a:buFont typeface="Arial" panose="020B0604020202020204" pitchFamily="34" charset="0"/>
-              <a:buChar char="•"/>
-            </a:pPr>
-            <a:r>
-              <a:rPr lang="ru-RU" sz="2000" dirty="0" err="1" smtClean="0"/>
-              <a:t>Created</a:t>
-            </a:r>
-            <a:r>
-              <a:rPr lang="ru-RU" sz="2000" dirty="0" smtClean="0"/>
-              <a:t> </a:t>
-            </a:r>
-            <a:r>
-              <a:rPr lang="ru-RU" sz="2000" dirty="0"/>
-              <a:t>(дата создания)</a:t>
-            </a:r>
-          </a:p>
-          <a:p>
-            <a:pPr marL="285750" indent="-285750" algn="just">
-              <a:buFont typeface="Arial" panose="020B0604020202020204" pitchFamily="34" charset="0"/>
-              <a:buChar char="•"/>
-            </a:pPr>
-            <a:r>
-              <a:rPr lang="ru-RU" sz="2000" dirty="0" err="1" smtClean="0"/>
-              <a:t>Updated</a:t>
-            </a:r>
-            <a:r>
-              <a:rPr lang="ru-RU" sz="2000" dirty="0" smtClean="0"/>
-              <a:t> </a:t>
-            </a:r>
-            <a:r>
-              <a:rPr lang="ru-RU" sz="2000" dirty="0"/>
-              <a:t>(дата обновления или </a:t>
-            </a:r>
-            <a:r>
-              <a:rPr lang="ru-RU" sz="2000" dirty="0" err="1"/>
-              <a:t>null</a:t>
-            </a:r>
-            <a:r>
-              <a:rPr lang="ru-RU" sz="2000" dirty="0"/>
-              <a:t>)</a:t>
-            </a:r>
-          </a:p>
-          <a:p>
-            <a:pPr marL="285750" indent="-285750" algn="just">
-              <a:buFont typeface="Arial" panose="020B0604020202020204" pitchFamily="34" charset="0"/>
-              <a:buChar char="•"/>
-            </a:pPr>
-            <a:r>
-              <a:rPr lang="ru-RU" sz="2000" dirty="0" err="1" smtClean="0"/>
-              <a:t>Planned</a:t>
-            </a:r>
-            <a:r>
-              <a:rPr lang="ru-RU" sz="2000" dirty="0" smtClean="0"/>
-              <a:t> </a:t>
-            </a:r>
-            <a:r>
-              <a:rPr lang="ru-RU" sz="2000" dirty="0"/>
-              <a:t>(запланированная дата или </a:t>
-            </a:r>
-            <a:r>
-              <a:rPr lang="ru-RU" sz="2000" dirty="0" err="1"/>
-              <a:t>null</a:t>
-            </a:r>
-            <a:r>
-              <a:rPr lang="ru-RU" sz="2000" dirty="0"/>
-              <a:t>) </a:t>
-            </a:r>
-            <a:endParaRPr lang="ru-RU" sz="2000" dirty="0" smtClean="0"/>
+              <a:t>наследует Уникальный Класс и представляет собой карточку дела. По большей части этот класс содержит в себе основные поля, характерные для карточки.</a:t>
+            </a:r>
           </a:p>
           <a:p>
             <a:pPr algn="just"/>
@@ -4723,12 +4805,100 @@
           <a:p>
             <a:pPr algn="just"/>
             <a:r>
+              <a:rPr lang="ru-RU" sz="2000" dirty="0" err="1" smtClean="0"/>
+              <a:t>CardList</a:t>
+            </a:r>
+            <a:r>
+              <a:rPr lang="en-US" sz="2000" dirty="0" smtClean="0"/>
+              <a:t>. </a:t>
+            </a:r>
+            <a:r>
               <a:rPr lang="ru-RU" sz="2000" dirty="0" smtClean="0"/>
-              <a:t>Стоит </a:t>
+              <a:t>Список </a:t>
             </a:r>
             <a:r>
               <a:rPr lang="ru-RU" sz="2000" dirty="0"/>
-              <a:t>обратить внимание на то, что дата обновления и запланированная дата напрямую зависят от даты создания - они не могут превышать ее. Соответственно, при изменении даты создания зависимые от нее даты будут перепроверены автоматически.</a:t>
+              <a:t>Карт, также как и Карта, наследует Уникальный Класс и представляет собой список карточек дел. В качестве способа хранения экземпляров Карт в классе используется </a:t>
+            </a:r>
+            <a:r>
+              <a:rPr lang="ru-RU" sz="2000" dirty="0" err="1"/>
+              <a:t>Dictionary</a:t>
+            </a:r>
+            <a:r>
+              <a:rPr lang="ru-RU" sz="2000" dirty="0"/>
+              <a:t> (Библиотека).</a:t>
+            </a:r>
+          </a:p>
+          <a:p>
+            <a:pPr algn="just"/>
+            <a:endParaRPr lang="ru-RU" sz="2000" dirty="0" smtClean="0"/>
+          </a:p>
+          <a:p>
+            <a:pPr algn="just"/>
+            <a:r>
+              <a:rPr lang="ru-RU" sz="2000" dirty="0" smtClean="0"/>
+              <a:t>Методы класса:</a:t>
+            </a:r>
+            <a:endParaRPr lang="ru-RU" sz="2000" dirty="0"/>
+          </a:p>
+          <a:p>
+            <a:pPr algn="just"/>
+            <a:r>
+              <a:rPr lang="ru-RU" sz="2000" dirty="0"/>
+              <a:t>- </a:t>
+            </a:r>
+            <a:r>
+              <a:rPr lang="ru-RU" sz="2000" dirty="0" err="1"/>
+              <a:t>Get</a:t>
+            </a:r>
+            <a:r>
+              <a:rPr lang="ru-RU" sz="2000" dirty="0"/>
+              <a:t> (Получить карту)</a:t>
+            </a:r>
+          </a:p>
+          <a:p>
+            <a:pPr algn="just"/>
+            <a:r>
+              <a:rPr lang="ru-RU" sz="2000" dirty="0"/>
+              <a:t>- </a:t>
+            </a:r>
+            <a:r>
+              <a:rPr lang="ru-RU" sz="2000" dirty="0" err="1"/>
+              <a:t>Remove</a:t>
+            </a:r>
+            <a:r>
+              <a:rPr lang="ru-RU" sz="2000" dirty="0"/>
+              <a:t> (Удалить Карту)</a:t>
+            </a:r>
+          </a:p>
+          <a:p>
+            <a:pPr algn="just"/>
+            <a:r>
+              <a:rPr lang="ru-RU" sz="2000" dirty="0"/>
+              <a:t>- </a:t>
+            </a:r>
+            <a:r>
+              <a:rPr lang="ru-RU" sz="2000" dirty="0" err="1"/>
+              <a:t>Set</a:t>
+            </a:r>
+            <a:r>
+              <a:rPr lang="ru-RU" sz="2000" dirty="0"/>
+              <a:t> (Сохранить Карту)</a:t>
+            </a:r>
+          </a:p>
+          <a:p>
+            <a:pPr algn="just"/>
+            <a:r>
+              <a:rPr lang="ru-RU" sz="2000" dirty="0"/>
+              <a:t>- </a:t>
+            </a:r>
+            <a:r>
+              <a:rPr lang="ru-RU" sz="2000" dirty="0" err="1"/>
+              <a:t>Contains</a:t>
+            </a:r>
+            <a:r>
+              <a:rPr lang="ru-RU" sz="2000" dirty="0"/>
+              <a:t> (Проверить наличие Карты)</a:t>
             </a:r>
           </a:p>
         </p:txBody>
@@ -4741,30 +4911,42 @@
         </p:nvSpPr>
         <p:spPr>
           <a:xfrm>
-            <a:off x="838200" y="1322253"/>
-            <a:ext cx="7373983" cy="584775"/>
+            <a:off x="838200" y="1302450"/>
+            <a:ext cx="6096000" cy="584775"/>
           </a:xfrm>
           <a:prstGeom prst="rect">
             <a:avLst/>
           </a:prstGeom>
         </p:spPr>
         <p:txBody>
-          <a:bodyPr wrap="square">
+          <a:bodyPr>
             <a:spAutoFit/>
           </a:bodyPr>
           <a:lstStyle/>
           <a:p>
             <a:r>
-              <a:rPr lang="ru-RU" sz="3200" dirty="0" smtClean="0">
+              <a:rPr lang="ru-RU" sz="3200" dirty="0">
                 <a:latin typeface="+mj-lt"/>
               </a:rPr>
               <a:t>Классы </a:t>
             </a:r>
             <a:r>
-              <a:rPr lang="en-US" sz="3200" dirty="0" err="1" smtClean="0">
+              <a:rPr lang="en-US" sz="3200" dirty="0">
                 <a:latin typeface="+mj-lt"/>
               </a:rPr>
-              <a:t>DateTimeContainer</a:t>
+              <a:t>Card</a:t>
+            </a:r>
+            <a:r>
+              <a:rPr lang="ru-RU" sz="3200" dirty="0">
+                <a:latin typeface="+mj-lt"/>
+              </a:rPr>
+              <a:t> и </a:t>
+            </a:r>
+            <a:r>
+              <a:rPr lang="en-US" sz="3200" dirty="0" err="1">
+                <a:latin typeface="+mj-lt"/>
+              </a:rPr>
+              <a:t>CardList</a:t>
             </a:r>
             <a:endParaRPr lang="en-US" sz="3200" dirty="0">
               <a:latin typeface="+mj-lt"/>
@@ -4775,7 +4957,7 @@
     </p:spTree>
     <p:extLst>
       <p:ext uri="{BB962C8B-B14F-4D97-AF65-F5344CB8AC3E}">
-        <p14:creationId xmlns:p14="http://schemas.microsoft.com/office/powerpoint/2010/main" val="2569251858"/>
+        <p14:creationId xmlns:p14="http://schemas.microsoft.com/office/powerpoint/2010/main" val="4209511652"/>
       </p:ext>
     </p:extLst>
   </p:cSld>
@@ -4844,8 +5026,8 @@
         </p:nvSpPr>
         <p:spPr>
           <a:xfrm>
-            <a:off x="838200" y="2001032"/>
-            <a:ext cx="10289178" cy="3785652"/>
+            <a:off x="838200" y="1887225"/>
+            <a:ext cx="10289178" cy="4524315"/>
           </a:xfrm>
           <a:prstGeom prst="rect">
             <a:avLst/>
@@ -4859,119 +5041,229 @@
           <a:p>
             <a:pPr algn="just"/>
             <a:r>
-              <a:rPr lang="en-US" sz="2000" dirty="0" smtClean="0"/>
-              <a:t>Card. </a:t>
-            </a:r>
-            <a:r>
-              <a:rPr lang="ru-RU" sz="2000" dirty="0" smtClean="0"/>
-              <a:t>Карта </a:t>
-            </a:r>
-            <a:r>
-              <a:rPr lang="ru-RU" sz="2000" dirty="0"/>
-              <a:t>наследует Уникальный Класс и представляет собой карточку дела. По большей части этот класс содержит в себе основные поля, характерные для карточки.</a:t>
-            </a:r>
+              <a:rPr lang="ru-RU" dirty="0"/>
+              <a:t>Библиотека позволяет мгновенно получить Карту через ее идентификатор вне зависимости от количества хранимых Карт, достаточно произвести сортировку один раз и занести идентификаторы в отдельный список для быстрого доступа</a:t>
+            </a:r>
+            <a:r>
+              <a:rPr lang="ru-RU" dirty="0" smtClean="0"/>
+              <a:t>.  Списки и соответствующие им методы класса:</a:t>
+            </a:r>
+            <a:endParaRPr lang="ru-RU" dirty="0"/>
+          </a:p>
+          <a:p>
+            <a:pPr marL="285750" indent="-285750" algn="just">
+              <a:buFont typeface="Arial" panose="020B0604020202020204" pitchFamily="34" charset="0"/>
+              <a:buChar char="•"/>
+            </a:pPr>
+            <a:r>
+              <a:rPr lang="ru-RU" dirty="0" err="1" smtClean="0"/>
+              <a:t>idListDefault</a:t>
+            </a:r>
+            <a:r>
+              <a:rPr lang="ru-RU" dirty="0" smtClean="0"/>
+              <a:t> </a:t>
+            </a:r>
+            <a:r>
+              <a:rPr lang="ru-RU" dirty="0"/>
+              <a:t>(идентификаторы по дате обновления</a:t>
+            </a:r>
+            <a:r>
+              <a:rPr lang="ru-RU" dirty="0" smtClean="0"/>
+              <a:t>)</a:t>
+            </a:r>
+            <a:r>
+              <a:rPr lang="ru-RU" dirty="0"/>
+              <a:t> - </a:t>
+            </a:r>
+            <a:r>
+              <a:rPr lang="ru-RU" dirty="0" err="1"/>
+              <a:t>GetListDefault</a:t>
+            </a:r>
+            <a:r>
+              <a:rPr lang="ru-RU" dirty="0"/>
+              <a:t> (Получение Карт, отсортированных по дате обновления</a:t>
+            </a:r>
+            <a:r>
+              <a:rPr lang="ru-RU" dirty="0" smtClean="0"/>
+              <a:t>)</a:t>
+            </a:r>
+            <a:endParaRPr lang="ru-RU" dirty="0"/>
+          </a:p>
+          <a:p>
+            <a:pPr marL="285750" indent="-285750" algn="just">
+              <a:buFont typeface="Arial" panose="020B0604020202020204" pitchFamily="34" charset="0"/>
+              <a:buChar char="•"/>
+            </a:pPr>
+            <a:r>
+              <a:rPr lang="ru-RU" dirty="0" err="1" smtClean="0"/>
+              <a:t>idListImportant</a:t>
+            </a:r>
+            <a:r>
+              <a:rPr lang="ru-RU" dirty="0" smtClean="0"/>
+              <a:t> </a:t>
+            </a:r>
+            <a:r>
+              <a:rPr lang="ru-RU" dirty="0"/>
+              <a:t>(идентификаторы по статусу важности</a:t>
+            </a:r>
+            <a:r>
+              <a:rPr lang="ru-RU" dirty="0" smtClean="0"/>
+              <a:t>)</a:t>
+            </a:r>
+            <a:r>
+              <a:rPr lang="ru-RU" dirty="0"/>
+              <a:t> - </a:t>
+            </a:r>
+            <a:r>
+              <a:rPr lang="ru-RU" dirty="0" err="1"/>
+              <a:t>GetListImportant</a:t>
+            </a:r>
+            <a:r>
+              <a:rPr lang="ru-RU" dirty="0"/>
+              <a:t> (Получение Карт, отсортированных по статусу важности</a:t>
+            </a:r>
+            <a:r>
+              <a:rPr lang="ru-RU" dirty="0" smtClean="0"/>
+              <a:t>)</a:t>
+            </a:r>
+            <a:endParaRPr lang="ru-RU" dirty="0"/>
+          </a:p>
+          <a:p>
+            <a:pPr marL="285750" indent="-285750" algn="just">
+              <a:buFont typeface="Arial" panose="020B0604020202020204" pitchFamily="34" charset="0"/>
+              <a:buChar char="•"/>
+            </a:pPr>
+            <a:r>
+              <a:rPr lang="ru-RU" dirty="0" err="1" smtClean="0"/>
+              <a:t>idListCompleted</a:t>
+            </a:r>
+            <a:r>
+              <a:rPr lang="ru-RU" dirty="0" smtClean="0"/>
+              <a:t> </a:t>
+            </a:r>
+            <a:r>
+              <a:rPr lang="ru-RU" dirty="0"/>
+              <a:t>(идентификаторы по статусу выполнения</a:t>
+            </a:r>
+            <a:r>
+              <a:rPr lang="ru-RU" dirty="0" smtClean="0"/>
+              <a:t>)</a:t>
+            </a:r>
+            <a:r>
+              <a:rPr lang="ru-RU" dirty="0"/>
+              <a:t> - </a:t>
+            </a:r>
+            <a:r>
+              <a:rPr lang="ru-RU" dirty="0" err="1"/>
+              <a:t>GetListCompleted</a:t>
+            </a:r>
+            <a:r>
+              <a:rPr lang="ru-RU" dirty="0"/>
+              <a:t> (Получение Карт, отсортированных по статусу выполнения</a:t>
+            </a:r>
+            <a:r>
+              <a:rPr lang="ru-RU" dirty="0" smtClean="0"/>
+              <a:t>)</a:t>
+            </a:r>
+            <a:endParaRPr lang="ru-RU" dirty="0"/>
           </a:p>
           <a:p>
             <a:pPr algn="just"/>
-            <a:endParaRPr lang="ru-RU" sz="2000" dirty="0"/>
+            <a:r>
+              <a:rPr lang="ru-RU" dirty="0"/>
+              <a:t>Управление статусом сортировки. Перечисление </a:t>
+            </a:r>
+            <a:r>
+              <a:rPr lang="ru-RU" dirty="0" err="1"/>
+              <a:t>SortOrder</a:t>
+            </a:r>
+            <a:r>
+              <a:rPr lang="ru-RU" dirty="0"/>
+              <a:t> (Направление Сортировки</a:t>
+            </a:r>
+            <a:r>
+              <a:rPr lang="ru-RU" dirty="0" smtClean="0"/>
+              <a:t>):</a:t>
+            </a:r>
+            <a:endParaRPr lang="ru-RU" dirty="0"/>
+          </a:p>
+          <a:p>
+            <a:pPr marL="285750" indent="-285750" algn="just">
+              <a:buFont typeface="Arial" panose="020B0604020202020204" pitchFamily="34" charset="0"/>
+              <a:buChar char="•"/>
+            </a:pPr>
+            <a:r>
+              <a:rPr lang="ru-RU" dirty="0" err="1" smtClean="0"/>
+              <a:t>Initial</a:t>
+            </a:r>
+            <a:r>
+              <a:rPr lang="ru-RU" dirty="0" smtClean="0"/>
+              <a:t> </a:t>
+            </a:r>
+            <a:r>
+              <a:rPr lang="ru-RU" dirty="0"/>
+              <a:t>(Карты необходимо отсортировать (используется только внутри класса))</a:t>
+            </a:r>
+          </a:p>
+          <a:p>
+            <a:pPr marL="285750" indent="-285750" algn="just">
+              <a:buFont typeface="Arial" panose="020B0604020202020204" pitchFamily="34" charset="0"/>
+              <a:buChar char="•"/>
+            </a:pPr>
+            <a:r>
+              <a:rPr lang="ru-RU" dirty="0" err="1" smtClean="0"/>
+              <a:t>Unsorted</a:t>
+            </a:r>
+            <a:r>
+              <a:rPr lang="ru-RU" dirty="0" smtClean="0"/>
+              <a:t> </a:t>
+            </a:r>
+            <a:r>
+              <a:rPr lang="ru-RU" dirty="0"/>
+              <a:t>(В произвольном порядке)</a:t>
+            </a:r>
+          </a:p>
+          <a:p>
+            <a:pPr marL="285750" indent="-285750" algn="just">
+              <a:buFont typeface="Arial" panose="020B0604020202020204" pitchFamily="34" charset="0"/>
+              <a:buChar char="•"/>
+            </a:pPr>
+            <a:r>
+              <a:rPr lang="ru-RU" dirty="0" err="1" smtClean="0"/>
+              <a:t>Ascending</a:t>
+            </a:r>
+            <a:r>
+              <a:rPr lang="ru-RU" dirty="0" smtClean="0"/>
+              <a:t> </a:t>
+            </a:r>
+            <a:r>
+              <a:rPr lang="ru-RU" dirty="0"/>
+              <a:t>(По возрастанию)</a:t>
+            </a:r>
+          </a:p>
+          <a:p>
+            <a:pPr marL="285750" indent="-285750" algn="just">
+              <a:buFont typeface="Arial" panose="020B0604020202020204" pitchFamily="34" charset="0"/>
+              <a:buChar char="•"/>
+            </a:pPr>
+            <a:r>
+              <a:rPr lang="ru-RU" dirty="0" err="1" smtClean="0"/>
+              <a:t>Descending</a:t>
+            </a:r>
+            <a:r>
+              <a:rPr lang="ru-RU" dirty="0" smtClean="0"/>
+              <a:t> </a:t>
+            </a:r>
+            <a:r>
+              <a:rPr lang="ru-RU" dirty="0"/>
+              <a:t>(По убыванию)</a:t>
+            </a:r>
           </a:p>
           <a:p>
             <a:pPr algn="just"/>
             <a:r>
-              <a:rPr lang="ru-RU" sz="2000" dirty="0" err="1" smtClean="0"/>
-              <a:t>CardList</a:t>
-            </a:r>
-            <a:r>
-              <a:rPr lang="en-US" sz="2000" dirty="0" smtClean="0"/>
-              <a:t>. </a:t>
-            </a:r>
-            <a:r>
-              <a:rPr lang="ru-RU" sz="2000" dirty="0" smtClean="0"/>
-              <a:t>Список </a:t>
-            </a:r>
-            <a:r>
-              <a:rPr lang="ru-RU" sz="2000" dirty="0"/>
-              <a:t>Карт, также как и Карта, наследует Уникальный Класс и представляет собой список карточек дел. В качестве способа хранения экземпляров Карт в классе используется </a:t>
-            </a:r>
-            <a:r>
-              <a:rPr lang="ru-RU" sz="2000" dirty="0" err="1"/>
-              <a:t>Dictionary</a:t>
-            </a:r>
-            <a:r>
-              <a:rPr lang="ru-RU" sz="2000" dirty="0"/>
-              <a:t> (Библиотека).</a:t>
-            </a:r>
-          </a:p>
-          <a:p>
-            <a:pPr algn="just"/>
-            <a:endParaRPr lang="ru-RU" sz="2000" dirty="0" smtClean="0"/>
-          </a:p>
-          <a:p>
-            <a:pPr algn="just"/>
-            <a:r>
-              <a:rPr lang="ru-RU" sz="2000" dirty="0" smtClean="0"/>
-              <a:t>Методы класса:</a:t>
-            </a:r>
-            <a:endParaRPr lang="ru-RU" sz="2000" dirty="0"/>
-          </a:p>
-          <a:p>
-            <a:pPr algn="just"/>
-            <a:r>
-              <a:rPr lang="ru-RU" sz="2000" dirty="0"/>
-              <a:t>- </a:t>
-            </a:r>
-            <a:r>
-              <a:rPr lang="ru-RU" sz="2000" dirty="0" err="1"/>
-              <a:t>Get</a:t>
-            </a:r>
-            <a:r>
-              <a:rPr lang="ru-RU" sz="2000" dirty="0"/>
-              <a:t> (Получить карту)</a:t>
-            </a:r>
-          </a:p>
-          <a:p>
-            <a:pPr algn="just"/>
-            <a:r>
-              <a:rPr lang="ru-RU" sz="2000" dirty="0"/>
-              <a:t>- </a:t>
-            </a:r>
-            <a:r>
-              <a:rPr lang="ru-RU" sz="2000" dirty="0" err="1"/>
-              <a:t>Remove</a:t>
-            </a:r>
-            <a:r>
-              <a:rPr lang="ru-RU" sz="2000" dirty="0"/>
-              <a:t> (Удалить Карту)</a:t>
-            </a:r>
-          </a:p>
-          <a:p>
-            <a:pPr algn="just"/>
-            <a:r>
-              <a:rPr lang="ru-RU" sz="2000" dirty="0"/>
-              <a:t>- </a:t>
-            </a:r>
-            <a:r>
-              <a:rPr lang="ru-RU" sz="2000" dirty="0" err="1"/>
-              <a:t>Set</a:t>
-            </a:r>
-            <a:r>
-              <a:rPr lang="ru-RU" sz="2000" dirty="0"/>
-              <a:t> (Сохранить Карту)</a:t>
-            </a:r>
-          </a:p>
-          <a:p>
-            <a:pPr algn="just"/>
-            <a:r>
-              <a:rPr lang="ru-RU" sz="2000" dirty="0"/>
-              <a:t>- </a:t>
-            </a:r>
-            <a:r>
-              <a:rPr lang="ru-RU" sz="2000" dirty="0" err="1"/>
-              <a:t>Contains</a:t>
-            </a:r>
-            <a:r>
-              <a:rPr lang="ru-RU" sz="2000" dirty="0"/>
-              <a:t> (Проверить наличие Карты)</a:t>
+              <a:rPr lang="ru-RU" dirty="0"/>
+              <a:t>Соответственно, с помощью этого перечисления при использовании методов получения отсортированных Карт существует возможность указать необходимый порядок.</a:t>
             </a:r>
           </a:p>
         </p:txBody>
@@ -5004,22 +5296,28 @@
               <a:t>Классы </a:t>
             </a:r>
             <a:r>
-              <a:rPr lang="en-US" sz="3200" dirty="0">
+              <a:rPr lang="en-US" sz="3200" dirty="0" smtClean="0">
                 <a:latin typeface="+mj-lt"/>
               </a:rPr>
               <a:t>Card</a:t>
             </a:r>
             <a:r>
+              <a:rPr lang="ru-RU" sz="3200" dirty="0" smtClean="0">
+                <a:latin typeface="+mj-lt"/>
+              </a:rPr>
+              <a:t>: сортировк</a:t>
+            </a:r>
+            <a:r>
               <a:rPr lang="ru-RU" sz="3200" dirty="0">
                 <a:latin typeface="+mj-lt"/>
               </a:rPr>
-              <a:t> и </a:t>
-            </a:r>
-            <a:r>
-              <a:rPr lang="en-US" sz="3200" dirty="0" err="1">
+              <a:t>а</a:t>
+            </a:r>
+            <a:r>
+              <a:rPr lang="ru-RU" sz="3200" dirty="0" smtClean="0">
                 <a:latin typeface="+mj-lt"/>
               </a:rPr>
-              <a:t>CardList</a:t>
+              <a:t> карт</a:t>
             </a:r>
             <a:endParaRPr lang="en-US" sz="3200" dirty="0">
               <a:latin typeface="+mj-lt"/>
@@ -5030,7 +5328,7 @@
     </p:spTree>
     <p:extLst>
       <p:ext uri="{BB962C8B-B14F-4D97-AF65-F5344CB8AC3E}">
-        <p14:creationId xmlns:p14="http://schemas.microsoft.com/office/powerpoint/2010/main" val="4209511652"/>
+        <p14:creationId xmlns:p14="http://schemas.microsoft.com/office/powerpoint/2010/main" val="2918729351"/>
       </p:ext>
     </p:extLst>
   </p:cSld>
@@ -5074,20 +5372,20 @@
             <p:ph type="title"/>
           </p:nvPr>
         </p:nvSpPr>
-        <p:spPr/>
+        <p:spPr>
+          <a:xfrm>
+            <a:off x="838200" y="288180"/>
+            <a:ext cx="10515600" cy="1325563"/>
+          </a:xfrm>
+        </p:spPr>
         <p:txBody>
           <a:bodyPr/>
           <a:lstStyle/>
           <a:p>
             <a:r>
               <a:rPr lang="ru-RU" dirty="0"/>
-              <a:t>Пространство имен </a:t>
-            </a:r>
-            <a:r>
-              <a:rPr lang="en-US" dirty="0" err="1" smtClean="0"/>
-              <a:t>Timelon.Data</a:t>
-            </a:r>
-            <a:endParaRPr lang="ru-RU" dirty="0"/>
+              <a:t>Тестирование</a:t>
+            </a:r>
           </a:p>
         </p:txBody>
       </p:sp>
@@ -5099,321 +5397,134 @@
         </p:nvSpPr>
         <p:spPr>
           <a:xfrm>
-            <a:off x="838200" y="1887225"/>
-            <a:ext cx="10289178" cy="4524315"/>
+            <a:off x="838200" y="1321356"/>
+            <a:ext cx="8848897" cy="584775"/>
           </a:xfrm>
           <a:prstGeom prst="rect">
             <a:avLst/>
           </a:prstGeom>
         </p:spPr>
         <p:txBody>
-          <a:bodyPr wrap="square">
+          <a:bodyPr wrap="none">
             <a:spAutoFit/>
           </a:bodyPr>
           <a:lstStyle/>
           <a:p>
-            <a:pPr algn="just"/>
-            <a:r>
-              <a:rPr lang="ru-RU" dirty="0"/>
-              <a:t>Библиотека позволяет мгновенно получить Карту через ее идентификатор вне зависимости от количества хранимых Карт, достаточно произвести сортировку один раз и занести идентификаторы в отдельный список для быстрого доступа</a:t>
-            </a:r>
-            <a:r>
-              <a:rPr lang="ru-RU" dirty="0" smtClean="0"/>
-              <a:t>.  Списки и соответствующие им методы класса:</a:t>
-            </a:r>
-            <a:endParaRPr lang="ru-RU" dirty="0"/>
-          </a:p>
-          <a:p>
-            <a:pPr marL="285750" indent="-285750" algn="just">
-              <a:buFont typeface="Arial" panose="020B0604020202020204" pitchFamily="34" charset="0"/>
-              <a:buChar char="•"/>
-            </a:pPr>
-            <a:r>
-              <a:rPr lang="ru-RU" dirty="0" err="1" smtClean="0"/>
-              <a:t>idListDefault</a:t>
-            </a:r>
-            <a:r>
-              <a:rPr lang="ru-RU" dirty="0" smtClean="0"/>
+            <a:r>
+              <a:rPr lang="ru-RU" sz="3200" dirty="0">
+                <a:latin typeface="+mj-lt"/>
+              </a:rPr>
+              <a:t>Консольный проект </a:t>
+            </a:r>
+            <a:r>
+              <a:rPr lang="en-US" sz="3200" dirty="0" err="1">
+                <a:latin typeface="+mj-lt"/>
+              </a:rPr>
+              <a:t>ConsoleTest.cs</a:t>
+            </a:r>
+            <a:r>
+              <a:rPr lang="en-US" sz="3200" dirty="0">
+                <a:latin typeface="+mj-lt"/>
+              </a:rPr>
               <a:t> </a:t>
             </a:r>
             <a:r>
-              <a:rPr lang="ru-RU" dirty="0"/>
-              <a:t>(идентификаторы по дате обновления</a:t>
-            </a:r>
-            <a:r>
-              <a:rPr lang="ru-RU" dirty="0" smtClean="0"/>
-              <a:t>)</a:t>
-            </a:r>
-            <a:r>
-              <a:rPr lang="ru-RU" dirty="0"/>
-              <a:t> - </a:t>
-            </a:r>
-            <a:r>
-              <a:rPr lang="ru-RU" dirty="0" err="1"/>
-              <a:t>GetListDefault</a:t>
-            </a:r>
-            <a:r>
-              <a:rPr lang="ru-RU" dirty="0"/>
-              <a:t> (Получение Карт, отсортированных по дате обновления</a:t>
-            </a:r>
-            <a:r>
-              <a:rPr lang="ru-RU" dirty="0" smtClean="0"/>
-              <a:t>)</a:t>
-            </a:r>
-            <a:endParaRPr lang="ru-RU" dirty="0"/>
-          </a:p>
-          <a:p>
-            <a:pPr marL="285750" indent="-285750" algn="just">
-              <a:buFont typeface="Arial" panose="020B0604020202020204" pitchFamily="34" charset="0"/>
-              <a:buChar char="•"/>
-            </a:pPr>
-            <a:r>
-              <a:rPr lang="ru-RU" dirty="0" err="1" smtClean="0"/>
-              <a:t>idListImportant</a:t>
-            </a:r>
-            <a:r>
-              <a:rPr lang="ru-RU" dirty="0" smtClean="0"/>
-              <a:t> </a:t>
-            </a:r>
-            <a:r>
-              <a:rPr lang="ru-RU" dirty="0"/>
-              <a:t>(идентификаторы по статусу важности</a:t>
-            </a:r>
-            <a:r>
-              <a:rPr lang="ru-RU" dirty="0" smtClean="0"/>
-              <a:t>)</a:t>
-            </a:r>
-            <a:r>
-              <a:rPr lang="ru-RU" dirty="0"/>
-              <a:t> - </a:t>
-            </a:r>
-            <a:r>
-              <a:rPr lang="ru-RU" dirty="0" err="1"/>
-              <a:t>GetListImportant</a:t>
-            </a:r>
-            <a:r>
-              <a:rPr lang="ru-RU" dirty="0"/>
-              <a:t> (Получение Карт, отсортированных по статусу важности</a:t>
-            </a:r>
-            <a:r>
-              <a:rPr lang="ru-RU" dirty="0" smtClean="0"/>
-              <a:t>)</a:t>
-            </a:r>
-            <a:endParaRPr lang="ru-RU" dirty="0"/>
-          </a:p>
-          <a:p>
-            <a:pPr marL="285750" indent="-285750" algn="just">
-              <a:buFont typeface="Arial" panose="020B0604020202020204" pitchFamily="34" charset="0"/>
-              <a:buChar char="•"/>
-            </a:pPr>
-            <a:r>
-              <a:rPr lang="ru-RU" dirty="0" err="1" smtClean="0"/>
-              <a:t>idListCompleted</a:t>
-            </a:r>
-            <a:r>
-              <a:rPr lang="ru-RU" dirty="0" smtClean="0"/>
-              <a:t> </a:t>
-            </a:r>
-            <a:r>
-              <a:rPr lang="ru-RU" dirty="0"/>
-              <a:t>(идентификаторы по статусу выполнения</a:t>
-            </a:r>
-            <a:r>
-              <a:rPr lang="ru-RU" dirty="0" smtClean="0"/>
-              <a:t>)</a:t>
-            </a:r>
-            <a:r>
-              <a:rPr lang="ru-RU" dirty="0"/>
-              <a:t> - </a:t>
-            </a:r>
-            <a:r>
-              <a:rPr lang="ru-RU" dirty="0" err="1"/>
-              <a:t>GetListCompleted</a:t>
-            </a:r>
-            <a:r>
-              <a:rPr lang="ru-RU" dirty="0"/>
-              <a:t> (Получение Карт, отсортированных по статусу выполнения</a:t>
-            </a:r>
-            <a:r>
-              <a:rPr lang="ru-RU" dirty="0" smtClean="0"/>
-              <a:t>)</a:t>
-            </a:r>
-            <a:endParaRPr lang="ru-RU" dirty="0"/>
-          </a:p>
-          <a:p>
-            <a:pPr algn="just"/>
-            <a:r>
-              <a:rPr lang="ru-RU" dirty="0"/>
-              <a:t>Управление статусом сортировки. Перечисление </a:t>
-            </a:r>
-            <a:r>
-              <a:rPr lang="ru-RU" dirty="0" err="1"/>
-              <a:t>SortOrder</a:t>
-            </a:r>
-            <a:r>
-              <a:rPr lang="ru-RU" dirty="0"/>
-              <a:t> (Направление Сортировки</a:t>
-            </a:r>
-            <a:r>
-              <a:rPr lang="ru-RU" dirty="0" smtClean="0"/>
-              <a:t>):</a:t>
-            </a:r>
-            <a:endParaRPr lang="ru-RU" dirty="0"/>
-          </a:p>
-          <a:p>
-            <a:pPr marL="285750" indent="-285750" algn="just">
-              <a:buFont typeface="Arial" panose="020B0604020202020204" pitchFamily="34" charset="0"/>
-              <a:buChar char="•"/>
-            </a:pPr>
-            <a:r>
-              <a:rPr lang="ru-RU" dirty="0" err="1" smtClean="0"/>
-              <a:t>Initial</a:t>
-            </a:r>
-            <a:r>
-              <a:rPr lang="ru-RU" dirty="0" smtClean="0"/>
-              <a:t> </a:t>
-            </a:r>
-            <a:r>
-              <a:rPr lang="ru-RU" dirty="0"/>
-              <a:t>(Карты необходимо отсортировать (используется только внутри класса))</a:t>
-            </a:r>
-          </a:p>
-          <a:p>
-            <a:pPr marL="285750" indent="-285750" algn="just">
-              <a:buFont typeface="Arial" panose="020B0604020202020204" pitchFamily="34" charset="0"/>
-              <a:buChar char="•"/>
-            </a:pPr>
-            <a:r>
-              <a:rPr lang="ru-RU" dirty="0" err="1" smtClean="0"/>
-              <a:t>Unsorted</a:t>
-            </a:r>
-            <a:r>
-              <a:rPr lang="ru-RU" dirty="0" smtClean="0"/>
-              <a:t> </a:t>
-            </a:r>
-            <a:r>
-              <a:rPr lang="ru-RU" dirty="0"/>
-              <a:t>(В произвольном порядке)</a:t>
-            </a:r>
-          </a:p>
-          <a:p>
-            <a:pPr marL="285750" indent="-285750" algn="just">
-              <a:buFont typeface="Arial" panose="020B0604020202020204" pitchFamily="34" charset="0"/>
-              <a:buChar char="•"/>
-            </a:pPr>
-            <a:r>
-              <a:rPr lang="ru-RU" dirty="0" err="1" smtClean="0"/>
-              <a:t>Ascending</a:t>
-            </a:r>
-            <a:r>
-              <a:rPr lang="ru-RU" dirty="0" smtClean="0"/>
-              <a:t> </a:t>
-            </a:r>
-            <a:r>
-              <a:rPr lang="ru-RU" dirty="0"/>
-              <a:t>(По возрастанию)</a:t>
-            </a:r>
-          </a:p>
-          <a:p>
-            <a:pPr marL="285750" indent="-285750" algn="just">
-              <a:buFont typeface="Arial" panose="020B0604020202020204" pitchFamily="34" charset="0"/>
-              <a:buChar char="•"/>
-            </a:pPr>
-            <a:r>
-              <a:rPr lang="ru-RU" dirty="0" err="1" smtClean="0"/>
-              <a:t>Descending</a:t>
-            </a:r>
-            <a:r>
-              <a:rPr lang="ru-RU" dirty="0" smtClean="0"/>
-              <a:t> </a:t>
-            </a:r>
-            <a:r>
-              <a:rPr lang="ru-RU" dirty="0"/>
-              <a:t>(По убыванию)</a:t>
-            </a:r>
-          </a:p>
-          <a:p>
-            <a:pPr algn="just"/>
-            <a:r>
-              <a:rPr lang="ru-RU" dirty="0"/>
-              <a:t>Соответственно, с помощью этого перечисления при использовании методов получения отсортированных Карт существует возможность указать необходимый порядок.</a:t>
-            </a:r>
-          </a:p>
-        </p:txBody>
-      </p:sp>
-      <p:sp>
-        <p:nvSpPr>
-          <p:cNvPr id="4" name="Прямоугольник 3"/>
+              <a:rPr lang="ru-RU" sz="3200" dirty="0">
+                <a:latin typeface="+mj-lt"/>
+              </a:rPr>
+              <a:t>и </a:t>
+            </a:r>
+            <a:r>
+              <a:rPr lang="en-US" sz="3200" dirty="0" err="1">
+                <a:latin typeface="+mj-lt"/>
+              </a:rPr>
+              <a:t>Randomizer.cs</a:t>
+            </a:r>
+            <a:endParaRPr lang="en-US" sz="3200" dirty="0">
+              <a:latin typeface="+mj-lt"/>
+            </a:endParaRPr>
+          </a:p>
+        </p:txBody>
+      </p:sp>
+      <p:sp>
+        <p:nvSpPr>
+          <p:cNvPr id="5" name="Прямоугольник 4"/>
           <p:cNvSpPr/>
           <p:nvPr/>
         </p:nvSpPr>
         <p:spPr>
           <a:xfrm>
-            <a:off x="838200" y="1302450"/>
-            <a:ext cx="6096000" cy="584775"/>
+            <a:off x="838200" y="2062144"/>
+            <a:ext cx="7665368" cy="1754326"/>
           </a:xfrm>
           <a:prstGeom prst="rect">
             <a:avLst/>
           </a:prstGeom>
         </p:spPr>
         <p:txBody>
-          <a:bodyPr>
+          <a:bodyPr wrap="none">
             <a:spAutoFit/>
           </a:bodyPr>
           <a:lstStyle/>
           <a:p>
             <a:r>
-              <a:rPr lang="ru-RU" sz="3200" dirty="0">
-                <a:latin typeface="+mj-lt"/>
-              </a:rPr>
-              <a:t>Классы </a:t>
-            </a:r>
-            <a:r>
-              <a:rPr lang="en-US" sz="3200" dirty="0" smtClean="0">
-                <a:latin typeface="+mj-lt"/>
-              </a:rPr>
-              <a:t>Card</a:t>
-            </a:r>
-            <a:r>
-              <a:rPr lang="ru-RU" sz="3200" dirty="0" smtClean="0">
-                <a:latin typeface="+mj-lt"/>
-              </a:rPr>
-              <a:t>: </a:t>
-            </a:r>
-            <a:r>
-              <a:rPr lang="ru-RU" sz="3200" dirty="0" smtClean="0">
-                <a:latin typeface="+mj-lt"/>
-              </a:rPr>
-              <a:t>сортировк</a:t>
-            </a:r>
-            <a:r>
-              <a:rPr lang="ru-RU" sz="3200" dirty="0">
-                <a:latin typeface="+mj-lt"/>
-              </a:rPr>
-              <a:t>а</a:t>
-            </a:r>
-            <a:r>
-              <a:rPr lang="ru-RU" sz="3200" dirty="0" smtClean="0">
-                <a:latin typeface="+mj-lt"/>
-              </a:rPr>
-              <a:t> </a:t>
-            </a:r>
-            <a:r>
-              <a:rPr lang="ru-RU" sz="3200" dirty="0" smtClean="0">
-                <a:latin typeface="+mj-lt"/>
-              </a:rPr>
-              <a:t>карт</a:t>
-            </a:r>
-            <a:endParaRPr lang="en-US" sz="3200" dirty="0">
-              <a:latin typeface="+mj-lt"/>
-            </a:endParaRPr>
+              <a:rPr lang="ru-RU" dirty="0"/>
+              <a:t>Консольный проект включает в себя следующие тесты:</a:t>
+            </a:r>
+          </a:p>
+          <a:p>
+            <a:pPr marL="285750" indent="-285750">
+              <a:buFont typeface="Arial" panose="020B0604020202020204" pitchFamily="34" charset="0"/>
+              <a:buChar char="•"/>
+            </a:pPr>
+            <a:r>
+              <a:rPr lang="ru-RU" dirty="0"/>
+              <a:t>Тест создания случайных карт</a:t>
+            </a:r>
+          </a:p>
+          <a:p>
+            <a:pPr marL="285750" indent="-285750">
+              <a:buFont typeface="Arial" panose="020B0604020202020204" pitchFamily="34" charset="0"/>
+              <a:buChar char="•"/>
+            </a:pPr>
+            <a:r>
+              <a:rPr lang="ru-RU" dirty="0"/>
+              <a:t>Тест создания случайного списка карт и сортировки</a:t>
+            </a:r>
+          </a:p>
+          <a:p>
+            <a:pPr marL="285750" indent="-285750">
+              <a:buFont typeface="Arial" panose="020B0604020202020204" pitchFamily="34" charset="0"/>
+              <a:buChar char="•"/>
+            </a:pPr>
+            <a:r>
+              <a:rPr lang="ru-RU" dirty="0"/>
+              <a:t>Тест создания случайных списков карт в менеджере и работы с данными</a:t>
+            </a:r>
+          </a:p>
+          <a:p>
+            <a:pPr marL="285750" indent="-285750">
+              <a:buFont typeface="Arial" panose="020B0604020202020204" pitchFamily="34" charset="0"/>
+              <a:buChar char="•"/>
+            </a:pPr>
+            <a:r>
+              <a:rPr lang="ru-RU" dirty="0"/>
+              <a:t>Тест с измерением времени выполнения основных операций списка карт</a:t>
+            </a:r>
+          </a:p>
+          <a:p>
+            <a:pPr marL="285750" indent="-285750">
+              <a:buFont typeface="Arial" panose="020B0604020202020204" pitchFamily="34" charset="0"/>
+              <a:buChar char="•"/>
+            </a:pPr>
+            <a:endParaRPr lang="ru-RU" dirty="0"/>
           </a:p>
         </p:txBody>
       </p:sp>
     </p:spTree>
     <p:extLst>
       <p:ext uri="{BB962C8B-B14F-4D97-AF65-F5344CB8AC3E}">
-        <p14:creationId xmlns:p14="http://schemas.microsoft.com/office/powerpoint/2010/main" val="2918729351"/>
+        <p14:creationId xmlns:p14="http://schemas.microsoft.com/office/powerpoint/2010/main" val="1424994494"/>
       </p:ext>
     </p:extLst>
   </p:cSld>
@@ -5585,114 +5696,53 @@
             <p:ph type="title"/>
           </p:nvPr>
         </p:nvSpPr>
+        <p:spPr/>
+        <p:txBody>
+          <a:bodyPr/>
+          <a:lstStyle/>
+          <a:p>
+            <a:r>
+              <a:rPr lang="ru-RU" dirty="0"/>
+              <a:t>Тестирование</a:t>
+            </a:r>
+          </a:p>
+        </p:txBody>
+      </p:sp>
+      <p:sp>
+        <p:nvSpPr>
+          <p:cNvPr id="3" name="TextBox 2">
+            <a:extLst>
+              <a:ext uri="{FF2B5EF4-FFF2-40B4-BE49-F238E27FC236}">
+                <a16:creationId xmlns:a16="http://schemas.microsoft.com/office/drawing/2014/main" id="{4C7D212D-B684-491A-8C10-17B8B661A75D}"/>
+              </a:ext>
+            </a:extLst>
+          </p:cNvPr>
+          <p:cNvSpPr txBox="1"/>
+          <p:nvPr/>
+        </p:nvSpPr>
         <p:spPr>
           <a:xfrm>
-            <a:off x="838200" y="288180"/>
-            <a:ext cx="10515600" cy="1325563"/>
-          </a:xfrm>
-        </p:spPr>
-        <p:txBody>
-          <a:bodyPr/>
-          <a:lstStyle/>
-          <a:p>
-            <a:r>
-              <a:rPr lang="ru-RU" dirty="0"/>
-              <a:t>Тестирование</a:t>
-            </a:r>
-          </a:p>
-        </p:txBody>
-      </p:sp>
-      <p:sp>
-        <p:nvSpPr>
-          <p:cNvPr id="3" name="Прямоугольник 2"/>
-          <p:cNvSpPr/>
-          <p:nvPr/>
-        </p:nvSpPr>
-        <p:spPr>
-          <a:xfrm>
-            <a:off x="838200" y="1321356"/>
-            <a:ext cx="8848897" cy="584775"/>
+            <a:off x="2629231" y="2282024"/>
+            <a:ext cx="6933538" cy="3108543"/>
           </a:xfrm>
           <a:prstGeom prst="rect">
             <a:avLst/>
           </a:prstGeom>
+          <a:noFill/>
         </p:spPr>
         <p:txBody>
-          <a:bodyPr wrap="none">
+          <a:bodyPr wrap="square" rtlCol="0">
             <a:spAutoFit/>
           </a:bodyPr>
           <a:lstStyle/>
           <a:p>
-            <a:r>
-              <a:rPr lang="ru-RU" sz="3200" dirty="0">
-                <a:latin typeface="+mj-lt"/>
-              </a:rPr>
-              <a:t>Консольный проект </a:t>
-            </a:r>
-            <a:r>
-              <a:rPr lang="en-US" sz="3200" dirty="0" err="1">
-                <a:latin typeface="+mj-lt"/>
-              </a:rPr>
-              <a:t>ConsoleTest.cs</a:t>
-            </a:r>
-            <a:r>
-              <a:rPr lang="en-US" sz="3200" dirty="0">
-                <a:latin typeface="+mj-lt"/>
-              </a:rPr>
-              <a:t> </a:t>
-            </a:r>
-            <a:r>
-              <a:rPr lang="ru-RU" sz="3200" dirty="0">
-                <a:latin typeface="+mj-lt"/>
-              </a:rPr>
-              <a:t>и </a:t>
-            </a:r>
-            <a:r>
-              <a:rPr lang="en-US" sz="3200" dirty="0" err="1">
-                <a:latin typeface="+mj-lt"/>
-              </a:rPr>
-              <a:t>Randomizer.cs</a:t>
-            </a:r>
-            <a:endParaRPr lang="en-US" sz="3200" dirty="0">
-              <a:latin typeface="+mj-lt"/>
-            </a:endParaRPr>
-          </a:p>
-        </p:txBody>
-      </p:sp>
-      <p:sp>
-        <p:nvSpPr>
-          <p:cNvPr id="5" name="Прямоугольник 4"/>
-          <p:cNvSpPr/>
-          <p:nvPr/>
-        </p:nvSpPr>
-        <p:spPr>
-          <a:xfrm>
-            <a:off x="838200" y="2062144"/>
-            <a:ext cx="7665368" cy="1754326"/>
-          </a:xfrm>
-          <a:prstGeom prst="rect">
-            <a:avLst/>
-          </a:prstGeom>
-        </p:spPr>
-        <p:txBody>
-          <a:bodyPr wrap="none">
-            <a:spAutoFit/>
-          </a:bodyPr>
-          <a:lstStyle/>
-          <a:p>
-            <a:r>
-              <a:rPr lang="ru-RU" dirty="0"/>
-              <a:t>Консольный проект включает в себя следующие тесты:</a:t>
-            </a:r>
-          </a:p>
-          <a:p>
             <a:pPr marL="285750" indent="-285750">
               <a:buFont typeface="Arial" panose="020B0604020202020204" pitchFamily="34" charset="0"/>
               <a:buChar char="•"/>
             </a:pPr>
             <a:r>
-              <a:rPr lang="ru-RU" dirty="0"/>
-              <a:t>Тест создания случайных карт</a:t>
+              <a:rPr lang="ru-RU" sz="2800" dirty="0"/>
+              <a:t>Почему тестирование это важно?</a:t>
             </a:r>
           </a:p>
           <a:p>
@@ -5701,8 +5751,8 @@
               <a:buChar char="•"/>
             </a:pPr>
             <a:r>
-              <a:rPr lang="ru-RU" dirty="0"/>
-              <a:t>Тест создания случайного списка карт и сортировки</a:t>
+              <a:rPr lang="ru-RU" sz="2800" dirty="0"/>
+              <a:t>Требования к проекту</a:t>
             </a:r>
           </a:p>
           <a:p>
@@ -5711,8 +5761,8 @@
               <a:buChar char="•"/>
             </a:pPr>
             <a:r>
-              <a:rPr lang="ru-RU" dirty="0"/>
-              <a:t>Тест создания случайных списков карт в менеджере и работы с данными</a:t>
+              <a:rPr lang="ru-RU" sz="2800" dirty="0"/>
+              <a:t>Тест план</a:t>
             </a:r>
           </a:p>
           <a:p>
@@ -5721,8 +5771,8 @@
               <a:buChar char="•"/>
             </a:pPr>
             <a:r>
-              <a:rPr lang="ru-RU" dirty="0"/>
-              <a:t>Тест с измерением времени выполнения основных операций списка карт</a:t>
+              <a:rPr lang="ru-RU" sz="2800" dirty="0"/>
+              <a:t>Методы тестирования</a:t>
             </a:r>
           </a:p>
           <a:p>
@@ -5730,14 +5780,31 @@
               <a:buFont typeface="Arial" panose="020B0604020202020204" pitchFamily="34" charset="0"/>
               <a:buChar char="•"/>
             </a:pPr>
-            <a:endParaRPr lang="ru-RU" dirty="0"/>
+            <a:r>
+              <a:rPr lang="ru-RU" sz="2800" dirty="0"/>
+              <a:t>Отчёт о тестировании</a:t>
+            </a:r>
+          </a:p>
+          <a:p>
+            <a:pPr marL="285750" indent="-285750">
+              <a:buFont typeface="Arial" panose="020B0604020202020204" pitchFamily="34" charset="0"/>
+              <a:buChar char="•"/>
+            </a:pPr>
+            <a:endParaRPr lang="ru-RU" sz="2800" dirty="0"/>
+          </a:p>
+          <a:p>
+            <a:pPr marL="285750" indent="-285750">
+              <a:buFont typeface="Arial" panose="020B0604020202020204" pitchFamily="34" charset="0"/>
+              <a:buChar char="•"/>
+            </a:pPr>
+            <a:endParaRPr lang="ru-RU" sz="2800" dirty="0"/>
           </a:p>
         </p:txBody>
       </p:sp>
     </p:spTree>
     <p:extLst>
       <p:ext uri="{BB962C8B-B14F-4D97-AF65-F5344CB8AC3E}">
-        <p14:creationId xmlns:p14="http://schemas.microsoft.com/office/powerpoint/2010/main" val="1424994494"/>
+        <p14:creationId xmlns:p14="http://schemas.microsoft.com/office/powerpoint/2010/main" val="4284715473"/>
       </p:ext>
     </p:extLst>
   </p:cSld>
@@ -5788,7 +5855,7 @@
           <a:p>
             <a:r>
               <a:rPr lang="ru-RU" dirty="0"/>
-              <a:t>Тестирование</a:t>
+              <a:t>Почему тестирование это важно?</a:t>
             </a:r>
           </a:p>
         </p:txBody>
@@ -5798,7 +5865,7 @@
           <p:cNvPr id="3" name="TextBox 2">
             <a:extLst>
               <a:ext uri="{FF2B5EF4-FFF2-40B4-BE49-F238E27FC236}">
-                <a16:creationId xmlns:a16="http://schemas.microsoft.com/office/drawing/2014/main" id="{4C7D212D-B684-491A-8C10-17B8B661A75D}"/>
+                <a16:creationId xmlns:a16="http://schemas.microsoft.com/office/drawing/2014/main" id="{C84F3D5A-1232-4D39-B28F-5CC344873579}"/>
               </a:ext>
             </a:extLst>
           </p:cNvPr>
@@ -5807,8 +5874,8 @@
         </p:nvSpPr>
         <p:spPr>
           <a:xfrm>
-            <a:off x="2629231" y="2282024"/>
-            <a:ext cx="6933538" cy="3108543"/>
+            <a:off x="1806271" y="2751151"/>
+            <a:ext cx="8579457" cy="1569660"/>
           </a:xfrm>
           <a:prstGeom prst="rect">
             <a:avLst/>
@@ -5826,8 +5893,8 @@
               <a:buChar char="•"/>
             </a:pPr>
             <a:r>
-              <a:rPr lang="ru-RU" sz="2800" dirty="0"/>
-              <a:t>Почему тестирование это важно?</a:t>
+              <a:rPr lang="ru-RU" sz="2400" dirty="0"/>
+              <a:t>Возможность доказать некорректную работу программы</a:t>
             </a:r>
           </a:p>
           <a:p>
@@ -5836,8 +5903,8 @@
               <a:buChar char="•"/>
             </a:pPr>
             <a:r>
-              <a:rPr lang="ru-RU" sz="2800" dirty="0"/>
-              <a:t>Требования к проекту</a:t>
+              <a:rPr lang="ru-RU" sz="2400" dirty="0"/>
+              <a:t>Выявление ошибок</a:t>
             </a:r>
           </a:p>
           <a:p>
@@ -5846,8 +5913,8 @@
               <a:buChar char="•"/>
             </a:pPr>
             <a:r>
-              <a:rPr lang="ru-RU" sz="2800" dirty="0"/>
-              <a:t>Тест план</a:t>
+              <a:rPr lang="ru-RU" sz="2400" dirty="0"/>
+              <a:t>Обеспечивает надёжность и простоту в использовании</a:t>
             </a:r>
           </a:p>
           <a:p>
@@ -5855,41 +5922,14 @@
               <a:buFont typeface="Arial" panose="020B0604020202020204" pitchFamily="34" charset="0"/>
               <a:buChar char="•"/>
             </a:pPr>
-            <a:r>
-              <a:rPr lang="ru-RU" sz="2800" dirty="0"/>
-              <a:t>Методы тестирования</a:t>
-            </a:r>
-          </a:p>
-          <a:p>
-            <a:pPr marL="285750" indent="-285750">
-              <a:buFont typeface="Arial" panose="020B0604020202020204" pitchFamily="34" charset="0"/>
-              <a:buChar char="•"/>
-            </a:pPr>
-            <a:r>
-              <a:rPr lang="ru-RU" sz="2800" dirty="0"/>
-              <a:t>Отчёт о тестировании</a:t>
-            </a:r>
-          </a:p>
-          <a:p>
-            <a:pPr marL="285750" indent="-285750">
-              <a:buFont typeface="Arial" panose="020B0604020202020204" pitchFamily="34" charset="0"/>
-              <a:buChar char="•"/>
-            </a:pPr>
-            <a:endParaRPr lang="ru-RU" sz="2800" dirty="0"/>
-          </a:p>
-          <a:p>
-            <a:pPr marL="285750" indent="-285750">
-              <a:buFont typeface="Arial" panose="020B0604020202020204" pitchFamily="34" charset="0"/>
-              <a:buChar char="•"/>
-            </a:pPr>
-            <a:endParaRPr lang="ru-RU" sz="2800" dirty="0"/>
+            <a:endParaRPr lang="ru-RU" sz="2400" dirty="0"/>
           </a:p>
         </p:txBody>
       </p:sp>
     </p:spTree>
     <p:extLst>
       <p:ext uri="{BB962C8B-B14F-4D97-AF65-F5344CB8AC3E}">
-        <p14:creationId xmlns:p14="http://schemas.microsoft.com/office/powerpoint/2010/main" val="4284715473"/>
+        <p14:creationId xmlns:p14="http://schemas.microsoft.com/office/powerpoint/2010/main" val="3961446787"/>
       </p:ext>
     </p:extLst>
   </p:cSld>
@@ -5940,7 +5980,7 @@
           <a:p>
             <a:r>
               <a:rPr lang="ru-RU" dirty="0"/>
-              <a:t>Почему тестирование это важно?</a:t>
+              <a:t>Требования</a:t>
             </a:r>
           </a:p>
         </p:txBody>
@@ -5950,7 +5990,7 @@
           <p:cNvPr id="3" name="TextBox 2">
             <a:extLst>
               <a:ext uri="{FF2B5EF4-FFF2-40B4-BE49-F238E27FC236}">
-                <a16:creationId xmlns:a16="http://schemas.microsoft.com/office/drawing/2014/main" id="{C84F3D5A-1232-4D39-B28F-5CC344873579}"/>
+                <a16:creationId xmlns:a16="http://schemas.microsoft.com/office/drawing/2014/main" id="{CB39F03C-FAC8-4C3F-8146-D86F293164EF}"/>
               </a:ext>
             </a:extLst>
           </p:cNvPr>
@@ -5959,8 +5999,8 @@
         </p:nvSpPr>
         <p:spPr>
           <a:xfrm>
-            <a:off x="1806271" y="2751151"/>
-            <a:ext cx="8579457" cy="1569660"/>
+            <a:off x="1826149" y="1579369"/>
+            <a:ext cx="8539701" cy="4770537"/>
           </a:xfrm>
           <a:prstGeom prst="rect">
             <a:avLst/>
@@ -5978,9 +6018,50 @@
               <a:buChar char="•"/>
             </a:pPr>
             <a:r>
-              <a:rPr lang="ru-RU" sz="2400" dirty="0"/>
-              <a:t>Возможность доказать некорректную работу программы</a:t>
-            </a:r>
+              <a:rPr lang="ru-RU" sz="2800" dirty="0"/>
+              <a:t>Функциональные требования</a:t>
+            </a:r>
+          </a:p>
+          <a:p>
+            <a:pPr marL="742950" lvl="1" indent="-285750">
+              <a:buFont typeface="Arial" panose="020B0604020202020204" pitchFamily="34" charset="0"/>
+              <a:buChar char="•"/>
+            </a:pPr>
+            <a:r>
+              <a:rPr lang="ru-RU" sz="2000" dirty="0"/>
+              <a:t>Timelon должен обладать функцией создания карточек задач.</a:t>
+            </a:r>
+          </a:p>
+          <a:p>
+            <a:pPr marL="742950" lvl="1" indent="-285750">
+              <a:buFont typeface="Arial" panose="020B0604020202020204" pitchFamily="34" charset="0"/>
+              <a:buChar char="•"/>
+            </a:pPr>
+            <a:r>
+              <a:rPr lang="ru-RU" sz="2000" dirty="0"/>
+              <a:t>Timelon должен хранить карточки задач.</a:t>
+            </a:r>
+          </a:p>
+          <a:p>
+            <a:pPr marL="742950" lvl="1" indent="-285750">
+              <a:buFont typeface="Arial" panose="020B0604020202020204" pitchFamily="34" charset="0"/>
+              <a:buChar char="•"/>
+            </a:pPr>
+            <a:r>
+              <a:rPr lang="ru-RU" sz="2000" dirty="0"/>
+              <a:t>Timelon должен обладать функцией создания списков для хранения нескольких карт задач.</a:t>
+            </a:r>
+          </a:p>
+          <a:p>
+            <a:pPr marL="742950" lvl="1" indent="-285750">
+              <a:buFont typeface="Arial" panose="020B0604020202020204" pitchFamily="34" charset="0"/>
+              <a:buChar char="•"/>
+            </a:pPr>
+            <a:r>
+              <a:rPr lang="ru-RU" sz="2000" dirty="0"/>
+              <a:t>…</a:t>
+            </a:r>
+            <a:endParaRPr lang="ru-RU" sz="2800" dirty="0"/>
           </a:p>
           <a:p>
             <a:pPr marL="285750" indent="-285750">
@@ -5988,33 +6069,73 @@
               <a:buChar char="•"/>
             </a:pPr>
             <a:r>
-              <a:rPr lang="ru-RU" sz="2400" dirty="0"/>
-              <a:t>Выявление ошибок</a:t>
-            </a:r>
-          </a:p>
-          <a:p>
-            <a:pPr marL="285750" indent="-285750">
-              <a:buFont typeface="Arial" panose="020B0604020202020204" pitchFamily="34" charset="0"/>
-              <a:buChar char="•"/>
-            </a:pPr>
-            <a:r>
-              <a:rPr lang="ru-RU" sz="2400" dirty="0"/>
-              <a:t>Обеспечивает надёжность и простоту в использовании</a:t>
-            </a:r>
-          </a:p>
-          <a:p>
-            <a:pPr marL="285750" indent="-285750">
-              <a:buFont typeface="Arial" panose="020B0604020202020204" pitchFamily="34" charset="0"/>
-              <a:buChar char="•"/>
-            </a:pPr>
-            <a:endParaRPr lang="ru-RU" sz="2400" dirty="0"/>
+              <a:rPr lang="ru-RU" sz="2800" dirty="0"/>
+              <a:t>Требования к интерфейсу</a:t>
+            </a:r>
+          </a:p>
+          <a:p>
+            <a:pPr marL="742950" lvl="1" indent="-285750">
+              <a:buFont typeface="Arial" panose="020B0604020202020204" pitchFamily="34" charset="0"/>
+              <a:buChar char="•"/>
+            </a:pPr>
+            <a:r>
+              <a:rPr lang="ru-RU" sz="2000" dirty="0"/>
+              <a:t>На интерфейсе Timelon должно быть реализовано поле карточки задачи, отображающее основную информацию о задаче:</a:t>
+            </a:r>
+          </a:p>
+          <a:p>
+            <a:pPr marL="1200150" lvl="2" indent="-285750">
+              <a:buFont typeface="Arial" panose="020B0604020202020204" pitchFamily="34" charset="0"/>
+              <a:buChar char="•"/>
+            </a:pPr>
+            <a:r>
+              <a:rPr lang="ru-RU" sz="2000" dirty="0"/>
+              <a:t>статус выполнения</a:t>
+            </a:r>
+          </a:p>
+          <a:p>
+            <a:pPr marL="1200150" lvl="2" indent="-285750">
+              <a:buFont typeface="Arial" panose="020B0604020202020204" pitchFamily="34" charset="0"/>
+              <a:buChar char="•"/>
+            </a:pPr>
+            <a:r>
+              <a:rPr lang="ru-RU" sz="2000" dirty="0"/>
+              <a:t>название</a:t>
+            </a:r>
+          </a:p>
+          <a:p>
+            <a:pPr marL="1200150" lvl="2" indent="-285750">
+              <a:buFont typeface="Arial" panose="020B0604020202020204" pitchFamily="34" charset="0"/>
+              <a:buChar char="•"/>
+            </a:pPr>
+            <a:r>
+              <a:rPr lang="ru-RU" sz="2000" dirty="0"/>
+              <a:t>информация о важности</a:t>
+            </a:r>
+          </a:p>
+          <a:p>
+            <a:pPr marL="742950" lvl="1" indent="-285750">
+              <a:buFont typeface="Arial" panose="020B0604020202020204" pitchFamily="34" charset="0"/>
+              <a:buChar char="•"/>
+            </a:pPr>
+            <a:r>
+              <a:rPr lang="ru-RU" sz="2000" dirty="0"/>
+              <a:t>…</a:t>
+            </a:r>
+          </a:p>
+          <a:p>
+            <a:pPr marL="742950" lvl="1" indent="-285750">
+              <a:buFont typeface="Arial" panose="020B0604020202020204" pitchFamily="34" charset="0"/>
+              <a:buChar char="•"/>
+            </a:pPr>
+            <a:endParaRPr lang="ru-RU" sz="2800" dirty="0"/>
           </a:p>
         </p:txBody>
       </p:sp>
     </p:spTree>
     <p:extLst>
       <p:ext uri="{BB962C8B-B14F-4D97-AF65-F5344CB8AC3E}">
-        <p14:creationId xmlns:p14="http://schemas.microsoft.com/office/powerpoint/2010/main" val="3961446787"/>
+        <p14:creationId xmlns:p14="http://schemas.microsoft.com/office/powerpoint/2010/main" val="3127280586"/>
       </p:ext>
     </p:extLst>
   </p:cSld>
@@ -6065,7 +6186,7 @@
           <a:p>
             <a:r>
               <a:rPr lang="ru-RU" dirty="0"/>
-              <a:t>Требования</a:t>
+              <a:t>Тест план</a:t>
             </a:r>
           </a:p>
         </p:txBody>
@@ -6075,7 +6196,7 @@
           <p:cNvPr id="3" name="TextBox 2">
             <a:extLst>
               <a:ext uri="{FF2B5EF4-FFF2-40B4-BE49-F238E27FC236}">
-                <a16:creationId xmlns:a16="http://schemas.microsoft.com/office/drawing/2014/main" id="{CB39F03C-FAC8-4C3F-8146-D86F293164EF}"/>
+                <a16:creationId xmlns:a16="http://schemas.microsoft.com/office/drawing/2014/main" id="{F451546F-3AF1-42AC-9B97-43746690E48C}"/>
               </a:ext>
             </a:extLst>
           </p:cNvPr>
@@ -6084,8 +6205,8 @@
         </p:nvSpPr>
         <p:spPr>
           <a:xfrm>
-            <a:off x="1826149" y="1579369"/>
-            <a:ext cx="8539701" cy="4770537"/>
+            <a:off x="838201" y="1674674"/>
+            <a:ext cx="5257800" cy="2862322"/>
           </a:xfrm>
           <a:prstGeom prst="rect">
             <a:avLst/>
@@ -6098,55 +6219,158 @@
           </a:bodyPr>
           <a:lstStyle/>
           <a:p>
+            <a:r>
+              <a:rPr lang="ru-RU" sz="2000" i="1" dirty="0"/>
+              <a:t>Что такое тест-план</a:t>
+            </a:r>
+            <a:r>
+              <a:rPr lang="ru-RU" sz="2000" dirty="0"/>
+              <a:t>?</a:t>
+            </a:r>
+          </a:p>
+          <a:p>
+            <a:endParaRPr lang="ru-RU" sz="2000" dirty="0"/>
+          </a:p>
+          <a:p>
+            <a:r>
+              <a:rPr lang="ru-RU" sz="2000" dirty="0"/>
+              <a:t>Документ описывает методы и подходы к тестированию, которые будут</a:t>
+            </a:r>
+          </a:p>
+          <a:p>
+            <a:r>
+              <a:rPr lang="ru-RU" sz="2000" dirty="0"/>
+              <a:t>использоваться для тестирования приложения.</a:t>
+            </a:r>
+          </a:p>
+          <a:p>
+            <a:endParaRPr lang="ru-RU" sz="2000" dirty="0"/>
+          </a:p>
+          <a:p>
+            <a:endParaRPr lang="ru-RU" sz="2000" dirty="0"/>
+          </a:p>
+          <a:p>
+            <a:endParaRPr lang="ru-RU" sz="2000" dirty="0"/>
+          </a:p>
+        </p:txBody>
+      </p:sp>
+      <p:sp>
+        <p:nvSpPr>
+          <p:cNvPr id="4" name="TextBox 3">
+            <a:extLst>
+              <a:ext uri="{FF2B5EF4-FFF2-40B4-BE49-F238E27FC236}">
+                <a16:creationId xmlns:a16="http://schemas.microsoft.com/office/drawing/2014/main" id="{6929821F-63F7-48F7-9706-ACF0FC7C1092}"/>
+              </a:ext>
+            </a:extLst>
+          </p:cNvPr>
+          <p:cNvSpPr txBox="1"/>
+          <p:nvPr/>
+        </p:nvSpPr>
+        <p:spPr>
+          <a:xfrm>
+            <a:off x="6822219" y="1690688"/>
+            <a:ext cx="4627659" cy="1631216"/>
+          </a:xfrm>
+          <a:prstGeom prst="rect">
+            <a:avLst/>
+          </a:prstGeom>
+          <a:noFill/>
+        </p:spPr>
+        <p:txBody>
+          <a:bodyPr wrap="square" rtlCol="0">
+            <a:spAutoFit/>
+          </a:bodyPr>
+          <a:lstStyle/>
+          <a:p>
+            <a:r>
+              <a:rPr lang="ru-RU" sz="2000" i="1" dirty="0"/>
+              <a:t>Область тестирования</a:t>
+            </a:r>
+            <a:r>
+              <a:rPr lang="ru-RU" sz="2000" dirty="0"/>
+              <a:t>:</a:t>
+            </a:r>
+          </a:p>
+          <a:p>
+            <a:endParaRPr lang="ru-RU" sz="2000" dirty="0"/>
+          </a:p>
+          <a:p>
             <a:pPr marL="285750" indent="-285750">
               <a:buFont typeface="Arial" panose="020B0604020202020204" pitchFamily="34" charset="0"/>
               <a:buChar char="•"/>
             </a:pPr>
             <a:r>
-              <a:rPr lang="ru-RU" sz="2800" dirty="0"/>
-              <a:t>Функциональные требования</a:t>
-            </a:r>
-          </a:p>
-          <a:p>
-            <a:pPr marL="742950" lvl="1" indent="-285750">
-              <a:buFont typeface="Arial" panose="020B0604020202020204" pitchFamily="34" charset="0"/>
-              <a:buChar char="•"/>
-            </a:pPr>
-            <a:r>
               <a:rPr lang="ru-RU" sz="2000" dirty="0"/>
-              <a:t>Timelon должен обладать функцией создания карточек задач.</a:t>
-            </a:r>
-          </a:p>
-          <a:p>
-            <a:pPr marL="742950" lvl="1" indent="-285750">
+              <a:t>Тестирование библиотеки классов</a:t>
+            </a:r>
+          </a:p>
+          <a:p>
+            <a:pPr marL="285750" indent="-285750">
               <a:buFont typeface="Arial" panose="020B0604020202020204" pitchFamily="34" charset="0"/>
               <a:buChar char="•"/>
             </a:pPr>
             <a:r>
               <a:rPr lang="ru-RU" sz="2000" dirty="0"/>
-              <a:t>Timelon должен хранить карточки задач.</a:t>
-            </a:r>
-          </a:p>
-          <a:p>
-            <a:pPr marL="742950" lvl="1" indent="-285750">
+              <a:t>Тестирование реализованных в интерфейсе компонентов и функций</a:t>
+            </a:r>
+          </a:p>
+        </p:txBody>
+      </p:sp>
+      <p:sp>
+        <p:nvSpPr>
+          <p:cNvPr id="5" name="TextBox 4">
+            <a:extLst>
+              <a:ext uri="{FF2B5EF4-FFF2-40B4-BE49-F238E27FC236}">
+                <a16:creationId xmlns:a16="http://schemas.microsoft.com/office/drawing/2014/main" id="{76DB6899-86E7-4FD4-99BA-DC8AF36F213C}"/>
+              </a:ext>
+            </a:extLst>
+          </p:cNvPr>
+          <p:cNvSpPr txBox="1"/>
+          <p:nvPr/>
+        </p:nvSpPr>
+        <p:spPr>
+          <a:xfrm>
+            <a:off x="4166483" y="4198289"/>
+            <a:ext cx="4770782" cy="1631216"/>
+          </a:xfrm>
+          <a:prstGeom prst="rect">
+            <a:avLst/>
+          </a:prstGeom>
+          <a:noFill/>
+        </p:spPr>
+        <p:txBody>
+          <a:bodyPr wrap="square" rtlCol="0">
+            <a:spAutoFit/>
+          </a:bodyPr>
+          <a:lstStyle/>
+          <a:p>
+            <a:r>
+              <a:rPr lang="ru-RU" sz="2000" i="1" dirty="0"/>
+              <a:t>Типы тестирования:</a:t>
+            </a:r>
+          </a:p>
+          <a:p>
+            <a:endParaRPr lang="ru-RU" sz="2000" dirty="0"/>
+          </a:p>
+          <a:p>
+            <a:pPr marL="285750" indent="-285750">
               <a:buFont typeface="Arial" panose="020B0604020202020204" pitchFamily="34" charset="0"/>
               <a:buChar char="•"/>
             </a:pPr>
             <a:r>
               <a:rPr lang="ru-RU" sz="2000" dirty="0"/>
-              <a:t>Timelon должен обладать функцией создания списков для хранения нескольких карт задач.</a:t>
-            </a:r>
-          </a:p>
-          <a:p>
-            <a:pPr marL="742950" lvl="1" indent="-285750">
+              <a:t>Функциональное</a:t>
+            </a:r>
+          </a:p>
+          <a:p>
+            <a:pPr marL="285750" indent="-285750">
               <a:buFont typeface="Arial" panose="020B0604020202020204" pitchFamily="34" charset="0"/>
               <a:buChar char="•"/>
             </a:pPr>
             <a:r>
               <a:rPr lang="ru-RU" sz="2000" dirty="0"/>
-              <a:t>…</a:t>
-            </a:r>
-            <a:endParaRPr lang="ru-RU" sz="2800" dirty="0"/>
+              <a:t>Тестирование интерфейса</a:t>
+            </a:r>
           </a:p>
           <a:p>
             <a:pPr marL="285750" indent="-285750">
@@ -6154,73 +6378,16 @@
               <a:buChar char="•"/>
             </a:pPr>
             <a:r>
-              <a:rPr lang="ru-RU" sz="2800" dirty="0"/>
-              <a:t>Требования к интерфейсу</a:t>
-            </a:r>
-          </a:p>
-          <a:p>
-            <a:pPr marL="742950" lvl="1" indent="-285750">
-              <a:buFont typeface="Arial" panose="020B0604020202020204" pitchFamily="34" charset="0"/>
-              <a:buChar char="•"/>
-            </a:pPr>
-            <a:r>
               <a:rPr lang="ru-RU" sz="2000" dirty="0"/>
-              <a:t>На интерфейсе Timelon должно быть реализовано поле карточки задачи, отображающее основную информацию о задаче:</a:t>
-            </a:r>
-          </a:p>
-          <a:p>
-            <a:pPr marL="1200150" lvl="2" indent="-285750">
-              <a:buFont typeface="Arial" panose="020B0604020202020204" pitchFamily="34" charset="0"/>
-              <a:buChar char="•"/>
-            </a:pPr>
-            <a:r>
-              <a:rPr lang="ru-RU" sz="2000" dirty="0"/>
-              <a:t>статус выполнения</a:t>
-            </a:r>
-          </a:p>
-          <a:p>
-            <a:pPr marL="1200150" lvl="2" indent="-285750">
-              <a:buFont typeface="Arial" panose="020B0604020202020204" pitchFamily="34" charset="0"/>
-              <a:buChar char="•"/>
-            </a:pPr>
-            <a:r>
-              <a:rPr lang="ru-RU" sz="2000" dirty="0"/>
-              <a:t>название</a:t>
-            </a:r>
-          </a:p>
-          <a:p>
-            <a:pPr marL="1200150" lvl="2" indent="-285750">
-              <a:buFont typeface="Arial" panose="020B0604020202020204" pitchFamily="34" charset="0"/>
-              <a:buChar char="•"/>
-            </a:pPr>
-            <a:r>
-              <a:rPr lang="ru-RU" sz="2000" dirty="0"/>
-              <a:t>информация о важности</a:t>
-            </a:r>
-          </a:p>
-          <a:p>
-            <a:pPr marL="742950" lvl="1" indent="-285750">
-              <a:buFont typeface="Arial" panose="020B0604020202020204" pitchFamily="34" charset="0"/>
-              <a:buChar char="•"/>
-            </a:pPr>
-            <a:r>
-              <a:rPr lang="ru-RU" sz="2000" dirty="0"/>
-              <a:t>…</a:t>
-            </a:r>
-          </a:p>
-          <a:p>
-            <a:pPr marL="742950" lvl="1" indent="-285750">
-              <a:buFont typeface="Arial" panose="020B0604020202020204" pitchFamily="34" charset="0"/>
-              <a:buChar char="•"/>
-            </a:pPr>
-            <a:endParaRPr lang="ru-RU" sz="2800" dirty="0"/>
+              <a:t>Юзабилити-тестирование</a:t>
+            </a:r>
           </a:p>
         </p:txBody>
       </p:sp>
     </p:spTree>
     <p:extLst>
       <p:ext uri="{BB962C8B-B14F-4D97-AF65-F5344CB8AC3E}">
-        <p14:creationId xmlns:p14="http://schemas.microsoft.com/office/powerpoint/2010/main" val="3127280586"/>
+        <p14:creationId xmlns:p14="http://schemas.microsoft.com/office/powerpoint/2010/main" val="393638615"/>
       </p:ext>
     </p:extLst>
   </p:cSld>
@@ -6271,200 +6438,7 @@
           <a:p>
             <a:r>
               <a:rPr lang="ru-RU" dirty="0"/>
-              <a:t>Тест план</a:t>
-            </a:r>
-          </a:p>
-        </p:txBody>
-      </p:sp>
-      <p:sp>
-        <p:nvSpPr>
-          <p:cNvPr id="3" name="TextBox 2">
-            <a:extLst>
-              <a:ext uri="{FF2B5EF4-FFF2-40B4-BE49-F238E27FC236}">
-                <a16:creationId xmlns:a16="http://schemas.microsoft.com/office/drawing/2014/main" id="{F451546F-3AF1-42AC-9B97-43746690E48C}"/>
-              </a:ext>
-            </a:extLst>
-          </p:cNvPr>
-          <p:cNvSpPr txBox="1"/>
-          <p:nvPr/>
-        </p:nvSpPr>
-        <p:spPr>
-          <a:xfrm>
-            <a:off x="838201" y="1674674"/>
-            <a:ext cx="5257800" cy="2862322"/>
-          </a:xfrm>
-          <a:prstGeom prst="rect">
-            <a:avLst/>
-          </a:prstGeom>
-          <a:noFill/>
-        </p:spPr>
-        <p:txBody>
-          <a:bodyPr wrap="square" rtlCol="0">
-            <a:spAutoFit/>
-          </a:bodyPr>
-          <a:lstStyle/>
-          <a:p>
-            <a:r>
-              <a:rPr lang="ru-RU" sz="2000" i="1" dirty="0"/>
-              <a:t>Что такое тест-план</a:t>
-            </a:r>
-            <a:r>
-              <a:rPr lang="ru-RU" sz="2000" dirty="0"/>
-              <a:t>?</a:t>
-            </a:r>
-          </a:p>
-          <a:p>
-            <a:endParaRPr lang="ru-RU" sz="2000" dirty="0"/>
-          </a:p>
-          <a:p>
-            <a:r>
-              <a:rPr lang="ru-RU" sz="2000" dirty="0"/>
-              <a:t>Документ описывает методы и подходы к тестированию, которые будут</a:t>
-            </a:r>
-          </a:p>
-          <a:p>
-            <a:r>
-              <a:rPr lang="ru-RU" sz="2000" dirty="0"/>
-              <a:t>использоваться для тестирования приложения.</a:t>
-            </a:r>
-          </a:p>
-          <a:p>
-            <a:endParaRPr lang="ru-RU" sz="2000" dirty="0"/>
-          </a:p>
-          <a:p>
-            <a:endParaRPr lang="ru-RU" sz="2000" dirty="0"/>
-          </a:p>
-          <a:p>
-            <a:endParaRPr lang="ru-RU" sz="2000" dirty="0"/>
-          </a:p>
-        </p:txBody>
-      </p:sp>
-      <p:sp>
-        <p:nvSpPr>
-          <p:cNvPr id="4" name="TextBox 3">
-            <a:extLst>
-              <a:ext uri="{FF2B5EF4-FFF2-40B4-BE49-F238E27FC236}">
-                <a16:creationId xmlns:a16="http://schemas.microsoft.com/office/drawing/2014/main" id="{6929821F-63F7-48F7-9706-ACF0FC7C1092}"/>
-              </a:ext>
-            </a:extLst>
-          </p:cNvPr>
-          <p:cNvSpPr txBox="1"/>
-          <p:nvPr/>
-        </p:nvSpPr>
-        <p:spPr>
-          <a:xfrm>
-            <a:off x="6822219" y="1690688"/>
-            <a:ext cx="4627659" cy="1631216"/>
-          </a:xfrm>
-          <a:prstGeom prst="rect">
-            <a:avLst/>
-          </a:prstGeom>
-          <a:noFill/>
-        </p:spPr>
-        <p:txBody>
-          <a:bodyPr wrap="square" rtlCol="0">
-            <a:spAutoFit/>
-          </a:bodyPr>
-          <a:lstStyle/>
-          <a:p>
-            <a:r>
-              <a:rPr lang="ru-RU" sz="2000" i="1" dirty="0"/>
-              <a:t>Область тестирования</a:t>
-            </a:r>
-            <a:r>
-              <a:rPr lang="ru-RU" sz="2000" dirty="0"/>
-              <a:t>:</a:t>
-            </a:r>
-          </a:p>
-          <a:p>
-            <a:endParaRPr lang="ru-RU" sz="2000" dirty="0"/>
-          </a:p>
-          <a:p>
-            <a:pPr marL="285750" indent="-285750">
-              <a:buFont typeface="Arial" panose="020B0604020202020204" pitchFamily="34" charset="0"/>
-              <a:buChar char="•"/>
-            </a:pPr>
-            <a:r>
-              <a:rPr lang="ru-RU" sz="2000" dirty="0"/>
-              <a:t>Тестирование библиотеки классов</a:t>
-            </a:r>
-          </a:p>
-          <a:p>
-            <a:pPr marL="285750" indent="-285750">
-              <a:buFont typeface="Arial" panose="020B0604020202020204" pitchFamily="34" charset="0"/>
-              <a:buChar char="•"/>
-            </a:pPr>
-            <a:r>
-              <a:rPr lang="ru-RU" sz="2000" dirty="0"/>
-              <a:t>Тестирование реализованных в интерфейсе компонентов и функций</a:t>
-            </a:r>
-          </a:p>
-        </p:txBody>
-      </p:sp>
-      <p:sp>
-        <p:nvSpPr>
-          <p:cNvPr id="5" name="TextBox 4">
-            <a:extLst>
-              <a:ext uri="{FF2B5EF4-FFF2-40B4-BE49-F238E27FC236}">
-                <a16:creationId xmlns:a16="http://schemas.microsoft.com/office/drawing/2014/main" id="{76DB6899-86E7-4FD4-99BA-DC8AF36F213C}"/>
-              </a:ext>
-            </a:extLst>
-          </p:cNvPr>
-          <p:cNvSpPr txBox="1"/>
-          <p:nvPr/>
-        </p:nvSpPr>
-        <p:spPr>
-          <a:xfrm>
-            <a:off x="4166483" y="4198289"/>
-            <a:ext cx="4770782" cy="1631216"/>
-          </a:xfrm>
-          <a:prstGeom prst="rect">
-            <a:avLst/>
-          </a:prstGeom>
-          <a:noFill/>
-        </p:spPr>
-        <p:txBody>
-          <a:bodyPr wrap="square" rtlCol="0">
-            <a:spAutoFit/>
-          </a:bodyPr>
-          <a:lstStyle/>
-          <a:p>
-            <a:r>
-              <a:rPr lang="ru-RU" sz="2000" i="1" dirty="0"/>
-              <a:t>Типы тестирования:</a:t>
-            </a:r>
-          </a:p>
-          <a:p>
-            <a:endParaRPr lang="ru-RU" sz="2000" dirty="0"/>
-          </a:p>
-          <a:p>
-            <a:pPr marL="285750" indent="-285750">
-              <a:buFont typeface="Arial" panose="020B0604020202020204" pitchFamily="34" charset="0"/>
-              <a:buChar char="•"/>
-            </a:pPr>
-            <a:r>
-              <a:rPr lang="ru-RU" sz="2000" dirty="0"/>
-              <a:t>Функциональное</a:t>
-            </a:r>
-          </a:p>
-          <a:p>
-            <a:pPr marL="285750" indent="-285750">
-              <a:buFont typeface="Arial" panose="020B0604020202020204" pitchFamily="34" charset="0"/>
-              <a:buChar char="•"/>
-            </a:pPr>
-            <a:r>
-              <a:rPr lang="ru-RU" sz="2000" dirty="0"/>
-              <a:t>Тестирование интерфейса</a:t>
-            </a:r>
-          </a:p>
-          <a:p>
-            <a:pPr marL="285750" indent="-285750">
-              <a:buFont typeface="Arial" panose="020B0604020202020204" pitchFamily="34" charset="0"/>
-              <a:buChar char="•"/>
-            </a:pPr>
-            <a:r>
-              <a:rPr lang="ru-RU" sz="2000" dirty="0"/>
-              <a:t>Юзабилити-тестирование</a:t>
+              <a:t>Методы тестирования</a:t>
             </a:r>
           </a:p>
         </p:txBody>
@@ -6472,7 +6446,7 @@
     </p:spTree>
     <p:extLst>
       <p:ext uri="{BB962C8B-B14F-4D97-AF65-F5344CB8AC3E}">
-        <p14:creationId xmlns:p14="http://schemas.microsoft.com/office/powerpoint/2010/main" val="393638615"/>
+        <p14:creationId xmlns:p14="http://schemas.microsoft.com/office/powerpoint/2010/main" val="2362220205"/>
       </p:ext>
     </p:extLst>
   </p:cSld>
@@ -6523,7 +6497,7 @@
           <a:p>
             <a:r>
               <a:rPr lang="ru-RU" dirty="0"/>
-              <a:t>Методы тестирования</a:t>
+              <a:t>Отчет о тестировании</a:t>
             </a:r>
           </a:p>
         </p:txBody>
@@ -6531,7 +6505,7 @@
     </p:spTree>
     <p:extLst>
       <p:ext uri="{BB962C8B-B14F-4D97-AF65-F5344CB8AC3E}">
-        <p14:creationId xmlns:p14="http://schemas.microsoft.com/office/powerpoint/2010/main" val="2362220205"/>
+        <p14:creationId xmlns:p14="http://schemas.microsoft.com/office/powerpoint/2010/main" val="2947701087"/>
       </p:ext>
     </p:extLst>
   </p:cSld>
@@ -6582,7 +6556,7 @@
           <a:p>
             <a:r>
               <a:rPr lang="ru-RU" dirty="0"/>
-              <a:t>Отчет о тестировании</a:t>
+              <a:t>Выводы</a:t>
             </a:r>
           </a:p>
         </p:txBody>
@@ -6590,7 +6564,7 @@
     </p:spTree>
     <p:extLst>
       <p:ext uri="{BB962C8B-B14F-4D97-AF65-F5344CB8AC3E}">
-        <p14:creationId xmlns:p14="http://schemas.microsoft.com/office/powerpoint/2010/main" val="2947701087"/>
+        <p14:creationId xmlns:p14="http://schemas.microsoft.com/office/powerpoint/2010/main" val="1903829905"/>
       </p:ext>
     </p:extLst>
   </p:cSld>
@@ -6641,65 +6615,6 @@
           <a:p>
             <a:r>
               <a:rPr lang="ru-RU" dirty="0"/>
-              <a:t>Выводы</a:t>
-            </a:r>
-          </a:p>
-        </p:txBody>
-      </p:sp>
-    </p:spTree>
-    <p:extLst>
-      <p:ext uri="{BB962C8B-B14F-4D97-AF65-F5344CB8AC3E}">
-        <p14:creationId xmlns:p14="http://schemas.microsoft.com/office/powerpoint/2010/main" val="1903829905"/>
-      </p:ext>
-    </p:extLst>
-  </p:cSld>
-  <p:clrMapOvr>
-    <a:masterClrMapping/>
-  </p:clrMapOvr>
-  <p:timing>
-    <p:tnLst>
-      <p:par>
-        <p:cTn id="1" dur="indefinite" restart="never" nodeType="tmRoot"/>
-      </p:par>
-    </p:tnLst>
-  </p:timing>
-</p:sld>
-</file>
-
-<file path=ppt/slides/slide28.xml><?xml version="1.0" encoding="utf-8"?>
-<p:sld xmlns:a="http://schemas.openxmlformats.org/drawingml/2006/main" xmlns:r="http://schemas.openxmlformats.org/officeDocument/2006/relationships" xmlns:p="http://schemas.openxmlformats.org/presentationml/2006/main">
-  <p:cSld>
-    <p:spTree>
-      <p:nvGrpSpPr>
-        <p:cNvPr id="1" name=""/>
-        <p:cNvGrpSpPr/>
-        <p:nvPr/>
-      </p:nvGrpSpPr>
-      <p:grpSpPr>
-        <a:xfrm>
-          <a:off x="0" y="0"/>
-          <a:ext cx="0" cy="0"/>
-          <a:chOff x="0" y="0"/>
-          <a:chExt cx="0" cy="0"/>
-        </a:xfrm>
-      </p:grpSpPr>
-      <p:sp>
-        <p:nvSpPr>
-          <p:cNvPr id="2" name="Заголовок 1"/>
-          <p:cNvSpPr>
-            <a:spLocks noGrp="1"/>
-          </p:cNvSpPr>
-          <p:nvPr>
-            <p:ph type="title"/>
-          </p:nvPr>
-        </p:nvSpPr>
-        <p:spPr/>
-        <p:txBody>
-          <a:bodyPr/>
-          <a:lstStyle/>
-          <a:p>
-            <a:r>
-              <a:rPr lang="ru-RU" dirty="0"/>
               <a:t>Практическая ценность</a:t>
             </a:r>
           </a:p>
@@ -6725,7 +6640,7 @@
 </p:sld>
 </file>
 
-<file path=ppt/slides/slide29.xml><?xml version="1.0" encoding="utf-8"?>
+<file path=ppt/slides/slide28.xml><?xml version="1.0" encoding="utf-8"?>
 <p:sld xmlns:a="http://schemas.openxmlformats.org/drawingml/2006/main" xmlns:r="http://schemas.openxmlformats.org/officeDocument/2006/relationships" xmlns:p="http://schemas.openxmlformats.org/presentationml/2006/main">
   <p:cSld>
     <p:spTree>
@@ -7664,15 +7579,129 @@
           <a:p>
             <a:r>
               <a:rPr lang="ru-RU" dirty="0"/>
-              <a:t>Работа с пользователем</a:t>
-            </a:r>
+              <a:t>Работа с </a:t>
+            </a:r>
+            <a:r>
+              <a:rPr lang="ru-RU" dirty="0" smtClean="0"/>
+              <a:t>пользователем. Цели</a:t>
+            </a:r>
+            <a:endParaRPr lang="ru-RU" dirty="0"/>
+          </a:p>
+        </p:txBody>
+      </p:sp>
+      <p:sp>
+        <p:nvSpPr>
+          <p:cNvPr id="3" name="TextBox 2"/>
+          <p:cNvSpPr txBox="1"/>
+          <p:nvPr/>
+        </p:nvSpPr>
+        <p:spPr>
+          <a:xfrm>
+            <a:off x="838200" y="1690688"/>
+            <a:ext cx="4923905" cy="1384995"/>
+          </a:xfrm>
+          <a:prstGeom prst="rect">
+            <a:avLst/>
+          </a:prstGeom>
+          <a:noFill/>
+        </p:spPr>
+        <p:txBody>
+          <a:bodyPr wrap="square" rtlCol="0">
+            <a:spAutoFit/>
+          </a:bodyPr>
+          <a:lstStyle/>
+          <a:p>
+            <a:pPr marL="285750" indent="-285750">
+              <a:buFont typeface="Arial" panose="020B0604020202020204" pitchFamily="34" charset="0"/>
+              <a:buChar char="•"/>
+            </a:pPr>
+            <a:r>
+              <a:rPr lang="ru-RU" sz="2800" dirty="0" smtClean="0"/>
+              <a:t>Привлечение пользователя</a:t>
+            </a:r>
+          </a:p>
+          <a:p>
+            <a:pPr marL="285750" indent="-285750">
+              <a:buFont typeface="Arial" panose="020B0604020202020204" pitchFamily="34" charset="0"/>
+              <a:buChar char="•"/>
+            </a:pPr>
+            <a:r>
+              <a:rPr lang="ru-RU" sz="2800" dirty="0" smtClean="0"/>
+              <a:t>Удержание пользователя</a:t>
+            </a:r>
+          </a:p>
+          <a:p>
+            <a:pPr marL="285750" indent="-285750">
+              <a:buFont typeface="Arial" panose="020B0604020202020204" pitchFamily="34" charset="0"/>
+              <a:buChar char="•"/>
+            </a:pPr>
+            <a:r>
+              <a:rPr lang="ru-RU" sz="2800" dirty="0" smtClean="0"/>
+              <a:t>Практичность использования</a:t>
+            </a:r>
+            <a:endParaRPr lang="ru-RU" sz="2800" dirty="0"/>
+          </a:p>
+        </p:txBody>
+      </p:sp>
+      <p:sp>
+        <p:nvSpPr>
+          <p:cNvPr id="4" name="TextBox 3"/>
+          <p:cNvSpPr txBox="1"/>
+          <p:nvPr/>
+        </p:nvSpPr>
+        <p:spPr>
+          <a:xfrm>
+            <a:off x="8348750" y="4263160"/>
+            <a:ext cx="3005050" cy="1384995"/>
+          </a:xfrm>
+          <a:prstGeom prst="rect">
+            <a:avLst/>
+          </a:prstGeom>
+          <a:noFill/>
+        </p:spPr>
+        <p:txBody>
+          <a:bodyPr wrap="square" rtlCol="0">
+            <a:spAutoFit/>
+          </a:bodyPr>
+          <a:lstStyle/>
+          <a:p>
+            <a:pPr marL="285750" indent="-285750">
+              <a:buFont typeface="Arial" panose="020B0604020202020204" pitchFamily="34" charset="0"/>
+              <a:buChar char="•"/>
+            </a:pPr>
+            <a:r>
+              <a:rPr lang="ru-RU" sz="2800" dirty="0"/>
+              <a:t>Внешний вид </a:t>
+            </a:r>
+            <a:endParaRPr lang="ru-RU" sz="2800" dirty="0" smtClean="0"/>
+          </a:p>
+          <a:p>
+            <a:pPr marL="285750" indent="-285750">
+              <a:buFont typeface="Arial" panose="020B0604020202020204" pitchFamily="34" charset="0"/>
+              <a:buChar char="•"/>
+            </a:pPr>
+            <a:r>
+              <a:rPr lang="ru-RU" sz="2800" dirty="0" smtClean="0"/>
+              <a:t>Быстродействие </a:t>
+            </a:r>
+          </a:p>
+          <a:p>
+            <a:pPr marL="285750" indent="-285750">
+              <a:buFont typeface="Arial" panose="020B0604020202020204" pitchFamily="34" charset="0"/>
+              <a:buChar char="•"/>
+            </a:pPr>
+            <a:r>
+              <a:rPr lang="ru-RU" sz="2800" dirty="0" smtClean="0"/>
+              <a:t>Подсказки</a:t>
+            </a:r>
+            <a:endParaRPr lang="ru-RU" sz="2800" dirty="0"/>
           </a:p>
         </p:txBody>
       </p:sp>
     </p:spTree>
     <p:extLst>
       <p:ext uri="{BB962C8B-B14F-4D97-AF65-F5344CB8AC3E}">
-        <p14:creationId xmlns:p14="http://schemas.microsoft.com/office/powerpoint/2010/main" val="3204918820"/>
+        <p14:creationId xmlns:p14="http://schemas.microsoft.com/office/powerpoint/2010/main" val="558598995"/>
       </p:ext>
     </p:extLst>
   </p:cSld>
@@ -7728,10 +7757,131 @@
           </a:p>
         </p:txBody>
       </p:sp>
+      <p:pic>
+        <p:nvPicPr>
+          <p:cNvPr id="1026" name="Picture 2" descr="https://cdn.discordapp.com/attachments/685921784960122903/1053032577654607982/image.png"/>
+          <p:cNvPicPr>
+            <a:picLocks noChangeAspect="1" noChangeArrowheads="1"/>
+          </p:cNvPicPr>
+          <p:nvPr/>
+        </p:nvPicPr>
+        <p:blipFill>
+          <a:blip r:embed="rId2">
+            <a:extLst>
+              <a:ext uri="{28A0092B-C50C-407E-A947-70E740481C1C}">
+                <a14:useLocalDpi xmlns:a14="http://schemas.microsoft.com/office/drawing/2010/main" val="0"/>
+              </a:ext>
+            </a:extLst>
+          </a:blip>
+          <a:srcRect/>
+          <a:stretch>
+            <a:fillRect/>
+          </a:stretch>
+        </p:blipFill>
+        <p:spPr bwMode="auto">
+          <a:xfrm>
+            <a:off x="206432" y="1442383"/>
+            <a:ext cx="6961631" cy="5216112"/>
+          </a:xfrm>
+          <a:prstGeom prst="rect">
+            <a:avLst/>
+          </a:prstGeom>
+          <a:noFill/>
+          <a:extLst>
+            <a:ext uri="{909E8E84-426E-40DD-AFC4-6F175D3DCCD1}">
+              <a14:hiddenFill xmlns:a14="http://schemas.microsoft.com/office/drawing/2010/main">
+                <a:solidFill>
+                  <a:srgbClr val="FFFFFF"/>
+                </a:solidFill>
+              </a14:hiddenFill>
+            </a:ext>
+          </a:extLst>
+        </p:spPr>
+      </p:pic>
+      <p:sp>
+        <p:nvSpPr>
+          <p:cNvPr id="4" name="TextBox 3"/>
+          <p:cNvSpPr txBox="1"/>
+          <p:nvPr/>
+        </p:nvSpPr>
+        <p:spPr>
+          <a:xfrm>
+            <a:off x="7268095" y="2820430"/>
+            <a:ext cx="4923905" cy="2677656"/>
+          </a:xfrm>
+          <a:prstGeom prst="rect">
+            <a:avLst/>
+          </a:prstGeom>
+          <a:noFill/>
+        </p:spPr>
+        <p:txBody>
+          <a:bodyPr wrap="square" rtlCol="0">
+            <a:spAutoFit/>
+          </a:bodyPr>
+          <a:lstStyle/>
+          <a:p>
+            <a:pPr marL="285750" indent="-285750">
+              <a:buFont typeface="Arial" panose="020B0604020202020204" pitchFamily="34" charset="0"/>
+              <a:buChar char="•"/>
+            </a:pPr>
+            <a:r>
+              <a:rPr lang="ru-RU" sz="2400" dirty="0" smtClean="0"/>
+              <a:t>Привлекательная цветовая гамма</a:t>
+            </a:r>
+          </a:p>
+          <a:p>
+            <a:pPr marL="285750" indent="-285750">
+              <a:buFont typeface="Arial" panose="020B0604020202020204" pitchFamily="34" charset="0"/>
+              <a:buChar char="•"/>
+            </a:pPr>
+            <a:r>
+              <a:rPr lang="ru-RU" sz="2400" dirty="0" smtClean="0"/>
+              <a:t>Читаемые шрифты</a:t>
+            </a:r>
+          </a:p>
+          <a:p>
+            <a:pPr marL="285750" indent="-285750">
+              <a:buFont typeface="Arial" panose="020B0604020202020204" pitchFamily="34" charset="0"/>
+              <a:buChar char="•"/>
+            </a:pPr>
+            <a:r>
+              <a:rPr lang="ru-RU" sz="2400" dirty="0" smtClean="0"/>
+              <a:t>Цвет определяет функцию</a:t>
+            </a:r>
+          </a:p>
+          <a:p>
+            <a:pPr marL="285750" indent="-285750">
+              <a:buFont typeface="Arial" panose="020B0604020202020204" pitchFamily="34" charset="0"/>
+              <a:buChar char="•"/>
+            </a:pPr>
+            <a:r>
+              <a:rPr lang="ru-RU" sz="2400" dirty="0" smtClean="0"/>
+              <a:t>Контраст выделяет функциональные блоки</a:t>
+            </a:r>
+          </a:p>
+          <a:p>
+            <a:pPr marL="285750" indent="-285750">
+              <a:buFont typeface="Arial" panose="020B0604020202020204" pitchFamily="34" charset="0"/>
+              <a:buChar char="•"/>
+            </a:pPr>
+            <a:r>
+              <a:rPr lang="ru-RU" sz="2400" dirty="0"/>
+              <a:t>Интуитивно понятный интерфейс</a:t>
+            </a:r>
+          </a:p>
+          <a:p>
+            <a:pPr marL="285750" indent="-285750">
+              <a:buFont typeface="Arial" panose="020B0604020202020204" pitchFamily="34" charset="0"/>
+              <a:buChar char="•"/>
+            </a:pPr>
+            <a:endParaRPr lang="ru-RU" sz="2400" dirty="0"/>
+          </a:p>
+        </p:txBody>
+      </p:sp>
     </p:spTree>
     <p:extLst>
       <p:ext uri="{BB962C8B-B14F-4D97-AF65-F5344CB8AC3E}">
-        <p14:creationId xmlns:p14="http://schemas.microsoft.com/office/powerpoint/2010/main" val="3745306505"/>
+        <p14:creationId xmlns:p14="http://schemas.microsoft.com/office/powerpoint/2010/main" val="2245039820"/>
       </p:ext>
     </p:extLst>
   </p:cSld>
@@ -7781,16 +7931,122 @@
           <a:lstStyle/>
           <a:p>
             <a:r>
-              <a:rPr lang="ru-RU" dirty="0"/>
-              <a:t>Быстродействие</a:t>
-            </a:r>
-          </a:p>
-        </p:txBody>
-      </p:sp>
+              <a:rPr lang="ru-RU" dirty="0" smtClean="0"/>
+              <a:t>Быстродействие программы обеспечивает</a:t>
+            </a:r>
+            <a:endParaRPr lang="ru-RU" dirty="0"/>
+          </a:p>
+        </p:txBody>
+      </p:sp>
+      <p:sp>
+        <p:nvSpPr>
+          <p:cNvPr id="3" name="TextBox 2"/>
+          <p:cNvSpPr txBox="1"/>
+          <p:nvPr/>
+        </p:nvSpPr>
+        <p:spPr>
+          <a:xfrm>
+            <a:off x="838200" y="2206077"/>
+            <a:ext cx="7399713" cy="2554545"/>
+          </a:xfrm>
+          <a:prstGeom prst="rect">
+            <a:avLst/>
+          </a:prstGeom>
+          <a:noFill/>
+        </p:spPr>
+        <p:txBody>
+          <a:bodyPr wrap="square" rtlCol="0">
+            <a:spAutoFit/>
+          </a:bodyPr>
+          <a:lstStyle/>
+          <a:p>
+            <a:pPr marL="285750" indent="-285750">
+              <a:buFont typeface="Arial" panose="020B0604020202020204" pitchFamily="34" charset="0"/>
+              <a:buChar char="•"/>
+            </a:pPr>
+            <a:r>
+              <a:rPr lang="ru-RU" sz="3200" dirty="0" smtClean="0"/>
+              <a:t>Быстрый доступ к информации</a:t>
+            </a:r>
+          </a:p>
+          <a:p>
+            <a:pPr marL="285750" indent="-285750">
+              <a:buFont typeface="Arial" panose="020B0604020202020204" pitchFamily="34" charset="0"/>
+              <a:buChar char="•"/>
+            </a:pPr>
+            <a:r>
+              <a:rPr lang="ru-RU" sz="3200" dirty="0" smtClean="0"/>
+              <a:t>Возможность работы с большим объемом данных</a:t>
+            </a:r>
+          </a:p>
+          <a:p>
+            <a:pPr marL="285750" indent="-285750">
+              <a:buFont typeface="Arial" panose="020B0604020202020204" pitchFamily="34" charset="0"/>
+              <a:buChar char="•"/>
+            </a:pPr>
+            <a:r>
+              <a:rPr lang="ru-RU" sz="3200" dirty="0" smtClean="0"/>
+              <a:t>Концентрацию на выполнении задач</a:t>
+            </a:r>
+          </a:p>
+          <a:p>
+            <a:pPr marL="285750" indent="-285750">
+              <a:buFont typeface="Arial" panose="020B0604020202020204" pitchFamily="34" charset="0"/>
+              <a:buChar char="•"/>
+            </a:pPr>
+            <a:r>
+              <a:rPr lang="ru-RU" sz="3200" dirty="0" smtClean="0"/>
+              <a:t>Малые затраты ресурсов компьютера</a:t>
+            </a:r>
+            <a:endParaRPr lang="ru-RU" sz="3200" dirty="0"/>
+          </a:p>
+        </p:txBody>
+      </p:sp>
+      <p:pic>
+        <p:nvPicPr>
+          <p:cNvPr id="2058" name="Picture 10" descr="Как проверить монитор на работоспособность в магазине и дома?"/>
+          <p:cNvPicPr>
+            <a:picLocks noChangeAspect="1" noChangeArrowheads="1"/>
+          </p:cNvPicPr>
+          <p:nvPr/>
+        </p:nvPicPr>
+        <p:blipFill>
+          <a:blip r:embed="rId2">
+            <a:extLst>
+              <a:ext uri="{28A0092B-C50C-407E-A947-70E740481C1C}">
+                <a14:useLocalDpi xmlns:a14="http://schemas.microsoft.com/office/drawing/2010/main" val="0"/>
+              </a:ext>
+            </a:extLst>
+          </a:blip>
+          <a:srcRect/>
+          <a:stretch>
+            <a:fillRect/>
+          </a:stretch>
+        </p:blipFill>
+        <p:spPr bwMode="auto">
+          <a:xfrm>
+            <a:off x="8950440" y="3629874"/>
+            <a:ext cx="2693610" cy="2101016"/>
+          </a:xfrm>
+          <a:prstGeom prst="rect">
+            <a:avLst/>
+          </a:prstGeom>
+          <a:noFill/>
+          <a:extLst>
+            <a:ext uri="{909E8E84-426E-40DD-AFC4-6F175D3DCCD1}">
+              <a14:hiddenFill xmlns:a14="http://schemas.microsoft.com/office/drawing/2010/main">
+                <a:solidFill>
+                  <a:srgbClr val="FFFFFF"/>
+                </a:solidFill>
+              </a14:hiddenFill>
+            </a:ext>
+          </a:extLst>
+        </p:spPr>
+      </p:pic>
     </p:spTree>
     <p:extLst>
       <p:ext uri="{BB962C8B-B14F-4D97-AF65-F5344CB8AC3E}">
-        <p14:creationId xmlns:p14="http://schemas.microsoft.com/office/powerpoint/2010/main" val="653031546"/>
+        <p14:creationId xmlns:p14="http://schemas.microsoft.com/office/powerpoint/2010/main" val="1624130272"/>
       </p:ext>
     </p:extLst>
   </p:cSld>
@@ -7841,28 +8097,115 @@
           <a:p>
             <a:r>
               <a:rPr lang="ru-RU" dirty="0"/>
-              <a:t>Сохранение данных</a:t>
-            </a:r>
+              <a:t>Подсказки</a:t>
+            </a:r>
+          </a:p>
+        </p:txBody>
+      </p:sp>
+      <p:pic>
+        <p:nvPicPr>
+          <p:cNvPr id="3" name="Рисунок 2"/>
+          <p:cNvPicPr>
+            <a:picLocks noChangeAspect="1"/>
+          </p:cNvPicPr>
+          <p:nvPr/>
+        </p:nvPicPr>
+        <p:blipFill>
+          <a:blip r:embed="rId2"/>
+          <a:stretch>
+            <a:fillRect/>
+          </a:stretch>
+        </p:blipFill>
+        <p:spPr>
+          <a:xfrm>
+            <a:off x="4991099" y="1344929"/>
+            <a:ext cx="6971340" cy="5220000"/>
+          </a:xfrm>
+          <a:prstGeom prst="rect">
+            <a:avLst/>
+          </a:prstGeom>
+        </p:spPr>
+      </p:pic>
+      <p:sp>
+        <p:nvSpPr>
+          <p:cNvPr id="5" name="TextBox 4"/>
+          <p:cNvSpPr txBox="1"/>
+          <p:nvPr/>
+        </p:nvSpPr>
+        <p:spPr>
+          <a:xfrm>
+            <a:off x="67194" y="2687697"/>
+            <a:ext cx="4923905" cy="1938992"/>
+          </a:xfrm>
+          <a:prstGeom prst="rect">
+            <a:avLst/>
+          </a:prstGeom>
+          <a:noFill/>
+        </p:spPr>
+        <p:txBody>
+          <a:bodyPr wrap="square" rtlCol="0">
+            <a:spAutoFit/>
+          </a:bodyPr>
+          <a:lstStyle/>
+          <a:p>
+            <a:pPr marL="285750" indent="-285750">
+              <a:buFont typeface="Arial" panose="020B0604020202020204" pitchFamily="34" charset="0"/>
+              <a:buChar char="•"/>
+            </a:pPr>
+            <a:r>
+              <a:rPr lang="ru-RU" sz="2400" dirty="0" smtClean="0"/>
+              <a:t>Начальный экран</a:t>
+            </a:r>
+          </a:p>
+          <a:p>
+            <a:pPr marL="285750" indent="-285750">
+              <a:buFont typeface="Arial" panose="020B0604020202020204" pitchFamily="34" charset="0"/>
+              <a:buChar char="•"/>
+            </a:pPr>
+            <a:r>
+              <a:rPr lang="ru-RU" sz="2400" dirty="0" smtClean="0"/>
+              <a:t>Говорящий вид кнопок</a:t>
+            </a:r>
+          </a:p>
+          <a:p>
+            <a:pPr marL="285750" indent="-285750">
+              <a:buFont typeface="Arial" panose="020B0604020202020204" pitchFamily="34" charset="0"/>
+              <a:buChar char="•"/>
+            </a:pPr>
+            <a:r>
+              <a:rPr lang="ru-RU" sz="2400" dirty="0" smtClean="0"/>
+              <a:t>Навигация по программе</a:t>
+            </a:r>
+          </a:p>
+          <a:p>
+            <a:pPr marL="285750" indent="-285750">
+              <a:buFont typeface="Arial" panose="020B0604020202020204" pitchFamily="34" charset="0"/>
+              <a:buChar char="•"/>
+            </a:pPr>
+            <a:r>
+              <a:rPr lang="ru-RU" sz="2400" dirty="0" smtClean="0"/>
+              <a:t>Подтверждение действий</a:t>
+            </a:r>
+          </a:p>
+          <a:p>
+            <a:pPr marL="285750" indent="-285750">
+              <a:buFont typeface="Arial" panose="020B0604020202020204" pitchFamily="34" charset="0"/>
+              <a:buChar char="•"/>
+            </a:pPr>
+            <a:endParaRPr lang="ru-RU" sz="2400" dirty="0"/>
           </a:p>
         </p:txBody>
       </p:sp>
     </p:spTree>
     <p:extLst>
       <p:ext uri="{BB962C8B-B14F-4D97-AF65-F5344CB8AC3E}">
-        <p14:creationId xmlns:p14="http://schemas.microsoft.com/office/powerpoint/2010/main" val="2575123166"/>
+        <p14:creationId xmlns:p14="http://schemas.microsoft.com/office/powerpoint/2010/main" val="3518064238"/>
       </p:ext>
     </p:extLst>
   </p:cSld>
   <p:clrMapOvr>
     <a:masterClrMapping/>
   </p:clrMapOvr>
-  <p:timing>
-    <p:tnLst>
-      <p:par>
-        <p:cTn id="1" dur="indefinite" restart="never" nodeType="tmRoot"/>
-      </p:par>
-    </p:tnLst>
-  </p:timing>
 </p:sld>
 </file>
 

--- a/docs/Timelon.pptx
+++ b/docs/Timelon.pptx
@@ -269,7 +269,7 @@
           <a:p>
             <a:fld id="{7A5B70E5-E401-4D0E-B486-558E280F0EF0}" type="datetimeFigureOut">
               <a:rPr lang="ru-RU" smtClean="0"/>
-              <a:t>15.12.2022</a:t>
+              <a:t>16.12.2022</a:t>
             </a:fld>
             <a:endParaRPr lang="ru-RU"/>
           </a:p>
@@ -437,7 +437,7 @@
           <a:p>
             <a:fld id="{7A5B70E5-E401-4D0E-B486-558E280F0EF0}" type="datetimeFigureOut">
               <a:rPr lang="ru-RU" smtClean="0"/>
-              <a:t>15.12.2022</a:t>
+              <a:t>16.12.2022</a:t>
             </a:fld>
             <a:endParaRPr lang="ru-RU"/>
           </a:p>
@@ -615,7 +615,7 @@
           <a:p>
             <a:fld id="{7A5B70E5-E401-4D0E-B486-558E280F0EF0}" type="datetimeFigureOut">
               <a:rPr lang="ru-RU" smtClean="0"/>
-              <a:t>15.12.2022</a:t>
+              <a:t>16.12.2022</a:t>
             </a:fld>
             <a:endParaRPr lang="ru-RU"/>
           </a:p>
@@ -783,7 +783,7 @@
           <a:p>
             <a:fld id="{7A5B70E5-E401-4D0E-B486-558E280F0EF0}" type="datetimeFigureOut">
               <a:rPr lang="ru-RU" smtClean="0"/>
-              <a:t>15.12.2022</a:t>
+              <a:t>16.12.2022</a:t>
             </a:fld>
             <a:endParaRPr lang="ru-RU"/>
           </a:p>
@@ -1028,7 +1028,7 @@
           <a:p>
             <a:fld id="{7A5B70E5-E401-4D0E-B486-558E280F0EF0}" type="datetimeFigureOut">
               <a:rPr lang="ru-RU" smtClean="0"/>
-              <a:t>15.12.2022</a:t>
+              <a:t>16.12.2022</a:t>
             </a:fld>
             <a:endParaRPr lang="ru-RU"/>
           </a:p>
@@ -1257,7 +1257,7 @@
           <a:p>
             <a:fld id="{7A5B70E5-E401-4D0E-B486-558E280F0EF0}" type="datetimeFigureOut">
               <a:rPr lang="ru-RU" smtClean="0"/>
-              <a:t>15.12.2022</a:t>
+              <a:t>16.12.2022</a:t>
             </a:fld>
             <a:endParaRPr lang="ru-RU"/>
           </a:p>
@@ -1621,7 +1621,7 @@
           <a:p>
             <a:fld id="{7A5B70E5-E401-4D0E-B486-558E280F0EF0}" type="datetimeFigureOut">
               <a:rPr lang="ru-RU" smtClean="0"/>
-              <a:t>15.12.2022</a:t>
+              <a:t>16.12.2022</a:t>
             </a:fld>
             <a:endParaRPr lang="ru-RU"/>
           </a:p>
@@ -1738,7 +1738,7 @@
           <a:p>
             <a:fld id="{7A5B70E5-E401-4D0E-B486-558E280F0EF0}" type="datetimeFigureOut">
               <a:rPr lang="ru-RU" smtClean="0"/>
-              <a:t>15.12.2022</a:t>
+              <a:t>16.12.2022</a:t>
             </a:fld>
             <a:endParaRPr lang="ru-RU"/>
           </a:p>
@@ -1833,7 +1833,7 @@
           <a:p>
             <a:fld id="{7A5B70E5-E401-4D0E-B486-558E280F0EF0}" type="datetimeFigureOut">
               <a:rPr lang="ru-RU" smtClean="0"/>
-              <a:t>15.12.2022</a:t>
+              <a:t>16.12.2022</a:t>
             </a:fld>
             <a:endParaRPr lang="ru-RU"/>
           </a:p>
@@ -2108,7 +2108,7 @@
           <a:p>
             <a:fld id="{7A5B70E5-E401-4D0E-B486-558E280F0EF0}" type="datetimeFigureOut">
               <a:rPr lang="ru-RU" smtClean="0"/>
-              <a:t>15.12.2022</a:t>
+              <a:t>16.12.2022</a:t>
             </a:fld>
             <a:endParaRPr lang="ru-RU"/>
           </a:p>
@@ -2360,7 +2360,7 @@
           <a:p>
             <a:fld id="{7A5B70E5-E401-4D0E-B486-558E280F0EF0}" type="datetimeFigureOut">
               <a:rPr lang="ru-RU" smtClean="0"/>
-              <a:t>15.12.2022</a:t>
+              <a:t>16.12.2022</a:t>
             </a:fld>
             <a:endParaRPr lang="ru-RU"/>
           </a:p>
@@ -2571,7 +2571,7 @@
           <a:p>
             <a:fld id="{7A5B70E5-E401-4D0E-B486-558E280F0EF0}" type="datetimeFigureOut">
               <a:rPr lang="ru-RU" smtClean="0"/>
-              <a:t>15.12.2022</a:t>
+              <a:t>16.12.2022</a:t>
             </a:fld>
             <a:endParaRPr lang="ru-RU"/>
           </a:p>
@@ -3169,7 +3169,6 @@
               <a:rPr lang="en-US" sz="2400" dirty="0" smtClean="0"/>
               <a:t>MVVM</a:t>
             </a:r>
-            <a:endParaRPr lang="en-US" sz="2400" dirty="0" smtClean="0"/>
           </a:p>
           <a:p>
             <a:pPr marL="342900" indent="-342900">
@@ -3563,23 +3562,15 @@
             </a:r>
             <a:r>
               <a:rPr lang="ru-RU" dirty="0" smtClean="0"/>
-              <a:t>разметки XAML</a:t>
-            </a:r>
+              <a:t>разметки XAML.</a:t>
+            </a:r>
+            <a:endParaRPr lang="ru-RU" dirty="0"/>
+          </a:p>
+          <a:p>
+            <a:pPr algn="just"/>
             <a:r>
               <a:rPr lang="ru-RU" dirty="0" smtClean="0"/>
-              <a:t>.</a:t>
-            </a:r>
-            <a:endParaRPr lang="ru-RU" dirty="0"/>
-          </a:p>
-          <a:p>
-            <a:pPr algn="just"/>
-            <a:r>
-              <a:rPr lang="ru-RU" dirty="0" smtClean="0"/>
-              <a:t>Преимущества </a:t>
-            </a:r>
-            <a:r>
-              <a:rPr lang="ru-RU" dirty="0" smtClean="0"/>
-              <a:t>использования технологии </a:t>
+              <a:t>Преимущества использования технологии </a:t>
             </a:r>
             <a:r>
               <a:rPr lang="ru-RU" dirty="0" err="1"/>
@@ -3776,11 +3767,7 @@
             </a:pPr>
             <a:r>
               <a:rPr lang="ru-RU" dirty="0" smtClean="0"/>
-              <a:t>Ко</a:t>
-            </a:r>
-            <a:r>
-              <a:rPr lang="ru-RU" dirty="0" smtClean="0"/>
-              <a:t>д </a:t>
+              <a:t>Код </a:t>
             </a:r>
             <a:r>
               <a:rPr lang="ru-RU" dirty="0"/>
@@ -3963,8 +3950,8 @@
         </p:nvSpPr>
         <p:spPr>
           <a:xfrm>
-            <a:off x="838200" y="957308"/>
-            <a:ext cx="10515600" cy="1325563"/>
+            <a:off x="838200" y="1489461"/>
+            <a:ext cx="5614851" cy="532153"/>
           </a:xfrm>
         </p:spPr>
         <p:txBody>
@@ -3994,7 +3981,7 @@
         <p:spPr>
           <a:xfrm>
             <a:off x="838200" y="2021614"/>
-            <a:ext cx="9986554" cy="3693319"/>
+            <a:ext cx="9986554" cy="4062651"/>
           </a:xfrm>
           <a:prstGeom prst="rect">
             <a:avLst/>
@@ -4008,37 +3995,37 @@
           <a:p>
             <a:pPr algn="just"/>
             <a:r>
-              <a:rPr lang="ru-RU" dirty="0" smtClean="0"/>
+              <a:rPr lang="ru-RU" sz="2000" dirty="0" smtClean="0"/>
               <a:t>Класс </a:t>
             </a:r>
             <a:r>
-              <a:rPr lang="en-US" dirty="0" smtClean="0"/>
+              <a:rPr lang="en-US" sz="2000" dirty="0" smtClean="0"/>
               <a:t>Manager</a:t>
             </a:r>
             <a:r>
-              <a:rPr lang="ru-RU" dirty="0" smtClean="0"/>
+              <a:rPr lang="ru-RU" sz="2000" dirty="0" smtClean="0"/>
               <a:t>Отвечает </a:t>
             </a:r>
             <a:r>
-              <a:rPr lang="ru-RU" dirty="0"/>
+              <a:rPr lang="ru-RU" sz="2000" dirty="0"/>
               <a:t>за сохранение и загрузку данных, а также хранение объектов, полученных из этих данных (Следует иметь ввиду, что при использовании Менеджера в своих решениях, желательно инициализировать экземпляр класса как можно раньше, если он не был инициализирован до этого</a:t>
             </a:r>
             <a:r>
-              <a:rPr lang="ru-RU" dirty="0" smtClean="0"/>
+              <a:rPr lang="ru-RU" sz="2000" dirty="0" smtClean="0"/>
               <a:t>.) </a:t>
             </a:r>
           </a:p>
           <a:p>
             <a:pPr algn="just"/>
-            <a:endParaRPr lang="ru-RU" dirty="0"/>
+            <a:endParaRPr lang="ru-RU" sz="2000" dirty="0"/>
           </a:p>
           <a:p>
             <a:pPr algn="just"/>
             <a:r>
-              <a:rPr lang="ru-RU" dirty="0" smtClean="0"/>
+              <a:rPr lang="ru-RU" sz="2000" dirty="0" smtClean="0"/>
               <a:t>Методы класс:</a:t>
             </a:r>
-            <a:endParaRPr lang="ru-RU" dirty="0"/>
+            <a:endParaRPr lang="ru-RU" sz="2000" dirty="0"/>
           </a:p>
           <a:p>
             <a:pPr marL="285750" indent="-285750" algn="just">
@@ -4046,15 +4033,15 @@
               <a:buChar char="•"/>
             </a:pPr>
             <a:r>
-              <a:rPr lang="ru-RU" dirty="0" err="1" smtClean="0"/>
+              <a:rPr lang="ru-RU" sz="2000" dirty="0" err="1" smtClean="0"/>
               <a:t>GetList</a:t>
             </a:r>
             <a:r>
-              <a:rPr lang="ru-RU" dirty="0" smtClean="0"/>
+              <a:rPr lang="ru-RU" sz="2000" dirty="0" smtClean="0"/>
               <a:t> </a:t>
             </a:r>
             <a:r>
-              <a:rPr lang="ru-RU" dirty="0"/>
+              <a:rPr lang="ru-RU" sz="2000" dirty="0"/>
               <a:t>(Получение списка)</a:t>
             </a:r>
           </a:p>
@@ -4064,15 +4051,15 @@
               <a:buChar char="•"/>
             </a:pPr>
             <a:r>
-              <a:rPr lang="ru-RU" dirty="0" err="1" smtClean="0"/>
+              <a:rPr lang="ru-RU" sz="2000" dirty="0" err="1" smtClean="0"/>
               <a:t>SetList</a:t>
             </a:r>
             <a:r>
-              <a:rPr lang="ru-RU" dirty="0" smtClean="0"/>
+              <a:rPr lang="ru-RU" sz="2000" dirty="0" smtClean="0"/>
               <a:t> </a:t>
             </a:r>
             <a:r>
-              <a:rPr lang="ru-RU" dirty="0"/>
+              <a:rPr lang="ru-RU" sz="2000" dirty="0"/>
               <a:t>(Вставка Списка)</a:t>
             </a:r>
           </a:p>
@@ -4082,15 +4069,15 @@
               <a:buChar char="•"/>
             </a:pPr>
             <a:r>
-              <a:rPr lang="ru-RU" dirty="0" err="1" smtClean="0"/>
+              <a:rPr lang="ru-RU" sz="2000" dirty="0" err="1" smtClean="0"/>
               <a:t>RemoveList</a:t>
             </a:r>
             <a:r>
-              <a:rPr lang="ru-RU" dirty="0" smtClean="0"/>
+              <a:rPr lang="ru-RU" sz="2000" dirty="0" smtClean="0"/>
               <a:t> </a:t>
             </a:r>
             <a:r>
-              <a:rPr lang="ru-RU" dirty="0"/>
+              <a:rPr lang="ru-RU" sz="2000" dirty="0"/>
               <a:t>(Удаление Списка)</a:t>
             </a:r>
           </a:p>
@@ -4100,50 +4087,50 @@
               <a:buChar char="•"/>
             </a:pPr>
             <a:r>
-              <a:rPr lang="ru-RU" dirty="0" err="1" smtClean="0"/>
+              <a:rPr lang="ru-RU" sz="2000" dirty="0" err="1" smtClean="0"/>
               <a:t>ContainsList</a:t>
             </a:r>
             <a:r>
-              <a:rPr lang="ru-RU" dirty="0" smtClean="0"/>
+              <a:rPr lang="ru-RU" sz="2000" dirty="0" smtClean="0"/>
               <a:t> </a:t>
             </a:r>
             <a:r>
-              <a:rPr lang="ru-RU" dirty="0"/>
+              <a:rPr lang="ru-RU" sz="2000" dirty="0"/>
               <a:t>(Проверка на существование Списка)</a:t>
             </a:r>
           </a:p>
           <a:p>
             <a:pPr algn="just"/>
-            <a:endParaRPr lang="ru-RU" dirty="0" smtClean="0"/>
+            <a:endParaRPr lang="ru-RU" sz="2000" dirty="0" smtClean="0"/>
           </a:p>
           <a:p>
             <a:pPr algn="just"/>
             <a:r>
-              <a:rPr lang="ru-RU" dirty="0" smtClean="0"/>
+              <a:rPr lang="ru-RU" sz="2000" dirty="0" smtClean="0"/>
               <a:t>Работа </a:t>
             </a:r>
             <a:r>
-              <a:rPr lang="ru-RU" dirty="0"/>
+              <a:rPr lang="ru-RU" sz="2000" dirty="0"/>
               <a:t>с данными (XML</a:t>
             </a:r>
             <a:r>
-              <a:rPr lang="ru-RU" dirty="0" smtClean="0"/>
+              <a:rPr lang="ru-RU" sz="2000" dirty="0" smtClean="0"/>
               <a:t>):</a:t>
             </a:r>
-            <a:endParaRPr lang="ru-RU" dirty="0"/>
+            <a:endParaRPr lang="ru-RU" sz="2000" dirty="0"/>
           </a:p>
           <a:p>
             <a:pPr algn="just"/>
             <a:r>
-              <a:rPr lang="ru-RU" dirty="0"/>
+              <a:rPr lang="ru-RU" sz="2000" dirty="0"/>
               <a:t>- </a:t>
             </a:r>
             <a:r>
-              <a:rPr lang="ru-RU" dirty="0" err="1"/>
+              <a:rPr lang="ru-RU" sz="2000" dirty="0" err="1"/>
               <a:t>SaveData</a:t>
             </a:r>
             <a:r>
-              <a:rPr lang="ru-RU" dirty="0"/>
+              <a:rPr lang="ru-RU" sz="2000" dirty="0"/>
               <a:t> (Сохранить данные в файл)</a:t>
             </a:r>
           </a:p>
@@ -4308,8 +4295,8 @@
         </p:nvSpPr>
         <p:spPr>
           <a:xfrm>
-            <a:off x="838199" y="2156774"/>
-            <a:ext cx="9986555" cy="3970318"/>
+            <a:off x="838200" y="1906131"/>
+            <a:ext cx="9986555" cy="4678204"/>
           </a:xfrm>
           <a:prstGeom prst="rect">
             <a:avLst/>
@@ -4323,25 +4310,25 @@
           <a:p>
             <a:pPr algn="just"/>
             <a:r>
-              <a:rPr lang="ru-RU" dirty="0"/>
+              <a:rPr lang="ru-RU" sz="2000" dirty="0"/>
               <a:t>Пространство имён. Хранит в себе основные классы, экземпляры которых участвуют в обороте данных между постоянной и оперативной памятью.</a:t>
             </a:r>
           </a:p>
           <a:p>
             <a:pPr algn="just"/>
-            <a:endParaRPr lang="ru-RU" dirty="0"/>
+            <a:endParaRPr lang="ru-RU" sz="2000" dirty="0"/>
           </a:p>
           <a:p>
             <a:pPr algn="just"/>
             <a:r>
-              <a:rPr lang="ru-RU" dirty="0"/>
+              <a:rPr lang="ru-RU" sz="2000" dirty="0"/>
               <a:t>Абстрактные классы</a:t>
             </a:r>
             <a:r>
-              <a:rPr lang="ru-RU" dirty="0" smtClean="0"/>
+              <a:rPr lang="ru-RU" sz="2000" dirty="0" smtClean="0"/>
               <a:t>:</a:t>
             </a:r>
-            <a:endParaRPr lang="ru-RU" dirty="0"/>
+            <a:endParaRPr lang="ru-RU" sz="2000" dirty="0"/>
           </a:p>
           <a:p>
             <a:pPr marL="285750" indent="-285750" algn="just">
@@ -4349,19 +4336,19 @@
               <a:buChar char="•"/>
             </a:pPr>
             <a:r>
-              <a:rPr lang="ru-RU" dirty="0" err="1" smtClean="0"/>
+              <a:rPr lang="ru-RU" sz="2000" dirty="0" err="1" smtClean="0"/>
               <a:t>Unique</a:t>
             </a:r>
             <a:r>
-              <a:rPr lang="ru-RU" dirty="0" smtClean="0"/>
+              <a:rPr lang="ru-RU" sz="2000" dirty="0" smtClean="0"/>
               <a:t>&lt;T</a:t>
             </a:r>
             <a:r>
-              <a:rPr lang="ru-RU" dirty="0"/>
+              <a:rPr lang="ru-RU" sz="2000" dirty="0"/>
               <a:t>&gt; (Уникальный Класс). Генерация уникальных идентификаторов в текущей </a:t>
             </a:r>
             <a:r>
-              <a:rPr lang="ru-RU" dirty="0" smtClean="0"/>
+              <a:rPr lang="ru-RU" sz="2000" dirty="0" smtClean="0"/>
               <a:t>сессии</a:t>
             </a:r>
           </a:p>
@@ -4371,19 +4358,19 @@
               <a:buChar char="•"/>
             </a:pPr>
             <a:r>
-              <a:rPr lang="ru-RU" dirty="0" err="1" smtClean="0"/>
+              <a:rPr lang="ru-RU" sz="2000" dirty="0" err="1" smtClean="0"/>
               <a:t>DataContainer</a:t>
             </a:r>
             <a:r>
-              <a:rPr lang="ru-RU" dirty="0" smtClean="0"/>
+              <a:rPr lang="ru-RU" sz="2000" dirty="0" smtClean="0"/>
               <a:t> (Контейнер Данных). Хранилище данных для </a:t>
             </a:r>
             <a:r>
-              <a:rPr lang="ru-RU" dirty="0" err="1" smtClean="0"/>
+              <a:rPr lang="ru-RU" sz="2000" dirty="0" err="1" smtClean="0"/>
               <a:t>сериализации</a:t>
             </a:r>
             <a:r>
-              <a:rPr lang="ru-RU" dirty="0" smtClean="0"/>
+              <a:rPr lang="ru-RU" sz="2000" dirty="0" smtClean="0"/>
               <a:t> в XML</a:t>
             </a:r>
           </a:p>
@@ -4392,19 +4379,19 @@
               <a:buFontTx/>
               <a:buChar char="-"/>
             </a:pPr>
-            <a:endParaRPr lang="ru-RU" dirty="0"/>
+            <a:endParaRPr lang="ru-RU" sz="2000" dirty="0"/>
           </a:p>
           <a:p>
             <a:pPr algn="just"/>
             <a:r>
-              <a:rPr lang="ru-RU" dirty="0"/>
+              <a:rPr lang="ru-RU" sz="2000" dirty="0"/>
               <a:t>Инкапсулирующие классы</a:t>
             </a:r>
             <a:r>
-              <a:rPr lang="ru-RU" dirty="0" smtClean="0"/>
+              <a:rPr lang="ru-RU" sz="2000" dirty="0" smtClean="0"/>
               <a:t>:</a:t>
             </a:r>
-            <a:endParaRPr lang="ru-RU" dirty="0"/>
+            <a:endParaRPr lang="ru-RU" sz="2000" dirty="0"/>
           </a:p>
           <a:p>
             <a:pPr marL="285750" indent="-285750" algn="just">
@@ -4412,22 +4399,22 @@
               <a:buChar char="•"/>
             </a:pPr>
             <a:r>
-              <a:rPr lang="ru-RU" dirty="0" err="1" smtClean="0"/>
+              <a:rPr lang="ru-RU" sz="2000" dirty="0" err="1" smtClean="0"/>
               <a:t>DateTimeContainerData</a:t>
             </a:r>
             <a:r>
-              <a:rPr lang="ru-RU" dirty="0" smtClean="0"/>
+              <a:rPr lang="ru-RU" sz="2000" dirty="0" smtClean="0"/>
               <a:t> </a:t>
             </a:r>
             <a:r>
-              <a:rPr lang="ru-RU" dirty="0"/>
+              <a:rPr lang="ru-RU" sz="2000" dirty="0"/>
               <a:t>(Данные Контейнера Дат</a:t>
             </a:r>
             <a:r>
-              <a:rPr lang="ru-RU" dirty="0" smtClean="0"/>
+              <a:rPr lang="ru-RU" sz="2000" dirty="0" smtClean="0"/>
               <a:t>)</a:t>
             </a:r>
-            <a:endParaRPr lang="ru-RU" dirty="0"/>
+            <a:endParaRPr lang="ru-RU" sz="2000" dirty="0"/>
           </a:p>
           <a:p>
             <a:pPr marL="285750" indent="-285750" algn="just">
@@ -4435,22 +4422,22 @@
               <a:buChar char="•"/>
             </a:pPr>
             <a:r>
-              <a:rPr lang="ru-RU" dirty="0" err="1" smtClean="0"/>
+              <a:rPr lang="ru-RU" sz="2000" dirty="0" err="1" smtClean="0"/>
               <a:t>CardData</a:t>
             </a:r>
             <a:r>
-              <a:rPr lang="ru-RU" dirty="0" smtClean="0"/>
+              <a:rPr lang="ru-RU" sz="2000" dirty="0" smtClean="0"/>
               <a:t> </a:t>
             </a:r>
             <a:r>
-              <a:rPr lang="ru-RU" dirty="0"/>
+              <a:rPr lang="ru-RU" sz="2000" dirty="0"/>
               <a:t>(Данные Карты</a:t>
             </a:r>
             <a:r>
-              <a:rPr lang="ru-RU" dirty="0" smtClean="0"/>
+              <a:rPr lang="ru-RU" sz="2000" dirty="0" smtClean="0"/>
               <a:t>)</a:t>
             </a:r>
-            <a:endParaRPr lang="ru-RU" dirty="0"/>
+            <a:endParaRPr lang="ru-RU" sz="2000" dirty="0"/>
           </a:p>
           <a:p>
             <a:pPr marL="285750" indent="-285750" algn="just">
@@ -4458,22 +4445,22 @@
               <a:buChar char="•"/>
             </a:pPr>
             <a:r>
-              <a:rPr lang="ru-RU" dirty="0" err="1" smtClean="0"/>
+              <a:rPr lang="ru-RU" sz="2000" dirty="0" err="1" smtClean="0"/>
               <a:t>CardListData</a:t>
             </a:r>
             <a:r>
-              <a:rPr lang="ru-RU" dirty="0" smtClean="0"/>
+              <a:rPr lang="ru-RU" sz="2000" dirty="0" smtClean="0"/>
               <a:t> </a:t>
             </a:r>
             <a:r>
-              <a:rPr lang="ru-RU" dirty="0"/>
+              <a:rPr lang="ru-RU" sz="2000" dirty="0"/>
               <a:t>(Данные Списка Карт</a:t>
             </a:r>
             <a:r>
-              <a:rPr lang="ru-RU" dirty="0" smtClean="0"/>
+              <a:rPr lang="ru-RU" sz="2000" dirty="0" smtClean="0"/>
               <a:t>)</a:t>
             </a:r>
-            <a:endParaRPr lang="ru-RU" dirty="0"/>
+            <a:endParaRPr lang="ru-RU" sz="2000" dirty="0"/>
           </a:p>
           <a:p>
             <a:pPr marL="285750" indent="-285750" algn="just">
@@ -4481,22 +4468,22 @@
               <a:buChar char="•"/>
             </a:pPr>
             <a:r>
-              <a:rPr lang="ru-RU" dirty="0" err="1" smtClean="0"/>
+              <a:rPr lang="ru-RU" sz="2000" dirty="0" err="1" smtClean="0"/>
               <a:t>DateTimeContainer</a:t>
             </a:r>
             <a:r>
-              <a:rPr lang="ru-RU" dirty="0" smtClean="0"/>
+              <a:rPr lang="ru-RU" sz="2000" dirty="0" smtClean="0"/>
               <a:t> </a:t>
             </a:r>
             <a:r>
-              <a:rPr lang="ru-RU" dirty="0"/>
+              <a:rPr lang="ru-RU" sz="2000" dirty="0"/>
               <a:t>(Контейнер Дат</a:t>
             </a:r>
             <a:r>
-              <a:rPr lang="ru-RU" dirty="0" smtClean="0"/>
+              <a:rPr lang="ru-RU" sz="2000" dirty="0" smtClean="0"/>
               <a:t>)</a:t>
             </a:r>
-            <a:endParaRPr lang="ru-RU" dirty="0"/>
+            <a:endParaRPr lang="ru-RU" sz="2000" dirty="0"/>
           </a:p>
           <a:p>
             <a:pPr marL="285750" indent="-285750" algn="just">
@@ -4504,22 +4491,22 @@
               <a:buChar char="•"/>
             </a:pPr>
             <a:r>
-              <a:rPr lang="ru-RU" dirty="0" err="1" smtClean="0"/>
+              <a:rPr lang="ru-RU" sz="2000" dirty="0" err="1" smtClean="0"/>
               <a:t>Card</a:t>
             </a:r>
             <a:r>
-              <a:rPr lang="ru-RU" dirty="0" smtClean="0"/>
+              <a:rPr lang="ru-RU" sz="2000" dirty="0" smtClean="0"/>
               <a:t> </a:t>
             </a:r>
             <a:r>
-              <a:rPr lang="ru-RU" dirty="0"/>
+              <a:rPr lang="ru-RU" sz="2000" dirty="0"/>
               <a:t>(Карта</a:t>
             </a:r>
             <a:r>
-              <a:rPr lang="ru-RU" dirty="0" smtClean="0"/>
+              <a:rPr lang="ru-RU" sz="2000" dirty="0" smtClean="0"/>
               <a:t>)</a:t>
             </a:r>
-            <a:endParaRPr lang="ru-RU" dirty="0"/>
+            <a:endParaRPr lang="ru-RU" sz="2000" dirty="0"/>
           </a:p>
           <a:p>
             <a:pPr marL="285750" indent="-285750" algn="just">
@@ -4527,15 +4514,15 @@
               <a:buChar char="•"/>
             </a:pPr>
             <a:r>
-              <a:rPr lang="ru-RU" dirty="0" err="1" smtClean="0"/>
+              <a:rPr lang="ru-RU" sz="2000" dirty="0" err="1" smtClean="0"/>
               <a:t>CardList</a:t>
             </a:r>
             <a:r>
-              <a:rPr lang="ru-RU" dirty="0" smtClean="0"/>
+              <a:rPr lang="ru-RU" sz="2000" dirty="0" smtClean="0"/>
               <a:t> </a:t>
             </a:r>
             <a:r>
-              <a:rPr lang="ru-RU" dirty="0"/>
+              <a:rPr lang="ru-RU" sz="2000" dirty="0"/>
               <a:t>(Список Карт)</a:t>
             </a:r>
           </a:p>
@@ -4613,7 +4600,7 @@
         </p:nvSpPr>
         <p:spPr>
           <a:xfrm>
-            <a:off x="768531" y="1907028"/>
+            <a:off x="838200" y="1907028"/>
             <a:ext cx="10308771" cy="2554545"/>
           </a:xfrm>
           <a:prstGeom prst="rect">
@@ -5378,13 +5365,7 @@
               <a:rPr lang="ru-RU" sz="3200" dirty="0" smtClean="0">
                 <a:latin typeface="+mj-lt"/>
               </a:rPr>
-              <a:t>: </a:t>
-            </a:r>
-            <a:r>
-              <a:rPr lang="ru-RU" sz="3200" dirty="0" smtClean="0">
-                <a:latin typeface="+mj-lt"/>
-              </a:rPr>
-              <a:t>сортировк</a:t>
+              <a:t>: сортировк</a:t>
             </a:r>
             <a:r>
               <a:rPr lang="ru-RU" sz="3200" dirty="0">
@@ -5396,13 +5377,7 @@
               <a:rPr lang="ru-RU" sz="3200" dirty="0" smtClean="0">
                 <a:latin typeface="+mj-lt"/>
               </a:rPr>
-              <a:t> </a:t>
-            </a:r>
-            <a:r>
-              <a:rPr lang="ru-RU" sz="3200" dirty="0" smtClean="0">
-                <a:latin typeface="+mj-lt"/>
-              </a:rPr>
-              <a:t>карт</a:t>
+              <a:t> карт</a:t>
             </a:r>
             <a:endParaRPr lang="en-US" sz="3200" dirty="0">
               <a:latin typeface="+mj-lt"/>

--- a/docs/Timelon.pptx
+++ b/docs/Timelon.pptx
@@ -10,30 +10,29 @@
     <p:sldId id="270" r:id="rId4"/>
     <p:sldId id="271" r:id="rId5"/>
     <p:sldId id="258" r:id="rId6"/>
-    <p:sldId id="272" r:id="rId7"/>
-    <p:sldId id="273" r:id="rId8"/>
-    <p:sldId id="274" r:id="rId9"/>
-    <p:sldId id="275" r:id="rId10"/>
-    <p:sldId id="276" r:id="rId11"/>
-    <p:sldId id="277" r:id="rId12"/>
-    <p:sldId id="280" r:id="rId13"/>
-    <p:sldId id="278" r:id="rId14"/>
-    <p:sldId id="279" r:id="rId15"/>
-    <p:sldId id="260" r:id="rId16"/>
-    <p:sldId id="261" r:id="rId17"/>
-    <p:sldId id="267" r:id="rId18"/>
-    <p:sldId id="268" r:id="rId19"/>
-    <p:sldId id="290" r:id="rId20"/>
-    <p:sldId id="263" r:id="rId21"/>
-    <p:sldId id="282" r:id="rId22"/>
-    <p:sldId id="283" r:id="rId23"/>
-    <p:sldId id="284" r:id="rId24"/>
-    <p:sldId id="285" r:id="rId25"/>
-    <p:sldId id="286" r:id="rId26"/>
-    <p:sldId id="288" r:id="rId27"/>
-    <p:sldId id="289" r:id="rId28"/>
-    <p:sldId id="264" r:id="rId29"/>
-    <p:sldId id="266" r:id="rId30"/>
+    <p:sldId id="291" r:id="rId7"/>
+    <p:sldId id="292" r:id="rId8"/>
+    <p:sldId id="293" r:id="rId9"/>
+    <p:sldId id="294" r:id="rId10"/>
+    <p:sldId id="277" r:id="rId11"/>
+    <p:sldId id="280" r:id="rId12"/>
+    <p:sldId id="278" r:id="rId13"/>
+    <p:sldId id="279" r:id="rId14"/>
+    <p:sldId id="260" r:id="rId15"/>
+    <p:sldId id="261" r:id="rId16"/>
+    <p:sldId id="267" r:id="rId17"/>
+    <p:sldId id="268" r:id="rId18"/>
+    <p:sldId id="290" r:id="rId19"/>
+    <p:sldId id="263" r:id="rId20"/>
+    <p:sldId id="282" r:id="rId21"/>
+    <p:sldId id="283" r:id="rId22"/>
+    <p:sldId id="284" r:id="rId23"/>
+    <p:sldId id="285" r:id="rId24"/>
+    <p:sldId id="286" r:id="rId25"/>
+    <p:sldId id="288" r:id="rId26"/>
+    <p:sldId id="289" r:id="rId27"/>
+    <p:sldId id="264" r:id="rId28"/>
+    <p:sldId id="266" r:id="rId29"/>
   </p:sldIdLst>
   <p:sldSz cx="12192000" cy="6858000"/>
   <p:notesSz cx="6858000" cy="9144000"/>
@@ -3076,7 +3075,124 @@
           <a:p>
             <a:r>
               <a:rPr lang="ru-RU" dirty="0"/>
-              <a:t>Подсказки</a:t>
+              <a:t>Интерфейс</a:t>
+            </a:r>
+          </a:p>
+        </p:txBody>
+      </p:sp>
+      <p:sp>
+        <p:nvSpPr>
+          <p:cNvPr id="3" name="Прямоугольник 2"/>
+          <p:cNvSpPr/>
+          <p:nvPr/>
+        </p:nvSpPr>
+        <p:spPr>
+          <a:xfrm>
+            <a:off x="838202" y="1506022"/>
+            <a:ext cx="10224245" cy="3046988"/>
+          </a:xfrm>
+          <a:prstGeom prst="rect">
+            <a:avLst/>
+          </a:prstGeom>
+        </p:spPr>
+        <p:txBody>
+          <a:bodyPr wrap="square">
+            <a:spAutoFit/>
+          </a:bodyPr>
+          <a:lstStyle/>
+          <a:p>
+            <a:r>
+              <a:rPr lang="ru-RU" sz="2400" dirty="0" smtClean="0"/>
+              <a:t>Классы, реализуемые в рамках шаблона проектирования </a:t>
+            </a:r>
+            <a:r>
+              <a:rPr lang="en-US" sz="2400" dirty="0" smtClean="0"/>
+              <a:t>MVVM</a:t>
+            </a:r>
+          </a:p>
+          <a:p>
+            <a:pPr marL="342900" indent="-342900">
+              <a:buFont typeface="Arial" panose="020B0604020202020204" pitchFamily="34" charset="0"/>
+              <a:buChar char="•"/>
+            </a:pPr>
+            <a:r>
+              <a:rPr lang="ru-RU" sz="2400" dirty="0" smtClean="0"/>
+              <a:t>Класс </a:t>
+            </a:r>
+            <a:r>
+              <a:rPr lang="en-US" sz="2400" dirty="0" err="1"/>
+              <a:t>ApplicationViewModel</a:t>
+            </a:r>
+            <a:r>
+              <a:rPr lang="en-US" sz="2400" dirty="0"/>
+              <a:t> </a:t>
+            </a:r>
+            <a:endParaRPr lang="ru-RU" sz="2400" dirty="0" smtClean="0"/>
+          </a:p>
+          <a:p>
+            <a:pPr marL="342900" indent="-342900">
+              <a:buFont typeface="Arial" panose="020B0604020202020204" pitchFamily="34" charset="0"/>
+              <a:buChar char="•"/>
+            </a:pPr>
+            <a:r>
+              <a:rPr lang="en-US" sz="2400" dirty="0" err="1" smtClean="0"/>
+              <a:t>MainWindow</a:t>
+            </a:r>
+            <a:r>
+              <a:rPr lang="ru-RU" sz="2400" dirty="0" smtClean="0"/>
+              <a:t>.</a:t>
+            </a:r>
+            <a:r>
+              <a:rPr lang="en-US" sz="2400" dirty="0" err="1" smtClean="0"/>
+              <a:t>xaml</a:t>
+            </a:r>
+            <a:r>
+              <a:rPr lang="ru-RU" sz="2400" dirty="0" smtClean="0"/>
+              <a:t> и </a:t>
+            </a:r>
+            <a:r>
+              <a:rPr lang="en-US" sz="2400" dirty="0" err="1" smtClean="0"/>
+              <a:t>MainWindow.xaml.cs</a:t>
+            </a:r>
+            <a:endParaRPr lang="ru-RU" sz="2400" dirty="0"/>
+          </a:p>
+          <a:p>
+            <a:pPr marL="342900" indent="-342900">
+              <a:buFont typeface="Arial" panose="020B0604020202020204" pitchFamily="34" charset="0"/>
+              <a:buChar char="•"/>
+            </a:pPr>
+            <a:r>
+              <a:rPr lang="ru-RU" sz="2400" dirty="0" smtClean="0"/>
+              <a:t>Класс </a:t>
+            </a:r>
+            <a:r>
+              <a:rPr lang="en-US" sz="2400" dirty="0" err="1" smtClean="0"/>
+              <a:t>RelayCommand</a:t>
+            </a:r>
+            <a:endParaRPr lang="ru-RU" sz="2400" dirty="0" smtClean="0"/>
+          </a:p>
+          <a:p>
+            <a:r>
+              <a:rPr lang="ru-RU" sz="2400" dirty="0" smtClean="0"/>
+              <a:t>Для взаимодействия пользователя и приложения в MVVM используются команды и события. </a:t>
+            </a:r>
+          </a:p>
+          <a:p>
+            <a:r>
+              <a:rPr lang="ru-RU" sz="2400" dirty="0" smtClean="0"/>
+              <a:t>Команды обеспечивают слой абстракции – класс </a:t>
+            </a:r>
+            <a:r>
+              <a:rPr lang="en-US" sz="2400" dirty="0" err="1" smtClean="0"/>
+              <a:t>RelayCommand</a:t>
+            </a:r>
+            <a:r>
+              <a:rPr lang="en-US" sz="2400" dirty="0" smtClean="0"/>
+              <a:t>,</a:t>
+            </a:r>
+            <a:r>
+              <a:rPr lang="ru-RU" sz="2400" dirty="0" smtClean="0"/>
+              <a:t> между семантикой элементов управления и логикой библиотеки классов.</a:t>
             </a:r>
           </a:p>
         </p:txBody>
@@ -3084,7 +3200,7 @@
     </p:spTree>
     <p:extLst>
       <p:ext uri="{BB962C8B-B14F-4D97-AF65-F5344CB8AC3E}">
-        <p14:creationId xmlns:p14="http://schemas.microsoft.com/office/powerpoint/2010/main" val="2686018467"/>
+        <p14:creationId xmlns:p14="http://schemas.microsoft.com/office/powerpoint/2010/main" val="462159840"/>
       </p:ext>
     </p:extLst>
   </p:cSld>
@@ -3135,124 +3251,73 @@
           <a:p>
             <a:r>
               <a:rPr lang="ru-RU" dirty="0"/>
-              <a:t>Интерфейс</a:t>
-            </a:r>
-          </a:p>
-        </p:txBody>
-      </p:sp>
-      <p:sp>
-        <p:nvSpPr>
-          <p:cNvPr id="3" name="Прямоугольник 2"/>
-          <p:cNvSpPr/>
+              <a:t>Шаблон проектирования </a:t>
+            </a:r>
+            <a:r>
+              <a:rPr lang="en-US" dirty="0"/>
+              <a:t>MVVM</a:t>
+            </a:r>
+            <a:endParaRPr lang="ru-RU" dirty="0"/>
+          </a:p>
+        </p:txBody>
+      </p:sp>
+      <p:pic>
+        <p:nvPicPr>
+          <p:cNvPr id="3" name="Рисунок 2"/>
+          <p:cNvPicPr>
+            <a:picLocks noChangeAspect="1"/>
+          </p:cNvPicPr>
           <p:nvPr/>
-        </p:nvSpPr>
+        </p:nvPicPr>
+        <p:blipFill>
+          <a:blip r:embed="rId2"/>
+          <a:stretch>
+            <a:fillRect/>
+          </a:stretch>
+        </p:blipFill>
         <p:spPr>
           <a:xfrm>
-            <a:off x="838202" y="1506022"/>
-            <a:ext cx="10224245" cy="3046988"/>
+            <a:off x="1968613" y="2526932"/>
+            <a:ext cx="7819821" cy="4227591"/>
           </a:xfrm>
           <a:prstGeom prst="rect">
             <a:avLst/>
           </a:prstGeom>
         </p:spPr>
+      </p:pic>
+      <p:sp>
+        <p:nvSpPr>
+          <p:cNvPr id="4" name="Прямоугольник 3"/>
+          <p:cNvSpPr/>
+          <p:nvPr/>
+        </p:nvSpPr>
+        <p:spPr>
+          <a:xfrm>
+            <a:off x="838200" y="1690688"/>
+            <a:ext cx="9568544" cy="1015663"/>
+          </a:xfrm>
+          <a:prstGeom prst="rect">
+            <a:avLst/>
+          </a:prstGeom>
+        </p:spPr>
         <p:txBody>
           <a:bodyPr wrap="square">
             <a:spAutoFit/>
           </a:bodyPr>
           <a:lstStyle/>
           <a:p>
-            <a:r>
-              <a:rPr lang="ru-RU" sz="2400" dirty="0" smtClean="0"/>
-              <a:t>Классы, реализуемые в рамках шаблона проектирования </a:t>
-            </a:r>
-            <a:r>
-              <a:rPr lang="en-US" sz="2400" dirty="0" smtClean="0"/>
-              <a:t>MVVM</a:t>
-            </a:r>
-          </a:p>
-          <a:p>
-            <a:pPr marL="342900" indent="-342900">
-              <a:buFont typeface="Arial" panose="020B0604020202020204" pitchFamily="34" charset="0"/>
-              <a:buChar char="•"/>
-            </a:pPr>
-            <a:r>
-              <a:rPr lang="ru-RU" sz="2400" dirty="0" smtClean="0"/>
-              <a:t>Класс </a:t>
-            </a:r>
-            <a:r>
-              <a:rPr lang="en-US" sz="2400" dirty="0" err="1"/>
-              <a:t>ApplicationViewModel</a:t>
-            </a:r>
-            <a:r>
-              <a:rPr lang="en-US" sz="2400" dirty="0"/>
-              <a:t> </a:t>
-            </a:r>
-            <a:endParaRPr lang="ru-RU" sz="2400" dirty="0" smtClean="0"/>
-          </a:p>
-          <a:p>
-            <a:pPr marL="342900" indent="-342900">
-              <a:buFont typeface="Arial" panose="020B0604020202020204" pitchFamily="34" charset="0"/>
-              <a:buChar char="•"/>
-            </a:pPr>
-            <a:r>
-              <a:rPr lang="en-US" sz="2400" dirty="0" err="1" smtClean="0"/>
-              <a:t>MainWindow</a:t>
-            </a:r>
-            <a:r>
-              <a:rPr lang="ru-RU" sz="2400" dirty="0" smtClean="0"/>
-              <a:t>.</a:t>
-            </a:r>
-            <a:r>
-              <a:rPr lang="en-US" sz="2400" dirty="0" err="1" smtClean="0"/>
-              <a:t>xaml</a:t>
-            </a:r>
-            <a:r>
-              <a:rPr lang="ru-RU" sz="2400" dirty="0" smtClean="0"/>
-              <a:t> и </a:t>
-            </a:r>
-            <a:r>
-              <a:rPr lang="en-US" sz="2400" dirty="0" err="1" smtClean="0"/>
-              <a:t>MainWindow.xaml.cs</a:t>
-            </a:r>
-            <a:endParaRPr lang="ru-RU" sz="2400" dirty="0"/>
-          </a:p>
-          <a:p>
-            <a:pPr marL="342900" indent="-342900">
-              <a:buFont typeface="Arial" panose="020B0604020202020204" pitchFamily="34" charset="0"/>
-              <a:buChar char="•"/>
-            </a:pPr>
-            <a:r>
-              <a:rPr lang="ru-RU" sz="2400" dirty="0" smtClean="0"/>
-              <a:t>Класс </a:t>
-            </a:r>
-            <a:r>
-              <a:rPr lang="en-US" sz="2400" dirty="0" err="1" smtClean="0"/>
-              <a:t>RelayCommand</a:t>
-            </a:r>
-            <a:endParaRPr lang="ru-RU" sz="2400" dirty="0" smtClean="0"/>
-          </a:p>
-          <a:p>
-            <a:r>
-              <a:rPr lang="ru-RU" sz="2400" dirty="0" smtClean="0"/>
-              <a:t>Для взаимодействия пользователя и приложения в MVVM используются команды и события. </a:t>
-            </a:r>
-          </a:p>
-          <a:p>
-            <a:r>
-              <a:rPr lang="ru-RU" sz="2400" dirty="0" smtClean="0"/>
-              <a:t>Команды обеспечивают слой абстракции – класс </a:t>
-            </a:r>
-            <a:r>
-              <a:rPr lang="en-US" sz="2400" dirty="0" err="1" smtClean="0"/>
-              <a:t>RelayCommand</a:t>
-            </a:r>
-            <a:r>
-              <a:rPr lang="en-US" sz="2400" dirty="0" smtClean="0"/>
-              <a:t>,</a:t>
-            </a:r>
-            <a:r>
-              <a:rPr lang="ru-RU" sz="2400" dirty="0" smtClean="0"/>
-              <a:t> между семантикой элементов управления и логикой библиотеки классов.</a:t>
+            <a:pPr algn="just"/>
+            <a:r>
+              <a:rPr lang="ru-RU" sz="2000" dirty="0"/>
+              <a:t>Паттерн MVVM (</a:t>
+            </a:r>
+            <a:r>
+              <a:rPr lang="ru-RU" sz="2000" dirty="0" err="1"/>
+              <a:t>Model-View-ViewModel</a:t>
+            </a:r>
+            <a:r>
+              <a:rPr lang="ru-RU" sz="2000" dirty="0"/>
+              <a:t>) позволяет отделить логику приложения от визуальной части (представления). Данный паттерн является архитектурным, то есть он задает общую архитектуру приложения.</a:t>
             </a:r>
           </a:p>
         </p:txBody>
@@ -3260,7 +3325,7 @@
     </p:spTree>
     <p:extLst>
       <p:ext uri="{BB962C8B-B14F-4D97-AF65-F5344CB8AC3E}">
-        <p14:creationId xmlns:p14="http://schemas.microsoft.com/office/powerpoint/2010/main" val="462159840"/>
+        <p14:creationId xmlns:p14="http://schemas.microsoft.com/office/powerpoint/2010/main" val="473855677"/>
       </p:ext>
     </p:extLst>
   </p:cSld>
@@ -3310,56 +3375,44 @@
           <a:lstStyle/>
           <a:p>
             <a:r>
+              <a:rPr lang="ru-RU" dirty="0" smtClean="0"/>
+              <a:t>Технология </a:t>
+            </a:r>
+            <a:r>
+              <a:rPr lang="en-US" dirty="0" smtClean="0"/>
+              <a:t>WPF </a:t>
+            </a:r>
+            <a:r>
               <a:rPr lang="ru-RU" dirty="0"/>
-              <a:t>Шаблон проектирования </a:t>
-            </a:r>
-            <a:r>
-              <a:rPr lang="en-US" dirty="0"/>
-              <a:t>MVVM</a:t>
+              <a:t>и </a:t>
+            </a:r>
+            <a:r>
+              <a:rPr lang="ru-RU" dirty="0" smtClean="0"/>
+              <a:t>язык </a:t>
+            </a:r>
+            <a:r>
+              <a:rPr lang="en-US" dirty="0" smtClean="0"/>
+              <a:t>XAML</a:t>
             </a:r>
             <a:endParaRPr lang="ru-RU" dirty="0"/>
           </a:p>
         </p:txBody>
       </p:sp>
-      <p:pic>
-        <p:nvPicPr>
-          <p:cNvPr id="3" name="Рисунок 2"/>
-          <p:cNvPicPr>
-            <a:picLocks noChangeAspect="1"/>
-          </p:cNvPicPr>
+      <p:sp>
+        <p:nvSpPr>
+          <p:cNvPr id="3" name="Прямоугольник 2"/>
+          <p:cNvSpPr/>
           <p:nvPr/>
-        </p:nvPicPr>
-        <p:blipFill>
-          <a:blip r:embed="rId2"/>
-          <a:stretch>
-            <a:fillRect/>
-          </a:stretch>
-        </p:blipFill>
+        </p:nvSpPr>
         <p:spPr>
           <a:xfrm>
-            <a:off x="1968613" y="2526932"/>
-            <a:ext cx="7819821" cy="4227591"/>
+            <a:off x="838200" y="1471643"/>
+            <a:ext cx="10343606" cy="4524315"/>
           </a:xfrm>
           <a:prstGeom prst="rect">
             <a:avLst/>
           </a:prstGeom>
         </p:spPr>
-      </p:pic>
-      <p:sp>
-        <p:nvSpPr>
-          <p:cNvPr id="4" name="Прямоугольник 3"/>
-          <p:cNvSpPr/>
-          <p:nvPr/>
-        </p:nvSpPr>
-        <p:spPr>
-          <a:xfrm>
-            <a:off x="838200" y="1690688"/>
-            <a:ext cx="9568544" cy="1015663"/>
-          </a:xfrm>
-          <a:prstGeom prst="rect">
-            <a:avLst/>
-          </a:prstGeom>
-        </p:spPr>
         <p:txBody>
           <a:bodyPr wrap="square">
             <a:spAutoFit/>
@@ -3368,24 +3421,306 @@
           <a:p>
             <a:pPr algn="just"/>
             <a:r>
-              <a:rPr lang="ru-RU" sz="2000" dirty="0"/>
-              <a:t>Паттерн MVVM (</a:t>
-            </a:r>
-            <a:r>
-              <a:rPr lang="ru-RU" sz="2000" dirty="0" err="1"/>
-              <a:t>Model-View-ViewModel</a:t>
-            </a:r>
-            <a:r>
-              <a:rPr lang="ru-RU" sz="2000" dirty="0"/>
-              <a:t>) позволяет отделить логику приложения от визуальной части (представления). Данный паттерн является архитектурным, то есть он задает общую архитектуру приложения.</a:t>
-            </a:r>
+              <a:rPr lang="ru-RU" dirty="0"/>
+              <a:t>WPF </a:t>
+            </a:r>
+            <a:r>
+              <a:rPr lang="ru-RU" dirty="0" smtClean="0"/>
+              <a:t>(</a:t>
+            </a:r>
+            <a:r>
+              <a:rPr lang="ru-RU" dirty="0" err="1"/>
+              <a:t>Windows</a:t>
+            </a:r>
+            <a:r>
+              <a:rPr lang="ru-RU" dirty="0"/>
+              <a:t> </a:t>
+            </a:r>
+            <a:r>
+              <a:rPr lang="ru-RU" dirty="0" err="1"/>
+              <a:t>Presentation</a:t>
+            </a:r>
+            <a:r>
+              <a:rPr lang="ru-RU" dirty="0"/>
+              <a:t> </a:t>
+            </a:r>
+            <a:r>
+              <a:rPr lang="ru-RU" dirty="0" err="1" smtClean="0"/>
+              <a:t>Foundation</a:t>
+            </a:r>
+            <a:r>
+              <a:rPr lang="ru-RU" dirty="0" smtClean="0"/>
+              <a:t>) </a:t>
+            </a:r>
+            <a:r>
+              <a:rPr lang="ru-RU" dirty="0"/>
+              <a:t>— аналог </a:t>
+            </a:r>
+            <a:r>
+              <a:rPr lang="ru-RU" dirty="0" err="1"/>
+              <a:t>WinForms</a:t>
+            </a:r>
+            <a:r>
+              <a:rPr lang="ru-RU" dirty="0"/>
+              <a:t>, система для построения </a:t>
+            </a:r>
+            <a:r>
+              <a:rPr lang="ru-RU" dirty="0" smtClean="0"/>
+              <a:t>приложений </a:t>
+            </a:r>
+            <a:r>
+              <a:rPr lang="ru-RU" dirty="0" err="1"/>
+              <a:t>Windows</a:t>
+            </a:r>
+            <a:r>
+              <a:rPr lang="ru-RU" dirty="0"/>
+              <a:t> с визуально </a:t>
+            </a:r>
+            <a:r>
+              <a:rPr lang="ru-RU" dirty="0" smtClean="0"/>
+              <a:t>привлекательными </a:t>
+            </a:r>
+            <a:r>
+              <a:rPr lang="ru-RU" dirty="0"/>
+              <a:t>возможностями взаимодействия с </a:t>
+            </a:r>
+            <a:r>
+              <a:rPr lang="ru-RU" dirty="0" smtClean="0"/>
+              <a:t>пользователем</a:t>
+            </a:r>
+            <a:r>
+              <a:rPr lang="en-US" dirty="0" smtClean="0"/>
+              <a:t>.</a:t>
+            </a:r>
+            <a:r>
+              <a:rPr lang="ru-RU" dirty="0" smtClean="0"/>
+              <a:t> Использует </a:t>
+            </a:r>
+            <a:r>
+              <a:rPr lang="ru-RU" dirty="0"/>
+              <a:t>язык </a:t>
+            </a:r>
+            <a:r>
+              <a:rPr lang="ru-RU" dirty="0" smtClean="0"/>
+              <a:t>разметки XAML.</a:t>
+            </a:r>
+            <a:endParaRPr lang="ru-RU" dirty="0"/>
+          </a:p>
+          <a:p>
+            <a:pPr algn="just"/>
+            <a:r>
+              <a:rPr lang="ru-RU" dirty="0" smtClean="0"/>
+              <a:t>Преимущества использования технологии </a:t>
+            </a:r>
+            <a:r>
+              <a:rPr lang="ru-RU" dirty="0" err="1"/>
+              <a:t>Windows</a:t>
+            </a:r>
+            <a:r>
+              <a:rPr lang="ru-RU" dirty="0"/>
+              <a:t> </a:t>
+            </a:r>
+            <a:r>
+              <a:rPr lang="ru-RU" dirty="0" err="1"/>
+              <a:t>Presentation</a:t>
+            </a:r>
+            <a:r>
+              <a:rPr lang="ru-RU" dirty="0"/>
+              <a:t> </a:t>
+            </a:r>
+            <a:r>
+              <a:rPr lang="ru-RU" dirty="0" err="1" smtClean="0"/>
+              <a:t>Foundation</a:t>
+            </a:r>
+            <a:r>
+              <a:rPr lang="ru-RU" dirty="0" smtClean="0"/>
+              <a:t>:</a:t>
+            </a:r>
+            <a:endParaRPr lang="ru-RU" dirty="0"/>
+          </a:p>
+          <a:p>
+            <a:pPr marL="285750" indent="-285750" algn="just">
+              <a:buFont typeface="Arial" panose="020B0604020202020204" pitchFamily="34" charset="0"/>
+              <a:buChar char="•"/>
+            </a:pPr>
+            <a:r>
+              <a:rPr lang="ru-RU" dirty="0" smtClean="0"/>
+              <a:t>Гибкая </a:t>
+            </a:r>
+            <a:r>
+              <a:rPr lang="ru-RU" dirty="0"/>
+              <a:t>настройка визуального и функционального представления элементов управления</a:t>
+            </a:r>
+          </a:p>
+          <a:p>
+            <a:pPr marL="285750" indent="-285750" algn="just">
+              <a:buFont typeface="Arial" panose="020B0604020202020204" pitchFamily="34" charset="0"/>
+              <a:buChar char="•"/>
+            </a:pPr>
+            <a:r>
+              <a:rPr lang="ru-RU" dirty="0" smtClean="0"/>
+              <a:t>Более </a:t>
+            </a:r>
+            <a:r>
+              <a:rPr lang="ru-RU" dirty="0"/>
+              <a:t>прозрачная разработка, что позволяет работать в команде и поддерживать проект на протяжении долгого времени</a:t>
+            </a:r>
+          </a:p>
+          <a:p>
+            <a:pPr marL="285750" indent="-285750" algn="just">
+              <a:buFont typeface="Arial" panose="020B0604020202020204" pitchFamily="34" charset="0"/>
+              <a:buChar char="•"/>
+            </a:pPr>
+            <a:r>
+              <a:rPr lang="ru-RU" dirty="0" smtClean="0"/>
+              <a:t>Возможность </a:t>
+            </a:r>
+            <a:r>
+              <a:rPr lang="ru-RU" dirty="0"/>
+              <a:t>изучить новые технологии и методы разработки </a:t>
+            </a:r>
+            <a:r>
+              <a:rPr lang="ru-RU" dirty="0" smtClean="0"/>
+              <a:t>интерфейса</a:t>
+            </a:r>
+          </a:p>
+          <a:p>
+            <a:pPr algn="just"/>
+            <a:endParaRPr lang="ru-RU" dirty="0" smtClean="0"/>
+          </a:p>
+          <a:p>
+            <a:pPr algn="just"/>
+            <a:r>
+              <a:rPr lang="ru-RU" dirty="0" smtClean="0"/>
+              <a:t>XAML </a:t>
+            </a:r>
+            <a:r>
+              <a:rPr lang="ru-RU" dirty="0"/>
+              <a:t>(</a:t>
+            </a:r>
+            <a:r>
+              <a:rPr lang="ru-RU" dirty="0" err="1"/>
+              <a:t>eXtensible</a:t>
+            </a:r>
+            <a:r>
+              <a:rPr lang="ru-RU" dirty="0"/>
+              <a:t> </a:t>
+            </a:r>
+            <a:r>
+              <a:rPr lang="ru-RU" dirty="0" err="1"/>
+              <a:t>Application</a:t>
+            </a:r>
+            <a:r>
+              <a:rPr lang="ru-RU" dirty="0"/>
+              <a:t> </a:t>
+            </a:r>
+            <a:r>
+              <a:rPr lang="ru-RU" dirty="0" err="1"/>
+              <a:t>Markup</a:t>
+            </a:r>
+            <a:r>
+              <a:rPr lang="ru-RU" dirty="0"/>
+              <a:t> </a:t>
+            </a:r>
+            <a:r>
+              <a:rPr lang="ru-RU" dirty="0" err="1"/>
+              <a:t>Language</a:t>
+            </a:r>
+            <a:r>
+              <a:rPr lang="ru-RU" dirty="0"/>
+              <a:t>) - язык разметки, используемый для инициализации объектов в технологиях на платформе .NET. Применительно к WPF </a:t>
+            </a:r>
+            <a:r>
+              <a:rPr lang="ru-RU" dirty="0" smtClean="0"/>
+              <a:t>данный </a:t>
+            </a:r>
+            <a:r>
+              <a:rPr lang="ru-RU" dirty="0"/>
+              <a:t>язык используется прежде всего для создания пользовательского интерфейса декларативным </a:t>
+            </a:r>
+            <a:r>
+              <a:rPr lang="ru-RU" dirty="0" smtClean="0"/>
+              <a:t>путем</a:t>
+            </a:r>
+            <a:r>
+              <a:rPr lang="en-US" dirty="0"/>
+              <a:t>.</a:t>
+            </a:r>
+            <a:endParaRPr lang="ru-RU" dirty="0" smtClean="0"/>
+          </a:p>
+          <a:p>
+            <a:pPr algn="just"/>
+            <a:r>
+              <a:rPr lang="ru-RU" dirty="0" smtClean="0"/>
+              <a:t>Преимущества языка </a:t>
+            </a:r>
+            <a:r>
+              <a:rPr lang="en-US" dirty="0" smtClean="0"/>
+              <a:t>XAML</a:t>
+            </a:r>
+            <a:r>
+              <a:rPr lang="ru-RU" dirty="0" smtClean="0"/>
+              <a:t>: </a:t>
+            </a:r>
+          </a:p>
+          <a:p>
+            <a:pPr marL="285750" indent="-285750" algn="just">
+              <a:buFont typeface="Arial" panose="020B0604020202020204" pitchFamily="34" charset="0"/>
+              <a:buChar char="•"/>
+            </a:pPr>
+            <a:r>
+              <a:rPr lang="ru-RU" dirty="0" smtClean="0"/>
+              <a:t>Возможность </a:t>
+            </a:r>
+            <a:r>
+              <a:rPr lang="ru-RU" dirty="0"/>
+              <a:t>отделить графический интерфейс от логики </a:t>
+            </a:r>
+            <a:r>
+              <a:rPr lang="ru-RU" dirty="0" smtClean="0"/>
+              <a:t>приложения</a:t>
+            </a:r>
+            <a:endParaRPr lang="ru-RU" dirty="0"/>
+          </a:p>
+          <a:p>
+            <a:pPr marL="285750" indent="-285750" algn="just">
+              <a:buFont typeface="Arial" panose="020B0604020202020204" pitchFamily="34" charset="0"/>
+              <a:buChar char="•"/>
+            </a:pPr>
+            <a:r>
+              <a:rPr lang="ru-RU" dirty="0" smtClean="0"/>
+              <a:t>Компактность</a:t>
+            </a:r>
+            <a:r>
+              <a:rPr lang="ru-RU" dirty="0"/>
+              <a:t>, </a:t>
+            </a:r>
+            <a:r>
+              <a:rPr lang="ru-RU" dirty="0" smtClean="0"/>
+              <a:t>понятность </a:t>
+            </a:r>
+          </a:p>
+          <a:p>
+            <a:pPr marL="285750" indent="-285750" algn="just">
+              <a:buFont typeface="Arial" panose="020B0604020202020204" pitchFamily="34" charset="0"/>
+              <a:buChar char="•"/>
+            </a:pPr>
+            <a:r>
+              <a:rPr lang="ru-RU" dirty="0" smtClean="0"/>
+              <a:t>Код </a:t>
+            </a:r>
+            <a:r>
+              <a:rPr lang="ru-RU" dirty="0"/>
+              <a:t>на XAML относительно легко поддерживать.</a:t>
+            </a:r>
+            <a:endParaRPr lang="ru-RU" dirty="0" smtClean="0"/>
           </a:p>
         </p:txBody>
       </p:sp>
     </p:spTree>
     <p:extLst>
       <p:ext uri="{BB962C8B-B14F-4D97-AF65-F5344CB8AC3E}">
-        <p14:creationId xmlns:p14="http://schemas.microsoft.com/office/powerpoint/2010/main" val="473855677"/>
+        <p14:creationId xmlns:p14="http://schemas.microsoft.com/office/powerpoint/2010/main" val="2721991918"/>
       </p:ext>
     </p:extLst>
   </p:cSld>
@@ -3435,26 +3770,9 @@
           <a:lstStyle/>
           <a:p>
             <a:r>
-              <a:rPr lang="ru-RU" dirty="0" smtClean="0"/>
-              <a:t>Технология </a:t>
-            </a:r>
-            <a:r>
-              <a:rPr lang="en-US" dirty="0" smtClean="0"/>
-              <a:t>WPF </a:t>
-            </a:r>
-            <a:r>
               <a:rPr lang="ru-RU" dirty="0"/>
-              <a:t>и </a:t>
-            </a:r>
-            <a:r>
-              <a:rPr lang="ru-RU" dirty="0" smtClean="0"/>
-              <a:t>язык </a:t>
-            </a:r>
-            <a:r>
-              <a:rPr lang="en-US" dirty="0" smtClean="0"/>
-              <a:t>XAML</a:t>
-            </a:r>
-            <a:endParaRPr lang="ru-RU" dirty="0"/>
+              <a:t>Стили</a:t>
+            </a:r>
           </a:p>
         </p:txBody>
       </p:sp>
@@ -3466,8 +3784,8 @@
         </p:nvSpPr>
         <p:spPr>
           <a:xfrm>
-            <a:off x="838200" y="1471643"/>
-            <a:ext cx="10343606" cy="4524315"/>
+            <a:off x="838200" y="1385064"/>
+            <a:ext cx="9370423" cy="3785652"/>
           </a:xfrm>
           <a:prstGeom prst="rect">
             <a:avLst/>
@@ -3481,306 +3799,52 @@
           <a:p>
             <a:pPr algn="just"/>
             <a:r>
-              <a:rPr lang="ru-RU" dirty="0"/>
+              <a:rPr lang="ru-RU" sz="2000" dirty="0"/>
+              <a:t>Стилизация и использование шаблонов </a:t>
+            </a:r>
+            <a:r>
+              <a:rPr lang="ru-RU" sz="2000" dirty="0" smtClean="0"/>
               <a:t>WPF </a:t>
             </a:r>
             <a:r>
-              <a:rPr lang="ru-RU" dirty="0" smtClean="0"/>
-              <a:t>(</a:t>
-            </a:r>
-            <a:r>
-              <a:rPr lang="ru-RU" dirty="0" err="1"/>
-              <a:t>Windows</a:t>
-            </a:r>
-            <a:r>
-              <a:rPr lang="ru-RU" dirty="0"/>
+              <a:rPr lang="ru-RU" sz="2000" dirty="0"/>
+              <a:t>относятся к набору возможностей, которые позволяют разработчикам и дизайнерам создавать визуально привлекательные эффекты и согласованный внешний вид своих продуктов. При настройке внешнего вида приложения необходима строгая модель стилизации и шаблонов, обеспечивающая обслуживание и совместное использование внешнего вида в приложениях и между ними. WPF предоставляет такую модель.</a:t>
+            </a:r>
+          </a:p>
+          <a:p>
+            <a:pPr algn="just"/>
+            <a:endParaRPr lang="ru-RU" sz="2000" dirty="0"/>
+          </a:p>
+          <a:p>
+            <a:pPr algn="just"/>
+            <a:r>
+              <a:rPr lang="ru-RU" sz="2000" dirty="0"/>
+              <a:t>Еще одной возможностью модели стилизации WPF является разделение представления и логики. Дизайнеры могут создавать внешний вид приложения только с помощью XAML в то же самое время, когда разработчики работают над логикой программы, используя языки C# или </a:t>
+            </a:r>
+            <a:r>
+              <a:rPr lang="ru-RU" sz="2000" dirty="0" err="1"/>
+              <a:t>Visual</a:t>
+            </a:r>
+            <a:r>
+              <a:rPr lang="ru-RU" sz="2000" dirty="0"/>
               <a:t> </a:t>
             </a:r>
             <a:r>
-              <a:rPr lang="ru-RU" dirty="0" err="1"/>
-              <a:t>Presentation</a:t>
-            </a:r>
-            <a:r>
-              <a:rPr lang="ru-RU" dirty="0"/>
-              <a:t> </a:t>
-            </a:r>
-            <a:r>
-              <a:rPr lang="ru-RU" dirty="0" err="1" smtClean="0"/>
-              <a:t>Foundation</a:t>
-            </a:r>
-            <a:r>
-              <a:rPr lang="ru-RU" dirty="0" smtClean="0"/>
-              <a:t>) </a:t>
-            </a:r>
-            <a:r>
-              <a:rPr lang="ru-RU" dirty="0"/>
-              <a:t>— аналог </a:t>
-            </a:r>
-            <a:r>
-              <a:rPr lang="ru-RU" dirty="0" err="1"/>
-              <a:t>WinForms</a:t>
-            </a:r>
-            <a:r>
-              <a:rPr lang="ru-RU" dirty="0"/>
-              <a:t>, система для построения </a:t>
-            </a:r>
-            <a:r>
-              <a:rPr lang="ru-RU" dirty="0" smtClean="0"/>
-              <a:t>приложений </a:t>
-            </a:r>
-            <a:r>
-              <a:rPr lang="ru-RU" dirty="0" err="1"/>
-              <a:t>Windows</a:t>
-            </a:r>
-            <a:r>
-              <a:rPr lang="ru-RU" dirty="0"/>
-              <a:t> с визуально </a:t>
-            </a:r>
-            <a:r>
-              <a:rPr lang="ru-RU" dirty="0" smtClean="0"/>
-              <a:t>привлекательными </a:t>
-            </a:r>
-            <a:r>
-              <a:rPr lang="ru-RU" dirty="0"/>
-              <a:t>возможностями взаимодействия с </a:t>
-            </a:r>
-            <a:r>
-              <a:rPr lang="ru-RU" dirty="0" smtClean="0"/>
-              <a:t>пользователем</a:t>
-            </a:r>
-            <a:r>
-              <a:rPr lang="en-US" dirty="0" smtClean="0"/>
-              <a:t>.</a:t>
-            </a:r>
-            <a:r>
-              <a:rPr lang="ru-RU" dirty="0" smtClean="0"/>
-              <a:t> Использует </a:t>
-            </a:r>
-            <a:r>
-              <a:rPr lang="ru-RU" dirty="0"/>
-              <a:t>язык </a:t>
-            </a:r>
-            <a:r>
-              <a:rPr lang="ru-RU" dirty="0" smtClean="0"/>
-              <a:t>разметки XAML.</a:t>
-            </a:r>
-            <a:endParaRPr lang="ru-RU" dirty="0"/>
-          </a:p>
-          <a:p>
-            <a:pPr algn="just"/>
-            <a:r>
-              <a:rPr lang="ru-RU" dirty="0" smtClean="0"/>
-              <a:t>Преимущества использования технологии </a:t>
-            </a:r>
-            <a:r>
-              <a:rPr lang="ru-RU" dirty="0" err="1"/>
-              <a:t>Windows</a:t>
-            </a:r>
-            <a:r>
-              <a:rPr lang="ru-RU" dirty="0"/>
-              <a:t> </a:t>
-            </a:r>
-            <a:r>
-              <a:rPr lang="ru-RU" dirty="0" err="1"/>
-              <a:t>Presentation</a:t>
-            </a:r>
-            <a:r>
-              <a:rPr lang="ru-RU" dirty="0"/>
-              <a:t> </a:t>
-            </a:r>
-            <a:r>
-              <a:rPr lang="ru-RU" dirty="0" err="1" smtClean="0"/>
-              <a:t>Foundation</a:t>
-            </a:r>
-            <a:r>
-              <a:rPr lang="ru-RU" dirty="0" smtClean="0"/>
-              <a:t>:</a:t>
-            </a:r>
-            <a:endParaRPr lang="ru-RU" dirty="0"/>
-          </a:p>
-          <a:p>
-            <a:pPr marL="285750" indent="-285750" algn="just">
-              <a:buFont typeface="Arial" panose="020B0604020202020204" pitchFamily="34" charset="0"/>
-              <a:buChar char="•"/>
-            </a:pPr>
-            <a:r>
-              <a:rPr lang="ru-RU" dirty="0" smtClean="0"/>
-              <a:t>Гибкая </a:t>
-            </a:r>
-            <a:r>
-              <a:rPr lang="ru-RU" dirty="0"/>
-              <a:t>настройка визуального и функционального представления элементов управления</a:t>
-            </a:r>
-          </a:p>
-          <a:p>
-            <a:pPr marL="285750" indent="-285750" algn="just">
-              <a:buFont typeface="Arial" panose="020B0604020202020204" pitchFamily="34" charset="0"/>
-              <a:buChar char="•"/>
-            </a:pPr>
-            <a:r>
-              <a:rPr lang="ru-RU" dirty="0" smtClean="0"/>
-              <a:t>Более </a:t>
-            </a:r>
-            <a:r>
-              <a:rPr lang="ru-RU" dirty="0"/>
-              <a:t>прозрачная разработка, что позволяет работать в команде и поддерживать проект на протяжении долгого времени</a:t>
-            </a:r>
-          </a:p>
-          <a:p>
-            <a:pPr marL="285750" indent="-285750" algn="just">
-              <a:buFont typeface="Arial" panose="020B0604020202020204" pitchFamily="34" charset="0"/>
-              <a:buChar char="•"/>
-            </a:pPr>
-            <a:r>
-              <a:rPr lang="ru-RU" dirty="0" smtClean="0"/>
-              <a:t>Возможность </a:t>
-            </a:r>
-            <a:r>
-              <a:rPr lang="ru-RU" dirty="0"/>
-              <a:t>изучить новые технологии и методы разработки </a:t>
-            </a:r>
-            <a:r>
-              <a:rPr lang="ru-RU" dirty="0" smtClean="0"/>
-              <a:t>интерфейса</a:t>
-            </a:r>
-          </a:p>
-          <a:p>
-            <a:pPr algn="just"/>
-            <a:endParaRPr lang="ru-RU" dirty="0" smtClean="0"/>
-          </a:p>
-          <a:p>
-            <a:pPr algn="just"/>
-            <a:r>
-              <a:rPr lang="ru-RU" dirty="0" smtClean="0"/>
-              <a:t>XAML </a:t>
-            </a:r>
-            <a:r>
-              <a:rPr lang="ru-RU" dirty="0"/>
-              <a:t>(</a:t>
-            </a:r>
-            <a:r>
-              <a:rPr lang="ru-RU" dirty="0" err="1"/>
-              <a:t>eXtensible</a:t>
-            </a:r>
-            <a:r>
-              <a:rPr lang="ru-RU" dirty="0"/>
-              <a:t> </a:t>
-            </a:r>
-            <a:r>
-              <a:rPr lang="ru-RU" dirty="0" err="1"/>
-              <a:t>Application</a:t>
-            </a:r>
-            <a:r>
-              <a:rPr lang="ru-RU" dirty="0"/>
-              <a:t> </a:t>
-            </a:r>
-            <a:r>
-              <a:rPr lang="ru-RU" dirty="0" err="1"/>
-              <a:t>Markup</a:t>
-            </a:r>
-            <a:r>
-              <a:rPr lang="ru-RU" dirty="0"/>
-              <a:t> </a:t>
-            </a:r>
-            <a:r>
-              <a:rPr lang="ru-RU" dirty="0" err="1"/>
-              <a:t>Language</a:t>
-            </a:r>
-            <a:r>
-              <a:rPr lang="ru-RU" dirty="0"/>
-              <a:t>) - язык разметки, используемый для инициализации объектов в технологиях на платформе .NET. Применительно к WPF </a:t>
-            </a:r>
-            <a:r>
-              <a:rPr lang="ru-RU" dirty="0" smtClean="0"/>
-              <a:t>данный </a:t>
-            </a:r>
-            <a:r>
-              <a:rPr lang="ru-RU" dirty="0"/>
-              <a:t>язык используется прежде всего для создания пользовательского интерфейса декларативным </a:t>
-            </a:r>
-            <a:r>
-              <a:rPr lang="ru-RU" dirty="0" smtClean="0"/>
-              <a:t>путем</a:t>
-            </a:r>
-            <a:r>
-              <a:rPr lang="en-US" dirty="0"/>
-              <a:t>.</a:t>
-            </a:r>
-            <a:endParaRPr lang="ru-RU" dirty="0" smtClean="0"/>
-          </a:p>
-          <a:p>
-            <a:pPr algn="just"/>
-            <a:r>
-              <a:rPr lang="ru-RU" dirty="0" smtClean="0"/>
-              <a:t>Преимущества языка </a:t>
-            </a:r>
-            <a:r>
-              <a:rPr lang="en-US" dirty="0" smtClean="0"/>
-              <a:t>XAML</a:t>
-            </a:r>
-            <a:r>
-              <a:rPr lang="ru-RU" dirty="0" smtClean="0"/>
-              <a:t>: </a:t>
-            </a:r>
-          </a:p>
-          <a:p>
-            <a:pPr marL="285750" indent="-285750" algn="just">
-              <a:buFont typeface="Arial" panose="020B0604020202020204" pitchFamily="34" charset="0"/>
-              <a:buChar char="•"/>
-            </a:pPr>
-            <a:r>
-              <a:rPr lang="ru-RU" dirty="0" smtClean="0"/>
-              <a:t>Возможность </a:t>
-            </a:r>
-            <a:r>
-              <a:rPr lang="ru-RU" dirty="0"/>
-              <a:t>отделить графический интерфейс от логики </a:t>
-            </a:r>
-            <a:r>
-              <a:rPr lang="ru-RU" dirty="0" smtClean="0"/>
-              <a:t>приложения</a:t>
-            </a:r>
-            <a:endParaRPr lang="ru-RU" dirty="0"/>
-          </a:p>
-          <a:p>
-            <a:pPr marL="285750" indent="-285750" algn="just">
-              <a:buFont typeface="Arial" panose="020B0604020202020204" pitchFamily="34" charset="0"/>
-              <a:buChar char="•"/>
-            </a:pPr>
-            <a:r>
-              <a:rPr lang="ru-RU" dirty="0" smtClean="0"/>
-              <a:t>Компактность</a:t>
-            </a:r>
-            <a:r>
-              <a:rPr lang="ru-RU" dirty="0"/>
-              <a:t>, </a:t>
-            </a:r>
-            <a:r>
-              <a:rPr lang="ru-RU" dirty="0" smtClean="0"/>
-              <a:t>понятность </a:t>
-            </a:r>
-          </a:p>
-          <a:p>
-            <a:pPr marL="285750" indent="-285750" algn="just">
-              <a:buFont typeface="Arial" panose="020B0604020202020204" pitchFamily="34" charset="0"/>
-              <a:buChar char="•"/>
-            </a:pPr>
-            <a:r>
-              <a:rPr lang="ru-RU" dirty="0" smtClean="0"/>
-              <a:t>Код </a:t>
-            </a:r>
-            <a:r>
-              <a:rPr lang="ru-RU" dirty="0"/>
-              <a:t>на XAML относительно легко поддерживать.</a:t>
-            </a:r>
-            <a:endParaRPr lang="ru-RU" dirty="0" smtClean="0"/>
+              <a:rPr lang="ru-RU" sz="2000" dirty="0" err="1" smtClean="0"/>
+              <a:t>Basic</a:t>
+            </a:r>
+            <a:r>
+              <a:rPr lang="ru-RU" sz="2000" dirty="0" smtClean="0"/>
+              <a:t>. Также стили сокращают повторное использование кода.</a:t>
+            </a:r>
+            <a:endParaRPr lang="ru-RU" sz="2000" dirty="0"/>
           </a:p>
         </p:txBody>
       </p:sp>
     </p:spTree>
     <p:extLst>
       <p:ext uri="{BB962C8B-B14F-4D97-AF65-F5344CB8AC3E}">
-        <p14:creationId xmlns:p14="http://schemas.microsoft.com/office/powerpoint/2010/main" val="2721991918"/>
+        <p14:creationId xmlns:p14="http://schemas.microsoft.com/office/powerpoint/2010/main" val="3996808564"/>
       </p:ext>
     </p:extLst>
   </p:cSld>
@@ -3824,28 +3888,40 @@
             <p:ph type="title"/>
           </p:nvPr>
         </p:nvSpPr>
-        <p:spPr/>
-        <p:txBody>
-          <a:bodyPr/>
-          <a:lstStyle/>
-          <a:p>
-            <a:r>
-              <a:rPr lang="ru-RU" dirty="0"/>
-              <a:t>Стили</a:t>
-            </a:r>
-          </a:p>
-        </p:txBody>
-      </p:sp>
-      <p:sp>
-        <p:nvSpPr>
-          <p:cNvPr id="3" name="Прямоугольник 2"/>
+        <p:spPr>
+          <a:xfrm>
+            <a:off x="838200" y="1489461"/>
+            <a:ext cx="5614851" cy="532153"/>
+          </a:xfrm>
+        </p:spPr>
+        <p:txBody>
+          <a:bodyPr>
+            <a:normAutofit/>
+          </a:bodyPr>
+          <a:lstStyle/>
+          <a:p>
+            <a:r>
+              <a:rPr lang="ru-RU" sz="3200" dirty="0"/>
+              <a:t>Пространство имен </a:t>
+            </a:r>
+            <a:r>
+              <a:rPr lang="en-US" sz="3200" dirty="0" err="1" smtClean="0"/>
+              <a:t>Timelon</a:t>
+            </a:r>
+            <a:endParaRPr lang="ru-RU" sz="3200" dirty="0"/>
+          </a:p>
+        </p:txBody>
+      </p:sp>
+      <p:sp>
+        <p:nvSpPr>
+          <p:cNvPr id="4" name="Прямоугольник 3"/>
           <p:cNvSpPr/>
           <p:nvPr/>
         </p:nvSpPr>
         <p:spPr>
           <a:xfrm>
-            <a:off x="838200" y="1385064"/>
-            <a:ext cx="9370423" cy="3785652"/>
+            <a:off x="838200" y="2021614"/>
+            <a:ext cx="9986554" cy="4062651"/>
           </a:xfrm>
           <a:prstGeom prst="rect">
             <a:avLst/>
@@ -3859,16 +3935,24 @@
           <a:p>
             <a:pPr algn="just"/>
             <a:r>
+              <a:rPr lang="ru-RU" sz="2000" dirty="0" smtClean="0"/>
+              <a:t>Класс </a:t>
+            </a:r>
+            <a:r>
+              <a:rPr lang="en-US" sz="2000" dirty="0" smtClean="0"/>
+              <a:t>Manager</a:t>
+            </a:r>
+            <a:r>
+              <a:rPr lang="ru-RU" sz="2000" dirty="0" smtClean="0"/>
+              <a:t>Отвечает </a:t>
+            </a:r>
+            <a:r>
               <a:rPr lang="ru-RU" sz="2000" dirty="0"/>
-              <a:t>Стилизация и использование шаблонов </a:t>
+              <a:t>за сохранение и загрузку данных, а также хранение объектов, полученных из этих данных (Следует иметь ввиду, что при использовании Менеджера в своих решениях, желательно инициализировать экземпляр класса как можно раньше, если он не был инициализирован до этого</a:t>
             </a:r>
             <a:r>
               <a:rPr lang="ru-RU" sz="2000" dirty="0" smtClean="0"/>
-              <a:t>WPF </a:t>
-            </a:r>
-            <a:r>
-              <a:rPr lang="ru-RU" sz="2000" dirty="0"/>
-              <a:t>относятся к набору возможностей, которые позволяют разработчикам и дизайнерам создавать визуально привлекательные эффекты и согласованный внешний вид своих продуктов. При настройке внешнего вида приложения необходима строгая модель стилизации и шаблонов, обеспечивающая обслуживание и совместное использование внешнего вида в приложениях и между ними. WPF предоставляет такую модель.</a:t>
+              <a:t>.) </a:t>
             </a:r>
           </a:p>
           <a:p>
@@ -3878,33 +3962,160 @@
           <a:p>
             <a:pPr algn="just"/>
             <a:r>
+              <a:rPr lang="ru-RU" sz="2000" dirty="0" smtClean="0"/>
+              <a:t>Методы класс:</a:t>
+            </a:r>
+            <a:endParaRPr lang="ru-RU" sz="2000" dirty="0"/>
+          </a:p>
+          <a:p>
+            <a:pPr marL="285750" indent="-285750" algn="just">
+              <a:buFont typeface="Arial" panose="020B0604020202020204" pitchFamily="34" charset="0"/>
+              <a:buChar char="•"/>
+            </a:pPr>
+            <a:r>
+              <a:rPr lang="ru-RU" sz="2000" dirty="0" err="1" smtClean="0"/>
+              <a:t>GetList</a:t>
+            </a:r>
+            <a:r>
+              <a:rPr lang="ru-RU" sz="2000" dirty="0" smtClean="0"/>
+              <a:t> </a:t>
+            </a:r>
+            <a:r>
               <a:rPr lang="ru-RU" sz="2000" dirty="0"/>
-              <a:t>Еще одной возможностью модели стилизации WPF является разделение представления и логики. Дизайнеры могут создавать внешний вид приложения только с помощью XAML в то же самое время, когда разработчики работают над логикой программы, используя языки C# или </a:t>
+              <a:t>(Получение списка)</a:t>
+            </a:r>
+          </a:p>
+          <a:p>
+            <a:pPr marL="285750" indent="-285750" algn="just">
+              <a:buFont typeface="Arial" panose="020B0604020202020204" pitchFamily="34" charset="0"/>
+              <a:buChar char="•"/>
+            </a:pPr>
+            <a:r>
+              <a:rPr lang="ru-RU" sz="2000" dirty="0" err="1" smtClean="0"/>
+              <a:t>SetList</a:t>
+            </a:r>
+            <a:r>
+              <a:rPr lang="ru-RU" sz="2000" dirty="0" smtClean="0"/>
+              <a:t> </a:t>
+            </a:r>
+            <a:r>
+              <a:rPr lang="ru-RU" sz="2000" dirty="0"/>
+              <a:t>(Вставка Списка)</a:t>
+            </a:r>
+          </a:p>
+          <a:p>
+            <a:pPr marL="285750" indent="-285750" algn="just">
+              <a:buFont typeface="Arial" panose="020B0604020202020204" pitchFamily="34" charset="0"/>
+              <a:buChar char="•"/>
+            </a:pPr>
+            <a:r>
+              <a:rPr lang="ru-RU" sz="2000" dirty="0" err="1" smtClean="0"/>
+              <a:t>RemoveList</a:t>
+            </a:r>
+            <a:r>
+              <a:rPr lang="ru-RU" sz="2000" dirty="0" smtClean="0"/>
+              <a:t> </a:t>
+            </a:r>
+            <a:r>
+              <a:rPr lang="ru-RU" sz="2000" dirty="0"/>
+              <a:t>(Удаление Списка)</a:t>
+            </a:r>
+          </a:p>
+          <a:p>
+            <a:pPr marL="285750" indent="-285750" algn="just">
+              <a:buFont typeface="Arial" panose="020B0604020202020204" pitchFamily="34" charset="0"/>
+              <a:buChar char="•"/>
+            </a:pPr>
+            <a:r>
+              <a:rPr lang="ru-RU" sz="2000" dirty="0" err="1" smtClean="0"/>
+              <a:t>ContainsList</a:t>
+            </a:r>
+            <a:r>
+              <a:rPr lang="ru-RU" sz="2000" dirty="0" smtClean="0"/>
+              <a:t> </a:t>
+            </a:r>
+            <a:r>
+              <a:rPr lang="ru-RU" sz="2000" dirty="0"/>
+              <a:t>(Проверка на существование Списка)</a:t>
+            </a:r>
+          </a:p>
+          <a:p>
+            <a:pPr algn="just"/>
+            <a:endParaRPr lang="ru-RU" sz="2000" dirty="0" smtClean="0"/>
+          </a:p>
+          <a:p>
+            <a:pPr algn="just"/>
+            <a:r>
+              <a:rPr lang="ru-RU" sz="2000" dirty="0" smtClean="0"/>
+              <a:t>Работа </a:t>
+            </a:r>
+            <a:r>
+              <a:rPr lang="ru-RU" sz="2000" dirty="0"/>
+              <a:t>с данными (XML</a:t>
+            </a:r>
+            <a:r>
+              <a:rPr lang="ru-RU" sz="2000" dirty="0" smtClean="0"/>
+              <a:t>):</a:t>
+            </a:r>
+            <a:endParaRPr lang="ru-RU" sz="2000" dirty="0"/>
+          </a:p>
+          <a:p>
+            <a:pPr algn="just"/>
+            <a:r>
+              <a:rPr lang="ru-RU" sz="2000" dirty="0"/>
+              <a:t>- </a:t>
             </a:r>
             <a:r>
               <a:rPr lang="ru-RU" sz="2000" dirty="0" err="1"/>
-              <a:t>Visual</a:t>
+              <a:t>SaveData</a:t>
             </a:r>
             <a:r>
               <a:rPr lang="ru-RU" sz="2000" dirty="0"/>
-              <a:t> </a:t>
-            </a:r>
-            <a:r>
-              <a:rPr lang="ru-RU" sz="2000" dirty="0" err="1" smtClean="0"/>
-              <a:t>Basic</a:t>
-            </a:r>
-            <a:r>
-              <a:rPr lang="ru-RU" sz="2000" dirty="0" smtClean="0"/>
-              <a:t>. Также стили сокращают повторное использование кода.</a:t>
-            </a:r>
-            <a:endParaRPr lang="ru-RU" sz="2000" dirty="0"/>
+              <a:t> (Сохранить данные в файл)</a:t>
+            </a:r>
+          </a:p>
+        </p:txBody>
+      </p:sp>
+      <p:sp>
+        <p:nvSpPr>
+          <p:cNvPr id="6" name="Прямоугольник 5"/>
+          <p:cNvSpPr/>
+          <p:nvPr/>
+        </p:nvSpPr>
+        <p:spPr>
+          <a:xfrm>
+            <a:off x="838200" y="720020"/>
+            <a:ext cx="4948791" cy="769441"/>
+          </a:xfrm>
+          <a:prstGeom prst="rect">
+            <a:avLst/>
+          </a:prstGeom>
+        </p:spPr>
+        <p:txBody>
+          <a:bodyPr wrap="none">
+            <a:spAutoFit/>
+          </a:bodyPr>
+          <a:lstStyle/>
+          <a:p>
+            <a:r>
+              <a:rPr lang="ru-RU" sz="4400" dirty="0">
+                <a:solidFill>
+                  <a:prstClr val="black"/>
+                </a:solidFill>
+                <a:latin typeface="Calibri Light" panose="020F0302020204030204"/>
+                <a:ea typeface="+mj-ea"/>
+                <a:cs typeface="+mj-cs"/>
+              </a:rPr>
+              <a:t>Библиотека классов</a:t>
+            </a:r>
+            <a:endParaRPr lang="ru-RU" dirty="0"/>
           </a:p>
         </p:txBody>
       </p:sp>
     </p:spTree>
     <p:extLst>
       <p:ext uri="{BB962C8B-B14F-4D97-AF65-F5344CB8AC3E}">
-        <p14:creationId xmlns:p14="http://schemas.microsoft.com/office/powerpoint/2010/main" val="3996808564"/>
+        <p14:creationId xmlns:p14="http://schemas.microsoft.com/office/powerpoint/2010/main" val="11317772"/>
       </p:ext>
     </p:extLst>
   </p:cSld>
@@ -3948,27 +4159,20 @@
             <p:ph type="title"/>
           </p:nvPr>
         </p:nvSpPr>
-        <p:spPr>
-          <a:xfrm>
-            <a:off x="838200" y="1489461"/>
-            <a:ext cx="5614851" cy="532153"/>
-          </a:xfrm>
-        </p:spPr>
-        <p:txBody>
-          <a:bodyPr>
-            <a:normAutofit/>
-          </a:bodyPr>
-          <a:lstStyle/>
-          <a:p>
-            <a:r>
-              <a:rPr lang="ru-RU" sz="3200" dirty="0"/>
+        <p:spPr/>
+        <p:txBody>
+          <a:bodyPr/>
+          <a:lstStyle/>
+          <a:p>
+            <a:r>
+              <a:rPr lang="ru-RU" dirty="0"/>
               <a:t>Пространство имен </a:t>
             </a:r>
             <a:r>
-              <a:rPr lang="en-US" sz="3200" dirty="0" err="1" smtClean="0"/>
-              <a:t>Timelon</a:t>
-            </a:r>
-            <a:endParaRPr lang="ru-RU" sz="3200" dirty="0"/>
+              <a:rPr lang="en-US" dirty="0" err="1" smtClean="0"/>
+              <a:t>Timelon.Data</a:t>
+            </a:r>
+            <a:endParaRPr lang="ru-RU" dirty="0"/>
           </a:p>
         </p:txBody>
       </p:sp>
@@ -3980,202 +4184,294 @@
         </p:nvSpPr>
         <p:spPr>
           <a:xfrm>
-            <a:off x="838200" y="2021614"/>
-            <a:ext cx="9986554" cy="4062651"/>
+            <a:off x="838200" y="1321356"/>
+            <a:ext cx="7759560" cy="584775"/>
           </a:xfrm>
           <a:prstGeom prst="rect">
             <a:avLst/>
           </a:prstGeom>
         </p:spPr>
         <p:txBody>
-          <a:bodyPr wrap="square">
+          <a:bodyPr wrap="none">
             <a:spAutoFit/>
           </a:bodyPr>
           <a:lstStyle/>
           <a:p>
-            <a:pPr algn="just"/>
-            <a:r>
-              <a:rPr lang="ru-RU" sz="2000" dirty="0" smtClean="0"/>
-              <a:t>Класс </a:t>
-            </a:r>
-            <a:r>
-              <a:rPr lang="en-US" sz="2000" dirty="0" smtClean="0"/>
-              <a:t>Manager</a:t>
-            </a:r>
-            <a:r>
-              <a:rPr lang="ru-RU" sz="2000" dirty="0" smtClean="0"/>
-              <a:t>Отвечает </a:t>
-            </a:r>
-            <a:r>
-              <a:rPr lang="ru-RU" sz="2000" dirty="0"/>
-              <a:t>за сохранение и загрузку данных, а также хранение объектов, полученных из этих данных (Следует иметь ввиду, что при использовании Менеджера в своих решениях, желательно инициализировать экземпляр класса как можно раньше, если он не был инициализирован до этого</a:t>
-            </a:r>
-            <a:r>
-              <a:rPr lang="ru-RU" sz="2000" dirty="0" smtClean="0"/>
-              <a:t>.) </a:t>
-            </a:r>
-          </a:p>
-          <a:p>
-            <a:pPr algn="just"/>
-            <a:endParaRPr lang="ru-RU" sz="2000" dirty="0"/>
-          </a:p>
-          <a:p>
-            <a:pPr algn="just"/>
-            <a:r>
-              <a:rPr lang="ru-RU" sz="2000" dirty="0" smtClean="0"/>
-              <a:t>Методы класс:</a:t>
-            </a:r>
-            <a:endParaRPr lang="ru-RU" sz="2000" dirty="0"/>
-          </a:p>
-          <a:p>
-            <a:pPr marL="285750" indent="-285750" algn="just">
-              <a:buFont typeface="Arial" panose="020B0604020202020204" pitchFamily="34" charset="0"/>
-              <a:buChar char="•"/>
-            </a:pPr>
-            <a:r>
-              <a:rPr lang="ru-RU" sz="2000" dirty="0" err="1" smtClean="0"/>
-              <a:t>GetList</a:t>
-            </a:r>
-            <a:r>
-              <a:rPr lang="ru-RU" sz="2000" dirty="0" smtClean="0"/>
-              <a:t> </a:t>
-            </a:r>
-            <a:r>
-              <a:rPr lang="ru-RU" sz="2000" dirty="0"/>
-              <a:t>(Получение списка)</a:t>
-            </a:r>
-          </a:p>
-          <a:p>
-            <a:pPr marL="285750" indent="-285750" algn="just">
-              <a:buFont typeface="Arial" panose="020B0604020202020204" pitchFamily="34" charset="0"/>
-              <a:buChar char="•"/>
-            </a:pPr>
-            <a:r>
-              <a:rPr lang="ru-RU" sz="2000" dirty="0" err="1" smtClean="0"/>
-              <a:t>SetList</a:t>
-            </a:r>
-            <a:r>
-              <a:rPr lang="ru-RU" sz="2000" dirty="0" smtClean="0"/>
-              <a:t> </a:t>
-            </a:r>
-            <a:r>
-              <a:rPr lang="ru-RU" sz="2000" dirty="0"/>
-              <a:t>(Вставка Списка)</a:t>
-            </a:r>
-          </a:p>
-          <a:p>
-            <a:pPr marL="285750" indent="-285750" algn="just">
-              <a:buFont typeface="Arial" panose="020B0604020202020204" pitchFamily="34" charset="0"/>
-              <a:buChar char="•"/>
-            </a:pPr>
-            <a:r>
-              <a:rPr lang="ru-RU" sz="2000" dirty="0" err="1" smtClean="0"/>
-              <a:t>RemoveList</a:t>
-            </a:r>
-            <a:r>
-              <a:rPr lang="ru-RU" sz="2000" dirty="0" smtClean="0"/>
-              <a:t> </a:t>
-            </a:r>
-            <a:r>
-              <a:rPr lang="ru-RU" sz="2000" dirty="0"/>
-              <a:t>(Удаление Списка)</a:t>
-            </a:r>
-          </a:p>
-          <a:p>
-            <a:pPr marL="285750" indent="-285750" algn="just">
-              <a:buFont typeface="Arial" panose="020B0604020202020204" pitchFamily="34" charset="0"/>
-              <a:buChar char="•"/>
-            </a:pPr>
-            <a:r>
-              <a:rPr lang="ru-RU" sz="2000" dirty="0" err="1" smtClean="0"/>
-              <a:t>ContainsList</a:t>
-            </a:r>
-            <a:r>
-              <a:rPr lang="ru-RU" sz="2000" dirty="0" smtClean="0"/>
-              <a:t> </a:t>
-            </a:r>
-            <a:r>
-              <a:rPr lang="ru-RU" sz="2000" dirty="0"/>
-              <a:t>(Проверка на существование Списка)</a:t>
-            </a:r>
-          </a:p>
-          <a:p>
-            <a:pPr algn="just"/>
-            <a:endParaRPr lang="ru-RU" sz="2000" dirty="0" smtClean="0"/>
-          </a:p>
-          <a:p>
-            <a:pPr algn="just"/>
-            <a:r>
-              <a:rPr lang="ru-RU" sz="2000" dirty="0" smtClean="0"/>
-              <a:t>Работа </a:t>
-            </a:r>
-            <a:r>
-              <a:rPr lang="ru-RU" sz="2000" dirty="0"/>
-              <a:t>с данными (XML</a:t>
-            </a:r>
-            <a:r>
-              <a:rPr lang="ru-RU" sz="2000" dirty="0" smtClean="0"/>
-              <a:t>):</a:t>
-            </a:r>
-            <a:endParaRPr lang="ru-RU" sz="2000" dirty="0"/>
-          </a:p>
-          <a:p>
-            <a:pPr algn="just"/>
-            <a:r>
-              <a:rPr lang="ru-RU" sz="2000" dirty="0"/>
-              <a:t>- </a:t>
-            </a:r>
-            <a:r>
-              <a:rPr lang="ru-RU" sz="2000" dirty="0" err="1"/>
-              <a:t>SaveData</a:t>
-            </a:r>
-            <a:r>
-              <a:rPr lang="ru-RU" sz="2000" dirty="0"/>
-              <a:t> (Сохранить данные в файл)</a:t>
-            </a:r>
-          </a:p>
-        </p:txBody>
-      </p:sp>
-      <p:sp>
-        <p:nvSpPr>
-          <p:cNvPr id="6" name="Прямоугольник 5"/>
+            <a:r>
+              <a:rPr lang="ru-RU" sz="3200" dirty="0">
+                <a:latin typeface="+mj-lt"/>
+              </a:rPr>
+              <a:t>Абстрактные классы </a:t>
+            </a:r>
+            <a:r>
+              <a:rPr lang="en-US" sz="3200" dirty="0">
+                <a:latin typeface="+mj-lt"/>
+              </a:rPr>
+              <a:t>Unique</a:t>
+            </a:r>
+            <a:r>
+              <a:rPr lang="ru-RU" sz="3200" dirty="0">
+                <a:latin typeface="+mj-lt"/>
+              </a:rPr>
+              <a:t> и </a:t>
+            </a:r>
+            <a:r>
+              <a:rPr lang="en-US" sz="3200" dirty="0" err="1">
+                <a:latin typeface="+mj-lt"/>
+              </a:rPr>
+              <a:t>DataContainer</a:t>
+            </a:r>
+            <a:endParaRPr lang="en-US" sz="3200" dirty="0">
+              <a:latin typeface="+mj-lt"/>
+            </a:endParaRPr>
+          </a:p>
+        </p:txBody>
+      </p:sp>
+      <p:sp>
+        <p:nvSpPr>
+          <p:cNvPr id="5" name="Прямоугольник 4"/>
           <p:cNvSpPr/>
           <p:nvPr/>
         </p:nvSpPr>
         <p:spPr>
           <a:xfrm>
-            <a:off x="838200" y="720020"/>
-            <a:ext cx="4948791" cy="769441"/>
+            <a:off x="838200" y="1906131"/>
+            <a:ext cx="9986555" cy="4678204"/>
           </a:xfrm>
           <a:prstGeom prst="rect">
             <a:avLst/>
           </a:prstGeom>
         </p:spPr>
         <p:txBody>
-          <a:bodyPr wrap="none">
+          <a:bodyPr wrap="square">
             <a:spAutoFit/>
           </a:bodyPr>
           <a:lstStyle/>
           <a:p>
-            <a:r>
-              <a:rPr lang="ru-RU" sz="4400" dirty="0">
-                <a:solidFill>
-                  <a:prstClr val="black"/>
-                </a:solidFill>
-                <a:latin typeface="Calibri Light" panose="020F0302020204030204"/>
-                <a:ea typeface="+mj-ea"/>
-                <a:cs typeface="+mj-cs"/>
-              </a:rPr>
-              <a:t>Библиотека классов</a:t>
-            </a:r>
-            <a:endParaRPr lang="ru-RU" dirty="0"/>
+            <a:pPr algn="just"/>
+            <a:r>
+              <a:rPr lang="ru-RU" sz="2000" dirty="0"/>
+              <a:t>Пространство имён. Хранит в себе основные классы, экземпляры которых участвуют в обороте данных между постоянной и оперативной памятью.</a:t>
+            </a:r>
+          </a:p>
+          <a:p>
+            <a:pPr algn="just"/>
+            <a:endParaRPr lang="ru-RU" sz="2000" dirty="0"/>
+          </a:p>
+          <a:p>
+            <a:pPr algn="just"/>
+            <a:r>
+              <a:rPr lang="ru-RU" sz="2000" dirty="0"/>
+              <a:t>Абстрактные классы</a:t>
+            </a:r>
+            <a:r>
+              <a:rPr lang="ru-RU" sz="2000" dirty="0" smtClean="0"/>
+              <a:t>:</a:t>
+            </a:r>
+            <a:endParaRPr lang="ru-RU" sz="2000" dirty="0"/>
+          </a:p>
+          <a:p>
+            <a:pPr marL="285750" indent="-285750" algn="just">
+              <a:buFont typeface="Arial" panose="020B0604020202020204" pitchFamily="34" charset="0"/>
+              <a:buChar char="•"/>
+            </a:pPr>
+            <a:r>
+              <a:rPr lang="ru-RU" sz="2000" dirty="0" err="1" smtClean="0"/>
+              <a:t>Unique</a:t>
+            </a:r>
+            <a:r>
+              <a:rPr lang="ru-RU" sz="2000" dirty="0" smtClean="0"/>
+              <a:t>&lt;T</a:t>
+            </a:r>
+            <a:r>
+              <a:rPr lang="ru-RU" sz="2000" dirty="0"/>
+              <a:t>&gt; (Уникальный Класс). Генерация уникальных идентификаторов в текущей </a:t>
+            </a:r>
+            <a:r>
+              <a:rPr lang="ru-RU" sz="2000" dirty="0" smtClean="0"/>
+              <a:t>сессии</a:t>
+            </a:r>
+          </a:p>
+          <a:p>
+            <a:pPr marL="285750" indent="-285750" algn="just">
+              <a:buFont typeface="Arial" panose="020B0604020202020204" pitchFamily="34" charset="0"/>
+              <a:buChar char="•"/>
+            </a:pPr>
+            <a:r>
+              <a:rPr lang="ru-RU" sz="2000" dirty="0" err="1" smtClean="0"/>
+              <a:t>DataContainer</a:t>
+            </a:r>
+            <a:r>
+              <a:rPr lang="ru-RU" sz="2000" dirty="0" smtClean="0"/>
+              <a:t> (Контейнер Данных). Хранилище данных для </a:t>
+            </a:r>
+            <a:r>
+              <a:rPr lang="ru-RU" sz="2000" dirty="0" err="1" smtClean="0"/>
+              <a:t>сериализации</a:t>
+            </a:r>
+            <a:r>
+              <a:rPr lang="ru-RU" sz="2000" dirty="0" smtClean="0"/>
+              <a:t> в XML</a:t>
+            </a:r>
+          </a:p>
+          <a:p>
+            <a:pPr marL="285750" indent="-285750" algn="just">
+              <a:buFontTx/>
+              <a:buChar char="-"/>
+            </a:pPr>
+            <a:endParaRPr lang="ru-RU" sz="2000" dirty="0"/>
+          </a:p>
+          <a:p>
+            <a:pPr algn="just"/>
+            <a:r>
+              <a:rPr lang="ru-RU" sz="2000" dirty="0"/>
+              <a:t>Инкапсулирующие классы</a:t>
+            </a:r>
+            <a:r>
+              <a:rPr lang="ru-RU" sz="2000" dirty="0" smtClean="0"/>
+              <a:t>:</a:t>
+            </a:r>
+            <a:endParaRPr lang="ru-RU" sz="2000" dirty="0"/>
+          </a:p>
+          <a:p>
+            <a:pPr marL="285750" indent="-285750" algn="just">
+              <a:buFont typeface="Arial" panose="020B0604020202020204" pitchFamily="34" charset="0"/>
+              <a:buChar char="•"/>
+            </a:pPr>
+            <a:r>
+              <a:rPr lang="ru-RU" sz="2000" dirty="0" err="1" smtClean="0"/>
+              <a:t>DateTimeContainerData</a:t>
+            </a:r>
+            <a:r>
+              <a:rPr lang="ru-RU" sz="2000" dirty="0" smtClean="0"/>
+              <a:t> </a:t>
+            </a:r>
+            <a:r>
+              <a:rPr lang="ru-RU" sz="2000" dirty="0"/>
+              <a:t>(Данные Контейнера Дат</a:t>
+            </a:r>
+            <a:r>
+              <a:rPr lang="ru-RU" sz="2000" dirty="0" smtClean="0"/>
+              <a:t>)</a:t>
+            </a:r>
+            <a:endParaRPr lang="ru-RU" sz="2000" dirty="0"/>
+          </a:p>
+          <a:p>
+            <a:pPr marL="285750" indent="-285750" algn="just">
+              <a:buFont typeface="Arial" panose="020B0604020202020204" pitchFamily="34" charset="0"/>
+              <a:buChar char="•"/>
+            </a:pPr>
+            <a:r>
+              <a:rPr lang="ru-RU" sz="2000" dirty="0" err="1" smtClean="0"/>
+              <a:t>CardData</a:t>
+            </a:r>
+            <a:r>
+              <a:rPr lang="ru-RU" sz="2000" dirty="0" smtClean="0"/>
+              <a:t> </a:t>
+            </a:r>
+            <a:r>
+              <a:rPr lang="ru-RU" sz="2000" dirty="0"/>
+              <a:t>(Данные Карты</a:t>
+            </a:r>
+            <a:r>
+              <a:rPr lang="ru-RU" sz="2000" dirty="0" smtClean="0"/>
+              <a:t>)</a:t>
+            </a:r>
+            <a:endParaRPr lang="ru-RU" sz="2000" dirty="0"/>
+          </a:p>
+          <a:p>
+            <a:pPr marL="285750" indent="-285750" algn="just">
+              <a:buFont typeface="Arial" panose="020B0604020202020204" pitchFamily="34" charset="0"/>
+              <a:buChar char="•"/>
+            </a:pPr>
+            <a:r>
+              <a:rPr lang="ru-RU" sz="2000" dirty="0" err="1" smtClean="0"/>
+              <a:t>CardListData</a:t>
+            </a:r>
+            <a:r>
+              <a:rPr lang="ru-RU" sz="2000" dirty="0" smtClean="0"/>
+              <a:t> </a:t>
+            </a:r>
+            <a:r>
+              <a:rPr lang="ru-RU" sz="2000" dirty="0"/>
+              <a:t>(Данные Списка Карт</a:t>
+            </a:r>
+            <a:r>
+              <a:rPr lang="ru-RU" sz="2000" dirty="0" smtClean="0"/>
+              <a:t>)</a:t>
+            </a:r>
+            <a:endParaRPr lang="ru-RU" sz="2000" dirty="0"/>
+          </a:p>
+          <a:p>
+            <a:pPr marL="285750" indent="-285750" algn="just">
+              <a:buFont typeface="Arial" panose="020B0604020202020204" pitchFamily="34" charset="0"/>
+              <a:buChar char="•"/>
+            </a:pPr>
+            <a:r>
+              <a:rPr lang="ru-RU" sz="2000" dirty="0" err="1" smtClean="0"/>
+              <a:t>DateTimeContainer</a:t>
+            </a:r>
+            <a:r>
+              <a:rPr lang="ru-RU" sz="2000" dirty="0" smtClean="0"/>
+              <a:t> </a:t>
+            </a:r>
+            <a:r>
+              <a:rPr lang="ru-RU" sz="2000" dirty="0"/>
+              <a:t>(Контейнер Дат</a:t>
+            </a:r>
+            <a:r>
+              <a:rPr lang="ru-RU" sz="2000" dirty="0" smtClean="0"/>
+              <a:t>)</a:t>
+            </a:r>
+            <a:endParaRPr lang="ru-RU" sz="2000" dirty="0"/>
+          </a:p>
+          <a:p>
+            <a:pPr marL="285750" indent="-285750" algn="just">
+              <a:buFont typeface="Arial" panose="020B0604020202020204" pitchFamily="34" charset="0"/>
+              <a:buChar char="•"/>
+            </a:pPr>
+            <a:r>
+              <a:rPr lang="ru-RU" sz="2000" dirty="0" err="1" smtClean="0"/>
+              <a:t>Card</a:t>
+            </a:r>
+            <a:r>
+              <a:rPr lang="ru-RU" sz="2000" dirty="0" smtClean="0"/>
+              <a:t> </a:t>
+            </a:r>
+            <a:r>
+              <a:rPr lang="ru-RU" sz="2000" dirty="0"/>
+              <a:t>(Карта</a:t>
+            </a:r>
+            <a:r>
+              <a:rPr lang="ru-RU" sz="2000" dirty="0" smtClean="0"/>
+              <a:t>)</a:t>
+            </a:r>
+            <a:endParaRPr lang="ru-RU" sz="2000" dirty="0"/>
+          </a:p>
+          <a:p>
+            <a:pPr marL="285750" indent="-285750" algn="just">
+              <a:buFont typeface="Arial" panose="020B0604020202020204" pitchFamily="34" charset="0"/>
+              <a:buChar char="•"/>
+            </a:pPr>
+            <a:r>
+              <a:rPr lang="ru-RU" sz="2000" dirty="0" err="1" smtClean="0"/>
+              <a:t>CardList</a:t>
+            </a:r>
+            <a:r>
+              <a:rPr lang="ru-RU" sz="2000" dirty="0" smtClean="0"/>
+              <a:t> </a:t>
+            </a:r>
+            <a:r>
+              <a:rPr lang="ru-RU" sz="2000" dirty="0"/>
+              <a:t>(Список Карт)</a:t>
+            </a:r>
           </a:p>
         </p:txBody>
       </p:sp>
     </p:spTree>
     <p:extLst>
       <p:ext uri="{BB962C8B-B14F-4D97-AF65-F5344CB8AC3E}">
-        <p14:creationId xmlns:p14="http://schemas.microsoft.com/office/powerpoint/2010/main" val="11317772"/>
+        <p14:creationId xmlns:p14="http://schemas.microsoft.com/office/powerpoint/2010/main" val="535878601"/>
       </p:ext>
     </p:extLst>
   </p:cSld>
@@ -4238,65 +4534,142 @@
       </p:sp>
       <p:sp>
         <p:nvSpPr>
-          <p:cNvPr id="4" name="Прямоугольник 3"/>
+          <p:cNvPr id="3" name="Прямоугольник 2"/>
           <p:cNvSpPr/>
           <p:nvPr/>
         </p:nvSpPr>
         <p:spPr>
           <a:xfrm>
-            <a:off x="838200" y="1321356"/>
-            <a:ext cx="7759560" cy="584775"/>
+            <a:off x="838200" y="1907028"/>
+            <a:ext cx="10308771" cy="2554545"/>
           </a:xfrm>
           <a:prstGeom prst="rect">
             <a:avLst/>
           </a:prstGeom>
         </p:spPr>
         <p:txBody>
-          <a:bodyPr wrap="none">
+          <a:bodyPr wrap="square">
             <a:spAutoFit/>
           </a:bodyPr>
           <a:lstStyle/>
           <a:p>
-            <a:r>
-              <a:rPr lang="ru-RU" sz="3200" dirty="0">
-                <a:latin typeface="+mj-lt"/>
-              </a:rPr>
-              <a:t>Абстрактные классы </a:t>
-            </a:r>
-            <a:r>
-              <a:rPr lang="en-US" sz="3200" dirty="0">
-                <a:latin typeface="+mj-lt"/>
-              </a:rPr>
-              <a:t>Unique</a:t>
-            </a:r>
-            <a:r>
-              <a:rPr lang="ru-RU" sz="3200" dirty="0">
-                <a:latin typeface="+mj-lt"/>
-              </a:rPr>
-              <a:t> и </a:t>
-            </a:r>
-            <a:r>
-              <a:rPr lang="en-US" sz="3200" dirty="0" err="1">
-                <a:latin typeface="+mj-lt"/>
-              </a:rPr>
-              <a:t>DataContainer</a:t>
-            </a:r>
-            <a:endParaRPr lang="en-US" sz="3200" dirty="0">
-              <a:latin typeface="+mj-lt"/>
-            </a:endParaRPr>
-          </a:p>
-        </p:txBody>
-      </p:sp>
-      <p:sp>
-        <p:nvSpPr>
-          <p:cNvPr id="5" name="Прямоугольник 4"/>
+            <a:pPr algn="just"/>
+            <a:r>
+              <a:rPr lang="ru-RU" sz="2000" dirty="0" smtClean="0"/>
+              <a:t>Контейнер </a:t>
+            </a:r>
+            <a:r>
+              <a:rPr lang="ru-RU" sz="2000" dirty="0"/>
+              <a:t>Дат служит для хранения в себе нескольких экземпляров класса </a:t>
+            </a:r>
+            <a:r>
+              <a:rPr lang="ru-RU" sz="2000" dirty="0" err="1"/>
+              <a:t>DateTime</a:t>
+            </a:r>
+            <a:r>
+              <a:rPr lang="ru-RU" sz="2000" dirty="0" smtClean="0"/>
+              <a:t>:</a:t>
+            </a:r>
+            <a:endParaRPr lang="ru-RU" sz="2000" dirty="0"/>
+          </a:p>
+          <a:p>
+            <a:pPr marL="285750" indent="-285750" algn="just">
+              <a:buFont typeface="Arial" panose="020B0604020202020204" pitchFamily="34" charset="0"/>
+              <a:buChar char="•"/>
+            </a:pPr>
+            <a:r>
+              <a:rPr lang="ru-RU" sz="2000" dirty="0" err="1" smtClean="0"/>
+              <a:t>Created</a:t>
+            </a:r>
+            <a:r>
+              <a:rPr lang="ru-RU" sz="2000" dirty="0" smtClean="0"/>
+              <a:t> </a:t>
+            </a:r>
+            <a:r>
+              <a:rPr lang="ru-RU" sz="2000" dirty="0"/>
+              <a:t>(дата создания)</a:t>
+            </a:r>
+          </a:p>
+          <a:p>
+            <a:pPr marL="285750" indent="-285750" algn="just">
+              <a:buFont typeface="Arial" panose="020B0604020202020204" pitchFamily="34" charset="0"/>
+              <a:buChar char="•"/>
+            </a:pPr>
+            <a:r>
+              <a:rPr lang="ru-RU" sz="2000" dirty="0" err="1" smtClean="0"/>
+              <a:t>Updated</a:t>
+            </a:r>
+            <a:r>
+              <a:rPr lang="ru-RU" sz="2000" dirty="0" smtClean="0"/>
+              <a:t> </a:t>
+            </a:r>
+            <a:r>
+              <a:rPr lang="ru-RU" sz="2000" dirty="0"/>
+              <a:t>(дата обновления или </a:t>
+            </a:r>
+            <a:r>
+              <a:rPr lang="ru-RU" sz="2000" dirty="0" err="1"/>
+              <a:t>null</a:t>
+            </a:r>
+            <a:r>
+              <a:rPr lang="ru-RU" sz="2000" dirty="0"/>
+              <a:t>)</a:t>
+            </a:r>
+          </a:p>
+          <a:p>
+            <a:pPr marL="285750" indent="-285750" algn="just">
+              <a:buFont typeface="Arial" panose="020B0604020202020204" pitchFamily="34" charset="0"/>
+              <a:buChar char="•"/>
+            </a:pPr>
+            <a:r>
+              <a:rPr lang="ru-RU" sz="2000" dirty="0" err="1" smtClean="0"/>
+              <a:t>Planned</a:t>
+            </a:r>
+            <a:r>
+              <a:rPr lang="ru-RU" sz="2000" dirty="0" smtClean="0"/>
+              <a:t> </a:t>
+            </a:r>
+            <a:r>
+              <a:rPr lang="ru-RU" sz="2000" dirty="0"/>
+              <a:t>(запланированная дата или </a:t>
+            </a:r>
+            <a:r>
+              <a:rPr lang="ru-RU" sz="2000" dirty="0" err="1"/>
+              <a:t>null</a:t>
+            </a:r>
+            <a:r>
+              <a:rPr lang="ru-RU" sz="2000" dirty="0"/>
+              <a:t>) </a:t>
+            </a:r>
+            <a:endParaRPr lang="ru-RU" sz="2000" dirty="0" smtClean="0"/>
+          </a:p>
+          <a:p>
+            <a:pPr algn="just"/>
+            <a:endParaRPr lang="ru-RU" sz="2000" dirty="0"/>
+          </a:p>
+          <a:p>
+            <a:pPr algn="just"/>
+            <a:r>
+              <a:rPr lang="ru-RU" sz="2000" dirty="0" smtClean="0"/>
+              <a:t>Стоит </a:t>
+            </a:r>
+            <a:r>
+              <a:rPr lang="ru-RU" sz="2000" dirty="0"/>
+              <a:t>обратить внимание на то, что дата обновления и запланированная дата напрямую зависят от даты создания - они не могут превышать ее. Соответственно, при изменении даты создания зависимые от нее даты будут перепроверены автоматически.</a:t>
+            </a:r>
+          </a:p>
+        </p:txBody>
+      </p:sp>
+      <p:sp>
+        <p:nvSpPr>
+          <p:cNvPr id="4" name="Прямоугольник 3"/>
           <p:cNvSpPr/>
           <p:nvPr/>
         </p:nvSpPr>
         <p:spPr>
           <a:xfrm>
-            <a:off x="838200" y="1906131"/>
-            <a:ext cx="9986555" cy="4678204"/>
+            <a:off x="838200" y="1322253"/>
+            <a:ext cx="7373983" cy="584775"/>
           </a:xfrm>
           <a:prstGeom prst="rect">
             <a:avLst/>
@@ -4308,230 +4681,28 @@
           </a:bodyPr>
           <a:lstStyle/>
           <a:p>
-            <a:pPr algn="just"/>
-            <a:r>
-              <a:rPr lang="ru-RU" sz="2000" dirty="0"/>
-              <a:t>Пространство имён. Хранит в себе основные классы, экземпляры которых участвуют в обороте данных между постоянной и оперативной памятью.</a:t>
-            </a:r>
-          </a:p>
-          <a:p>
-            <a:pPr algn="just"/>
-            <a:endParaRPr lang="ru-RU" sz="2000" dirty="0"/>
-          </a:p>
-          <a:p>
-            <a:pPr algn="just"/>
-            <a:r>
-              <a:rPr lang="ru-RU" sz="2000" dirty="0"/>
-              <a:t>Абстрактные классы</a:t>
-            </a:r>
-            <a:r>
-              <a:rPr lang="ru-RU" sz="2000" dirty="0" smtClean="0"/>
-              <a:t>:</a:t>
-            </a:r>
-            <a:endParaRPr lang="ru-RU" sz="2000" dirty="0"/>
-          </a:p>
-          <a:p>
-            <a:pPr marL="285750" indent="-285750" algn="just">
-              <a:buFont typeface="Arial" panose="020B0604020202020204" pitchFamily="34" charset="0"/>
-              <a:buChar char="•"/>
-            </a:pPr>
-            <a:r>
-              <a:rPr lang="ru-RU" sz="2000" dirty="0" err="1" smtClean="0"/>
-              <a:t>Unique</a:t>
-            </a:r>
-            <a:r>
-              <a:rPr lang="ru-RU" sz="2000" dirty="0" smtClean="0"/>
-              <a:t>&lt;T</a:t>
-            </a:r>
-            <a:r>
-              <a:rPr lang="ru-RU" sz="2000" dirty="0"/>
-              <a:t>&gt; (Уникальный Класс). Генерация уникальных идентификаторов в текущей </a:t>
-            </a:r>
-            <a:r>
-              <a:rPr lang="ru-RU" sz="2000" dirty="0" smtClean="0"/>
-              <a:t>сессии</a:t>
-            </a:r>
-          </a:p>
-          <a:p>
-            <a:pPr marL="285750" indent="-285750" algn="just">
-              <a:buFont typeface="Arial" panose="020B0604020202020204" pitchFamily="34" charset="0"/>
-              <a:buChar char="•"/>
-            </a:pPr>
-            <a:r>
-              <a:rPr lang="ru-RU" sz="2000" dirty="0" err="1" smtClean="0"/>
-              <a:t>DataContainer</a:t>
-            </a:r>
-            <a:r>
-              <a:rPr lang="ru-RU" sz="2000" dirty="0" smtClean="0"/>
-              <a:t> (Контейнер Данных). Хранилище данных для </a:t>
-            </a:r>
-            <a:r>
-              <a:rPr lang="ru-RU" sz="2000" dirty="0" err="1" smtClean="0"/>
-              <a:t>сериализации</a:t>
-            </a:r>
-            <a:r>
-              <a:rPr lang="ru-RU" sz="2000" dirty="0" smtClean="0"/>
-              <a:t> в XML</a:t>
-            </a:r>
-          </a:p>
-          <a:p>
-            <a:pPr marL="285750" indent="-285750" algn="just">
-              <a:buFontTx/>
-              <a:buChar char="-"/>
-            </a:pPr>
-            <a:endParaRPr lang="ru-RU" sz="2000" dirty="0"/>
-          </a:p>
-          <a:p>
-            <a:pPr algn="just"/>
-            <a:r>
-              <a:rPr lang="ru-RU" sz="2000" dirty="0"/>
-              <a:t>Инкапсулирующие классы</a:t>
-            </a:r>
-            <a:r>
-              <a:rPr lang="ru-RU" sz="2000" dirty="0" smtClean="0"/>
-              <a:t>:</a:t>
-            </a:r>
-            <a:endParaRPr lang="ru-RU" sz="2000" dirty="0"/>
-          </a:p>
-          <a:p>
-            <a:pPr marL="285750" indent="-285750" algn="just">
-              <a:buFont typeface="Arial" panose="020B0604020202020204" pitchFamily="34" charset="0"/>
-              <a:buChar char="•"/>
-            </a:pPr>
-            <a:r>
-              <a:rPr lang="ru-RU" sz="2000" dirty="0" err="1" smtClean="0"/>
-              <a:t>DateTimeContainerData</a:t>
-            </a:r>
-            <a:r>
-              <a:rPr lang="ru-RU" sz="2000" dirty="0" smtClean="0"/>
-              <a:t> </a:t>
-            </a:r>
-            <a:r>
-              <a:rPr lang="ru-RU" sz="2000" dirty="0"/>
-              <a:t>(Данные Контейнера Дат</a:t>
-            </a:r>
-            <a:r>
-              <a:rPr lang="ru-RU" sz="2000" dirty="0" smtClean="0"/>
-              <a:t>)</a:t>
-            </a:r>
-            <a:endParaRPr lang="ru-RU" sz="2000" dirty="0"/>
-          </a:p>
-          <a:p>
-            <a:pPr marL="285750" indent="-285750" algn="just">
-              <a:buFont typeface="Arial" panose="020B0604020202020204" pitchFamily="34" charset="0"/>
-              <a:buChar char="•"/>
-            </a:pPr>
-            <a:r>
-              <a:rPr lang="ru-RU" sz="2000" dirty="0" err="1" smtClean="0"/>
-              <a:t>CardData</a:t>
-            </a:r>
-            <a:r>
-              <a:rPr lang="ru-RU" sz="2000" dirty="0" smtClean="0"/>
-              <a:t> </a:t>
-            </a:r>
-            <a:r>
-              <a:rPr lang="ru-RU" sz="2000" dirty="0"/>
-              <a:t>(Данные Карты</a:t>
-            </a:r>
-            <a:r>
-              <a:rPr lang="ru-RU" sz="2000" dirty="0" smtClean="0"/>
-              <a:t>)</a:t>
-            </a:r>
-            <a:endParaRPr lang="ru-RU" sz="2000" dirty="0"/>
-          </a:p>
-          <a:p>
-            <a:pPr marL="285750" indent="-285750" algn="just">
-              <a:buFont typeface="Arial" panose="020B0604020202020204" pitchFamily="34" charset="0"/>
-              <a:buChar char="•"/>
-            </a:pPr>
-            <a:r>
-              <a:rPr lang="ru-RU" sz="2000" dirty="0" err="1" smtClean="0"/>
-              <a:t>CardListData</a:t>
-            </a:r>
-            <a:r>
-              <a:rPr lang="ru-RU" sz="2000" dirty="0" smtClean="0"/>
-              <a:t> </a:t>
-            </a:r>
-            <a:r>
-              <a:rPr lang="ru-RU" sz="2000" dirty="0"/>
-              <a:t>(Данные Списка Карт</a:t>
-            </a:r>
-            <a:r>
-              <a:rPr lang="ru-RU" sz="2000" dirty="0" smtClean="0"/>
-              <a:t>)</a:t>
-            </a:r>
-            <a:endParaRPr lang="ru-RU" sz="2000" dirty="0"/>
-          </a:p>
-          <a:p>
-            <a:pPr marL="285750" indent="-285750" algn="just">
-              <a:buFont typeface="Arial" panose="020B0604020202020204" pitchFamily="34" charset="0"/>
-              <a:buChar char="•"/>
-            </a:pPr>
-            <a:r>
-              <a:rPr lang="ru-RU" sz="2000" dirty="0" err="1" smtClean="0"/>
+            <a:r>
+              <a:rPr lang="ru-RU" sz="3200" dirty="0" smtClean="0">
+                <a:latin typeface="+mj-lt"/>
+              </a:rPr>
+              <a:t>Классы </a:t>
+            </a:r>
+            <a:r>
+              <a:rPr lang="en-US" sz="3200" dirty="0" err="1" smtClean="0">
+                <a:latin typeface="+mj-lt"/>
+              </a:rPr>
               <a:t>DateTimeContainer</a:t>
             </a:r>
-            <a:r>
-              <a:rPr lang="ru-RU" sz="2000" dirty="0" smtClean="0"/>
-              <a:t> </a:t>
-            </a:r>
-            <a:r>
-              <a:rPr lang="ru-RU" sz="2000" dirty="0"/>
-              <a:t>(Контейнер Дат</a:t>
-            </a:r>
-            <a:r>
-              <a:rPr lang="ru-RU" sz="2000" dirty="0" smtClean="0"/>
-              <a:t>)</a:t>
-            </a:r>
-            <a:endParaRPr lang="ru-RU" sz="2000" dirty="0"/>
-          </a:p>
-          <a:p>
-            <a:pPr marL="285750" indent="-285750" algn="just">
-              <a:buFont typeface="Arial" panose="020B0604020202020204" pitchFamily="34" charset="0"/>
-              <a:buChar char="•"/>
-            </a:pPr>
-            <a:r>
-              <a:rPr lang="ru-RU" sz="2000" dirty="0" err="1" smtClean="0"/>
-              <a:t>Card</a:t>
-            </a:r>
-            <a:r>
-              <a:rPr lang="ru-RU" sz="2000" dirty="0" smtClean="0"/>
-              <a:t> </a:t>
-            </a:r>
-            <a:r>
-              <a:rPr lang="ru-RU" sz="2000" dirty="0"/>
-              <a:t>(Карта</a:t>
-            </a:r>
-            <a:r>
-              <a:rPr lang="ru-RU" sz="2000" dirty="0" smtClean="0"/>
-              <a:t>)</a:t>
-            </a:r>
-            <a:endParaRPr lang="ru-RU" sz="2000" dirty="0"/>
-          </a:p>
-          <a:p>
-            <a:pPr marL="285750" indent="-285750" algn="just">
-              <a:buFont typeface="Arial" panose="020B0604020202020204" pitchFamily="34" charset="0"/>
-              <a:buChar char="•"/>
-            </a:pPr>
-            <a:r>
-              <a:rPr lang="ru-RU" sz="2000" dirty="0" err="1" smtClean="0"/>
-              <a:t>CardList</a:t>
-            </a:r>
-            <a:r>
-              <a:rPr lang="ru-RU" sz="2000" dirty="0" smtClean="0"/>
-              <a:t> </a:t>
-            </a:r>
-            <a:r>
-              <a:rPr lang="ru-RU" sz="2000" dirty="0"/>
-              <a:t>(Список Карт)</a:t>
-            </a:r>
+            <a:endParaRPr lang="en-US" sz="3200" dirty="0">
+              <a:latin typeface="+mj-lt"/>
+            </a:endParaRPr>
           </a:p>
         </p:txBody>
       </p:sp>
     </p:spTree>
     <p:extLst>
       <p:ext uri="{BB962C8B-B14F-4D97-AF65-F5344CB8AC3E}">
-        <p14:creationId xmlns:p14="http://schemas.microsoft.com/office/powerpoint/2010/main" val="535878601"/>
+        <p14:creationId xmlns:p14="http://schemas.microsoft.com/office/powerpoint/2010/main" val="2569251858"/>
       </p:ext>
     </p:extLst>
   </p:cSld>
@@ -4600,8 +4771,8 @@
         </p:nvSpPr>
         <p:spPr>
           <a:xfrm>
-            <a:off x="838200" y="1907028"/>
-            <a:ext cx="10308771" cy="2554545"/>
+            <a:off x="838200" y="2001032"/>
+            <a:ext cx="10289178" cy="3785652"/>
           </a:xfrm>
           <a:prstGeom prst="rect">
             <a:avLst/>
@@ -4615,93 +4786,17 @@
           <a:p>
             <a:pPr algn="just"/>
             <a:r>
+              <a:rPr lang="en-US" sz="2000" dirty="0" smtClean="0"/>
+              <a:t>Card. </a:t>
+            </a:r>
+            <a:r>
               <a:rPr lang="ru-RU" sz="2000" dirty="0" smtClean="0"/>
-              <a:t>Контейнер </a:t>
+              <a:t>Карта </a:t>
             </a:r>
             <a:r>
               <a:rPr lang="ru-RU" sz="2000" dirty="0"/>
-              <a:t>Дат служит для хранения в себе нескольких экземпляров класса </a:t>
-            </a:r>
-            <a:r>
-              <a:rPr lang="ru-RU" sz="2000" dirty="0" err="1"/>
-              <a:t>DateTime</a:t>
-            </a:r>
-            <a:r>
-              <a:rPr lang="ru-RU" sz="2000" dirty="0" smtClean="0"/>
-              <a:t>:</a:t>
-            </a:r>
-            <a:endParaRPr lang="ru-RU" sz="2000" dirty="0"/>
-          </a:p>
-          <a:p>
-            <a:pPr marL="285750" indent="-285750" algn="just">
-              <a:buFont typeface="Arial" panose="020B0604020202020204" pitchFamily="34" charset="0"/>
-              <a:buChar char="•"/>
-            </a:pPr>
-            <a:r>
-              <a:rPr lang="ru-RU" sz="2000" dirty="0" err="1" smtClean="0"/>
-              <a:t>Created</a:t>
-            </a:r>
-            <a:r>
-              <a:rPr lang="ru-RU" sz="2000" dirty="0" smtClean="0"/>
-              <a:t> </a:t>
-            </a:r>
-            <a:r>
-              <a:rPr lang="ru-RU" sz="2000" dirty="0"/>
-              <a:t>(дата создания)</a:t>
-            </a:r>
-          </a:p>
-          <a:p>
-            <a:pPr marL="285750" indent="-285750" algn="just">
-              <a:buFont typeface="Arial" panose="020B0604020202020204" pitchFamily="34" charset="0"/>
-              <a:buChar char="•"/>
-            </a:pPr>
-            <a:r>
-              <a:rPr lang="ru-RU" sz="2000" dirty="0" err="1" smtClean="0"/>
-              <a:t>Updated</a:t>
-            </a:r>
-            <a:r>
-              <a:rPr lang="ru-RU" sz="2000" dirty="0" smtClean="0"/>
-              <a:t> </a:t>
-            </a:r>
-            <a:r>
-              <a:rPr lang="ru-RU" sz="2000" dirty="0"/>
-              <a:t>(дата обновления или </a:t>
-            </a:r>
-            <a:r>
-              <a:rPr lang="ru-RU" sz="2000" dirty="0" err="1"/>
-              <a:t>null</a:t>
-            </a:r>
-            <a:r>
-              <a:rPr lang="ru-RU" sz="2000" dirty="0"/>
-              <a:t>)</a:t>
-            </a:r>
-          </a:p>
-          <a:p>
-            <a:pPr marL="285750" indent="-285750" algn="just">
-              <a:buFont typeface="Arial" panose="020B0604020202020204" pitchFamily="34" charset="0"/>
-              <a:buChar char="•"/>
-            </a:pPr>
-            <a:r>
-              <a:rPr lang="ru-RU" sz="2000" dirty="0" err="1" smtClean="0"/>
-              <a:t>Planned</a:t>
-            </a:r>
-            <a:r>
-              <a:rPr lang="ru-RU" sz="2000" dirty="0" smtClean="0"/>
-              <a:t> </a:t>
-            </a:r>
-            <a:r>
-              <a:rPr lang="ru-RU" sz="2000" dirty="0"/>
-              <a:t>(запланированная дата или </a:t>
-            </a:r>
-            <a:r>
-              <a:rPr lang="ru-RU" sz="2000" dirty="0" err="1"/>
-              <a:t>null</a:t>
-            </a:r>
-            <a:r>
-              <a:rPr lang="ru-RU" sz="2000" dirty="0"/>
-              <a:t>) </a:t>
-            </a:r>
-            <a:endParaRPr lang="ru-RU" sz="2000" dirty="0" smtClean="0"/>
+              <a:t>наследует Уникальный Класс и представляет собой карточку дела. По большей части этот класс содержит в себе основные поля, характерные для карточки.</a:t>
+            </a:r>
           </a:p>
           <a:p>
             <a:pPr algn="just"/>
@@ -4710,12 +4805,100 @@
           <a:p>
             <a:pPr algn="just"/>
             <a:r>
+              <a:rPr lang="ru-RU" sz="2000" dirty="0" err="1" smtClean="0"/>
+              <a:t>CardList</a:t>
+            </a:r>
+            <a:r>
+              <a:rPr lang="en-US" sz="2000" dirty="0" smtClean="0"/>
+              <a:t>. </a:t>
+            </a:r>
+            <a:r>
               <a:rPr lang="ru-RU" sz="2000" dirty="0" smtClean="0"/>
-              <a:t>Стоит </a:t>
+              <a:t>Список </a:t>
             </a:r>
             <a:r>
               <a:rPr lang="ru-RU" sz="2000" dirty="0"/>
-              <a:t>обратить внимание на то, что дата обновления и запланированная дата напрямую зависят от даты создания - они не могут превышать ее. Соответственно, при изменении даты создания зависимые от нее даты будут перепроверены автоматически.</a:t>
+              <a:t>Карт, также как и Карта, наследует Уникальный Класс и представляет собой список карточек дел. В качестве способа хранения экземпляров Карт в классе используется </a:t>
+            </a:r>
+            <a:r>
+              <a:rPr lang="ru-RU" sz="2000" dirty="0" err="1"/>
+              <a:t>Dictionary</a:t>
+            </a:r>
+            <a:r>
+              <a:rPr lang="ru-RU" sz="2000" dirty="0"/>
+              <a:t> (Библиотека).</a:t>
+            </a:r>
+          </a:p>
+          <a:p>
+            <a:pPr algn="just"/>
+            <a:endParaRPr lang="ru-RU" sz="2000" dirty="0" smtClean="0"/>
+          </a:p>
+          <a:p>
+            <a:pPr algn="just"/>
+            <a:r>
+              <a:rPr lang="ru-RU" sz="2000" dirty="0" smtClean="0"/>
+              <a:t>Методы класса:</a:t>
+            </a:r>
+            <a:endParaRPr lang="ru-RU" sz="2000" dirty="0"/>
+          </a:p>
+          <a:p>
+            <a:pPr algn="just"/>
+            <a:r>
+              <a:rPr lang="ru-RU" sz="2000" dirty="0"/>
+              <a:t>- </a:t>
+            </a:r>
+            <a:r>
+              <a:rPr lang="ru-RU" sz="2000" dirty="0" err="1"/>
+              <a:t>Get</a:t>
+            </a:r>
+            <a:r>
+              <a:rPr lang="ru-RU" sz="2000" dirty="0"/>
+              <a:t> (Получить карту)</a:t>
+            </a:r>
+          </a:p>
+          <a:p>
+            <a:pPr algn="just"/>
+            <a:r>
+              <a:rPr lang="ru-RU" sz="2000" dirty="0"/>
+              <a:t>- </a:t>
+            </a:r>
+            <a:r>
+              <a:rPr lang="ru-RU" sz="2000" dirty="0" err="1"/>
+              <a:t>Remove</a:t>
+            </a:r>
+            <a:r>
+              <a:rPr lang="ru-RU" sz="2000" dirty="0"/>
+              <a:t> (Удалить Карту)</a:t>
+            </a:r>
+          </a:p>
+          <a:p>
+            <a:pPr algn="just"/>
+            <a:r>
+              <a:rPr lang="ru-RU" sz="2000" dirty="0"/>
+              <a:t>- </a:t>
+            </a:r>
+            <a:r>
+              <a:rPr lang="ru-RU" sz="2000" dirty="0" err="1"/>
+              <a:t>Set</a:t>
+            </a:r>
+            <a:r>
+              <a:rPr lang="ru-RU" sz="2000" dirty="0"/>
+              <a:t> (Сохранить Карту)</a:t>
+            </a:r>
+          </a:p>
+          <a:p>
+            <a:pPr algn="just"/>
+            <a:r>
+              <a:rPr lang="ru-RU" sz="2000" dirty="0"/>
+              <a:t>- </a:t>
+            </a:r>
+            <a:r>
+              <a:rPr lang="ru-RU" sz="2000" dirty="0" err="1"/>
+              <a:t>Contains</a:t>
+            </a:r>
+            <a:r>
+              <a:rPr lang="ru-RU" sz="2000" dirty="0"/>
+              <a:t> (Проверить наличие Карты)</a:t>
             </a:r>
           </a:p>
         </p:txBody>
@@ -4728,30 +4911,42 @@
         </p:nvSpPr>
         <p:spPr>
           <a:xfrm>
-            <a:off x="838200" y="1322253"/>
-            <a:ext cx="7373983" cy="584775"/>
+            <a:off x="838200" y="1302450"/>
+            <a:ext cx="6096000" cy="584775"/>
           </a:xfrm>
           <a:prstGeom prst="rect">
             <a:avLst/>
           </a:prstGeom>
         </p:spPr>
         <p:txBody>
-          <a:bodyPr wrap="square">
+          <a:bodyPr>
             <a:spAutoFit/>
           </a:bodyPr>
           <a:lstStyle/>
           <a:p>
             <a:r>
-              <a:rPr lang="ru-RU" sz="3200" dirty="0" smtClean="0">
+              <a:rPr lang="ru-RU" sz="3200" dirty="0">
                 <a:latin typeface="+mj-lt"/>
               </a:rPr>
               <a:t>Классы </a:t>
             </a:r>
             <a:r>
-              <a:rPr lang="en-US" sz="3200" dirty="0" err="1" smtClean="0">
+              <a:rPr lang="en-US" sz="3200" dirty="0">
                 <a:latin typeface="+mj-lt"/>
               </a:rPr>
-              <a:t>DateTimeContainer</a:t>
+              <a:t>Card</a:t>
+            </a:r>
+            <a:r>
+              <a:rPr lang="ru-RU" sz="3200" dirty="0">
+                <a:latin typeface="+mj-lt"/>
+              </a:rPr>
+              <a:t> и </a:t>
+            </a:r>
+            <a:r>
+              <a:rPr lang="en-US" sz="3200" dirty="0" err="1">
+                <a:latin typeface="+mj-lt"/>
+              </a:rPr>
+              <a:t>CardList</a:t>
             </a:r>
             <a:endParaRPr lang="en-US" sz="3200" dirty="0">
               <a:latin typeface="+mj-lt"/>
@@ -4762,7 +4957,7 @@
     </p:spTree>
     <p:extLst>
       <p:ext uri="{BB962C8B-B14F-4D97-AF65-F5344CB8AC3E}">
-        <p14:creationId xmlns:p14="http://schemas.microsoft.com/office/powerpoint/2010/main" val="2569251858"/>
+        <p14:creationId xmlns:p14="http://schemas.microsoft.com/office/powerpoint/2010/main" val="4209511652"/>
       </p:ext>
     </p:extLst>
   </p:cSld>
@@ -4831,8 +5026,8 @@
         </p:nvSpPr>
         <p:spPr>
           <a:xfrm>
-            <a:off x="838200" y="2001032"/>
-            <a:ext cx="10289178" cy="3785652"/>
+            <a:off x="838200" y="1887225"/>
+            <a:ext cx="10289178" cy="4524315"/>
           </a:xfrm>
           <a:prstGeom prst="rect">
             <a:avLst/>
@@ -4846,119 +5041,229 @@
           <a:p>
             <a:pPr algn="just"/>
             <a:r>
-              <a:rPr lang="en-US" sz="2000" dirty="0" smtClean="0"/>
-              <a:t>Card. </a:t>
-            </a:r>
-            <a:r>
-              <a:rPr lang="ru-RU" sz="2000" dirty="0" smtClean="0"/>
-              <a:t>Карта </a:t>
-            </a:r>
-            <a:r>
-              <a:rPr lang="ru-RU" sz="2000" dirty="0"/>
-              <a:t>наследует Уникальный Класс и представляет собой карточку дела. По большей части этот класс содержит в себе основные поля, характерные для карточки.</a:t>
-            </a:r>
+              <a:rPr lang="ru-RU" dirty="0"/>
+              <a:t>Библиотека позволяет мгновенно получить Карту через ее идентификатор вне зависимости от количества хранимых Карт, достаточно произвести сортировку один раз и занести идентификаторы в отдельный список для быстрого доступа</a:t>
+            </a:r>
+            <a:r>
+              <a:rPr lang="ru-RU" dirty="0" smtClean="0"/>
+              <a:t>.  Списки и соответствующие им методы класса:</a:t>
+            </a:r>
+            <a:endParaRPr lang="ru-RU" dirty="0"/>
+          </a:p>
+          <a:p>
+            <a:pPr marL="285750" indent="-285750" algn="just">
+              <a:buFont typeface="Arial" panose="020B0604020202020204" pitchFamily="34" charset="0"/>
+              <a:buChar char="•"/>
+            </a:pPr>
+            <a:r>
+              <a:rPr lang="ru-RU" dirty="0" err="1" smtClean="0"/>
+              <a:t>idListDefault</a:t>
+            </a:r>
+            <a:r>
+              <a:rPr lang="ru-RU" dirty="0" smtClean="0"/>
+              <a:t> </a:t>
+            </a:r>
+            <a:r>
+              <a:rPr lang="ru-RU" dirty="0"/>
+              <a:t>(идентификаторы по дате обновления</a:t>
+            </a:r>
+            <a:r>
+              <a:rPr lang="ru-RU" dirty="0" smtClean="0"/>
+              <a:t>)</a:t>
+            </a:r>
+            <a:r>
+              <a:rPr lang="ru-RU" dirty="0"/>
+              <a:t> - </a:t>
+            </a:r>
+            <a:r>
+              <a:rPr lang="ru-RU" dirty="0" err="1"/>
+              <a:t>GetListDefault</a:t>
+            </a:r>
+            <a:r>
+              <a:rPr lang="ru-RU" dirty="0"/>
+              <a:t> (Получение Карт, отсортированных по дате обновления</a:t>
+            </a:r>
+            <a:r>
+              <a:rPr lang="ru-RU" dirty="0" smtClean="0"/>
+              <a:t>)</a:t>
+            </a:r>
+            <a:endParaRPr lang="ru-RU" dirty="0"/>
+          </a:p>
+          <a:p>
+            <a:pPr marL="285750" indent="-285750" algn="just">
+              <a:buFont typeface="Arial" panose="020B0604020202020204" pitchFamily="34" charset="0"/>
+              <a:buChar char="•"/>
+            </a:pPr>
+            <a:r>
+              <a:rPr lang="ru-RU" dirty="0" err="1" smtClean="0"/>
+              <a:t>idListImportant</a:t>
+            </a:r>
+            <a:r>
+              <a:rPr lang="ru-RU" dirty="0" smtClean="0"/>
+              <a:t> </a:t>
+            </a:r>
+            <a:r>
+              <a:rPr lang="ru-RU" dirty="0"/>
+              <a:t>(идентификаторы по статусу важности</a:t>
+            </a:r>
+            <a:r>
+              <a:rPr lang="ru-RU" dirty="0" smtClean="0"/>
+              <a:t>)</a:t>
+            </a:r>
+            <a:r>
+              <a:rPr lang="ru-RU" dirty="0"/>
+              <a:t> - </a:t>
+            </a:r>
+            <a:r>
+              <a:rPr lang="ru-RU" dirty="0" err="1"/>
+              <a:t>GetListImportant</a:t>
+            </a:r>
+            <a:r>
+              <a:rPr lang="ru-RU" dirty="0"/>
+              <a:t> (Получение Карт, отсортированных по статусу важности</a:t>
+            </a:r>
+            <a:r>
+              <a:rPr lang="ru-RU" dirty="0" smtClean="0"/>
+              <a:t>)</a:t>
+            </a:r>
+            <a:endParaRPr lang="ru-RU" dirty="0"/>
+          </a:p>
+          <a:p>
+            <a:pPr marL="285750" indent="-285750" algn="just">
+              <a:buFont typeface="Arial" panose="020B0604020202020204" pitchFamily="34" charset="0"/>
+              <a:buChar char="•"/>
+            </a:pPr>
+            <a:r>
+              <a:rPr lang="ru-RU" dirty="0" err="1" smtClean="0"/>
+              <a:t>idListCompleted</a:t>
+            </a:r>
+            <a:r>
+              <a:rPr lang="ru-RU" dirty="0" smtClean="0"/>
+              <a:t> </a:t>
+            </a:r>
+            <a:r>
+              <a:rPr lang="ru-RU" dirty="0"/>
+              <a:t>(идентификаторы по статусу выполнения</a:t>
+            </a:r>
+            <a:r>
+              <a:rPr lang="ru-RU" dirty="0" smtClean="0"/>
+              <a:t>)</a:t>
+            </a:r>
+            <a:r>
+              <a:rPr lang="ru-RU" dirty="0"/>
+              <a:t> - </a:t>
+            </a:r>
+            <a:r>
+              <a:rPr lang="ru-RU" dirty="0" err="1"/>
+              <a:t>GetListCompleted</a:t>
+            </a:r>
+            <a:r>
+              <a:rPr lang="ru-RU" dirty="0"/>
+              <a:t> (Получение Карт, отсортированных по статусу выполнения</a:t>
+            </a:r>
+            <a:r>
+              <a:rPr lang="ru-RU" dirty="0" smtClean="0"/>
+              <a:t>)</a:t>
+            </a:r>
+            <a:endParaRPr lang="ru-RU" dirty="0"/>
           </a:p>
           <a:p>
             <a:pPr algn="just"/>
-            <a:endParaRPr lang="ru-RU" sz="2000" dirty="0"/>
+            <a:r>
+              <a:rPr lang="ru-RU" dirty="0"/>
+              <a:t>Управление статусом сортировки. Перечисление </a:t>
+            </a:r>
+            <a:r>
+              <a:rPr lang="ru-RU" dirty="0" err="1"/>
+              <a:t>SortOrder</a:t>
+            </a:r>
+            <a:r>
+              <a:rPr lang="ru-RU" dirty="0"/>
+              <a:t> (Направление Сортировки</a:t>
+            </a:r>
+            <a:r>
+              <a:rPr lang="ru-RU" dirty="0" smtClean="0"/>
+              <a:t>):</a:t>
+            </a:r>
+            <a:endParaRPr lang="ru-RU" dirty="0"/>
+          </a:p>
+          <a:p>
+            <a:pPr marL="285750" indent="-285750" algn="just">
+              <a:buFont typeface="Arial" panose="020B0604020202020204" pitchFamily="34" charset="0"/>
+              <a:buChar char="•"/>
+            </a:pPr>
+            <a:r>
+              <a:rPr lang="ru-RU" dirty="0" err="1" smtClean="0"/>
+              <a:t>Initial</a:t>
+            </a:r>
+            <a:r>
+              <a:rPr lang="ru-RU" dirty="0" smtClean="0"/>
+              <a:t> </a:t>
+            </a:r>
+            <a:r>
+              <a:rPr lang="ru-RU" dirty="0"/>
+              <a:t>(Карты необходимо отсортировать (используется только внутри класса))</a:t>
+            </a:r>
+          </a:p>
+          <a:p>
+            <a:pPr marL="285750" indent="-285750" algn="just">
+              <a:buFont typeface="Arial" panose="020B0604020202020204" pitchFamily="34" charset="0"/>
+              <a:buChar char="•"/>
+            </a:pPr>
+            <a:r>
+              <a:rPr lang="ru-RU" dirty="0" err="1" smtClean="0"/>
+              <a:t>Unsorted</a:t>
+            </a:r>
+            <a:r>
+              <a:rPr lang="ru-RU" dirty="0" smtClean="0"/>
+              <a:t> </a:t>
+            </a:r>
+            <a:r>
+              <a:rPr lang="ru-RU" dirty="0"/>
+              <a:t>(В произвольном порядке)</a:t>
+            </a:r>
+          </a:p>
+          <a:p>
+            <a:pPr marL="285750" indent="-285750" algn="just">
+              <a:buFont typeface="Arial" panose="020B0604020202020204" pitchFamily="34" charset="0"/>
+              <a:buChar char="•"/>
+            </a:pPr>
+            <a:r>
+              <a:rPr lang="ru-RU" dirty="0" err="1" smtClean="0"/>
+              <a:t>Ascending</a:t>
+            </a:r>
+            <a:r>
+              <a:rPr lang="ru-RU" dirty="0" smtClean="0"/>
+              <a:t> </a:t>
+            </a:r>
+            <a:r>
+              <a:rPr lang="ru-RU" dirty="0"/>
+              <a:t>(По возрастанию)</a:t>
+            </a:r>
+          </a:p>
+          <a:p>
+            <a:pPr marL="285750" indent="-285750" algn="just">
+              <a:buFont typeface="Arial" panose="020B0604020202020204" pitchFamily="34" charset="0"/>
+              <a:buChar char="•"/>
+            </a:pPr>
+            <a:r>
+              <a:rPr lang="ru-RU" dirty="0" err="1" smtClean="0"/>
+              <a:t>Descending</a:t>
+            </a:r>
+            <a:r>
+              <a:rPr lang="ru-RU" dirty="0" smtClean="0"/>
+              <a:t> </a:t>
+            </a:r>
+            <a:r>
+              <a:rPr lang="ru-RU" dirty="0"/>
+              <a:t>(По убыванию)</a:t>
+            </a:r>
           </a:p>
           <a:p>
             <a:pPr algn="just"/>
             <a:r>
-              <a:rPr lang="ru-RU" sz="2000" dirty="0" err="1" smtClean="0"/>
-              <a:t>CardList</a:t>
-            </a:r>
-            <a:r>
-              <a:rPr lang="en-US" sz="2000" dirty="0" smtClean="0"/>
-              <a:t>. </a:t>
-            </a:r>
-            <a:r>
-              <a:rPr lang="ru-RU" sz="2000" dirty="0" smtClean="0"/>
-              <a:t>Список </a:t>
-            </a:r>
-            <a:r>
-              <a:rPr lang="ru-RU" sz="2000" dirty="0"/>
-              <a:t>Карт, также как и Карта, наследует Уникальный Класс и представляет собой список карточек дел. В качестве способа хранения экземпляров Карт в классе используется </a:t>
-            </a:r>
-            <a:r>
-              <a:rPr lang="ru-RU" sz="2000" dirty="0" err="1"/>
-              <a:t>Dictionary</a:t>
-            </a:r>
-            <a:r>
-              <a:rPr lang="ru-RU" sz="2000" dirty="0"/>
-              <a:t> (Библиотека).</a:t>
-            </a:r>
-          </a:p>
-          <a:p>
-            <a:pPr algn="just"/>
-            <a:endParaRPr lang="ru-RU" sz="2000" dirty="0" smtClean="0"/>
-          </a:p>
-          <a:p>
-            <a:pPr algn="just"/>
-            <a:r>
-              <a:rPr lang="ru-RU" sz="2000" dirty="0" smtClean="0"/>
-              <a:t>Методы класса:</a:t>
-            </a:r>
-            <a:endParaRPr lang="ru-RU" sz="2000" dirty="0"/>
-          </a:p>
-          <a:p>
-            <a:pPr algn="just"/>
-            <a:r>
-              <a:rPr lang="ru-RU" sz="2000" dirty="0"/>
-              <a:t>- </a:t>
-            </a:r>
-            <a:r>
-              <a:rPr lang="ru-RU" sz="2000" dirty="0" err="1"/>
-              <a:t>Get</a:t>
-            </a:r>
-            <a:r>
-              <a:rPr lang="ru-RU" sz="2000" dirty="0"/>
-              <a:t> (Получить карту)</a:t>
-            </a:r>
-          </a:p>
-          <a:p>
-            <a:pPr algn="just"/>
-            <a:r>
-              <a:rPr lang="ru-RU" sz="2000" dirty="0"/>
-              <a:t>- </a:t>
-            </a:r>
-            <a:r>
-              <a:rPr lang="ru-RU" sz="2000" dirty="0" err="1"/>
-              <a:t>Remove</a:t>
-            </a:r>
-            <a:r>
-              <a:rPr lang="ru-RU" sz="2000" dirty="0"/>
-              <a:t> (Удалить Карту)</a:t>
-            </a:r>
-          </a:p>
-          <a:p>
-            <a:pPr algn="just"/>
-            <a:r>
-              <a:rPr lang="ru-RU" sz="2000" dirty="0"/>
-              <a:t>- </a:t>
-            </a:r>
-            <a:r>
-              <a:rPr lang="ru-RU" sz="2000" dirty="0" err="1"/>
-              <a:t>Set</a:t>
-            </a:r>
-            <a:r>
-              <a:rPr lang="ru-RU" sz="2000" dirty="0"/>
-              <a:t> (Сохранить Карту)</a:t>
-            </a:r>
-          </a:p>
-          <a:p>
-            <a:pPr algn="just"/>
-            <a:r>
-              <a:rPr lang="ru-RU" sz="2000" dirty="0"/>
-              <a:t>- </a:t>
-            </a:r>
-            <a:r>
-              <a:rPr lang="ru-RU" sz="2000" dirty="0" err="1"/>
-              <a:t>Contains</a:t>
-            </a:r>
-            <a:r>
-              <a:rPr lang="ru-RU" sz="2000" dirty="0"/>
-              <a:t> (Проверить наличие Карты)</a:t>
+              <a:rPr lang="ru-RU" dirty="0"/>
+              <a:t>Соответственно, с помощью этого перечисления при использовании методов получения отсортированных Карт существует возможность указать необходимый порядок.</a:t>
             </a:r>
           </a:p>
         </p:txBody>
@@ -4991,22 +5296,28 @@
               <a:t>Классы </a:t>
             </a:r>
             <a:r>
-              <a:rPr lang="en-US" sz="3200" dirty="0">
+              <a:rPr lang="en-US" sz="3200" dirty="0" smtClean="0">
                 <a:latin typeface="+mj-lt"/>
               </a:rPr>
               <a:t>Card</a:t>
             </a:r>
             <a:r>
+              <a:rPr lang="ru-RU" sz="3200" dirty="0" smtClean="0">
+                <a:latin typeface="+mj-lt"/>
+              </a:rPr>
+              <a:t>: сортировк</a:t>
+            </a:r>
+            <a:r>
               <a:rPr lang="ru-RU" sz="3200" dirty="0">
                 <a:latin typeface="+mj-lt"/>
               </a:rPr>
-              <a:t> и </a:t>
-            </a:r>
-            <a:r>
-              <a:rPr lang="en-US" sz="3200" dirty="0" err="1">
+              <a:t>а</a:t>
+            </a:r>
+            <a:r>
+              <a:rPr lang="ru-RU" sz="3200" dirty="0" smtClean="0">
                 <a:latin typeface="+mj-lt"/>
               </a:rPr>
-              <a:t>CardList</a:t>
+              <a:t> карт</a:t>
             </a:r>
             <a:endParaRPr lang="en-US" sz="3200" dirty="0">
               <a:latin typeface="+mj-lt"/>
@@ -5017,7 +5328,7 @@
     </p:spTree>
     <p:extLst>
       <p:ext uri="{BB962C8B-B14F-4D97-AF65-F5344CB8AC3E}">
-        <p14:creationId xmlns:p14="http://schemas.microsoft.com/office/powerpoint/2010/main" val="4209511652"/>
+        <p14:creationId xmlns:p14="http://schemas.microsoft.com/office/powerpoint/2010/main" val="2918729351"/>
       </p:ext>
     </p:extLst>
   </p:cSld>
@@ -5061,20 +5372,20 @@
             <p:ph type="title"/>
           </p:nvPr>
         </p:nvSpPr>
-        <p:spPr/>
+        <p:spPr>
+          <a:xfrm>
+            <a:off x="838200" y="288180"/>
+            <a:ext cx="10515600" cy="1325563"/>
+          </a:xfrm>
+        </p:spPr>
         <p:txBody>
           <a:bodyPr/>
           <a:lstStyle/>
           <a:p>
             <a:r>
               <a:rPr lang="ru-RU" dirty="0"/>
-              <a:t>Пространство имен </a:t>
-            </a:r>
-            <a:r>
-              <a:rPr lang="en-US" dirty="0" err="1" smtClean="0"/>
-              <a:t>Timelon.Data</a:t>
-            </a:r>
-            <a:endParaRPr lang="ru-RU" dirty="0"/>
+              <a:t>Тестирование</a:t>
+            </a:r>
           </a:p>
         </p:txBody>
       </p:sp>
@@ -5086,309 +5397,134 @@
         </p:nvSpPr>
         <p:spPr>
           <a:xfrm>
-            <a:off x="838200" y="1887225"/>
-            <a:ext cx="10289178" cy="4524315"/>
+            <a:off x="838200" y="1321356"/>
+            <a:ext cx="8848897" cy="584775"/>
           </a:xfrm>
           <a:prstGeom prst="rect">
             <a:avLst/>
           </a:prstGeom>
         </p:spPr>
         <p:txBody>
-          <a:bodyPr wrap="square">
+          <a:bodyPr wrap="none">
             <a:spAutoFit/>
           </a:bodyPr>
           <a:lstStyle/>
           <a:p>
-            <a:pPr algn="just"/>
-            <a:r>
-              <a:rPr lang="ru-RU" dirty="0"/>
-              <a:t>Библиотека позволяет мгновенно получить Карту через ее идентификатор вне зависимости от количества хранимых Карт, достаточно произвести сортировку один раз и занести идентификаторы в отдельный список для быстрого доступа</a:t>
-            </a:r>
-            <a:r>
-              <a:rPr lang="ru-RU" dirty="0" smtClean="0"/>
-              <a:t>.  Списки и соответствующие им методы класса:</a:t>
-            </a:r>
-            <a:endParaRPr lang="ru-RU" dirty="0"/>
-          </a:p>
-          <a:p>
-            <a:pPr marL="285750" indent="-285750" algn="just">
-              <a:buFont typeface="Arial" panose="020B0604020202020204" pitchFamily="34" charset="0"/>
-              <a:buChar char="•"/>
-            </a:pPr>
-            <a:r>
-              <a:rPr lang="ru-RU" dirty="0" err="1" smtClean="0"/>
-              <a:t>idListDefault</a:t>
-            </a:r>
-            <a:r>
-              <a:rPr lang="ru-RU" dirty="0" smtClean="0"/>
+            <a:r>
+              <a:rPr lang="ru-RU" sz="3200" dirty="0">
+                <a:latin typeface="+mj-lt"/>
+              </a:rPr>
+              <a:t>Консольный проект </a:t>
+            </a:r>
+            <a:r>
+              <a:rPr lang="en-US" sz="3200" dirty="0" err="1">
+                <a:latin typeface="+mj-lt"/>
+              </a:rPr>
+              <a:t>ConsoleTest.cs</a:t>
+            </a:r>
+            <a:r>
+              <a:rPr lang="en-US" sz="3200" dirty="0">
+                <a:latin typeface="+mj-lt"/>
+              </a:rPr>
               <a:t> </a:t>
             </a:r>
             <a:r>
-              <a:rPr lang="ru-RU" dirty="0"/>
-              <a:t>(идентификаторы по дате обновления</a:t>
-            </a:r>
-            <a:r>
-              <a:rPr lang="ru-RU" dirty="0" smtClean="0"/>
-              <a:t>)</a:t>
-            </a:r>
-            <a:r>
-              <a:rPr lang="ru-RU" dirty="0"/>
-              <a:t> - </a:t>
-            </a:r>
-            <a:r>
-              <a:rPr lang="ru-RU" dirty="0" err="1"/>
-              <a:t>GetListDefault</a:t>
-            </a:r>
-            <a:r>
-              <a:rPr lang="ru-RU" dirty="0"/>
-              <a:t> (Получение Карт, отсортированных по дате обновления</a:t>
-            </a:r>
-            <a:r>
-              <a:rPr lang="ru-RU" dirty="0" smtClean="0"/>
-              <a:t>)</a:t>
-            </a:r>
-            <a:endParaRPr lang="ru-RU" dirty="0"/>
-          </a:p>
-          <a:p>
-            <a:pPr marL="285750" indent="-285750" algn="just">
-              <a:buFont typeface="Arial" panose="020B0604020202020204" pitchFamily="34" charset="0"/>
-              <a:buChar char="•"/>
-            </a:pPr>
-            <a:r>
-              <a:rPr lang="ru-RU" dirty="0" err="1" smtClean="0"/>
-              <a:t>idListImportant</a:t>
-            </a:r>
-            <a:r>
-              <a:rPr lang="ru-RU" dirty="0" smtClean="0"/>
-              <a:t> </a:t>
-            </a:r>
-            <a:r>
-              <a:rPr lang="ru-RU" dirty="0"/>
-              <a:t>(идентификаторы по статусу важности</a:t>
-            </a:r>
-            <a:r>
-              <a:rPr lang="ru-RU" dirty="0" smtClean="0"/>
-              <a:t>)</a:t>
-            </a:r>
-            <a:r>
-              <a:rPr lang="ru-RU" dirty="0"/>
-              <a:t> - </a:t>
-            </a:r>
-            <a:r>
-              <a:rPr lang="ru-RU" dirty="0" err="1"/>
-              <a:t>GetListImportant</a:t>
-            </a:r>
-            <a:r>
-              <a:rPr lang="ru-RU" dirty="0"/>
-              <a:t> (Получение Карт, отсортированных по статусу важности</a:t>
-            </a:r>
-            <a:r>
-              <a:rPr lang="ru-RU" dirty="0" smtClean="0"/>
-              <a:t>)</a:t>
-            </a:r>
-            <a:endParaRPr lang="ru-RU" dirty="0"/>
-          </a:p>
-          <a:p>
-            <a:pPr marL="285750" indent="-285750" algn="just">
-              <a:buFont typeface="Arial" panose="020B0604020202020204" pitchFamily="34" charset="0"/>
-              <a:buChar char="•"/>
-            </a:pPr>
-            <a:r>
-              <a:rPr lang="ru-RU" dirty="0" err="1" smtClean="0"/>
-              <a:t>idListCompleted</a:t>
-            </a:r>
-            <a:r>
-              <a:rPr lang="ru-RU" dirty="0" smtClean="0"/>
-              <a:t> </a:t>
-            </a:r>
-            <a:r>
-              <a:rPr lang="ru-RU" dirty="0"/>
-              <a:t>(идентификаторы по статусу выполнения</a:t>
-            </a:r>
-            <a:r>
-              <a:rPr lang="ru-RU" dirty="0" smtClean="0"/>
-              <a:t>)</a:t>
-            </a:r>
-            <a:r>
-              <a:rPr lang="ru-RU" dirty="0"/>
-              <a:t> - </a:t>
-            </a:r>
-            <a:r>
-              <a:rPr lang="ru-RU" dirty="0" err="1"/>
-              <a:t>GetListCompleted</a:t>
-            </a:r>
-            <a:r>
-              <a:rPr lang="ru-RU" dirty="0"/>
-              <a:t> (Получение Карт, отсортированных по статусу выполнения</a:t>
-            </a:r>
-            <a:r>
-              <a:rPr lang="ru-RU" dirty="0" smtClean="0"/>
-              <a:t>)</a:t>
-            </a:r>
-            <a:endParaRPr lang="ru-RU" dirty="0"/>
-          </a:p>
-          <a:p>
-            <a:pPr algn="just"/>
-            <a:r>
-              <a:rPr lang="ru-RU" dirty="0"/>
-              <a:t>Управление статусом сортировки. Перечисление </a:t>
-            </a:r>
-            <a:r>
-              <a:rPr lang="ru-RU" dirty="0" err="1"/>
-              <a:t>SortOrder</a:t>
-            </a:r>
-            <a:r>
-              <a:rPr lang="ru-RU" dirty="0"/>
-              <a:t> (Направление Сортировки</a:t>
-            </a:r>
-            <a:r>
-              <a:rPr lang="ru-RU" dirty="0" smtClean="0"/>
-              <a:t>):</a:t>
-            </a:r>
-            <a:endParaRPr lang="ru-RU" dirty="0"/>
-          </a:p>
-          <a:p>
-            <a:pPr marL="285750" indent="-285750" algn="just">
-              <a:buFont typeface="Arial" panose="020B0604020202020204" pitchFamily="34" charset="0"/>
-              <a:buChar char="•"/>
-            </a:pPr>
-            <a:r>
-              <a:rPr lang="ru-RU" dirty="0" err="1" smtClean="0"/>
-              <a:t>Initial</a:t>
-            </a:r>
-            <a:r>
-              <a:rPr lang="ru-RU" dirty="0" smtClean="0"/>
-              <a:t> </a:t>
-            </a:r>
-            <a:r>
-              <a:rPr lang="ru-RU" dirty="0"/>
-              <a:t>(Карты необходимо отсортировать (используется только внутри класса))</a:t>
-            </a:r>
-          </a:p>
-          <a:p>
-            <a:pPr marL="285750" indent="-285750" algn="just">
-              <a:buFont typeface="Arial" panose="020B0604020202020204" pitchFamily="34" charset="0"/>
-              <a:buChar char="•"/>
-            </a:pPr>
-            <a:r>
-              <a:rPr lang="ru-RU" dirty="0" err="1" smtClean="0"/>
-              <a:t>Unsorted</a:t>
-            </a:r>
-            <a:r>
-              <a:rPr lang="ru-RU" dirty="0" smtClean="0"/>
-              <a:t> </a:t>
-            </a:r>
-            <a:r>
-              <a:rPr lang="ru-RU" dirty="0"/>
-              <a:t>(В произвольном порядке)</a:t>
-            </a:r>
-          </a:p>
-          <a:p>
-            <a:pPr marL="285750" indent="-285750" algn="just">
-              <a:buFont typeface="Arial" panose="020B0604020202020204" pitchFamily="34" charset="0"/>
-              <a:buChar char="•"/>
-            </a:pPr>
-            <a:r>
-              <a:rPr lang="ru-RU" dirty="0" err="1" smtClean="0"/>
-              <a:t>Ascending</a:t>
-            </a:r>
-            <a:r>
-              <a:rPr lang="ru-RU" dirty="0" smtClean="0"/>
-              <a:t> </a:t>
-            </a:r>
-            <a:r>
-              <a:rPr lang="ru-RU" dirty="0"/>
-              <a:t>(По возрастанию)</a:t>
-            </a:r>
-          </a:p>
-          <a:p>
-            <a:pPr marL="285750" indent="-285750" algn="just">
-              <a:buFont typeface="Arial" panose="020B0604020202020204" pitchFamily="34" charset="0"/>
-              <a:buChar char="•"/>
-            </a:pPr>
-            <a:r>
-              <a:rPr lang="ru-RU" dirty="0" err="1" smtClean="0"/>
-              <a:t>Descending</a:t>
-            </a:r>
-            <a:r>
-              <a:rPr lang="ru-RU" dirty="0" smtClean="0"/>
-              <a:t> </a:t>
-            </a:r>
-            <a:r>
-              <a:rPr lang="ru-RU" dirty="0"/>
-              <a:t>(По убыванию)</a:t>
-            </a:r>
-          </a:p>
-          <a:p>
-            <a:pPr algn="just"/>
-            <a:r>
-              <a:rPr lang="ru-RU" dirty="0"/>
-              <a:t>Соответственно, с помощью этого перечисления при использовании методов получения отсортированных Карт существует возможность указать необходимый порядок.</a:t>
-            </a:r>
-          </a:p>
-        </p:txBody>
-      </p:sp>
-      <p:sp>
-        <p:nvSpPr>
-          <p:cNvPr id="4" name="Прямоугольник 3"/>
+              <a:rPr lang="ru-RU" sz="3200" dirty="0">
+                <a:latin typeface="+mj-lt"/>
+              </a:rPr>
+              <a:t>и </a:t>
+            </a:r>
+            <a:r>
+              <a:rPr lang="en-US" sz="3200" dirty="0" err="1">
+                <a:latin typeface="+mj-lt"/>
+              </a:rPr>
+              <a:t>Randomizer.cs</a:t>
+            </a:r>
+            <a:endParaRPr lang="en-US" sz="3200" dirty="0">
+              <a:latin typeface="+mj-lt"/>
+            </a:endParaRPr>
+          </a:p>
+        </p:txBody>
+      </p:sp>
+      <p:sp>
+        <p:nvSpPr>
+          <p:cNvPr id="5" name="Прямоугольник 4"/>
           <p:cNvSpPr/>
           <p:nvPr/>
         </p:nvSpPr>
         <p:spPr>
           <a:xfrm>
-            <a:off x="838200" y="1302450"/>
-            <a:ext cx="6096000" cy="584775"/>
+            <a:off x="838200" y="2062144"/>
+            <a:ext cx="7665368" cy="1754326"/>
           </a:xfrm>
           <a:prstGeom prst="rect">
             <a:avLst/>
           </a:prstGeom>
         </p:spPr>
         <p:txBody>
-          <a:bodyPr>
+          <a:bodyPr wrap="none">
             <a:spAutoFit/>
           </a:bodyPr>
           <a:lstStyle/>
           <a:p>
             <a:r>
-              <a:rPr lang="ru-RU" sz="3200" dirty="0">
-                <a:latin typeface="+mj-lt"/>
-              </a:rPr>
-              <a:t>Классы </a:t>
-            </a:r>
-            <a:r>
-              <a:rPr lang="en-US" sz="3200" dirty="0" smtClean="0">
-                <a:latin typeface="+mj-lt"/>
-              </a:rPr>
-              <a:t>Card</a:t>
-            </a:r>
-            <a:r>
-              <a:rPr lang="ru-RU" sz="3200" dirty="0" smtClean="0">
-                <a:latin typeface="+mj-lt"/>
-              </a:rPr>
-              <a:t>: сортировк</a:t>
-            </a:r>
-            <a:r>
-              <a:rPr lang="ru-RU" sz="3200" dirty="0">
-                <a:latin typeface="+mj-lt"/>
-              </a:rPr>
-              <a:t>а</a:t>
-            </a:r>
-            <a:r>
-              <a:rPr lang="ru-RU" sz="3200" dirty="0" smtClean="0">
-                <a:latin typeface="+mj-lt"/>
-              </a:rPr>
-              <a:t> карт</a:t>
-            </a:r>
-            <a:endParaRPr lang="en-US" sz="3200" dirty="0">
-              <a:latin typeface="+mj-lt"/>
-            </a:endParaRPr>
+              <a:rPr lang="ru-RU" dirty="0"/>
+              <a:t>Консольный проект включает в себя следующие тесты:</a:t>
+            </a:r>
+          </a:p>
+          <a:p>
+            <a:pPr marL="285750" indent="-285750">
+              <a:buFont typeface="Arial" panose="020B0604020202020204" pitchFamily="34" charset="0"/>
+              <a:buChar char="•"/>
+            </a:pPr>
+            <a:r>
+              <a:rPr lang="ru-RU" dirty="0"/>
+              <a:t>Тест создания случайных карт</a:t>
+            </a:r>
+          </a:p>
+          <a:p>
+            <a:pPr marL="285750" indent="-285750">
+              <a:buFont typeface="Arial" panose="020B0604020202020204" pitchFamily="34" charset="0"/>
+              <a:buChar char="•"/>
+            </a:pPr>
+            <a:r>
+              <a:rPr lang="ru-RU" dirty="0"/>
+              <a:t>Тест создания случайного списка карт и сортировки</a:t>
+            </a:r>
+          </a:p>
+          <a:p>
+            <a:pPr marL="285750" indent="-285750">
+              <a:buFont typeface="Arial" panose="020B0604020202020204" pitchFamily="34" charset="0"/>
+              <a:buChar char="•"/>
+            </a:pPr>
+            <a:r>
+              <a:rPr lang="ru-RU" dirty="0"/>
+              <a:t>Тест создания случайных списков карт в менеджере и работы с данными</a:t>
+            </a:r>
+          </a:p>
+          <a:p>
+            <a:pPr marL="285750" indent="-285750">
+              <a:buFont typeface="Arial" panose="020B0604020202020204" pitchFamily="34" charset="0"/>
+              <a:buChar char="•"/>
+            </a:pPr>
+            <a:r>
+              <a:rPr lang="ru-RU" dirty="0"/>
+              <a:t>Тест с измерением времени выполнения основных операций списка карт</a:t>
+            </a:r>
+          </a:p>
+          <a:p>
+            <a:pPr marL="285750" indent="-285750">
+              <a:buFont typeface="Arial" panose="020B0604020202020204" pitchFamily="34" charset="0"/>
+              <a:buChar char="•"/>
+            </a:pPr>
+            <a:endParaRPr lang="ru-RU" dirty="0"/>
           </a:p>
         </p:txBody>
       </p:sp>
     </p:spTree>
     <p:extLst>
       <p:ext uri="{BB962C8B-B14F-4D97-AF65-F5344CB8AC3E}">
-        <p14:creationId xmlns:p14="http://schemas.microsoft.com/office/powerpoint/2010/main" val="2918729351"/>
+        <p14:creationId xmlns:p14="http://schemas.microsoft.com/office/powerpoint/2010/main" val="1424994494"/>
       </p:ext>
     </p:extLst>
   </p:cSld>
@@ -5560,114 +5696,53 @@
             <p:ph type="title"/>
           </p:nvPr>
         </p:nvSpPr>
+        <p:spPr/>
+        <p:txBody>
+          <a:bodyPr/>
+          <a:lstStyle/>
+          <a:p>
+            <a:r>
+              <a:rPr lang="ru-RU" dirty="0"/>
+              <a:t>Тестирование</a:t>
+            </a:r>
+          </a:p>
+        </p:txBody>
+      </p:sp>
+      <p:sp>
+        <p:nvSpPr>
+          <p:cNvPr id="3" name="TextBox 2">
+            <a:extLst>
+              <a:ext uri="{FF2B5EF4-FFF2-40B4-BE49-F238E27FC236}">
+                <a16:creationId xmlns:a16="http://schemas.microsoft.com/office/drawing/2014/main" id="{4C7D212D-B684-491A-8C10-17B8B661A75D}"/>
+              </a:ext>
+            </a:extLst>
+          </p:cNvPr>
+          <p:cNvSpPr txBox="1"/>
+          <p:nvPr/>
+        </p:nvSpPr>
         <p:spPr>
           <a:xfrm>
-            <a:off x="838200" y="288180"/>
-            <a:ext cx="10515600" cy="1325563"/>
-          </a:xfrm>
-        </p:spPr>
-        <p:txBody>
-          <a:bodyPr/>
-          <a:lstStyle/>
-          <a:p>
-            <a:r>
-              <a:rPr lang="ru-RU" dirty="0"/>
-              <a:t>Тестирование</a:t>
-            </a:r>
-          </a:p>
-        </p:txBody>
-      </p:sp>
-      <p:sp>
-        <p:nvSpPr>
-          <p:cNvPr id="3" name="Прямоугольник 2"/>
-          <p:cNvSpPr/>
-          <p:nvPr/>
-        </p:nvSpPr>
-        <p:spPr>
-          <a:xfrm>
-            <a:off x="838200" y="1321356"/>
-            <a:ext cx="8848897" cy="584775"/>
+            <a:off x="2629231" y="2282024"/>
+            <a:ext cx="6933538" cy="3108543"/>
           </a:xfrm>
           <a:prstGeom prst="rect">
             <a:avLst/>
           </a:prstGeom>
+          <a:noFill/>
         </p:spPr>
         <p:txBody>
-          <a:bodyPr wrap="none">
+          <a:bodyPr wrap="square" rtlCol="0">
             <a:spAutoFit/>
           </a:bodyPr>
           <a:lstStyle/>
           <a:p>
-            <a:r>
-              <a:rPr lang="ru-RU" sz="3200" dirty="0">
-                <a:latin typeface="+mj-lt"/>
-              </a:rPr>
-              <a:t>Консольный проект </a:t>
-            </a:r>
-            <a:r>
-              <a:rPr lang="en-US" sz="3200" dirty="0" err="1">
-                <a:latin typeface="+mj-lt"/>
-              </a:rPr>
-              <a:t>ConsoleTest.cs</a:t>
-            </a:r>
-            <a:r>
-              <a:rPr lang="en-US" sz="3200" dirty="0">
-                <a:latin typeface="+mj-lt"/>
-              </a:rPr>
-              <a:t> </a:t>
-            </a:r>
-            <a:r>
-              <a:rPr lang="ru-RU" sz="3200" dirty="0">
-                <a:latin typeface="+mj-lt"/>
-              </a:rPr>
-              <a:t>и </a:t>
-            </a:r>
-            <a:r>
-              <a:rPr lang="en-US" sz="3200" dirty="0" err="1">
-                <a:latin typeface="+mj-lt"/>
-              </a:rPr>
-              <a:t>Randomizer.cs</a:t>
-            </a:r>
-            <a:endParaRPr lang="en-US" sz="3200" dirty="0">
-              <a:latin typeface="+mj-lt"/>
-            </a:endParaRPr>
-          </a:p>
-        </p:txBody>
-      </p:sp>
-      <p:sp>
-        <p:nvSpPr>
-          <p:cNvPr id="5" name="Прямоугольник 4"/>
-          <p:cNvSpPr/>
-          <p:nvPr/>
-        </p:nvSpPr>
-        <p:spPr>
-          <a:xfrm>
-            <a:off x="838200" y="2062144"/>
-            <a:ext cx="7665368" cy="1754326"/>
-          </a:xfrm>
-          <a:prstGeom prst="rect">
-            <a:avLst/>
-          </a:prstGeom>
-        </p:spPr>
-        <p:txBody>
-          <a:bodyPr wrap="none">
-            <a:spAutoFit/>
-          </a:bodyPr>
-          <a:lstStyle/>
-          <a:p>
-            <a:r>
-              <a:rPr lang="ru-RU" dirty="0"/>
-              <a:t>Консольный проект включает в себя следующие тесты:</a:t>
-            </a:r>
-          </a:p>
-          <a:p>
             <a:pPr marL="285750" indent="-285750">
               <a:buFont typeface="Arial" panose="020B0604020202020204" pitchFamily="34" charset="0"/>
               <a:buChar char="•"/>
             </a:pPr>
             <a:r>
-              <a:rPr lang="ru-RU" dirty="0"/>
-              <a:t>Тест создания случайных карт</a:t>
+              <a:rPr lang="ru-RU" sz="2800" dirty="0"/>
+              <a:t>Почему тестирование это важно?</a:t>
             </a:r>
           </a:p>
           <a:p>
@@ -5676,8 +5751,8 @@
               <a:buChar char="•"/>
             </a:pPr>
             <a:r>
-              <a:rPr lang="ru-RU" dirty="0"/>
-              <a:t>Тест создания случайного списка карт и сортировки</a:t>
+              <a:rPr lang="ru-RU" sz="2800" dirty="0"/>
+              <a:t>Требования к проекту</a:t>
             </a:r>
           </a:p>
           <a:p>
@@ -5686,8 +5761,8 @@
               <a:buChar char="•"/>
             </a:pPr>
             <a:r>
-              <a:rPr lang="ru-RU" dirty="0"/>
-              <a:t>Тест создания случайных списков карт в менеджере и работы с данными</a:t>
+              <a:rPr lang="ru-RU" sz="2800" dirty="0"/>
+              <a:t>Тест план</a:t>
             </a:r>
           </a:p>
           <a:p>
@@ -5696,8 +5771,8 @@
               <a:buChar char="•"/>
             </a:pPr>
             <a:r>
-              <a:rPr lang="ru-RU" dirty="0"/>
-              <a:t>Тест с измерением времени выполнения основных операций списка карт</a:t>
+              <a:rPr lang="ru-RU" sz="2800" dirty="0"/>
+              <a:t>Методы тестирования</a:t>
             </a:r>
           </a:p>
           <a:p>
@@ -5705,14 +5780,31 @@
               <a:buFont typeface="Arial" panose="020B0604020202020204" pitchFamily="34" charset="0"/>
               <a:buChar char="•"/>
             </a:pPr>
-            <a:endParaRPr lang="ru-RU" dirty="0"/>
+            <a:r>
+              <a:rPr lang="ru-RU" sz="2800" dirty="0"/>
+              <a:t>Отчёт о тестировании</a:t>
+            </a:r>
+          </a:p>
+          <a:p>
+            <a:pPr marL="285750" indent="-285750">
+              <a:buFont typeface="Arial" panose="020B0604020202020204" pitchFamily="34" charset="0"/>
+              <a:buChar char="•"/>
+            </a:pPr>
+            <a:endParaRPr lang="ru-RU" sz="2800" dirty="0"/>
+          </a:p>
+          <a:p>
+            <a:pPr marL="285750" indent="-285750">
+              <a:buFont typeface="Arial" panose="020B0604020202020204" pitchFamily="34" charset="0"/>
+              <a:buChar char="•"/>
+            </a:pPr>
+            <a:endParaRPr lang="ru-RU" sz="2800" dirty="0"/>
           </a:p>
         </p:txBody>
       </p:sp>
     </p:spTree>
     <p:extLst>
       <p:ext uri="{BB962C8B-B14F-4D97-AF65-F5344CB8AC3E}">
-        <p14:creationId xmlns:p14="http://schemas.microsoft.com/office/powerpoint/2010/main" val="1424994494"/>
+        <p14:creationId xmlns:p14="http://schemas.microsoft.com/office/powerpoint/2010/main" val="4284715473"/>
       </p:ext>
     </p:extLst>
   </p:cSld>
@@ -5763,7 +5855,7 @@
           <a:p>
             <a:r>
               <a:rPr lang="ru-RU" dirty="0"/>
-              <a:t>Тестирование</a:t>
+              <a:t>Почему тестирование это важно?</a:t>
             </a:r>
           </a:p>
         </p:txBody>
@@ -5773,7 +5865,7 @@
           <p:cNvPr id="3" name="TextBox 2">
             <a:extLst>
               <a:ext uri="{FF2B5EF4-FFF2-40B4-BE49-F238E27FC236}">
-                <a16:creationId xmlns:a16="http://schemas.microsoft.com/office/drawing/2014/main" id="{4C7D212D-B684-491A-8C10-17B8B661A75D}"/>
+                <a16:creationId xmlns:a16="http://schemas.microsoft.com/office/drawing/2014/main" id="{C84F3D5A-1232-4D39-B28F-5CC344873579}"/>
               </a:ext>
             </a:extLst>
           </p:cNvPr>
@@ -5782,8 +5874,8 @@
         </p:nvSpPr>
         <p:spPr>
           <a:xfrm>
-            <a:off x="2629231" y="2282024"/>
-            <a:ext cx="6933538" cy="3108543"/>
+            <a:off x="1806271" y="2751151"/>
+            <a:ext cx="8579457" cy="1569660"/>
           </a:xfrm>
           <a:prstGeom prst="rect">
             <a:avLst/>
@@ -5801,8 +5893,8 @@
               <a:buChar char="•"/>
             </a:pPr>
             <a:r>
-              <a:rPr lang="ru-RU" sz="2800" dirty="0"/>
-              <a:t>Почему тестирование это важно?</a:t>
+              <a:rPr lang="ru-RU" sz="2400" dirty="0"/>
+              <a:t>Возможность доказать некорректную работу программы</a:t>
             </a:r>
           </a:p>
           <a:p>
@@ -5811,8 +5903,8 @@
               <a:buChar char="•"/>
             </a:pPr>
             <a:r>
-              <a:rPr lang="ru-RU" sz="2800" dirty="0"/>
-              <a:t>Требования к проекту</a:t>
+              <a:rPr lang="ru-RU" sz="2400" dirty="0"/>
+              <a:t>Выявление ошибок</a:t>
             </a:r>
           </a:p>
           <a:p>
@@ -5821,8 +5913,8 @@
               <a:buChar char="•"/>
             </a:pPr>
             <a:r>
-              <a:rPr lang="ru-RU" sz="2800" dirty="0"/>
-              <a:t>Тест план</a:t>
+              <a:rPr lang="ru-RU" sz="2400" dirty="0"/>
+              <a:t>Обеспечивает надёжность и простоту в использовании</a:t>
             </a:r>
           </a:p>
           <a:p>
@@ -5830,41 +5922,14 @@
               <a:buFont typeface="Arial" panose="020B0604020202020204" pitchFamily="34" charset="0"/>
               <a:buChar char="•"/>
             </a:pPr>
-            <a:r>
-              <a:rPr lang="ru-RU" sz="2800" dirty="0"/>
-              <a:t>Методы тестирования</a:t>
-            </a:r>
-          </a:p>
-          <a:p>
-            <a:pPr marL="285750" indent="-285750">
-              <a:buFont typeface="Arial" panose="020B0604020202020204" pitchFamily="34" charset="0"/>
-              <a:buChar char="•"/>
-            </a:pPr>
-            <a:r>
-              <a:rPr lang="ru-RU" sz="2800" dirty="0"/>
-              <a:t>Отчёт о тестировании</a:t>
-            </a:r>
-          </a:p>
-          <a:p>
-            <a:pPr marL="285750" indent="-285750">
-              <a:buFont typeface="Arial" panose="020B0604020202020204" pitchFamily="34" charset="0"/>
-              <a:buChar char="•"/>
-            </a:pPr>
-            <a:endParaRPr lang="ru-RU" sz="2800" dirty="0"/>
-          </a:p>
-          <a:p>
-            <a:pPr marL="285750" indent="-285750">
-              <a:buFont typeface="Arial" panose="020B0604020202020204" pitchFamily="34" charset="0"/>
-              <a:buChar char="•"/>
-            </a:pPr>
-            <a:endParaRPr lang="ru-RU" sz="2800" dirty="0"/>
+            <a:endParaRPr lang="ru-RU" sz="2400" dirty="0"/>
           </a:p>
         </p:txBody>
       </p:sp>
     </p:spTree>
     <p:extLst>
       <p:ext uri="{BB962C8B-B14F-4D97-AF65-F5344CB8AC3E}">
-        <p14:creationId xmlns:p14="http://schemas.microsoft.com/office/powerpoint/2010/main" val="4284715473"/>
+        <p14:creationId xmlns:p14="http://schemas.microsoft.com/office/powerpoint/2010/main" val="3961446787"/>
       </p:ext>
     </p:extLst>
   </p:cSld>
@@ -5915,7 +5980,7 @@
           <a:p>
             <a:r>
               <a:rPr lang="ru-RU" dirty="0"/>
-              <a:t>Почему тестирование это важно?</a:t>
+              <a:t>Требования</a:t>
             </a:r>
           </a:p>
         </p:txBody>
@@ -5925,7 +5990,7 @@
           <p:cNvPr id="3" name="TextBox 2">
             <a:extLst>
               <a:ext uri="{FF2B5EF4-FFF2-40B4-BE49-F238E27FC236}">
-                <a16:creationId xmlns:a16="http://schemas.microsoft.com/office/drawing/2014/main" id="{C84F3D5A-1232-4D39-B28F-5CC344873579}"/>
+                <a16:creationId xmlns:a16="http://schemas.microsoft.com/office/drawing/2014/main" id="{CB39F03C-FAC8-4C3F-8146-D86F293164EF}"/>
               </a:ext>
             </a:extLst>
           </p:cNvPr>
@@ -5934,8 +5999,8 @@
         </p:nvSpPr>
         <p:spPr>
           <a:xfrm>
-            <a:off x="1806271" y="2751151"/>
-            <a:ext cx="8579457" cy="1569660"/>
+            <a:off x="1826149" y="1579369"/>
+            <a:ext cx="8539701" cy="4770537"/>
           </a:xfrm>
           <a:prstGeom prst="rect">
             <a:avLst/>
@@ -5953,9 +6018,50 @@
               <a:buChar char="•"/>
             </a:pPr>
             <a:r>
-              <a:rPr lang="ru-RU" sz="2400" dirty="0"/>
-              <a:t>Возможность доказать некорректную работу программы</a:t>
-            </a:r>
+              <a:rPr lang="ru-RU" sz="2800" dirty="0"/>
+              <a:t>Функциональные требования</a:t>
+            </a:r>
+          </a:p>
+          <a:p>
+            <a:pPr marL="742950" lvl="1" indent="-285750">
+              <a:buFont typeface="Arial" panose="020B0604020202020204" pitchFamily="34" charset="0"/>
+              <a:buChar char="•"/>
+            </a:pPr>
+            <a:r>
+              <a:rPr lang="ru-RU" sz="2000" dirty="0"/>
+              <a:t>Timelon должен обладать функцией создания карточек задач.</a:t>
+            </a:r>
+          </a:p>
+          <a:p>
+            <a:pPr marL="742950" lvl="1" indent="-285750">
+              <a:buFont typeface="Arial" panose="020B0604020202020204" pitchFamily="34" charset="0"/>
+              <a:buChar char="•"/>
+            </a:pPr>
+            <a:r>
+              <a:rPr lang="ru-RU" sz="2000" dirty="0"/>
+              <a:t>Timelon должен хранить карточки задач.</a:t>
+            </a:r>
+          </a:p>
+          <a:p>
+            <a:pPr marL="742950" lvl="1" indent="-285750">
+              <a:buFont typeface="Arial" panose="020B0604020202020204" pitchFamily="34" charset="0"/>
+              <a:buChar char="•"/>
+            </a:pPr>
+            <a:r>
+              <a:rPr lang="ru-RU" sz="2000" dirty="0"/>
+              <a:t>Timelon должен обладать функцией создания списков для хранения нескольких карт задач.</a:t>
+            </a:r>
+          </a:p>
+          <a:p>
+            <a:pPr marL="742950" lvl="1" indent="-285750">
+              <a:buFont typeface="Arial" panose="020B0604020202020204" pitchFamily="34" charset="0"/>
+              <a:buChar char="•"/>
+            </a:pPr>
+            <a:r>
+              <a:rPr lang="ru-RU" sz="2000" dirty="0"/>
+              <a:t>…</a:t>
+            </a:r>
+            <a:endParaRPr lang="ru-RU" sz="2800" dirty="0"/>
           </a:p>
           <a:p>
             <a:pPr marL="285750" indent="-285750">
@@ -5963,33 +6069,73 @@
               <a:buChar char="•"/>
             </a:pPr>
             <a:r>
-              <a:rPr lang="ru-RU" sz="2400" dirty="0"/>
-              <a:t>Выявление ошибок</a:t>
-            </a:r>
-          </a:p>
-          <a:p>
-            <a:pPr marL="285750" indent="-285750">
-              <a:buFont typeface="Arial" panose="020B0604020202020204" pitchFamily="34" charset="0"/>
-              <a:buChar char="•"/>
-            </a:pPr>
-            <a:r>
-              <a:rPr lang="ru-RU" sz="2400" dirty="0"/>
-              <a:t>Обеспечивает надёжность и простоту в использовании</a:t>
-            </a:r>
-          </a:p>
-          <a:p>
-            <a:pPr marL="285750" indent="-285750">
-              <a:buFont typeface="Arial" panose="020B0604020202020204" pitchFamily="34" charset="0"/>
-              <a:buChar char="•"/>
-            </a:pPr>
-            <a:endParaRPr lang="ru-RU" sz="2400" dirty="0"/>
+              <a:rPr lang="ru-RU" sz="2800" dirty="0"/>
+              <a:t>Требования к интерфейсу</a:t>
+            </a:r>
+          </a:p>
+          <a:p>
+            <a:pPr marL="742950" lvl="1" indent="-285750">
+              <a:buFont typeface="Arial" panose="020B0604020202020204" pitchFamily="34" charset="0"/>
+              <a:buChar char="•"/>
+            </a:pPr>
+            <a:r>
+              <a:rPr lang="ru-RU" sz="2000" dirty="0"/>
+              <a:t>На интерфейсе Timelon должно быть реализовано поле карточки задачи, отображающее основную информацию о задаче:</a:t>
+            </a:r>
+          </a:p>
+          <a:p>
+            <a:pPr marL="1200150" lvl="2" indent="-285750">
+              <a:buFont typeface="Arial" panose="020B0604020202020204" pitchFamily="34" charset="0"/>
+              <a:buChar char="•"/>
+            </a:pPr>
+            <a:r>
+              <a:rPr lang="ru-RU" sz="2000" dirty="0"/>
+              <a:t>статус выполнения</a:t>
+            </a:r>
+          </a:p>
+          <a:p>
+            <a:pPr marL="1200150" lvl="2" indent="-285750">
+              <a:buFont typeface="Arial" panose="020B0604020202020204" pitchFamily="34" charset="0"/>
+              <a:buChar char="•"/>
+            </a:pPr>
+            <a:r>
+              <a:rPr lang="ru-RU" sz="2000" dirty="0"/>
+              <a:t>название</a:t>
+            </a:r>
+          </a:p>
+          <a:p>
+            <a:pPr marL="1200150" lvl="2" indent="-285750">
+              <a:buFont typeface="Arial" panose="020B0604020202020204" pitchFamily="34" charset="0"/>
+              <a:buChar char="•"/>
+            </a:pPr>
+            <a:r>
+              <a:rPr lang="ru-RU" sz="2000" dirty="0"/>
+              <a:t>информация о важности</a:t>
+            </a:r>
+          </a:p>
+          <a:p>
+            <a:pPr marL="742950" lvl="1" indent="-285750">
+              <a:buFont typeface="Arial" panose="020B0604020202020204" pitchFamily="34" charset="0"/>
+              <a:buChar char="•"/>
+            </a:pPr>
+            <a:r>
+              <a:rPr lang="ru-RU" sz="2000" dirty="0"/>
+              <a:t>…</a:t>
+            </a:r>
+          </a:p>
+          <a:p>
+            <a:pPr marL="742950" lvl="1" indent="-285750">
+              <a:buFont typeface="Arial" panose="020B0604020202020204" pitchFamily="34" charset="0"/>
+              <a:buChar char="•"/>
+            </a:pPr>
+            <a:endParaRPr lang="ru-RU" sz="2800" dirty="0"/>
           </a:p>
         </p:txBody>
       </p:sp>
     </p:spTree>
     <p:extLst>
       <p:ext uri="{BB962C8B-B14F-4D97-AF65-F5344CB8AC3E}">
-        <p14:creationId xmlns:p14="http://schemas.microsoft.com/office/powerpoint/2010/main" val="3961446787"/>
+        <p14:creationId xmlns:p14="http://schemas.microsoft.com/office/powerpoint/2010/main" val="3127280586"/>
       </p:ext>
     </p:extLst>
   </p:cSld>
@@ -6040,7 +6186,7 @@
           <a:p>
             <a:r>
               <a:rPr lang="ru-RU" dirty="0"/>
-              <a:t>Требования</a:t>
+              <a:t>Тест план</a:t>
             </a:r>
           </a:p>
         </p:txBody>
@@ -6050,7 +6196,7 @@
           <p:cNvPr id="3" name="TextBox 2">
             <a:extLst>
               <a:ext uri="{FF2B5EF4-FFF2-40B4-BE49-F238E27FC236}">
-                <a16:creationId xmlns:a16="http://schemas.microsoft.com/office/drawing/2014/main" id="{CB39F03C-FAC8-4C3F-8146-D86F293164EF}"/>
+                <a16:creationId xmlns:a16="http://schemas.microsoft.com/office/drawing/2014/main" id="{F451546F-3AF1-42AC-9B97-43746690E48C}"/>
               </a:ext>
             </a:extLst>
           </p:cNvPr>
@@ -6059,8 +6205,8 @@
         </p:nvSpPr>
         <p:spPr>
           <a:xfrm>
-            <a:off x="1826149" y="1579369"/>
-            <a:ext cx="8539701" cy="4770537"/>
+            <a:off x="838201" y="1674674"/>
+            <a:ext cx="5257800" cy="2862322"/>
           </a:xfrm>
           <a:prstGeom prst="rect">
             <a:avLst/>
@@ -6073,55 +6219,158 @@
           </a:bodyPr>
           <a:lstStyle/>
           <a:p>
+            <a:r>
+              <a:rPr lang="ru-RU" sz="2000" i="1" dirty="0"/>
+              <a:t>Что такое тест-план</a:t>
+            </a:r>
+            <a:r>
+              <a:rPr lang="ru-RU" sz="2000" dirty="0"/>
+              <a:t>?</a:t>
+            </a:r>
+          </a:p>
+          <a:p>
+            <a:endParaRPr lang="ru-RU" sz="2000" dirty="0"/>
+          </a:p>
+          <a:p>
+            <a:r>
+              <a:rPr lang="ru-RU" sz="2000" dirty="0"/>
+              <a:t>Документ описывает методы и подходы к тестированию, которые будут</a:t>
+            </a:r>
+          </a:p>
+          <a:p>
+            <a:r>
+              <a:rPr lang="ru-RU" sz="2000" dirty="0"/>
+              <a:t>использоваться для тестирования приложения.</a:t>
+            </a:r>
+          </a:p>
+          <a:p>
+            <a:endParaRPr lang="ru-RU" sz="2000" dirty="0"/>
+          </a:p>
+          <a:p>
+            <a:endParaRPr lang="ru-RU" sz="2000" dirty="0"/>
+          </a:p>
+          <a:p>
+            <a:endParaRPr lang="ru-RU" sz="2000" dirty="0"/>
+          </a:p>
+        </p:txBody>
+      </p:sp>
+      <p:sp>
+        <p:nvSpPr>
+          <p:cNvPr id="4" name="TextBox 3">
+            <a:extLst>
+              <a:ext uri="{FF2B5EF4-FFF2-40B4-BE49-F238E27FC236}">
+                <a16:creationId xmlns:a16="http://schemas.microsoft.com/office/drawing/2014/main" id="{6929821F-63F7-48F7-9706-ACF0FC7C1092}"/>
+              </a:ext>
+            </a:extLst>
+          </p:cNvPr>
+          <p:cNvSpPr txBox="1"/>
+          <p:nvPr/>
+        </p:nvSpPr>
+        <p:spPr>
+          <a:xfrm>
+            <a:off x="6822219" y="1690688"/>
+            <a:ext cx="4627659" cy="1631216"/>
+          </a:xfrm>
+          <a:prstGeom prst="rect">
+            <a:avLst/>
+          </a:prstGeom>
+          <a:noFill/>
+        </p:spPr>
+        <p:txBody>
+          <a:bodyPr wrap="square" rtlCol="0">
+            <a:spAutoFit/>
+          </a:bodyPr>
+          <a:lstStyle/>
+          <a:p>
+            <a:r>
+              <a:rPr lang="ru-RU" sz="2000" i="1" dirty="0"/>
+              <a:t>Область тестирования</a:t>
+            </a:r>
+            <a:r>
+              <a:rPr lang="ru-RU" sz="2000" dirty="0"/>
+              <a:t>:</a:t>
+            </a:r>
+          </a:p>
+          <a:p>
+            <a:endParaRPr lang="ru-RU" sz="2000" dirty="0"/>
+          </a:p>
+          <a:p>
             <a:pPr marL="285750" indent="-285750">
               <a:buFont typeface="Arial" panose="020B0604020202020204" pitchFamily="34" charset="0"/>
               <a:buChar char="•"/>
             </a:pPr>
             <a:r>
-              <a:rPr lang="ru-RU" sz="2800" dirty="0"/>
-              <a:t>Функциональные требования</a:t>
-            </a:r>
-          </a:p>
-          <a:p>
-            <a:pPr marL="742950" lvl="1" indent="-285750">
-              <a:buFont typeface="Arial" panose="020B0604020202020204" pitchFamily="34" charset="0"/>
-              <a:buChar char="•"/>
-            </a:pPr>
-            <a:r>
               <a:rPr lang="ru-RU" sz="2000" dirty="0"/>
-              <a:t>Timelon должен обладать функцией создания карточек задач.</a:t>
-            </a:r>
-          </a:p>
-          <a:p>
-            <a:pPr marL="742950" lvl="1" indent="-285750">
+              <a:t>Тестирование библиотеки классов</a:t>
+            </a:r>
+          </a:p>
+          <a:p>
+            <a:pPr marL="285750" indent="-285750">
               <a:buFont typeface="Arial" panose="020B0604020202020204" pitchFamily="34" charset="0"/>
               <a:buChar char="•"/>
             </a:pPr>
             <a:r>
               <a:rPr lang="ru-RU" sz="2000" dirty="0"/>
-              <a:t>Timelon должен хранить карточки задач.</a:t>
-            </a:r>
-          </a:p>
-          <a:p>
-            <a:pPr marL="742950" lvl="1" indent="-285750">
+              <a:t>Тестирование реализованных в интерфейсе компонентов и функций</a:t>
+            </a:r>
+          </a:p>
+        </p:txBody>
+      </p:sp>
+      <p:sp>
+        <p:nvSpPr>
+          <p:cNvPr id="5" name="TextBox 4">
+            <a:extLst>
+              <a:ext uri="{FF2B5EF4-FFF2-40B4-BE49-F238E27FC236}">
+                <a16:creationId xmlns:a16="http://schemas.microsoft.com/office/drawing/2014/main" id="{76DB6899-86E7-4FD4-99BA-DC8AF36F213C}"/>
+              </a:ext>
+            </a:extLst>
+          </p:cNvPr>
+          <p:cNvSpPr txBox="1"/>
+          <p:nvPr/>
+        </p:nvSpPr>
+        <p:spPr>
+          <a:xfrm>
+            <a:off x="4166483" y="4198289"/>
+            <a:ext cx="4770782" cy="1631216"/>
+          </a:xfrm>
+          <a:prstGeom prst="rect">
+            <a:avLst/>
+          </a:prstGeom>
+          <a:noFill/>
+        </p:spPr>
+        <p:txBody>
+          <a:bodyPr wrap="square" rtlCol="0">
+            <a:spAutoFit/>
+          </a:bodyPr>
+          <a:lstStyle/>
+          <a:p>
+            <a:r>
+              <a:rPr lang="ru-RU" sz="2000" i="1" dirty="0"/>
+              <a:t>Типы тестирования:</a:t>
+            </a:r>
+          </a:p>
+          <a:p>
+            <a:endParaRPr lang="ru-RU" sz="2000" dirty="0"/>
+          </a:p>
+          <a:p>
+            <a:pPr marL="285750" indent="-285750">
               <a:buFont typeface="Arial" panose="020B0604020202020204" pitchFamily="34" charset="0"/>
               <a:buChar char="•"/>
             </a:pPr>
             <a:r>
               <a:rPr lang="ru-RU" sz="2000" dirty="0"/>
-              <a:t>Timelon должен обладать функцией создания списков для хранения нескольких карт задач.</a:t>
-            </a:r>
-          </a:p>
-          <a:p>
-            <a:pPr marL="742950" lvl="1" indent="-285750">
+              <a:t>Функциональное</a:t>
+            </a:r>
+          </a:p>
+          <a:p>
+            <a:pPr marL="285750" indent="-285750">
               <a:buFont typeface="Arial" panose="020B0604020202020204" pitchFamily="34" charset="0"/>
               <a:buChar char="•"/>
             </a:pPr>
             <a:r>
               <a:rPr lang="ru-RU" sz="2000" dirty="0"/>
-              <a:t>…</a:t>
-            </a:r>
-            <a:endParaRPr lang="ru-RU" sz="2800" dirty="0"/>
+              <a:t>Тестирование интерфейса</a:t>
+            </a:r>
           </a:p>
           <a:p>
             <a:pPr marL="285750" indent="-285750">
@@ -6129,73 +6378,16 @@
               <a:buChar char="•"/>
             </a:pPr>
             <a:r>
-              <a:rPr lang="ru-RU" sz="2800" dirty="0"/>
-              <a:t>Требования к интерфейсу</a:t>
-            </a:r>
-          </a:p>
-          <a:p>
-            <a:pPr marL="742950" lvl="1" indent="-285750">
-              <a:buFont typeface="Arial" panose="020B0604020202020204" pitchFamily="34" charset="0"/>
-              <a:buChar char="•"/>
-            </a:pPr>
-            <a:r>
               <a:rPr lang="ru-RU" sz="2000" dirty="0"/>
-              <a:t>На интерфейсе Timelon должно быть реализовано поле карточки задачи, отображающее основную информацию о задаче:</a:t>
-            </a:r>
-          </a:p>
-          <a:p>
-            <a:pPr marL="1200150" lvl="2" indent="-285750">
-              <a:buFont typeface="Arial" panose="020B0604020202020204" pitchFamily="34" charset="0"/>
-              <a:buChar char="•"/>
-            </a:pPr>
-            <a:r>
-              <a:rPr lang="ru-RU" sz="2000" dirty="0"/>
-              <a:t>статус выполнения</a:t>
-            </a:r>
-          </a:p>
-          <a:p>
-            <a:pPr marL="1200150" lvl="2" indent="-285750">
-              <a:buFont typeface="Arial" panose="020B0604020202020204" pitchFamily="34" charset="0"/>
-              <a:buChar char="•"/>
-            </a:pPr>
-            <a:r>
-              <a:rPr lang="ru-RU" sz="2000" dirty="0"/>
-              <a:t>название</a:t>
-            </a:r>
-          </a:p>
-          <a:p>
-            <a:pPr marL="1200150" lvl="2" indent="-285750">
-              <a:buFont typeface="Arial" panose="020B0604020202020204" pitchFamily="34" charset="0"/>
-              <a:buChar char="•"/>
-            </a:pPr>
-            <a:r>
-              <a:rPr lang="ru-RU" sz="2000" dirty="0"/>
-              <a:t>информация о важности</a:t>
-            </a:r>
-          </a:p>
-          <a:p>
-            <a:pPr marL="742950" lvl="1" indent="-285750">
-              <a:buFont typeface="Arial" panose="020B0604020202020204" pitchFamily="34" charset="0"/>
-              <a:buChar char="•"/>
-            </a:pPr>
-            <a:r>
-              <a:rPr lang="ru-RU" sz="2000" dirty="0"/>
-              <a:t>…</a:t>
-            </a:r>
-          </a:p>
-          <a:p>
-            <a:pPr marL="742950" lvl="1" indent="-285750">
-              <a:buFont typeface="Arial" panose="020B0604020202020204" pitchFamily="34" charset="0"/>
-              <a:buChar char="•"/>
-            </a:pPr>
-            <a:endParaRPr lang="ru-RU" sz="2800" dirty="0"/>
+              <a:t>Юзабилити-тестирование</a:t>
+            </a:r>
           </a:p>
         </p:txBody>
       </p:sp>
     </p:spTree>
     <p:extLst>
       <p:ext uri="{BB962C8B-B14F-4D97-AF65-F5344CB8AC3E}">
-        <p14:creationId xmlns:p14="http://schemas.microsoft.com/office/powerpoint/2010/main" val="3127280586"/>
+        <p14:creationId xmlns:p14="http://schemas.microsoft.com/office/powerpoint/2010/main" val="393638615"/>
       </p:ext>
     </p:extLst>
   </p:cSld>
@@ -6246,200 +6438,7 @@
           <a:p>
             <a:r>
               <a:rPr lang="ru-RU" dirty="0"/>
-              <a:t>Тест план</a:t>
-            </a:r>
-          </a:p>
-        </p:txBody>
-      </p:sp>
-      <p:sp>
-        <p:nvSpPr>
-          <p:cNvPr id="3" name="TextBox 2">
-            <a:extLst>
-              <a:ext uri="{FF2B5EF4-FFF2-40B4-BE49-F238E27FC236}">
-                <a16:creationId xmlns:a16="http://schemas.microsoft.com/office/drawing/2014/main" id="{F451546F-3AF1-42AC-9B97-43746690E48C}"/>
-              </a:ext>
-            </a:extLst>
-          </p:cNvPr>
-          <p:cNvSpPr txBox="1"/>
-          <p:nvPr/>
-        </p:nvSpPr>
-        <p:spPr>
-          <a:xfrm>
-            <a:off x="838201" y="1674674"/>
-            <a:ext cx="5257800" cy="2862322"/>
-          </a:xfrm>
-          <a:prstGeom prst="rect">
-            <a:avLst/>
-          </a:prstGeom>
-          <a:noFill/>
-        </p:spPr>
-        <p:txBody>
-          <a:bodyPr wrap="square" rtlCol="0">
-            <a:spAutoFit/>
-          </a:bodyPr>
-          <a:lstStyle/>
-          <a:p>
-            <a:r>
-              <a:rPr lang="ru-RU" sz="2000" i="1" dirty="0"/>
-              <a:t>Что такое тест-план</a:t>
-            </a:r>
-            <a:r>
-              <a:rPr lang="ru-RU" sz="2000" dirty="0"/>
-              <a:t>?</a:t>
-            </a:r>
-          </a:p>
-          <a:p>
-            <a:endParaRPr lang="ru-RU" sz="2000" dirty="0"/>
-          </a:p>
-          <a:p>
-            <a:r>
-              <a:rPr lang="ru-RU" sz="2000" dirty="0"/>
-              <a:t>Документ описывает методы и подходы к тестированию, которые будут</a:t>
-            </a:r>
-          </a:p>
-          <a:p>
-            <a:r>
-              <a:rPr lang="ru-RU" sz="2000" dirty="0"/>
-              <a:t>использоваться для тестирования приложения.</a:t>
-            </a:r>
-          </a:p>
-          <a:p>
-            <a:endParaRPr lang="ru-RU" sz="2000" dirty="0"/>
-          </a:p>
-          <a:p>
-            <a:endParaRPr lang="ru-RU" sz="2000" dirty="0"/>
-          </a:p>
-          <a:p>
-            <a:endParaRPr lang="ru-RU" sz="2000" dirty="0"/>
-          </a:p>
-        </p:txBody>
-      </p:sp>
-      <p:sp>
-        <p:nvSpPr>
-          <p:cNvPr id="4" name="TextBox 3">
-            <a:extLst>
-              <a:ext uri="{FF2B5EF4-FFF2-40B4-BE49-F238E27FC236}">
-                <a16:creationId xmlns:a16="http://schemas.microsoft.com/office/drawing/2014/main" id="{6929821F-63F7-48F7-9706-ACF0FC7C1092}"/>
-              </a:ext>
-            </a:extLst>
-          </p:cNvPr>
-          <p:cNvSpPr txBox="1"/>
-          <p:nvPr/>
-        </p:nvSpPr>
-        <p:spPr>
-          <a:xfrm>
-            <a:off x="6822219" y="1690688"/>
-            <a:ext cx="4627659" cy="1631216"/>
-          </a:xfrm>
-          <a:prstGeom prst="rect">
-            <a:avLst/>
-          </a:prstGeom>
-          <a:noFill/>
-        </p:spPr>
-        <p:txBody>
-          <a:bodyPr wrap="square" rtlCol="0">
-            <a:spAutoFit/>
-          </a:bodyPr>
-          <a:lstStyle/>
-          <a:p>
-            <a:r>
-              <a:rPr lang="ru-RU" sz="2000" i="1" dirty="0"/>
-              <a:t>Область тестирования</a:t>
-            </a:r>
-            <a:r>
-              <a:rPr lang="ru-RU" sz="2000" dirty="0"/>
-              <a:t>:</a:t>
-            </a:r>
-          </a:p>
-          <a:p>
-            <a:endParaRPr lang="ru-RU" sz="2000" dirty="0"/>
-          </a:p>
-          <a:p>
-            <a:pPr marL="285750" indent="-285750">
-              <a:buFont typeface="Arial" panose="020B0604020202020204" pitchFamily="34" charset="0"/>
-              <a:buChar char="•"/>
-            </a:pPr>
-            <a:r>
-              <a:rPr lang="ru-RU" sz="2000" dirty="0"/>
-              <a:t>Тестирование библиотеки классов</a:t>
-            </a:r>
-          </a:p>
-          <a:p>
-            <a:pPr marL="285750" indent="-285750">
-              <a:buFont typeface="Arial" panose="020B0604020202020204" pitchFamily="34" charset="0"/>
-              <a:buChar char="•"/>
-            </a:pPr>
-            <a:r>
-              <a:rPr lang="ru-RU" sz="2000" dirty="0"/>
-              <a:t>Тестирование реализованных в интерфейсе компонентов и функций</a:t>
-            </a:r>
-          </a:p>
-        </p:txBody>
-      </p:sp>
-      <p:sp>
-        <p:nvSpPr>
-          <p:cNvPr id="5" name="TextBox 4">
-            <a:extLst>
-              <a:ext uri="{FF2B5EF4-FFF2-40B4-BE49-F238E27FC236}">
-                <a16:creationId xmlns:a16="http://schemas.microsoft.com/office/drawing/2014/main" id="{76DB6899-86E7-4FD4-99BA-DC8AF36F213C}"/>
-              </a:ext>
-            </a:extLst>
-          </p:cNvPr>
-          <p:cNvSpPr txBox="1"/>
-          <p:nvPr/>
-        </p:nvSpPr>
-        <p:spPr>
-          <a:xfrm>
-            <a:off x="4166483" y="4198289"/>
-            <a:ext cx="4770782" cy="1631216"/>
-          </a:xfrm>
-          <a:prstGeom prst="rect">
-            <a:avLst/>
-          </a:prstGeom>
-          <a:noFill/>
-        </p:spPr>
-        <p:txBody>
-          <a:bodyPr wrap="square" rtlCol="0">
-            <a:spAutoFit/>
-          </a:bodyPr>
-          <a:lstStyle/>
-          <a:p>
-            <a:r>
-              <a:rPr lang="ru-RU" sz="2000" i="1" dirty="0"/>
-              <a:t>Типы тестирования:</a:t>
-            </a:r>
-          </a:p>
-          <a:p>
-            <a:endParaRPr lang="ru-RU" sz="2000" dirty="0"/>
-          </a:p>
-          <a:p>
-            <a:pPr marL="285750" indent="-285750">
-              <a:buFont typeface="Arial" panose="020B0604020202020204" pitchFamily="34" charset="0"/>
-              <a:buChar char="•"/>
-            </a:pPr>
-            <a:r>
-              <a:rPr lang="ru-RU" sz="2000" dirty="0"/>
-              <a:t>Функциональное</a:t>
-            </a:r>
-          </a:p>
-          <a:p>
-            <a:pPr marL="285750" indent="-285750">
-              <a:buFont typeface="Arial" panose="020B0604020202020204" pitchFamily="34" charset="0"/>
-              <a:buChar char="•"/>
-            </a:pPr>
-            <a:r>
-              <a:rPr lang="ru-RU" sz="2000" dirty="0"/>
-              <a:t>Тестирование интерфейса</a:t>
-            </a:r>
-          </a:p>
-          <a:p>
-            <a:pPr marL="285750" indent="-285750">
-              <a:buFont typeface="Arial" panose="020B0604020202020204" pitchFamily="34" charset="0"/>
-              <a:buChar char="•"/>
-            </a:pPr>
-            <a:r>
-              <a:rPr lang="ru-RU" sz="2000" dirty="0"/>
-              <a:t>Юзабилити-тестирование</a:t>
+              <a:t>Методы тестирования</a:t>
             </a:r>
           </a:p>
         </p:txBody>
@@ -6447,7 +6446,7 @@
     </p:spTree>
     <p:extLst>
       <p:ext uri="{BB962C8B-B14F-4D97-AF65-F5344CB8AC3E}">
-        <p14:creationId xmlns:p14="http://schemas.microsoft.com/office/powerpoint/2010/main" val="393638615"/>
+        <p14:creationId xmlns:p14="http://schemas.microsoft.com/office/powerpoint/2010/main" val="2362220205"/>
       </p:ext>
     </p:extLst>
   </p:cSld>
@@ -6498,7 +6497,7 @@
           <a:p>
             <a:r>
               <a:rPr lang="ru-RU" dirty="0"/>
-              <a:t>Методы тестирования</a:t>
+              <a:t>Отчет о тестировании</a:t>
             </a:r>
           </a:p>
         </p:txBody>
@@ -6506,7 +6505,7 @@
     </p:spTree>
     <p:extLst>
       <p:ext uri="{BB962C8B-B14F-4D97-AF65-F5344CB8AC3E}">
-        <p14:creationId xmlns:p14="http://schemas.microsoft.com/office/powerpoint/2010/main" val="2362220205"/>
+        <p14:creationId xmlns:p14="http://schemas.microsoft.com/office/powerpoint/2010/main" val="2947701087"/>
       </p:ext>
     </p:extLst>
   </p:cSld>
@@ -6557,7 +6556,7 @@
           <a:p>
             <a:r>
               <a:rPr lang="ru-RU" dirty="0"/>
-              <a:t>Отчет о тестировании</a:t>
+              <a:t>Выводы</a:t>
             </a:r>
           </a:p>
         </p:txBody>
@@ -6565,7 +6564,7 @@
     </p:spTree>
     <p:extLst>
       <p:ext uri="{BB962C8B-B14F-4D97-AF65-F5344CB8AC3E}">
-        <p14:creationId xmlns:p14="http://schemas.microsoft.com/office/powerpoint/2010/main" val="2947701087"/>
+        <p14:creationId xmlns:p14="http://schemas.microsoft.com/office/powerpoint/2010/main" val="1903829905"/>
       </p:ext>
     </p:extLst>
   </p:cSld>
@@ -6616,65 +6615,6 @@
           <a:p>
             <a:r>
               <a:rPr lang="ru-RU" dirty="0"/>
-              <a:t>Выводы</a:t>
-            </a:r>
-          </a:p>
-        </p:txBody>
-      </p:sp>
-    </p:spTree>
-    <p:extLst>
-      <p:ext uri="{BB962C8B-B14F-4D97-AF65-F5344CB8AC3E}">
-        <p14:creationId xmlns:p14="http://schemas.microsoft.com/office/powerpoint/2010/main" val="1903829905"/>
-      </p:ext>
-    </p:extLst>
-  </p:cSld>
-  <p:clrMapOvr>
-    <a:masterClrMapping/>
-  </p:clrMapOvr>
-  <p:timing>
-    <p:tnLst>
-      <p:par>
-        <p:cTn id="1" dur="indefinite" restart="never" nodeType="tmRoot"/>
-      </p:par>
-    </p:tnLst>
-  </p:timing>
-</p:sld>
-</file>
-
-<file path=ppt/slides/slide28.xml><?xml version="1.0" encoding="utf-8"?>
-<p:sld xmlns:a="http://schemas.openxmlformats.org/drawingml/2006/main" xmlns:r="http://schemas.openxmlformats.org/officeDocument/2006/relationships" xmlns:p="http://schemas.openxmlformats.org/presentationml/2006/main">
-  <p:cSld>
-    <p:spTree>
-      <p:nvGrpSpPr>
-        <p:cNvPr id="1" name=""/>
-        <p:cNvGrpSpPr/>
-        <p:nvPr/>
-      </p:nvGrpSpPr>
-      <p:grpSpPr>
-        <a:xfrm>
-          <a:off x="0" y="0"/>
-          <a:ext cx="0" cy="0"/>
-          <a:chOff x="0" y="0"/>
-          <a:chExt cx="0" cy="0"/>
-        </a:xfrm>
-      </p:grpSpPr>
-      <p:sp>
-        <p:nvSpPr>
-          <p:cNvPr id="2" name="Заголовок 1"/>
-          <p:cNvSpPr>
-            <a:spLocks noGrp="1"/>
-          </p:cNvSpPr>
-          <p:nvPr>
-            <p:ph type="title"/>
-          </p:nvPr>
-        </p:nvSpPr>
-        <p:spPr/>
-        <p:txBody>
-          <a:bodyPr/>
-          <a:lstStyle/>
-          <a:p>
-            <a:r>
-              <a:rPr lang="ru-RU" dirty="0"/>
               <a:t>Практическая ценность</a:t>
             </a:r>
           </a:p>
@@ -6700,7 +6640,7 @@
 </p:sld>
 </file>
 
-<file path=ppt/slides/slide29.xml><?xml version="1.0" encoding="utf-8"?>
+<file path=ppt/slides/slide28.xml><?xml version="1.0" encoding="utf-8"?>
 <p:sld xmlns:a="http://schemas.openxmlformats.org/drawingml/2006/main" xmlns:r="http://schemas.openxmlformats.org/officeDocument/2006/relationships" xmlns:p="http://schemas.openxmlformats.org/presentationml/2006/main">
   <p:cSld>
     <p:spTree>
@@ -7639,15 +7579,129 @@
           <a:p>
             <a:r>
               <a:rPr lang="ru-RU" dirty="0"/>
-              <a:t>Работа с пользователем</a:t>
-            </a:r>
+              <a:t>Работа с </a:t>
+            </a:r>
+            <a:r>
+              <a:rPr lang="ru-RU" dirty="0" smtClean="0"/>
+              <a:t>пользователем. Цели</a:t>
+            </a:r>
+            <a:endParaRPr lang="ru-RU" dirty="0"/>
+          </a:p>
+        </p:txBody>
+      </p:sp>
+      <p:sp>
+        <p:nvSpPr>
+          <p:cNvPr id="3" name="TextBox 2"/>
+          <p:cNvSpPr txBox="1"/>
+          <p:nvPr/>
+        </p:nvSpPr>
+        <p:spPr>
+          <a:xfrm>
+            <a:off x="838200" y="1690688"/>
+            <a:ext cx="4923905" cy="1384995"/>
+          </a:xfrm>
+          <a:prstGeom prst="rect">
+            <a:avLst/>
+          </a:prstGeom>
+          <a:noFill/>
+        </p:spPr>
+        <p:txBody>
+          <a:bodyPr wrap="square" rtlCol="0">
+            <a:spAutoFit/>
+          </a:bodyPr>
+          <a:lstStyle/>
+          <a:p>
+            <a:pPr marL="285750" indent="-285750">
+              <a:buFont typeface="Arial" panose="020B0604020202020204" pitchFamily="34" charset="0"/>
+              <a:buChar char="•"/>
+            </a:pPr>
+            <a:r>
+              <a:rPr lang="ru-RU" sz="2800" dirty="0" smtClean="0"/>
+              <a:t>Привлечение пользователя</a:t>
+            </a:r>
+          </a:p>
+          <a:p>
+            <a:pPr marL="285750" indent="-285750">
+              <a:buFont typeface="Arial" panose="020B0604020202020204" pitchFamily="34" charset="0"/>
+              <a:buChar char="•"/>
+            </a:pPr>
+            <a:r>
+              <a:rPr lang="ru-RU" sz="2800" dirty="0" smtClean="0"/>
+              <a:t>Удержание пользователя</a:t>
+            </a:r>
+          </a:p>
+          <a:p>
+            <a:pPr marL="285750" indent="-285750">
+              <a:buFont typeface="Arial" panose="020B0604020202020204" pitchFamily="34" charset="0"/>
+              <a:buChar char="•"/>
+            </a:pPr>
+            <a:r>
+              <a:rPr lang="ru-RU" sz="2800" dirty="0" smtClean="0"/>
+              <a:t>Практичность использования</a:t>
+            </a:r>
+            <a:endParaRPr lang="ru-RU" sz="2800" dirty="0"/>
+          </a:p>
+        </p:txBody>
+      </p:sp>
+      <p:sp>
+        <p:nvSpPr>
+          <p:cNvPr id="4" name="TextBox 3"/>
+          <p:cNvSpPr txBox="1"/>
+          <p:nvPr/>
+        </p:nvSpPr>
+        <p:spPr>
+          <a:xfrm>
+            <a:off x="8348750" y="4263160"/>
+            <a:ext cx="3005050" cy="1384995"/>
+          </a:xfrm>
+          <a:prstGeom prst="rect">
+            <a:avLst/>
+          </a:prstGeom>
+          <a:noFill/>
+        </p:spPr>
+        <p:txBody>
+          <a:bodyPr wrap="square" rtlCol="0">
+            <a:spAutoFit/>
+          </a:bodyPr>
+          <a:lstStyle/>
+          <a:p>
+            <a:pPr marL="285750" indent="-285750">
+              <a:buFont typeface="Arial" panose="020B0604020202020204" pitchFamily="34" charset="0"/>
+              <a:buChar char="•"/>
+            </a:pPr>
+            <a:r>
+              <a:rPr lang="ru-RU" sz="2800" dirty="0"/>
+              <a:t>Внешний вид </a:t>
+            </a:r>
+            <a:endParaRPr lang="ru-RU" sz="2800" dirty="0" smtClean="0"/>
+          </a:p>
+          <a:p>
+            <a:pPr marL="285750" indent="-285750">
+              <a:buFont typeface="Arial" panose="020B0604020202020204" pitchFamily="34" charset="0"/>
+              <a:buChar char="•"/>
+            </a:pPr>
+            <a:r>
+              <a:rPr lang="ru-RU" sz="2800" dirty="0" smtClean="0"/>
+              <a:t>Быстродействие </a:t>
+            </a:r>
+          </a:p>
+          <a:p>
+            <a:pPr marL="285750" indent="-285750">
+              <a:buFont typeface="Arial" panose="020B0604020202020204" pitchFamily="34" charset="0"/>
+              <a:buChar char="•"/>
+            </a:pPr>
+            <a:r>
+              <a:rPr lang="ru-RU" sz="2800" dirty="0" smtClean="0"/>
+              <a:t>Подсказки</a:t>
+            </a:r>
+            <a:endParaRPr lang="ru-RU" sz="2800" dirty="0"/>
           </a:p>
         </p:txBody>
       </p:sp>
     </p:spTree>
     <p:extLst>
       <p:ext uri="{BB962C8B-B14F-4D97-AF65-F5344CB8AC3E}">
-        <p14:creationId xmlns:p14="http://schemas.microsoft.com/office/powerpoint/2010/main" val="3204918820"/>
+        <p14:creationId xmlns:p14="http://schemas.microsoft.com/office/powerpoint/2010/main" val="2582527172"/>
       </p:ext>
     </p:extLst>
   </p:cSld>
@@ -7703,10 +7757,131 @@
           </a:p>
         </p:txBody>
       </p:sp>
+      <p:pic>
+        <p:nvPicPr>
+          <p:cNvPr id="1026" name="Picture 2" descr="https://cdn.discordapp.com/attachments/685921784960122903/1053032577654607982/image.png"/>
+          <p:cNvPicPr>
+            <a:picLocks noChangeAspect="1" noChangeArrowheads="1"/>
+          </p:cNvPicPr>
+          <p:nvPr/>
+        </p:nvPicPr>
+        <p:blipFill>
+          <a:blip r:embed="rId2">
+            <a:extLst>
+              <a:ext uri="{28A0092B-C50C-407E-A947-70E740481C1C}">
+                <a14:useLocalDpi xmlns:a14="http://schemas.microsoft.com/office/drawing/2010/main" val="0"/>
+              </a:ext>
+            </a:extLst>
+          </a:blip>
+          <a:srcRect/>
+          <a:stretch>
+            <a:fillRect/>
+          </a:stretch>
+        </p:blipFill>
+        <p:spPr bwMode="auto">
+          <a:xfrm>
+            <a:off x="206432" y="1442383"/>
+            <a:ext cx="6961631" cy="5216112"/>
+          </a:xfrm>
+          <a:prstGeom prst="rect">
+            <a:avLst/>
+          </a:prstGeom>
+          <a:noFill/>
+          <a:extLst>
+            <a:ext uri="{909E8E84-426E-40DD-AFC4-6F175D3DCCD1}">
+              <a14:hiddenFill xmlns:a14="http://schemas.microsoft.com/office/drawing/2010/main">
+                <a:solidFill>
+                  <a:srgbClr val="FFFFFF"/>
+                </a:solidFill>
+              </a14:hiddenFill>
+            </a:ext>
+          </a:extLst>
+        </p:spPr>
+      </p:pic>
+      <p:sp>
+        <p:nvSpPr>
+          <p:cNvPr id="4" name="TextBox 3"/>
+          <p:cNvSpPr txBox="1"/>
+          <p:nvPr/>
+        </p:nvSpPr>
+        <p:spPr>
+          <a:xfrm>
+            <a:off x="7268095" y="2820430"/>
+            <a:ext cx="4923905" cy="2677656"/>
+          </a:xfrm>
+          <a:prstGeom prst="rect">
+            <a:avLst/>
+          </a:prstGeom>
+          <a:noFill/>
+        </p:spPr>
+        <p:txBody>
+          <a:bodyPr wrap="square" rtlCol="0">
+            <a:spAutoFit/>
+          </a:bodyPr>
+          <a:lstStyle/>
+          <a:p>
+            <a:pPr marL="285750" indent="-285750">
+              <a:buFont typeface="Arial" panose="020B0604020202020204" pitchFamily="34" charset="0"/>
+              <a:buChar char="•"/>
+            </a:pPr>
+            <a:r>
+              <a:rPr lang="ru-RU" sz="2400" dirty="0" smtClean="0"/>
+              <a:t>Привлекательная цветовая гамма</a:t>
+            </a:r>
+          </a:p>
+          <a:p>
+            <a:pPr marL="285750" indent="-285750">
+              <a:buFont typeface="Arial" panose="020B0604020202020204" pitchFamily="34" charset="0"/>
+              <a:buChar char="•"/>
+            </a:pPr>
+            <a:r>
+              <a:rPr lang="ru-RU" sz="2400" dirty="0" smtClean="0"/>
+              <a:t>Читаемые шрифты</a:t>
+            </a:r>
+          </a:p>
+          <a:p>
+            <a:pPr marL="285750" indent="-285750">
+              <a:buFont typeface="Arial" panose="020B0604020202020204" pitchFamily="34" charset="0"/>
+              <a:buChar char="•"/>
+            </a:pPr>
+            <a:r>
+              <a:rPr lang="ru-RU" sz="2400" dirty="0" smtClean="0"/>
+              <a:t>Цвет определяет функцию</a:t>
+            </a:r>
+          </a:p>
+          <a:p>
+            <a:pPr marL="285750" indent="-285750">
+              <a:buFont typeface="Arial" panose="020B0604020202020204" pitchFamily="34" charset="0"/>
+              <a:buChar char="•"/>
+            </a:pPr>
+            <a:r>
+              <a:rPr lang="ru-RU" sz="2400" dirty="0" smtClean="0"/>
+              <a:t>Контраст выделяет функциональные блоки</a:t>
+            </a:r>
+          </a:p>
+          <a:p>
+            <a:pPr marL="285750" indent="-285750">
+              <a:buFont typeface="Arial" panose="020B0604020202020204" pitchFamily="34" charset="0"/>
+              <a:buChar char="•"/>
+            </a:pPr>
+            <a:r>
+              <a:rPr lang="ru-RU" sz="2400" dirty="0"/>
+              <a:t>Интуитивно понятный интерфейс</a:t>
+            </a:r>
+          </a:p>
+          <a:p>
+            <a:pPr marL="285750" indent="-285750">
+              <a:buFont typeface="Arial" panose="020B0604020202020204" pitchFamily="34" charset="0"/>
+              <a:buChar char="•"/>
+            </a:pPr>
+            <a:endParaRPr lang="ru-RU" sz="2400" dirty="0"/>
+          </a:p>
+        </p:txBody>
+      </p:sp>
     </p:spTree>
     <p:extLst>
       <p:ext uri="{BB962C8B-B14F-4D97-AF65-F5344CB8AC3E}">
-        <p14:creationId xmlns:p14="http://schemas.microsoft.com/office/powerpoint/2010/main" val="3745306505"/>
+        <p14:creationId xmlns:p14="http://schemas.microsoft.com/office/powerpoint/2010/main" val="3218578930"/>
       </p:ext>
     </p:extLst>
   </p:cSld>
@@ -7756,16 +7931,122 @@
           <a:lstStyle/>
           <a:p>
             <a:r>
-              <a:rPr lang="ru-RU" dirty="0"/>
-              <a:t>Быстродействие</a:t>
-            </a:r>
-          </a:p>
-        </p:txBody>
-      </p:sp>
+              <a:rPr lang="ru-RU" dirty="0" smtClean="0"/>
+              <a:t>Быстродействие программы обеспечивает</a:t>
+            </a:r>
+            <a:endParaRPr lang="ru-RU" dirty="0"/>
+          </a:p>
+        </p:txBody>
+      </p:sp>
+      <p:sp>
+        <p:nvSpPr>
+          <p:cNvPr id="3" name="TextBox 2"/>
+          <p:cNvSpPr txBox="1"/>
+          <p:nvPr/>
+        </p:nvSpPr>
+        <p:spPr>
+          <a:xfrm>
+            <a:off x="838200" y="2206077"/>
+            <a:ext cx="7399713" cy="2554545"/>
+          </a:xfrm>
+          <a:prstGeom prst="rect">
+            <a:avLst/>
+          </a:prstGeom>
+          <a:noFill/>
+        </p:spPr>
+        <p:txBody>
+          <a:bodyPr wrap="square" rtlCol="0">
+            <a:spAutoFit/>
+          </a:bodyPr>
+          <a:lstStyle/>
+          <a:p>
+            <a:pPr marL="285750" indent="-285750">
+              <a:buFont typeface="Arial" panose="020B0604020202020204" pitchFamily="34" charset="0"/>
+              <a:buChar char="•"/>
+            </a:pPr>
+            <a:r>
+              <a:rPr lang="ru-RU" sz="3200" dirty="0" smtClean="0"/>
+              <a:t>Быстрый доступ к информации</a:t>
+            </a:r>
+          </a:p>
+          <a:p>
+            <a:pPr marL="285750" indent="-285750">
+              <a:buFont typeface="Arial" panose="020B0604020202020204" pitchFamily="34" charset="0"/>
+              <a:buChar char="•"/>
+            </a:pPr>
+            <a:r>
+              <a:rPr lang="ru-RU" sz="3200" dirty="0" smtClean="0"/>
+              <a:t>Возможность работы с большим объемом данных</a:t>
+            </a:r>
+          </a:p>
+          <a:p>
+            <a:pPr marL="285750" indent="-285750">
+              <a:buFont typeface="Arial" panose="020B0604020202020204" pitchFamily="34" charset="0"/>
+              <a:buChar char="•"/>
+            </a:pPr>
+            <a:r>
+              <a:rPr lang="ru-RU" sz="3200" dirty="0" smtClean="0"/>
+              <a:t>Концентрацию на выполнении задач</a:t>
+            </a:r>
+          </a:p>
+          <a:p>
+            <a:pPr marL="285750" indent="-285750">
+              <a:buFont typeface="Arial" panose="020B0604020202020204" pitchFamily="34" charset="0"/>
+              <a:buChar char="•"/>
+            </a:pPr>
+            <a:r>
+              <a:rPr lang="ru-RU" sz="3200" dirty="0" smtClean="0"/>
+              <a:t>Малые затраты ресурсов компьютера</a:t>
+            </a:r>
+            <a:endParaRPr lang="ru-RU" sz="3200" dirty="0"/>
+          </a:p>
+        </p:txBody>
+      </p:sp>
+      <p:pic>
+        <p:nvPicPr>
+          <p:cNvPr id="2058" name="Picture 10" descr="Как проверить монитор на работоспособность в магазине и дома?"/>
+          <p:cNvPicPr>
+            <a:picLocks noChangeAspect="1" noChangeArrowheads="1"/>
+          </p:cNvPicPr>
+          <p:nvPr/>
+        </p:nvPicPr>
+        <p:blipFill>
+          <a:blip r:embed="rId2">
+            <a:extLst>
+              <a:ext uri="{28A0092B-C50C-407E-A947-70E740481C1C}">
+                <a14:useLocalDpi xmlns:a14="http://schemas.microsoft.com/office/drawing/2010/main" val="0"/>
+              </a:ext>
+            </a:extLst>
+          </a:blip>
+          <a:srcRect/>
+          <a:stretch>
+            <a:fillRect/>
+          </a:stretch>
+        </p:blipFill>
+        <p:spPr bwMode="auto">
+          <a:xfrm>
+            <a:off x="8950440" y="3629874"/>
+            <a:ext cx="2693610" cy="2101016"/>
+          </a:xfrm>
+          <a:prstGeom prst="rect">
+            <a:avLst/>
+          </a:prstGeom>
+          <a:noFill/>
+          <a:extLst>
+            <a:ext uri="{909E8E84-426E-40DD-AFC4-6F175D3DCCD1}">
+              <a14:hiddenFill xmlns:a14="http://schemas.microsoft.com/office/drawing/2010/main">
+                <a:solidFill>
+                  <a:srgbClr val="FFFFFF"/>
+                </a:solidFill>
+              </a14:hiddenFill>
+            </a:ext>
+          </a:extLst>
+        </p:spPr>
+      </p:pic>
     </p:spTree>
     <p:extLst>
       <p:ext uri="{BB962C8B-B14F-4D97-AF65-F5344CB8AC3E}">
-        <p14:creationId xmlns:p14="http://schemas.microsoft.com/office/powerpoint/2010/main" val="653031546"/>
+        <p14:creationId xmlns:p14="http://schemas.microsoft.com/office/powerpoint/2010/main" val="2030800712"/>
       </p:ext>
     </p:extLst>
   </p:cSld>
@@ -7816,28 +8097,115 @@
           <a:p>
             <a:r>
               <a:rPr lang="ru-RU" dirty="0"/>
-              <a:t>Сохранение данных</a:t>
-            </a:r>
+              <a:t>Подсказки</a:t>
+            </a:r>
+          </a:p>
+        </p:txBody>
+      </p:sp>
+      <p:pic>
+        <p:nvPicPr>
+          <p:cNvPr id="3" name="Рисунок 2"/>
+          <p:cNvPicPr>
+            <a:picLocks noChangeAspect="1"/>
+          </p:cNvPicPr>
+          <p:nvPr/>
+        </p:nvPicPr>
+        <p:blipFill>
+          <a:blip r:embed="rId2"/>
+          <a:stretch>
+            <a:fillRect/>
+          </a:stretch>
+        </p:blipFill>
+        <p:spPr>
+          <a:xfrm>
+            <a:off x="4991099" y="1344929"/>
+            <a:ext cx="6971340" cy="5220000"/>
+          </a:xfrm>
+          <a:prstGeom prst="rect">
+            <a:avLst/>
+          </a:prstGeom>
+        </p:spPr>
+      </p:pic>
+      <p:sp>
+        <p:nvSpPr>
+          <p:cNvPr id="5" name="TextBox 4"/>
+          <p:cNvSpPr txBox="1"/>
+          <p:nvPr/>
+        </p:nvSpPr>
+        <p:spPr>
+          <a:xfrm>
+            <a:off x="67194" y="2687697"/>
+            <a:ext cx="4923905" cy="1938992"/>
+          </a:xfrm>
+          <a:prstGeom prst="rect">
+            <a:avLst/>
+          </a:prstGeom>
+          <a:noFill/>
+        </p:spPr>
+        <p:txBody>
+          <a:bodyPr wrap="square" rtlCol="0">
+            <a:spAutoFit/>
+          </a:bodyPr>
+          <a:lstStyle/>
+          <a:p>
+            <a:pPr marL="285750" indent="-285750">
+              <a:buFont typeface="Arial" panose="020B0604020202020204" pitchFamily="34" charset="0"/>
+              <a:buChar char="•"/>
+            </a:pPr>
+            <a:r>
+              <a:rPr lang="ru-RU" sz="2400" dirty="0" smtClean="0"/>
+              <a:t>Начальный экран</a:t>
+            </a:r>
+          </a:p>
+          <a:p>
+            <a:pPr marL="285750" indent="-285750">
+              <a:buFont typeface="Arial" panose="020B0604020202020204" pitchFamily="34" charset="0"/>
+              <a:buChar char="•"/>
+            </a:pPr>
+            <a:r>
+              <a:rPr lang="ru-RU" sz="2400" dirty="0" smtClean="0"/>
+              <a:t>Говорящий вид кнопок</a:t>
+            </a:r>
+          </a:p>
+          <a:p>
+            <a:pPr marL="285750" indent="-285750">
+              <a:buFont typeface="Arial" panose="020B0604020202020204" pitchFamily="34" charset="0"/>
+              <a:buChar char="•"/>
+            </a:pPr>
+            <a:r>
+              <a:rPr lang="ru-RU" sz="2400" dirty="0" smtClean="0"/>
+              <a:t>Навигация по программе</a:t>
+            </a:r>
+          </a:p>
+          <a:p>
+            <a:pPr marL="285750" indent="-285750">
+              <a:buFont typeface="Arial" panose="020B0604020202020204" pitchFamily="34" charset="0"/>
+              <a:buChar char="•"/>
+            </a:pPr>
+            <a:r>
+              <a:rPr lang="ru-RU" sz="2400" dirty="0" smtClean="0"/>
+              <a:t>Подтверждение действий</a:t>
+            </a:r>
+          </a:p>
+          <a:p>
+            <a:pPr marL="285750" indent="-285750">
+              <a:buFont typeface="Arial" panose="020B0604020202020204" pitchFamily="34" charset="0"/>
+              <a:buChar char="•"/>
+            </a:pPr>
+            <a:endParaRPr lang="ru-RU" sz="2400" dirty="0"/>
           </a:p>
         </p:txBody>
       </p:sp>
     </p:spTree>
     <p:extLst>
       <p:ext uri="{BB962C8B-B14F-4D97-AF65-F5344CB8AC3E}">
-        <p14:creationId xmlns:p14="http://schemas.microsoft.com/office/powerpoint/2010/main" val="2575123166"/>
+        <p14:creationId xmlns:p14="http://schemas.microsoft.com/office/powerpoint/2010/main" val="562453498"/>
       </p:ext>
     </p:extLst>
   </p:cSld>
   <p:clrMapOvr>
     <a:masterClrMapping/>
   </p:clrMapOvr>
-  <p:timing>
-    <p:tnLst>
-      <p:par>
-        <p:cTn id="1" dur="indefinite" restart="never" nodeType="tmRoot"/>
-      </p:par>
-    </p:tnLst>
-  </p:timing>
 </p:sld>
 </file>
 

--- a/docs/Timelon.pptx
+++ b/docs/Timelon.pptx
@@ -23,16 +23,15 @@
     <p:sldId id="267" r:id="rId17"/>
     <p:sldId id="268" r:id="rId18"/>
     <p:sldId id="290" r:id="rId19"/>
-    <p:sldId id="263" r:id="rId20"/>
-    <p:sldId id="282" r:id="rId21"/>
-    <p:sldId id="283" r:id="rId22"/>
-    <p:sldId id="284" r:id="rId23"/>
-    <p:sldId id="285" r:id="rId24"/>
-    <p:sldId id="286" r:id="rId25"/>
-    <p:sldId id="288" r:id="rId26"/>
-    <p:sldId id="289" r:id="rId27"/>
-    <p:sldId id="264" r:id="rId28"/>
-    <p:sldId id="266" r:id="rId29"/>
+    <p:sldId id="282" r:id="rId20"/>
+    <p:sldId id="283" r:id="rId21"/>
+    <p:sldId id="284" r:id="rId22"/>
+    <p:sldId id="285" r:id="rId23"/>
+    <p:sldId id="286" r:id="rId24"/>
+    <p:sldId id="295" r:id="rId25"/>
+    <p:sldId id="289" r:id="rId26"/>
+    <p:sldId id="264" r:id="rId27"/>
+    <p:sldId id="266" r:id="rId28"/>
   </p:sldIdLst>
   <p:sldSz cx="12192000" cy="6858000"/>
   <p:notesSz cx="6858000" cy="9144000"/>
@@ -133,7 +132,7 @@
   </p:defaultTextStyle>
   <p:extLst>
     <p:ext uri="{EFAFB233-063F-42B5-8137-9DF3F51BA10A}">
-      <p15:sldGuideLst xmlns:p15="http://schemas.microsoft.com/office/powerpoint/2012/main"/>
+      <p15:sldGuideLst xmlns:p15="http://schemas.microsoft.com/office/powerpoint/2012/main" xmlns=""/>
     </p:ext>
   </p:extLst>
 </p:presentation>
@@ -5372,114 +5371,53 @@
             <p:ph type="title"/>
           </p:nvPr>
         </p:nvSpPr>
+        <p:spPr/>
+        <p:txBody>
+          <a:bodyPr/>
+          <a:lstStyle/>
+          <a:p>
+            <a:r>
+              <a:rPr lang="ru-RU" dirty="0"/>
+              <a:t>Тестирование</a:t>
+            </a:r>
+          </a:p>
+        </p:txBody>
+      </p:sp>
+      <p:sp>
+        <p:nvSpPr>
+          <p:cNvPr id="3" name="TextBox 2">
+            <a:extLst>
+              <a:ext uri="{FF2B5EF4-FFF2-40B4-BE49-F238E27FC236}">
+                <a16:creationId xmlns:a16="http://schemas.microsoft.com/office/drawing/2014/main" xmlns="" id="{4C7D212D-B684-491A-8C10-17B8B661A75D}"/>
+              </a:ext>
+            </a:extLst>
+          </p:cNvPr>
+          <p:cNvSpPr txBox="1"/>
+          <p:nvPr/>
+        </p:nvSpPr>
         <p:spPr>
           <a:xfrm>
-            <a:off x="838200" y="288180"/>
-            <a:ext cx="10515600" cy="1325563"/>
-          </a:xfrm>
-        </p:spPr>
-        <p:txBody>
-          <a:bodyPr/>
-          <a:lstStyle/>
-          <a:p>
-            <a:r>
-              <a:rPr lang="ru-RU" dirty="0"/>
-              <a:t>Тестирование</a:t>
-            </a:r>
-          </a:p>
-        </p:txBody>
-      </p:sp>
-      <p:sp>
-        <p:nvSpPr>
-          <p:cNvPr id="3" name="Прямоугольник 2"/>
-          <p:cNvSpPr/>
-          <p:nvPr/>
-        </p:nvSpPr>
-        <p:spPr>
-          <a:xfrm>
-            <a:off x="838200" y="1321356"/>
-            <a:ext cx="8848897" cy="584775"/>
+            <a:off x="2629231" y="2282024"/>
+            <a:ext cx="6933538" cy="2677656"/>
           </a:xfrm>
           <a:prstGeom prst="rect">
             <a:avLst/>
           </a:prstGeom>
+          <a:noFill/>
         </p:spPr>
         <p:txBody>
-          <a:bodyPr wrap="none">
+          <a:bodyPr wrap="square" rtlCol="0">
             <a:spAutoFit/>
           </a:bodyPr>
           <a:lstStyle/>
           <a:p>
-            <a:r>
-              <a:rPr lang="ru-RU" sz="3200" dirty="0">
-                <a:latin typeface="+mj-lt"/>
-              </a:rPr>
-              <a:t>Консольный проект </a:t>
-            </a:r>
-            <a:r>
-              <a:rPr lang="en-US" sz="3200" dirty="0" err="1">
-                <a:latin typeface="+mj-lt"/>
-              </a:rPr>
-              <a:t>ConsoleTest.cs</a:t>
-            </a:r>
-            <a:r>
-              <a:rPr lang="en-US" sz="3200" dirty="0">
-                <a:latin typeface="+mj-lt"/>
-              </a:rPr>
-              <a:t> </a:t>
-            </a:r>
-            <a:r>
-              <a:rPr lang="ru-RU" sz="3200" dirty="0">
-                <a:latin typeface="+mj-lt"/>
-              </a:rPr>
-              <a:t>и </a:t>
-            </a:r>
-            <a:r>
-              <a:rPr lang="en-US" sz="3200" dirty="0" err="1">
-                <a:latin typeface="+mj-lt"/>
-              </a:rPr>
-              <a:t>Randomizer.cs</a:t>
-            </a:r>
-            <a:endParaRPr lang="en-US" sz="3200" dirty="0">
-              <a:latin typeface="+mj-lt"/>
-            </a:endParaRPr>
-          </a:p>
-        </p:txBody>
-      </p:sp>
-      <p:sp>
-        <p:nvSpPr>
-          <p:cNvPr id="5" name="Прямоугольник 4"/>
-          <p:cNvSpPr/>
-          <p:nvPr/>
-        </p:nvSpPr>
-        <p:spPr>
-          <a:xfrm>
-            <a:off x="838200" y="2062144"/>
-            <a:ext cx="7665368" cy="1754326"/>
-          </a:xfrm>
-          <a:prstGeom prst="rect">
-            <a:avLst/>
-          </a:prstGeom>
-        </p:spPr>
-        <p:txBody>
-          <a:bodyPr wrap="none">
-            <a:spAutoFit/>
-          </a:bodyPr>
-          <a:lstStyle/>
-          <a:p>
-            <a:r>
-              <a:rPr lang="ru-RU" dirty="0"/>
-              <a:t>Консольный проект включает в себя следующие тесты:</a:t>
-            </a:r>
-          </a:p>
-          <a:p>
             <a:pPr marL="285750" indent="-285750">
               <a:buFont typeface="Arial" panose="020B0604020202020204" pitchFamily="34" charset="0"/>
               <a:buChar char="•"/>
             </a:pPr>
             <a:r>
-              <a:rPr lang="ru-RU" dirty="0"/>
-              <a:t>Тест создания случайных карт</a:t>
+              <a:rPr lang="ru-RU" sz="2800" dirty="0"/>
+              <a:t>Почему тестирование это важно?</a:t>
             </a:r>
           </a:p>
           <a:p>
@@ -5488,8 +5426,8 @@
               <a:buChar char="•"/>
             </a:pPr>
             <a:r>
-              <a:rPr lang="ru-RU" dirty="0"/>
-              <a:t>Тест создания случайного списка карт и сортировки</a:t>
+              <a:rPr lang="ru-RU" sz="2800" dirty="0"/>
+              <a:t>Требования к проекту</a:t>
             </a:r>
           </a:p>
           <a:p>
@@ -5498,9 +5436,10 @@
               <a:buChar char="•"/>
             </a:pPr>
             <a:r>
-              <a:rPr lang="ru-RU" dirty="0"/>
-              <a:t>Тест создания случайных списков карт в менеджере и работы с данными</a:t>
-            </a:r>
+              <a:rPr lang="ru-RU" sz="2800" dirty="0" smtClean="0"/>
+              <a:t>Тест-план</a:t>
+            </a:r>
+            <a:endParaRPr lang="ru-RU" sz="2800" dirty="0"/>
           </a:p>
           <a:p>
             <a:pPr marL="285750" indent="-285750">
@@ -5508,23 +5447,27 @@
               <a:buChar char="•"/>
             </a:pPr>
             <a:r>
-              <a:rPr lang="ru-RU" dirty="0"/>
-              <a:t>Тест с измерением времени выполнения основных операций списка карт</a:t>
-            </a:r>
+              <a:rPr lang="ru-RU" sz="2800" dirty="0" smtClean="0"/>
+              <a:t>Процедура тестирования</a:t>
+            </a:r>
+            <a:endParaRPr lang="ru-RU" sz="2800" dirty="0"/>
+          </a:p>
+          <a:p>
+            <a:endParaRPr lang="ru-RU" sz="2800" dirty="0"/>
           </a:p>
           <a:p>
             <a:pPr marL="285750" indent="-285750">
               <a:buFont typeface="Arial" panose="020B0604020202020204" pitchFamily="34" charset="0"/>
               <a:buChar char="•"/>
             </a:pPr>
-            <a:endParaRPr lang="ru-RU" dirty="0"/>
+            <a:endParaRPr lang="ru-RU" sz="2800" dirty="0"/>
           </a:p>
         </p:txBody>
       </p:sp>
     </p:spTree>
     <p:extLst>
       <p:ext uri="{BB962C8B-B14F-4D97-AF65-F5344CB8AC3E}">
-        <p14:creationId xmlns:p14="http://schemas.microsoft.com/office/powerpoint/2010/main" val="1424994494"/>
+        <p14:creationId xmlns:p14="http://schemas.microsoft.com/office/powerpoint/2010/main" val="4284715473"/>
       </p:ext>
     </p:extLst>
   </p:cSld>
@@ -5703,7 +5646,7 @@
           <a:p>
             <a:r>
               <a:rPr lang="ru-RU" dirty="0"/>
-              <a:t>Тестирование</a:t>
+              <a:t>Почему тестирование это важно?</a:t>
             </a:r>
           </a:p>
         </p:txBody>
@@ -5713,7 +5656,7 @@
           <p:cNvPr id="3" name="TextBox 2">
             <a:extLst>
               <a:ext uri="{FF2B5EF4-FFF2-40B4-BE49-F238E27FC236}">
-                <a16:creationId xmlns:a16="http://schemas.microsoft.com/office/drawing/2014/main" id="{4C7D212D-B684-491A-8C10-17B8B661A75D}"/>
+                <a16:creationId xmlns:a16="http://schemas.microsoft.com/office/drawing/2014/main" xmlns="" id="{C84F3D5A-1232-4D39-B28F-5CC344873579}"/>
               </a:ext>
             </a:extLst>
           </p:cNvPr>
@@ -5722,8 +5665,8 @@
         </p:nvSpPr>
         <p:spPr>
           <a:xfrm>
-            <a:off x="2629231" y="2282024"/>
-            <a:ext cx="6933538" cy="3108543"/>
+            <a:off x="1806271" y="2751151"/>
+            <a:ext cx="8579457" cy="1569660"/>
           </a:xfrm>
           <a:prstGeom prst="rect">
             <a:avLst/>
@@ -5741,8 +5684,8 @@
               <a:buChar char="•"/>
             </a:pPr>
             <a:r>
-              <a:rPr lang="ru-RU" sz="2800" dirty="0"/>
-              <a:t>Почему тестирование это важно?</a:t>
+              <a:rPr lang="ru-RU" sz="2400" dirty="0"/>
+              <a:t>Возможность доказать некорректную работу программы</a:t>
             </a:r>
           </a:p>
           <a:p>
@@ -5751,8 +5694,8 @@
               <a:buChar char="•"/>
             </a:pPr>
             <a:r>
-              <a:rPr lang="ru-RU" sz="2800" dirty="0"/>
-              <a:t>Требования к проекту</a:t>
+              <a:rPr lang="ru-RU" sz="2400" dirty="0"/>
+              <a:t>Выявление ошибок</a:t>
             </a:r>
           </a:p>
           <a:p>
@@ -5761,8 +5704,8 @@
               <a:buChar char="•"/>
             </a:pPr>
             <a:r>
-              <a:rPr lang="ru-RU" sz="2800" dirty="0"/>
-              <a:t>Тест план</a:t>
+              <a:rPr lang="ru-RU" sz="2400" dirty="0"/>
+              <a:t>Обеспечивает надёжность и простоту в использовании</a:t>
             </a:r>
           </a:p>
           <a:p>
@@ -5770,41 +5713,14 @@
               <a:buFont typeface="Arial" panose="020B0604020202020204" pitchFamily="34" charset="0"/>
               <a:buChar char="•"/>
             </a:pPr>
-            <a:r>
-              <a:rPr lang="ru-RU" sz="2800" dirty="0"/>
-              <a:t>Методы тестирования</a:t>
-            </a:r>
-          </a:p>
-          <a:p>
-            <a:pPr marL="285750" indent="-285750">
-              <a:buFont typeface="Arial" panose="020B0604020202020204" pitchFamily="34" charset="0"/>
-              <a:buChar char="•"/>
-            </a:pPr>
-            <a:r>
-              <a:rPr lang="ru-RU" sz="2800" dirty="0"/>
-              <a:t>Отчёт о тестировании</a:t>
-            </a:r>
-          </a:p>
-          <a:p>
-            <a:pPr marL="285750" indent="-285750">
-              <a:buFont typeface="Arial" panose="020B0604020202020204" pitchFamily="34" charset="0"/>
-              <a:buChar char="•"/>
-            </a:pPr>
-            <a:endParaRPr lang="ru-RU" sz="2800" dirty="0"/>
-          </a:p>
-          <a:p>
-            <a:pPr marL="285750" indent="-285750">
-              <a:buFont typeface="Arial" panose="020B0604020202020204" pitchFamily="34" charset="0"/>
-              <a:buChar char="•"/>
-            </a:pPr>
-            <a:endParaRPr lang="ru-RU" sz="2800" dirty="0"/>
+            <a:endParaRPr lang="ru-RU" sz="2400" dirty="0"/>
           </a:p>
         </p:txBody>
       </p:sp>
     </p:spTree>
     <p:extLst>
       <p:ext uri="{BB962C8B-B14F-4D97-AF65-F5344CB8AC3E}">
-        <p14:creationId xmlns:p14="http://schemas.microsoft.com/office/powerpoint/2010/main" val="4284715473"/>
+        <p14:creationId xmlns:p14="http://schemas.microsoft.com/office/powerpoint/2010/main" val="3961446787"/>
       </p:ext>
     </p:extLst>
   </p:cSld>
@@ -5855,7 +5771,7 @@
           <a:p>
             <a:r>
               <a:rPr lang="ru-RU" dirty="0"/>
-              <a:t>Почему тестирование это важно?</a:t>
+              <a:t>Требования</a:t>
             </a:r>
           </a:p>
         </p:txBody>
@@ -5865,7 +5781,7 @@
           <p:cNvPr id="3" name="TextBox 2">
             <a:extLst>
               <a:ext uri="{FF2B5EF4-FFF2-40B4-BE49-F238E27FC236}">
-                <a16:creationId xmlns:a16="http://schemas.microsoft.com/office/drawing/2014/main" id="{C84F3D5A-1232-4D39-B28F-5CC344873579}"/>
+                <a16:creationId xmlns:a16="http://schemas.microsoft.com/office/drawing/2014/main" xmlns="" id="{CB39F03C-FAC8-4C3F-8146-D86F293164EF}"/>
               </a:ext>
             </a:extLst>
           </p:cNvPr>
@@ -5874,8 +5790,8 @@
         </p:nvSpPr>
         <p:spPr>
           <a:xfrm>
-            <a:off x="1806271" y="2751151"/>
-            <a:ext cx="8579457" cy="1569660"/>
+            <a:off x="1826149" y="1579369"/>
+            <a:ext cx="8539701" cy="4770537"/>
           </a:xfrm>
           <a:prstGeom prst="rect">
             <a:avLst/>
@@ -5893,9 +5809,50 @@
               <a:buChar char="•"/>
             </a:pPr>
             <a:r>
-              <a:rPr lang="ru-RU" sz="2400" dirty="0"/>
-              <a:t>Возможность доказать некорректную работу программы</a:t>
-            </a:r>
+              <a:rPr lang="ru-RU" sz="2800" dirty="0"/>
+              <a:t>Функциональные требования</a:t>
+            </a:r>
+          </a:p>
+          <a:p>
+            <a:pPr marL="742950" lvl="1" indent="-285750">
+              <a:buFont typeface="Arial" panose="020B0604020202020204" pitchFamily="34" charset="0"/>
+              <a:buChar char="•"/>
+            </a:pPr>
+            <a:r>
+              <a:rPr lang="ru-RU" sz="2000" dirty="0"/>
+              <a:t>Timelon должен обладать функцией создания карточек задач.</a:t>
+            </a:r>
+          </a:p>
+          <a:p>
+            <a:pPr marL="742950" lvl="1" indent="-285750">
+              <a:buFont typeface="Arial" panose="020B0604020202020204" pitchFamily="34" charset="0"/>
+              <a:buChar char="•"/>
+            </a:pPr>
+            <a:r>
+              <a:rPr lang="ru-RU" sz="2000" dirty="0"/>
+              <a:t>Timelon должен хранить карточки задач.</a:t>
+            </a:r>
+          </a:p>
+          <a:p>
+            <a:pPr marL="742950" lvl="1" indent="-285750">
+              <a:buFont typeface="Arial" panose="020B0604020202020204" pitchFamily="34" charset="0"/>
+              <a:buChar char="•"/>
+            </a:pPr>
+            <a:r>
+              <a:rPr lang="ru-RU" sz="2000" dirty="0"/>
+              <a:t>Timelon должен обладать функцией создания списков для хранения нескольких карт задач.</a:t>
+            </a:r>
+          </a:p>
+          <a:p>
+            <a:pPr marL="742950" lvl="1" indent="-285750">
+              <a:buFont typeface="Arial" panose="020B0604020202020204" pitchFamily="34" charset="0"/>
+              <a:buChar char="•"/>
+            </a:pPr>
+            <a:r>
+              <a:rPr lang="ru-RU" sz="2000" dirty="0"/>
+              <a:t>…</a:t>
+            </a:r>
+            <a:endParaRPr lang="ru-RU" sz="2800" dirty="0"/>
           </a:p>
           <a:p>
             <a:pPr marL="285750" indent="-285750">
@@ -5903,33 +5860,73 @@
               <a:buChar char="•"/>
             </a:pPr>
             <a:r>
-              <a:rPr lang="ru-RU" sz="2400" dirty="0"/>
-              <a:t>Выявление ошибок</a:t>
-            </a:r>
-          </a:p>
-          <a:p>
-            <a:pPr marL="285750" indent="-285750">
-              <a:buFont typeface="Arial" panose="020B0604020202020204" pitchFamily="34" charset="0"/>
-              <a:buChar char="•"/>
-            </a:pPr>
-            <a:r>
-              <a:rPr lang="ru-RU" sz="2400" dirty="0"/>
-              <a:t>Обеспечивает надёжность и простоту в использовании</a:t>
-            </a:r>
-          </a:p>
-          <a:p>
-            <a:pPr marL="285750" indent="-285750">
-              <a:buFont typeface="Arial" panose="020B0604020202020204" pitchFamily="34" charset="0"/>
-              <a:buChar char="•"/>
-            </a:pPr>
-            <a:endParaRPr lang="ru-RU" sz="2400" dirty="0"/>
+              <a:rPr lang="ru-RU" sz="2800" dirty="0"/>
+              <a:t>Требования к интерфейсу</a:t>
+            </a:r>
+          </a:p>
+          <a:p>
+            <a:pPr marL="742950" lvl="1" indent="-285750">
+              <a:buFont typeface="Arial" panose="020B0604020202020204" pitchFamily="34" charset="0"/>
+              <a:buChar char="•"/>
+            </a:pPr>
+            <a:r>
+              <a:rPr lang="ru-RU" sz="2000" dirty="0"/>
+              <a:t>На интерфейсе Timelon должно быть реализовано поле карточки задачи, отображающее основную информацию о задаче:</a:t>
+            </a:r>
+          </a:p>
+          <a:p>
+            <a:pPr marL="1200150" lvl="2" indent="-285750">
+              <a:buFont typeface="Arial" panose="020B0604020202020204" pitchFamily="34" charset="0"/>
+              <a:buChar char="•"/>
+            </a:pPr>
+            <a:r>
+              <a:rPr lang="ru-RU" sz="2000" dirty="0"/>
+              <a:t>статус выполнения</a:t>
+            </a:r>
+          </a:p>
+          <a:p>
+            <a:pPr marL="1200150" lvl="2" indent="-285750">
+              <a:buFont typeface="Arial" panose="020B0604020202020204" pitchFamily="34" charset="0"/>
+              <a:buChar char="•"/>
+            </a:pPr>
+            <a:r>
+              <a:rPr lang="ru-RU" sz="2000" dirty="0"/>
+              <a:t>название</a:t>
+            </a:r>
+          </a:p>
+          <a:p>
+            <a:pPr marL="1200150" lvl="2" indent="-285750">
+              <a:buFont typeface="Arial" panose="020B0604020202020204" pitchFamily="34" charset="0"/>
+              <a:buChar char="•"/>
+            </a:pPr>
+            <a:r>
+              <a:rPr lang="ru-RU" sz="2000" dirty="0"/>
+              <a:t>информация о важности</a:t>
+            </a:r>
+          </a:p>
+          <a:p>
+            <a:pPr marL="742950" lvl="1" indent="-285750">
+              <a:buFont typeface="Arial" panose="020B0604020202020204" pitchFamily="34" charset="0"/>
+              <a:buChar char="•"/>
+            </a:pPr>
+            <a:r>
+              <a:rPr lang="ru-RU" sz="2000" dirty="0"/>
+              <a:t>…</a:t>
+            </a:r>
+          </a:p>
+          <a:p>
+            <a:pPr marL="742950" lvl="1" indent="-285750">
+              <a:buFont typeface="Arial" panose="020B0604020202020204" pitchFamily="34" charset="0"/>
+              <a:buChar char="•"/>
+            </a:pPr>
+            <a:endParaRPr lang="ru-RU" sz="2800" dirty="0"/>
           </a:p>
         </p:txBody>
       </p:sp>
     </p:spTree>
     <p:extLst>
       <p:ext uri="{BB962C8B-B14F-4D97-AF65-F5344CB8AC3E}">
-        <p14:creationId xmlns:p14="http://schemas.microsoft.com/office/powerpoint/2010/main" val="3961446787"/>
+        <p14:creationId xmlns:p14="http://schemas.microsoft.com/office/powerpoint/2010/main" val="3127280586"/>
       </p:ext>
     </p:extLst>
   </p:cSld>
@@ -5979,9 +5976,10 @@
           <a:lstStyle/>
           <a:p>
             <a:r>
-              <a:rPr lang="ru-RU" dirty="0"/>
-              <a:t>Требования</a:t>
-            </a:r>
+              <a:rPr lang="ru-RU" dirty="0" smtClean="0"/>
+              <a:t>Тест-план</a:t>
+            </a:r>
+            <a:endParaRPr lang="ru-RU" dirty="0"/>
           </a:p>
         </p:txBody>
       </p:sp>
@@ -5990,7 +5988,7 @@
           <p:cNvPr id="3" name="TextBox 2">
             <a:extLst>
               <a:ext uri="{FF2B5EF4-FFF2-40B4-BE49-F238E27FC236}">
-                <a16:creationId xmlns:a16="http://schemas.microsoft.com/office/drawing/2014/main" id="{CB39F03C-FAC8-4C3F-8146-D86F293164EF}"/>
+                <a16:creationId xmlns:a16="http://schemas.microsoft.com/office/drawing/2014/main" xmlns="" id="{F451546F-3AF1-42AC-9B97-43746690E48C}"/>
               </a:ext>
             </a:extLst>
           </p:cNvPr>
@@ -5999,8 +5997,8 @@
         </p:nvSpPr>
         <p:spPr>
           <a:xfrm>
-            <a:off x="1826149" y="1579369"/>
-            <a:ext cx="8539701" cy="4770537"/>
+            <a:off x="838201" y="1674674"/>
+            <a:ext cx="5257800" cy="2862322"/>
           </a:xfrm>
           <a:prstGeom prst="rect">
             <a:avLst/>
@@ -6013,55 +6011,162 @@
           </a:bodyPr>
           <a:lstStyle/>
           <a:p>
+            <a:r>
+              <a:rPr lang="ru-RU" sz="2000" i="1" dirty="0"/>
+              <a:t>Что такое тест-план</a:t>
+            </a:r>
+            <a:r>
+              <a:rPr lang="ru-RU" sz="2000" dirty="0"/>
+              <a:t>?</a:t>
+            </a:r>
+          </a:p>
+          <a:p>
+            <a:endParaRPr lang="ru-RU" sz="2000" dirty="0"/>
+          </a:p>
+          <a:p>
+            <a:r>
+              <a:rPr lang="ru-RU" sz="2000" dirty="0" smtClean="0"/>
+              <a:t>Документ, описывающий </a:t>
+            </a:r>
+            <a:r>
+              <a:rPr lang="ru-RU" sz="2000" dirty="0"/>
+              <a:t>методы и подходы к тестированию, которые будут</a:t>
+            </a:r>
+          </a:p>
+          <a:p>
+            <a:r>
+              <a:rPr lang="ru-RU" sz="2000" dirty="0"/>
+              <a:t>использоваться для тестирования приложения.</a:t>
+            </a:r>
+          </a:p>
+          <a:p>
+            <a:endParaRPr lang="ru-RU" sz="2000" dirty="0"/>
+          </a:p>
+          <a:p>
+            <a:endParaRPr lang="ru-RU" sz="2000" dirty="0"/>
+          </a:p>
+          <a:p>
+            <a:endParaRPr lang="ru-RU" sz="2000" dirty="0"/>
+          </a:p>
+        </p:txBody>
+      </p:sp>
+      <p:sp>
+        <p:nvSpPr>
+          <p:cNvPr id="4" name="TextBox 3">
+            <a:extLst>
+              <a:ext uri="{FF2B5EF4-FFF2-40B4-BE49-F238E27FC236}">
+                <a16:creationId xmlns:a16="http://schemas.microsoft.com/office/drawing/2014/main" xmlns="" id="{6929821F-63F7-48F7-9706-ACF0FC7C1092}"/>
+              </a:ext>
+            </a:extLst>
+          </p:cNvPr>
+          <p:cNvSpPr txBox="1"/>
+          <p:nvPr/>
+        </p:nvSpPr>
+        <p:spPr>
+          <a:xfrm>
+            <a:off x="6822219" y="1690688"/>
+            <a:ext cx="4627659" cy="1631216"/>
+          </a:xfrm>
+          <a:prstGeom prst="rect">
+            <a:avLst/>
+          </a:prstGeom>
+          <a:noFill/>
+        </p:spPr>
+        <p:txBody>
+          <a:bodyPr wrap="square" rtlCol="0">
+            <a:spAutoFit/>
+          </a:bodyPr>
+          <a:lstStyle/>
+          <a:p>
+            <a:r>
+              <a:rPr lang="ru-RU" sz="2000" i="1" dirty="0"/>
+              <a:t>Область тестирования</a:t>
+            </a:r>
+            <a:r>
+              <a:rPr lang="ru-RU" sz="2000" dirty="0"/>
+              <a:t>:</a:t>
+            </a:r>
+          </a:p>
+          <a:p>
+            <a:endParaRPr lang="ru-RU" sz="2000" dirty="0"/>
+          </a:p>
+          <a:p>
             <a:pPr marL="285750" indent="-285750">
               <a:buFont typeface="Arial" panose="020B0604020202020204" pitchFamily="34" charset="0"/>
               <a:buChar char="•"/>
             </a:pPr>
             <a:r>
-              <a:rPr lang="ru-RU" sz="2800" dirty="0"/>
-              <a:t>Функциональные требования</a:t>
-            </a:r>
-          </a:p>
-          <a:p>
-            <a:pPr marL="742950" lvl="1" indent="-285750">
-              <a:buFont typeface="Arial" panose="020B0604020202020204" pitchFamily="34" charset="0"/>
-              <a:buChar char="•"/>
-            </a:pPr>
-            <a:r>
               <a:rPr lang="ru-RU" sz="2000" dirty="0"/>
-              <a:t>Timelon должен обладать функцией создания карточек задач.</a:t>
-            </a:r>
-          </a:p>
-          <a:p>
-            <a:pPr marL="742950" lvl="1" indent="-285750">
+              <a:t>Тестирование библиотеки классов</a:t>
+            </a:r>
+          </a:p>
+          <a:p>
+            <a:pPr marL="285750" indent="-285750">
               <a:buFont typeface="Arial" panose="020B0604020202020204" pitchFamily="34" charset="0"/>
               <a:buChar char="•"/>
             </a:pPr>
             <a:r>
               <a:rPr lang="ru-RU" sz="2000" dirty="0"/>
-              <a:t>Timelon должен хранить карточки задач.</a:t>
-            </a:r>
-          </a:p>
-          <a:p>
-            <a:pPr marL="742950" lvl="1" indent="-285750">
+              <a:t>Тестирование реализованных в интерфейсе компонентов и функций</a:t>
+            </a:r>
+          </a:p>
+        </p:txBody>
+      </p:sp>
+      <p:sp>
+        <p:nvSpPr>
+          <p:cNvPr id="5" name="TextBox 4">
+            <a:extLst>
+              <a:ext uri="{FF2B5EF4-FFF2-40B4-BE49-F238E27FC236}">
+                <a16:creationId xmlns:a16="http://schemas.microsoft.com/office/drawing/2014/main" xmlns="" id="{76DB6899-86E7-4FD4-99BA-DC8AF36F213C}"/>
+              </a:ext>
+            </a:extLst>
+          </p:cNvPr>
+          <p:cNvSpPr txBox="1"/>
+          <p:nvPr/>
+        </p:nvSpPr>
+        <p:spPr>
+          <a:xfrm>
+            <a:off x="6370321" y="4120626"/>
+            <a:ext cx="4548044" cy="1631216"/>
+          </a:xfrm>
+          <a:prstGeom prst="rect">
+            <a:avLst/>
+          </a:prstGeom>
+          <a:noFill/>
+        </p:spPr>
+        <p:txBody>
+          <a:bodyPr wrap="square" rtlCol="0">
+            <a:spAutoFit/>
+          </a:bodyPr>
+          <a:lstStyle/>
+          <a:p>
+            <a:r>
+              <a:rPr lang="ru-RU" sz="2000" i="1" dirty="0"/>
+              <a:t>Типы тестирования:</a:t>
+            </a:r>
+          </a:p>
+          <a:p>
+            <a:endParaRPr lang="ru-RU" sz="2000" dirty="0"/>
+          </a:p>
+          <a:p>
+            <a:pPr marL="285750" indent="-285750">
               <a:buFont typeface="Arial" panose="020B0604020202020204" pitchFamily="34" charset="0"/>
               <a:buChar char="•"/>
             </a:pPr>
             <a:r>
               <a:rPr lang="ru-RU" sz="2000" dirty="0"/>
-              <a:t>Timelon должен обладать функцией создания списков для хранения нескольких карт задач.</a:t>
-            </a:r>
-          </a:p>
-          <a:p>
-            <a:pPr marL="742950" lvl="1" indent="-285750">
+              <a:t>Функциональное</a:t>
+            </a:r>
+          </a:p>
+          <a:p>
+            <a:pPr marL="285750" indent="-285750">
               <a:buFont typeface="Arial" panose="020B0604020202020204" pitchFamily="34" charset="0"/>
               <a:buChar char="•"/>
             </a:pPr>
             <a:r>
               <a:rPr lang="ru-RU" sz="2000" dirty="0"/>
-              <a:t>…</a:t>
-            </a:r>
-            <a:endParaRPr lang="ru-RU" sz="2800" dirty="0"/>
+              <a:t>Тестирование интерфейса</a:t>
+            </a:r>
           </a:p>
           <a:p>
             <a:pPr marL="285750" indent="-285750">
@@ -6069,73 +6174,88 @@
               <a:buChar char="•"/>
             </a:pPr>
             <a:r>
-              <a:rPr lang="ru-RU" sz="2800" dirty="0"/>
-              <a:t>Требования к интерфейсу</a:t>
-            </a:r>
-          </a:p>
-          <a:p>
-            <a:pPr marL="742950" lvl="1" indent="-285750">
-              <a:buFont typeface="Arial" panose="020B0604020202020204" pitchFamily="34" charset="0"/>
-              <a:buChar char="•"/>
-            </a:pPr>
-            <a:r>
               <a:rPr lang="ru-RU" sz="2000" dirty="0"/>
-              <a:t>На интерфейсе Timelon должно быть реализовано поле карточки задачи, отображающее основную информацию о задаче:</a:t>
-            </a:r>
-          </a:p>
-          <a:p>
-            <a:pPr marL="1200150" lvl="2" indent="-285750">
+              <a:t>Юзабилити-тестирование</a:t>
+            </a:r>
+          </a:p>
+        </p:txBody>
+      </p:sp>
+      <p:sp>
+        <p:nvSpPr>
+          <p:cNvPr id="6" name="Прямоугольник 5"/>
+          <p:cNvSpPr/>
+          <p:nvPr/>
+        </p:nvSpPr>
+        <p:spPr>
+          <a:xfrm>
+            <a:off x="1730328" y="4120626"/>
+            <a:ext cx="4457113" cy="1631216"/>
+          </a:xfrm>
+          <a:prstGeom prst="rect">
+            <a:avLst/>
+          </a:prstGeom>
+        </p:spPr>
+        <p:txBody>
+          <a:bodyPr wrap="square">
+            <a:spAutoFit/>
+          </a:bodyPr>
+          <a:lstStyle/>
+          <a:p>
+            <a:r>
+              <a:rPr lang="ru-RU" sz="2000" i="1" dirty="0"/>
+              <a:t>Уровни тестирования</a:t>
+            </a:r>
+            <a:r>
+              <a:rPr lang="ru-RU" sz="2000" i="1" dirty="0" smtClean="0"/>
+              <a:t>:</a:t>
+            </a:r>
+          </a:p>
+          <a:p>
+            <a:endParaRPr lang="ru-RU" sz="2000" i="1" dirty="0"/>
+          </a:p>
+          <a:p>
+            <a:pPr marL="285750" lvl="0" indent="-285750">
               <a:buFont typeface="Arial" panose="020B0604020202020204" pitchFamily="34" charset="0"/>
               <a:buChar char="•"/>
             </a:pPr>
             <a:r>
               <a:rPr lang="ru-RU" sz="2000" dirty="0"/>
-              <a:t>статус выполнения</a:t>
-            </a:r>
-          </a:p>
-          <a:p>
-            <a:pPr marL="1200150" lvl="2" indent="-285750">
-              <a:buFont typeface="Arial" panose="020B0604020202020204" pitchFamily="34" charset="0"/>
-              <a:buChar char="•"/>
-            </a:pPr>
+              <a:t>Модульное тестирование </a:t>
+            </a:r>
+            <a:endParaRPr lang="ru-RU" sz="2000" dirty="0"/>
+          </a:p>
+          <a:p>
+            <a:pPr marL="285750" lvl="0" indent="-285750">
+              <a:buFont typeface="Arial" panose="020B0604020202020204" pitchFamily="34" charset="0"/>
+              <a:buChar char="•"/>
+            </a:pPr>
+            <a:r>
+              <a:rPr lang="ru-RU" sz="2000" dirty="0" smtClean="0"/>
+              <a:t>Интеграционное </a:t>
+            </a:r>
             <a:r>
               <a:rPr lang="ru-RU" sz="2000" dirty="0"/>
-              <a:t>название</a:t>
-            </a:r>
-          </a:p>
-          <a:p>
-            <a:pPr marL="1200150" lvl="2" indent="-285750">
-              <a:buFont typeface="Arial" panose="020B0604020202020204" pitchFamily="34" charset="0"/>
-              <a:buChar char="•"/>
-            </a:pPr>
-            <a:r>
-              <a:rPr lang="ru-RU" sz="2000" dirty="0"/>
-              <a:t>информация о важности</a:t>
-            </a:r>
-          </a:p>
-          <a:p>
-            <a:pPr marL="742950" lvl="1" indent="-285750">
-              <a:buFont typeface="Arial" panose="020B0604020202020204" pitchFamily="34" charset="0"/>
-              <a:buChar char="•"/>
-            </a:pPr>
-            <a:r>
-              <a:rPr lang="ru-RU" sz="2000" dirty="0"/>
-              <a:t>…</a:t>
-            </a:r>
-          </a:p>
-          <a:p>
-            <a:pPr marL="742950" lvl="1" indent="-285750">
-              <a:buFont typeface="Arial" panose="020B0604020202020204" pitchFamily="34" charset="0"/>
-              <a:buChar char="•"/>
-            </a:pPr>
-            <a:endParaRPr lang="ru-RU" sz="2800" dirty="0"/>
+              <a:t>тестирование </a:t>
+            </a:r>
+            <a:endParaRPr lang="ru-RU" sz="2000" dirty="0" smtClean="0"/>
+          </a:p>
+          <a:p>
+            <a:pPr marL="285750" lvl="0" indent="-285750">
+              <a:buFont typeface="Arial" panose="020B0604020202020204" pitchFamily="34" charset="0"/>
+              <a:buChar char="•"/>
+            </a:pPr>
+            <a:r>
+              <a:rPr lang="ru-RU" sz="2000" dirty="0" smtClean="0"/>
+              <a:t>Системное тестирование</a:t>
+            </a:r>
+            <a:endParaRPr lang="ru-RU" sz="2000" dirty="0"/>
           </a:p>
         </p:txBody>
       </p:sp>
     </p:spTree>
     <p:extLst>
       <p:ext uri="{BB962C8B-B14F-4D97-AF65-F5344CB8AC3E}">
-        <p14:creationId xmlns:p14="http://schemas.microsoft.com/office/powerpoint/2010/main" val="3127280586"/>
+        <p14:creationId xmlns:p14="http://schemas.microsoft.com/office/powerpoint/2010/main" val="393638615"/>
       </p:ext>
     </p:extLst>
   </p:cSld>
@@ -6185,209 +6305,207 @@
           <a:lstStyle/>
           <a:p>
             <a:r>
-              <a:rPr lang="ru-RU" dirty="0"/>
-              <a:t>Тест план</a:t>
-            </a:r>
-          </a:p>
-        </p:txBody>
-      </p:sp>
-      <p:sp>
-        <p:nvSpPr>
-          <p:cNvPr id="3" name="TextBox 2">
+              <a:rPr lang="ru-RU" dirty="0" smtClean="0"/>
+              <a:t>Процедура тестирования</a:t>
+            </a:r>
+            <a:endParaRPr lang="ru-RU" dirty="0"/>
+          </a:p>
+        </p:txBody>
+      </p:sp>
+      <p:pic>
+        <p:nvPicPr>
+          <p:cNvPr id="3" name="Рисунок 2"/>
+          <p:cNvPicPr/>
+          <p:nvPr/>
+        </p:nvPicPr>
+        <p:blipFill rotWithShape="1">
+          <a:blip r:embed="rId2"/>
+          <a:srcRect r="15758"/>
+          <a:stretch/>
+        </p:blipFill>
+        <p:spPr>
+          <a:xfrm>
+            <a:off x="595489" y="1590675"/>
+            <a:ext cx="4989383" cy="3100900"/>
+          </a:xfrm>
+          <a:prstGeom prst="rect">
+            <a:avLst/>
+          </a:prstGeom>
+        </p:spPr>
+      </p:pic>
+      <p:sp>
+        <p:nvSpPr>
+          <p:cNvPr id="4" name="Прямоугольник 3"/>
+          <p:cNvSpPr/>
+          <p:nvPr/>
+        </p:nvSpPr>
+        <p:spPr>
+          <a:xfrm>
+            <a:off x="5887776" y="1590675"/>
+            <a:ext cx="3305200" cy="400110"/>
+          </a:xfrm>
+          <a:prstGeom prst="rect">
+            <a:avLst/>
+          </a:prstGeom>
+        </p:spPr>
+        <p:txBody>
+          <a:bodyPr wrap="none">
+            <a:spAutoFit/>
+          </a:bodyPr>
+          <a:lstStyle/>
+          <a:p>
+            <a:r>
+              <a:rPr lang="ru-RU" sz="2000" u="sng" dirty="0"/>
+              <a:t>1) </a:t>
+            </a:r>
+            <a:r>
+              <a:rPr lang="ru-RU" sz="2000" u="sng" dirty="0"/>
+              <a:t>Модульное </a:t>
+            </a:r>
+            <a:r>
+              <a:rPr lang="ru-RU" sz="2000" u="sng" dirty="0" smtClean="0"/>
+              <a:t>тестирование</a:t>
+            </a:r>
+            <a:endParaRPr lang="ru-RU" sz="2000" u="sng" dirty="0"/>
+          </a:p>
+        </p:txBody>
+      </p:sp>
+      <p:sp>
+        <p:nvSpPr>
+          <p:cNvPr id="5" name="Прямоугольник 4"/>
+          <p:cNvSpPr/>
+          <p:nvPr/>
+        </p:nvSpPr>
+        <p:spPr>
+          <a:xfrm>
+            <a:off x="5887776" y="2048580"/>
+            <a:ext cx="3825406" cy="400110"/>
+          </a:xfrm>
+          <a:prstGeom prst="rect">
+            <a:avLst/>
+          </a:prstGeom>
+        </p:spPr>
+        <p:txBody>
+          <a:bodyPr wrap="none">
+            <a:spAutoFit/>
+          </a:bodyPr>
+          <a:lstStyle/>
+          <a:p>
+            <a:r>
+              <a:rPr lang="ru-RU" sz="2000" u="sng" dirty="0"/>
+              <a:t>2) Интеграционное </a:t>
+            </a:r>
+            <a:r>
+              <a:rPr lang="ru-RU" sz="2000" u="sng" dirty="0"/>
+              <a:t>тестирование</a:t>
+            </a:r>
+          </a:p>
+        </p:txBody>
+      </p:sp>
+      <p:sp>
+        <p:nvSpPr>
+          <p:cNvPr id="6" name="Прямоугольник 5"/>
+          <p:cNvSpPr/>
+          <p:nvPr/>
+        </p:nvSpPr>
+        <p:spPr>
+          <a:xfrm>
+            <a:off x="5887776" y="2602468"/>
+            <a:ext cx="3877343" cy="400110"/>
+          </a:xfrm>
+          <a:prstGeom prst="rect">
+            <a:avLst/>
+          </a:prstGeom>
+        </p:spPr>
+        <p:txBody>
+          <a:bodyPr wrap="none">
+            <a:spAutoFit/>
+          </a:bodyPr>
+          <a:lstStyle/>
+          <a:p>
+            <a:r>
+              <a:rPr lang="ru-RU" sz="2000" u="sng" dirty="0"/>
+              <a:t>3</a:t>
+            </a:r>
+            <a:r>
+              <a:rPr lang="ru-RU" sz="2000" u="sng" dirty="0" smtClean="0"/>
+              <a:t>) Функциональное </a:t>
+            </a:r>
+            <a:r>
+              <a:rPr lang="ru-RU" sz="2000" u="sng" dirty="0"/>
+              <a:t>тестирование</a:t>
+            </a:r>
+          </a:p>
+        </p:txBody>
+      </p:sp>
+      <p:pic>
+        <p:nvPicPr>
+          <p:cNvPr id="1026" name="Picture 2"/>
+          <p:cNvPicPr>
+            <a:picLocks noChangeAspect="1" noChangeArrowheads="1"/>
+          </p:cNvPicPr>
+          <p:nvPr/>
+        </p:nvPicPr>
+        <p:blipFill>
+          <a:blip r:embed="rId3">
             <a:extLst>
-              <a:ext uri="{FF2B5EF4-FFF2-40B4-BE49-F238E27FC236}">
-                <a16:creationId xmlns:a16="http://schemas.microsoft.com/office/drawing/2014/main" id="{F451546F-3AF1-42AC-9B97-43746690E48C}"/>
+              <a:ext uri="{28A0092B-C50C-407E-A947-70E740481C1C}">
+                <a14:useLocalDpi xmlns:a14="http://schemas.microsoft.com/office/drawing/2010/main" val="0"/>
               </a:ext>
             </a:extLst>
-          </p:cNvPr>
-          <p:cNvSpPr txBox="1"/>
-          <p:nvPr/>
-        </p:nvSpPr>
-        <p:spPr>
+          </a:blip>
+          <a:srcRect/>
+          <a:stretch>
+            <a:fillRect/>
+          </a:stretch>
+        </p:blipFill>
+        <p:spPr bwMode="auto">
           <a:xfrm>
-            <a:off x="838201" y="1674674"/>
-            <a:ext cx="5257800" cy="2862322"/>
+            <a:off x="5887776" y="3385345"/>
+            <a:ext cx="5125214" cy="3070893"/>
           </a:xfrm>
           <a:prstGeom prst="rect">
             <a:avLst/>
           </a:prstGeom>
           <a:noFill/>
+          <a:ln>
+            <a:noFill/>
+          </a:ln>
+          <a:effectLst/>
+          <a:extLst>
+            <a:ext uri="{909E8E84-426E-40DD-AFC4-6F175D3DCCD1}">
+              <a14:hiddenFill xmlns:a14="http://schemas.microsoft.com/office/drawing/2010/main">
+                <a:solidFill>
+                  <a:schemeClr val="accent1"/>
+                </a:solidFill>
+              </a14:hiddenFill>
+            </a:ext>
+            <a:ext uri="{91240B29-F687-4F45-9708-019B960494DF}">
+              <a14:hiddenLine xmlns:a14="http://schemas.microsoft.com/office/drawing/2010/main" w="9525">
+                <a:solidFill>
+                  <a:schemeClr val="tx1"/>
+                </a:solidFill>
+                <a:miter lim="800000"/>
+                <a:headEnd/>
+                <a:tailEnd/>
+              </a14:hiddenLine>
+            </a:ext>
+            <a:ext uri="{AF507438-7753-43E0-B8FC-AC1667EBCBE1}">
+              <a14:hiddenEffects xmlns:a14="http://schemas.microsoft.com/office/drawing/2010/main">
+                <a:effectLst>
+                  <a:outerShdw dist="35921" dir="2700000" algn="ctr" rotWithShape="0">
+                    <a:schemeClr val="bg2"/>
+                  </a:outerShdw>
+                </a:effectLst>
+              </a14:hiddenEffects>
+            </a:ext>
+          </a:extLst>
         </p:spPr>
-        <p:txBody>
-          <a:bodyPr wrap="square" rtlCol="0">
-            <a:spAutoFit/>
-          </a:bodyPr>
-          <a:lstStyle/>
-          <a:p>
-            <a:r>
-              <a:rPr lang="ru-RU" sz="2000" i="1" dirty="0"/>
-              <a:t>Что такое тест-план</a:t>
-            </a:r>
-            <a:r>
-              <a:rPr lang="ru-RU" sz="2000" dirty="0"/>
-              <a:t>?</a:t>
-            </a:r>
-          </a:p>
-          <a:p>
-            <a:endParaRPr lang="ru-RU" sz="2000" dirty="0"/>
-          </a:p>
-          <a:p>
-            <a:r>
-              <a:rPr lang="ru-RU" sz="2000" dirty="0"/>
-              <a:t>Документ описывает методы и подходы к тестированию, которые будут</a:t>
-            </a:r>
-          </a:p>
-          <a:p>
-            <a:r>
-              <a:rPr lang="ru-RU" sz="2000" dirty="0"/>
-              <a:t>использоваться для тестирования приложения.</a:t>
-            </a:r>
-          </a:p>
-          <a:p>
-            <a:endParaRPr lang="ru-RU" sz="2000" dirty="0"/>
-          </a:p>
-          <a:p>
-            <a:endParaRPr lang="ru-RU" sz="2000" dirty="0"/>
-          </a:p>
-          <a:p>
-            <a:endParaRPr lang="ru-RU" sz="2000" dirty="0"/>
-          </a:p>
-        </p:txBody>
-      </p:sp>
-      <p:sp>
-        <p:nvSpPr>
-          <p:cNvPr id="4" name="TextBox 3">
-            <a:extLst>
-              <a:ext uri="{FF2B5EF4-FFF2-40B4-BE49-F238E27FC236}">
-                <a16:creationId xmlns:a16="http://schemas.microsoft.com/office/drawing/2014/main" id="{6929821F-63F7-48F7-9706-ACF0FC7C1092}"/>
-              </a:ext>
-            </a:extLst>
-          </p:cNvPr>
-          <p:cNvSpPr txBox="1"/>
-          <p:nvPr/>
-        </p:nvSpPr>
-        <p:spPr>
-          <a:xfrm>
-            <a:off x="6822219" y="1690688"/>
-            <a:ext cx="4627659" cy="1631216"/>
-          </a:xfrm>
-          <a:prstGeom prst="rect">
-            <a:avLst/>
-          </a:prstGeom>
-          <a:noFill/>
-        </p:spPr>
-        <p:txBody>
-          <a:bodyPr wrap="square" rtlCol="0">
-            <a:spAutoFit/>
-          </a:bodyPr>
-          <a:lstStyle/>
-          <a:p>
-            <a:r>
-              <a:rPr lang="ru-RU" sz="2000" i="1" dirty="0"/>
-              <a:t>Область тестирования</a:t>
-            </a:r>
-            <a:r>
-              <a:rPr lang="ru-RU" sz="2000" dirty="0"/>
-              <a:t>:</a:t>
-            </a:r>
-          </a:p>
-          <a:p>
-            <a:endParaRPr lang="ru-RU" sz="2000" dirty="0"/>
-          </a:p>
-          <a:p>
-            <a:pPr marL="285750" indent="-285750">
-              <a:buFont typeface="Arial" panose="020B0604020202020204" pitchFamily="34" charset="0"/>
-              <a:buChar char="•"/>
-            </a:pPr>
-            <a:r>
-              <a:rPr lang="ru-RU" sz="2000" dirty="0"/>
-              <a:t>Тестирование библиотеки классов</a:t>
-            </a:r>
-          </a:p>
-          <a:p>
-            <a:pPr marL="285750" indent="-285750">
-              <a:buFont typeface="Arial" panose="020B0604020202020204" pitchFamily="34" charset="0"/>
-              <a:buChar char="•"/>
-            </a:pPr>
-            <a:r>
-              <a:rPr lang="ru-RU" sz="2000" dirty="0"/>
-              <a:t>Тестирование реализованных в интерфейсе компонентов и функций</a:t>
-            </a:r>
-          </a:p>
-        </p:txBody>
-      </p:sp>
-      <p:sp>
-        <p:nvSpPr>
-          <p:cNvPr id="5" name="TextBox 4">
-            <a:extLst>
-              <a:ext uri="{FF2B5EF4-FFF2-40B4-BE49-F238E27FC236}">
-                <a16:creationId xmlns:a16="http://schemas.microsoft.com/office/drawing/2014/main" id="{76DB6899-86E7-4FD4-99BA-DC8AF36F213C}"/>
-              </a:ext>
-            </a:extLst>
-          </p:cNvPr>
-          <p:cNvSpPr txBox="1"/>
-          <p:nvPr/>
-        </p:nvSpPr>
-        <p:spPr>
-          <a:xfrm>
-            <a:off x="4166483" y="4198289"/>
-            <a:ext cx="4770782" cy="1631216"/>
-          </a:xfrm>
-          <a:prstGeom prst="rect">
-            <a:avLst/>
-          </a:prstGeom>
-          <a:noFill/>
-        </p:spPr>
-        <p:txBody>
-          <a:bodyPr wrap="square" rtlCol="0">
-            <a:spAutoFit/>
-          </a:bodyPr>
-          <a:lstStyle/>
-          <a:p>
-            <a:r>
-              <a:rPr lang="ru-RU" sz="2000" i="1" dirty="0"/>
-              <a:t>Типы тестирования:</a:t>
-            </a:r>
-          </a:p>
-          <a:p>
-            <a:endParaRPr lang="ru-RU" sz="2000" dirty="0"/>
-          </a:p>
-          <a:p>
-            <a:pPr marL="285750" indent="-285750">
-              <a:buFont typeface="Arial" panose="020B0604020202020204" pitchFamily="34" charset="0"/>
-              <a:buChar char="•"/>
-            </a:pPr>
-            <a:r>
-              <a:rPr lang="ru-RU" sz="2000" dirty="0"/>
-              <a:t>Функциональное</a:t>
-            </a:r>
-          </a:p>
-          <a:p>
-            <a:pPr marL="285750" indent="-285750">
-              <a:buFont typeface="Arial" panose="020B0604020202020204" pitchFamily="34" charset="0"/>
-              <a:buChar char="•"/>
-            </a:pPr>
-            <a:r>
-              <a:rPr lang="ru-RU" sz="2000" dirty="0"/>
-              <a:t>Тестирование интерфейса</a:t>
-            </a:r>
-          </a:p>
-          <a:p>
-            <a:pPr marL="285750" indent="-285750">
-              <a:buFont typeface="Arial" panose="020B0604020202020204" pitchFamily="34" charset="0"/>
-              <a:buChar char="•"/>
-            </a:pPr>
-            <a:r>
-              <a:rPr lang="ru-RU" sz="2000" dirty="0"/>
-              <a:t>Юзабилити-тестирование</a:t>
-            </a:r>
-          </a:p>
-        </p:txBody>
-      </p:sp>
+      </p:pic>
     </p:spTree>
     <p:extLst>
       <p:ext uri="{BB962C8B-B14F-4D97-AF65-F5344CB8AC3E}">
-        <p14:creationId xmlns:p14="http://schemas.microsoft.com/office/powerpoint/2010/main" val="393638615"/>
+        <p14:creationId xmlns:p14="http://schemas.microsoft.com/office/powerpoint/2010/main" val="2362220205"/>
       </p:ext>
     </p:extLst>
   </p:cSld>
@@ -6437,16 +6555,212 @@
           <a:lstStyle/>
           <a:p>
             <a:r>
-              <a:rPr lang="ru-RU" dirty="0"/>
-              <a:t>Методы тестирования</a:t>
-            </a:r>
+              <a:rPr lang="ru-RU" dirty="0" smtClean="0"/>
+              <a:t>Процедура тестирования</a:t>
+            </a:r>
+            <a:endParaRPr lang="ru-RU" dirty="0"/>
+          </a:p>
+        </p:txBody>
+      </p:sp>
+      <p:pic>
+        <p:nvPicPr>
+          <p:cNvPr id="2050" name="Picture 2"/>
+          <p:cNvPicPr>
+            <a:picLocks noChangeAspect="1" noChangeArrowheads="1"/>
+          </p:cNvPicPr>
+          <p:nvPr/>
+        </p:nvPicPr>
+        <p:blipFill>
+          <a:blip r:embed="rId2">
+            <a:extLst>
+              <a:ext uri="{28A0092B-C50C-407E-A947-70E740481C1C}">
+                <a14:useLocalDpi xmlns:a14="http://schemas.microsoft.com/office/drawing/2010/main" val="0"/>
+              </a:ext>
+            </a:extLst>
+          </a:blip>
+          <a:srcRect/>
+          <a:stretch>
+            <a:fillRect/>
+          </a:stretch>
+        </p:blipFill>
+        <p:spPr bwMode="auto">
+          <a:xfrm>
+            <a:off x="558976" y="1561897"/>
+            <a:ext cx="5328800" cy="2682826"/>
+          </a:xfrm>
+          <a:prstGeom prst="rect">
+            <a:avLst/>
+          </a:prstGeom>
+          <a:noFill/>
+          <a:ln>
+            <a:noFill/>
+          </a:ln>
+          <a:effectLst/>
+          <a:extLst>
+            <a:ext uri="{909E8E84-426E-40DD-AFC4-6F175D3DCCD1}">
+              <a14:hiddenFill xmlns:a14="http://schemas.microsoft.com/office/drawing/2010/main">
+                <a:solidFill>
+                  <a:schemeClr val="accent1"/>
+                </a:solidFill>
+              </a14:hiddenFill>
+            </a:ext>
+            <a:ext uri="{91240B29-F687-4F45-9708-019B960494DF}">
+              <a14:hiddenLine xmlns:a14="http://schemas.microsoft.com/office/drawing/2010/main" w="9525">
+                <a:solidFill>
+                  <a:schemeClr val="tx1"/>
+                </a:solidFill>
+                <a:miter lim="800000"/>
+                <a:headEnd/>
+                <a:tailEnd/>
+              </a14:hiddenLine>
+            </a:ext>
+            <a:ext uri="{AF507438-7753-43E0-B8FC-AC1667EBCBE1}">
+              <a14:hiddenEffects xmlns:a14="http://schemas.microsoft.com/office/drawing/2010/main">
+                <a:effectLst>
+                  <a:outerShdw dist="35921" dir="2700000" algn="ctr" rotWithShape="0">
+                    <a:schemeClr val="bg2"/>
+                  </a:outerShdw>
+                </a:effectLst>
+              </a14:hiddenEffects>
+            </a:ext>
+          </a:extLst>
+        </p:spPr>
+      </p:pic>
+      <p:pic>
+        <p:nvPicPr>
+          <p:cNvPr id="2051" name="Picture 3"/>
+          <p:cNvPicPr>
+            <a:picLocks noChangeAspect="1" noChangeArrowheads="1"/>
+          </p:cNvPicPr>
+          <p:nvPr/>
+        </p:nvPicPr>
+        <p:blipFill>
+          <a:blip r:embed="rId3">
+            <a:extLst>
+              <a:ext uri="{28A0092B-C50C-407E-A947-70E740481C1C}">
+                <a14:useLocalDpi xmlns:a14="http://schemas.microsoft.com/office/drawing/2010/main" val="0"/>
+              </a:ext>
+            </a:extLst>
+          </a:blip>
+          <a:srcRect/>
+          <a:stretch>
+            <a:fillRect/>
+          </a:stretch>
+        </p:blipFill>
+        <p:spPr bwMode="auto">
+          <a:xfrm>
+            <a:off x="3364053" y="4324419"/>
+            <a:ext cx="7792402" cy="2062013"/>
+          </a:xfrm>
+          <a:prstGeom prst="rect">
+            <a:avLst/>
+          </a:prstGeom>
+          <a:noFill/>
+          <a:ln>
+            <a:noFill/>
+          </a:ln>
+          <a:effectLst/>
+          <a:extLst>
+            <a:ext uri="{909E8E84-426E-40DD-AFC4-6F175D3DCCD1}">
+              <a14:hiddenFill xmlns:a14="http://schemas.microsoft.com/office/drawing/2010/main">
+                <a:solidFill>
+                  <a:schemeClr val="accent1"/>
+                </a:solidFill>
+              </a14:hiddenFill>
+            </a:ext>
+            <a:ext uri="{91240B29-F687-4F45-9708-019B960494DF}">
+              <a14:hiddenLine xmlns:a14="http://schemas.microsoft.com/office/drawing/2010/main" w="9525">
+                <a:solidFill>
+                  <a:schemeClr val="tx1"/>
+                </a:solidFill>
+                <a:miter lim="800000"/>
+                <a:headEnd/>
+                <a:tailEnd/>
+              </a14:hiddenLine>
+            </a:ext>
+            <a:ext uri="{AF507438-7753-43E0-B8FC-AC1667EBCBE1}">
+              <a14:hiddenEffects xmlns:a14="http://schemas.microsoft.com/office/drawing/2010/main">
+                <a:effectLst>
+                  <a:outerShdw dist="35921" dir="2700000" algn="ctr" rotWithShape="0">
+                    <a:schemeClr val="bg2"/>
+                  </a:outerShdw>
+                </a:effectLst>
+              </a14:hiddenEffects>
+            </a:ext>
+          </a:extLst>
+        </p:spPr>
+      </p:pic>
+      <p:sp>
+        <p:nvSpPr>
+          <p:cNvPr id="12" name="Прямоугольник 11"/>
+          <p:cNvSpPr/>
+          <p:nvPr/>
+        </p:nvSpPr>
+        <p:spPr>
+          <a:xfrm>
+            <a:off x="6179018" y="2024410"/>
+            <a:ext cx="5413149" cy="400110"/>
+          </a:xfrm>
+          <a:prstGeom prst="rect">
+            <a:avLst/>
+          </a:prstGeom>
+        </p:spPr>
+        <p:txBody>
+          <a:bodyPr wrap="none">
+            <a:spAutoFit/>
+          </a:bodyPr>
+          <a:lstStyle/>
+          <a:p>
+            <a:pPr lvl="0"/>
+            <a:r>
+              <a:rPr lang="ru-RU" sz="2000" u="sng" dirty="0" smtClean="0"/>
+              <a:t>4) Тестирование </a:t>
+            </a:r>
+            <a:r>
+              <a:rPr lang="ru-RU" sz="2000" u="sng" dirty="0"/>
+              <a:t>пользовательского </a:t>
+            </a:r>
+            <a:r>
+              <a:rPr lang="ru-RU" sz="2000" u="sng" dirty="0" smtClean="0"/>
+              <a:t>интерфейса</a:t>
+            </a:r>
+            <a:endParaRPr lang="ru-RU" sz="2000" u="sng" dirty="0"/>
+          </a:p>
+        </p:txBody>
+      </p:sp>
+      <p:sp>
+        <p:nvSpPr>
+          <p:cNvPr id="13" name="Прямоугольник 12"/>
+          <p:cNvSpPr/>
+          <p:nvPr/>
+        </p:nvSpPr>
+        <p:spPr>
+          <a:xfrm>
+            <a:off x="6179018" y="2858744"/>
+            <a:ext cx="3260188" cy="400110"/>
+          </a:xfrm>
+          <a:prstGeom prst="rect">
+            <a:avLst/>
+          </a:prstGeom>
+        </p:spPr>
+        <p:txBody>
+          <a:bodyPr wrap="none">
+            <a:spAutoFit/>
+          </a:bodyPr>
+          <a:lstStyle/>
+          <a:p>
+            <a:r>
+              <a:rPr lang="ru-RU" sz="2000" u="sng" dirty="0" smtClean="0"/>
+              <a:t>5) Юзабилити-тестирование</a:t>
+            </a:r>
+            <a:endParaRPr lang="ru-RU" sz="2000" u="sng" dirty="0"/>
           </a:p>
         </p:txBody>
       </p:sp>
     </p:spTree>
     <p:extLst>
       <p:ext uri="{BB962C8B-B14F-4D97-AF65-F5344CB8AC3E}">
-        <p14:creationId xmlns:p14="http://schemas.microsoft.com/office/powerpoint/2010/main" val="2362220205"/>
+        <p14:creationId xmlns:p14="http://schemas.microsoft.com/office/powerpoint/2010/main" val="1661408023"/>
       </p:ext>
     </p:extLst>
   </p:cSld>
@@ -6497,7 +6811,7 @@
           <a:p>
             <a:r>
               <a:rPr lang="ru-RU" dirty="0"/>
-              <a:t>Отчет о тестировании</a:t>
+              <a:t>Выводы</a:t>
             </a:r>
           </a:p>
         </p:txBody>
@@ -6505,7 +6819,7 @@
     </p:spTree>
     <p:extLst>
       <p:ext uri="{BB962C8B-B14F-4D97-AF65-F5344CB8AC3E}">
-        <p14:creationId xmlns:p14="http://schemas.microsoft.com/office/powerpoint/2010/main" val="2947701087"/>
+        <p14:creationId xmlns:p14="http://schemas.microsoft.com/office/powerpoint/2010/main" val="1903829905"/>
       </p:ext>
     </p:extLst>
   </p:cSld>
@@ -6556,65 +6870,6 @@
           <a:p>
             <a:r>
               <a:rPr lang="ru-RU" dirty="0"/>
-              <a:t>Выводы</a:t>
-            </a:r>
-          </a:p>
-        </p:txBody>
-      </p:sp>
-    </p:spTree>
-    <p:extLst>
-      <p:ext uri="{BB962C8B-B14F-4D97-AF65-F5344CB8AC3E}">
-        <p14:creationId xmlns:p14="http://schemas.microsoft.com/office/powerpoint/2010/main" val="1903829905"/>
-      </p:ext>
-    </p:extLst>
-  </p:cSld>
-  <p:clrMapOvr>
-    <a:masterClrMapping/>
-  </p:clrMapOvr>
-  <p:timing>
-    <p:tnLst>
-      <p:par>
-        <p:cTn id="1" dur="indefinite" restart="never" nodeType="tmRoot"/>
-      </p:par>
-    </p:tnLst>
-  </p:timing>
-</p:sld>
-</file>
-
-<file path=ppt/slides/slide27.xml><?xml version="1.0" encoding="utf-8"?>
-<p:sld xmlns:a="http://schemas.openxmlformats.org/drawingml/2006/main" xmlns:r="http://schemas.openxmlformats.org/officeDocument/2006/relationships" xmlns:p="http://schemas.openxmlformats.org/presentationml/2006/main">
-  <p:cSld>
-    <p:spTree>
-      <p:nvGrpSpPr>
-        <p:cNvPr id="1" name=""/>
-        <p:cNvGrpSpPr/>
-        <p:nvPr/>
-      </p:nvGrpSpPr>
-      <p:grpSpPr>
-        <a:xfrm>
-          <a:off x="0" y="0"/>
-          <a:ext cx="0" cy="0"/>
-          <a:chOff x="0" y="0"/>
-          <a:chExt cx="0" cy="0"/>
-        </a:xfrm>
-      </p:grpSpPr>
-      <p:sp>
-        <p:nvSpPr>
-          <p:cNvPr id="2" name="Заголовок 1"/>
-          <p:cNvSpPr>
-            <a:spLocks noGrp="1"/>
-          </p:cNvSpPr>
-          <p:nvPr>
-            <p:ph type="title"/>
-          </p:nvPr>
-        </p:nvSpPr>
-        <p:spPr/>
-        <p:txBody>
-          <a:bodyPr/>
-          <a:lstStyle/>
-          <a:p>
-            <a:r>
-              <a:rPr lang="ru-RU" dirty="0"/>
               <a:t>Практическая ценность</a:t>
             </a:r>
           </a:p>
@@ -6640,7 +6895,7 @@
 </p:sld>
 </file>
 
-<file path=ppt/slides/slide28.xml><?xml version="1.0" encoding="utf-8"?>
+<file path=ppt/slides/slide27.xml><?xml version="1.0" encoding="utf-8"?>
 <p:sld xmlns:a="http://schemas.openxmlformats.org/drawingml/2006/main" xmlns:r="http://schemas.openxmlformats.org/officeDocument/2006/relationships" xmlns:p="http://schemas.openxmlformats.org/presentationml/2006/main">
   <p:cSld>
     <p:spTree>
@@ -6781,7 +7036,7 @@
           <p:cNvPr id="1028" name="Picture 4">
             <a:extLst>
               <a:ext uri="{FF2B5EF4-FFF2-40B4-BE49-F238E27FC236}">
-                <a16:creationId xmlns:a16="http://schemas.microsoft.com/office/drawing/2014/main" id="{30ABCFD2-C3DA-4EDF-B89B-87C2319C53F8}"/>
+                <a16:creationId xmlns:a16="http://schemas.microsoft.com/office/drawing/2014/main" xmlns="" id="{30ABCFD2-C3DA-4EDF-B89B-87C2319C53F8}"/>
               </a:ext>
             </a:extLst>
           </p:cNvPr>
@@ -6902,7 +7157,7 @@
           <p:cNvPr id="3" name="Прямоугольник 2">
             <a:extLst>
               <a:ext uri="{FF2B5EF4-FFF2-40B4-BE49-F238E27FC236}">
-                <a16:creationId xmlns:a16="http://schemas.microsoft.com/office/drawing/2014/main" id="{C53A0080-971A-4849-B7B4-78201BA5AE12}"/>
+                <a16:creationId xmlns:a16="http://schemas.microsoft.com/office/drawing/2014/main" xmlns="" id="{C53A0080-971A-4849-B7B4-78201BA5AE12}"/>
               </a:ext>
             </a:extLst>
           </p:cNvPr>
@@ -7020,7 +7275,7 @@
           <p:cNvPr id="4" name="Прямоугольник 3">
             <a:extLst>
               <a:ext uri="{FF2B5EF4-FFF2-40B4-BE49-F238E27FC236}">
-                <a16:creationId xmlns:a16="http://schemas.microsoft.com/office/drawing/2014/main" id="{D703FACC-6B90-4590-A0AF-24A131AD3FCC}"/>
+                <a16:creationId xmlns:a16="http://schemas.microsoft.com/office/drawing/2014/main" xmlns="" id="{D703FACC-6B90-4590-A0AF-24A131AD3FCC}"/>
               </a:ext>
             </a:extLst>
           </p:cNvPr>
@@ -8252,7 +8507,7 @@
     </a:clrScheme>
     <a:fontScheme name="Стандартная">
       <a:majorFont>
-        <a:latin typeface="Calibri Light" panose="020F0302020204030204"/>
+        <a:latin typeface="Calibri Light"/>
         <a:ea typeface=""/>
         <a:cs typeface=""/>
         <a:font script="Jpan" typeface="游ゴシック Light"/>
@@ -8287,7 +8542,7 @@
         <a:font script="Geor" typeface="Sylfaen"/>
       </a:majorFont>
       <a:minorFont>
-        <a:latin typeface="Calibri" panose="020F0502020204030204"/>
+        <a:latin typeface="Calibri"/>
         <a:ea typeface=""/>
         <a:cs typeface=""/>
         <a:font script="Jpan" typeface="游ゴシック"/>
@@ -8464,7 +8719,7 @@
   <a:extraClrSchemeLst/>
   <a:extLst>
     <a:ext uri="{05A4C25C-085E-4340-85A3-A5531E510DB2}">
-      <thm15:themeFamily xmlns:thm15="http://schemas.microsoft.com/office/thememl/2012/main" name="Office Theme" id="{62F939B6-93AF-4DB8-9C6B-D6C7DFDC589F}" vid="{4A3C46E8-61CC-4603-A589-7422A47A8E4A}"/>
+      <thm15:themeFamily xmlns:thm15="http://schemas.microsoft.com/office/thememl/2012/main" xmlns="" name="Office Theme" id="{62F939B6-93AF-4DB8-9C6B-D6C7DFDC589F}" vid="{4A3C46E8-61CC-4603-A589-7422A47A8E4A}"/>
     </a:ext>
   </a:extLst>
 </a:theme>

--- a/docs/Timelon.pptx
+++ b/docs/Timelon.pptx
@@ -30,8 +30,6 @@
     <p:sldId id="286" r:id="rId24"/>
     <p:sldId id="295" r:id="rId25"/>
     <p:sldId id="289" r:id="rId26"/>
-    <p:sldId id="264" r:id="rId27"/>
-    <p:sldId id="266" r:id="rId28"/>
   </p:sldIdLst>
   <p:sldSz cx="12192000" cy="6858000"/>
   <p:notesSz cx="6858000" cy="9144000"/>
@@ -132,7 +130,18 @@
   </p:defaultTextStyle>
   <p:extLst>
     <p:ext uri="{EFAFB233-063F-42B5-8137-9DF3F51BA10A}">
-      <p15:sldGuideLst xmlns:p15="http://schemas.microsoft.com/office/powerpoint/2012/main" xmlns=""/>
+      <p15:sldGuideLst xmlns:p15="http://schemas.microsoft.com/office/powerpoint/2012/main">
+        <p15:guide id="1" orient="horz" pos="2160">
+          <p15:clr>
+            <a:srgbClr val="A4A3A4"/>
+          </p15:clr>
+        </p15:guide>
+        <p15:guide id="2" pos="3840">
+          <p15:clr>
+            <a:srgbClr val="A4A3A4"/>
+          </p15:clr>
+        </p15:guide>
+      </p15:sldGuideLst>
     </p:ext>
   </p:extLst>
 </p:presentation>
@@ -3030,13 +3039,6 @@
   <p:clrMapOvr>
     <a:masterClrMapping/>
   </p:clrMapOvr>
-  <p:timing>
-    <p:tnLst>
-      <p:par>
-        <p:cTn id="1" dur="indefinite" restart="never" nodeType="tmRoot"/>
-      </p:par>
-    </p:tnLst>
-  </p:timing>
 </p:sld>
 </file>
 
@@ -3101,11 +3103,11 @@
           <a:lstStyle/>
           <a:p>
             <a:r>
-              <a:rPr lang="ru-RU" sz="2400" dirty="0" smtClean="0"/>
+              <a:rPr lang="ru-RU" sz="2400" dirty="0"/>
               <a:t>Классы, реализуемые в рамках шаблона проектирования </a:t>
             </a:r>
             <a:r>
-              <a:rPr lang="en-US" sz="2400" dirty="0" smtClean="0"/>
+              <a:rPr lang="en-US" sz="2400" dirty="0"/>
               <a:t>MVVM</a:t>
             </a:r>
           </a:p>
@@ -3115,7 +3117,7 @@
               <a:buChar char="•"/>
             </a:pPr>
             <a:r>
-              <a:rPr lang="ru-RU" sz="2400" dirty="0" smtClean="0"/>
+              <a:rPr lang="ru-RU" sz="2400" dirty="0"/>
               <a:t>Класс </a:t>
             </a:r>
             <a:r>
@@ -3126,7 +3128,7 @@
               <a:rPr lang="en-US" sz="2400" dirty="0"/>
               <a:t> </a:t>
             </a:r>
-            <a:endParaRPr lang="ru-RU" sz="2400" dirty="0" smtClean="0"/>
+            <a:endParaRPr lang="ru-RU" sz="2400" dirty="0"/>
           </a:p>
           <a:p>
             <a:pPr marL="342900" indent="-342900">
@@ -3134,23 +3136,23 @@
               <a:buChar char="•"/>
             </a:pPr>
             <a:r>
-              <a:rPr lang="en-US" sz="2400" dirty="0" err="1" smtClean="0"/>
+              <a:rPr lang="en-US" sz="2400" dirty="0" err="1"/>
               <a:t>MainWindow</a:t>
             </a:r>
             <a:r>
-              <a:rPr lang="ru-RU" sz="2400" dirty="0" smtClean="0"/>
+              <a:rPr lang="ru-RU" sz="2400" dirty="0"/>
               <a:t>.</a:t>
             </a:r>
             <a:r>
-              <a:rPr lang="en-US" sz="2400" dirty="0" err="1" smtClean="0"/>
+              <a:rPr lang="en-US" sz="2400" dirty="0" err="1"/>
               <a:t>xaml</a:t>
             </a:r>
             <a:r>
-              <a:rPr lang="ru-RU" sz="2400" dirty="0" smtClean="0"/>
+              <a:rPr lang="ru-RU" sz="2400" dirty="0"/>
               <a:t> и </a:t>
             </a:r>
             <a:r>
-              <a:rPr lang="en-US" sz="2400" dirty="0" err="1" smtClean="0"/>
+              <a:rPr lang="en-US" sz="2400" dirty="0" err="1"/>
               <a:t>MainWindow.xaml.cs</a:t>
             </a:r>
             <a:endParaRPr lang="ru-RU" sz="2400" dirty="0"/>
@@ -3161,36 +3163,36 @@
               <a:buChar char="•"/>
             </a:pPr>
             <a:r>
-              <a:rPr lang="ru-RU" sz="2400" dirty="0" smtClean="0"/>
+              <a:rPr lang="ru-RU" sz="2400" dirty="0"/>
               <a:t>Класс </a:t>
             </a:r>
             <a:r>
-              <a:rPr lang="en-US" sz="2400" dirty="0" err="1" smtClean="0"/>
+              <a:rPr lang="en-US" sz="2400" dirty="0" err="1"/>
               <a:t>RelayCommand</a:t>
             </a:r>
-            <a:endParaRPr lang="ru-RU" sz="2400" dirty="0" smtClean="0"/>
-          </a:p>
-          <a:p>
-            <a:r>
-              <a:rPr lang="ru-RU" sz="2400" dirty="0" smtClean="0"/>
+            <a:endParaRPr lang="ru-RU" sz="2400" dirty="0"/>
+          </a:p>
+          <a:p>
+            <a:r>
+              <a:rPr lang="ru-RU" sz="2400" dirty="0"/>
               <a:t>Для взаимодействия пользователя и приложения в MVVM используются команды и события. </a:t>
             </a:r>
           </a:p>
           <a:p>
             <a:r>
-              <a:rPr lang="ru-RU" sz="2400" dirty="0" smtClean="0"/>
+              <a:rPr lang="ru-RU" sz="2400" dirty="0"/>
               <a:t>Команды обеспечивают слой абстракции – класс </a:t>
             </a:r>
             <a:r>
-              <a:rPr lang="en-US" sz="2400" dirty="0" err="1" smtClean="0"/>
+              <a:rPr lang="en-US" sz="2400" dirty="0" err="1"/>
               <a:t>RelayCommand</a:t>
             </a:r>
             <a:r>
-              <a:rPr lang="en-US" sz="2400" dirty="0" smtClean="0"/>
+              <a:rPr lang="en-US" sz="2400" dirty="0"/>
               <a:t>,</a:t>
             </a:r>
             <a:r>
-              <a:rPr lang="ru-RU" sz="2400" dirty="0" smtClean="0"/>
+              <a:rPr lang="ru-RU" sz="2400" dirty="0"/>
               <a:t> между семантикой элементов управления и логикой библиотеки классов.</a:t>
             </a:r>
           </a:p>
@@ -3206,13 +3208,6 @@
   <p:clrMapOvr>
     <a:masterClrMapping/>
   </p:clrMapOvr>
-  <p:timing>
-    <p:tnLst>
-      <p:par>
-        <p:cTn id="1" dur="indefinite" restart="never" nodeType="tmRoot"/>
-      </p:par>
-    </p:tnLst>
-  </p:timing>
 </p:sld>
 </file>
 
@@ -3331,13 +3326,6 @@
   <p:clrMapOvr>
     <a:masterClrMapping/>
   </p:clrMapOvr>
-  <p:timing>
-    <p:tnLst>
-      <p:par>
-        <p:cTn id="1" dur="indefinite" restart="never" nodeType="tmRoot"/>
-      </p:par>
-    </p:tnLst>
-  </p:timing>
 </p:sld>
 </file>
 
@@ -3374,23 +3362,19 @@
           <a:lstStyle/>
           <a:p>
             <a:r>
-              <a:rPr lang="ru-RU" dirty="0" smtClean="0"/>
+              <a:rPr lang="ru-RU" dirty="0"/>
               <a:t>Технология </a:t>
             </a:r>
             <a:r>
-              <a:rPr lang="en-US" dirty="0" smtClean="0"/>
+              <a:rPr lang="en-US" dirty="0"/>
               <a:t>WPF </a:t>
             </a:r>
             <a:r>
               <a:rPr lang="ru-RU" dirty="0"/>
-              <a:t>и </a:t>
-            </a:r>
-            <a:r>
-              <a:rPr lang="ru-RU" dirty="0" smtClean="0"/>
-              <a:t>язык </a:t>
-            </a:r>
-            <a:r>
-              <a:rPr lang="en-US" dirty="0" smtClean="0"/>
+              <a:t>и язык </a:t>
+            </a:r>
+            <a:r>
+              <a:rPr lang="en-US" dirty="0"/>
               <a:t>XAML</a:t>
             </a:r>
             <a:endParaRPr lang="ru-RU" dirty="0"/>
@@ -3421,11 +3405,7 @@
             <a:pPr algn="just"/>
             <a:r>
               <a:rPr lang="ru-RU" dirty="0"/>
-              <a:t>WPF </a:t>
-            </a:r>
-            <a:r>
-              <a:rPr lang="ru-RU" dirty="0" smtClean="0"/>
-              <a:t>(</a:t>
+              <a:t>WPF (</a:t>
             </a:r>
             <a:r>
               <a:rPr lang="ru-RU" dirty="0" err="1"/>
@@ -3444,16 +3424,12 @@
               <a:t> </a:t>
             </a:r>
             <a:r>
-              <a:rPr lang="ru-RU" dirty="0" err="1" smtClean="0"/>
+              <a:rPr lang="ru-RU" dirty="0" err="1"/>
               <a:t>Foundation</a:t>
             </a:r>
             <a:r>
-              <a:rPr lang="ru-RU" dirty="0" smtClean="0"/>
-              <a:t>) </a:t>
-            </a:r>
-            <a:r>
               <a:rPr lang="ru-RU" dirty="0"/>
-              <a:t>— аналог </a:t>
+              <a:t>) — аналог </a:t>
             </a:r>
             <a:r>
               <a:rPr lang="ru-RU" dirty="0" err="1"/>
@@ -3461,11 +3437,7 @@
             </a:r>
             <a:r>
               <a:rPr lang="ru-RU" dirty="0"/>
-              <a:t>, система для построения </a:t>
-            </a:r>
-            <a:r>
-              <a:rPr lang="ru-RU" dirty="0" smtClean="0"/>
-              <a:t>приложений </a:t>
+              <a:t>, система для построения приложений </a:t>
             </a:r>
             <a:r>
               <a:rPr lang="ru-RU" dirty="0" err="1"/>
@@ -3473,42 +3445,21 @@
             </a:r>
             <a:r>
               <a:rPr lang="ru-RU" dirty="0"/>
-              <a:t> с визуально </a:t>
-            </a:r>
-            <a:r>
-              <a:rPr lang="ru-RU" dirty="0" smtClean="0"/>
-              <a:t>привлекательными </a:t>
+              <a:t> с визуально привлекательными возможностями взаимодействия с пользователем</a:t>
+            </a:r>
+            <a:r>
+              <a:rPr lang="en-US" dirty="0"/>
+              <a:t>.</a:t>
             </a:r>
             <a:r>
               <a:rPr lang="ru-RU" dirty="0"/>
-              <a:t>возможностями взаимодействия с </a:t>
-            </a:r>
-            <a:r>
-              <a:rPr lang="ru-RU" dirty="0" smtClean="0"/>
-              <a:t>пользователем</a:t>
-            </a:r>
-            <a:r>
-              <a:rPr lang="en-US" dirty="0" smtClean="0"/>
-              <a:t>.</a:t>
-            </a:r>
-            <a:r>
-              <a:rPr lang="ru-RU" dirty="0" smtClean="0"/>
-              <a:t> Использует </a:t>
-            </a:r>
+              <a:t> Использует язык разметки XAML.</a:t>
+            </a:r>
+          </a:p>
+          <a:p>
+            <a:pPr algn="just"/>
             <a:r>
               <a:rPr lang="ru-RU" dirty="0"/>
-              <a:t>язык </a:t>
-            </a:r>
-            <a:r>
-              <a:rPr lang="ru-RU" dirty="0" smtClean="0"/>
-              <a:t>разметки XAML.</a:t>
-            </a:r>
-            <a:endParaRPr lang="ru-RU" dirty="0"/>
-          </a:p>
-          <a:p>
-            <a:pPr algn="just"/>
-            <a:r>
-              <a:rPr lang="ru-RU" dirty="0" smtClean="0"/>
               <a:t>Преимущества использования технологии </a:t>
             </a:r>
             <a:r>
@@ -3528,74 +3479,53 @@
               <a:t> </a:t>
             </a:r>
             <a:r>
-              <a:rPr lang="ru-RU" dirty="0" err="1" smtClean="0"/>
+              <a:rPr lang="ru-RU" dirty="0" err="1"/>
               <a:t>Foundation</a:t>
             </a:r>
             <a:r>
-              <a:rPr lang="ru-RU" dirty="0" smtClean="0"/>
+              <a:rPr lang="ru-RU" dirty="0"/>
               <a:t>:</a:t>
             </a:r>
+          </a:p>
+          <a:p>
+            <a:pPr marL="285750" indent="-285750" algn="just">
+              <a:buFont typeface="Arial" panose="020B0604020202020204" pitchFamily="34" charset="0"/>
+              <a:buChar char="•"/>
+            </a:pPr>
+            <a:r>
+              <a:rPr lang="ru-RU" dirty="0"/>
+              <a:t>Гибкая настройка визуального и функционального представления элементов управления</a:t>
+            </a:r>
+          </a:p>
+          <a:p>
+            <a:pPr marL="285750" indent="-285750" algn="just">
+              <a:buFont typeface="Arial" panose="020B0604020202020204" pitchFamily="34" charset="0"/>
+              <a:buChar char="•"/>
+            </a:pPr>
+            <a:r>
+              <a:rPr lang="ru-RU" dirty="0"/>
+              <a:t>Более прозрачная разработка, что позволяет работать в команде и поддерживать проект на протяжении долгого времени</a:t>
+            </a:r>
+          </a:p>
+          <a:p>
+            <a:pPr marL="285750" indent="-285750" algn="just">
+              <a:buFont typeface="Arial" panose="020B0604020202020204" pitchFamily="34" charset="0"/>
+              <a:buChar char="•"/>
+            </a:pPr>
+            <a:r>
+              <a:rPr lang="ru-RU" dirty="0"/>
+              <a:t>Возможность изучить новые технологии и методы разработки интерфейса</a:t>
+            </a:r>
+          </a:p>
+          <a:p>
+            <a:pPr algn="just"/>
             <a:endParaRPr lang="ru-RU" dirty="0"/>
           </a:p>
           <a:p>
-            <a:pPr marL="285750" indent="-285750" algn="just">
-              <a:buFont typeface="Arial" panose="020B0604020202020204" pitchFamily="34" charset="0"/>
-              <a:buChar char="•"/>
-            </a:pPr>
-            <a:r>
-              <a:rPr lang="ru-RU" dirty="0" smtClean="0"/>
-              <a:t>Гибкая </a:t>
-            </a:r>
+            <a:pPr algn="just"/>
             <a:r>
               <a:rPr lang="ru-RU" dirty="0"/>
-              <a:t>настройка визуального и функционального представления элементов управления</a:t>
-            </a:r>
-          </a:p>
-          <a:p>
-            <a:pPr marL="285750" indent="-285750" algn="just">
-              <a:buFont typeface="Arial" panose="020B0604020202020204" pitchFamily="34" charset="0"/>
-              <a:buChar char="•"/>
-            </a:pPr>
-            <a:r>
-              <a:rPr lang="ru-RU" dirty="0" smtClean="0"/>
-              <a:t>Более </a:t>
-            </a:r>
-            <a:r>
-              <a:rPr lang="ru-RU" dirty="0"/>
-              <a:t>прозрачная разработка, что позволяет работать в команде и поддерживать проект на протяжении долгого времени</a:t>
-            </a:r>
-          </a:p>
-          <a:p>
-            <a:pPr marL="285750" indent="-285750" algn="just">
-              <a:buFont typeface="Arial" panose="020B0604020202020204" pitchFamily="34" charset="0"/>
-              <a:buChar char="•"/>
-            </a:pPr>
-            <a:r>
-              <a:rPr lang="ru-RU" dirty="0" smtClean="0"/>
-              <a:t>Возможность </a:t>
-            </a:r>
-            <a:r>
-              <a:rPr lang="ru-RU" dirty="0"/>
-              <a:t>изучить новые технологии и методы разработки </a:t>
-            </a:r>
-            <a:r>
-              <a:rPr lang="ru-RU" dirty="0" smtClean="0"/>
-              <a:t>интерфейса</a:t>
-            </a:r>
-          </a:p>
-          <a:p>
-            <a:pPr algn="just"/>
-            <a:endParaRPr lang="ru-RU" dirty="0" smtClean="0"/>
-          </a:p>
-          <a:p>
-            <a:pPr algn="just"/>
-            <a:r>
-              <a:rPr lang="ru-RU" dirty="0" smtClean="0"/>
-              <a:t>XAML </a:t>
-            </a:r>
-            <a:r>
-              <a:rPr lang="ru-RU" dirty="0"/>
-              <a:t>(</a:t>
+              <a:t>XAML (</a:t>
             </a:r>
             <a:r>
               <a:rPr lang="ru-RU" dirty="0" err="1"/>
@@ -3627,38 +3557,26 @@
             </a:r>
             <a:r>
               <a:rPr lang="ru-RU" dirty="0"/>
-              <a:t>) - язык разметки, используемый для инициализации объектов в технологиях на платформе .NET. Применительно к WPF </a:t>
-            </a:r>
-            <a:r>
-              <a:rPr lang="ru-RU" dirty="0" smtClean="0"/>
-              <a:t>данный </a:t>
-            </a:r>
-            <a:r>
-              <a:rPr lang="ru-RU" dirty="0"/>
-              <a:t>язык используется прежде всего для создания пользовательского интерфейса декларативным </a:t>
-            </a:r>
-            <a:r>
-              <a:rPr lang="ru-RU" dirty="0" smtClean="0"/>
-              <a:t>путем</a:t>
+              <a:t>) - язык разметки, используемый для инициализации объектов в технологиях на платформе .NET. Применительно к WPF данный язык используется прежде всего для создания пользовательского интерфейса декларативным путем</a:t>
             </a:r>
             <a:r>
               <a:rPr lang="en-US" dirty="0"/>
               <a:t>.</a:t>
             </a:r>
-            <a:endParaRPr lang="ru-RU" dirty="0" smtClean="0"/>
+            <a:endParaRPr lang="ru-RU" dirty="0"/>
           </a:p>
           <a:p>
             <a:pPr algn="just"/>
             <a:r>
-              <a:rPr lang="ru-RU" dirty="0" smtClean="0"/>
+              <a:rPr lang="ru-RU" dirty="0"/>
               <a:t>Преимущества языка </a:t>
             </a:r>
             <a:r>
-              <a:rPr lang="en-US" dirty="0" smtClean="0"/>
+              <a:rPr lang="en-US" dirty="0"/>
               <a:t>XAML</a:t>
             </a:r>
             <a:r>
-              <a:rPr lang="ru-RU" dirty="0" smtClean="0"/>
+              <a:rPr lang="ru-RU" dirty="0"/>
               <a:t>: </a:t>
             </a:r>
           </a:p>
@@ -3668,18 +3586,9 @@
               <a:buChar char="•"/>
             </a:pPr>
             <a:r>
-              <a:rPr lang="ru-RU" dirty="0" smtClean="0"/>
-              <a:t>Возможность </a:t>
-            </a:r>
-            <a:r>
               <a:rPr lang="ru-RU" dirty="0"/>
-              <a:t>отделить графический интерфейс от логики </a:t>
-            </a:r>
-            <a:r>
-              <a:rPr lang="ru-RU" dirty="0" smtClean="0"/>
-              <a:t>приложения</a:t>
-            </a:r>
-            <a:endParaRPr lang="ru-RU" dirty="0"/>
+              <a:t>Возможность отделить графический интерфейс от логики приложения</a:t>
+            </a:r>
           </a:p>
           <a:p>
             <a:pPr marL="285750" indent="-285750" algn="just">
@@ -3687,16 +3596,8 @@
               <a:buChar char="•"/>
             </a:pPr>
             <a:r>
-              <a:rPr lang="ru-RU" dirty="0" smtClean="0"/>
-              <a:t>Компактность</a:t>
-            </a:r>
-            <a:r>
               <a:rPr lang="ru-RU" dirty="0"/>
-              <a:t>, </a:t>
-            </a:r>
-            <a:r>
-              <a:rPr lang="ru-RU" dirty="0" smtClean="0"/>
-              <a:t>понятность </a:t>
+              <a:t>Компактность, понятность </a:t>
             </a:r>
           </a:p>
           <a:p>
@@ -3705,14 +3606,9 @@
               <a:buChar char="•"/>
             </a:pPr>
             <a:r>
-              <a:rPr lang="ru-RU" dirty="0" smtClean="0"/>
-              <a:t>Код </a:t>
-            </a:r>
-            <a:r>
               <a:rPr lang="ru-RU" dirty="0"/>
-              <a:t>на XAML относительно легко поддерживать.</a:t>
-            </a:r>
-            <a:endParaRPr lang="ru-RU" dirty="0" smtClean="0"/>
+              <a:t>Код на XAML относительно легко поддерживать.</a:t>
+            </a:r>
           </a:p>
         </p:txBody>
       </p:sp>
@@ -3726,13 +3622,6 @@
   <p:clrMapOvr>
     <a:masterClrMapping/>
   </p:clrMapOvr>
-  <p:timing>
-    <p:tnLst>
-      <p:par>
-        <p:cTn id="1" dur="indefinite" restart="never" nodeType="tmRoot"/>
-      </p:par>
-    </p:tnLst>
-  </p:timing>
 </p:sld>
 </file>
 
@@ -3799,15 +3688,7 @@
             <a:pPr algn="just"/>
             <a:r>
               <a:rPr lang="ru-RU" sz="2000" dirty="0"/>
-              <a:t>Стилизация и использование шаблонов </a:t>
-            </a:r>
-            <a:r>
-              <a:rPr lang="ru-RU" sz="2000" dirty="0" smtClean="0"/>
-              <a:t>WPF </a:t>
-            </a:r>
-            <a:r>
-              <a:rPr lang="ru-RU" sz="2000" dirty="0"/>
-              <a:t>относятся к набору возможностей, которые позволяют разработчикам и дизайнерам создавать визуально привлекательные эффекты и согласованный внешний вид своих продуктов. При настройке внешнего вида приложения необходима строгая модель стилизации и шаблонов, обеспечивающая обслуживание и совместное использование внешнего вида в приложениях и между ними. WPF предоставляет такую модель.</a:t>
+              <a:t>Стилизация и использование шаблонов WPF относятся к набору возможностей, которые позволяют разработчикам и дизайнерам создавать визуально привлекательные эффекты и согласованный внешний вид своих продуктов. При настройке внешнего вида приложения необходима строгая модель стилизации и шаблонов, обеспечивающая обслуживание и совместное использование внешнего вида в приложениях и между ними. WPF предоставляет такую модель.</a:t>
             </a:r>
           </a:p>
           <a:p>
@@ -3829,14 +3710,13 @@
               <a:t> </a:t>
             </a:r>
             <a:r>
-              <a:rPr lang="ru-RU" sz="2000" dirty="0" err="1" smtClean="0"/>
+              <a:rPr lang="ru-RU" sz="2000" dirty="0" err="1"/>
               <a:t>Basic</a:t>
             </a:r>
             <a:r>
-              <a:rPr lang="ru-RU" sz="2000" dirty="0" smtClean="0"/>
+              <a:rPr lang="ru-RU" sz="2000" dirty="0"/>
               <a:t>. Также стили сокращают повторное использование кода.</a:t>
             </a:r>
-            <a:endParaRPr lang="ru-RU" sz="2000" dirty="0"/>
           </a:p>
         </p:txBody>
       </p:sp>
@@ -3850,13 +3730,6 @@
   <p:clrMapOvr>
     <a:masterClrMapping/>
   </p:clrMapOvr>
-  <p:timing>
-    <p:tnLst>
-      <p:par>
-        <p:cTn id="1" dur="indefinite" restart="never" nodeType="tmRoot"/>
-      </p:par>
-    </p:tnLst>
-  </p:timing>
 </p:sld>
 </file>
 
@@ -3904,7 +3777,7 @@
               <a:t>Пространство имен </a:t>
             </a:r>
             <a:r>
-              <a:rPr lang="en-US" sz="3200" dirty="0" err="1" smtClean="0"/>
+              <a:rPr lang="en-US" sz="3200" dirty="0" err="1"/>
               <a:t>Timelon</a:t>
             </a:r>
             <a:endParaRPr lang="ru-RU" sz="3200" dirty="0"/>
@@ -3934,24 +3807,16 @@
           <a:p>
             <a:pPr algn="just"/>
             <a:r>
-              <a:rPr lang="ru-RU" sz="2000" dirty="0" smtClean="0"/>
+              <a:rPr lang="ru-RU" sz="2000" dirty="0"/>
               <a:t>Класс </a:t>
             </a:r>
             <a:r>
-              <a:rPr lang="en-US" sz="2000" dirty="0" smtClean="0"/>
+              <a:rPr lang="en-US" sz="2000" dirty="0"/>
               <a:t>Manager</a:t>
             </a:r>
             <a:r>
-              <a:rPr lang="ru-RU" sz="2000" dirty="0" smtClean="0"/>
-              <a:t>Отвечает </a:t>
-            </a:r>
-            <a:r>
               <a:rPr lang="ru-RU" sz="2000" dirty="0"/>
-              <a:t>за сохранение и загрузку данных, а также хранение объектов, полученных из этих данных (Следует иметь ввиду, что при использовании Менеджера в своих решениях, желательно инициализировать экземпляр класса как можно раньше, если он не был инициализирован до этого</a:t>
-            </a:r>
-            <a:r>
-              <a:rPr lang="ru-RU" sz="2000" dirty="0" smtClean="0"/>
-              <a:t>.) </a:t>
+              <a:t>Отвечает за сохранение и загрузку данных, а также хранение объектов, полученных из этих данных (Следует иметь ввиду, что при использовании Менеджера в своих решениях, желательно инициализировать экземпляр класса как можно раньше, если он не был инициализирован до этого.) </a:t>
             </a:r>
           </a:p>
           <a:p>
@@ -3961,102 +3826,76 @@
           <a:p>
             <a:pPr algn="just"/>
             <a:r>
-              <a:rPr lang="ru-RU" sz="2000" dirty="0" smtClean="0"/>
+              <a:rPr lang="ru-RU" sz="2000" dirty="0"/>
               <a:t>Методы класс:</a:t>
             </a:r>
+          </a:p>
+          <a:p>
+            <a:pPr marL="285750" indent="-285750" algn="just">
+              <a:buFont typeface="Arial" panose="020B0604020202020204" pitchFamily="34" charset="0"/>
+              <a:buChar char="•"/>
+            </a:pPr>
+            <a:r>
+              <a:rPr lang="ru-RU" sz="2000" dirty="0" err="1"/>
+              <a:t>GetList</a:t>
+            </a:r>
+            <a:r>
+              <a:rPr lang="ru-RU" sz="2000" dirty="0"/>
+              <a:t> (Получение списка)</a:t>
+            </a:r>
+          </a:p>
+          <a:p>
+            <a:pPr marL="285750" indent="-285750" algn="just">
+              <a:buFont typeface="Arial" panose="020B0604020202020204" pitchFamily="34" charset="0"/>
+              <a:buChar char="•"/>
+            </a:pPr>
+            <a:r>
+              <a:rPr lang="ru-RU" sz="2000" dirty="0" err="1"/>
+              <a:t>SetList</a:t>
+            </a:r>
+            <a:r>
+              <a:rPr lang="ru-RU" sz="2000" dirty="0"/>
+              <a:t> (Вставка Списка)</a:t>
+            </a:r>
+          </a:p>
+          <a:p>
+            <a:pPr marL="285750" indent="-285750" algn="just">
+              <a:buFont typeface="Arial" panose="020B0604020202020204" pitchFamily="34" charset="0"/>
+              <a:buChar char="•"/>
+            </a:pPr>
+            <a:r>
+              <a:rPr lang="ru-RU" sz="2000" dirty="0" err="1"/>
+              <a:t>RemoveList</a:t>
+            </a:r>
+            <a:r>
+              <a:rPr lang="ru-RU" sz="2000" dirty="0"/>
+              <a:t> (Удаление Списка)</a:t>
+            </a:r>
+          </a:p>
+          <a:p>
+            <a:pPr marL="285750" indent="-285750" algn="just">
+              <a:buFont typeface="Arial" panose="020B0604020202020204" pitchFamily="34" charset="0"/>
+              <a:buChar char="•"/>
+            </a:pPr>
+            <a:r>
+              <a:rPr lang="ru-RU" sz="2000" dirty="0" err="1"/>
+              <a:t>ContainsList</a:t>
+            </a:r>
+            <a:r>
+              <a:rPr lang="ru-RU" sz="2000" dirty="0"/>
+              <a:t> (Проверка на существование Списка)</a:t>
+            </a:r>
+          </a:p>
+          <a:p>
+            <a:pPr algn="just"/>
             <a:endParaRPr lang="ru-RU" sz="2000" dirty="0"/>
           </a:p>
           <a:p>
-            <a:pPr marL="285750" indent="-285750" algn="just">
-              <a:buFont typeface="Arial" panose="020B0604020202020204" pitchFamily="34" charset="0"/>
-              <a:buChar char="•"/>
-            </a:pPr>
-            <a:r>
-              <a:rPr lang="ru-RU" sz="2000" dirty="0" err="1" smtClean="0"/>
-              <a:t>GetList</a:t>
-            </a:r>
-            <a:r>
-              <a:rPr lang="ru-RU" sz="2000" dirty="0" smtClean="0"/>
-              <a:t> </a:t>
-            </a:r>
+            <a:pPr algn="just"/>
             <a:r>
               <a:rPr lang="ru-RU" sz="2000" dirty="0"/>
-              <a:t>(Получение списка)</a:t>
-            </a:r>
-          </a:p>
-          <a:p>
-            <a:pPr marL="285750" indent="-285750" algn="just">
-              <a:buFont typeface="Arial" panose="020B0604020202020204" pitchFamily="34" charset="0"/>
-              <a:buChar char="•"/>
-            </a:pPr>
-            <a:r>
-              <a:rPr lang="ru-RU" sz="2000" dirty="0" err="1" smtClean="0"/>
-              <a:t>SetList</a:t>
-            </a:r>
-            <a:r>
-              <a:rPr lang="ru-RU" sz="2000" dirty="0" smtClean="0"/>
-              <a:t> </a:t>
-            </a:r>
-            <a:r>
-              <a:rPr lang="ru-RU" sz="2000" dirty="0"/>
-              <a:t>(Вставка Списка)</a:t>
-            </a:r>
-          </a:p>
-          <a:p>
-            <a:pPr marL="285750" indent="-285750" algn="just">
-              <a:buFont typeface="Arial" panose="020B0604020202020204" pitchFamily="34" charset="0"/>
-              <a:buChar char="•"/>
-            </a:pPr>
-            <a:r>
-              <a:rPr lang="ru-RU" sz="2000" dirty="0" err="1" smtClean="0"/>
-              <a:t>RemoveList</a:t>
-            </a:r>
-            <a:r>
-              <a:rPr lang="ru-RU" sz="2000" dirty="0" smtClean="0"/>
-              <a:t> </a:t>
-            </a:r>
-            <a:r>
-              <a:rPr lang="ru-RU" sz="2000" dirty="0"/>
-              <a:t>(Удаление Списка)</a:t>
-            </a:r>
-          </a:p>
-          <a:p>
-            <a:pPr marL="285750" indent="-285750" algn="just">
-              <a:buFont typeface="Arial" panose="020B0604020202020204" pitchFamily="34" charset="0"/>
-              <a:buChar char="•"/>
-            </a:pPr>
-            <a:r>
-              <a:rPr lang="ru-RU" sz="2000" dirty="0" err="1" smtClean="0"/>
-              <a:t>ContainsList</a:t>
-            </a:r>
-            <a:r>
-              <a:rPr lang="ru-RU" sz="2000" dirty="0" smtClean="0"/>
-              <a:t> </a:t>
-            </a:r>
-            <a:r>
-              <a:rPr lang="ru-RU" sz="2000" dirty="0"/>
-              <a:t>(Проверка на существование Списка)</a:t>
-            </a:r>
-          </a:p>
-          <a:p>
-            <a:pPr algn="just"/>
-            <a:endParaRPr lang="ru-RU" sz="2000" dirty="0" smtClean="0"/>
-          </a:p>
-          <a:p>
-            <a:pPr algn="just"/>
-            <a:r>
-              <a:rPr lang="ru-RU" sz="2000" dirty="0" smtClean="0"/>
-              <a:t>Работа </a:t>
-            </a:r>
-            <a:r>
-              <a:rPr lang="ru-RU" sz="2000" dirty="0"/>
-              <a:t>с данными (XML</a:t>
-            </a:r>
-            <a:r>
-              <a:rPr lang="ru-RU" sz="2000" dirty="0" smtClean="0"/>
-              <a:t>):</a:t>
-            </a:r>
-            <a:endParaRPr lang="ru-RU" sz="2000" dirty="0"/>
+              <a:t>Работа с данными (XML):</a:t>
+            </a:r>
           </a:p>
           <a:p>
             <a:pPr algn="just"/>
@@ -4121,13 +3960,6 @@
   <p:clrMapOvr>
     <a:masterClrMapping/>
   </p:clrMapOvr>
-  <p:timing>
-    <p:tnLst>
-      <p:par>
-        <p:cTn id="1" dur="indefinite" restart="never" nodeType="tmRoot"/>
-      </p:par>
-    </p:tnLst>
-  </p:timing>
 </p:sld>
 </file>
 
@@ -4168,7 +4000,7 @@
               <a:t>Пространство имен </a:t>
             </a:r>
             <a:r>
-              <a:rPr lang="en-US" dirty="0" err="1" smtClean="0"/>
+              <a:rPr lang="en-US" dirty="0" err="1"/>
               <a:t>Timelon.Data</a:t>
             </a:r>
             <a:endParaRPr lang="ru-RU" dirty="0"/>
@@ -4261,13 +4093,8 @@
             <a:pPr algn="just"/>
             <a:r>
               <a:rPr lang="ru-RU" sz="2000" dirty="0"/>
-              <a:t>Абстрактные классы</a:t>
-            </a:r>
-            <a:r>
-              <a:rPr lang="ru-RU" sz="2000" dirty="0" smtClean="0"/>
-              <a:t>:</a:t>
-            </a:r>
-            <a:endParaRPr lang="ru-RU" sz="2000" dirty="0"/>
+              <a:t>Абстрактные классы:</a:t>
+            </a:r>
           </a:p>
           <a:p>
             <a:pPr marL="285750" indent="-285750" algn="just">
@@ -4275,20 +4102,12 @@
               <a:buChar char="•"/>
             </a:pPr>
             <a:r>
-              <a:rPr lang="ru-RU" sz="2000" dirty="0" err="1" smtClean="0"/>
+              <a:rPr lang="ru-RU" sz="2000" dirty="0" err="1"/>
               <a:t>Unique</a:t>
             </a:r>
             <a:r>
-              <a:rPr lang="ru-RU" sz="2000" dirty="0" smtClean="0"/>
-              <a:t>&lt;T</a:t>
-            </a:r>
-            <a:r>
               <a:rPr lang="ru-RU" sz="2000" dirty="0"/>
-              <a:t>&gt; (Уникальный Класс). Генерация уникальных идентификаторов в текущей </a:t>
-            </a:r>
-            <a:r>
-              <a:rPr lang="ru-RU" sz="2000" dirty="0" smtClean="0"/>
-              <a:t>сессии</a:t>
+              <a:t>&lt;T&gt; (Уникальный Класс). Генерация уникальных идентификаторов в текущей сессии</a:t>
             </a:r>
           </a:p>
           <a:p>
@@ -4297,19 +4116,19 @@
               <a:buChar char="•"/>
             </a:pPr>
             <a:r>
-              <a:rPr lang="ru-RU" sz="2000" dirty="0" err="1" smtClean="0"/>
+              <a:rPr lang="ru-RU" sz="2000" dirty="0" err="1"/>
               <a:t>DataContainer</a:t>
             </a:r>
             <a:r>
-              <a:rPr lang="ru-RU" sz="2000" dirty="0" smtClean="0"/>
+              <a:rPr lang="ru-RU" sz="2000" dirty="0"/>
               <a:t> (Контейнер Данных). Хранилище данных для </a:t>
             </a:r>
             <a:r>
-              <a:rPr lang="ru-RU" sz="2000" dirty="0" err="1" smtClean="0"/>
+              <a:rPr lang="ru-RU" sz="2000" dirty="0" err="1"/>
               <a:t>сериализации</a:t>
             </a:r>
             <a:r>
-              <a:rPr lang="ru-RU" sz="2000" dirty="0" smtClean="0"/>
+              <a:rPr lang="ru-RU" sz="2000" dirty="0"/>
               <a:t> в XML</a:t>
             </a:r>
           </a:p>
@@ -4324,13 +4143,8 @@
             <a:pPr algn="just"/>
             <a:r>
               <a:rPr lang="ru-RU" sz="2000" dirty="0"/>
-              <a:t>Инкапсулирующие классы</a:t>
-            </a:r>
-            <a:r>
-              <a:rPr lang="ru-RU" sz="2000" dirty="0" smtClean="0"/>
-              <a:t>:</a:t>
-            </a:r>
-            <a:endParaRPr lang="ru-RU" sz="2000" dirty="0"/>
+              <a:t>Инкапсулирующие классы:</a:t>
+            </a:r>
           </a:p>
           <a:p>
             <a:pPr marL="285750" indent="-285750" algn="just">
@@ -4338,22 +4152,13 @@
               <a:buChar char="•"/>
             </a:pPr>
             <a:r>
-              <a:rPr lang="ru-RU" sz="2000" dirty="0" err="1" smtClean="0"/>
+              <a:rPr lang="ru-RU" sz="2000" dirty="0" err="1"/>
               <a:t>DateTimeContainerData</a:t>
             </a:r>
             <a:r>
-              <a:rPr lang="ru-RU" sz="2000" dirty="0" smtClean="0"/>
-              <a:t> </a:t>
-            </a:r>
-            <a:r>
               <a:rPr lang="ru-RU" sz="2000" dirty="0"/>
-              <a:t>(Данные Контейнера Дат</a:t>
-            </a:r>
-            <a:r>
-              <a:rPr lang="ru-RU" sz="2000" dirty="0" smtClean="0"/>
-              <a:t>)</a:t>
-            </a:r>
-            <a:endParaRPr lang="ru-RU" sz="2000" dirty="0"/>
+              <a:t> (Данные Контейнера Дат)</a:t>
+            </a:r>
           </a:p>
           <a:p>
             <a:pPr marL="285750" indent="-285750" algn="just">
@@ -4361,22 +4166,13 @@
               <a:buChar char="•"/>
             </a:pPr>
             <a:r>
-              <a:rPr lang="ru-RU" sz="2000" dirty="0" err="1" smtClean="0"/>
+              <a:rPr lang="ru-RU" sz="2000" dirty="0" err="1"/>
               <a:t>CardData</a:t>
             </a:r>
             <a:r>
-              <a:rPr lang="ru-RU" sz="2000" dirty="0" smtClean="0"/>
-              <a:t> </a:t>
-            </a:r>
-            <a:r>
               <a:rPr lang="ru-RU" sz="2000" dirty="0"/>
-              <a:t>(Данные Карты</a:t>
-            </a:r>
-            <a:r>
-              <a:rPr lang="ru-RU" sz="2000" dirty="0" smtClean="0"/>
-              <a:t>)</a:t>
-            </a:r>
-            <a:endParaRPr lang="ru-RU" sz="2000" dirty="0"/>
+              <a:t> (Данные Карты)</a:t>
+            </a:r>
           </a:p>
           <a:p>
             <a:pPr marL="285750" indent="-285750" algn="just">
@@ -4384,22 +4180,13 @@
               <a:buChar char="•"/>
             </a:pPr>
             <a:r>
-              <a:rPr lang="ru-RU" sz="2000" dirty="0" err="1" smtClean="0"/>
+              <a:rPr lang="ru-RU" sz="2000" dirty="0" err="1"/>
               <a:t>CardListData</a:t>
             </a:r>
             <a:r>
-              <a:rPr lang="ru-RU" sz="2000" dirty="0" smtClean="0"/>
-              <a:t> </a:t>
-            </a:r>
-            <a:r>
               <a:rPr lang="ru-RU" sz="2000" dirty="0"/>
-              <a:t>(Данные Списка Карт</a:t>
-            </a:r>
-            <a:r>
-              <a:rPr lang="ru-RU" sz="2000" dirty="0" smtClean="0"/>
-              <a:t>)</a:t>
-            </a:r>
-            <a:endParaRPr lang="ru-RU" sz="2000" dirty="0"/>
+              <a:t> (Данные Списка Карт)</a:t>
+            </a:r>
           </a:p>
           <a:p>
             <a:pPr marL="285750" indent="-285750" algn="just">
@@ -4407,22 +4194,13 @@
               <a:buChar char="•"/>
             </a:pPr>
             <a:r>
-              <a:rPr lang="ru-RU" sz="2000" dirty="0" err="1" smtClean="0"/>
+              <a:rPr lang="ru-RU" sz="2000" dirty="0" err="1"/>
               <a:t>DateTimeContainer</a:t>
             </a:r>
             <a:r>
-              <a:rPr lang="ru-RU" sz="2000" dirty="0" smtClean="0"/>
-              <a:t> </a:t>
-            </a:r>
-            <a:r>
               <a:rPr lang="ru-RU" sz="2000" dirty="0"/>
-              <a:t>(Контейнер Дат</a:t>
-            </a:r>
-            <a:r>
-              <a:rPr lang="ru-RU" sz="2000" dirty="0" smtClean="0"/>
-              <a:t>)</a:t>
-            </a:r>
-            <a:endParaRPr lang="ru-RU" sz="2000" dirty="0"/>
+              <a:t> (Контейнер Дат)</a:t>
+            </a:r>
           </a:p>
           <a:p>
             <a:pPr marL="285750" indent="-285750" algn="just">
@@ -4430,22 +4208,13 @@
               <a:buChar char="•"/>
             </a:pPr>
             <a:r>
-              <a:rPr lang="ru-RU" sz="2000" dirty="0" err="1" smtClean="0"/>
+              <a:rPr lang="ru-RU" sz="2000" dirty="0" err="1"/>
               <a:t>Card</a:t>
             </a:r>
             <a:r>
-              <a:rPr lang="ru-RU" sz="2000" dirty="0" smtClean="0"/>
-              <a:t> </a:t>
-            </a:r>
-            <a:r>
               <a:rPr lang="ru-RU" sz="2000" dirty="0"/>
-              <a:t>(Карта</a:t>
-            </a:r>
-            <a:r>
-              <a:rPr lang="ru-RU" sz="2000" dirty="0" smtClean="0"/>
-              <a:t>)</a:t>
-            </a:r>
-            <a:endParaRPr lang="ru-RU" sz="2000" dirty="0"/>
+              <a:t> (Карта)</a:t>
+            </a:r>
           </a:p>
           <a:p>
             <a:pPr marL="285750" indent="-285750" algn="just">
@@ -4453,16 +4222,12 @@
               <a:buChar char="•"/>
             </a:pPr>
             <a:r>
-              <a:rPr lang="ru-RU" sz="2000" dirty="0" err="1" smtClean="0"/>
+              <a:rPr lang="ru-RU" sz="2000" dirty="0" err="1"/>
               <a:t>CardList</a:t>
             </a:r>
             <a:r>
-              <a:rPr lang="ru-RU" sz="2000" dirty="0" smtClean="0"/>
-              <a:t> </a:t>
-            </a:r>
-            <a:r>
               <a:rPr lang="ru-RU" sz="2000" dirty="0"/>
-              <a:t>(Список Карт)</a:t>
+              <a:t> (Список Карт)</a:t>
             </a:r>
           </a:p>
         </p:txBody>
@@ -4477,13 +4242,6 @@
   <p:clrMapOvr>
     <a:masterClrMapping/>
   </p:clrMapOvr>
-  <p:timing>
-    <p:tnLst>
-      <p:par>
-        <p:cTn id="1" dur="indefinite" restart="never" nodeType="tmRoot"/>
-      </p:par>
-    </p:tnLst>
-  </p:timing>
 </p:sld>
 </file>
 
@@ -4524,7 +4282,7 @@
               <a:t>Пространство имен </a:t>
             </a:r>
             <a:r>
-              <a:rPr lang="en-US" dirty="0" err="1" smtClean="0"/>
+              <a:rPr lang="en-US" dirty="0" err="1"/>
               <a:t>Timelon.Data</a:t>
             </a:r>
             <a:endParaRPr lang="ru-RU" dirty="0"/>
@@ -4554,22 +4312,17 @@
           <a:p>
             <a:pPr algn="just"/>
             <a:r>
-              <a:rPr lang="ru-RU" sz="2000" dirty="0" smtClean="0"/>
-              <a:t>Контейнер </a:t>
-            </a:r>
-            <a:r>
               <a:rPr lang="ru-RU" sz="2000" dirty="0"/>
-              <a:t>Дат служит для хранения в себе нескольких экземпляров класса </a:t>
+              <a:t>Контейнер Дат служит для хранения в себе нескольких экземпляров класса </a:t>
             </a:r>
             <a:r>
               <a:rPr lang="ru-RU" sz="2000" dirty="0" err="1"/>
               <a:t>DateTime</a:t>
             </a:r>
             <a:r>
-              <a:rPr lang="ru-RU" sz="2000" dirty="0" smtClean="0"/>
+              <a:rPr lang="ru-RU" sz="2000" dirty="0"/>
               <a:t>:</a:t>
             </a:r>
-            <a:endParaRPr lang="ru-RU" sz="2000" dirty="0"/>
           </a:p>
           <a:p>
             <a:pPr marL="285750" indent="-285750" algn="just">
@@ -4577,16 +4330,12 @@
               <a:buChar char="•"/>
             </a:pPr>
             <a:r>
-              <a:rPr lang="ru-RU" sz="2000" dirty="0" err="1" smtClean="0"/>
+              <a:rPr lang="ru-RU" sz="2000" dirty="0" err="1"/>
               <a:t>Created</a:t>
             </a:r>
             <a:r>
-              <a:rPr lang="ru-RU" sz="2000" dirty="0" smtClean="0"/>
-              <a:t> </a:t>
-            </a:r>
-            <a:r>
               <a:rPr lang="ru-RU" sz="2000" dirty="0"/>
-              <a:t>(дата создания)</a:t>
+              <a:t> (дата создания)</a:t>
             </a:r>
           </a:p>
           <a:p>
@@ -4595,16 +4344,12 @@
               <a:buChar char="•"/>
             </a:pPr>
             <a:r>
-              <a:rPr lang="ru-RU" sz="2000" dirty="0" err="1" smtClean="0"/>
+              <a:rPr lang="ru-RU" sz="2000" dirty="0" err="1"/>
               <a:t>Updated</a:t>
             </a:r>
             <a:r>
-              <a:rPr lang="ru-RU" sz="2000" dirty="0" smtClean="0"/>
-              <a:t> </a:t>
-            </a:r>
-            <a:r>
               <a:rPr lang="ru-RU" sz="2000" dirty="0"/>
-              <a:t>(дата обновления или </a:t>
+              <a:t> (дата обновления или </a:t>
             </a:r>
             <a:r>
               <a:rPr lang="ru-RU" sz="2000" dirty="0" err="1"/>
@@ -4621,16 +4366,12 @@
               <a:buChar char="•"/>
             </a:pPr>
             <a:r>
-              <a:rPr lang="ru-RU" sz="2000" dirty="0" err="1" smtClean="0"/>
+              <a:rPr lang="ru-RU" sz="2000" dirty="0" err="1"/>
               <a:t>Planned</a:t>
             </a:r>
             <a:r>
-              <a:rPr lang="ru-RU" sz="2000" dirty="0" smtClean="0"/>
-              <a:t> </a:t>
-            </a:r>
-            <a:r>
               <a:rPr lang="ru-RU" sz="2000" dirty="0"/>
-              <a:t>(запланированная дата или </a:t>
+              <a:t> (запланированная дата или </a:t>
             </a:r>
             <a:r>
               <a:rPr lang="ru-RU" sz="2000" dirty="0" err="1"/>
@@ -4640,7 +4381,6 @@
               <a:rPr lang="ru-RU" sz="2000" dirty="0"/>
               <a:t>) </a:t>
             </a:r>
-            <a:endParaRPr lang="ru-RU" sz="2000" dirty="0" smtClean="0"/>
           </a:p>
           <a:p>
             <a:pPr algn="just"/>
@@ -4649,12 +4389,8 @@
           <a:p>
             <a:pPr algn="just"/>
             <a:r>
-              <a:rPr lang="ru-RU" sz="2000" dirty="0" smtClean="0"/>
-              <a:t>Стоит </a:t>
-            </a:r>
-            <a:r>
               <a:rPr lang="ru-RU" sz="2000" dirty="0"/>
-              <a:t>обратить внимание на то, что дата обновления и запланированная дата напрямую зависят от даты создания - они не могут превышать ее. Соответственно, при изменении даты создания зависимые от нее даты будут перепроверены автоматически.</a:t>
+              <a:t>Стоит обратить внимание на то, что дата обновления и запланированная дата напрямую зависят от даты создания - они не могут превышать ее. Соответственно, при изменении даты создания зависимые от нее даты будут перепроверены автоматически.</a:t>
             </a:r>
           </a:p>
         </p:txBody>
@@ -4681,13 +4417,13 @@
           <a:lstStyle/>
           <a:p>
             <a:r>
-              <a:rPr lang="ru-RU" sz="3200" dirty="0" smtClean="0">
+              <a:rPr lang="ru-RU" sz="3200" dirty="0">
                 <a:latin typeface="+mj-lt"/>
               </a:rPr>
               <a:t>Классы </a:t>
             </a:r>
             <a:r>
-              <a:rPr lang="en-US" sz="3200" dirty="0" err="1" smtClean="0">
+              <a:rPr lang="en-US" sz="3200" dirty="0" err="1">
                 <a:latin typeface="+mj-lt"/>
               </a:rPr>
               <a:t>DateTimeContainer</a:t>
@@ -4708,13 +4444,6 @@
   <p:clrMapOvr>
     <a:masterClrMapping/>
   </p:clrMapOvr>
-  <p:timing>
-    <p:tnLst>
-      <p:par>
-        <p:cTn id="1" dur="indefinite" restart="never" nodeType="tmRoot"/>
-      </p:par>
-    </p:tnLst>
-  </p:timing>
 </p:sld>
 </file>
 
@@ -4755,7 +4484,7 @@
               <a:t>Пространство имен </a:t>
             </a:r>
             <a:r>
-              <a:rPr lang="en-US" dirty="0" err="1" smtClean="0"/>
+              <a:rPr lang="en-US" dirty="0" err="1"/>
               <a:t>Timelon.Data</a:t>
             </a:r>
             <a:endParaRPr lang="ru-RU" dirty="0"/>
@@ -4785,16 +4514,12 @@
           <a:p>
             <a:pPr algn="just"/>
             <a:r>
-              <a:rPr lang="en-US" sz="2000" dirty="0" smtClean="0"/>
+              <a:rPr lang="en-US" sz="2000" dirty="0"/>
               <a:t>Card. </a:t>
             </a:r>
             <a:r>
-              <a:rPr lang="ru-RU" sz="2000" dirty="0" smtClean="0"/>
-              <a:t>Карта </a:t>
-            </a:r>
-            <a:r>
               <a:rPr lang="ru-RU" sz="2000" dirty="0"/>
-              <a:t>наследует Уникальный Класс и представляет собой карточку дела. По большей части этот класс содержит в себе основные поля, характерные для карточки.</a:t>
+              <a:t>Карта наследует Уникальный Класс и представляет собой карточку дела. По большей части этот класс содержит в себе основные поля, характерные для карточки.</a:t>
             </a:r>
           </a:p>
           <a:p>
@@ -4804,20 +4529,16 @@
           <a:p>
             <a:pPr algn="just"/>
             <a:r>
-              <a:rPr lang="ru-RU" sz="2000" dirty="0" err="1" smtClean="0"/>
+              <a:rPr lang="ru-RU" sz="2000" dirty="0" err="1"/>
               <a:t>CardList</a:t>
             </a:r>
             <a:r>
-              <a:rPr lang="en-US" sz="2000" dirty="0" smtClean="0"/>
+              <a:rPr lang="en-US" sz="2000" dirty="0"/>
               <a:t>. </a:t>
             </a:r>
             <a:r>
-              <a:rPr lang="ru-RU" sz="2000" dirty="0" smtClean="0"/>
-              <a:t>Список </a:t>
-            </a:r>
-            <a:r>
               <a:rPr lang="ru-RU" sz="2000" dirty="0"/>
-              <a:t>Карт, также как и Карта, наследует Уникальный Класс и представляет собой список карточек дел. В качестве способа хранения экземпляров Карт в классе используется </a:t>
+              <a:t>Список Карт, также как и Карта, наследует Уникальный Класс и представляет собой список карточек дел. В качестве способа хранения экземпляров Карт в классе используется </a:t>
             </a:r>
             <a:r>
               <a:rPr lang="ru-RU" sz="2000" dirty="0" err="1"/>
@@ -4830,15 +4551,14 @@
           </a:p>
           <a:p>
             <a:pPr algn="just"/>
-            <a:endParaRPr lang="ru-RU" sz="2000" dirty="0" smtClean="0"/>
+            <a:endParaRPr lang="ru-RU" sz="2000" dirty="0"/>
           </a:p>
           <a:p>
             <a:pPr algn="just"/>
             <a:r>
-              <a:rPr lang="ru-RU" sz="2000" dirty="0" smtClean="0"/>
+              <a:rPr lang="ru-RU" sz="2000" dirty="0"/>
               <a:t>Методы класса:</a:t>
             </a:r>
-            <a:endParaRPr lang="ru-RU" sz="2000" dirty="0"/>
           </a:p>
           <a:p>
             <a:pPr algn="just"/>
@@ -4963,13 +4683,6 @@
   <p:clrMapOvr>
     <a:masterClrMapping/>
   </p:clrMapOvr>
-  <p:timing>
-    <p:tnLst>
-      <p:par>
-        <p:cTn id="1" dur="indefinite" restart="never" nodeType="tmRoot"/>
-      </p:par>
-    </p:tnLst>
-  </p:timing>
 </p:sld>
 </file>
 
@@ -5010,7 +4723,7 @@
               <a:t>Пространство имен </a:t>
             </a:r>
             <a:r>
-              <a:rPr lang="en-US" dirty="0" err="1" smtClean="0"/>
+              <a:rPr lang="en-US" dirty="0" err="1"/>
               <a:t>Timelon.Data</a:t>
             </a:r>
             <a:endParaRPr lang="ru-RU" dirty="0"/>
@@ -5041,13 +4754,8 @@
             <a:pPr algn="just"/>
             <a:r>
               <a:rPr lang="ru-RU" dirty="0"/>
-              <a:t>Библиотека позволяет мгновенно получить Карту через ее идентификатор вне зависимости от количества хранимых Карт, достаточно произвести сортировку один раз и занести идентификаторы в отдельный список для быстрого доступа</a:t>
-            </a:r>
-            <a:r>
-              <a:rPr lang="ru-RU" dirty="0" smtClean="0"/>
-              <a:t>.  Списки и соответствующие им методы класса:</a:t>
-            </a:r>
-            <a:endParaRPr lang="ru-RU" dirty="0"/>
+              <a:t>Библиотека позволяет мгновенно получить Карту через ее идентификатор вне зависимости от количества хранимых Карт, достаточно произвести сортировку один раз и занести идентификаторы в отдельный список для быстрого доступа.  Списки и соответствующие им методы класса:</a:t>
+            </a:r>
           </a:p>
           <a:p>
             <a:pPr marL="285750" indent="-285750" algn="just">
@@ -5055,24 +4763,12 @@
               <a:buChar char="•"/>
             </a:pPr>
             <a:r>
-              <a:rPr lang="ru-RU" dirty="0" err="1" smtClean="0"/>
+              <a:rPr lang="ru-RU" dirty="0" err="1"/>
               <a:t>idListDefault</a:t>
             </a:r>
             <a:r>
-              <a:rPr lang="ru-RU" dirty="0" smtClean="0"/>
-              <a:t> </a:t>
-            </a:r>
-            <a:r>
               <a:rPr lang="ru-RU" dirty="0"/>
-              <a:t>(идентификаторы по дате обновления</a:t>
-            </a:r>
-            <a:r>
-              <a:rPr lang="ru-RU" dirty="0" smtClean="0"/>
-              <a:t>)</a:t>
-            </a:r>
-            <a:r>
-              <a:rPr lang="ru-RU" dirty="0"/>
-              <a:t> - </a:t>
+              <a:t> (идентификаторы по дате обновления) - </a:t>
             </a:r>
             <a:r>
               <a:rPr lang="ru-RU" dirty="0" err="1"/>
@@ -5080,13 +4776,8 @@
             </a:r>
             <a:r>
               <a:rPr lang="ru-RU" dirty="0"/>
-              <a:t> (Получение Карт, отсортированных по дате обновления</a:t>
-            </a:r>
-            <a:r>
-              <a:rPr lang="ru-RU" dirty="0" smtClean="0"/>
-              <a:t>)</a:t>
-            </a:r>
-            <a:endParaRPr lang="ru-RU" dirty="0"/>
+              <a:t> (Получение Карт, отсортированных по дате обновления)</a:t>
+            </a:r>
           </a:p>
           <a:p>
             <a:pPr marL="285750" indent="-285750" algn="just">
@@ -5094,24 +4785,12 @@
               <a:buChar char="•"/>
             </a:pPr>
             <a:r>
-              <a:rPr lang="ru-RU" dirty="0" err="1" smtClean="0"/>
+              <a:rPr lang="ru-RU" dirty="0" err="1"/>
               <a:t>idListImportant</a:t>
             </a:r>
             <a:r>
-              <a:rPr lang="ru-RU" dirty="0" smtClean="0"/>
-              <a:t> </a:t>
-            </a:r>
-            <a:r>
               <a:rPr lang="ru-RU" dirty="0"/>
-              <a:t>(идентификаторы по статусу важности</a:t>
-            </a:r>
-            <a:r>
-              <a:rPr lang="ru-RU" dirty="0" smtClean="0"/>
-              <a:t>)</a:t>
-            </a:r>
-            <a:r>
-              <a:rPr lang="ru-RU" dirty="0"/>
-              <a:t> - </a:t>
+              <a:t> (идентификаторы по статусу важности) - </a:t>
             </a:r>
             <a:r>
               <a:rPr lang="ru-RU" dirty="0" err="1"/>
@@ -5119,13 +4798,8 @@
             </a:r>
             <a:r>
               <a:rPr lang="ru-RU" dirty="0"/>
-              <a:t> (Получение Карт, отсортированных по статусу важности</a:t>
-            </a:r>
-            <a:r>
-              <a:rPr lang="ru-RU" dirty="0" smtClean="0"/>
-              <a:t>)</a:t>
-            </a:r>
-            <a:endParaRPr lang="ru-RU" dirty="0"/>
+              <a:t> (Получение Карт, отсортированных по статусу важности)</a:t>
+            </a:r>
           </a:p>
           <a:p>
             <a:pPr marL="285750" indent="-285750" algn="just">
@@ -5133,24 +4807,12 @@
               <a:buChar char="•"/>
             </a:pPr>
             <a:r>
-              <a:rPr lang="ru-RU" dirty="0" err="1" smtClean="0"/>
+              <a:rPr lang="ru-RU" dirty="0" err="1"/>
               <a:t>idListCompleted</a:t>
             </a:r>
             <a:r>
-              <a:rPr lang="ru-RU" dirty="0" smtClean="0"/>
-              <a:t> </a:t>
-            </a:r>
-            <a:r>
               <a:rPr lang="ru-RU" dirty="0"/>
-              <a:t>(идентификаторы по статусу выполнения</a:t>
-            </a:r>
-            <a:r>
-              <a:rPr lang="ru-RU" dirty="0" smtClean="0"/>
-              <a:t>)</a:t>
-            </a:r>
-            <a:r>
-              <a:rPr lang="ru-RU" dirty="0"/>
-              <a:t> - </a:t>
+              <a:t> (идентификаторы по статусу выполнения) - </a:t>
             </a:r>
             <a:r>
               <a:rPr lang="ru-RU" dirty="0" err="1"/>
@@ -5158,13 +4820,8 @@
             </a:r>
             <a:r>
               <a:rPr lang="ru-RU" dirty="0"/>
-              <a:t> (Получение Карт, отсортированных по статусу выполнения</a:t>
-            </a:r>
-            <a:r>
-              <a:rPr lang="ru-RU" dirty="0" smtClean="0"/>
-              <a:t>)</a:t>
-            </a:r>
-            <a:endParaRPr lang="ru-RU" dirty="0"/>
+              <a:t> (Получение Карт, отсортированных по статусу выполнения)</a:t>
+            </a:r>
           </a:p>
           <a:p>
             <a:pPr algn="just"/>
@@ -5178,13 +4835,8 @@
             </a:r>
             <a:r>
               <a:rPr lang="ru-RU" dirty="0"/>
-              <a:t> (Направление Сортировки</a:t>
-            </a:r>
-            <a:r>
-              <a:rPr lang="ru-RU" dirty="0" smtClean="0"/>
-              <a:t>):</a:t>
-            </a:r>
-            <a:endParaRPr lang="ru-RU" dirty="0"/>
+              <a:t> (Направление Сортировки):</a:t>
+            </a:r>
           </a:p>
           <a:p>
             <a:pPr marL="285750" indent="-285750" algn="just">
@@ -5192,16 +4844,12 @@
               <a:buChar char="•"/>
             </a:pPr>
             <a:r>
-              <a:rPr lang="ru-RU" dirty="0" err="1" smtClean="0"/>
+              <a:rPr lang="ru-RU" dirty="0" err="1"/>
               <a:t>Initial</a:t>
             </a:r>
             <a:r>
-              <a:rPr lang="ru-RU" dirty="0" smtClean="0"/>
-              <a:t> </a:t>
-            </a:r>
-            <a:r>
               <a:rPr lang="ru-RU" dirty="0"/>
-              <a:t>(Карты необходимо отсортировать (используется только внутри класса))</a:t>
+              <a:t> (Карты необходимо отсортировать (используется только внутри класса))</a:t>
             </a:r>
           </a:p>
           <a:p>
@@ -5210,16 +4858,12 @@
               <a:buChar char="•"/>
             </a:pPr>
             <a:r>
-              <a:rPr lang="ru-RU" dirty="0" err="1" smtClean="0"/>
+              <a:rPr lang="ru-RU" dirty="0" err="1"/>
               <a:t>Unsorted</a:t>
             </a:r>
             <a:r>
-              <a:rPr lang="ru-RU" dirty="0" smtClean="0"/>
-              <a:t> </a:t>
-            </a:r>
-            <a:r>
               <a:rPr lang="ru-RU" dirty="0"/>
-              <a:t>(В произвольном порядке)</a:t>
+              <a:t> (В произвольном порядке)</a:t>
             </a:r>
           </a:p>
           <a:p>
@@ -5228,16 +4872,12 @@
               <a:buChar char="•"/>
             </a:pPr>
             <a:r>
-              <a:rPr lang="ru-RU" dirty="0" err="1" smtClean="0"/>
+              <a:rPr lang="ru-RU" dirty="0" err="1"/>
               <a:t>Ascending</a:t>
             </a:r>
             <a:r>
-              <a:rPr lang="ru-RU" dirty="0" smtClean="0"/>
-              <a:t> </a:t>
-            </a:r>
-            <a:r>
               <a:rPr lang="ru-RU" dirty="0"/>
-              <a:t>(По возрастанию)</a:t>
+              <a:t> (По возрастанию)</a:t>
             </a:r>
           </a:p>
           <a:p>
@@ -5246,16 +4886,12 @@
               <a:buChar char="•"/>
             </a:pPr>
             <a:r>
-              <a:rPr lang="ru-RU" dirty="0" err="1" smtClean="0"/>
+              <a:rPr lang="ru-RU" dirty="0" err="1"/>
               <a:t>Descending</a:t>
             </a:r>
             <a:r>
-              <a:rPr lang="ru-RU" dirty="0" smtClean="0"/>
-              <a:t> </a:t>
-            </a:r>
-            <a:r>
               <a:rPr lang="ru-RU" dirty="0"/>
-              <a:t>(По убыванию)</a:t>
+              <a:t> (По убыванию)</a:t>
             </a:r>
           </a:p>
           <a:p>
@@ -5295,28 +4931,16 @@
               <a:t>Классы </a:t>
             </a:r>
             <a:r>
-              <a:rPr lang="en-US" sz="3200" dirty="0" smtClean="0">
+              <a:rPr lang="en-US" sz="3200" dirty="0">
                 <a:latin typeface="+mj-lt"/>
               </a:rPr>
               <a:t>Card</a:t>
             </a:r>
             <a:r>
-              <a:rPr lang="ru-RU" sz="3200" dirty="0" smtClean="0">
-                <a:latin typeface="+mj-lt"/>
-              </a:rPr>
-              <a:t>: сортировк</a:t>
-            </a:r>
-            <a:r>
               <a:rPr lang="ru-RU" sz="3200" dirty="0">
                 <a:latin typeface="+mj-lt"/>
               </a:rPr>
-              <a:t>а</a:t>
-            </a:r>
-            <a:r>
-              <a:rPr lang="ru-RU" sz="3200" dirty="0" smtClean="0">
-                <a:latin typeface="+mj-lt"/>
-              </a:rPr>
-              <a:t> карт</a:t>
+              <a:t>: сортировка карт</a:t>
             </a:r>
             <a:endParaRPr lang="en-US" sz="3200" dirty="0">
               <a:latin typeface="+mj-lt"/>
@@ -5334,13 +4958,6 @@
   <p:clrMapOvr>
     <a:masterClrMapping/>
   </p:clrMapOvr>
-  <p:timing>
-    <p:tnLst>
-      <p:par>
-        <p:cTn id="1" dur="indefinite" restart="never" nodeType="tmRoot"/>
-      </p:par>
-    </p:tnLst>
-  </p:timing>
 </p:sld>
 </file>
 
@@ -5388,7 +5005,7 @@
           <p:cNvPr id="3" name="TextBox 2">
             <a:extLst>
               <a:ext uri="{FF2B5EF4-FFF2-40B4-BE49-F238E27FC236}">
-                <a16:creationId xmlns:a16="http://schemas.microsoft.com/office/drawing/2014/main" xmlns="" id="{4C7D212D-B684-491A-8C10-17B8B661A75D}"/>
+                <a16:creationId xmlns:a16="http://schemas.microsoft.com/office/drawing/2014/main" id="{4C7D212D-B684-491A-8C10-17B8B661A75D}"/>
               </a:ext>
             </a:extLst>
           </p:cNvPr>
@@ -5436,10 +5053,9 @@
               <a:buChar char="•"/>
             </a:pPr>
             <a:r>
-              <a:rPr lang="ru-RU" sz="2800" dirty="0" smtClean="0"/>
+              <a:rPr lang="ru-RU" sz="2800" dirty="0"/>
               <a:t>Тест-план</a:t>
             </a:r>
-            <a:endParaRPr lang="ru-RU" sz="2800" dirty="0"/>
           </a:p>
           <a:p>
             <a:pPr marL="285750" indent="-285750">
@@ -5447,10 +5063,9 @@
               <a:buChar char="•"/>
             </a:pPr>
             <a:r>
-              <a:rPr lang="ru-RU" sz="2800" dirty="0" smtClean="0"/>
+              <a:rPr lang="ru-RU" sz="2800" dirty="0"/>
               <a:t>Процедура тестирования</a:t>
             </a:r>
-            <a:endParaRPr lang="ru-RU" sz="2800" dirty="0"/>
           </a:p>
           <a:p>
             <a:endParaRPr lang="ru-RU" sz="2800" dirty="0"/>
@@ -5474,13 +5089,6 @@
   <p:clrMapOvr>
     <a:masterClrMapping/>
   </p:clrMapOvr>
-  <p:timing>
-    <p:tnLst>
-      <p:par>
-        <p:cTn id="1" dur="indefinite" restart="never" nodeType="tmRoot"/>
-      </p:par>
-    </p:tnLst>
-  </p:timing>
 </p:sld>
 </file>
 
@@ -5602,13 +5210,6 @@
   <p:clrMapOvr>
     <a:masterClrMapping/>
   </p:clrMapOvr>
-  <p:timing>
-    <p:tnLst>
-      <p:par>
-        <p:cTn id="1" dur="indefinite" restart="never" nodeType="tmRoot"/>
-      </p:par>
-    </p:tnLst>
-  </p:timing>
 </p:sld>
 </file>
 
@@ -5656,7 +5257,7 @@
           <p:cNvPr id="3" name="TextBox 2">
             <a:extLst>
               <a:ext uri="{FF2B5EF4-FFF2-40B4-BE49-F238E27FC236}">
-                <a16:creationId xmlns:a16="http://schemas.microsoft.com/office/drawing/2014/main" xmlns="" id="{C84F3D5A-1232-4D39-B28F-5CC344873579}"/>
+                <a16:creationId xmlns:a16="http://schemas.microsoft.com/office/drawing/2014/main" id="{C84F3D5A-1232-4D39-B28F-5CC344873579}"/>
               </a:ext>
             </a:extLst>
           </p:cNvPr>
@@ -5727,13 +5328,6 @@
   <p:clrMapOvr>
     <a:masterClrMapping/>
   </p:clrMapOvr>
-  <p:timing>
-    <p:tnLst>
-      <p:par>
-        <p:cTn id="1" dur="indefinite" restart="never" nodeType="tmRoot"/>
-      </p:par>
-    </p:tnLst>
-  </p:timing>
 </p:sld>
 </file>
 
@@ -5781,7 +5375,7 @@
           <p:cNvPr id="3" name="TextBox 2">
             <a:extLst>
               <a:ext uri="{FF2B5EF4-FFF2-40B4-BE49-F238E27FC236}">
-                <a16:creationId xmlns:a16="http://schemas.microsoft.com/office/drawing/2014/main" xmlns="" id="{CB39F03C-FAC8-4C3F-8146-D86F293164EF}"/>
+                <a16:creationId xmlns:a16="http://schemas.microsoft.com/office/drawing/2014/main" id="{CB39F03C-FAC8-4C3F-8146-D86F293164EF}"/>
               </a:ext>
             </a:extLst>
           </p:cNvPr>
@@ -5933,13 +5527,6 @@
   <p:clrMapOvr>
     <a:masterClrMapping/>
   </p:clrMapOvr>
-  <p:timing>
-    <p:tnLst>
-      <p:par>
-        <p:cTn id="1" dur="indefinite" restart="never" nodeType="tmRoot"/>
-      </p:par>
-    </p:tnLst>
-  </p:timing>
 </p:sld>
 </file>
 
@@ -5976,10 +5563,9 @@
           <a:lstStyle/>
           <a:p>
             <a:r>
-              <a:rPr lang="ru-RU" dirty="0" smtClean="0"/>
+              <a:rPr lang="ru-RU" dirty="0"/>
               <a:t>Тест-план</a:t>
             </a:r>
-            <a:endParaRPr lang="ru-RU" dirty="0"/>
           </a:p>
         </p:txBody>
       </p:sp>
@@ -5988,7 +5574,7 @@
           <p:cNvPr id="3" name="TextBox 2">
             <a:extLst>
               <a:ext uri="{FF2B5EF4-FFF2-40B4-BE49-F238E27FC236}">
-                <a16:creationId xmlns:a16="http://schemas.microsoft.com/office/drawing/2014/main" xmlns="" id="{F451546F-3AF1-42AC-9B97-43746690E48C}"/>
+                <a16:creationId xmlns:a16="http://schemas.microsoft.com/office/drawing/2014/main" id="{F451546F-3AF1-42AC-9B97-43746690E48C}"/>
               </a:ext>
             </a:extLst>
           </p:cNvPr>
@@ -6025,12 +5611,8 @@
           </a:p>
           <a:p>
             <a:r>
-              <a:rPr lang="ru-RU" sz="2000" dirty="0" smtClean="0"/>
-              <a:t>Документ, описывающий </a:t>
-            </a:r>
-            <a:r>
               <a:rPr lang="ru-RU" sz="2000" dirty="0"/>
-              <a:t>методы и подходы к тестированию, которые будут</a:t>
+              <a:t>Документ, описывающий методы и подходы к тестированию, которые будут</a:t>
             </a:r>
           </a:p>
           <a:p>
@@ -6055,7 +5637,7 @@
           <p:cNvPr id="4" name="TextBox 3">
             <a:extLst>
               <a:ext uri="{FF2B5EF4-FFF2-40B4-BE49-F238E27FC236}">
-                <a16:creationId xmlns:a16="http://schemas.microsoft.com/office/drawing/2014/main" xmlns="" id="{6929821F-63F7-48F7-9706-ACF0FC7C1092}"/>
+                <a16:creationId xmlns:a16="http://schemas.microsoft.com/office/drawing/2014/main" id="{6929821F-63F7-48F7-9706-ACF0FC7C1092}"/>
               </a:ext>
             </a:extLst>
           </p:cNvPr>
@@ -6117,7 +5699,7 @@
           <p:cNvPr id="5" name="TextBox 4">
             <a:extLst>
               <a:ext uri="{FF2B5EF4-FFF2-40B4-BE49-F238E27FC236}">
-                <a16:creationId xmlns:a16="http://schemas.microsoft.com/office/drawing/2014/main" xmlns="" id="{76DB6899-86E7-4FD4-99BA-DC8AF36F213C}"/>
+                <a16:creationId xmlns:a16="http://schemas.microsoft.com/office/drawing/2014/main" id="{76DB6899-86E7-4FD4-99BA-DC8AF36F213C}"/>
               </a:ext>
             </a:extLst>
           </p:cNvPr>
@@ -6203,11 +5785,7 @@
           <a:p>
             <a:r>
               <a:rPr lang="ru-RU" sz="2000" i="1" dirty="0"/>
-              <a:t>Уровни тестирования</a:t>
-            </a:r>
-            <a:r>
-              <a:rPr lang="ru-RU" sz="2000" i="1" dirty="0" smtClean="0"/>
-              <a:t>:</a:t>
+              <a:t>Уровни тестирования:</a:t>
             </a:r>
           </a:p>
           <a:p>
@@ -6222,7 +5800,6 @@
               <a:rPr lang="ru-RU" sz="2000" dirty="0"/>
               <a:t>Модульное тестирование </a:t>
             </a:r>
-            <a:endParaRPr lang="ru-RU" sz="2000" dirty="0"/>
           </a:p>
           <a:p>
             <a:pPr marL="285750" lvl="0" indent="-285750">
@@ -6230,14 +5807,9 @@
               <a:buChar char="•"/>
             </a:pPr>
             <a:r>
-              <a:rPr lang="ru-RU" sz="2000" dirty="0" smtClean="0"/>
-              <a:t>Интеграционное </a:t>
-            </a:r>
-            <a:r>
               <a:rPr lang="ru-RU" sz="2000" dirty="0"/>
-              <a:t>тестирование </a:t>
-            </a:r>
-            <a:endParaRPr lang="ru-RU" sz="2000" dirty="0" smtClean="0"/>
+              <a:t>Интеграционное тестирование </a:t>
+            </a:r>
           </a:p>
           <a:p>
             <a:pPr marL="285750" lvl="0" indent="-285750">
@@ -6245,10 +5817,9 @@
               <a:buChar char="•"/>
             </a:pPr>
             <a:r>
-              <a:rPr lang="ru-RU" sz="2000" dirty="0" smtClean="0"/>
+              <a:rPr lang="ru-RU" sz="2000" dirty="0"/>
               <a:t>Системное тестирование</a:t>
             </a:r>
-            <a:endParaRPr lang="ru-RU" sz="2000" dirty="0"/>
           </a:p>
         </p:txBody>
       </p:sp>
@@ -6262,13 +5833,6 @@
   <p:clrMapOvr>
     <a:masterClrMapping/>
   </p:clrMapOvr>
-  <p:timing>
-    <p:tnLst>
-      <p:par>
-        <p:cTn id="1" dur="indefinite" restart="never" nodeType="tmRoot"/>
-      </p:par>
-    </p:tnLst>
-  </p:timing>
 </p:sld>
 </file>
 
@@ -6305,10 +5869,9 @@
           <a:lstStyle/>
           <a:p>
             <a:r>
-              <a:rPr lang="ru-RU" dirty="0" smtClean="0"/>
+              <a:rPr lang="ru-RU" dirty="0"/>
               <a:t>Процедура тестирования</a:t>
             </a:r>
-            <a:endParaRPr lang="ru-RU" dirty="0"/>
           </a:p>
         </p:txBody>
       </p:sp>
@@ -6356,17 +5919,8 @@
           <a:p>
             <a:r>
               <a:rPr lang="ru-RU" sz="2000" u="sng" dirty="0"/>
-              <a:t>1) </a:t>
-            </a:r>
-            <a:r>
-              <a:rPr lang="ru-RU" sz="2000" u="sng" dirty="0"/>
-              <a:t>Модульное </a:t>
-            </a:r>
-            <a:r>
-              <a:rPr lang="ru-RU" sz="2000" u="sng" dirty="0" smtClean="0"/>
-              <a:t>тестирование</a:t>
-            </a:r>
-            <a:endParaRPr lang="ru-RU" sz="2000" u="sng" dirty="0"/>
+              <a:t>1) Модульное тестирование</a:t>
+            </a:r>
           </a:p>
         </p:txBody>
       </p:sp>
@@ -6393,11 +5947,7 @@
           <a:p>
             <a:r>
               <a:rPr lang="ru-RU" sz="2000" u="sng" dirty="0"/>
-              <a:t>2) Интеграционное </a:t>
-            </a:r>
-            <a:r>
-              <a:rPr lang="ru-RU" sz="2000" u="sng" dirty="0"/>
-              <a:t>тестирование</a:t>
+              <a:t>2) Интеграционное тестирование</a:t>
             </a:r>
           </a:p>
         </p:txBody>
@@ -6425,15 +5975,7 @@
           <a:p>
             <a:r>
               <a:rPr lang="ru-RU" sz="2000" u="sng" dirty="0"/>
-              <a:t>3</a:t>
-            </a:r>
-            <a:r>
-              <a:rPr lang="ru-RU" sz="2000" u="sng" dirty="0" smtClean="0"/>
-              <a:t>) Функциональное </a:t>
-            </a:r>
-            <a:r>
-              <a:rPr lang="ru-RU" sz="2000" u="sng" dirty="0"/>
-              <a:t>тестирование</a:t>
+              <a:t>3) Функциональное тестирование</a:t>
             </a:r>
           </a:p>
         </p:txBody>
@@ -6512,13 +6054,6 @@
   <p:clrMapOvr>
     <a:masterClrMapping/>
   </p:clrMapOvr>
-  <p:timing>
-    <p:tnLst>
-      <p:par>
-        <p:cTn id="1" dur="indefinite" restart="never" nodeType="tmRoot"/>
-      </p:par>
-    </p:tnLst>
-  </p:timing>
 </p:sld>
 </file>
 
@@ -6555,10 +6090,9 @@
           <a:lstStyle/>
           <a:p>
             <a:r>
-              <a:rPr lang="ru-RU" dirty="0" smtClean="0"/>
+              <a:rPr lang="ru-RU" dirty="0"/>
               <a:t>Процедура тестирования</a:t>
             </a:r>
-            <a:endParaRPr lang="ru-RU" dirty="0"/>
           </a:p>
         </p:txBody>
       </p:sp>
@@ -6713,18 +6247,9 @@
           <a:p>
             <a:pPr lvl="0"/>
             <a:r>
-              <a:rPr lang="ru-RU" sz="2000" u="sng" dirty="0" smtClean="0"/>
-              <a:t>4) Тестирование </a:t>
-            </a:r>
-            <a:r>
               <a:rPr lang="ru-RU" sz="2000" u="sng" dirty="0"/>
-              <a:t>пользовательского </a:t>
-            </a:r>
-            <a:r>
-              <a:rPr lang="ru-RU" sz="2000" u="sng" dirty="0" smtClean="0"/>
-              <a:t>интерфейса</a:t>
-            </a:r>
-            <a:endParaRPr lang="ru-RU" sz="2000" u="sng" dirty="0"/>
+              <a:t>4) Тестирование пользовательского интерфейса</a:t>
+            </a:r>
           </a:p>
         </p:txBody>
       </p:sp>
@@ -6750,10 +6275,9 @@
           <a:lstStyle/>
           <a:p>
             <a:r>
-              <a:rPr lang="ru-RU" sz="2000" u="sng" dirty="0" smtClean="0"/>
+              <a:rPr lang="ru-RU" sz="2000" u="sng" dirty="0"/>
               <a:t>5) Юзабилити-тестирование</a:t>
             </a:r>
-            <a:endParaRPr lang="ru-RU" sz="2000" u="sng" dirty="0"/>
           </a:p>
         </p:txBody>
       </p:sp>
@@ -6767,13 +6291,6 @@
   <p:clrMapOvr>
     <a:masterClrMapping/>
   </p:clrMapOvr>
-  <p:timing>
-    <p:tnLst>
-      <p:par>
-        <p:cTn id="1" dur="indefinite" restart="never" nodeType="tmRoot"/>
-      </p:par>
-    </p:tnLst>
-  </p:timing>
 </p:sld>
 </file>
 
@@ -6816,6 +6333,75 @@
           </a:p>
         </p:txBody>
       </p:sp>
+      <p:sp>
+        <p:nvSpPr>
+          <p:cNvPr id="3" name="TextBox 2">
+            <a:extLst>
+              <a:ext uri="{FF2B5EF4-FFF2-40B4-BE49-F238E27FC236}">
+                <a16:creationId xmlns:a16="http://schemas.microsoft.com/office/drawing/2014/main" id="{A13AB8E9-0418-403A-8251-945817E1D570}"/>
+              </a:ext>
+            </a:extLst>
+          </p:cNvPr>
+          <p:cNvSpPr txBox="1"/>
+          <p:nvPr/>
+        </p:nvSpPr>
+        <p:spPr>
+          <a:xfrm>
+            <a:off x="3440264" y="2459504"/>
+            <a:ext cx="5311471" cy="1938992"/>
+          </a:xfrm>
+          <a:prstGeom prst="rect">
+            <a:avLst/>
+          </a:prstGeom>
+          <a:noFill/>
+        </p:spPr>
+        <p:txBody>
+          <a:bodyPr wrap="square" rtlCol="0">
+            <a:spAutoFit/>
+          </a:bodyPr>
+          <a:lstStyle/>
+          <a:p>
+            <a:pPr marL="285750" indent="-285750">
+              <a:buFont typeface="Arial" panose="020B0604020202020204" pitchFamily="34" charset="0"/>
+              <a:buChar char="•"/>
+            </a:pPr>
+            <a:r>
+              <a:rPr lang="ru-RU" sz="2400" dirty="0"/>
+              <a:t>Изучили новые технологии</a:t>
+            </a:r>
+          </a:p>
+          <a:p>
+            <a:pPr marL="285750" indent="-285750">
+              <a:buFont typeface="Arial" panose="020B0604020202020204" pitchFamily="34" charset="0"/>
+              <a:buChar char="•"/>
+            </a:pPr>
+            <a:r>
+              <a:rPr lang="ru-RU" sz="2400" dirty="0"/>
+              <a:t>Изучили новые методологии разработки</a:t>
+            </a:r>
+          </a:p>
+          <a:p>
+            <a:pPr marL="285750" indent="-285750">
+              <a:buFont typeface="Arial" panose="020B0604020202020204" pitchFamily="34" charset="0"/>
+              <a:buChar char="•"/>
+            </a:pPr>
+            <a:r>
+              <a:rPr lang="ru-RU" sz="2400" dirty="0"/>
+              <a:t>Получили опыт работы в команде</a:t>
+            </a:r>
+          </a:p>
+          <a:p>
+            <a:pPr marL="285750" indent="-285750">
+              <a:buFont typeface="Arial" panose="020B0604020202020204" pitchFamily="34" charset="0"/>
+              <a:buChar char="•"/>
+            </a:pPr>
+            <a:r>
+              <a:rPr lang="ru-RU" sz="2400" dirty="0"/>
+              <a:t>Получили опыт разработки</a:t>
+            </a:r>
+          </a:p>
+        </p:txBody>
+      </p:sp>
     </p:spTree>
     <p:extLst>
       <p:ext uri="{BB962C8B-B14F-4D97-AF65-F5344CB8AC3E}">
@@ -6826,152 +6412,6 @@
   <p:clrMapOvr>
     <a:masterClrMapping/>
   </p:clrMapOvr>
-  <p:timing>
-    <p:tnLst>
-      <p:par>
-        <p:cTn id="1" dur="indefinite" restart="never" nodeType="tmRoot"/>
-      </p:par>
-    </p:tnLst>
-  </p:timing>
-</p:sld>
-</file>
-
-<file path=ppt/slides/slide26.xml><?xml version="1.0" encoding="utf-8"?>
-<p:sld xmlns:a="http://schemas.openxmlformats.org/drawingml/2006/main" xmlns:r="http://schemas.openxmlformats.org/officeDocument/2006/relationships" xmlns:p="http://schemas.openxmlformats.org/presentationml/2006/main">
-  <p:cSld>
-    <p:spTree>
-      <p:nvGrpSpPr>
-        <p:cNvPr id="1" name=""/>
-        <p:cNvGrpSpPr/>
-        <p:nvPr/>
-      </p:nvGrpSpPr>
-      <p:grpSpPr>
-        <a:xfrm>
-          <a:off x="0" y="0"/>
-          <a:ext cx="0" cy="0"/>
-          <a:chOff x="0" y="0"/>
-          <a:chExt cx="0" cy="0"/>
-        </a:xfrm>
-      </p:grpSpPr>
-      <p:sp>
-        <p:nvSpPr>
-          <p:cNvPr id="2" name="Заголовок 1"/>
-          <p:cNvSpPr>
-            <a:spLocks noGrp="1"/>
-          </p:cNvSpPr>
-          <p:nvPr>
-            <p:ph type="title"/>
-          </p:nvPr>
-        </p:nvSpPr>
-        <p:spPr/>
-        <p:txBody>
-          <a:bodyPr/>
-          <a:lstStyle/>
-          <a:p>
-            <a:r>
-              <a:rPr lang="ru-RU" dirty="0"/>
-              <a:t>Практическая ценность</a:t>
-            </a:r>
-          </a:p>
-        </p:txBody>
-      </p:sp>
-    </p:spTree>
-    <p:extLst>
-      <p:ext uri="{BB962C8B-B14F-4D97-AF65-F5344CB8AC3E}">
-        <p14:creationId xmlns:p14="http://schemas.microsoft.com/office/powerpoint/2010/main" val="1119145762"/>
-      </p:ext>
-    </p:extLst>
-  </p:cSld>
-  <p:clrMapOvr>
-    <a:masterClrMapping/>
-  </p:clrMapOvr>
-  <p:timing>
-    <p:tnLst>
-      <p:par>
-        <p:cTn id="1" dur="indefinite" restart="never" nodeType="tmRoot"/>
-      </p:par>
-    </p:tnLst>
-  </p:timing>
-</p:sld>
-</file>
-
-<file path=ppt/slides/slide27.xml><?xml version="1.0" encoding="utf-8"?>
-<p:sld xmlns:a="http://schemas.openxmlformats.org/drawingml/2006/main" xmlns:r="http://schemas.openxmlformats.org/officeDocument/2006/relationships" xmlns:p="http://schemas.openxmlformats.org/presentationml/2006/main">
-  <p:cSld>
-    <p:spTree>
-      <p:nvGrpSpPr>
-        <p:cNvPr id="1" name=""/>
-        <p:cNvGrpSpPr/>
-        <p:nvPr/>
-      </p:nvGrpSpPr>
-      <p:grpSpPr>
-        <a:xfrm>
-          <a:off x="0" y="0"/>
-          <a:ext cx="0" cy="0"/>
-          <a:chOff x="0" y="0"/>
-          <a:chExt cx="0" cy="0"/>
-        </a:xfrm>
-      </p:grpSpPr>
-      <p:sp>
-        <p:nvSpPr>
-          <p:cNvPr id="2" name="Заголовок 1"/>
-          <p:cNvSpPr>
-            <a:spLocks noGrp="1"/>
-          </p:cNvSpPr>
-          <p:nvPr>
-            <p:ph type="title"/>
-          </p:nvPr>
-        </p:nvSpPr>
-        <p:spPr/>
-        <p:txBody>
-          <a:bodyPr/>
-          <a:lstStyle/>
-          <a:p>
-            <a:endParaRPr lang="ru-RU" dirty="0"/>
-          </a:p>
-        </p:txBody>
-      </p:sp>
-      <p:pic>
-        <p:nvPicPr>
-          <p:cNvPr id="3" name="Рисунок 2"/>
-          <p:cNvPicPr>
-            <a:picLocks noChangeAspect="1"/>
-          </p:cNvPicPr>
-          <p:nvPr/>
-        </p:nvPicPr>
-        <p:blipFill>
-          <a:blip r:embed="rId2"/>
-          <a:stretch>
-            <a:fillRect/>
-          </a:stretch>
-        </p:blipFill>
-        <p:spPr>
-          <a:xfrm>
-            <a:off x="0" y="0"/>
-            <a:ext cx="12191999" cy="6858000"/>
-          </a:xfrm>
-          <a:prstGeom prst="rect">
-            <a:avLst/>
-          </a:prstGeom>
-        </p:spPr>
-      </p:pic>
-    </p:spTree>
-    <p:extLst>
-      <p:ext uri="{BB962C8B-B14F-4D97-AF65-F5344CB8AC3E}">
-        <p14:creationId xmlns:p14="http://schemas.microsoft.com/office/powerpoint/2010/main" val="1719289203"/>
-      </p:ext>
-    </p:extLst>
-  </p:cSld>
-  <p:clrMapOvr>
-    <a:masterClrMapping/>
-  </p:clrMapOvr>
-  <p:timing>
-    <p:tnLst>
-      <p:par>
-        <p:cTn id="1" dur="indefinite" restart="never" nodeType="tmRoot"/>
-      </p:par>
-    </p:tnLst>
-  </p:timing>
 </p:sld>
 </file>
 
@@ -7036,7 +6476,7 @@
           <p:cNvPr id="1028" name="Picture 4">
             <a:extLst>
               <a:ext uri="{FF2B5EF4-FFF2-40B4-BE49-F238E27FC236}">
-                <a16:creationId xmlns:a16="http://schemas.microsoft.com/office/drawing/2014/main" xmlns="" id="{30ABCFD2-C3DA-4EDF-B89B-87C2319C53F8}"/>
+                <a16:creationId xmlns:a16="http://schemas.microsoft.com/office/drawing/2014/main" id="{30ABCFD2-C3DA-4EDF-B89B-87C2319C53F8}"/>
               </a:ext>
             </a:extLst>
           </p:cNvPr>
@@ -7088,13 +6528,6 @@
   <p:clrMapOvr>
     <a:masterClrMapping/>
   </p:clrMapOvr>
-  <p:timing>
-    <p:tnLst>
-      <p:par>
-        <p:cTn id="1" dur="indefinite" restart="never" nodeType="tmRoot"/>
-      </p:par>
-    </p:tnLst>
-  </p:timing>
 </p:sld>
 </file>
 
@@ -7157,7 +6590,7 @@
           <p:cNvPr id="3" name="Прямоугольник 2">
             <a:extLst>
               <a:ext uri="{FF2B5EF4-FFF2-40B4-BE49-F238E27FC236}">
-                <a16:creationId xmlns:a16="http://schemas.microsoft.com/office/drawing/2014/main" xmlns="" id="{C53A0080-971A-4849-B7B4-78201BA5AE12}"/>
+                <a16:creationId xmlns:a16="http://schemas.microsoft.com/office/drawing/2014/main" id="{C53A0080-971A-4849-B7B4-78201BA5AE12}"/>
               </a:ext>
             </a:extLst>
           </p:cNvPr>
@@ -7275,7 +6708,7 @@
           <p:cNvPr id="4" name="Прямоугольник 3">
             <a:extLst>
               <a:ext uri="{FF2B5EF4-FFF2-40B4-BE49-F238E27FC236}">
-                <a16:creationId xmlns:a16="http://schemas.microsoft.com/office/drawing/2014/main" xmlns="" id="{D703FACC-6B90-4590-A0AF-24A131AD3FCC}"/>
+                <a16:creationId xmlns:a16="http://schemas.microsoft.com/office/drawing/2014/main" id="{D703FACC-6B90-4590-A0AF-24A131AD3FCC}"/>
               </a:ext>
             </a:extLst>
           </p:cNvPr>
@@ -7348,13 +6781,6 @@
   <p:clrMapOvr>
     <a:masterClrMapping/>
   </p:clrMapOvr>
-  <p:timing>
-    <p:tnLst>
-      <p:par>
-        <p:cTn id="1" dur="indefinite" restart="never" nodeType="tmRoot"/>
-      </p:par>
-    </p:tnLst>
-  </p:timing>
 </p:sld>
 </file>
 
@@ -7790,13 +7216,6 @@
   <p:clrMapOvr>
     <a:masterClrMapping/>
   </p:clrMapOvr>
-  <p:timing>
-    <p:tnLst>
-      <p:par>
-        <p:cTn id="1" dur="indefinite" restart="never" nodeType="tmRoot"/>
-      </p:par>
-    </p:tnLst>
-  </p:timing>
 </p:sld>
 </file>
 
@@ -7834,13 +7253,8 @@
           <a:p>
             <a:r>
               <a:rPr lang="ru-RU" dirty="0"/>
-              <a:t>Работа с </a:t>
-            </a:r>
-            <a:r>
-              <a:rPr lang="ru-RU" dirty="0" smtClean="0"/>
-              <a:t>пользователем. Цели</a:t>
-            </a:r>
-            <a:endParaRPr lang="ru-RU" dirty="0"/>
+              <a:t>Работа с пользователем. Цели</a:t>
+            </a:r>
           </a:p>
         </p:txBody>
       </p:sp>
@@ -7871,7 +7285,7 @@
               <a:buChar char="•"/>
             </a:pPr>
             <a:r>
-              <a:rPr lang="ru-RU" sz="2800" dirty="0" smtClean="0"/>
+              <a:rPr lang="ru-RU" sz="2800" dirty="0"/>
               <a:t>Привлечение пользователя</a:t>
             </a:r>
           </a:p>
@@ -7881,7 +7295,7 @@
               <a:buChar char="•"/>
             </a:pPr>
             <a:r>
-              <a:rPr lang="ru-RU" sz="2800" dirty="0" smtClean="0"/>
+              <a:rPr lang="ru-RU" sz="2800" dirty="0"/>
               <a:t>Удержание пользователя</a:t>
             </a:r>
           </a:p>
@@ -7891,10 +7305,9 @@
               <a:buChar char="•"/>
             </a:pPr>
             <a:r>
-              <a:rPr lang="ru-RU" sz="2800" dirty="0" smtClean="0"/>
+              <a:rPr lang="ru-RU" sz="2800" dirty="0"/>
               <a:t>Практичность использования</a:t>
             </a:r>
-            <a:endParaRPr lang="ru-RU" sz="2800" dirty="0"/>
           </a:p>
         </p:txBody>
       </p:sp>
@@ -7928,7 +7341,6 @@
               <a:rPr lang="ru-RU" sz="2800" dirty="0"/>
               <a:t>Внешний вид </a:t>
             </a:r>
-            <a:endParaRPr lang="ru-RU" sz="2800" dirty="0" smtClean="0"/>
           </a:p>
           <a:p>
             <a:pPr marL="285750" indent="-285750">
@@ -7936,7 +7348,7 @@
               <a:buChar char="•"/>
             </a:pPr>
             <a:r>
-              <a:rPr lang="ru-RU" sz="2800" dirty="0" smtClean="0"/>
+              <a:rPr lang="ru-RU" sz="2800" dirty="0"/>
               <a:t>Быстродействие </a:t>
             </a:r>
           </a:p>
@@ -7946,10 +7358,9 @@
               <a:buChar char="•"/>
             </a:pPr>
             <a:r>
-              <a:rPr lang="ru-RU" sz="2800" dirty="0" smtClean="0"/>
+              <a:rPr lang="ru-RU" sz="2800" dirty="0"/>
               <a:t>Подсказки</a:t>
             </a:r>
-            <a:endParaRPr lang="ru-RU" sz="2800" dirty="0"/>
           </a:p>
         </p:txBody>
       </p:sp>
@@ -7963,13 +7374,6 @@
   <p:clrMapOvr>
     <a:masterClrMapping/>
   </p:clrMapOvr>
-  <p:timing>
-    <p:tnLst>
-      <p:par>
-        <p:cTn id="1" dur="indefinite" restart="never" nodeType="tmRoot"/>
-      </p:par>
-    </p:tnLst>
-  </p:timing>
 </p:sld>
 </file>
 
@@ -8080,7 +7484,7 @@
               <a:buChar char="•"/>
             </a:pPr>
             <a:r>
-              <a:rPr lang="ru-RU" sz="2400" dirty="0" smtClean="0"/>
+              <a:rPr lang="ru-RU" sz="2400" dirty="0"/>
               <a:t>Привлекательная цветовая гамма</a:t>
             </a:r>
           </a:p>
@@ -8090,7 +7494,7 @@
               <a:buChar char="•"/>
             </a:pPr>
             <a:r>
-              <a:rPr lang="ru-RU" sz="2400" dirty="0" smtClean="0"/>
+              <a:rPr lang="ru-RU" sz="2400" dirty="0"/>
               <a:t>Читаемые шрифты</a:t>
             </a:r>
           </a:p>
@@ -8100,7 +7504,7 @@
               <a:buChar char="•"/>
             </a:pPr>
             <a:r>
-              <a:rPr lang="ru-RU" sz="2400" dirty="0" smtClean="0"/>
+              <a:rPr lang="ru-RU" sz="2400" dirty="0"/>
               <a:t>Цвет определяет функцию</a:t>
             </a:r>
           </a:p>
@@ -8110,7 +7514,7 @@
               <a:buChar char="•"/>
             </a:pPr>
             <a:r>
-              <a:rPr lang="ru-RU" sz="2400" dirty="0" smtClean="0"/>
+              <a:rPr lang="ru-RU" sz="2400" dirty="0"/>
               <a:t>Контраст выделяет функциональные блоки</a:t>
             </a:r>
           </a:p>
@@ -8143,13 +7547,6 @@
   <p:clrMapOvr>
     <a:masterClrMapping/>
   </p:clrMapOvr>
-  <p:timing>
-    <p:tnLst>
-      <p:par>
-        <p:cTn id="1" dur="indefinite" restart="never" nodeType="tmRoot"/>
-      </p:par>
-    </p:tnLst>
-  </p:timing>
 </p:sld>
 </file>
 
@@ -8186,10 +7583,9 @@
           <a:lstStyle/>
           <a:p>
             <a:r>
-              <a:rPr lang="ru-RU" dirty="0" smtClean="0"/>
+              <a:rPr lang="ru-RU" dirty="0"/>
               <a:t>Быстродействие программы обеспечивает</a:t>
             </a:r>
-            <a:endParaRPr lang="ru-RU" dirty="0"/>
           </a:p>
         </p:txBody>
       </p:sp>
@@ -8220,7 +7616,7 @@
               <a:buChar char="•"/>
             </a:pPr>
             <a:r>
-              <a:rPr lang="ru-RU" sz="3200" dirty="0" smtClean="0"/>
+              <a:rPr lang="ru-RU" sz="3200" dirty="0"/>
               <a:t>Быстрый доступ к информации</a:t>
             </a:r>
           </a:p>
@@ -8230,7 +7626,7 @@
               <a:buChar char="•"/>
             </a:pPr>
             <a:r>
-              <a:rPr lang="ru-RU" sz="3200" dirty="0" smtClean="0"/>
+              <a:rPr lang="ru-RU" sz="3200" dirty="0"/>
               <a:t>Возможность работы с большим объемом данных</a:t>
             </a:r>
           </a:p>
@@ -8240,7 +7636,7 @@
               <a:buChar char="•"/>
             </a:pPr>
             <a:r>
-              <a:rPr lang="ru-RU" sz="3200" dirty="0" smtClean="0"/>
+              <a:rPr lang="ru-RU" sz="3200" dirty="0"/>
               <a:t>Концентрацию на выполнении задач</a:t>
             </a:r>
           </a:p>
@@ -8250,10 +7646,9 @@
               <a:buChar char="•"/>
             </a:pPr>
             <a:r>
-              <a:rPr lang="ru-RU" sz="3200" dirty="0" smtClean="0"/>
+              <a:rPr lang="ru-RU" sz="3200" dirty="0"/>
               <a:t>Малые затраты ресурсов компьютера</a:t>
             </a:r>
-            <a:endParaRPr lang="ru-RU" sz="3200" dirty="0"/>
           </a:p>
         </p:txBody>
       </p:sp>
@@ -8308,13 +7703,6 @@
   <p:clrMapOvr>
     <a:masterClrMapping/>
   </p:clrMapOvr>
-  <p:timing>
-    <p:tnLst>
-      <p:par>
-        <p:cTn id="1" dur="indefinite" restart="never" nodeType="tmRoot"/>
-      </p:par>
-    </p:tnLst>
-  </p:timing>
 </p:sld>
 </file>
 
@@ -8408,7 +7796,7 @@
               <a:buChar char="•"/>
             </a:pPr>
             <a:r>
-              <a:rPr lang="ru-RU" sz="2400" dirty="0" smtClean="0"/>
+              <a:rPr lang="ru-RU" sz="2400" dirty="0"/>
               <a:t>Начальный экран</a:t>
             </a:r>
           </a:p>
@@ -8418,7 +7806,7 @@
               <a:buChar char="•"/>
             </a:pPr>
             <a:r>
-              <a:rPr lang="ru-RU" sz="2400" dirty="0" smtClean="0"/>
+              <a:rPr lang="ru-RU" sz="2400" dirty="0"/>
               <a:t>Говорящий вид кнопок</a:t>
             </a:r>
           </a:p>
@@ -8428,7 +7816,7 @@
               <a:buChar char="•"/>
             </a:pPr>
             <a:r>
-              <a:rPr lang="ru-RU" sz="2400" dirty="0" smtClean="0"/>
+              <a:rPr lang="ru-RU" sz="2400" dirty="0"/>
               <a:t>Навигация по программе</a:t>
             </a:r>
           </a:p>
@@ -8438,7 +7826,7 @@
               <a:buChar char="•"/>
             </a:pPr>
             <a:r>
-              <a:rPr lang="ru-RU" sz="2400" dirty="0" smtClean="0"/>
+              <a:rPr lang="ru-RU" sz="2400" dirty="0"/>
               <a:t>Подтверждение действий</a:t>
             </a:r>
           </a:p>
@@ -8719,7 +8107,7 @@
   <a:extraClrSchemeLst/>
   <a:extLst>
     <a:ext uri="{05A4C25C-085E-4340-85A3-A5531E510DB2}">
-      <thm15:themeFamily xmlns:thm15="http://schemas.microsoft.com/office/thememl/2012/main" xmlns="" name="Office Theme" id="{62F939B6-93AF-4DB8-9C6B-D6C7DFDC589F}" vid="{4A3C46E8-61CC-4603-A589-7422A47A8E4A}"/>
+      <thm15:themeFamily xmlns:thm15="http://schemas.microsoft.com/office/thememl/2012/main" name="Office Theme" id="{62F939B6-93AF-4DB8-9C6B-D6C7DFDC589F}" vid="{4A3C46E8-61CC-4603-A589-7422A47A8E4A}"/>
     </a:ext>
   </a:extLst>
 </a:theme>

--- a/docs/Timelon.pptx
+++ b/docs/Timelon.pptx
@@ -8832,7 +8832,7 @@
           </a:lstStyle>
           <a:p>
             <a:r>
-              <a:rPr lang="ru-RU" smtClean="0"/>
+              <a:rPr lang="ru-RU"/>
               <a:t>Образец заголовка</a:t>
             </a:r>
             <a:endParaRPr lang="en-US" dirty="0"/>
@@ -8912,7 +8912,7 @@
           </a:lstStyle>
           <a:p>
             <a:r>
-              <a:rPr lang="ru-RU" smtClean="0"/>
+              <a:rPr lang="ru-RU"/>
               <a:t>Образец подзаголовка</a:t>
             </a:r>
             <a:endParaRPr lang="en-US" dirty="0"/>
@@ -9071,7 +9071,7 @@
           <a:lstStyle/>
           <a:p>
             <a:r>
-              <a:rPr lang="ru-RU" smtClean="0"/>
+              <a:rPr lang="ru-RU"/>
               <a:t>Образец заголовка</a:t>
             </a:r>
             <a:endParaRPr lang="en-US" dirty="0"/>
@@ -9095,35 +9095,35 @@
           <a:p>
             <a:pPr lvl="0"/>
             <a:r>
-              <a:rPr lang="ru-RU" smtClean="0"/>
+              <a:rPr lang="ru-RU"/>
               <a:t>Образец текста</a:t>
             </a:r>
           </a:p>
           <a:p>
             <a:pPr lvl="1"/>
             <a:r>
-              <a:rPr lang="ru-RU" smtClean="0"/>
+              <a:rPr lang="ru-RU"/>
               <a:t>Второй уровень</a:t>
             </a:r>
           </a:p>
           <a:p>
             <a:pPr lvl="2"/>
             <a:r>
-              <a:rPr lang="ru-RU" smtClean="0"/>
+              <a:rPr lang="ru-RU"/>
               <a:t>Третий уровень</a:t>
             </a:r>
           </a:p>
           <a:p>
             <a:pPr lvl="3"/>
             <a:r>
-              <a:rPr lang="ru-RU" smtClean="0"/>
+              <a:rPr lang="ru-RU"/>
               <a:t>Четвертый уровень</a:t>
             </a:r>
           </a:p>
           <a:p>
             <a:pPr lvl="4"/>
             <a:r>
-              <a:rPr lang="ru-RU" smtClean="0"/>
+              <a:rPr lang="ru-RU"/>
               <a:t>Пятый уровень</a:t>
             </a:r>
             <a:endParaRPr lang="en-US" dirty="0"/>
@@ -9246,7 +9246,7 @@
           <a:lstStyle/>
           <a:p>
             <a:r>
-              <a:rPr lang="ru-RU" smtClean="0"/>
+              <a:rPr lang="ru-RU"/>
               <a:t>Образец заголовка</a:t>
             </a:r>
             <a:endParaRPr lang="en-US" dirty="0"/>
@@ -9275,35 +9275,35 @@
           <a:p>
             <a:pPr lvl="0"/>
             <a:r>
-              <a:rPr lang="ru-RU" smtClean="0"/>
+              <a:rPr lang="ru-RU"/>
               <a:t>Образец текста</a:t>
             </a:r>
           </a:p>
           <a:p>
             <a:pPr lvl="1"/>
             <a:r>
-              <a:rPr lang="ru-RU" smtClean="0"/>
+              <a:rPr lang="ru-RU"/>
               <a:t>Второй уровень</a:t>
             </a:r>
           </a:p>
           <a:p>
             <a:pPr lvl="2"/>
             <a:r>
-              <a:rPr lang="ru-RU" smtClean="0"/>
+              <a:rPr lang="ru-RU"/>
               <a:t>Третий уровень</a:t>
             </a:r>
           </a:p>
           <a:p>
             <a:pPr lvl="3"/>
             <a:r>
-              <a:rPr lang="ru-RU" smtClean="0"/>
+              <a:rPr lang="ru-RU"/>
               <a:t>Четвертый уровень</a:t>
             </a:r>
           </a:p>
           <a:p>
             <a:pPr lvl="4"/>
             <a:r>
-              <a:rPr lang="ru-RU" smtClean="0"/>
+              <a:rPr lang="ru-RU"/>
               <a:t>Пятый уровень</a:t>
             </a:r>
             <a:endParaRPr lang="en-US" dirty="0"/>
@@ -9456,7 +9456,7 @@
           <a:lstStyle/>
           <a:p>
             <a:r>
-              <a:rPr lang="ru-RU" smtClean="0"/>
+              <a:rPr lang="ru-RU"/>
               <a:t>Образец заголовка</a:t>
             </a:r>
             <a:endParaRPr lang="en-US" dirty="0"/>
@@ -9480,35 +9480,35 @@
           <a:p>
             <a:pPr lvl="0"/>
             <a:r>
-              <a:rPr lang="ru-RU" smtClean="0"/>
+              <a:rPr lang="ru-RU"/>
               <a:t>Образец текста</a:t>
             </a:r>
           </a:p>
           <a:p>
             <a:pPr lvl="1"/>
             <a:r>
-              <a:rPr lang="ru-RU" smtClean="0"/>
+              <a:rPr lang="ru-RU"/>
               <a:t>Второй уровень</a:t>
             </a:r>
           </a:p>
           <a:p>
             <a:pPr lvl="2"/>
             <a:r>
-              <a:rPr lang="ru-RU" smtClean="0"/>
+              <a:rPr lang="ru-RU"/>
               <a:t>Третий уровень</a:t>
             </a:r>
           </a:p>
           <a:p>
             <a:pPr lvl="3"/>
             <a:r>
-              <a:rPr lang="ru-RU" smtClean="0"/>
+              <a:rPr lang="ru-RU"/>
               <a:t>Четвертый уровень</a:t>
             </a:r>
           </a:p>
           <a:p>
             <a:pPr lvl="4"/>
             <a:r>
-              <a:rPr lang="ru-RU" smtClean="0"/>
+              <a:rPr lang="ru-RU"/>
               <a:t>Пятый уровень</a:t>
             </a:r>
             <a:endParaRPr lang="en-US" dirty="0"/>
@@ -18278,7 +18278,7 @@
           </a:lstStyle>
           <a:p>
             <a:r>
-              <a:rPr lang="ru-RU" smtClean="0"/>
+              <a:rPr lang="ru-RU"/>
               <a:t>Образец заголовка</a:t>
             </a:r>
             <a:endParaRPr lang="en-US" dirty="0"/>
@@ -18407,7 +18407,7 @@
           <a:p>
             <a:pPr lvl="0"/>
             <a:r>
-              <a:rPr lang="ru-RU" smtClean="0"/>
+              <a:rPr lang="ru-RU"/>
               <a:t>Образец текста</a:t>
             </a:r>
           </a:p>
@@ -18566,7 +18566,7 @@
           <a:lstStyle/>
           <a:p>
             <a:r>
-              <a:rPr lang="ru-RU" smtClean="0"/>
+              <a:rPr lang="ru-RU"/>
               <a:t>Образец заголовка</a:t>
             </a:r>
             <a:endParaRPr lang="en-US" dirty="0"/>
@@ -18595,35 +18595,35 @@
           <a:p>
             <a:pPr lvl="0"/>
             <a:r>
-              <a:rPr lang="ru-RU" smtClean="0"/>
+              <a:rPr lang="ru-RU"/>
               <a:t>Образец текста</a:t>
             </a:r>
           </a:p>
           <a:p>
             <a:pPr lvl="1"/>
             <a:r>
-              <a:rPr lang="ru-RU" smtClean="0"/>
+              <a:rPr lang="ru-RU"/>
               <a:t>Второй уровень</a:t>
             </a:r>
           </a:p>
           <a:p>
             <a:pPr lvl="2"/>
             <a:r>
-              <a:rPr lang="ru-RU" smtClean="0"/>
+              <a:rPr lang="ru-RU"/>
               <a:t>Третий уровень</a:t>
             </a:r>
           </a:p>
           <a:p>
             <a:pPr lvl="3"/>
             <a:r>
-              <a:rPr lang="ru-RU" smtClean="0"/>
+              <a:rPr lang="ru-RU"/>
               <a:t>Четвертый уровень</a:t>
             </a:r>
           </a:p>
           <a:p>
             <a:pPr lvl="4"/>
             <a:r>
-              <a:rPr lang="ru-RU" smtClean="0"/>
+              <a:rPr lang="ru-RU"/>
               <a:t>Пятый уровень</a:t>
             </a:r>
             <a:endParaRPr lang="en-US" dirty="0"/>
@@ -18652,35 +18652,35 @@
           <a:p>
             <a:pPr lvl="0"/>
             <a:r>
-              <a:rPr lang="ru-RU" smtClean="0"/>
+              <a:rPr lang="ru-RU"/>
               <a:t>Образец текста</a:t>
             </a:r>
           </a:p>
           <a:p>
             <a:pPr lvl="1"/>
             <a:r>
-              <a:rPr lang="ru-RU" smtClean="0"/>
+              <a:rPr lang="ru-RU"/>
               <a:t>Второй уровень</a:t>
             </a:r>
           </a:p>
           <a:p>
             <a:pPr lvl="2"/>
             <a:r>
-              <a:rPr lang="ru-RU" smtClean="0"/>
+              <a:rPr lang="ru-RU"/>
               <a:t>Третий уровень</a:t>
             </a:r>
           </a:p>
           <a:p>
             <a:pPr lvl="3"/>
             <a:r>
-              <a:rPr lang="ru-RU" smtClean="0"/>
+              <a:rPr lang="ru-RU"/>
               <a:t>Четвертый уровень</a:t>
             </a:r>
           </a:p>
           <a:p>
             <a:pPr lvl="4"/>
             <a:r>
-              <a:rPr lang="ru-RU" smtClean="0"/>
+              <a:rPr lang="ru-RU"/>
               <a:t>Пятый уровень</a:t>
             </a:r>
             <a:endParaRPr lang="en-US" dirty="0"/>
@@ -18798,7 +18798,7 @@
           <a:lstStyle/>
           <a:p>
             <a:r>
-              <a:rPr lang="ru-RU" smtClean="0"/>
+              <a:rPr lang="ru-RU"/>
               <a:t>Образец заголовка</a:t>
             </a:r>
             <a:endParaRPr lang="en-US" dirty="0"/>
@@ -18877,7 +18877,7 @@
           <a:p>
             <a:pPr lvl="0"/>
             <a:r>
-              <a:rPr lang="ru-RU" smtClean="0"/>
+              <a:rPr lang="ru-RU"/>
               <a:t>Образец текста</a:t>
             </a:r>
           </a:p>
@@ -18905,35 +18905,35 @@
           <a:p>
             <a:pPr lvl="0"/>
             <a:r>
-              <a:rPr lang="ru-RU" smtClean="0"/>
+              <a:rPr lang="ru-RU"/>
               <a:t>Образец текста</a:t>
             </a:r>
           </a:p>
           <a:p>
             <a:pPr lvl="1"/>
             <a:r>
-              <a:rPr lang="ru-RU" smtClean="0"/>
+              <a:rPr lang="ru-RU"/>
               <a:t>Второй уровень</a:t>
             </a:r>
           </a:p>
           <a:p>
             <a:pPr lvl="2"/>
             <a:r>
-              <a:rPr lang="ru-RU" smtClean="0"/>
+              <a:rPr lang="ru-RU"/>
               <a:t>Третий уровень</a:t>
             </a:r>
           </a:p>
           <a:p>
             <a:pPr lvl="3"/>
             <a:r>
-              <a:rPr lang="ru-RU" smtClean="0"/>
+              <a:rPr lang="ru-RU"/>
               <a:t>Четвертый уровень</a:t>
             </a:r>
           </a:p>
           <a:p>
             <a:pPr lvl="4"/>
             <a:r>
-              <a:rPr lang="ru-RU" smtClean="0"/>
+              <a:rPr lang="ru-RU"/>
               <a:t>Пятый уровень</a:t>
             </a:r>
             <a:endParaRPr lang="en-US" dirty="0"/>
@@ -19022,7 +19022,7 @@
               <a:buNone/>
             </a:pPr>
             <a:r>
-              <a:rPr lang="ru-RU" smtClean="0"/>
+              <a:rPr lang="ru-RU"/>
               <a:t>Образец текста</a:t>
             </a:r>
           </a:p>
@@ -19050,35 +19050,35 @@
           <a:p>
             <a:pPr lvl="0"/>
             <a:r>
-              <a:rPr lang="ru-RU" smtClean="0"/>
+              <a:rPr lang="ru-RU"/>
               <a:t>Образец текста</a:t>
             </a:r>
           </a:p>
           <a:p>
             <a:pPr lvl="1"/>
             <a:r>
-              <a:rPr lang="ru-RU" smtClean="0"/>
+              <a:rPr lang="ru-RU"/>
               <a:t>Второй уровень</a:t>
             </a:r>
           </a:p>
           <a:p>
             <a:pPr lvl="2"/>
             <a:r>
-              <a:rPr lang="ru-RU" smtClean="0"/>
+              <a:rPr lang="ru-RU"/>
               <a:t>Третий уровень</a:t>
             </a:r>
           </a:p>
           <a:p>
             <a:pPr lvl="3"/>
             <a:r>
-              <a:rPr lang="ru-RU" smtClean="0"/>
+              <a:rPr lang="ru-RU"/>
               <a:t>Четвертый уровень</a:t>
             </a:r>
           </a:p>
           <a:p>
             <a:pPr lvl="4"/>
             <a:r>
-              <a:rPr lang="ru-RU" smtClean="0"/>
+              <a:rPr lang="ru-RU"/>
               <a:t>Пятый уровень</a:t>
             </a:r>
             <a:endParaRPr lang="en-US" dirty="0"/>
@@ -19196,7 +19196,7 @@
           <a:lstStyle/>
           <a:p>
             <a:r>
-              <a:rPr lang="ru-RU" smtClean="0"/>
+              <a:rPr lang="ru-RU"/>
               <a:t>Образец заголовка</a:t>
             </a:r>
             <a:endParaRPr lang="en-US" dirty="0"/>
@@ -19423,7 +19423,7 @@
           </a:lstStyle>
           <a:p>
             <a:r>
-              <a:rPr lang="ru-RU" smtClean="0"/>
+              <a:rPr lang="ru-RU"/>
               <a:t>Образец заголовка</a:t>
             </a:r>
             <a:endParaRPr lang="en-US" dirty="0"/>
@@ -19480,35 +19480,35 @@
           <a:p>
             <a:pPr lvl="0"/>
             <a:r>
-              <a:rPr lang="ru-RU" smtClean="0"/>
+              <a:rPr lang="ru-RU"/>
               <a:t>Образец текста</a:t>
             </a:r>
           </a:p>
           <a:p>
             <a:pPr lvl="1"/>
             <a:r>
-              <a:rPr lang="ru-RU" smtClean="0"/>
+              <a:rPr lang="ru-RU"/>
               <a:t>Второй уровень</a:t>
             </a:r>
           </a:p>
           <a:p>
             <a:pPr lvl="2"/>
             <a:r>
-              <a:rPr lang="ru-RU" smtClean="0"/>
+              <a:rPr lang="ru-RU"/>
               <a:t>Третий уровень</a:t>
             </a:r>
           </a:p>
           <a:p>
             <a:pPr lvl="3"/>
             <a:r>
-              <a:rPr lang="ru-RU" smtClean="0"/>
+              <a:rPr lang="ru-RU"/>
               <a:t>Четвертый уровень</a:t>
             </a:r>
           </a:p>
           <a:p>
             <a:pPr lvl="4"/>
             <a:r>
-              <a:rPr lang="ru-RU" smtClean="0"/>
+              <a:rPr lang="ru-RU"/>
               <a:t>Пятый уровень</a:t>
             </a:r>
             <a:endParaRPr lang="en-US" dirty="0"/>
@@ -19582,7 +19582,7 @@
           <a:p>
             <a:pPr lvl="0"/>
             <a:r>
-              <a:rPr lang="ru-RU" smtClean="0"/>
+              <a:rPr lang="ru-RU"/>
               <a:t>Образец текста</a:t>
             </a:r>
           </a:p>
@@ -19710,7 +19710,7 @@
           </a:lstStyle>
           <a:p>
             <a:r>
-              <a:rPr lang="ru-RU" smtClean="0"/>
+              <a:rPr lang="ru-RU"/>
               <a:t>Образец заголовка</a:t>
             </a:r>
             <a:endParaRPr lang="en-US" dirty="0"/>
@@ -19781,7 +19781,7 @@
           </a:lstStyle>
           <a:p>
             <a:r>
-              <a:rPr lang="ru-RU" smtClean="0"/>
+              <a:rPr lang="ru-RU"/>
               <a:t>Вставка рисунка</a:t>
             </a:r>
             <a:endParaRPr lang="en-US" dirty="0"/>
@@ -19862,7 +19862,7 @@
           <a:p>
             <a:pPr lvl="0"/>
             <a:r>
-              <a:rPr lang="ru-RU" smtClean="0"/>
+              <a:rPr lang="ru-RU"/>
               <a:t>Образец текста</a:t>
             </a:r>
           </a:p>
@@ -20029,7 +20029,7 @@
           <a:lstStyle/>
           <a:p>
             <a:r>
-              <a:rPr lang="ru-RU" smtClean="0"/>
+              <a:rPr lang="ru-RU"/>
               <a:t>Образец заголовка</a:t>
             </a:r>
             <a:endParaRPr lang="en-US" dirty="0"/>
@@ -20063,35 +20063,35 @@
           <a:p>
             <a:pPr lvl="0"/>
             <a:r>
-              <a:rPr lang="ru-RU" smtClean="0"/>
+              <a:rPr lang="ru-RU"/>
               <a:t>Образец текста</a:t>
             </a:r>
           </a:p>
           <a:p>
             <a:pPr lvl="1"/>
             <a:r>
-              <a:rPr lang="ru-RU" smtClean="0"/>
+              <a:rPr lang="ru-RU"/>
               <a:t>Второй уровень</a:t>
             </a:r>
           </a:p>
           <a:p>
             <a:pPr lvl="2"/>
             <a:r>
-              <a:rPr lang="ru-RU" smtClean="0"/>
+              <a:rPr lang="ru-RU"/>
               <a:t>Третий уровень</a:t>
             </a:r>
           </a:p>
           <a:p>
             <a:pPr lvl="3"/>
             <a:r>
-              <a:rPr lang="ru-RU" smtClean="0"/>
+              <a:rPr lang="ru-RU"/>
               <a:t>Четвертый уровень</a:t>
             </a:r>
           </a:p>
           <a:p>
             <a:pPr lvl="4"/>
             <a:r>
-              <a:rPr lang="ru-RU" smtClean="0"/>
+              <a:rPr lang="ru-RU"/>
               <a:t>Пятый уровень</a:t>
             </a:r>
             <a:endParaRPr lang="en-US" dirty="0"/>
@@ -20672,14 +20672,59 @@
         </p:nvSpPr>
         <p:spPr/>
         <p:txBody>
-          <a:bodyPr/>
+          <a:bodyPr>
+            <a:normAutofit fontScale="92500" lnSpcReduction="20000"/>
+          </a:bodyPr>
           <a:lstStyle/>
           <a:p>
             <a:r>
-              <a:rPr lang="en-US" dirty="0"/>
-              <a:t>By X2 Squad</a:t>
+              <a:rPr lang="ru-RU" dirty="0"/>
+              <a:t>	</a:t>
+            </a:r>
+            <a:r>
+              <a:rPr lang="ru-RU" u="sng" dirty="0"/>
+              <a:t>Команда </a:t>
+            </a:r>
+            <a:r>
+              <a:rPr lang="en-US" u="sng" dirty="0"/>
+              <a:t>X2:</a:t>
+            </a:r>
+            <a:br>
+              <a:rPr lang="en-US" u="sng" dirty="0"/>
+            </a:br>
+            <a:r>
+              <a:rPr lang="ru-RU" dirty="0"/>
+              <a:t>Тимофей Латыпов</a:t>
+            </a:r>
+          </a:p>
+          <a:p>
+            <a:r>
+              <a:rPr lang="ru-RU" dirty="0"/>
+              <a:t>Вадим Пономарев</a:t>
+            </a:r>
+          </a:p>
+          <a:p>
+            <a:r>
+              <a:rPr lang="ru-RU" dirty="0"/>
+              <a:t>Матвей </a:t>
+            </a:r>
+            <a:r>
+              <a:rPr lang="ru-RU" dirty="0" err="1"/>
+              <a:t>Черепан</a:t>
             </a:r>
             <a:endParaRPr lang="ru-RU" dirty="0"/>
+          </a:p>
+          <a:p>
+            <a:r>
+              <a:rPr lang="ru-RU" dirty="0"/>
+              <a:t>Александр Симонов</a:t>
+            </a:r>
+          </a:p>
+          <a:p>
+            <a:r>
+              <a:rPr lang="ru-RU" dirty="0"/>
+              <a:t>Полина Громова</a:t>
+            </a:r>
           </a:p>
         </p:txBody>
       </p:sp>
@@ -21736,13 +21781,8 @@
             <a:pPr algn="just"/>
             <a:r>
               <a:rPr lang="ru-RU" sz="2000" dirty="0"/>
-              <a:t>Пространство имён. Хранит в себе основные классы, экземпляры которых участвуют в обороте данных между постоянной и оперативной памятью</a:t>
-            </a:r>
-            <a:r>
-              <a:rPr lang="ru-RU" sz="2000" dirty="0" smtClean="0"/>
-              <a:t>.</a:t>
-            </a:r>
-            <a:endParaRPr lang="ru-RU" sz="2000" dirty="0"/>
+              <a:t>Пространство имён. Хранит в себе основные классы, экземпляры которых участвуют в обороте данных между постоянной и оперативной памятью.</a:t>
+            </a:r>
           </a:p>
           <a:p>
             <a:pPr algn="just"/>

--- a/docs/Timelon.pptx
+++ b/docs/Timelon.pptx
@@ -20653,8 +20653,16 @@
           <a:lstStyle/>
           <a:p>
             <a:r>
-              <a:rPr lang="en-US" dirty="0" err="1"/>
+              <a:rPr lang="ru-RU" dirty="0"/>
+              <a:t>Список задач «</a:t>
+            </a:r>
+            <a:r>
+              <a:rPr lang="en-US" dirty="0"/>
               <a:t>Timelon</a:t>
+            </a:r>
+            <a:r>
+              <a:rPr lang="ru-RU"/>
+              <a:t>»</a:t>
             </a:r>
             <a:endParaRPr lang="ru-RU" dirty="0"/>
           </a:p>
